--- a/ppts.pptx
+++ b/ppts.pptx
@@ -7,6 +7,8 @@
   <p:sldIdLst>
     <p:sldId id="256" r:id="rId2"/>
     <p:sldId id="257" r:id="rId3"/>
+    <p:sldId id="258" r:id="rId4"/>
+    <p:sldId id="259" r:id="rId5"/>
   </p:sldIdLst>
   <p:sldSz cx="12192000" cy="6858000"/>
   <p:notesSz cx="6858000" cy="9144000"/>
@@ -4621,8 +4623,8 @@
         </p:nvSpPr>
         <p:spPr>
           <a:xfrm>
-            <a:off x="8537510" y="765109"/>
-            <a:ext cx="3256384" cy="3139321"/>
+            <a:off x="8416212" y="89410"/>
+            <a:ext cx="3256384" cy="4801314"/>
           </a:xfrm>
           <a:prstGeom prst="rect">
             <a:avLst/>
@@ -4637,8 +4639,11 @@
           <a:p>
             <a:r>
               <a:rPr lang="en-IN" dirty="0"/>
-              <a:t>Check if the Syntax is followed as per the language rules, e.g. we need ‘;’ as a statement terminator. Check if expression satisfies the rule of LHS = RHS, the Common Language Specification (CLS)</a:t>
-            </a:r>
+              <a:t>Check if the Syntax is followed as per the language rules, e.g. we need ‘;’ as a statement terminator. Check if expression satisfies the rule of LHS = RHS, the Common Language Specification (CLS). If a class is to be used in the code-file, then make sure that the namespace declaring this class must be imported (used with using) in the code file</a:t>
+            </a:r>
+          </a:p>
+          <a:p>
+            <a:endParaRPr lang="en-IN" dirty="0"/>
           </a:p>
           <a:p>
             <a:endParaRPr lang="en-IN" dirty="0"/>
@@ -4670,7 +4675,7 @@
         <p:spPr>
           <a:xfrm>
             <a:off x="7147249" y="1733939"/>
-            <a:ext cx="1390261" cy="600831"/>
+            <a:ext cx="1268963" cy="756128"/>
           </a:xfrm>
           <a:prstGeom prst="bentConnector3">
             <a:avLst/>
@@ -5166,6 +5171,2642 @@
     <p:extLst>
       <p:ext uri="{BB962C8B-B14F-4D97-AF65-F5344CB8AC3E}">
         <p14:creationId xmlns:p14="http://schemas.microsoft.com/office/powerpoint/2010/main" val="113353548"/>
+      </p:ext>
+    </p:extLst>
+  </p:cSld>
+  <p:clrMapOvr>
+    <a:masterClrMapping/>
+  </p:clrMapOvr>
+</p:sld>
+</file>
+
+<file path=ppt/slides/slide3.xml><?xml version="1.0" encoding="utf-8"?>
+<p:sld xmlns:a="http://schemas.openxmlformats.org/drawingml/2006/main" xmlns:r="http://schemas.openxmlformats.org/officeDocument/2006/relationships" xmlns:p="http://schemas.openxmlformats.org/presentationml/2006/main">
+  <p:cSld>
+    <p:spTree>
+      <p:nvGrpSpPr>
+        <p:cNvPr id="1" name=""/>
+        <p:cNvGrpSpPr/>
+        <p:nvPr/>
+      </p:nvGrpSpPr>
+      <p:grpSpPr>
+        <a:xfrm>
+          <a:off x="0" y="0"/>
+          <a:ext cx="0" cy="0"/>
+          <a:chOff x="0" y="0"/>
+          <a:chExt cx="0" cy="0"/>
+        </a:xfrm>
+      </p:grpSpPr>
+      <p:graphicFrame>
+        <p:nvGraphicFramePr>
+          <p:cNvPr id="2" name="Table 2">
+            <a:extLst>
+              <a:ext uri="{FF2B5EF4-FFF2-40B4-BE49-F238E27FC236}">
+                <a16:creationId xmlns:a16="http://schemas.microsoft.com/office/drawing/2014/main" id="{DF497524-A26C-4DB1-D744-7E33A5887B0D}"/>
+              </a:ext>
+            </a:extLst>
+          </p:cNvPr>
+          <p:cNvGraphicFramePr>
+            <a:graphicFrameLocks noGrp="1"/>
+          </p:cNvGraphicFramePr>
+          <p:nvPr>
+            <p:extLst>
+              <p:ext uri="{D42A27DB-BD31-4B8C-83A1-F6EECF244321}">
+                <p14:modId xmlns:p14="http://schemas.microsoft.com/office/powerpoint/2010/main" val="2905503171"/>
+              </p:ext>
+            </p:extLst>
+          </p:nvPr>
+        </p:nvGraphicFramePr>
+        <p:xfrm>
+          <a:off x="1154922" y="1615405"/>
+          <a:ext cx="8128002" cy="4820920"/>
+        </p:xfrm>
+        <a:graphic>
+          <a:graphicData uri="http://schemas.openxmlformats.org/drawingml/2006/table">
+            <a:tbl>
+              <a:tblPr firstRow="1" bandRow="1">
+                <a:tableStyleId>{5C22544A-7EE6-4342-B048-85BDC9FD1C3A}</a:tableStyleId>
+              </a:tblPr>
+              <a:tblGrid>
+                <a:gridCol w="1354667">
+                  <a:extLst>
+                    <a:ext uri="{9D8B030D-6E8A-4147-A177-3AD203B41FA5}">
+                      <a16:colId xmlns:a16="http://schemas.microsoft.com/office/drawing/2014/main" val="4116093967"/>
+                    </a:ext>
+                  </a:extLst>
+                </a:gridCol>
+                <a:gridCol w="1354667">
+                  <a:extLst>
+                    <a:ext uri="{9D8B030D-6E8A-4147-A177-3AD203B41FA5}">
+                      <a16:colId xmlns:a16="http://schemas.microsoft.com/office/drawing/2014/main" val="2841410218"/>
+                    </a:ext>
+                  </a:extLst>
+                </a:gridCol>
+                <a:gridCol w="1354667">
+                  <a:extLst>
+                    <a:ext uri="{9D8B030D-6E8A-4147-A177-3AD203B41FA5}">
+                      <a16:colId xmlns:a16="http://schemas.microsoft.com/office/drawing/2014/main" val="1828146055"/>
+                    </a:ext>
+                  </a:extLst>
+                </a:gridCol>
+                <a:gridCol w="1354667">
+                  <a:extLst>
+                    <a:ext uri="{9D8B030D-6E8A-4147-A177-3AD203B41FA5}">
+                      <a16:colId xmlns:a16="http://schemas.microsoft.com/office/drawing/2014/main" val="3528612889"/>
+                    </a:ext>
+                  </a:extLst>
+                </a:gridCol>
+                <a:gridCol w="1354667">
+                  <a:extLst>
+                    <a:ext uri="{9D8B030D-6E8A-4147-A177-3AD203B41FA5}">
+                      <a16:colId xmlns:a16="http://schemas.microsoft.com/office/drawing/2014/main" val="44596080"/>
+                    </a:ext>
+                  </a:extLst>
+                </a:gridCol>
+                <a:gridCol w="1354667">
+                  <a:extLst>
+                    <a:ext uri="{9D8B030D-6E8A-4147-A177-3AD203B41FA5}">
+                      <a16:colId xmlns:a16="http://schemas.microsoft.com/office/drawing/2014/main" val="3823357915"/>
+                    </a:ext>
+                  </a:extLst>
+                </a:gridCol>
+              </a:tblGrid>
+              <a:tr h="370840">
+                <a:tc>
+                  <a:txBody>
+                    <a:bodyPr/>
+                    <a:lstStyle/>
+                    <a:p>
+                      <a:endParaRPr lang="en-US"/>
+                    </a:p>
+                  </a:txBody>
+                  <a:tcPr/>
+                </a:tc>
+                <a:tc>
+                  <a:txBody>
+                    <a:bodyPr/>
+                    <a:lstStyle/>
+                    <a:p>
+                      <a:endParaRPr lang="en-US"/>
+                    </a:p>
+                  </a:txBody>
+                  <a:tcPr/>
+                </a:tc>
+                <a:tc>
+                  <a:txBody>
+                    <a:bodyPr/>
+                    <a:lstStyle/>
+                    <a:p>
+                      <a:endParaRPr lang="en-US"/>
+                    </a:p>
+                  </a:txBody>
+                  <a:tcPr/>
+                </a:tc>
+                <a:tc>
+                  <a:txBody>
+                    <a:bodyPr/>
+                    <a:lstStyle/>
+                    <a:p>
+                      <a:endParaRPr lang="en-US"/>
+                    </a:p>
+                  </a:txBody>
+                  <a:tcPr/>
+                </a:tc>
+                <a:tc>
+                  <a:txBody>
+                    <a:bodyPr/>
+                    <a:lstStyle/>
+                    <a:p>
+                      <a:endParaRPr lang="en-US"/>
+                    </a:p>
+                  </a:txBody>
+                  <a:tcPr/>
+                </a:tc>
+                <a:tc>
+                  <a:txBody>
+                    <a:bodyPr/>
+                    <a:lstStyle/>
+                    <a:p>
+                      <a:endParaRPr lang="en-US"/>
+                    </a:p>
+                  </a:txBody>
+                  <a:tcPr/>
+                </a:tc>
+                <a:extLst>
+                  <a:ext uri="{0D108BD9-81ED-4DB2-BD59-A6C34878D82A}">
+                    <a16:rowId xmlns:a16="http://schemas.microsoft.com/office/drawing/2014/main" val="385895364"/>
+                  </a:ext>
+                </a:extLst>
+              </a:tr>
+              <a:tr h="370840">
+                <a:tc>
+                  <a:txBody>
+                    <a:bodyPr/>
+                    <a:lstStyle/>
+                    <a:p>
+                      <a:endParaRPr lang="en-US"/>
+                    </a:p>
+                  </a:txBody>
+                  <a:tcPr/>
+                </a:tc>
+                <a:tc>
+                  <a:txBody>
+                    <a:bodyPr/>
+                    <a:lstStyle/>
+                    <a:p>
+                      <a:endParaRPr lang="en-US"/>
+                    </a:p>
+                  </a:txBody>
+                  <a:tcPr/>
+                </a:tc>
+                <a:tc>
+                  <a:txBody>
+                    <a:bodyPr/>
+                    <a:lstStyle/>
+                    <a:p>
+                      <a:endParaRPr lang="en-US"/>
+                    </a:p>
+                  </a:txBody>
+                  <a:tcPr/>
+                </a:tc>
+                <a:tc>
+                  <a:txBody>
+                    <a:bodyPr/>
+                    <a:lstStyle/>
+                    <a:p>
+                      <a:endParaRPr lang="en-US"/>
+                    </a:p>
+                  </a:txBody>
+                  <a:tcPr/>
+                </a:tc>
+                <a:tc>
+                  <a:txBody>
+                    <a:bodyPr/>
+                    <a:lstStyle/>
+                    <a:p>
+                      <a:endParaRPr lang="en-US"/>
+                    </a:p>
+                  </a:txBody>
+                  <a:tcPr/>
+                </a:tc>
+                <a:tc>
+                  <a:txBody>
+                    <a:bodyPr/>
+                    <a:lstStyle/>
+                    <a:p>
+                      <a:endParaRPr lang="en-US"/>
+                    </a:p>
+                  </a:txBody>
+                  <a:tcPr/>
+                </a:tc>
+                <a:extLst>
+                  <a:ext uri="{0D108BD9-81ED-4DB2-BD59-A6C34878D82A}">
+                    <a16:rowId xmlns:a16="http://schemas.microsoft.com/office/drawing/2014/main" val="1013500461"/>
+                  </a:ext>
+                </a:extLst>
+              </a:tr>
+              <a:tr h="370840">
+                <a:tc>
+                  <a:txBody>
+                    <a:bodyPr/>
+                    <a:lstStyle/>
+                    <a:p>
+                      <a:endParaRPr lang="en-US"/>
+                    </a:p>
+                  </a:txBody>
+                  <a:tcPr/>
+                </a:tc>
+                <a:tc>
+                  <a:txBody>
+                    <a:bodyPr/>
+                    <a:lstStyle/>
+                    <a:p>
+                      <a:endParaRPr lang="en-US"/>
+                    </a:p>
+                  </a:txBody>
+                  <a:tcPr/>
+                </a:tc>
+                <a:tc>
+                  <a:txBody>
+                    <a:bodyPr/>
+                    <a:lstStyle/>
+                    <a:p>
+                      <a:endParaRPr lang="en-US"/>
+                    </a:p>
+                  </a:txBody>
+                  <a:tcPr/>
+                </a:tc>
+                <a:tc>
+                  <a:txBody>
+                    <a:bodyPr/>
+                    <a:lstStyle/>
+                    <a:p>
+                      <a:endParaRPr lang="en-US"/>
+                    </a:p>
+                  </a:txBody>
+                  <a:tcPr/>
+                </a:tc>
+                <a:tc>
+                  <a:txBody>
+                    <a:bodyPr/>
+                    <a:lstStyle/>
+                    <a:p>
+                      <a:endParaRPr lang="en-US"/>
+                    </a:p>
+                  </a:txBody>
+                  <a:tcPr/>
+                </a:tc>
+                <a:tc>
+                  <a:txBody>
+                    <a:bodyPr/>
+                    <a:lstStyle/>
+                    <a:p>
+                      <a:endParaRPr lang="en-US" dirty="0"/>
+                    </a:p>
+                  </a:txBody>
+                  <a:tcPr/>
+                </a:tc>
+                <a:extLst>
+                  <a:ext uri="{0D108BD9-81ED-4DB2-BD59-A6C34878D82A}">
+                    <a16:rowId xmlns:a16="http://schemas.microsoft.com/office/drawing/2014/main" val="9922629"/>
+                  </a:ext>
+                </a:extLst>
+              </a:tr>
+              <a:tr h="370840">
+                <a:tc>
+                  <a:txBody>
+                    <a:bodyPr/>
+                    <a:lstStyle/>
+                    <a:p>
+                      <a:endParaRPr lang="en-US" dirty="0"/>
+                    </a:p>
+                  </a:txBody>
+                  <a:tcPr/>
+                </a:tc>
+                <a:tc>
+                  <a:txBody>
+                    <a:bodyPr/>
+                    <a:lstStyle/>
+                    <a:p>
+                      <a:endParaRPr lang="en-US" dirty="0"/>
+                    </a:p>
+                  </a:txBody>
+                  <a:tcPr/>
+                </a:tc>
+                <a:tc>
+                  <a:txBody>
+                    <a:bodyPr/>
+                    <a:lstStyle/>
+                    <a:p>
+                      <a:endParaRPr lang="en-US" dirty="0"/>
+                    </a:p>
+                  </a:txBody>
+                  <a:tcPr/>
+                </a:tc>
+                <a:tc>
+                  <a:txBody>
+                    <a:bodyPr/>
+                    <a:lstStyle/>
+                    <a:p>
+                      <a:endParaRPr lang="en-US" dirty="0"/>
+                    </a:p>
+                  </a:txBody>
+                  <a:tcPr/>
+                </a:tc>
+                <a:tc>
+                  <a:txBody>
+                    <a:bodyPr/>
+                    <a:lstStyle/>
+                    <a:p>
+                      <a:endParaRPr lang="en-US" dirty="0"/>
+                    </a:p>
+                  </a:txBody>
+                  <a:tcPr/>
+                </a:tc>
+                <a:tc>
+                  <a:txBody>
+                    <a:bodyPr/>
+                    <a:lstStyle/>
+                    <a:p>
+                      <a:endParaRPr lang="en-US" dirty="0"/>
+                    </a:p>
+                  </a:txBody>
+                  <a:tcPr/>
+                </a:tc>
+                <a:extLst>
+                  <a:ext uri="{0D108BD9-81ED-4DB2-BD59-A6C34878D82A}">
+                    <a16:rowId xmlns:a16="http://schemas.microsoft.com/office/drawing/2014/main" val="2431849829"/>
+                  </a:ext>
+                </a:extLst>
+              </a:tr>
+              <a:tr h="370840">
+                <a:tc>
+                  <a:txBody>
+                    <a:bodyPr/>
+                    <a:lstStyle/>
+                    <a:p>
+                      <a:endParaRPr lang="en-US" dirty="0"/>
+                    </a:p>
+                  </a:txBody>
+                  <a:tcPr/>
+                </a:tc>
+                <a:tc>
+                  <a:txBody>
+                    <a:bodyPr/>
+                    <a:lstStyle/>
+                    <a:p>
+                      <a:endParaRPr lang="en-US" dirty="0"/>
+                    </a:p>
+                  </a:txBody>
+                  <a:tcPr/>
+                </a:tc>
+                <a:tc>
+                  <a:txBody>
+                    <a:bodyPr/>
+                    <a:lstStyle/>
+                    <a:p>
+                      <a:endParaRPr lang="en-US" dirty="0"/>
+                    </a:p>
+                  </a:txBody>
+                  <a:tcPr/>
+                </a:tc>
+                <a:tc>
+                  <a:txBody>
+                    <a:bodyPr/>
+                    <a:lstStyle/>
+                    <a:p>
+                      <a:endParaRPr lang="en-US" dirty="0"/>
+                    </a:p>
+                  </a:txBody>
+                  <a:tcPr/>
+                </a:tc>
+                <a:tc>
+                  <a:txBody>
+                    <a:bodyPr/>
+                    <a:lstStyle/>
+                    <a:p>
+                      <a:endParaRPr lang="en-US" dirty="0"/>
+                    </a:p>
+                  </a:txBody>
+                  <a:tcPr/>
+                </a:tc>
+                <a:tc>
+                  <a:txBody>
+                    <a:bodyPr/>
+                    <a:lstStyle/>
+                    <a:p>
+                      <a:endParaRPr lang="en-US" dirty="0"/>
+                    </a:p>
+                  </a:txBody>
+                  <a:tcPr/>
+                </a:tc>
+                <a:extLst>
+                  <a:ext uri="{0D108BD9-81ED-4DB2-BD59-A6C34878D82A}">
+                    <a16:rowId xmlns:a16="http://schemas.microsoft.com/office/drawing/2014/main" val="1423414806"/>
+                  </a:ext>
+                </a:extLst>
+              </a:tr>
+              <a:tr h="370840">
+                <a:tc>
+                  <a:txBody>
+                    <a:bodyPr/>
+                    <a:lstStyle/>
+                    <a:p>
+                      <a:endParaRPr lang="en-US" dirty="0"/>
+                    </a:p>
+                  </a:txBody>
+                  <a:tcPr/>
+                </a:tc>
+                <a:tc>
+                  <a:txBody>
+                    <a:bodyPr/>
+                    <a:lstStyle/>
+                    <a:p>
+                      <a:endParaRPr lang="en-US" dirty="0"/>
+                    </a:p>
+                  </a:txBody>
+                  <a:tcPr/>
+                </a:tc>
+                <a:tc>
+                  <a:txBody>
+                    <a:bodyPr/>
+                    <a:lstStyle/>
+                    <a:p>
+                      <a:endParaRPr lang="en-US" dirty="0"/>
+                    </a:p>
+                  </a:txBody>
+                  <a:tcPr/>
+                </a:tc>
+                <a:tc>
+                  <a:txBody>
+                    <a:bodyPr/>
+                    <a:lstStyle/>
+                    <a:p>
+                      <a:endParaRPr lang="en-US" dirty="0"/>
+                    </a:p>
+                  </a:txBody>
+                  <a:tcPr/>
+                </a:tc>
+                <a:tc>
+                  <a:txBody>
+                    <a:bodyPr/>
+                    <a:lstStyle/>
+                    <a:p>
+                      <a:endParaRPr lang="en-US" dirty="0"/>
+                    </a:p>
+                  </a:txBody>
+                  <a:tcPr/>
+                </a:tc>
+                <a:tc>
+                  <a:txBody>
+                    <a:bodyPr/>
+                    <a:lstStyle/>
+                    <a:p>
+                      <a:endParaRPr lang="en-US" dirty="0"/>
+                    </a:p>
+                  </a:txBody>
+                  <a:tcPr/>
+                </a:tc>
+                <a:extLst>
+                  <a:ext uri="{0D108BD9-81ED-4DB2-BD59-A6C34878D82A}">
+                    <a16:rowId xmlns:a16="http://schemas.microsoft.com/office/drawing/2014/main" val="719234455"/>
+                  </a:ext>
+                </a:extLst>
+              </a:tr>
+              <a:tr h="370840">
+                <a:tc>
+                  <a:txBody>
+                    <a:bodyPr/>
+                    <a:lstStyle/>
+                    <a:p>
+                      <a:endParaRPr lang="en-US" dirty="0"/>
+                    </a:p>
+                  </a:txBody>
+                  <a:tcPr/>
+                </a:tc>
+                <a:tc>
+                  <a:txBody>
+                    <a:bodyPr/>
+                    <a:lstStyle/>
+                    <a:p>
+                      <a:endParaRPr lang="en-US" dirty="0"/>
+                    </a:p>
+                  </a:txBody>
+                  <a:tcPr/>
+                </a:tc>
+                <a:tc>
+                  <a:txBody>
+                    <a:bodyPr/>
+                    <a:lstStyle/>
+                    <a:p>
+                      <a:endParaRPr lang="en-US" dirty="0"/>
+                    </a:p>
+                  </a:txBody>
+                  <a:tcPr/>
+                </a:tc>
+                <a:tc>
+                  <a:txBody>
+                    <a:bodyPr/>
+                    <a:lstStyle/>
+                    <a:p>
+                      <a:endParaRPr lang="en-US" dirty="0"/>
+                    </a:p>
+                  </a:txBody>
+                  <a:tcPr/>
+                </a:tc>
+                <a:tc>
+                  <a:txBody>
+                    <a:bodyPr/>
+                    <a:lstStyle/>
+                    <a:p>
+                      <a:endParaRPr lang="en-US" dirty="0"/>
+                    </a:p>
+                  </a:txBody>
+                  <a:tcPr/>
+                </a:tc>
+                <a:tc>
+                  <a:txBody>
+                    <a:bodyPr/>
+                    <a:lstStyle/>
+                    <a:p>
+                      <a:endParaRPr lang="en-US" dirty="0"/>
+                    </a:p>
+                  </a:txBody>
+                  <a:tcPr/>
+                </a:tc>
+                <a:extLst>
+                  <a:ext uri="{0D108BD9-81ED-4DB2-BD59-A6C34878D82A}">
+                    <a16:rowId xmlns:a16="http://schemas.microsoft.com/office/drawing/2014/main" val="2922298183"/>
+                  </a:ext>
+                </a:extLst>
+              </a:tr>
+              <a:tr h="370840">
+                <a:tc>
+                  <a:txBody>
+                    <a:bodyPr/>
+                    <a:lstStyle/>
+                    <a:p>
+                      <a:endParaRPr lang="en-US" dirty="0"/>
+                    </a:p>
+                  </a:txBody>
+                  <a:tcPr/>
+                </a:tc>
+                <a:tc>
+                  <a:txBody>
+                    <a:bodyPr/>
+                    <a:lstStyle/>
+                    <a:p>
+                      <a:endParaRPr lang="en-US" dirty="0"/>
+                    </a:p>
+                  </a:txBody>
+                  <a:tcPr/>
+                </a:tc>
+                <a:tc>
+                  <a:txBody>
+                    <a:bodyPr/>
+                    <a:lstStyle/>
+                    <a:p>
+                      <a:endParaRPr lang="en-US" dirty="0"/>
+                    </a:p>
+                  </a:txBody>
+                  <a:tcPr/>
+                </a:tc>
+                <a:tc>
+                  <a:txBody>
+                    <a:bodyPr/>
+                    <a:lstStyle/>
+                    <a:p>
+                      <a:endParaRPr lang="en-US" dirty="0"/>
+                    </a:p>
+                  </a:txBody>
+                  <a:tcPr/>
+                </a:tc>
+                <a:tc>
+                  <a:txBody>
+                    <a:bodyPr/>
+                    <a:lstStyle/>
+                    <a:p>
+                      <a:endParaRPr lang="en-US" dirty="0"/>
+                    </a:p>
+                  </a:txBody>
+                  <a:tcPr/>
+                </a:tc>
+                <a:tc>
+                  <a:txBody>
+                    <a:bodyPr/>
+                    <a:lstStyle/>
+                    <a:p>
+                      <a:endParaRPr lang="en-US" dirty="0"/>
+                    </a:p>
+                  </a:txBody>
+                  <a:tcPr/>
+                </a:tc>
+                <a:extLst>
+                  <a:ext uri="{0D108BD9-81ED-4DB2-BD59-A6C34878D82A}">
+                    <a16:rowId xmlns:a16="http://schemas.microsoft.com/office/drawing/2014/main" val="3660041834"/>
+                  </a:ext>
+                </a:extLst>
+              </a:tr>
+              <a:tr h="370840">
+                <a:tc>
+                  <a:txBody>
+                    <a:bodyPr/>
+                    <a:lstStyle/>
+                    <a:p>
+                      <a:endParaRPr lang="en-US" dirty="0"/>
+                    </a:p>
+                  </a:txBody>
+                  <a:tcPr/>
+                </a:tc>
+                <a:tc>
+                  <a:txBody>
+                    <a:bodyPr/>
+                    <a:lstStyle/>
+                    <a:p>
+                      <a:endParaRPr lang="en-US" dirty="0"/>
+                    </a:p>
+                  </a:txBody>
+                  <a:tcPr/>
+                </a:tc>
+                <a:tc>
+                  <a:txBody>
+                    <a:bodyPr/>
+                    <a:lstStyle/>
+                    <a:p>
+                      <a:endParaRPr lang="en-US" dirty="0"/>
+                    </a:p>
+                  </a:txBody>
+                  <a:tcPr/>
+                </a:tc>
+                <a:tc>
+                  <a:txBody>
+                    <a:bodyPr/>
+                    <a:lstStyle/>
+                    <a:p>
+                      <a:endParaRPr lang="en-US" dirty="0"/>
+                    </a:p>
+                  </a:txBody>
+                  <a:tcPr/>
+                </a:tc>
+                <a:tc>
+                  <a:txBody>
+                    <a:bodyPr/>
+                    <a:lstStyle/>
+                    <a:p>
+                      <a:endParaRPr lang="en-US" dirty="0"/>
+                    </a:p>
+                  </a:txBody>
+                  <a:tcPr/>
+                </a:tc>
+                <a:tc>
+                  <a:txBody>
+                    <a:bodyPr/>
+                    <a:lstStyle/>
+                    <a:p>
+                      <a:endParaRPr lang="en-US" dirty="0"/>
+                    </a:p>
+                  </a:txBody>
+                  <a:tcPr/>
+                </a:tc>
+                <a:extLst>
+                  <a:ext uri="{0D108BD9-81ED-4DB2-BD59-A6C34878D82A}">
+                    <a16:rowId xmlns:a16="http://schemas.microsoft.com/office/drawing/2014/main" val="2149274252"/>
+                  </a:ext>
+                </a:extLst>
+              </a:tr>
+              <a:tr h="370840">
+                <a:tc>
+                  <a:txBody>
+                    <a:bodyPr/>
+                    <a:lstStyle/>
+                    <a:p>
+                      <a:endParaRPr lang="en-US" dirty="0"/>
+                    </a:p>
+                  </a:txBody>
+                  <a:tcPr/>
+                </a:tc>
+                <a:tc>
+                  <a:txBody>
+                    <a:bodyPr/>
+                    <a:lstStyle/>
+                    <a:p>
+                      <a:endParaRPr lang="en-US" dirty="0"/>
+                    </a:p>
+                  </a:txBody>
+                  <a:tcPr/>
+                </a:tc>
+                <a:tc>
+                  <a:txBody>
+                    <a:bodyPr/>
+                    <a:lstStyle/>
+                    <a:p>
+                      <a:endParaRPr lang="en-US" dirty="0"/>
+                    </a:p>
+                  </a:txBody>
+                  <a:tcPr/>
+                </a:tc>
+                <a:tc>
+                  <a:txBody>
+                    <a:bodyPr/>
+                    <a:lstStyle/>
+                    <a:p>
+                      <a:endParaRPr lang="en-US" dirty="0"/>
+                    </a:p>
+                  </a:txBody>
+                  <a:tcPr/>
+                </a:tc>
+                <a:tc>
+                  <a:txBody>
+                    <a:bodyPr/>
+                    <a:lstStyle/>
+                    <a:p>
+                      <a:endParaRPr lang="en-US" dirty="0"/>
+                    </a:p>
+                  </a:txBody>
+                  <a:tcPr/>
+                </a:tc>
+                <a:tc>
+                  <a:txBody>
+                    <a:bodyPr/>
+                    <a:lstStyle/>
+                    <a:p>
+                      <a:endParaRPr lang="en-US" dirty="0"/>
+                    </a:p>
+                  </a:txBody>
+                  <a:tcPr/>
+                </a:tc>
+                <a:extLst>
+                  <a:ext uri="{0D108BD9-81ED-4DB2-BD59-A6C34878D82A}">
+                    <a16:rowId xmlns:a16="http://schemas.microsoft.com/office/drawing/2014/main" val="3546094894"/>
+                  </a:ext>
+                </a:extLst>
+              </a:tr>
+              <a:tr h="370840">
+                <a:tc>
+                  <a:txBody>
+                    <a:bodyPr/>
+                    <a:lstStyle/>
+                    <a:p>
+                      <a:endParaRPr lang="en-US" dirty="0"/>
+                    </a:p>
+                  </a:txBody>
+                  <a:tcPr/>
+                </a:tc>
+                <a:tc>
+                  <a:txBody>
+                    <a:bodyPr/>
+                    <a:lstStyle/>
+                    <a:p>
+                      <a:endParaRPr lang="en-US" dirty="0"/>
+                    </a:p>
+                  </a:txBody>
+                  <a:tcPr/>
+                </a:tc>
+                <a:tc>
+                  <a:txBody>
+                    <a:bodyPr/>
+                    <a:lstStyle/>
+                    <a:p>
+                      <a:endParaRPr lang="en-US" dirty="0"/>
+                    </a:p>
+                  </a:txBody>
+                  <a:tcPr/>
+                </a:tc>
+                <a:tc>
+                  <a:txBody>
+                    <a:bodyPr/>
+                    <a:lstStyle/>
+                    <a:p>
+                      <a:endParaRPr lang="en-US" dirty="0"/>
+                    </a:p>
+                  </a:txBody>
+                  <a:tcPr/>
+                </a:tc>
+                <a:tc>
+                  <a:txBody>
+                    <a:bodyPr/>
+                    <a:lstStyle/>
+                    <a:p>
+                      <a:endParaRPr lang="en-US" dirty="0"/>
+                    </a:p>
+                  </a:txBody>
+                  <a:tcPr/>
+                </a:tc>
+                <a:tc>
+                  <a:txBody>
+                    <a:bodyPr/>
+                    <a:lstStyle/>
+                    <a:p>
+                      <a:endParaRPr lang="en-US" dirty="0"/>
+                    </a:p>
+                  </a:txBody>
+                  <a:tcPr/>
+                </a:tc>
+                <a:extLst>
+                  <a:ext uri="{0D108BD9-81ED-4DB2-BD59-A6C34878D82A}">
+                    <a16:rowId xmlns:a16="http://schemas.microsoft.com/office/drawing/2014/main" val="1595205788"/>
+                  </a:ext>
+                </a:extLst>
+              </a:tr>
+              <a:tr h="370840">
+                <a:tc>
+                  <a:txBody>
+                    <a:bodyPr/>
+                    <a:lstStyle/>
+                    <a:p>
+                      <a:endParaRPr lang="en-US" dirty="0"/>
+                    </a:p>
+                  </a:txBody>
+                  <a:tcPr/>
+                </a:tc>
+                <a:tc>
+                  <a:txBody>
+                    <a:bodyPr/>
+                    <a:lstStyle/>
+                    <a:p>
+                      <a:endParaRPr lang="en-US" dirty="0"/>
+                    </a:p>
+                  </a:txBody>
+                  <a:tcPr/>
+                </a:tc>
+                <a:tc>
+                  <a:txBody>
+                    <a:bodyPr/>
+                    <a:lstStyle/>
+                    <a:p>
+                      <a:endParaRPr lang="en-US" dirty="0"/>
+                    </a:p>
+                  </a:txBody>
+                  <a:tcPr/>
+                </a:tc>
+                <a:tc>
+                  <a:txBody>
+                    <a:bodyPr/>
+                    <a:lstStyle/>
+                    <a:p>
+                      <a:endParaRPr lang="en-US" dirty="0"/>
+                    </a:p>
+                  </a:txBody>
+                  <a:tcPr/>
+                </a:tc>
+                <a:tc>
+                  <a:txBody>
+                    <a:bodyPr/>
+                    <a:lstStyle/>
+                    <a:p>
+                      <a:endParaRPr lang="en-US" dirty="0"/>
+                    </a:p>
+                  </a:txBody>
+                  <a:tcPr/>
+                </a:tc>
+                <a:tc>
+                  <a:txBody>
+                    <a:bodyPr/>
+                    <a:lstStyle/>
+                    <a:p>
+                      <a:endParaRPr lang="en-US" dirty="0"/>
+                    </a:p>
+                  </a:txBody>
+                  <a:tcPr/>
+                </a:tc>
+                <a:extLst>
+                  <a:ext uri="{0D108BD9-81ED-4DB2-BD59-A6C34878D82A}">
+                    <a16:rowId xmlns:a16="http://schemas.microsoft.com/office/drawing/2014/main" val="904650934"/>
+                  </a:ext>
+                </a:extLst>
+              </a:tr>
+              <a:tr h="370840">
+                <a:tc>
+                  <a:txBody>
+                    <a:bodyPr/>
+                    <a:lstStyle/>
+                    <a:p>
+                      <a:endParaRPr lang="en-US" dirty="0"/>
+                    </a:p>
+                  </a:txBody>
+                  <a:tcPr/>
+                </a:tc>
+                <a:tc>
+                  <a:txBody>
+                    <a:bodyPr/>
+                    <a:lstStyle/>
+                    <a:p>
+                      <a:endParaRPr lang="en-US" dirty="0"/>
+                    </a:p>
+                  </a:txBody>
+                  <a:tcPr/>
+                </a:tc>
+                <a:tc>
+                  <a:txBody>
+                    <a:bodyPr/>
+                    <a:lstStyle/>
+                    <a:p>
+                      <a:endParaRPr lang="en-US" dirty="0"/>
+                    </a:p>
+                  </a:txBody>
+                  <a:tcPr/>
+                </a:tc>
+                <a:tc>
+                  <a:txBody>
+                    <a:bodyPr/>
+                    <a:lstStyle/>
+                    <a:p>
+                      <a:endParaRPr lang="en-US" dirty="0"/>
+                    </a:p>
+                  </a:txBody>
+                  <a:tcPr/>
+                </a:tc>
+                <a:tc>
+                  <a:txBody>
+                    <a:bodyPr/>
+                    <a:lstStyle/>
+                    <a:p>
+                      <a:endParaRPr lang="en-US" dirty="0"/>
+                    </a:p>
+                  </a:txBody>
+                  <a:tcPr/>
+                </a:tc>
+                <a:tc>
+                  <a:txBody>
+                    <a:bodyPr/>
+                    <a:lstStyle/>
+                    <a:p>
+                      <a:endParaRPr lang="en-US" dirty="0"/>
+                    </a:p>
+                  </a:txBody>
+                  <a:tcPr/>
+                </a:tc>
+                <a:extLst>
+                  <a:ext uri="{0D108BD9-81ED-4DB2-BD59-A6C34878D82A}">
+                    <a16:rowId xmlns:a16="http://schemas.microsoft.com/office/drawing/2014/main" val="1290671258"/>
+                  </a:ext>
+                </a:extLst>
+              </a:tr>
+            </a:tbl>
+          </a:graphicData>
+        </a:graphic>
+      </p:graphicFrame>
+      <p:sp>
+        <p:nvSpPr>
+          <p:cNvPr id="3" name="TextBox 2">
+            <a:extLst>
+              <a:ext uri="{FF2B5EF4-FFF2-40B4-BE49-F238E27FC236}">
+                <a16:creationId xmlns:a16="http://schemas.microsoft.com/office/drawing/2014/main" id="{DC0C82A7-7455-FCB5-173F-F5F333C57755}"/>
+              </a:ext>
+            </a:extLst>
+          </p:cNvPr>
+          <p:cNvSpPr txBox="1"/>
+          <p:nvPr/>
+        </p:nvSpPr>
+        <p:spPr>
+          <a:xfrm>
+            <a:off x="550506" y="485192"/>
+            <a:ext cx="4907902" cy="646331"/>
+          </a:xfrm>
+          <a:prstGeom prst="rect">
+            <a:avLst/>
+          </a:prstGeom>
+          <a:noFill/>
+        </p:spPr>
+        <p:txBody>
+          <a:bodyPr wrap="square" rtlCol="0">
+            <a:spAutoFit/>
+          </a:bodyPr>
+          <a:lstStyle/>
+          <a:p>
+            <a:r>
+              <a:rPr lang="en-IN" dirty="0"/>
+              <a:t>The Collection Type: An In-Memory Store of the data </a:t>
+            </a:r>
+            <a:endParaRPr lang="en-US" dirty="0"/>
+          </a:p>
+        </p:txBody>
+      </p:sp>
+      <p:cxnSp>
+        <p:nvCxnSpPr>
+          <p:cNvPr id="5" name="Straight Arrow Connector 4">
+            <a:extLst>
+              <a:ext uri="{FF2B5EF4-FFF2-40B4-BE49-F238E27FC236}">
+                <a16:creationId xmlns:a16="http://schemas.microsoft.com/office/drawing/2014/main" id="{9AA5B9E1-1FFD-72F7-846C-19D3A6200684}"/>
+              </a:ext>
+            </a:extLst>
+          </p:cNvPr>
+          <p:cNvCxnSpPr/>
+          <p:nvPr/>
+        </p:nvCxnSpPr>
+        <p:spPr>
+          <a:xfrm>
+            <a:off x="9405257" y="1615405"/>
+            <a:ext cx="0" cy="4820920"/>
+          </a:xfrm>
+          <a:prstGeom prst="straightConnector1">
+            <a:avLst/>
+          </a:prstGeom>
+          <a:ln>
+            <a:tailEnd type="triangle"/>
+          </a:ln>
+        </p:spPr>
+        <p:style>
+          <a:lnRef idx="1">
+            <a:schemeClr val="accent1"/>
+          </a:lnRef>
+          <a:fillRef idx="0">
+            <a:schemeClr val="accent1"/>
+          </a:fillRef>
+          <a:effectRef idx="0">
+            <a:schemeClr val="accent1"/>
+          </a:effectRef>
+          <a:fontRef idx="minor">
+            <a:schemeClr val="tx1"/>
+          </a:fontRef>
+        </p:style>
+      </p:cxnSp>
+      <p:sp>
+        <p:nvSpPr>
+          <p:cNvPr id="6" name="TextBox 5">
+            <a:extLst>
+              <a:ext uri="{FF2B5EF4-FFF2-40B4-BE49-F238E27FC236}">
+                <a16:creationId xmlns:a16="http://schemas.microsoft.com/office/drawing/2014/main" id="{0EE7FBA9-2622-3FD8-19C6-E8348CBE4366}"/>
+              </a:ext>
+            </a:extLst>
+          </p:cNvPr>
+          <p:cNvSpPr txBox="1"/>
+          <p:nvPr/>
+        </p:nvSpPr>
+        <p:spPr>
+          <a:xfrm>
+            <a:off x="9619861" y="1548882"/>
+            <a:ext cx="2136709" cy="1200329"/>
+          </a:xfrm>
+          <a:prstGeom prst="rect">
+            <a:avLst/>
+          </a:prstGeom>
+          <a:noFill/>
+        </p:spPr>
+        <p:txBody>
+          <a:bodyPr wrap="square" rtlCol="0">
+            <a:spAutoFit/>
+          </a:bodyPr>
+          <a:lstStyle/>
+          <a:p>
+            <a:r>
+              <a:rPr lang="en-IN" dirty="0"/>
+              <a:t>Read from Top to Bottom (End of the collection, This is Iteration Process</a:t>
+            </a:r>
+            <a:endParaRPr lang="en-US" dirty="0"/>
+          </a:p>
+        </p:txBody>
+      </p:sp>
+      <p:sp>
+        <p:nvSpPr>
+          <p:cNvPr id="7" name="Arrow: Curved Right 6">
+            <a:extLst>
+              <a:ext uri="{FF2B5EF4-FFF2-40B4-BE49-F238E27FC236}">
+                <a16:creationId xmlns:a16="http://schemas.microsoft.com/office/drawing/2014/main" id="{884B2FF4-A6F1-F49A-5802-CF1C3A2E4143}"/>
+              </a:ext>
+            </a:extLst>
+          </p:cNvPr>
+          <p:cNvSpPr/>
+          <p:nvPr/>
+        </p:nvSpPr>
+        <p:spPr>
+          <a:xfrm>
+            <a:off x="951722" y="2052735"/>
+            <a:ext cx="203200" cy="475861"/>
+          </a:xfrm>
+          <a:prstGeom prst="curvedRightArrow">
+            <a:avLst/>
+          </a:prstGeom>
+        </p:spPr>
+        <p:style>
+          <a:lnRef idx="2">
+            <a:schemeClr val="accent1">
+              <a:shade val="50000"/>
+            </a:schemeClr>
+          </a:lnRef>
+          <a:fillRef idx="1">
+            <a:schemeClr val="accent1"/>
+          </a:fillRef>
+          <a:effectRef idx="0">
+            <a:schemeClr val="accent1"/>
+          </a:effectRef>
+          <a:fontRef idx="minor">
+            <a:schemeClr val="lt1"/>
+          </a:fontRef>
+        </p:style>
+        <p:txBody>
+          <a:bodyPr rtlCol="0" anchor="ctr"/>
+          <a:lstStyle/>
+          <a:p>
+            <a:pPr algn="ctr"/>
+            <a:endParaRPr lang="en-US">
+              <a:solidFill>
+                <a:schemeClr val="tx1"/>
+              </a:solidFill>
+            </a:endParaRPr>
+          </a:p>
+        </p:txBody>
+      </p:sp>
+      <p:sp>
+        <p:nvSpPr>
+          <p:cNvPr id="8" name="Arrow: Curved Right 7">
+            <a:extLst>
+              <a:ext uri="{FF2B5EF4-FFF2-40B4-BE49-F238E27FC236}">
+                <a16:creationId xmlns:a16="http://schemas.microsoft.com/office/drawing/2014/main" id="{7DFBE3D3-C508-538A-D371-FC676CD530A6}"/>
+              </a:ext>
+            </a:extLst>
+          </p:cNvPr>
+          <p:cNvSpPr/>
+          <p:nvPr/>
+        </p:nvSpPr>
+        <p:spPr>
+          <a:xfrm>
+            <a:off x="977122" y="2485053"/>
+            <a:ext cx="203200" cy="475861"/>
+          </a:xfrm>
+          <a:prstGeom prst="curvedRightArrow">
+            <a:avLst/>
+          </a:prstGeom>
+        </p:spPr>
+        <p:style>
+          <a:lnRef idx="2">
+            <a:schemeClr val="accent1">
+              <a:shade val="50000"/>
+            </a:schemeClr>
+          </a:lnRef>
+          <a:fillRef idx="1">
+            <a:schemeClr val="accent1"/>
+          </a:fillRef>
+          <a:effectRef idx="0">
+            <a:schemeClr val="accent1"/>
+          </a:effectRef>
+          <a:fontRef idx="minor">
+            <a:schemeClr val="lt1"/>
+          </a:fontRef>
+        </p:style>
+        <p:txBody>
+          <a:bodyPr rtlCol="0" anchor="ctr"/>
+          <a:lstStyle/>
+          <a:p>
+            <a:pPr algn="ctr"/>
+            <a:endParaRPr lang="en-US">
+              <a:solidFill>
+                <a:schemeClr val="tx1"/>
+              </a:solidFill>
+            </a:endParaRPr>
+          </a:p>
+        </p:txBody>
+      </p:sp>
+      <p:sp>
+        <p:nvSpPr>
+          <p:cNvPr id="9" name="Arrow: Curved Right 8">
+            <a:extLst>
+              <a:ext uri="{FF2B5EF4-FFF2-40B4-BE49-F238E27FC236}">
+                <a16:creationId xmlns:a16="http://schemas.microsoft.com/office/drawing/2014/main" id="{B7E95ACE-8638-AC1C-7208-0938991EF2C1}"/>
+              </a:ext>
+            </a:extLst>
+          </p:cNvPr>
+          <p:cNvSpPr/>
+          <p:nvPr/>
+        </p:nvSpPr>
+        <p:spPr>
+          <a:xfrm>
+            <a:off x="963126" y="2923382"/>
+            <a:ext cx="203200" cy="475861"/>
+          </a:xfrm>
+          <a:prstGeom prst="curvedRightArrow">
+            <a:avLst/>
+          </a:prstGeom>
+        </p:spPr>
+        <p:style>
+          <a:lnRef idx="2">
+            <a:schemeClr val="accent1">
+              <a:shade val="50000"/>
+            </a:schemeClr>
+          </a:lnRef>
+          <a:fillRef idx="1">
+            <a:schemeClr val="accent1"/>
+          </a:fillRef>
+          <a:effectRef idx="0">
+            <a:schemeClr val="accent1"/>
+          </a:effectRef>
+          <a:fontRef idx="minor">
+            <a:schemeClr val="lt1"/>
+          </a:fontRef>
+        </p:style>
+        <p:txBody>
+          <a:bodyPr rtlCol="0" anchor="ctr"/>
+          <a:lstStyle/>
+          <a:p>
+            <a:pPr algn="ctr"/>
+            <a:endParaRPr lang="en-US">
+              <a:solidFill>
+                <a:schemeClr val="tx1"/>
+              </a:solidFill>
+            </a:endParaRPr>
+          </a:p>
+        </p:txBody>
+      </p:sp>
+      <p:cxnSp>
+        <p:nvCxnSpPr>
+          <p:cNvPr id="10" name="Straight Arrow Connector 9">
+            <a:extLst>
+              <a:ext uri="{FF2B5EF4-FFF2-40B4-BE49-F238E27FC236}">
+                <a16:creationId xmlns:a16="http://schemas.microsoft.com/office/drawing/2014/main" id="{845B0E5C-2E1E-0994-3D72-1AEBA269EA03}"/>
+              </a:ext>
+            </a:extLst>
+          </p:cNvPr>
+          <p:cNvCxnSpPr/>
+          <p:nvPr/>
+        </p:nvCxnSpPr>
+        <p:spPr>
+          <a:xfrm>
+            <a:off x="786882" y="1548882"/>
+            <a:ext cx="0" cy="4820920"/>
+          </a:xfrm>
+          <a:prstGeom prst="straightConnector1">
+            <a:avLst/>
+          </a:prstGeom>
+          <a:ln>
+            <a:tailEnd type="triangle"/>
+          </a:ln>
+        </p:spPr>
+        <p:style>
+          <a:lnRef idx="1">
+            <a:schemeClr val="accent1"/>
+          </a:lnRef>
+          <a:fillRef idx="0">
+            <a:schemeClr val="accent1"/>
+          </a:fillRef>
+          <a:effectRef idx="0">
+            <a:schemeClr val="accent1"/>
+          </a:effectRef>
+          <a:fontRef idx="minor">
+            <a:schemeClr val="tx1"/>
+          </a:fontRef>
+        </p:style>
+      </p:cxnSp>
+      <p:sp>
+        <p:nvSpPr>
+          <p:cNvPr id="11" name="TextBox 10">
+            <a:extLst>
+              <a:ext uri="{FF2B5EF4-FFF2-40B4-BE49-F238E27FC236}">
+                <a16:creationId xmlns:a16="http://schemas.microsoft.com/office/drawing/2014/main" id="{E9ADCAE1-2712-3631-0C55-87FF378F5A5C}"/>
+              </a:ext>
+            </a:extLst>
+          </p:cNvPr>
+          <p:cNvSpPr txBox="1"/>
+          <p:nvPr/>
+        </p:nvSpPr>
+        <p:spPr>
+          <a:xfrm>
+            <a:off x="9527591" y="2786532"/>
+            <a:ext cx="2341983" cy="3693319"/>
+          </a:xfrm>
+          <a:prstGeom prst="rect">
+            <a:avLst/>
+          </a:prstGeom>
+          <a:noFill/>
+        </p:spPr>
+        <p:txBody>
+          <a:bodyPr wrap="square" rtlCol="0">
+            <a:spAutoFit/>
+          </a:bodyPr>
+          <a:lstStyle/>
+          <a:p>
+            <a:pPr marL="342900" indent="-342900">
+              <a:buAutoNum type="arabicPeriod"/>
+            </a:pPr>
+            <a:r>
+              <a:rPr lang="en-IN" dirty="0"/>
+              <a:t>Starts from the first entry in collection </a:t>
+            </a:r>
+          </a:p>
+          <a:p>
+            <a:pPr marL="342900" indent="-342900">
+              <a:buAutoNum type="arabicPeriod"/>
+            </a:pPr>
+            <a:r>
+              <a:rPr lang="en-IN" dirty="0"/>
+              <a:t>Return it and then </a:t>
+            </a:r>
+          </a:p>
+          <a:p>
+            <a:pPr marL="342900" indent="-342900">
+              <a:buAutoNum type="arabicPeriod"/>
+            </a:pPr>
+            <a:r>
+              <a:rPr lang="en-IN" dirty="0"/>
+              <a:t>If more record(s) present then ‘</a:t>
+            </a:r>
+            <a:r>
+              <a:rPr lang="en-IN" dirty="0" err="1"/>
+              <a:t>MoveNext</a:t>
+            </a:r>
+            <a:r>
+              <a:rPr lang="en-IN" dirty="0"/>
+              <a:t>’</a:t>
+            </a:r>
+            <a:endParaRPr lang="en-US" dirty="0"/>
+          </a:p>
+          <a:p>
+            <a:pPr marL="342900" indent="-342900">
+              <a:buAutoNum type="arabicPeriod"/>
+            </a:pPr>
+            <a:endParaRPr lang="en-US" dirty="0"/>
+          </a:p>
+          <a:p>
+            <a:r>
+              <a:rPr lang="en-US" dirty="0"/>
+              <a:t>The ‘IEnumerable’ interface and the process is known as Enumeration using ‘</a:t>
+            </a:r>
+            <a:r>
+              <a:rPr lang="en-US" dirty="0" err="1"/>
+              <a:t>GetEnumerator</a:t>
+            </a:r>
+            <a:r>
+              <a:rPr lang="en-US" dirty="0"/>
+              <a:t>()’ method </a:t>
+            </a:r>
+            <a:endParaRPr lang="en-IN" dirty="0"/>
+          </a:p>
+        </p:txBody>
+      </p:sp>
+    </p:spTree>
+    <p:extLst>
+      <p:ext uri="{BB962C8B-B14F-4D97-AF65-F5344CB8AC3E}">
+        <p14:creationId xmlns:p14="http://schemas.microsoft.com/office/powerpoint/2010/main" val="2474906067"/>
+      </p:ext>
+    </p:extLst>
+  </p:cSld>
+  <p:clrMapOvr>
+    <a:masterClrMapping/>
+  </p:clrMapOvr>
+</p:sld>
+</file>
+
+<file path=ppt/slides/slide4.xml><?xml version="1.0" encoding="utf-8"?>
+<p:sld xmlns:a="http://schemas.openxmlformats.org/drawingml/2006/main" xmlns:r="http://schemas.openxmlformats.org/officeDocument/2006/relationships" xmlns:p="http://schemas.openxmlformats.org/presentationml/2006/main">
+  <p:cSld>
+    <p:spTree>
+      <p:nvGrpSpPr>
+        <p:cNvPr id="1" name=""/>
+        <p:cNvGrpSpPr/>
+        <p:nvPr/>
+      </p:nvGrpSpPr>
+      <p:grpSpPr>
+        <a:xfrm>
+          <a:off x="0" y="0"/>
+          <a:ext cx="0" cy="0"/>
+          <a:chOff x="0" y="0"/>
+          <a:chExt cx="0" cy="0"/>
+        </a:xfrm>
+      </p:grpSpPr>
+      <p:sp>
+        <p:nvSpPr>
+          <p:cNvPr id="2" name="TextBox 1">
+            <a:extLst>
+              <a:ext uri="{FF2B5EF4-FFF2-40B4-BE49-F238E27FC236}">
+                <a16:creationId xmlns:a16="http://schemas.microsoft.com/office/drawing/2014/main" id="{826AC0F2-86D4-154A-0E84-7E32B8FAD49C}"/>
+              </a:ext>
+            </a:extLst>
+          </p:cNvPr>
+          <p:cNvSpPr txBox="1"/>
+          <p:nvPr/>
+        </p:nvSpPr>
+        <p:spPr>
+          <a:xfrm>
+            <a:off x="205273" y="251927"/>
+            <a:ext cx="1129005" cy="369332"/>
+          </a:xfrm>
+          <a:prstGeom prst="rect">
+            <a:avLst/>
+          </a:prstGeom>
+          <a:noFill/>
+        </p:spPr>
+        <p:txBody>
+          <a:bodyPr wrap="square" rtlCol="0">
+            <a:spAutoFit/>
+          </a:bodyPr>
+          <a:lstStyle/>
+          <a:p>
+            <a:r>
+              <a:rPr lang="en-IN" dirty="0"/>
+              <a:t>int x = 10;</a:t>
+            </a:r>
+            <a:endParaRPr lang="en-US" dirty="0"/>
+          </a:p>
+        </p:txBody>
+      </p:sp>
+      <p:sp>
+        <p:nvSpPr>
+          <p:cNvPr id="3" name="TextBox 2">
+            <a:extLst>
+              <a:ext uri="{FF2B5EF4-FFF2-40B4-BE49-F238E27FC236}">
+                <a16:creationId xmlns:a16="http://schemas.microsoft.com/office/drawing/2014/main" id="{3AB50F53-708E-B0A5-5906-138EA0EA9EF2}"/>
+              </a:ext>
+            </a:extLst>
+          </p:cNvPr>
+          <p:cNvSpPr txBox="1"/>
+          <p:nvPr/>
+        </p:nvSpPr>
+        <p:spPr>
+          <a:xfrm>
+            <a:off x="466531" y="1073020"/>
+            <a:ext cx="737118" cy="276999"/>
+          </a:xfrm>
+          <a:prstGeom prst="rect">
+            <a:avLst/>
+          </a:prstGeom>
+          <a:noFill/>
+        </p:spPr>
+        <p:txBody>
+          <a:bodyPr wrap="square" rtlCol="0">
+            <a:spAutoFit/>
+          </a:bodyPr>
+          <a:lstStyle/>
+          <a:p>
+            <a:pPr algn="ctr"/>
+            <a:r>
+              <a:rPr lang="en-IN" sz="1200" dirty="0"/>
+              <a:t>Stack</a:t>
+            </a:r>
+            <a:endParaRPr lang="en-US" sz="1400" dirty="0"/>
+          </a:p>
+        </p:txBody>
+      </p:sp>
+      <p:sp>
+        <p:nvSpPr>
+          <p:cNvPr id="4" name="Rectangle 3">
+            <a:extLst>
+              <a:ext uri="{FF2B5EF4-FFF2-40B4-BE49-F238E27FC236}">
+                <a16:creationId xmlns:a16="http://schemas.microsoft.com/office/drawing/2014/main" id="{1D760BE8-33BB-9953-3682-99658766A9AE}"/>
+              </a:ext>
+            </a:extLst>
+          </p:cNvPr>
+          <p:cNvSpPr/>
+          <p:nvPr/>
+        </p:nvSpPr>
+        <p:spPr>
+          <a:xfrm>
+            <a:off x="466531" y="1350019"/>
+            <a:ext cx="867747" cy="451761"/>
+          </a:xfrm>
+          <a:prstGeom prst="rect">
+            <a:avLst/>
+          </a:prstGeom>
+        </p:spPr>
+        <p:style>
+          <a:lnRef idx="2">
+            <a:schemeClr val="accent1">
+              <a:shade val="50000"/>
+            </a:schemeClr>
+          </a:lnRef>
+          <a:fillRef idx="1">
+            <a:schemeClr val="accent1"/>
+          </a:fillRef>
+          <a:effectRef idx="0">
+            <a:schemeClr val="accent1"/>
+          </a:effectRef>
+          <a:fontRef idx="minor">
+            <a:schemeClr val="lt1"/>
+          </a:fontRef>
+        </p:style>
+        <p:txBody>
+          <a:bodyPr rtlCol="0" anchor="ctr"/>
+          <a:lstStyle/>
+          <a:p>
+            <a:pPr algn="ctr"/>
+            <a:r>
+              <a:rPr lang="en-IN" dirty="0"/>
+              <a:t>10</a:t>
+            </a:r>
+            <a:endParaRPr lang="en-US" dirty="0"/>
+          </a:p>
+        </p:txBody>
+      </p:sp>
+      <p:sp>
+        <p:nvSpPr>
+          <p:cNvPr id="5" name="TextBox 4">
+            <a:extLst>
+              <a:ext uri="{FF2B5EF4-FFF2-40B4-BE49-F238E27FC236}">
+                <a16:creationId xmlns:a16="http://schemas.microsoft.com/office/drawing/2014/main" id="{00142B28-4287-92A1-189E-85E0510AAC74}"/>
+              </a:ext>
+            </a:extLst>
+          </p:cNvPr>
+          <p:cNvSpPr txBox="1"/>
+          <p:nvPr/>
+        </p:nvSpPr>
+        <p:spPr>
+          <a:xfrm>
+            <a:off x="681135" y="1875453"/>
+            <a:ext cx="438538" cy="369332"/>
+          </a:xfrm>
+          <a:prstGeom prst="rect">
+            <a:avLst/>
+          </a:prstGeom>
+          <a:noFill/>
+        </p:spPr>
+        <p:txBody>
+          <a:bodyPr wrap="square" rtlCol="0">
+            <a:spAutoFit/>
+          </a:bodyPr>
+          <a:lstStyle/>
+          <a:p>
+            <a:pPr algn="ctr"/>
+            <a:r>
+              <a:rPr lang="en-IN" dirty="0"/>
+              <a:t>x</a:t>
+            </a:r>
+            <a:endParaRPr lang="en-US" dirty="0"/>
+          </a:p>
+        </p:txBody>
+      </p:sp>
+      <p:cxnSp>
+        <p:nvCxnSpPr>
+          <p:cNvPr id="7" name="Connector: Elbow 6">
+            <a:extLst>
+              <a:ext uri="{FF2B5EF4-FFF2-40B4-BE49-F238E27FC236}">
+                <a16:creationId xmlns:a16="http://schemas.microsoft.com/office/drawing/2014/main" id="{5354F97A-04A0-4064-0700-758C518BF2A9}"/>
+              </a:ext>
+            </a:extLst>
+          </p:cNvPr>
+          <p:cNvCxnSpPr>
+            <a:stCxn id="2" idx="3"/>
+            <a:endCxn id="4" idx="1"/>
+          </p:cNvCxnSpPr>
+          <p:nvPr/>
+        </p:nvCxnSpPr>
+        <p:spPr>
+          <a:xfrm flipH="1">
+            <a:off x="466531" y="436593"/>
+            <a:ext cx="867747" cy="1139307"/>
+          </a:xfrm>
+          <a:prstGeom prst="bentConnector5">
+            <a:avLst>
+              <a:gd name="adj1" fmla="val -26344"/>
+              <a:gd name="adj2" fmla="val 48191"/>
+              <a:gd name="adj3" fmla="val 126344"/>
+            </a:avLst>
+          </a:prstGeom>
+          <a:ln>
+            <a:tailEnd type="triangle"/>
+          </a:ln>
+        </p:spPr>
+        <p:style>
+          <a:lnRef idx="1">
+            <a:schemeClr val="accent1"/>
+          </a:lnRef>
+          <a:fillRef idx="0">
+            <a:schemeClr val="accent1"/>
+          </a:fillRef>
+          <a:effectRef idx="0">
+            <a:schemeClr val="accent1"/>
+          </a:effectRef>
+          <a:fontRef idx="minor">
+            <a:schemeClr val="tx1"/>
+          </a:fontRef>
+        </p:style>
+      </p:cxnSp>
+      <p:sp>
+        <p:nvSpPr>
+          <p:cNvPr id="8" name="TextBox 7">
+            <a:extLst>
+              <a:ext uri="{FF2B5EF4-FFF2-40B4-BE49-F238E27FC236}">
+                <a16:creationId xmlns:a16="http://schemas.microsoft.com/office/drawing/2014/main" id="{D6CB18ED-5D39-ECE2-B051-248559974710}"/>
+              </a:ext>
+            </a:extLst>
+          </p:cNvPr>
+          <p:cNvSpPr txBox="1"/>
+          <p:nvPr/>
+        </p:nvSpPr>
+        <p:spPr>
+          <a:xfrm>
+            <a:off x="2892490" y="251927"/>
+            <a:ext cx="1334277" cy="369332"/>
+          </a:xfrm>
+          <a:prstGeom prst="rect">
+            <a:avLst/>
+          </a:prstGeom>
+          <a:noFill/>
+        </p:spPr>
+        <p:txBody>
+          <a:bodyPr wrap="square" rtlCol="0">
+            <a:spAutoFit/>
+          </a:bodyPr>
+          <a:lstStyle/>
+          <a:p>
+            <a:r>
+              <a:rPr lang="en-IN" dirty="0"/>
+              <a:t>object o = x;</a:t>
+            </a:r>
+            <a:endParaRPr lang="en-US" dirty="0"/>
+          </a:p>
+        </p:txBody>
+      </p:sp>
+      <p:sp>
+        <p:nvSpPr>
+          <p:cNvPr id="9" name="TextBox 8">
+            <a:extLst>
+              <a:ext uri="{FF2B5EF4-FFF2-40B4-BE49-F238E27FC236}">
+                <a16:creationId xmlns:a16="http://schemas.microsoft.com/office/drawing/2014/main" id="{ACAA87CF-3E86-62AB-FE76-A28B55BB8787}"/>
+              </a:ext>
+            </a:extLst>
+          </p:cNvPr>
+          <p:cNvSpPr txBox="1"/>
+          <p:nvPr/>
+        </p:nvSpPr>
+        <p:spPr>
+          <a:xfrm>
+            <a:off x="3054221" y="847140"/>
+            <a:ext cx="737118" cy="276999"/>
+          </a:xfrm>
+          <a:prstGeom prst="rect">
+            <a:avLst/>
+          </a:prstGeom>
+          <a:noFill/>
+        </p:spPr>
+        <p:txBody>
+          <a:bodyPr wrap="square" rtlCol="0">
+            <a:spAutoFit/>
+          </a:bodyPr>
+          <a:lstStyle/>
+          <a:p>
+            <a:pPr algn="ctr"/>
+            <a:r>
+              <a:rPr lang="en-IN" sz="1200" dirty="0"/>
+              <a:t>Stack</a:t>
+            </a:r>
+            <a:endParaRPr lang="en-US" sz="1400" dirty="0"/>
+          </a:p>
+        </p:txBody>
+      </p:sp>
+      <p:sp>
+        <p:nvSpPr>
+          <p:cNvPr id="10" name="Rectangle 9">
+            <a:extLst>
+              <a:ext uri="{FF2B5EF4-FFF2-40B4-BE49-F238E27FC236}">
+                <a16:creationId xmlns:a16="http://schemas.microsoft.com/office/drawing/2014/main" id="{CD10F27C-E3A9-82CC-49F6-B67B466540B5}"/>
+              </a:ext>
+            </a:extLst>
+          </p:cNvPr>
+          <p:cNvSpPr/>
+          <p:nvPr/>
+        </p:nvSpPr>
+        <p:spPr>
+          <a:xfrm>
+            <a:off x="3054221" y="1124139"/>
+            <a:ext cx="867747" cy="451761"/>
+          </a:xfrm>
+          <a:prstGeom prst="rect">
+            <a:avLst/>
+          </a:prstGeom>
+        </p:spPr>
+        <p:style>
+          <a:lnRef idx="2">
+            <a:schemeClr val="accent1">
+              <a:shade val="50000"/>
+            </a:schemeClr>
+          </a:lnRef>
+          <a:fillRef idx="1">
+            <a:schemeClr val="accent1"/>
+          </a:fillRef>
+          <a:effectRef idx="0">
+            <a:schemeClr val="accent1"/>
+          </a:effectRef>
+          <a:fontRef idx="minor">
+            <a:schemeClr val="lt1"/>
+          </a:fontRef>
+        </p:style>
+        <p:txBody>
+          <a:bodyPr rtlCol="0" anchor="ctr"/>
+          <a:lstStyle/>
+          <a:p>
+            <a:pPr algn="ctr"/>
+            <a:r>
+              <a:rPr lang="en-IN" dirty="0"/>
+              <a:t>o</a:t>
+            </a:r>
+            <a:endParaRPr lang="en-US" dirty="0"/>
+          </a:p>
+        </p:txBody>
+      </p:sp>
+      <p:sp>
+        <p:nvSpPr>
+          <p:cNvPr id="12" name="TextBox 11">
+            <a:extLst>
+              <a:ext uri="{FF2B5EF4-FFF2-40B4-BE49-F238E27FC236}">
+                <a16:creationId xmlns:a16="http://schemas.microsoft.com/office/drawing/2014/main" id="{53AA9F5E-657F-9145-2F47-083A4CE908EE}"/>
+              </a:ext>
+            </a:extLst>
+          </p:cNvPr>
+          <p:cNvSpPr txBox="1"/>
+          <p:nvPr/>
+        </p:nvSpPr>
+        <p:spPr>
+          <a:xfrm>
+            <a:off x="5551715" y="847139"/>
+            <a:ext cx="737118" cy="276999"/>
+          </a:xfrm>
+          <a:prstGeom prst="rect">
+            <a:avLst/>
+          </a:prstGeom>
+          <a:noFill/>
+        </p:spPr>
+        <p:txBody>
+          <a:bodyPr wrap="square" rtlCol="0">
+            <a:spAutoFit/>
+          </a:bodyPr>
+          <a:lstStyle/>
+          <a:p>
+            <a:pPr algn="ctr"/>
+            <a:r>
+              <a:rPr lang="en-IN" sz="1200" dirty="0"/>
+              <a:t>Heap</a:t>
+            </a:r>
+            <a:endParaRPr lang="en-US" sz="1400" dirty="0"/>
+          </a:p>
+        </p:txBody>
+      </p:sp>
+      <p:sp>
+        <p:nvSpPr>
+          <p:cNvPr id="13" name="Rectangle 12">
+            <a:extLst>
+              <a:ext uri="{FF2B5EF4-FFF2-40B4-BE49-F238E27FC236}">
+                <a16:creationId xmlns:a16="http://schemas.microsoft.com/office/drawing/2014/main" id="{802EBE60-F4A4-A7E3-2CE7-62CDE9DBC828}"/>
+              </a:ext>
+            </a:extLst>
+          </p:cNvPr>
+          <p:cNvSpPr/>
+          <p:nvPr/>
+        </p:nvSpPr>
+        <p:spPr>
+          <a:xfrm>
+            <a:off x="5551715" y="1124138"/>
+            <a:ext cx="1903444" cy="1049895"/>
+          </a:xfrm>
+          <a:prstGeom prst="rect">
+            <a:avLst/>
+          </a:prstGeom>
+        </p:spPr>
+        <p:style>
+          <a:lnRef idx="2">
+            <a:schemeClr val="accent1">
+              <a:shade val="50000"/>
+            </a:schemeClr>
+          </a:lnRef>
+          <a:fillRef idx="1">
+            <a:schemeClr val="accent1"/>
+          </a:fillRef>
+          <a:effectRef idx="0">
+            <a:schemeClr val="accent1"/>
+          </a:effectRef>
+          <a:fontRef idx="minor">
+            <a:schemeClr val="lt1"/>
+          </a:fontRef>
+        </p:style>
+        <p:txBody>
+          <a:bodyPr rtlCol="0" anchor="ctr"/>
+          <a:lstStyle/>
+          <a:p>
+            <a:pPr algn="ctr"/>
+            <a:endParaRPr lang="en-US" dirty="0"/>
+          </a:p>
+        </p:txBody>
+      </p:sp>
+      <p:sp>
+        <p:nvSpPr>
+          <p:cNvPr id="14" name="Rectangle 13">
+            <a:extLst>
+              <a:ext uri="{FF2B5EF4-FFF2-40B4-BE49-F238E27FC236}">
+                <a16:creationId xmlns:a16="http://schemas.microsoft.com/office/drawing/2014/main" id="{CB817E7E-38E8-520C-B20D-BE5AB4F2560F}"/>
+              </a:ext>
+            </a:extLst>
+          </p:cNvPr>
+          <p:cNvSpPr/>
+          <p:nvPr/>
+        </p:nvSpPr>
+        <p:spPr>
+          <a:xfrm>
+            <a:off x="5551715" y="1604664"/>
+            <a:ext cx="1903444" cy="149518"/>
+          </a:xfrm>
+          <a:prstGeom prst="rect">
+            <a:avLst/>
+          </a:prstGeom>
+          <a:solidFill>
+            <a:srgbClr val="FFFF00"/>
+          </a:solidFill>
+        </p:spPr>
+        <p:style>
+          <a:lnRef idx="2">
+            <a:schemeClr val="accent1">
+              <a:shade val="50000"/>
+            </a:schemeClr>
+          </a:lnRef>
+          <a:fillRef idx="1">
+            <a:schemeClr val="accent1"/>
+          </a:fillRef>
+          <a:effectRef idx="0">
+            <a:schemeClr val="accent1"/>
+          </a:effectRef>
+          <a:fontRef idx="minor">
+            <a:schemeClr val="lt1"/>
+          </a:fontRef>
+        </p:style>
+        <p:txBody>
+          <a:bodyPr rtlCol="0" anchor="ctr"/>
+          <a:lstStyle/>
+          <a:p>
+            <a:pPr algn="ctr"/>
+            <a:endParaRPr lang="en-US"/>
+          </a:p>
+        </p:txBody>
+      </p:sp>
+      <p:sp>
+        <p:nvSpPr>
+          <p:cNvPr id="16" name="TextBox 15">
+            <a:extLst>
+              <a:ext uri="{FF2B5EF4-FFF2-40B4-BE49-F238E27FC236}">
+                <a16:creationId xmlns:a16="http://schemas.microsoft.com/office/drawing/2014/main" id="{FD96F0D4-A4D0-4046-3171-63C867BE57C6}"/>
+              </a:ext>
+            </a:extLst>
+          </p:cNvPr>
+          <p:cNvSpPr txBox="1"/>
+          <p:nvPr/>
+        </p:nvSpPr>
+        <p:spPr>
+          <a:xfrm>
+            <a:off x="5551715" y="1203649"/>
+            <a:ext cx="1903444" cy="369332"/>
+          </a:xfrm>
+          <a:prstGeom prst="rect">
+            <a:avLst/>
+          </a:prstGeom>
+          <a:noFill/>
+        </p:spPr>
+        <p:txBody>
+          <a:bodyPr wrap="square" rtlCol="0">
+            <a:spAutoFit/>
+          </a:bodyPr>
+          <a:lstStyle/>
+          <a:p>
+            <a:pPr algn="ctr"/>
+            <a:r>
+              <a:rPr lang="en-IN" dirty="0">
+                <a:solidFill>
+                  <a:schemeClr val="bg1"/>
+                </a:solidFill>
+              </a:rPr>
+              <a:t>System.Int32</a:t>
+            </a:r>
+            <a:endParaRPr lang="en-US" dirty="0">
+              <a:solidFill>
+                <a:schemeClr val="bg1"/>
+              </a:solidFill>
+            </a:endParaRPr>
+          </a:p>
+        </p:txBody>
+      </p:sp>
+      <p:cxnSp>
+        <p:nvCxnSpPr>
+          <p:cNvPr id="18" name="Connector: Elbow 17">
+            <a:extLst>
+              <a:ext uri="{FF2B5EF4-FFF2-40B4-BE49-F238E27FC236}">
+                <a16:creationId xmlns:a16="http://schemas.microsoft.com/office/drawing/2014/main" id="{608FCED7-DB32-2850-5B42-BE51AC3B457E}"/>
+              </a:ext>
+            </a:extLst>
+          </p:cNvPr>
+          <p:cNvCxnSpPr>
+            <a:stCxn id="10" idx="3"/>
+            <a:endCxn id="14" idx="1"/>
+          </p:cNvCxnSpPr>
+          <p:nvPr/>
+        </p:nvCxnSpPr>
+        <p:spPr>
+          <a:xfrm>
+            <a:off x="3921968" y="1350020"/>
+            <a:ext cx="1629747" cy="329403"/>
+          </a:xfrm>
+          <a:prstGeom prst="bentConnector3">
+            <a:avLst/>
+          </a:prstGeom>
+          <a:ln>
+            <a:tailEnd type="triangle"/>
+          </a:ln>
+        </p:spPr>
+        <p:style>
+          <a:lnRef idx="1">
+            <a:schemeClr val="accent1"/>
+          </a:lnRef>
+          <a:fillRef idx="0">
+            <a:schemeClr val="accent1"/>
+          </a:fillRef>
+          <a:effectRef idx="0">
+            <a:schemeClr val="accent1"/>
+          </a:effectRef>
+          <a:fontRef idx="minor">
+            <a:schemeClr val="tx1"/>
+          </a:fontRef>
+        </p:style>
+      </p:cxnSp>
+      <p:sp>
+        <p:nvSpPr>
+          <p:cNvPr id="19" name="TextBox 18">
+            <a:extLst>
+              <a:ext uri="{FF2B5EF4-FFF2-40B4-BE49-F238E27FC236}">
+                <a16:creationId xmlns:a16="http://schemas.microsoft.com/office/drawing/2014/main" id="{3DBCE944-ECB5-D622-D5BE-36D999B2254E}"/>
+              </a:ext>
+            </a:extLst>
+          </p:cNvPr>
+          <p:cNvSpPr txBox="1"/>
+          <p:nvPr/>
+        </p:nvSpPr>
+        <p:spPr>
+          <a:xfrm>
+            <a:off x="5617029" y="1801780"/>
+            <a:ext cx="1772816" cy="369332"/>
+          </a:xfrm>
+          <a:prstGeom prst="rect">
+            <a:avLst/>
+          </a:prstGeom>
+          <a:noFill/>
+        </p:spPr>
+        <p:txBody>
+          <a:bodyPr wrap="square" rtlCol="0">
+            <a:spAutoFit/>
+          </a:bodyPr>
+          <a:lstStyle/>
+          <a:p>
+            <a:pPr algn="ctr"/>
+            <a:r>
+              <a:rPr lang="en-IN" dirty="0">
+                <a:solidFill>
+                  <a:schemeClr val="bg1"/>
+                </a:solidFill>
+              </a:rPr>
+              <a:t>10</a:t>
+            </a:r>
+            <a:endParaRPr lang="en-US" dirty="0">
+              <a:solidFill>
+                <a:schemeClr val="bg1"/>
+              </a:solidFill>
+            </a:endParaRPr>
+          </a:p>
+        </p:txBody>
+      </p:sp>
+      <p:sp>
+        <p:nvSpPr>
+          <p:cNvPr id="20" name="TextBox 19">
+            <a:extLst>
+              <a:ext uri="{FF2B5EF4-FFF2-40B4-BE49-F238E27FC236}">
+                <a16:creationId xmlns:a16="http://schemas.microsoft.com/office/drawing/2014/main" id="{957127B2-4482-9F04-0199-D31EFECECC1E}"/>
+              </a:ext>
+            </a:extLst>
+          </p:cNvPr>
+          <p:cNvSpPr txBox="1"/>
+          <p:nvPr/>
+        </p:nvSpPr>
+        <p:spPr>
+          <a:xfrm>
+            <a:off x="4655976" y="251927"/>
+            <a:ext cx="5719665" cy="646331"/>
+          </a:xfrm>
+          <a:prstGeom prst="rect">
+            <a:avLst/>
+          </a:prstGeom>
+          <a:noFill/>
+        </p:spPr>
+        <p:txBody>
+          <a:bodyPr wrap="square" rtlCol="0">
+            <a:spAutoFit/>
+          </a:bodyPr>
+          <a:lstStyle/>
+          <a:p>
+            <a:r>
+              <a:rPr lang="en-IN" dirty="0"/>
+              <a:t>Storing value type into reference type with the type of the value type as well as the value:</a:t>
+            </a:r>
+            <a:r>
+              <a:rPr lang="en-IN" dirty="0">
+                <a:sym typeface="Wingdings" panose="05000000000000000000" pitchFamily="2" charset="2"/>
+              </a:rPr>
+              <a:t> BOXING</a:t>
+            </a:r>
+            <a:endParaRPr lang="en-US" dirty="0"/>
+          </a:p>
+        </p:txBody>
+      </p:sp>
+      <p:cxnSp>
+        <p:nvCxnSpPr>
+          <p:cNvPr id="22" name="Straight Connector 21">
+            <a:extLst>
+              <a:ext uri="{FF2B5EF4-FFF2-40B4-BE49-F238E27FC236}">
+                <a16:creationId xmlns:a16="http://schemas.microsoft.com/office/drawing/2014/main" id="{49CEB58A-FBE0-82C8-A1BA-6F50C3131515}"/>
+              </a:ext>
+            </a:extLst>
+          </p:cNvPr>
+          <p:cNvCxnSpPr/>
+          <p:nvPr/>
+        </p:nvCxnSpPr>
+        <p:spPr>
+          <a:xfrm>
+            <a:off x="0" y="2351314"/>
+            <a:ext cx="12192000" cy="0"/>
+          </a:xfrm>
+          <a:prstGeom prst="line">
+            <a:avLst/>
+          </a:prstGeom>
+          <a:ln w="76200">
+            <a:prstDash val="lgDash"/>
+          </a:ln>
+        </p:spPr>
+        <p:style>
+          <a:lnRef idx="1">
+            <a:schemeClr val="accent1"/>
+          </a:lnRef>
+          <a:fillRef idx="0">
+            <a:schemeClr val="accent1"/>
+          </a:fillRef>
+          <a:effectRef idx="0">
+            <a:schemeClr val="accent1"/>
+          </a:effectRef>
+          <a:fontRef idx="minor">
+            <a:schemeClr val="tx1"/>
+          </a:fontRef>
+        </p:style>
+      </p:cxnSp>
+      <p:sp>
+        <p:nvSpPr>
+          <p:cNvPr id="23" name="Rectangle 22">
+            <a:extLst>
+              <a:ext uri="{FF2B5EF4-FFF2-40B4-BE49-F238E27FC236}">
+                <a16:creationId xmlns:a16="http://schemas.microsoft.com/office/drawing/2014/main" id="{58225AD2-95D4-E006-BA1E-6462687EF684}"/>
+              </a:ext>
+            </a:extLst>
+          </p:cNvPr>
+          <p:cNvSpPr/>
+          <p:nvPr/>
+        </p:nvSpPr>
+        <p:spPr>
+          <a:xfrm>
+            <a:off x="130629" y="2724539"/>
+            <a:ext cx="8957387" cy="4030823"/>
+          </a:xfrm>
+          <a:prstGeom prst="rect">
+            <a:avLst/>
+          </a:prstGeom>
+        </p:spPr>
+        <p:style>
+          <a:lnRef idx="2">
+            <a:schemeClr val="accent6"/>
+          </a:lnRef>
+          <a:fillRef idx="1">
+            <a:schemeClr val="lt1"/>
+          </a:fillRef>
+          <a:effectRef idx="0">
+            <a:schemeClr val="accent6"/>
+          </a:effectRef>
+          <a:fontRef idx="minor">
+            <a:schemeClr val="dk1"/>
+          </a:fontRef>
+        </p:style>
+        <p:txBody>
+          <a:bodyPr rtlCol="0" anchor="ctr"/>
+          <a:lstStyle/>
+          <a:p>
+            <a:pPr algn="ctr"/>
+            <a:endParaRPr lang="en-US"/>
+          </a:p>
+        </p:txBody>
+      </p:sp>
+      <p:sp>
+        <p:nvSpPr>
+          <p:cNvPr id="24" name="TextBox 23">
+            <a:extLst>
+              <a:ext uri="{FF2B5EF4-FFF2-40B4-BE49-F238E27FC236}">
+                <a16:creationId xmlns:a16="http://schemas.microsoft.com/office/drawing/2014/main" id="{C64373B3-7DFD-39A8-E433-E9F14C9BC475}"/>
+              </a:ext>
+            </a:extLst>
+          </p:cNvPr>
+          <p:cNvSpPr txBox="1"/>
+          <p:nvPr/>
+        </p:nvSpPr>
+        <p:spPr>
+          <a:xfrm>
+            <a:off x="9246637" y="2755477"/>
+            <a:ext cx="1903445" cy="371249"/>
+          </a:xfrm>
+          <a:prstGeom prst="rect">
+            <a:avLst/>
+          </a:prstGeom>
+          <a:noFill/>
+        </p:spPr>
+        <p:txBody>
+          <a:bodyPr wrap="square" rtlCol="0">
+            <a:spAutoFit/>
+          </a:bodyPr>
+          <a:lstStyle/>
+          <a:p>
+            <a:r>
+              <a:rPr lang="en-IN" dirty="0"/>
+              <a:t>Managed Heap</a:t>
+            </a:r>
+            <a:endParaRPr lang="en-US" dirty="0"/>
+          </a:p>
+        </p:txBody>
+      </p:sp>
+      <p:sp>
+        <p:nvSpPr>
+          <p:cNvPr id="25" name="TextBox 24">
+            <a:extLst>
+              <a:ext uri="{FF2B5EF4-FFF2-40B4-BE49-F238E27FC236}">
+                <a16:creationId xmlns:a16="http://schemas.microsoft.com/office/drawing/2014/main" id="{F687D827-93AF-7178-1A25-C32C45FD2271}"/>
+              </a:ext>
+            </a:extLst>
+          </p:cNvPr>
+          <p:cNvSpPr txBox="1"/>
+          <p:nvPr/>
+        </p:nvSpPr>
+        <p:spPr>
+          <a:xfrm>
+            <a:off x="9246637" y="4991878"/>
+            <a:ext cx="2743200" cy="646331"/>
+          </a:xfrm>
+          <a:prstGeom prst="rect">
+            <a:avLst/>
+          </a:prstGeom>
+          <a:noFill/>
+        </p:spPr>
+        <p:txBody>
+          <a:bodyPr wrap="square" rtlCol="0">
+            <a:spAutoFit/>
+          </a:bodyPr>
+          <a:lstStyle/>
+          <a:p>
+            <a:r>
+              <a:rPr lang="en-IN" dirty="0" err="1"/>
+              <a:t>SimpleOperation</a:t>
+            </a:r>
+            <a:r>
+              <a:rPr lang="en-IN" dirty="0"/>
+              <a:t> </a:t>
+            </a:r>
+            <a:r>
+              <a:rPr lang="en-IN" dirty="0" err="1"/>
+              <a:t>obj</a:t>
+            </a:r>
+            <a:r>
+              <a:rPr lang="en-IN" dirty="0"/>
+              <a:t>  =new </a:t>
+            </a:r>
+            <a:r>
+              <a:rPr lang="en-IN" dirty="0" err="1"/>
+              <a:t>SimpleOperation</a:t>
+            </a:r>
+            <a:r>
+              <a:rPr lang="en-IN" dirty="0"/>
+              <a:t>();</a:t>
+            </a:r>
+            <a:endParaRPr lang="en-US" dirty="0"/>
+          </a:p>
+        </p:txBody>
+      </p:sp>
+      <p:sp>
+        <p:nvSpPr>
+          <p:cNvPr id="26" name="Rectangle 25">
+            <a:extLst>
+              <a:ext uri="{FF2B5EF4-FFF2-40B4-BE49-F238E27FC236}">
+                <a16:creationId xmlns:a16="http://schemas.microsoft.com/office/drawing/2014/main" id="{57DA42D3-2E1A-D3F1-AAF3-866C9EDFB952}"/>
+              </a:ext>
+            </a:extLst>
+          </p:cNvPr>
+          <p:cNvSpPr/>
+          <p:nvPr/>
+        </p:nvSpPr>
+        <p:spPr>
+          <a:xfrm>
+            <a:off x="363894" y="3228392"/>
+            <a:ext cx="1754155" cy="933061"/>
+          </a:xfrm>
+          <a:prstGeom prst="rect">
+            <a:avLst/>
+          </a:prstGeom>
+        </p:spPr>
+        <p:style>
+          <a:lnRef idx="2">
+            <a:schemeClr val="accent1">
+              <a:shade val="50000"/>
+            </a:schemeClr>
+          </a:lnRef>
+          <a:fillRef idx="1">
+            <a:schemeClr val="accent1"/>
+          </a:fillRef>
+          <a:effectRef idx="0">
+            <a:schemeClr val="accent1"/>
+          </a:effectRef>
+          <a:fontRef idx="minor">
+            <a:schemeClr val="lt1"/>
+          </a:fontRef>
+        </p:style>
+        <p:txBody>
+          <a:bodyPr rtlCol="0" anchor="ctr"/>
+          <a:lstStyle/>
+          <a:p>
+            <a:pPr algn="ctr"/>
+            <a:r>
+              <a:rPr lang="en-IN" b="1" dirty="0" err="1"/>
+              <a:t>Obj</a:t>
+            </a:r>
+            <a:endParaRPr lang="en-US" b="1" dirty="0"/>
+          </a:p>
+        </p:txBody>
+      </p:sp>
+      <p:sp>
+        <p:nvSpPr>
+          <p:cNvPr id="27" name="Rectangle 26">
+            <a:extLst>
+              <a:ext uri="{FF2B5EF4-FFF2-40B4-BE49-F238E27FC236}">
+                <a16:creationId xmlns:a16="http://schemas.microsoft.com/office/drawing/2014/main" id="{96A431EF-49E3-FB0E-7963-AC1C8F313252}"/>
+              </a:ext>
+            </a:extLst>
+          </p:cNvPr>
+          <p:cNvSpPr/>
+          <p:nvPr/>
+        </p:nvSpPr>
+        <p:spPr>
+          <a:xfrm>
+            <a:off x="4842588" y="3023206"/>
+            <a:ext cx="2612571" cy="2779552"/>
+          </a:xfrm>
+          <a:prstGeom prst="rect">
+            <a:avLst/>
+          </a:prstGeom>
+        </p:spPr>
+        <p:style>
+          <a:lnRef idx="1">
+            <a:schemeClr val="accent3"/>
+          </a:lnRef>
+          <a:fillRef idx="3">
+            <a:schemeClr val="accent3"/>
+          </a:fillRef>
+          <a:effectRef idx="2">
+            <a:schemeClr val="accent3"/>
+          </a:effectRef>
+          <a:fontRef idx="minor">
+            <a:schemeClr val="lt1"/>
+          </a:fontRef>
+        </p:style>
+        <p:txBody>
+          <a:bodyPr rtlCol="0" anchor="ctr"/>
+          <a:lstStyle/>
+          <a:p>
+            <a:pPr algn="ctr"/>
+            <a:endParaRPr lang="en-US"/>
+          </a:p>
+        </p:txBody>
+      </p:sp>
+      <p:sp>
+        <p:nvSpPr>
+          <p:cNvPr id="28" name="TextBox 27">
+            <a:extLst>
+              <a:ext uri="{FF2B5EF4-FFF2-40B4-BE49-F238E27FC236}">
+                <a16:creationId xmlns:a16="http://schemas.microsoft.com/office/drawing/2014/main" id="{D17D0361-1D32-88C6-F266-1DCDEA9AE16B}"/>
+              </a:ext>
+            </a:extLst>
+          </p:cNvPr>
+          <p:cNvSpPr txBox="1"/>
+          <p:nvPr/>
+        </p:nvSpPr>
+        <p:spPr>
+          <a:xfrm>
+            <a:off x="4879910" y="3126726"/>
+            <a:ext cx="2509935" cy="1200329"/>
+          </a:xfrm>
+          <a:prstGeom prst="rect">
+            <a:avLst/>
+          </a:prstGeom>
+          <a:noFill/>
+        </p:spPr>
+        <p:txBody>
+          <a:bodyPr wrap="square" rtlCol="0">
+            <a:spAutoFit/>
+          </a:bodyPr>
+          <a:lstStyle/>
+          <a:p>
+            <a:pPr algn="ctr"/>
+            <a:r>
+              <a:rPr lang="en-IN" dirty="0"/>
+              <a:t>Memory Allocated to </a:t>
+            </a:r>
+          </a:p>
+          <a:p>
+            <a:pPr algn="ctr"/>
+            <a:r>
+              <a:rPr lang="en-IN" dirty="0" err="1"/>
+              <a:t>obj</a:t>
+            </a:r>
+            <a:r>
+              <a:rPr lang="en-IN" dirty="0"/>
+              <a:t> </a:t>
+            </a:r>
+          </a:p>
+          <a:p>
+            <a:pPr algn="ctr"/>
+            <a:r>
+              <a:rPr lang="en-IN" dirty="0"/>
+              <a:t>aka </a:t>
+            </a:r>
+          </a:p>
+          <a:p>
+            <a:pPr algn="ctr"/>
+            <a:r>
+              <a:rPr lang="en-IN" dirty="0" err="1"/>
+              <a:t>SimpleOperations</a:t>
+            </a:r>
+            <a:r>
+              <a:rPr lang="en-IN" dirty="0"/>
+              <a:t> class</a:t>
+            </a:r>
+            <a:endParaRPr lang="en-US" dirty="0"/>
+          </a:p>
+        </p:txBody>
+      </p:sp>
+      <p:cxnSp>
+        <p:nvCxnSpPr>
+          <p:cNvPr id="30" name="Connector: Elbow 29">
+            <a:extLst>
+              <a:ext uri="{FF2B5EF4-FFF2-40B4-BE49-F238E27FC236}">
+                <a16:creationId xmlns:a16="http://schemas.microsoft.com/office/drawing/2014/main" id="{8C37BF64-5DB3-FAF9-4D83-0CC479843829}"/>
+              </a:ext>
+            </a:extLst>
+          </p:cNvPr>
+          <p:cNvCxnSpPr>
+            <a:stCxn id="26" idx="3"/>
+            <a:endCxn id="27" idx="1"/>
+          </p:cNvCxnSpPr>
+          <p:nvPr/>
+        </p:nvCxnSpPr>
+        <p:spPr>
+          <a:xfrm>
+            <a:off x="2118049" y="3694923"/>
+            <a:ext cx="2724539" cy="718059"/>
+          </a:xfrm>
+          <a:prstGeom prst="bentConnector3">
+            <a:avLst/>
+          </a:prstGeom>
+          <a:ln>
+            <a:tailEnd type="triangle"/>
+          </a:ln>
+        </p:spPr>
+        <p:style>
+          <a:lnRef idx="1">
+            <a:schemeClr val="accent1"/>
+          </a:lnRef>
+          <a:fillRef idx="0">
+            <a:schemeClr val="accent1"/>
+          </a:fillRef>
+          <a:effectRef idx="0">
+            <a:schemeClr val="accent1"/>
+          </a:effectRef>
+          <a:fontRef idx="minor">
+            <a:schemeClr val="tx1"/>
+          </a:fontRef>
+        </p:style>
+      </p:cxnSp>
+      <p:sp>
+        <p:nvSpPr>
+          <p:cNvPr id="32" name="TextBox 31">
+            <a:extLst>
+              <a:ext uri="{FF2B5EF4-FFF2-40B4-BE49-F238E27FC236}">
+                <a16:creationId xmlns:a16="http://schemas.microsoft.com/office/drawing/2014/main" id="{3F684857-3387-8A43-3B14-E531C359B412}"/>
+              </a:ext>
+            </a:extLst>
+          </p:cNvPr>
+          <p:cNvSpPr txBox="1"/>
+          <p:nvPr/>
+        </p:nvSpPr>
+        <p:spPr>
+          <a:xfrm>
+            <a:off x="202163" y="5654351"/>
+            <a:ext cx="3007568" cy="369332"/>
+          </a:xfrm>
+          <a:prstGeom prst="rect">
+            <a:avLst/>
+          </a:prstGeom>
+          <a:noFill/>
+        </p:spPr>
+        <p:txBody>
+          <a:bodyPr wrap="square" rtlCol="0">
+            <a:spAutoFit/>
+          </a:bodyPr>
+          <a:lstStyle/>
+          <a:p>
+            <a:r>
+              <a:rPr lang="en-IN" dirty="0" err="1"/>
+              <a:t>SimpleOperation</a:t>
+            </a:r>
+            <a:r>
+              <a:rPr lang="en-IN" dirty="0"/>
+              <a:t> </a:t>
+            </a:r>
+            <a:r>
+              <a:rPr lang="en-IN" dirty="0" err="1"/>
+              <a:t>obj</a:t>
+            </a:r>
+            <a:r>
+              <a:rPr lang="en-IN" dirty="0"/>
+              <a:t>  = null;</a:t>
+            </a:r>
+            <a:endParaRPr lang="en-US" dirty="0"/>
+          </a:p>
+        </p:txBody>
+      </p:sp>
+      <p:sp>
+        <p:nvSpPr>
+          <p:cNvPr id="33" name="&quot;Not Allowed&quot; Symbol 32">
+            <a:extLst>
+              <a:ext uri="{FF2B5EF4-FFF2-40B4-BE49-F238E27FC236}">
+                <a16:creationId xmlns:a16="http://schemas.microsoft.com/office/drawing/2014/main" id="{AB8BCDA5-279F-3A3C-26AE-C1C2BA4C33CF}"/>
+              </a:ext>
+            </a:extLst>
+          </p:cNvPr>
+          <p:cNvSpPr/>
+          <p:nvPr/>
+        </p:nvSpPr>
+        <p:spPr>
+          <a:xfrm>
+            <a:off x="3144416" y="3352610"/>
+            <a:ext cx="961053" cy="1256625"/>
+          </a:xfrm>
+          <a:prstGeom prst="noSmoking">
+            <a:avLst/>
+          </a:prstGeom>
+          <a:solidFill>
+            <a:srgbClr val="C00000"/>
+          </a:solidFill>
+        </p:spPr>
+        <p:style>
+          <a:lnRef idx="2">
+            <a:schemeClr val="accent1">
+              <a:shade val="50000"/>
+            </a:schemeClr>
+          </a:lnRef>
+          <a:fillRef idx="1">
+            <a:schemeClr val="accent1"/>
+          </a:fillRef>
+          <a:effectRef idx="0">
+            <a:schemeClr val="accent1"/>
+          </a:effectRef>
+          <a:fontRef idx="minor">
+            <a:schemeClr val="lt1"/>
+          </a:fontRef>
+        </p:style>
+        <p:txBody>
+          <a:bodyPr rtlCol="0" anchor="ctr"/>
+          <a:lstStyle/>
+          <a:p>
+            <a:pPr algn="ctr"/>
+            <a:endParaRPr lang="en-US">
+              <a:solidFill>
+                <a:schemeClr val="tx1"/>
+              </a:solidFill>
+            </a:endParaRPr>
+          </a:p>
+        </p:txBody>
+      </p:sp>
+      <p:cxnSp>
+        <p:nvCxnSpPr>
+          <p:cNvPr id="35" name="Connector: Elbow 34">
+            <a:extLst>
+              <a:ext uri="{FF2B5EF4-FFF2-40B4-BE49-F238E27FC236}">
+                <a16:creationId xmlns:a16="http://schemas.microsoft.com/office/drawing/2014/main" id="{B4C0CE59-A802-F660-CA96-05B103E590D0}"/>
+              </a:ext>
+            </a:extLst>
+          </p:cNvPr>
+          <p:cNvCxnSpPr>
+            <a:stCxn id="32" idx="3"/>
+            <a:endCxn id="33" idx="4"/>
+          </p:cNvCxnSpPr>
+          <p:nvPr/>
+        </p:nvCxnSpPr>
+        <p:spPr>
+          <a:xfrm flipV="1">
+            <a:off x="3209731" y="4609235"/>
+            <a:ext cx="415212" cy="1229782"/>
+          </a:xfrm>
+          <a:prstGeom prst="bentConnector2">
+            <a:avLst/>
+          </a:prstGeom>
+          <a:ln>
+            <a:tailEnd type="triangle"/>
+          </a:ln>
+        </p:spPr>
+        <p:style>
+          <a:lnRef idx="1">
+            <a:schemeClr val="accent1"/>
+          </a:lnRef>
+          <a:fillRef idx="0">
+            <a:schemeClr val="accent1"/>
+          </a:fillRef>
+          <a:effectRef idx="0">
+            <a:schemeClr val="accent1"/>
+          </a:effectRef>
+          <a:fontRef idx="minor">
+            <a:schemeClr val="tx1"/>
+          </a:fontRef>
+        </p:style>
+      </p:cxnSp>
+      <p:sp>
+        <p:nvSpPr>
+          <p:cNvPr id="36" name="TextBox 35">
+            <a:extLst>
+              <a:ext uri="{FF2B5EF4-FFF2-40B4-BE49-F238E27FC236}">
+                <a16:creationId xmlns:a16="http://schemas.microsoft.com/office/drawing/2014/main" id="{3257482D-D823-BEEC-034B-EAB53CA3C54F}"/>
+              </a:ext>
+            </a:extLst>
+          </p:cNvPr>
+          <p:cNvSpPr txBox="1"/>
+          <p:nvPr/>
+        </p:nvSpPr>
+        <p:spPr>
+          <a:xfrm>
+            <a:off x="202163" y="6130212"/>
+            <a:ext cx="5144278" cy="646331"/>
+          </a:xfrm>
+          <a:prstGeom prst="rect">
+            <a:avLst/>
+          </a:prstGeom>
+          <a:noFill/>
+        </p:spPr>
+        <p:txBody>
+          <a:bodyPr wrap="square" rtlCol="0">
+            <a:spAutoFit/>
+          </a:bodyPr>
+          <a:lstStyle/>
+          <a:p>
+            <a:r>
+              <a:rPr lang="en-IN" dirty="0"/>
+              <a:t>There is no allocation for the </a:t>
+            </a:r>
+            <a:r>
+              <a:rPr lang="en-IN" dirty="0" err="1"/>
+              <a:t>obj</a:t>
+            </a:r>
+            <a:r>
+              <a:rPr lang="en-IN" dirty="0"/>
+              <a:t> in managed heap so there is will runtime exception </a:t>
+            </a:r>
+            <a:endParaRPr lang="en-US" dirty="0"/>
+          </a:p>
+        </p:txBody>
+      </p:sp>
+      <p:cxnSp>
+        <p:nvCxnSpPr>
+          <p:cNvPr id="38" name="Connector: Elbow 37">
+            <a:extLst>
+              <a:ext uri="{FF2B5EF4-FFF2-40B4-BE49-F238E27FC236}">
+                <a16:creationId xmlns:a16="http://schemas.microsoft.com/office/drawing/2014/main" id="{81365135-299A-CF8B-4467-69CBD9AEDDB0}"/>
+              </a:ext>
+            </a:extLst>
+          </p:cNvPr>
+          <p:cNvCxnSpPr>
+            <a:stCxn id="25" idx="1"/>
+            <a:endCxn id="27" idx="3"/>
+          </p:cNvCxnSpPr>
+          <p:nvPr/>
+        </p:nvCxnSpPr>
+        <p:spPr>
+          <a:xfrm rot="10800000">
+            <a:off x="7455159" y="4412982"/>
+            <a:ext cx="1791478" cy="902062"/>
+          </a:xfrm>
+          <a:prstGeom prst="bentConnector3">
+            <a:avLst/>
+          </a:prstGeom>
+          <a:ln>
+            <a:tailEnd type="triangle"/>
+          </a:ln>
+        </p:spPr>
+        <p:style>
+          <a:lnRef idx="1">
+            <a:schemeClr val="accent1"/>
+          </a:lnRef>
+          <a:fillRef idx="0">
+            <a:schemeClr val="accent1"/>
+          </a:fillRef>
+          <a:effectRef idx="0">
+            <a:schemeClr val="accent1"/>
+          </a:effectRef>
+          <a:fontRef idx="minor">
+            <a:schemeClr val="tx1"/>
+          </a:fontRef>
+        </p:style>
+      </p:cxnSp>
+    </p:spTree>
+    <p:extLst>
+      <p:ext uri="{BB962C8B-B14F-4D97-AF65-F5344CB8AC3E}">
+        <p14:creationId xmlns:p14="http://schemas.microsoft.com/office/powerpoint/2010/main" val="2019625747"/>
       </p:ext>
     </p:extLst>
   </p:cSld>

--- a/ppts.pptx
+++ b/ppts.pptx
@@ -9,6 +9,12 @@
     <p:sldId id="257" r:id="rId3"/>
     <p:sldId id="258" r:id="rId4"/>
     <p:sldId id="259" r:id="rId5"/>
+    <p:sldId id="260" r:id="rId6"/>
+    <p:sldId id="261" r:id="rId7"/>
+    <p:sldId id="262" r:id="rId8"/>
+    <p:sldId id="263" r:id="rId9"/>
+    <p:sldId id="264" r:id="rId10"/>
+    <p:sldId id="265" r:id="rId11"/>
   </p:sldIdLst>
   <p:sldSz cx="12192000" cy="6858000"/>
   <p:notesSz cx="6858000" cy="9144000"/>
@@ -107,6 +113,11 @@
       </a:defRPr>
     </a:lvl9pPr>
   </p:defaultTextStyle>
+  <p:extLst>
+    <p:ext uri="{EFAFB233-063F-42B5-8137-9DF3F51BA10A}">
+      <p15:sldGuideLst xmlns:p15="http://schemas.microsoft.com/office/powerpoint/2012/main"/>
+    </p:ext>
+  </p:extLst>
 </p:presentation>
 </file>
 
@@ -257,7 +268,7 @@
           <a:p>
             <a:fld id="{6F41C210-F244-43B9-87C5-D1F3CF4189D6}" type="datetimeFigureOut">
               <a:rPr lang="en-US" smtClean="0"/>
-              <a:t>6/19/2023</a:t>
+              <a:t>6/20/2023</a:t>
             </a:fld>
             <a:endParaRPr lang="en-US"/>
           </a:p>
@@ -455,7 +466,7 @@
           <a:p>
             <a:fld id="{6F41C210-F244-43B9-87C5-D1F3CF4189D6}" type="datetimeFigureOut">
               <a:rPr lang="en-US" smtClean="0"/>
-              <a:t>6/19/2023</a:t>
+              <a:t>6/20/2023</a:t>
             </a:fld>
             <a:endParaRPr lang="en-US"/>
           </a:p>
@@ -663,7 +674,7 @@
           <a:p>
             <a:fld id="{6F41C210-F244-43B9-87C5-D1F3CF4189D6}" type="datetimeFigureOut">
               <a:rPr lang="en-US" smtClean="0"/>
-              <a:t>6/19/2023</a:t>
+              <a:t>6/20/2023</a:t>
             </a:fld>
             <a:endParaRPr lang="en-US"/>
           </a:p>
@@ -861,7 +872,7 @@
           <a:p>
             <a:fld id="{6F41C210-F244-43B9-87C5-D1F3CF4189D6}" type="datetimeFigureOut">
               <a:rPr lang="en-US" smtClean="0"/>
-              <a:t>6/19/2023</a:t>
+              <a:t>6/20/2023</a:t>
             </a:fld>
             <a:endParaRPr lang="en-US"/>
           </a:p>
@@ -1136,7 +1147,7 @@
           <a:p>
             <a:fld id="{6F41C210-F244-43B9-87C5-D1F3CF4189D6}" type="datetimeFigureOut">
               <a:rPr lang="en-US" smtClean="0"/>
-              <a:t>6/19/2023</a:t>
+              <a:t>6/20/2023</a:t>
             </a:fld>
             <a:endParaRPr lang="en-US"/>
           </a:p>
@@ -1401,7 +1412,7 @@
           <a:p>
             <a:fld id="{6F41C210-F244-43B9-87C5-D1F3CF4189D6}" type="datetimeFigureOut">
               <a:rPr lang="en-US" smtClean="0"/>
-              <a:t>6/19/2023</a:t>
+              <a:t>6/20/2023</a:t>
             </a:fld>
             <a:endParaRPr lang="en-US"/>
           </a:p>
@@ -1813,7 +1824,7 @@
           <a:p>
             <a:fld id="{6F41C210-F244-43B9-87C5-D1F3CF4189D6}" type="datetimeFigureOut">
               <a:rPr lang="en-US" smtClean="0"/>
-              <a:t>6/19/2023</a:t>
+              <a:t>6/20/2023</a:t>
             </a:fld>
             <a:endParaRPr lang="en-US"/>
           </a:p>
@@ -1954,7 +1965,7 @@
           <a:p>
             <a:fld id="{6F41C210-F244-43B9-87C5-D1F3CF4189D6}" type="datetimeFigureOut">
               <a:rPr lang="en-US" smtClean="0"/>
-              <a:t>6/19/2023</a:t>
+              <a:t>6/20/2023</a:t>
             </a:fld>
             <a:endParaRPr lang="en-US"/>
           </a:p>
@@ -2067,7 +2078,7 @@
           <a:p>
             <a:fld id="{6F41C210-F244-43B9-87C5-D1F3CF4189D6}" type="datetimeFigureOut">
               <a:rPr lang="en-US" smtClean="0"/>
-              <a:t>6/19/2023</a:t>
+              <a:t>6/20/2023</a:t>
             </a:fld>
             <a:endParaRPr lang="en-US"/>
           </a:p>
@@ -2378,7 +2389,7 @@
           <a:p>
             <a:fld id="{6F41C210-F244-43B9-87C5-D1F3CF4189D6}" type="datetimeFigureOut">
               <a:rPr lang="en-US" smtClean="0"/>
-              <a:t>6/19/2023</a:t>
+              <a:t>6/20/2023</a:t>
             </a:fld>
             <a:endParaRPr lang="en-US"/>
           </a:p>
@@ -2666,7 +2677,7 @@
           <a:p>
             <a:fld id="{6F41C210-F244-43B9-87C5-D1F3CF4189D6}" type="datetimeFigureOut">
               <a:rPr lang="en-US" smtClean="0"/>
-              <a:t>6/19/2023</a:t>
+              <a:t>6/20/2023</a:t>
             </a:fld>
             <a:endParaRPr lang="en-US"/>
           </a:p>
@@ -2907,7 +2918,7 @@
           <a:p>
             <a:fld id="{6F41C210-F244-43B9-87C5-D1F3CF4189D6}" type="datetimeFigureOut">
               <a:rPr lang="en-US" smtClean="0"/>
-              <a:t>6/19/2023</a:t>
+              <a:t>6/20/2023</a:t>
             </a:fld>
             <a:endParaRPr lang="en-US"/>
           </a:p>
@@ -4333,6 +4344,874 @@
     <p:extLst>
       <p:ext uri="{BB962C8B-B14F-4D97-AF65-F5344CB8AC3E}">
         <p14:creationId xmlns:p14="http://schemas.microsoft.com/office/powerpoint/2010/main" val="2154648474"/>
+      </p:ext>
+    </p:extLst>
+  </p:cSld>
+  <p:clrMapOvr>
+    <a:masterClrMapping/>
+  </p:clrMapOvr>
+</p:sld>
+</file>
+
+<file path=ppt/slides/slide10.xml><?xml version="1.0" encoding="utf-8"?>
+<p:sld xmlns:a="http://schemas.openxmlformats.org/drawingml/2006/main" xmlns:r="http://schemas.openxmlformats.org/officeDocument/2006/relationships" xmlns:p="http://schemas.openxmlformats.org/presentationml/2006/main">
+  <p:cSld>
+    <p:spTree>
+      <p:nvGrpSpPr>
+        <p:cNvPr id="1" name=""/>
+        <p:cNvGrpSpPr/>
+        <p:nvPr/>
+      </p:nvGrpSpPr>
+      <p:grpSpPr>
+        <a:xfrm>
+          <a:off x="0" y="0"/>
+          <a:ext cx="0" cy="0"/>
+          <a:chOff x="0" y="0"/>
+          <a:chExt cx="0" cy="0"/>
+        </a:xfrm>
+      </p:grpSpPr>
+      <p:sp>
+        <p:nvSpPr>
+          <p:cNvPr id="2" name="Rectangle 1">
+            <a:extLst>
+              <a:ext uri="{FF2B5EF4-FFF2-40B4-BE49-F238E27FC236}">
+                <a16:creationId xmlns:a16="http://schemas.microsoft.com/office/drawing/2014/main" id="{D735FCC7-888A-4ABF-E499-3B97D3D09881}"/>
+              </a:ext>
+            </a:extLst>
+          </p:cNvPr>
+          <p:cNvSpPr/>
+          <p:nvPr/>
+        </p:nvSpPr>
+        <p:spPr>
+          <a:xfrm>
+            <a:off x="531845" y="1968759"/>
+            <a:ext cx="3387012" cy="2080727"/>
+          </a:xfrm>
+          <a:prstGeom prst="rect">
+            <a:avLst/>
+          </a:prstGeom>
+        </p:spPr>
+        <p:style>
+          <a:lnRef idx="2">
+            <a:schemeClr val="accent6"/>
+          </a:lnRef>
+          <a:fillRef idx="1">
+            <a:schemeClr val="lt1"/>
+          </a:fillRef>
+          <a:effectRef idx="0">
+            <a:schemeClr val="accent6"/>
+          </a:effectRef>
+          <a:fontRef idx="minor">
+            <a:schemeClr val="dk1"/>
+          </a:fontRef>
+        </p:style>
+        <p:txBody>
+          <a:bodyPr rtlCol="0" anchor="ctr"/>
+          <a:lstStyle/>
+          <a:p>
+            <a:pPr algn="ctr"/>
+            <a:r>
+              <a:rPr lang="en-US" dirty="0"/>
+              <a:t>Accept Data from the </a:t>
+            </a:r>
+            <a:r>
+              <a:rPr lang="en-US" dirty="0" err="1"/>
+              <a:t>EndUser</a:t>
+            </a:r>
+            <a:endParaRPr lang="en-US" dirty="0"/>
+          </a:p>
+        </p:txBody>
+      </p:sp>
+      <p:sp>
+        <p:nvSpPr>
+          <p:cNvPr id="3" name="TextBox 2">
+            <a:extLst>
+              <a:ext uri="{FF2B5EF4-FFF2-40B4-BE49-F238E27FC236}">
+                <a16:creationId xmlns:a16="http://schemas.microsoft.com/office/drawing/2014/main" id="{9C8DD439-2373-F701-05BB-7EEC565BCD39}"/>
+              </a:ext>
+            </a:extLst>
+          </p:cNvPr>
+          <p:cNvSpPr txBox="1"/>
+          <p:nvPr/>
+        </p:nvSpPr>
+        <p:spPr>
+          <a:xfrm>
+            <a:off x="709127" y="1203649"/>
+            <a:ext cx="3041779" cy="369332"/>
+          </a:xfrm>
+          <a:prstGeom prst="rect">
+            <a:avLst/>
+          </a:prstGeom>
+          <a:noFill/>
+        </p:spPr>
+        <p:txBody>
+          <a:bodyPr wrap="square" rtlCol="0">
+            <a:spAutoFit/>
+          </a:bodyPr>
+          <a:lstStyle/>
+          <a:p>
+            <a:pPr algn="ctr"/>
+            <a:r>
+              <a:rPr lang="en-US" dirty="0"/>
+              <a:t>System 1</a:t>
+            </a:r>
+          </a:p>
+        </p:txBody>
+      </p:sp>
+      <p:sp>
+        <p:nvSpPr>
+          <p:cNvPr id="4" name="Rectangle 3">
+            <a:extLst>
+              <a:ext uri="{FF2B5EF4-FFF2-40B4-BE49-F238E27FC236}">
+                <a16:creationId xmlns:a16="http://schemas.microsoft.com/office/drawing/2014/main" id="{A5E7599B-7283-E7B6-645E-BC48099F192B}"/>
+              </a:ext>
+            </a:extLst>
+          </p:cNvPr>
+          <p:cNvSpPr/>
+          <p:nvPr/>
+        </p:nvSpPr>
+        <p:spPr>
+          <a:xfrm>
+            <a:off x="7756849" y="1968759"/>
+            <a:ext cx="3387012" cy="2080727"/>
+          </a:xfrm>
+          <a:prstGeom prst="rect">
+            <a:avLst/>
+          </a:prstGeom>
+        </p:spPr>
+        <p:style>
+          <a:lnRef idx="2">
+            <a:schemeClr val="accent6"/>
+          </a:lnRef>
+          <a:fillRef idx="1">
+            <a:schemeClr val="lt1"/>
+          </a:fillRef>
+          <a:effectRef idx="0">
+            <a:schemeClr val="accent6"/>
+          </a:effectRef>
+          <a:fontRef idx="minor">
+            <a:schemeClr val="dk1"/>
+          </a:fontRef>
+        </p:style>
+        <p:txBody>
+          <a:bodyPr rtlCol="0" anchor="ctr"/>
+          <a:lstStyle/>
+          <a:p>
+            <a:pPr algn="ctr"/>
+            <a:endParaRPr lang="en-US"/>
+          </a:p>
+        </p:txBody>
+      </p:sp>
+      <p:sp>
+        <p:nvSpPr>
+          <p:cNvPr id="5" name="TextBox 4">
+            <a:extLst>
+              <a:ext uri="{FF2B5EF4-FFF2-40B4-BE49-F238E27FC236}">
+                <a16:creationId xmlns:a16="http://schemas.microsoft.com/office/drawing/2014/main" id="{923C04C0-B3A4-755A-91C1-20FFD3387FD5}"/>
+              </a:ext>
+            </a:extLst>
+          </p:cNvPr>
+          <p:cNvSpPr txBox="1"/>
+          <p:nvPr/>
+        </p:nvSpPr>
+        <p:spPr>
+          <a:xfrm>
+            <a:off x="7934131" y="928023"/>
+            <a:ext cx="3041779" cy="369332"/>
+          </a:xfrm>
+          <a:prstGeom prst="rect">
+            <a:avLst/>
+          </a:prstGeom>
+          <a:noFill/>
+        </p:spPr>
+        <p:txBody>
+          <a:bodyPr wrap="square" rtlCol="0">
+            <a:spAutoFit/>
+          </a:bodyPr>
+          <a:lstStyle/>
+          <a:p>
+            <a:pPr algn="ctr"/>
+            <a:r>
+              <a:rPr lang="en-US" dirty="0"/>
+              <a:t>System 2</a:t>
+            </a:r>
+          </a:p>
+        </p:txBody>
+      </p:sp>
+      <p:sp>
+        <p:nvSpPr>
+          <p:cNvPr id="6" name="Arrow: Up 5">
+            <a:extLst>
+              <a:ext uri="{FF2B5EF4-FFF2-40B4-BE49-F238E27FC236}">
+                <a16:creationId xmlns:a16="http://schemas.microsoft.com/office/drawing/2014/main" id="{9D36D122-E9C0-7262-0EAB-0CE46ACADEDC}"/>
+              </a:ext>
+            </a:extLst>
+          </p:cNvPr>
+          <p:cNvSpPr/>
+          <p:nvPr/>
+        </p:nvSpPr>
+        <p:spPr>
+          <a:xfrm>
+            <a:off x="1856792" y="4049485"/>
+            <a:ext cx="522515" cy="1875453"/>
+          </a:xfrm>
+          <a:prstGeom prst="upArrow">
+            <a:avLst/>
+          </a:prstGeom>
+        </p:spPr>
+        <p:style>
+          <a:lnRef idx="2">
+            <a:schemeClr val="accent1">
+              <a:shade val="15000"/>
+            </a:schemeClr>
+          </a:lnRef>
+          <a:fillRef idx="1">
+            <a:schemeClr val="accent1"/>
+          </a:fillRef>
+          <a:effectRef idx="0">
+            <a:schemeClr val="accent1"/>
+          </a:effectRef>
+          <a:fontRef idx="minor">
+            <a:schemeClr val="lt1"/>
+          </a:fontRef>
+        </p:style>
+        <p:txBody>
+          <a:bodyPr rtlCol="0" anchor="ctr"/>
+          <a:lstStyle/>
+          <a:p>
+            <a:pPr algn="ctr"/>
+            <a:endParaRPr lang="en-US"/>
+          </a:p>
+        </p:txBody>
+      </p:sp>
+      <p:sp>
+        <p:nvSpPr>
+          <p:cNvPr id="7" name="Flowchart: Multidocument 6">
+            <a:extLst>
+              <a:ext uri="{FF2B5EF4-FFF2-40B4-BE49-F238E27FC236}">
+                <a16:creationId xmlns:a16="http://schemas.microsoft.com/office/drawing/2014/main" id="{6D781AC5-7015-4939-0E88-75AB69D64CBB}"/>
+              </a:ext>
+            </a:extLst>
+          </p:cNvPr>
+          <p:cNvSpPr/>
+          <p:nvPr/>
+        </p:nvSpPr>
+        <p:spPr>
+          <a:xfrm>
+            <a:off x="4469364" y="4348066"/>
+            <a:ext cx="2528596" cy="1912775"/>
+          </a:xfrm>
+          <a:prstGeom prst="flowChartMultidocument">
+            <a:avLst/>
+          </a:prstGeom>
+        </p:spPr>
+        <p:style>
+          <a:lnRef idx="2">
+            <a:schemeClr val="accent1">
+              <a:shade val="15000"/>
+            </a:schemeClr>
+          </a:lnRef>
+          <a:fillRef idx="1">
+            <a:schemeClr val="accent1"/>
+          </a:fillRef>
+          <a:effectRef idx="0">
+            <a:schemeClr val="accent1"/>
+          </a:effectRef>
+          <a:fontRef idx="minor">
+            <a:schemeClr val="lt1"/>
+          </a:fontRef>
+        </p:style>
+        <p:txBody>
+          <a:bodyPr rtlCol="0" anchor="ctr"/>
+          <a:lstStyle/>
+          <a:p>
+            <a:pPr algn="ctr"/>
+            <a:r>
+              <a:rPr lang="en-US" dirty="0"/>
+              <a:t>Log Entries</a:t>
+            </a:r>
+          </a:p>
+        </p:txBody>
+      </p:sp>
+      <p:sp>
+        <p:nvSpPr>
+          <p:cNvPr id="8" name="TextBox 7">
+            <a:extLst>
+              <a:ext uri="{FF2B5EF4-FFF2-40B4-BE49-F238E27FC236}">
+                <a16:creationId xmlns:a16="http://schemas.microsoft.com/office/drawing/2014/main" id="{388F598B-76A9-4A1E-29D2-517D04CE10B0}"/>
+              </a:ext>
+            </a:extLst>
+          </p:cNvPr>
+          <p:cNvSpPr txBox="1"/>
+          <p:nvPr/>
+        </p:nvSpPr>
+        <p:spPr>
+          <a:xfrm>
+            <a:off x="7511143" y="4642212"/>
+            <a:ext cx="3722914" cy="923330"/>
+          </a:xfrm>
+          <a:prstGeom prst="rect">
+            <a:avLst/>
+          </a:prstGeom>
+          <a:noFill/>
+        </p:spPr>
+        <p:txBody>
+          <a:bodyPr wrap="square" rtlCol="0">
+            <a:spAutoFit/>
+          </a:bodyPr>
+          <a:lstStyle/>
+          <a:p>
+            <a:r>
+              <a:rPr lang="en-US" dirty="0" err="1"/>
+              <a:t>TextLog</a:t>
+            </a:r>
+            <a:endParaRPr lang="en-US" dirty="0"/>
+          </a:p>
+          <a:p>
+            <a:r>
+              <a:rPr lang="en-US" dirty="0" err="1"/>
+              <a:t>XmlLog</a:t>
+            </a:r>
+            <a:endParaRPr lang="en-US" dirty="0"/>
+          </a:p>
+          <a:p>
+            <a:r>
+              <a:rPr lang="en-US" dirty="0" err="1"/>
+              <a:t>JsonLog</a:t>
+            </a:r>
+            <a:endParaRPr lang="en-US" dirty="0"/>
+          </a:p>
+        </p:txBody>
+      </p:sp>
+      <p:sp>
+        <p:nvSpPr>
+          <p:cNvPr id="9" name="TextBox 8">
+            <a:extLst>
+              <a:ext uri="{FF2B5EF4-FFF2-40B4-BE49-F238E27FC236}">
+                <a16:creationId xmlns:a16="http://schemas.microsoft.com/office/drawing/2014/main" id="{8653F551-59BB-8901-022B-F37FDB7D6D75}"/>
+              </a:ext>
+            </a:extLst>
+          </p:cNvPr>
+          <p:cNvSpPr txBox="1"/>
+          <p:nvPr/>
+        </p:nvSpPr>
+        <p:spPr>
+          <a:xfrm>
+            <a:off x="7856376" y="2034073"/>
+            <a:ext cx="2295330" cy="1754326"/>
+          </a:xfrm>
+          <a:prstGeom prst="rect">
+            <a:avLst/>
+          </a:prstGeom>
+          <a:noFill/>
+        </p:spPr>
+        <p:txBody>
+          <a:bodyPr wrap="square" rtlCol="0">
+            <a:spAutoFit/>
+          </a:bodyPr>
+          <a:lstStyle/>
+          <a:p>
+            <a:r>
+              <a:rPr lang="en-US" dirty="0"/>
+              <a:t>Logger Logic</a:t>
+            </a:r>
+          </a:p>
+          <a:p>
+            <a:endParaRPr lang="en-US" dirty="0"/>
+          </a:p>
+          <a:p>
+            <a:r>
+              <a:rPr lang="en-US" dirty="0" err="1"/>
+              <a:t>CreateLogFile</a:t>
+            </a:r>
+            <a:r>
+              <a:rPr lang="en-US" dirty="0"/>
+              <a:t>(</a:t>
+            </a:r>
+            <a:r>
+              <a:rPr lang="en-US" dirty="0" err="1"/>
+              <a:t>LogInfo</a:t>
+            </a:r>
+            <a:r>
+              <a:rPr lang="en-US" dirty="0"/>
+              <a:t>)</a:t>
+            </a:r>
+          </a:p>
+          <a:p>
+            <a:r>
+              <a:rPr lang="en-US" dirty="0" err="1"/>
+              <a:t>WriteLog</a:t>
+            </a:r>
+            <a:r>
+              <a:rPr lang="en-US" dirty="0"/>
+              <a:t>(</a:t>
+            </a:r>
+            <a:r>
+              <a:rPr lang="en-US" dirty="0" err="1"/>
+              <a:t>LogInfo</a:t>
+            </a:r>
+            <a:r>
+              <a:rPr lang="en-US" dirty="0"/>
+              <a:t>)</a:t>
+            </a:r>
+          </a:p>
+          <a:p>
+            <a:r>
+              <a:rPr lang="en-US" dirty="0" err="1"/>
+              <a:t>AppednLog</a:t>
+            </a:r>
+            <a:r>
+              <a:rPr lang="en-US" dirty="0"/>
+              <a:t>(</a:t>
+            </a:r>
+            <a:r>
+              <a:rPr lang="en-US" dirty="0" err="1"/>
+              <a:t>LogInfo</a:t>
+            </a:r>
+            <a:r>
+              <a:rPr lang="en-US" dirty="0"/>
+              <a:t>)</a:t>
+            </a:r>
+          </a:p>
+          <a:p>
+            <a:r>
+              <a:rPr lang="en-US" dirty="0" err="1"/>
+              <a:t>ReadLog</a:t>
+            </a:r>
+            <a:r>
+              <a:rPr lang="en-US" dirty="0"/>
+              <a:t>(</a:t>
+            </a:r>
+            <a:r>
+              <a:rPr lang="en-US" dirty="0" err="1"/>
+              <a:t>LogInfo</a:t>
+            </a:r>
+            <a:r>
+              <a:rPr lang="en-US" dirty="0"/>
+              <a:t>)</a:t>
+            </a:r>
+          </a:p>
+        </p:txBody>
+      </p:sp>
+      <p:cxnSp>
+        <p:nvCxnSpPr>
+          <p:cNvPr id="11" name="Connector: Elbow 10">
+            <a:extLst>
+              <a:ext uri="{FF2B5EF4-FFF2-40B4-BE49-F238E27FC236}">
+                <a16:creationId xmlns:a16="http://schemas.microsoft.com/office/drawing/2014/main" id="{B80A0554-BE5F-79DF-06E8-B297E980466C}"/>
+              </a:ext>
+            </a:extLst>
+          </p:cNvPr>
+          <p:cNvCxnSpPr>
+            <a:stCxn id="4" idx="2"/>
+            <a:endCxn id="7" idx="3"/>
+          </p:cNvCxnSpPr>
+          <p:nvPr/>
+        </p:nvCxnSpPr>
+        <p:spPr>
+          <a:xfrm rot="5400000">
+            <a:off x="7596674" y="3450773"/>
+            <a:ext cx="1254968" cy="2452395"/>
+          </a:xfrm>
+          <a:prstGeom prst="bentConnector2">
+            <a:avLst/>
+          </a:prstGeom>
+          <a:ln>
+            <a:headEnd type="triangle"/>
+            <a:tailEnd type="triangle"/>
+          </a:ln>
+        </p:spPr>
+        <p:style>
+          <a:lnRef idx="1">
+            <a:schemeClr val="accent1"/>
+          </a:lnRef>
+          <a:fillRef idx="0">
+            <a:schemeClr val="accent1"/>
+          </a:fillRef>
+          <a:effectRef idx="0">
+            <a:schemeClr val="accent1"/>
+          </a:effectRef>
+          <a:fontRef idx="minor">
+            <a:schemeClr val="tx1"/>
+          </a:fontRef>
+        </p:style>
+      </p:cxnSp>
+      <p:sp>
+        <p:nvSpPr>
+          <p:cNvPr id="12" name="TextBox 11">
+            <a:extLst>
+              <a:ext uri="{FF2B5EF4-FFF2-40B4-BE49-F238E27FC236}">
+                <a16:creationId xmlns:a16="http://schemas.microsoft.com/office/drawing/2014/main" id="{AC6E87B3-FF4F-82B8-FB79-A73F06598ACE}"/>
+              </a:ext>
+            </a:extLst>
+          </p:cNvPr>
+          <p:cNvSpPr txBox="1"/>
+          <p:nvPr/>
+        </p:nvSpPr>
+        <p:spPr>
+          <a:xfrm>
+            <a:off x="7756849" y="1536832"/>
+            <a:ext cx="3722914" cy="369332"/>
+          </a:xfrm>
+          <a:prstGeom prst="rect">
+            <a:avLst/>
+          </a:prstGeom>
+          <a:noFill/>
+        </p:spPr>
+        <p:txBody>
+          <a:bodyPr wrap="square" rtlCol="0">
+            <a:spAutoFit/>
+          </a:bodyPr>
+          <a:lstStyle/>
+          <a:p>
+            <a:r>
+              <a:rPr lang="en-US" dirty="0"/>
+              <a:t>Abstract class Log{} </a:t>
+            </a:r>
+          </a:p>
+        </p:txBody>
+      </p:sp>
+      <p:sp>
+        <p:nvSpPr>
+          <p:cNvPr id="13" name="Rectangle 12">
+            <a:extLst>
+              <a:ext uri="{FF2B5EF4-FFF2-40B4-BE49-F238E27FC236}">
+                <a16:creationId xmlns:a16="http://schemas.microsoft.com/office/drawing/2014/main" id="{D2E73F26-5E2F-9895-5060-F43F18C0DB25}"/>
+              </a:ext>
+            </a:extLst>
+          </p:cNvPr>
+          <p:cNvSpPr/>
+          <p:nvPr/>
+        </p:nvSpPr>
+        <p:spPr>
+          <a:xfrm>
+            <a:off x="9769151" y="4413550"/>
+            <a:ext cx="1374710" cy="671634"/>
+          </a:xfrm>
+          <a:prstGeom prst="rect">
+            <a:avLst/>
+          </a:prstGeom>
+        </p:spPr>
+        <p:style>
+          <a:lnRef idx="2">
+            <a:schemeClr val="accent1">
+              <a:shade val="15000"/>
+            </a:schemeClr>
+          </a:lnRef>
+          <a:fillRef idx="1">
+            <a:schemeClr val="accent1"/>
+          </a:fillRef>
+          <a:effectRef idx="0">
+            <a:schemeClr val="accent1"/>
+          </a:effectRef>
+          <a:fontRef idx="minor">
+            <a:schemeClr val="lt1"/>
+          </a:fontRef>
+        </p:style>
+        <p:txBody>
+          <a:bodyPr rtlCol="0" anchor="ctr"/>
+          <a:lstStyle/>
+          <a:p>
+            <a:pPr algn="ctr"/>
+            <a:r>
+              <a:rPr lang="en-US" dirty="0" err="1"/>
+              <a:t>TextLog</a:t>
+            </a:r>
+            <a:endParaRPr lang="en-US" dirty="0"/>
+          </a:p>
+        </p:txBody>
+      </p:sp>
+      <p:sp>
+        <p:nvSpPr>
+          <p:cNvPr id="14" name="Rectangle 13">
+            <a:extLst>
+              <a:ext uri="{FF2B5EF4-FFF2-40B4-BE49-F238E27FC236}">
+                <a16:creationId xmlns:a16="http://schemas.microsoft.com/office/drawing/2014/main" id="{805880DC-95C4-F726-31B2-A94E03586C83}"/>
+              </a:ext>
+            </a:extLst>
+          </p:cNvPr>
+          <p:cNvSpPr/>
+          <p:nvPr/>
+        </p:nvSpPr>
+        <p:spPr>
+          <a:xfrm>
+            <a:off x="9769151" y="5349245"/>
+            <a:ext cx="1374710" cy="671634"/>
+          </a:xfrm>
+          <a:prstGeom prst="rect">
+            <a:avLst/>
+          </a:prstGeom>
+        </p:spPr>
+        <p:style>
+          <a:lnRef idx="2">
+            <a:schemeClr val="accent1">
+              <a:shade val="15000"/>
+            </a:schemeClr>
+          </a:lnRef>
+          <a:fillRef idx="1">
+            <a:schemeClr val="accent1"/>
+          </a:fillRef>
+          <a:effectRef idx="0">
+            <a:schemeClr val="accent1"/>
+          </a:effectRef>
+          <a:fontRef idx="minor">
+            <a:schemeClr val="lt1"/>
+          </a:fontRef>
+        </p:style>
+        <p:txBody>
+          <a:bodyPr rtlCol="0" anchor="ctr"/>
+          <a:lstStyle/>
+          <a:p>
+            <a:pPr algn="ctr"/>
+            <a:r>
+              <a:rPr lang="en-US" dirty="0" err="1"/>
+              <a:t>XmlLog</a:t>
+            </a:r>
+            <a:endParaRPr lang="en-US" dirty="0"/>
+          </a:p>
+        </p:txBody>
+      </p:sp>
+      <p:sp>
+        <p:nvSpPr>
+          <p:cNvPr id="15" name="Rectangle 14">
+            <a:extLst>
+              <a:ext uri="{FF2B5EF4-FFF2-40B4-BE49-F238E27FC236}">
+                <a16:creationId xmlns:a16="http://schemas.microsoft.com/office/drawing/2014/main" id="{EA2B1491-DB6C-0354-3A9A-B473A83AE977}"/>
+              </a:ext>
+            </a:extLst>
+          </p:cNvPr>
+          <p:cNvSpPr/>
+          <p:nvPr/>
+        </p:nvSpPr>
+        <p:spPr>
+          <a:xfrm>
+            <a:off x="7766179" y="5808432"/>
+            <a:ext cx="1374710" cy="671634"/>
+          </a:xfrm>
+          <a:prstGeom prst="rect">
+            <a:avLst/>
+          </a:prstGeom>
+        </p:spPr>
+        <p:style>
+          <a:lnRef idx="2">
+            <a:schemeClr val="accent1">
+              <a:shade val="15000"/>
+            </a:schemeClr>
+          </a:lnRef>
+          <a:fillRef idx="1">
+            <a:schemeClr val="accent1"/>
+          </a:fillRef>
+          <a:effectRef idx="0">
+            <a:schemeClr val="accent1"/>
+          </a:effectRef>
+          <a:fontRef idx="minor">
+            <a:schemeClr val="lt1"/>
+          </a:fontRef>
+        </p:style>
+        <p:txBody>
+          <a:bodyPr rtlCol="0" anchor="ctr"/>
+          <a:lstStyle/>
+          <a:p>
+            <a:pPr algn="ctr"/>
+            <a:r>
+              <a:rPr lang="en-US" dirty="0" err="1"/>
+              <a:t>JsonLog</a:t>
+            </a:r>
+            <a:endParaRPr lang="en-US" dirty="0"/>
+          </a:p>
+        </p:txBody>
+      </p:sp>
+      <p:sp>
+        <p:nvSpPr>
+          <p:cNvPr id="16" name="Arrow: Right 15">
+            <a:extLst>
+              <a:ext uri="{FF2B5EF4-FFF2-40B4-BE49-F238E27FC236}">
+                <a16:creationId xmlns:a16="http://schemas.microsoft.com/office/drawing/2014/main" id="{659702FB-3A87-6F9A-241B-6A7B74D66E08}"/>
+              </a:ext>
+            </a:extLst>
+          </p:cNvPr>
+          <p:cNvSpPr/>
+          <p:nvPr/>
+        </p:nvSpPr>
+        <p:spPr>
+          <a:xfrm>
+            <a:off x="3918857" y="2724539"/>
+            <a:ext cx="2062065" cy="615820"/>
+          </a:xfrm>
+          <a:prstGeom prst="rightArrow">
+            <a:avLst/>
+          </a:prstGeom>
+        </p:spPr>
+        <p:style>
+          <a:lnRef idx="2">
+            <a:schemeClr val="accent1">
+              <a:shade val="15000"/>
+            </a:schemeClr>
+          </a:lnRef>
+          <a:fillRef idx="1">
+            <a:schemeClr val="accent1"/>
+          </a:fillRef>
+          <a:effectRef idx="0">
+            <a:schemeClr val="accent1"/>
+          </a:effectRef>
+          <a:fontRef idx="minor">
+            <a:schemeClr val="lt1"/>
+          </a:fontRef>
+        </p:style>
+        <p:txBody>
+          <a:bodyPr rtlCol="0" anchor="ctr"/>
+          <a:lstStyle/>
+          <a:p>
+            <a:pPr algn="ctr"/>
+            <a:r>
+              <a:rPr lang="en-US" dirty="0"/>
+              <a:t>Request For Log</a:t>
+            </a:r>
+          </a:p>
+        </p:txBody>
+      </p:sp>
+      <p:sp>
+        <p:nvSpPr>
+          <p:cNvPr id="17" name="Arrow: Left 16">
+            <a:extLst>
+              <a:ext uri="{FF2B5EF4-FFF2-40B4-BE49-F238E27FC236}">
+                <a16:creationId xmlns:a16="http://schemas.microsoft.com/office/drawing/2014/main" id="{6E30923A-1524-F78A-19B1-8368128E8CDC}"/>
+              </a:ext>
+            </a:extLst>
+          </p:cNvPr>
+          <p:cNvSpPr/>
+          <p:nvPr/>
+        </p:nvSpPr>
+        <p:spPr>
+          <a:xfrm>
+            <a:off x="5980921" y="2724539"/>
+            <a:ext cx="1775927" cy="615820"/>
+          </a:xfrm>
+          <a:prstGeom prst="leftArrow">
+            <a:avLst/>
+          </a:prstGeom>
+        </p:spPr>
+        <p:style>
+          <a:lnRef idx="2">
+            <a:schemeClr val="accent1">
+              <a:shade val="15000"/>
+            </a:schemeClr>
+          </a:lnRef>
+          <a:fillRef idx="1">
+            <a:schemeClr val="accent1"/>
+          </a:fillRef>
+          <a:effectRef idx="0">
+            <a:schemeClr val="accent1"/>
+          </a:effectRef>
+          <a:fontRef idx="minor">
+            <a:schemeClr val="lt1"/>
+          </a:fontRef>
+        </p:style>
+        <p:txBody>
+          <a:bodyPr rtlCol="0" anchor="ctr"/>
+          <a:lstStyle/>
+          <a:p>
+            <a:pPr algn="ctr"/>
+            <a:r>
+              <a:rPr lang="en-US" sz="1200" dirty="0"/>
+              <a:t>Respond with Instance</a:t>
+            </a:r>
+          </a:p>
+        </p:txBody>
+      </p:sp>
+      <p:sp>
+        <p:nvSpPr>
+          <p:cNvPr id="18" name="Arrow: Left-Right 17">
+            <a:extLst>
+              <a:ext uri="{FF2B5EF4-FFF2-40B4-BE49-F238E27FC236}">
+                <a16:creationId xmlns:a16="http://schemas.microsoft.com/office/drawing/2014/main" id="{0A000919-A448-9984-B659-D1BA26D36B04}"/>
+              </a:ext>
+            </a:extLst>
+          </p:cNvPr>
+          <p:cNvSpPr/>
+          <p:nvPr/>
+        </p:nvSpPr>
+        <p:spPr>
+          <a:xfrm>
+            <a:off x="3918857" y="1536832"/>
+            <a:ext cx="3837991" cy="732370"/>
+          </a:xfrm>
+          <a:prstGeom prst="leftRightArrow">
+            <a:avLst/>
+          </a:prstGeom>
+        </p:spPr>
+        <p:style>
+          <a:lnRef idx="2">
+            <a:schemeClr val="accent1">
+              <a:shade val="15000"/>
+            </a:schemeClr>
+          </a:lnRef>
+          <a:fillRef idx="1">
+            <a:schemeClr val="accent1"/>
+          </a:fillRef>
+          <a:effectRef idx="0">
+            <a:schemeClr val="accent1"/>
+          </a:effectRef>
+          <a:fontRef idx="minor">
+            <a:schemeClr val="lt1"/>
+          </a:fontRef>
+        </p:style>
+        <p:txBody>
+          <a:bodyPr rtlCol="0" anchor="ctr"/>
+          <a:lstStyle/>
+          <a:p>
+            <a:pPr algn="ctr"/>
+            <a:r>
+              <a:rPr lang="en-US" dirty="0"/>
+              <a:t>Contract across Systems</a:t>
+            </a:r>
+          </a:p>
+        </p:txBody>
+      </p:sp>
+      <p:sp>
+        <p:nvSpPr>
+          <p:cNvPr id="19" name="TextBox 18">
+            <a:extLst>
+              <a:ext uri="{FF2B5EF4-FFF2-40B4-BE49-F238E27FC236}">
+                <a16:creationId xmlns:a16="http://schemas.microsoft.com/office/drawing/2014/main" id="{26C42493-E9B5-113B-83C3-F77AC7CF5A90}"/>
+              </a:ext>
+            </a:extLst>
+          </p:cNvPr>
+          <p:cNvSpPr txBox="1"/>
+          <p:nvPr/>
+        </p:nvSpPr>
+        <p:spPr>
+          <a:xfrm>
+            <a:off x="3629608" y="251927"/>
+            <a:ext cx="4304523" cy="923330"/>
+          </a:xfrm>
+          <a:prstGeom prst="rect">
+            <a:avLst/>
+          </a:prstGeom>
+          <a:noFill/>
+        </p:spPr>
+        <p:txBody>
+          <a:bodyPr wrap="square" rtlCol="0">
+            <a:spAutoFit/>
+          </a:bodyPr>
+          <a:lstStyle/>
+          <a:p>
+            <a:r>
+              <a:rPr lang="en-US" dirty="0"/>
+              <a:t>Any changes in System 2 for Logger should not required any changes in System 1. In short it must </a:t>
+            </a:r>
+            <a:r>
+              <a:rPr lang="en-US"/>
+              <a:t>be loosely coupled </a:t>
+            </a:r>
+            <a:endParaRPr lang="en-US" dirty="0"/>
+          </a:p>
+        </p:txBody>
+      </p:sp>
+    </p:spTree>
+    <p:extLst>
+      <p:ext uri="{BB962C8B-B14F-4D97-AF65-F5344CB8AC3E}">
+        <p14:creationId xmlns:p14="http://schemas.microsoft.com/office/powerpoint/2010/main" val="2291226598"/>
       </p:ext>
     </p:extLst>
   </p:cSld>
@@ -7816,6 +8695,4431 @@
 </p:sld>
 </file>
 
+<file path=ppt/slides/slide5.xml><?xml version="1.0" encoding="utf-8"?>
+<p:sld xmlns:a="http://schemas.openxmlformats.org/drawingml/2006/main" xmlns:r="http://schemas.openxmlformats.org/officeDocument/2006/relationships" xmlns:p="http://schemas.openxmlformats.org/presentationml/2006/main">
+  <p:cSld>
+    <p:spTree>
+      <p:nvGrpSpPr>
+        <p:cNvPr id="1" name=""/>
+        <p:cNvGrpSpPr/>
+        <p:nvPr/>
+      </p:nvGrpSpPr>
+      <p:grpSpPr>
+        <a:xfrm>
+          <a:off x="0" y="0"/>
+          <a:ext cx="0" cy="0"/>
+          <a:chOff x="0" y="0"/>
+          <a:chExt cx="0" cy="0"/>
+        </a:xfrm>
+      </p:grpSpPr>
+      <p:sp>
+        <p:nvSpPr>
+          <p:cNvPr id="2" name="Rectangle 1">
+            <a:extLst>
+              <a:ext uri="{FF2B5EF4-FFF2-40B4-BE49-F238E27FC236}">
+                <a16:creationId xmlns:a16="http://schemas.microsoft.com/office/drawing/2014/main" id="{B2F33ABB-0565-2DEE-E474-428666F67636}"/>
+              </a:ext>
+            </a:extLst>
+          </p:cNvPr>
+          <p:cNvSpPr/>
+          <p:nvPr/>
+        </p:nvSpPr>
+        <p:spPr>
+          <a:xfrm>
+            <a:off x="4301412" y="130628"/>
+            <a:ext cx="4749281" cy="6428791"/>
+          </a:xfrm>
+          <a:prstGeom prst="rect">
+            <a:avLst/>
+          </a:prstGeom>
+        </p:spPr>
+        <p:style>
+          <a:lnRef idx="1">
+            <a:schemeClr val="accent3"/>
+          </a:lnRef>
+          <a:fillRef idx="2">
+            <a:schemeClr val="accent3"/>
+          </a:fillRef>
+          <a:effectRef idx="1">
+            <a:schemeClr val="accent3"/>
+          </a:effectRef>
+          <a:fontRef idx="minor">
+            <a:schemeClr val="dk1"/>
+          </a:fontRef>
+        </p:style>
+        <p:txBody>
+          <a:bodyPr rtlCol="0" anchor="ctr"/>
+          <a:lstStyle/>
+          <a:p>
+            <a:pPr algn="ctr"/>
+            <a:endParaRPr lang="en-US"/>
+          </a:p>
+        </p:txBody>
+      </p:sp>
+      <p:sp>
+        <p:nvSpPr>
+          <p:cNvPr id="3" name="Flowchart: Magnetic Disk 2">
+            <a:extLst>
+              <a:ext uri="{FF2B5EF4-FFF2-40B4-BE49-F238E27FC236}">
+                <a16:creationId xmlns:a16="http://schemas.microsoft.com/office/drawing/2014/main" id="{D85D2C03-5FB4-2BBD-7C17-6772BBC2FF5D}"/>
+              </a:ext>
+            </a:extLst>
+          </p:cNvPr>
+          <p:cNvSpPr/>
+          <p:nvPr/>
+        </p:nvSpPr>
+        <p:spPr>
+          <a:xfrm>
+            <a:off x="10067730" y="396162"/>
+            <a:ext cx="1754155" cy="1035698"/>
+          </a:xfrm>
+          <a:prstGeom prst="flowChartMagneticDisk">
+            <a:avLst/>
+          </a:prstGeom>
+        </p:spPr>
+        <p:style>
+          <a:lnRef idx="2">
+            <a:schemeClr val="accent1">
+              <a:shade val="15000"/>
+            </a:schemeClr>
+          </a:lnRef>
+          <a:fillRef idx="1">
+            <a:schemeClr val="accent1"/>
+          </a:fillRef>
+          <a:effectRef idx="0">
+            <a:schemeClr val="accent1"/>
+          </a:effectRef>
+          <a:fontRef idx="minor">
+            <a:schemeClr val="lt1"/>
+          </a:fontRef>
+        </p:style>
+        <p:txBody>
+          <a:bodyPr rtlCol="0" anchor="ctr"/>
+          <a:lstStyle/>
+          <a:p>
+            <a:pPr algn="ctr"/>
+            <a:r>
+              <a:rPr lang="en-US" dirty="0"/>
+              <a:t>SQL DB 1</a:t>
+            </a:r>
+          </a:p>
+        </p:txBody>
+      </p:sp>
+      <p:sp>
+        <p:nvSpPr>
+          <p:cNvPr id="4" name="Flowchart: Magnetic Disk 3">
+            <a:extLst>
+              <a:ext uri="{FF2B5EF4-FFF2-40B4-BE49-F238E27FC236}">
+                <a16:creationId xmlns:a16="http://schemas.microsoft.com/office/drawing/2014/main" id="{11F76B94-6D1C-09C2-B778-A6AFFF83A09F}"/>
+              </a:ext>
+            </a:extLst>
+          </p:cNvPr>
+          <p:cNvSpPr/>
+          <p:nvPr/>
+        </p:nvSpPr>
+        <p:spPr>
+          <a:xfrm>
+            <a:off x="10067730" y="1819857"/>
+            <a:ext cx="1754155" cy="1035698"/>
+          </a:xfrm>
+          <a:prstGeom prst="flowChartMagneticDisk">
+            <a:avLst/>
+          </a:prstGeom>
+        </p:spPr>
+        <p:style>
+          <a:lnRef idx="2">
+            <a:schemeClr val="accent1">
+              <a:shade val="15000"/>
+            </a:schemeClr>
+          </a:lnRef>
+          <a:fillRef idx="1">
+            <a:schemeClr val="accent1"/>
+          </a:fillRef>
+          <a:effectRef idx="0">
+            <a:schemeClr val="accent1"/>
+          </a:effectRef>
+          <a:fontRef idx="minor">
+            <a:schemeClr val="lt1"/>
+          </a:fontRef>
+        </p:style>
+        <p:txBody>
+          <a:bodyPr rtlCol="0" anchor="ctr"/>
+          <a:lstStyle/>
+          <a:p>
+            <a:pPr algn="ctr"/>
+            <a:r>
+              <a:rPr lang="en-US" dirty="0"/>
+              <a:t>SQL DB 2</a:t>
+            </a:r>
+          </a:p>
+        </p:txBody>
+      </p:sp>
+      <p:sp>
+        <p:nvSpPr>
+          <p:cNvPr id="5" name="Flowchart: Magnetic Disk 4">
+            <a:extLst>
+              <a:ext uri="{FF2B5EF4-FFF2-40B4-BE49-F238E27FC236}">
+                <a16:creationId xmlns:a16="http://schemas.microsoft.com/office/drawing/2014/main" id="{C03D49B1-9BDF-A71F-DDCF-FA3FA21A3612}"/>
+              </a:ext>
+            </a:extLst>
+          </p:cNvPr>
+          <p:cNvSpPr/>
+          <p:nvPr/>
+        </p:nvSpPr>
+        <p:spPr>
+          <a:xfrm>
+            <a:off x="10067730" y="3345023"/>
+            <a:ext cx="1754155" cy="1035698"/>
+          </a:xfrm>
+          <a:prstGeom prst="flowChartMagneticDisk">
+            <a:avLst/>
+          </a:prstGeom>
+        </p:spPr>
+        <p:style>
+          <a:lnRef idx="2">
+            <a:schemeClr val="accent1">
+              <a:shade val="15000"/>
+            </a:schemeClr>
+          </a:lnRef>
+          <a:fillRef idx="1">
+            <a:schemeClr val="accent1"/>
+          </a:fillRef>
+          <a:effectRef idx="0">
+            <a:schemeClr val="accent1"/>
+          </a:effectRef>
+          <a:fontRef idx="minor">
+            <a:schemeClr val="lt1"/>
+          </a:fontRef>
+        </p:style>
+        <p:txBody>
+          <a:bodyPr rtlCol="0" anchor="ctr"/>
+          <a:lstStyle/>
+          <a:p>
+            <a:pPr algn="ctr"/>
+            <a:r>
+              <a:rPr lang="en-US" dirty="0"/>
+              <a:t>{ NoSQL}</a:t>
+            </a:r>
+          </a:p>
+        </p:txBody>
+      </p:sp>
+      <p:sp>
+        <p:nvSpPr>
+          <p:cNvPr id="6" name="Flowchart: Multidocument 5">
+            <a:extLst>
+              <a:ext uri="{FF2B5EF4-FFF2-40B4-BE49-F238E27FC236}">
+                <a16:creationId xmlns:a16="http://schemas.microsoft.com/office/drawing/2014/main" id="{C1BE646C-DFEA-EF8A-39A0-5FA829A789A4}"/>
+              </a:ext>
+            </a:extLst>
+          </p:cNvPr>
+          <p:cNvSpPr/>
+          <p:nvPr/>
+        </p:nvSpPr>
+        <p:spPr>
+          <a:xfrm>
+            <a:off x="10277668" y="4954555"/>
+            <a:ext cx="1334278" cy="1287624"/>
+          </a:xfrm>
+          <a:prstGeom prst="flowChartMultidocument">
+            <a:avLst/>
+          </a:prstGeom>
+        </p:spPr>
+        <p:style>
+          <a:lnRef idx="2">
+            <a:schemeClr val="accent1">
+              <a:shade val="15000"/>
+            </a:schemeClr>
+          </a:lnRef>
+          <a:fillRef idx="1">
+            <a:schemeClr val="accent1"/>
+          </a:fillRef>
+          <a:effectRef idx="0">
+            <a:schemeClr val="accent1"/>
+          </a:effectRef>
+          <a:fontRef idx="minor">
+            <a:schemeClr val="lt1"/>
+          </a:fontRef>
+        </p:style>
+        <p:txBody>
+          <a:bodyPr rtlCol="0" anchor="ctr"/>
+          <a:lstStyle/>
+          <a:p>
+            <a:pPr algn="ctr"/>
+            <a:r>
+              <a:rPr lang="en-US" dirty="0"/>
+              <a:t>Files</a:t>
+            </a:r>
+          </a:p>
+        </p:txBody>
+      </p:sp>
+      <p:sp>
+        <p:nvSpPr>
+          <p:cNvPr id="7" name="TextBox 6">
+            <a:extLst>
+              <a:ext uri="{FF2B5EF4-FFF2-40B4-BE49-F238E27FC236}">
+                <a16:creationId xmlns:a16="http://schemas.microsoft.com/office/drawing/2014/main" id="{E86AB4D0-C112-2965-FAE7-0AC3064456F5}"/>
+              </a:ext>
+            </a:extLst>
+          </p:cNvPr>
+          <p:cNvSpPr txBox="1"/>
+          <p:nvPr/>
+        </p:nvSpPr>
+        <p:spPr>
+          <a:xfrm>
+            <a:off x="4488024" y="270588"/>
+            <a:ext cx="4348066" cy="369332"/>
+          </a:xfrm>
+          <a:prstGeom prst="rect">
+            <a:avLst/>
+          </a:prstGeom>
+          <a:noFill/>
+        </p:spPr>
+        <p:txBody>
+          <a:bodyPr wrap="square" rtlCol="0">
+            <a:spAutoFit/>
+          </a:bodyPr>
+          <a:lstStyle/>
+          <a:p>
+            <a:pPr algn="ctr"/>
+            <a:r>
+              <a:rPr lang="en-US" dirty="0"/>
+              <a:t>Application Layer</a:t>
+            </a:r>
+          </a:p>
+        </p:txBody>
+      </p:sp>
+      <p:sp>
+        <p:nvSpPr>
+          <p:cNvPr id="8" name="Rectangle 7">
+            <a:extLst>
+              <a:ext uri="{FF2B5EF4-FFF2-40B4-BE49-F238E27FC236}">
+                <a16:creationId xmlns:a16="http://schemas.microsoft.com/office/drawing/2014/main" id="{364279C5-9FC8-EEC6-C4A6-22A32C903B87}"/>
+              </a:ext>
+            </a:extLst>
+          </p:cNvPr>
+          <p:cNvSpPr/>
+          <p:nvPr/>
+        </p:nvSpPr>
+        <p:spPr>
+          <a:xfrm>
+            <a:off x="7212563" y="895739"/>
+            <a:ext cx="1623527" cy="4777273"/>
+          </a:xfrm>
+          <a:prstGeom prst="rect">
+            <a:avLst/>
+          </a:prstGeom>
+        </p:spPr>
+        <p:style>
+          <a:lnRef idx="1">
+            <a:schemeClr val="accent2"/>
+          </a:lnRef>
+          <a:fillRef idx="3">
+            <a:schemeClr val="accent2"/>
+          </a:fillRef>
+          <a:effectRef idx="2">
+            <a:schemeClr val="accent2"/>
+          </a:effectRef>
+          <a:fontRef idx="minor">
+            <a:schemeClr val="lt1"/>
+          </a:fontRef>
+        </p:style>
+        <p:txBody>
+          <a:bodyPr rtlCol="0" anchor="ctr"/>
+          <a:lstStyle/>
+          <a:p>
+            <a:pPr algn="ctr"/>
+            <a:endParaRPr lang="en-US"/>
+          </a:p>
+        </p:txBody>
+      </p:sp>
+      <p:sp>
+        <p:nvSpPr>
+          <p:cNvPr id="9" name="TextBox 8">
+            <a:extLst>
+              <a:ext uri="{FF2B5EF4-FFF2-40B4-BE49-F238E27FC236}">
+                <a16:creationId xmlns:a16="http://schemas.microsoft.com/office/drawing/2014/main" id="{9FA6F10E-1448-DF1F-0B4D-F0D0FB3B9E18}"/>
+              </a:ext>
+            </a:extLst>
+          </p:cNvPr>
+          <p:cNvSpPr txBox="1"/>
+          <p:nvPr/>
+        </p:nvSpPr>
+        <p:spPr>
+          <a:xfrm>
+            <a:off x="7371184" y="998376"/>
+            <a:ext cx="1268963" cy="369332"/>
+          </a:xfrm>
+          <a:prstGeom prst="rect">
+            <a:avLst/>
+          </a:prstGeom>
+          <a:noFill/>
+        </p:spPr>
+        <p:txBody>
+          <a:bodyPr wrap="square" rtlCol="0">
+            <a:spAutoFit/>
+          </a:bodyPr>
+          <a:lstStyle/>
+          <a:p>
+            <a:pPr algn="ctr"/>
+            <a:r>
+              <a:rPr lang="en-US" dirty="0"/>
+              <a:t>Data </a:t>
+            </a:r>
+            <a:r>
+              <a:rPr lang="en-US" dirty="0" err="1"/>
+              <a:t>Acces</a:t>
+            </a:r>
+            <a:endParaRPr lang="en-US" dirty="0"/>
+          </a:p>
+        </p:txBody>
+      </p:sp>
+      <p:sp>
+        <p:nvSpPr>
+          <p:cNvPr id="10" name="TextBox 9">
+            <a:extLst>
+              <a:ext uri="{FF2B5EF4-FFF2-40B4-BE49-F238E27FC236}">
+                <a16:creationId xmlns:a16="http://schemas.microsoft.com/office/drawing/2014/main" id="{7931629E-3226-0BAE-ABFF-C2D083A3B897}"/>
+              </a:ext>
+            </a:extLst>
+          </p:cNvPr>
+          <p:cNvSpPr txBox="1"/>
+          <p:nvPr/>
+        </p:nvSpPr>
+        <p:spPr>
+          <a:xfrm>
+            <a:off x="7371184" y="1614196"/>
+            <a:ext cx="1362269" cy="369332"/>
+          </a:xfrm>
+          <a:prstGeom prst="rect">
+            <a:avLst/>
+          </a:prstGeom>
+          <a:noFill/>
+        </p:spPr>
+        <p:txBody>
+          <a:bodyPr wrap="square" rtlCol="0">
+            <a:spAutoFit/>
+          </a:bodyPr>
+          <a:lstStyle/>
+          <a:p>
+            <a:pPr algn="ctr"/>
+            <a:r>
+              <a:rPr lang="en-US" dirty="0"/>
+              <a:t>CRUD</a:t>
+            </a:r>
+          </a:p>
+        </p:txBody>
+      </p:sp>
+      <p:sp>
+        <p:nvSpPr>
+          <p:cNvPr id="11" name="TextBox 10">
+            <a:extLst>
+              <a:ext uri="{FF2B5EF4-FFF2-40B4-BE49-F238E27FC236}">
+                <a16:creationId xmlns:a16="http://schemas.microsoft.com/office/drawing/2014/main" id="{70806ADA-4454-AE30-3A42-DAB97A754A31}"/>
+              </a:ext>
+            </a:extLst>
+          </p:cNvPr>
+          <p:cNvSpPr txBox="1"/>
+          <p:nvPr/>
+        </p:nvSpPr>
+        <p:spPr>
+          <a:xfrm>
+            <a:off x="7268547" y="2388637"/>
+            <a:ext cx="1567543" cy="830997"/>
+          </a:xfrm>
+          <a:prstGeom prst="rect">
+            <a:avLst/>
+          </a:prstGeom>
+          <a:noFill/>
+        </p:spPr>
+        <p:txBody>
+          <a:bodyPr wrap="square" rtlCol="0">
+            <a:spAutoFit/>
+          </a:bodyPr>
+          <a:lstStyle/>
+          <a:p>
+            <a:pPr marL="342900" indent="-342900">
+              <a:buAutoNum type="arabicPeriod"/>
+            </a:pPr>
+            <a:r>
+              <a:rPr lang="en-US" sz="1600" dirty="0"/>
+              <a:t>Connection</a:t>
+            </a:r>
+          </a:p>
+          <a:p>
+            <a:pPr marL="342900" indent="-342900">
+              <a:buAutoNum type="arabicPeriod"/>
+            </a:pPr>
+            <a:r>
+              <a:rPr lang="en-US" sz="1600" dirty="0"/>
+              <a:t>Queries (R/W)</a:t>
+            </a:r>
+          </a:p>
+        </p:txBody>
+      </p:sp>
+      <p:cxnSp>
+        <p:nvCxnSpPr>
+          <p:cNvPr id="15" name="Connector: Elbow 14">
+            <a:extLst>
+              <a:ext uri="{FF2B5EF4-FFF2-40B4-BE49-F238E27FC236}">
+                <a16:creationId xmlns:a16="http://schemas.microsoft.com/office/drawing/2014/main" id="{00F1537E-AEE4-50CA-7812-E1EC4F0439A8}"/>
+              </a:ext>
+            </a:extLst>
+          </p:cNvPr>
+          <p:cNvCxnSpPr>
+            <a:cxnSpLocks/>
+            <a:stCxn id="8" idx="3"/>
+            <a:endCxn id="3" idx="2"/>
+          </p:cNvCxnSpPr>
+          <p:nvPr/>
+        </p:nvCxnSpPr>
+        <p:spPr>
+          <a:xfrm flipV="1">
+            <a:off x="8836090" y="914011"/>
+            <a:ext cx="1231640" cy="2370365"/>
+          </a:xfrm>
+          <a:prstGeom prst="bentConnector3">
+            <a:avLst/>
+          </a:prstGeom>
+          <a:ln>
+            <a:headEnd type="triangle"/>
+            <a:tailEnd type="triangle"/>
+          </a:ln>
+        </p:spPr>
+        <p:style>
+          <a:lnRef idx="1">
+            <a:schemeClr val="accent1"/>
+          </a:lnRef>
+          <a:fillRef idx="0">
+            <a:schemeClr val="accent1"/>
+          </a:fillRef>
+          <a:effectRef idx="0">
+            <a:schemeClr val="accent1"/>
+          </a:effectRef>
+          <a:fontRef idx="minor">
+            <a:schemeClr val="tx1"/>
+          </a:fontRef>
+        </p:style>
+      </p:cxnSp>
+      <p:cxnSp>
+        <p:nvCxnSpPr>
+          <p:cNvPr id="17" name="Connector: Elbow 16">
+            <a:extLst>
+              <a:ext uri="{FF2B5EF4-FFF2-40B4-BE49-F238E27FC236}">
+                <a16:creationId xmlns:a16="http://schemas.microsoft.com/office/drawing/2014/main" id="{42298FFB-86DD-18AA-9DBE-7DE523598A89}"/>
+              </a:ext>
+            </a:extLst>
+          </p:cNvPr>
+          <p:cNvCxnSpPr>
+            <a:endCxn id="4" idx="2"/>
+          </p:cNvCxnSpPr>
+          <p:nvPr/>
+        </p:nvCxnSpPr>
+        <p:spPr>
+          <a:xfrm rot="5400000" flipH="1" flipV="1">
+            <a:off x="8812957" y="2360840"/>
+            <a:ext cx="1277907" cy="1231640"/>
+          </a:xfrm>
+          <a:prstGeom prst="bentConnector2">
+            <a:avLst/>
+          </a:prstGeom>
+          <a:ln>
+            <a:headEnd type="triangle"/>
+            <a:tailEnd type="triangle"/>
+          </a:ln>
+        </p:spPr>
+        <p:style>
+          <a:lnRef idx="1">
+            <a:schemeClr val="accent1"/>
+          </a:lnRef>
+          <a:fillRef idx="0">
+            <a:schemeClr val="accent1"/>
+          </a:fillRef>
+          <a:effectRef idx="0">
+            <a:schemeClr val="accent1"/>
+          </a:effectRef>
+          <a:fontRef idx="minor">
+            <a:schemeClr val="tx1"/>
+          </a:fontRef>
+        </p:style>
+      </p:cxnSp>
+      <p:cxnSp>
+        <p:nvCxnSpPr>
+          <p:cNvPr id="19" name="Connector: Elbow 18">
+            <a:extLst>
+              <a:ext uri="{FF2B5EF4-FFF2-40B4-BE49-F238E27FC236}">
+                <a16:creationId xmlns:a16="http://schemas.microsoft.com/office/drawing/2014/main" id="{562C0EC0-224F-A207-A579-BC854836B91B}"/>
+              </a:ext>
+            </a:extLst>
+          </p:cNvPr>
+          <p:cNvCxnSpPr>
+            <a:cxnSpLocks/>
+            <a:stCxn id="8" idx="3"/>
+            <a:endCxn id="5" idx="2"/>
+          </p:cNvCxnSpPr>
+          <p:nvPr/>
+        </p:nvCxnSpPr>
+        <p:spPr>
+          <a:xfrm>
+            <a:off x="8836090" y="3284376"/>
+            <a:ext cx="1231640" cy="578496"/>
+          </a:xfrm>
+          <a:prstGeom prst="bentConnector3">
+            <a:avLst/>
+          </a:prstGeom>
+          <a:ln>
+            <a:headEnd type="triangle"/>
+            <a:tailEnd type="triangle"/>
+          </a:ln>
+        </p:spPr>
+        <p:style>
+          <a:lnRef idx="1">
+            <a:schemeClr val="accent1"/>
+          </a:lnRef>
+          <a:fillRef idx="0">
+            <a:schemeClr val="accent1"/>
+          </a:fillRef>
+          <a:effectRef idx="0">
+            <a:schemeClr val="accent1"/>
+          </a:effectRef>
+          <a:fontRef idx="minor">
+            <a:schemeClr val="tx1"/>
+          </a:fontRef>
+        </p:style>
+      </p:cxnSp>
+      <p:cxnSp>
+        <p:nvCxnSpPr>
+          <p:cNvPr id="21" name="Connector: Elbow 20">
+            <a:extLst>
+              <a:ext uri="{FF2B5EF4-FFF2-40B4-BE49-F238E27FC236}">
+                <a16:creationId xmlns:a16="http://schemas.microsoft.com/office/drawing/2014/main" id="{B3083AF5-601B-E1F4-DF15-DDEDCC158658}"/>
+              </a:ext>
+            </a:extLst>
+          </p:cNvPr>
+          <p:cNvCxnSpPr>
+            <a:endCxn id="6" idx="1"/>
+          </p:cNvCxnSpPr>
+          <p:nvPr/>
+        </p:nvCxnSpPr>
+        <p:spPr>
+          <a:xfrm rot="16200000" flipH="1">
+            <a:off x="8570066" y="3890765"/>
+            <a:ext cx="1973624" cy="1441579"/>
+          </a:xfrm>
+          <a:prstGeom prst="bentConnector2">
+            <a:avLst/>
+          </a:prstGeom>
+          <a:ln>
+            <a:headEnd type="triangle"/>
+            <a:tailEnd type="triangle"/>
+          </a:ln>
+        </p:spPr>
+        <p:style>
+          <a:lnRef idx="1">
+            <a:schemeClr val="accent1"/>
+          </a:lnRef>
+          <a:fillRef idx="0">
+            <a:schemeClr val="accent1"/>
+          </a:fillRef>
+          <a:effectRef idx="0">
+            <a:schemeClr val="accent1"/>
+          </a:effectRef>
+          <a:fontRef idx="minor">
+            <a:schemeClr val="tx1"/>
+          </a:fontRef>
+        </p:style>
+      </p:cxnSp>
+      <p:sp>
+        <p:nvSpPr>
+          <p:cNvPr id="22" name="TextBox 21">
+            <a:extLst>
+              <a:ext uri="{FF2B5EF4-FFF2-40B4-BE49-F238E27FC236}">
+                <a16:creationId xmlns:a16="http://schemas.microsoft.com/office/drawing/2014/main" id="{FE6ED08C-1FBD-CADD-528E-E76E8D3D6F05}"/>
+              </a:ext>
+            </a:extLst>
+          </p:cNvPr>
+          <p:cNvSpPr txBox="1"/>
+          <p:nvPr/>
+        </p:nvSpPr>
+        <p:spPr>
+          <a:xfrm>
+            <a:off x="7371184" y="4020721"/>
+            <a:ext cx="1268963" cy="923330"/>
+          </a:xfrm>
+          <a:prstGeom prst="rect">
+            <a:avLst/>
+          </a:prstGeom>
+          <a:noFill/>
+        </p:spPr>
+        <p:txBody>
+          <a:bodyPr wrap="square" rtlCol="0">
+            <a:spAutoFit/>
+          </a:bodyPr>
+          <a:lstStyle/>
+          <a:p>
+            <a:r>
+              <a:rPr lang="en-US" dirty="0"/>
+              <a:t>Files Upload / Download</a:t>
+            </a:r>
+          </a:p>
+        </p:txBody>
+      </p:sp>
+      <p:sp>
+        <p:nvSpPr>
+          <p:cNvPr id="23" name="Arrow: Right 22">
+            <a:extLst>
+              <a:ext uri="{FF2B5EF4-FFF2-40B4-BE49-F238E27FC236}">
+                <a16:creationId xmlns:a16="http://schemas.microsoft.com/office/drawing/2014/main" id="{CBE09BE4-40FD-6ECF-0447-A963B54ABC3E}"/>
+              </a:ext>
+            </a:extLst>
+          </p:cNvPr>
+          <p:cNvSpPr/>
+          <p:nvPr/>
+        </p:nvSpPr>
+        <p:spPr>
+          <a:xfrm>
+            <a:off x="111967" y="1209087"/>
+            <a:ext cx="4189444" cy="774441"/>
+          </a:xfrm>
+          <a:prstGeom prst="rightArrow">
+            <a:avLst/>
+          </a:prstGeom>
+        </p:spPr>
+        <p:style>
+          <a:lnRef idx="2">
+            <a:schemeClr val="accent1">
+              <a:shade val="15000"/>
+            </a:schemeClr>
+          </a:lnRef>
+          <a:fillRef idx="1">
+            <a:schemeClr val="accent1"/>
+          </a:fillRef>
+          <a:effectRef idx="0">
+            <a:schemeClr val="accent1"/>
+          </a:effectRef>
+          <a:fontRef idx="minor">
+            <a:schemeClr val="lt1"/>
+          </a:fontRef>
+        </p:style>
+        <p:txBody>
+          <a:bodyPr rtlCol="0" anchor="ctr"/>
+          <a:lstStyle/>
+          <a:p>
+            <a:pPr algn="ctr"/>
+            <a:r>
+              <a:rPr lang="en-US" dirty="0"/>
+              <a:t>Send Data using Request</a:t>
+            </a:r>
+          </a:p>
+        </p:txBody>
+      </p:sp>
+      <p:sp>
+        <p:nvSpPr>
+          <p:cNvPr id="24" name="Rectangle 23">
+            <a:extLst>
+              <a:ext uri="{FF2B5EF4-FFF2-40B4-BE49-F238E27FC236}">
+                <a16:creationId xmlns:a16="http://schemas.microsoft.com/office/drawing/2014/main" id="{A763E111-53E0-BEA5-CB23-9E81C8553828}"/>
+              </a:ext>
+            </a:extLst>
+          </p:cNvPr>
+          <p:cNvSpPr/>
+          <p:nvPr/>
+        </p:nvSpPr>
+        <p:spPr>
+          <a:xfrm>
+            <a:off x="4404048" y="1367708"/>
+            <a:ext cx="575390" cy="3801451"/>
+          </a:xfrm>
+          <a:prstGeom prst="rect">
+            <a:avLst/>
+          </a:prstGeom>
+        </p:spPr>
+        <p:style>
+          <a:lnRef idx="0">
+            <a:schemeClr val="dk1"/>
+          </a:lnRef>
+          <a:fillRef idx="3">
+            <a:schemeClr val="dk1"/>
+          </a:fillRef>
+          <a:effectRef idx="3">
+            <a:schemeClr val="dk1"/>
+          </a:effectRef>
+          <a:fontRef idx="minor">
+            <a:schemeClr val="lt1"/>
+          </a:fontRef>
+        </p:style>
+        <p:txBody>
+          <a:bodyPr rtlCol="0" anchor="ctr"/>
+          <a:lstStyle/>
+          <a:p>
+            <a:pPr algn="ctr"/>
+            <a:r>
+              <a:rPr lang="en-US" dirty="0"/>
+              <a:t>I</a:t>
+            </a:r>
+          </a:p>
+          <a:p>
+            <a:pPr algn="ctr"/>
+            <a:r>
+              <a:rPr lang="en-US" dirty="0"/>
+              <a:t>N</a:t>
+            </a:r>
+          </a:p>
+          <a:p>
+            <a:pPr algn="ctr"/>
+            <a:r>
+              <a:rPr lang="en-US" dirty="0"/>
+              <a:t>T</a:t>
+            </a:r>
+          </a:p>
+          <a:p>
+            <a:pPr algn="ctr"/>
+            <a:r>
+              <a:rPr lang="en-US" dirty="0"/>
+              <a:t>E</a:t>
+            </a:r>
+          </a:p>
+          <a:p>
+            <a:pPr algn="ctr"/>
+            <a:r>
+              <a:rPr lang="en-US" dirty="0"/>
+              <a:t>R</a:t>
+            </a:r>
+          </a:p>
+          <a:p>
+            <a:pPr algn="ctr"/>
+            <a:r>
+              <a:rPr lang="en-US" dirty="0"/>
+              <a:t>F</a:t>
+            </a:r>
+          </a:p>
+          <a:p>
+            <a:pPr algn="ctr"/>
+            <a:r>
+              <a:rPr lang="en-US" dirty="0"/>
+              <a:t>A</a:t>
+            </a:r>
+          </a:p>
+          <a:p>
+            <a:pPr algn="ctr"/>
+            <a:r>
+              <a:rPr lang="en-US" dirty="0"/>
+              <a:t>C</a:t>
+            </a:r>
+          </a:p>
+          <a:p>
+            <a:pPr algn="ctr"/>
+            <a:r>
+              <a:rPr lang="en-US" dirty="0"/>
+              <a:t>E</a:t>
+            </a:r>
+          </a:p>
+        </p:txBody>
+      </p:sp>
+      <p:sp>
+        <p:nvSpPr>
+          <p:cNvPr id="25" name="Rectangle 24">
+            <a:extLst>
+              <a:ext uri="{FF2B5EF4-FFF2-40B4-BE49-F238E27FC236}">
+                <a16:creationId xmlns:a16="http://schemas.microsoft.com/office/drawing/2014/main" id="{E91C80DA-BF4B-43BA-0F8E-9ED4450954A6}"/>
+              </a:ext>
+            </a:extLst>
+          </p:cNvPr>
+          <p:cNvSpPr/>
+          <p:nvPr/>
+        </p:nvSpPr>
+        <p:spPr>
+          <a:xfrm>
+            <a:off x="5284238" y="1003032"/>
+            <a:ext cx="1713722" cy="4595335"/>
+          </a:xfrm>
+          <a:prstGeom prst="rect">
+            <a:avLst/>
+          </a:prstGeom>
+        </p:spPr>
+        <p:style>
+          <a:lnRef idx="3">
+            <a:schemeClr val="lt1"/>
+          </a:lnRef>
+          <a:fillRef idx="1">
+            <a:schemeClr val="accent4"/>
+          </a:fillRef>
+          <a:effectRef idx="1">
+            <a:schemeClr val="accent4"/>
+          </a:effectRef>
+          <a:fontRef idx="minor">
+            <a:schemeClr val="lt1"/>
+          </a:fontRef>
+        </p:style>
+        <p:txBody>
+          <a:bodyPr rtlCol="0" anchor="ctr"/>
+          <a:lstStyle/>
+          <a:p>
+            <a:pPr algn="ctr"/>
+            <a:r>
+              <a:rPr lang="en-US" dirty="0"/>
+              <a:t>Business Workflows</a:t>
+            </a:r>
+          </a:p>
+          <a:p>
+            <a:pPr algn="ctr"/>
+            <a:r>
+              <a:rPr lang="en-US" dirty="0"/>
+              <a:t>Add()</a:t>
+            </a:r>
+          </a:p>
+          <a:p>
+            <a:pPr algn="ctr"/>
+            <a:r>
+              <a:rPr lang="en-US" dirty="0"/>
+              <a:t>Update()</a:t>
+            </a:r>
+          </a:p>
+          <a:p>
+            <a:pPr algn="ctr"/>
+            <a:r>
+              <a:rPr lang="en-US" dirty="0" err="1"/>
+              <a:t>ReadAll</a:t>
+            </a:r>
+            <a:r>
+              <a:rPr lang="en-US" dirty="0"/>
+              <a:t>()</a:t>
+            </a:r>
+          </a:p>
+          <a:p>
+            <a:pPr algn="ctr"/>
+            <a:r>
+              <a:rPr lang="en-US" dirty="0" err="1"/>
+              <a:t>ReadBy</a:t>
+            </a:r>
+            <a:r>
+              <a:rPr lang="en-US" dirty="0"/>
+              <a:t>()</a:t>
+            </a:r>
+          </a:p>
+          <a:p>
+            <a:pPr algn="ctr"/>
+            <a:r>
+              <a:rPr lang="en-US" dirty="0"/>
+              <a:t>Delete()</a:t>
+            </a:r>
+          </a:p>
+        </p:txBody>
+      </p:sp>
+      <p:sp>
+        <p:nvSpPr>
+          <p:cNvPr id="26" name="Arrow: Right 25">
+            <a:extLst>
+              <a:ext uri="{FF2B5EF4-FFF2-40B4-BE49-F238E27FC236}">
+                <a16:creationId xmlns:a16="http://schemas.microsoft.com/office/drawing/2014/main" id="{29CE952C-8A79-056C-2C25-11FAACBA6651}"/>
+              </a:ext>
+            </a:extLst>
+          </p:cNvPr>
+          <p:cNvSpPr/>
+          <p:nvPr/>
+        </p:nvSpPr>
+        <p:spPr>
+          <a:xfrm>
+            <a:off x="4777273" y="1688841"/>
+            <a:ext cx="681135" cy="369332"/>
+          </a:xfrm>
+          <a:prstGeom prst="rightArrow">
+            <a:avLst/>
+          </a:prstGeom>
+        </p:spPr>
+        <p:style>
+          <a:lnRef idx="2">
+            <a:schemeClr val="accent1">
+              <a:shade val="15000"/>
+            </a:schemeClr>
+          </a:lnRef>
+          <a:fillRef idx="1">
+            <a:schemeClr val="accent1"/>
+          </a:fillRef>
+          <a:effectRef idx="0">
+            <a:schemeClr val="accent1"/>
+          </a:effectRef>
+          <a:fontRef idx="minor">
+            <a:schemeClr val="lt1"/>
+          </a:fontRef>
+        </p:style>
+        <p:txBody>
+          <a:bodyPr rtlCol="0" anchor="ctr"/>
+          <a:lstStyle/>
+          <a:p>
+            <a:pPr algn="ctr"/>
+            <a:endParaRPr lang="en-US"/>
+          </a:p>
+        </p:txBody>
+      </p:sp>
+      <p:sp>
+        <p:nvSpPr>
+          <p:cNvPr id="27" name="Arrow: Right 26">
+            <a:extLst>
+              <a:ext uri="{FF2B5EF4-FFF2-40B4-BE49-F238E27FC236}">
+                <a16:creationId xmlns:a16="http://schemas.microsoft.com/office/drawing/2014/main" id="{D423D89D-6330-3811-86FA-3CA0187D905B}"/>
+              </a:ext>
+            </a:extLst>
+          </p:cNvPr>
+          <p:cNvSpPr/>
+          <p:nvPr/>
+        </p:nvSpPr>
+        <p:spPr>
+          <a:xfrm>
+            <a:off x="6783355" y="1849793"/>
+            <a:ext cx="681135" cy="369332"/>
+          </a:xfrm>
+          <a:prstGeom prst="rightArrow">
+            <a:avLst/>
+          </a:prstGeom>
+        </p:spPr>
+        <p:style>
+          <a:lnRef idx="2">
+            <a:schemeClr val="accent1">
+              <a:shade val="15000"/>
+            </a:schemeClr>
+          </a:lnRef>
+          <a:fillRef idx="1">
+            <a:schemeClr val="accent1"/>
+          </a:fillRef>
+          <a:effectRef idx="0">
+            <a:schemeClr val="accent1"/>
+          </a:effectRef>
+          <a:fontRef idx="minor">
+            <a:schemeClr val="lt1"/>
+          </a:fontRef>
+        </p:style>
+        <p:txBody>
+          <a:bodyPr rtlCol="0" anchor="ctr"/>
+          <a:lstStyle/>
+          <a:p>
+            <a:pPr algn="ctr"/>
+            <a:endParaRPr lang="en-US"/>
+          </a:p>
+        </p:txBody>
+      </p:sp>
+      <p:sp>
+        <p:nvSpPr>
+          <p:cNvPr id="28" name="TextBox 27">
+            <a:extLst>
+              <a:ext uri="{FF2B5EF4-FFF2-40B4-BE49-F238E27FC236}">
+                <a16:creationId xmlns:a16="http://schemas.microsoft.com/office/drawing/2014/main" id="{4EED05A5-4803-2BB5-D0B8-F50E3831E585}"/>
+              </a:ext>
+            </a:extLst>
+          </p:cNvPr>
+          <p:cNvSpPr txBox="1"/>
+          <p:nvPr/>
+        </p:nvSpPr>
+        <p:spPr>
+          <a:xfrm>
+            <a:off x="242596" y="2041457"/>
+            <a:ext cx="3287487" cy="1754326"/>
+          </a:xfrm>
+          <a:prstGeom prst="rect">
+            <a:avLst/>
+          </a:prstGeom>
+          <a:noFill/>
+        </p:spPr>
+        <p:txBody>
+          <a:bodyPr wrap="square" rtlCol="0">
+            <a:spAutoFit/>
+          </a:bodyPr>
+          <a:lstStyle/>
+          <a:p>
+            <a:r>
+              <a:rPr lang="en-US" dirty="0"/>
+              <a:t>Emp = {</a:t>
+            </a:r>
+          </a:p>
+          <a:p>
+            <a:r>
+              <a:rPr lang="en-US" dirty="0"/>
+              <a:t>  EmpNo:101,</a:t>
+            </a:r>
+          </a:p>
+          <a:p>
+            <a:r>
+              <a:rPr lang="en-US" dirty="0"/>
+              <a:t> EmpName: “ABC”,</a:t>
+            </a:r>
+          </a:p>
+          <a:p>
+            <a:r>
+              <a:rPr lang="en-US" dirty="0"/>
+              <a:t> DeptName: “IT”,</a:t>
+            </a:r>
+          </a:p>
+          <a:p>
+            <a:r>
+              <a:rPr lang="en-US" dirty="0"/>
+              <a:t> Salary:89899</a:t>
+            </a:r>
+          </a:p>
+          <a:p>
+            <a:r>
+              <a:rPr lang="en-US" dirty="0"/>
+              <a:t>}</a:t>
+            </a:r>
+          </a:p>
+        </p:txBody>
+      </p:sp>
+      <p:sp>
+        <p:nvSpPr>
+          <p:cNvPr id="29" name="TextBox 28">
+            <a:extLst>
+              <a:ext uri="{FF2B5EF4-FFF2-40B4-BE49-F238E27FC236}">
+                <a16:creationId xmlns:a16="http://schemas.microsoft.com/office/drawing/2014/main" id="{C03D7E25-D04C-E02F-33AE-237596583AED}"/>
+              </a:ext>
+            </a:extLst>
+          </p:cNvPr>
+          <p:cNvSpPr txBox="1"/>
+          <p:nvPr/>
+        </p:nvSpPr>
+        <p:spPr>
+          <a:xfrm>
+            <a:off x="370115" y="4874473"/>
+            <a:ext cx="2820954" cy="1754326"/>
+          </a:xfrm>
+          <a:prstGeom prst="rect">
+            <a:avLst/>
+          </a:prstGeom>
+          <a:noFill/>
+        </p:spPr>
+        <p:txBody>
+          <a:bodyPr wrap="square" rtlCol="0">
+            <a:spAutoFit/>
+          </a:bodyPr>
+          <a:lstStyle/>
+          <a:p>
+            <a:r>
+              <a:rPr lang="en-US" dirty="0"/>
+              <a:t>Interface Layer MUST Map the received data with the Object / Schema / Entity</a:t>
+            </a:r>
+          </a:p>
+          <a:p>
+            <a:endParaRPr lang="en-US" dirty="0"/>
+          </a:p>
+          <a:p>
+            <a:r>
+              <a:rPr lang="en-US" dirty="0"/>
+              <a:t>POCO: Class with Public Read/Write Properties</a:t>
+            </a:r>
+          </a:p>
+        </p:txBody>
+      </p:sp>
+      <p:sp>
+        <p:nvSpPr>
+          <p:cNvPr id="30" name="Arrow: Right 29">
+            <a:extLst>
+              <a:ext uri="{FF2B5EF4-FFF2-40B4-BE49-F238E27FC236}">
+                <a16:creationId xmlns:a16="http://schemas.microsoft.com/office/drawing/2014/main" id="{105E28D7-B026-2DF1-6408-BC5582E3E3CF}"/>
+              </a:ext>
+            </a:extLst>
+          </p:cNvPr>
+          <p:cNvSpPr/>
+          <p:nvPr/>
+        </p:nvSpPr>
+        <p:spPr>
+          <a:xfrm>
+            <a:off x="2425959" y="2337706"/>
+            <a:ext cx="1763486" cy="881928"/>
+          </a:xfrm>
+          <a:prstGeom prst="rightArrow">
+            <a:avLst/>
+          </a:prstGeom>
+        </p:spPr>
+        <p:style>
+          <a:lnRef idx="2">
+            <a:schemeClr val="accent1">
+              <a:shade val="15000"/>
+            </a:schemeClr>
+          </a:lnRef>
+          <a:fillRef idx="1">
+            <a:schemeClr val="accent1"/>
+          </a:fillRef>
+          <a:effectRef idx="0">
+            <a:schemeClr val="accent1"/>
+          </a:effectRef>
+          <a:fontRef idx="minor">
+            <a:schemeClr val="lt1"/>
+          </a:fontRef>
+        </p:style>
+        <p:txBody>
+          <a:bodyPr rtlCol="0" anchor="ctr"/>
+          <a:lstStyle/>
+          <a:p>
+            <a:pPr algn="ctr"/>
+            <a:r>
+              <a:rPr lang="en-US" dirty="0"/>
+              <a:t>MAP with POCO</a:t>
+            </a:r>
+          </a:p>
+        </p:txBody>
+      </p:sp>
+      <p:sp>
+        <p:nvSpPr>
+          <p:cNvPr id="33" name="Rectangle 32">
+            <a:extLst>
+              <a:ext uri="{FF2B5EF4-FFF2-40B4-BE49-F238E27FC236}">
+                <a16:creationId xmlns:a16="http://schemas.microsoft.com/office/drawing/2014/main" id="{FE923FC4-B181-B6A0-AF79-77061D0D22C6}"/>
+              </a:ext>
+            </a:extLst>
+          </p:cNvPr>
+          <p:cNvSpPr/>
+          <p:nvPr/>
+        </p:nvSpPr>
+        <p:spPr>
+          <a:xfrm>
+            <a:off x="4488024" y="5906278"/>
+            <a:ext cx="4413380" cy="485191"/>
+          </a:xfrm>
+          <a:prstGeom prst="rect">
+            <a:avLst/>
+          </a:prstGeom>
+          <a:solidFill>
+            <a:srgbClr val="002060"/>
+          </a:solidFill>
+        </p:spPr>
+        <p:style>
+          <a:lnRef idx="2">
+            <a:schemeClr val="accent1">
+              <a:shade val="15000"/>
+            </a:schemeClr>
+          </a:lnRef>
+          <a:fillRef idx="1">
+            <a:schemeClr val="accent1"/>
+          </a:fillRef>
+          <a:effectRef idx="0">
+            <a:schemeClr val="accent1"/>
+          </a:effectRef>
+          <a:fontRef idx="minor">
+            <a:schemeClr val="lt1"/>
+          </a:fontRef>
+        </p:style>
+        <p:txBody>
+          <a:bodyPr rtlCol="0" anchor="ctr"/>
+          <a:lstStyle/>
+          <a:p>
+            <a:pPr algn="ctr"/>
+            <a:r>
+              <a:rPr lang="en-US" b="1" dirty="0"/>
+              <a:t>Entity Layer , Plain Old CLR Objects (POCO)</a:t>
+            </a:r>
+          </a:p>
+        </p:txBody>
+      </p:sp>
+      <p:sp>
+        <p:nvSpPr>
+          <p:cNvPr id="34" name="Arrow: Up 33">
+            <a:extLst>
+              <a:ext uri="{FF2B5EF4-FFF2-40B4-BE49-F238E27FC236}">
+                <a16:creationId xmlns:a16="http://schemas.microsoft.com/office/drawing/2014/main" id="{7380838D-B747-BBEA-0FE8-E72DCA1F072F}"/>
+              </a:ext>
+            </a:extLst>
+          </p:cNvPr>
+          <p:cNvSpPr/>
+          <p:nvPr/>
+        </p:nvSpPr>
+        <p:spPr>
+          <a:xfrm>
+            <a:off x="4562669" y="5169159"/>
+            <a:ext cx="214604" cy="737119"/>
+          </a:xfrm>
+          <a:prstGeom prst="upArrow">
+            <a:avLst/>
+          </a:prstGeom>
+        </p:spPr>
+        <p:style>
+          <a:lnRef idx="2">
+            <a:schemeClr val="accent1">
+              <a:shade val="15000"/>
+            </a:schemeClr>
+          </a:lnRef>
+          <a:fillRef idx="1">
+            <a:schemeClr val="accent1"/>
+          </a:fillRef>
+          <a:effectRef idx="0">
+            <a:schemeClr val="accent1"/>
+          </a:effectRef>
+          <a:fontRef idx="minor">
+            <a:schemeClr val="lt1"/>
+          </a:fontRef>
+        </p:style>
+        <p:txBody>
+          <a:bodyPr rtlCol="0" anchor="ctr"/>
+          <a:lstStyle/>
+          <a:p>
+            <a:pPr algn="ctr"/>
+            <a:endParaRPr lang="en-US"/>
+          </a:p>
+        </p:txBody>
+      </p:sp>
+      <p:sp>
+        <p:nvSpPr>
+          <p:cNvPr id="35" name="Arrow: Up 34">
+            <a:extLst>
+              <a:ext uri="{FF2B5EF4-FFF2-40B4-BE49-F238E27FC236}">
+                <a16:creationId xmlns:a16="http://schemas.microsoft.com/office/drawing/2014/main" id="{406D234C-A6E4-4FBB-B514-8BDC26AB3927}"/>
+              </a:ext>
+            </a:extLst>
+          </p:cNvPr>
+          <p:cNvSpPr/>
+          <p:nvPr/>
+        </p:nvSpPr>
+        <p:spPr>
+          <a:xfrm>
+            <a:off x="6004248" y="5598367"/>
+            <a:ext cx="191278" cy="363112"/>
+          </a:xfrm>
+          <a:prstGeom prst="upArrow">
+            <a:avLst/>
+          </a:prstGeom>
+        </p:spPr>
+        <p:style>
+          <a:lnRef idx="2">
+            <a:schemeClr val="accent1">
+              <a:shade val="15000"/>
+            </a:schemeClr>
+          </a:lnRef>
+          <a:fillRef idx="1">
+            <a:schemeClr val="accent1"/>
+          </a:fillRef>
+          <a:effectRef idx="0">
+            <a:schemeClr val="accent1"/>
+          </a:effectRef>
+          <a:fontRef idx="minor">
+            <a:schemeClr val="lt1"/>
+          </a:fontRef>
+        </p:style>
+        <p:txBody>
+          <a:bodyPr rtlCol="0" anchor="ctr"/>
+          <a:lstStyle/>
+          <a:p>
+            <a:pPr algn="ctr"/>
+            <a:endParaRPr lang="en-US"/>
+          </a:p>
+        </p:txBody>
+      </p:sp>
+      <p:sp>
+        <p:nvSpPr>
+          <p:cNvPr id="36" name="Arrow: Up 35">
+            <a:extLst>
+              <a:ext uri="{FF2B5EF4-FFF2-40B4-BE49-F238E27FC236}">
+                <a16:creationId xmlns:a16="http://schemas.microsoft.com/office/drawing/2014/main" id="{5A1C2FF6-637C-2D57-9582-48DA14F7E9AB}"/>
+              </a:ext>
+            </a:extLst>
+          </p:cNvPr>
+          <p:cNvSpPr/>
+          <p:nvPr/>
+        </p:nvSpPr>
+        <p:spPr>
+          <a:xfrm>
+            <a:off x="7980786" y="5673012"/>
+            <a:ext cx="191278" cy="233266"/>
+          </a:xfrm>
+          <a:prstGeom prst="upArrow">
+            <a:avLst/>
+          </a:prstGeom>
+        </p:spPr>
+        <p:style>
+          <a:lnRef idx="2">
+            <a:schemeClr val="accent1">
+              <a:shade val="15000"/>
+            </a:schemeClr>
+          </a:lnRef>
+          <a:fillRef idx="1">
+            <a:schemeClr val="accent1"/>
+          </a:fillRef>
+          <a:effectRef idx="0">
+            <a:schemeClr val="accent1"/>
+          </a:effectRef>
+          <a:fontRef idx="minor">
+            <a:schemeClr val="lt1"/>
+          </a:fontRef>
+        </p:style>
+        <p:txBody>
+          <a:bodyPr rtlCol="0" anchor="ctr"/>
+          <a:lstStyle/>
+          <a:p>
+            <a:pPr algn="ctr"/>
+            <a:endParaRPr lang="en-US"/>
+          </a:p>
+        </p:txBody>
+      </p:sp>
+    </p:spTree>
+    <p:extLst>
+      <p:ext uri="{BB962C8B-B14F-4D97-AF65-F5344CB8AC3E}">
+        <p14:creationId xmlns:p14="http://schemas.microsoft.com/office/powerpoint/2010/main" val="3535309707"/>
+      </p:ext>
+    </p:extLst>
+  </p:cSld>
+  <p:clrMapOvr>
+    <a:masterClrMapping/>
+  </p:clrMapOvr>
+</p:sld>
+</file>
+
+<file path=ppt/slides/slide6.xml><?xml version="1.0" encoding="utf-8"?>
+<p:sld xmlns:a="http://schemas.openxmlformats.org/drawingml/2006/main" xmlns:r="http://schemas.openxmlformats.org/officeDocument/2006/relationships" xmlns:p="http://schemas.openxmlformats.org/presentationml/2006/main">
+  <p:cSld>
+    <p:spTree>
+      <p:nvGrpSpPr>
+        <p:cNvPr id="1" name=""/>
+        <p:cNvGrpSpPr/>
+        <p:nvPr/>
+      </p:nvGrpSpPr>
+      <p:grpSpPr>
+        <a:xfrm>
+          <a:off x="0" y="0"/>
+          <a:ext cx="0" cy="0"/>
+          <a:chOff x="0" y="0"/>
+          <a:chExt cx="0" cy="0"/>
+        </a:xfrm>
+      </p:grpSpPr>
+      <p:sp>
+        <p:nvSpPr>
+          <p:cNvPr id="2" name="Rectangle 1">
+            <a:extLst>
+              <a:ext uri="{FF2B5EF4-FFF2-40B4-BE49-F238E27FC236}">
+                <a16:creationId xmlns:a16="http://schemas.microsoft.com/office/drawing/2014/main" id="{074764CB-5F7F-23E7-DF56-2A0DEC9D84F0}"/>
+              </a:ext>
+            </a:extLst>
+          </p:cNvPr>
+          <p:cNvSpPr/>
+          <p:nvPr/>
+        </p:nvSpPr>
+        <p:spPr>
+          <a:xfrm>
+            <a:off x="2743199" y="1738184"/>
+            <a:ext cx="6540759" cy="3748216"/>
+          </a:xfrm>
+          <a:prstGeom prst="rect">
+            <a:avLst/>
+          </a:prstGeom>
+        </p:spPr>
+        <p:style>
+          <a:lnRef idx="2">
+            <a:schemeClr val="accent1">
+              <a:shade val="15000"/>
+            </a:schemeClr>
+          </a:lnRef>
+          <a:fillRef idx="1">
+            <a:schemeClr val="accent1"/>
+          </a:fillRef>
+          <a:effectRef idx="0">
+            <a:schemeClr val="accent1"/>
+          </a:effectRef>
+          <a:fontRef idx="minor">
+            <a:schemeClr val="lt1"/>
+          </a:fontRef>
+        </p:style>
+        <p:txBody>
+          <a:bodyPr rtlCol="0" anchor="ctr"/>
+          <a:lstStyle/>
+          <a:p>
+            <a:pPr algn="ctr"/>
+            <a:r>
+              <a:rPr lang="en-US" dirty="0"/>
+              <a:t>Employee</a:t>
+            </a:r>
+          </a:p>
+        </p:txBody>
+      </p:sp>
+      <p:sp>
+        <p:nvSpPr>
+          <p:cNvPr id="3" name="TextBox 2">
+            <a:extLst>
+              <a:ext uri="{FF2B5EF4-FFF2-40B4-BE49-F238E27FC236}">
+                <a16:creationId xmlns:a16="http://schemas.microsoft.com/office/drawing/2014/main" id="{95CF7844-F03F-BCD0-7AF6-D87EF2DCBB63}"/>
+              </a:ext>
+            </a:extLst>
+          </p:cNvPr>
+          <p:cNvSpPr txBox="1"/>
+          <p:nvPr/>
+        </p:nvSpPr>
+        <p:spPr>
+          <a:xfrm>
+            <a:off x="4683967" y="354563"/>
+            <a:ext cx="2892490" cy="1200329"/>
+          </a:xfrm>
+          <a:prstGeom prst="rect">
+            <a:avLst/>
+          </a:prstGeom>
+          <a:noFill/>
+        </p:spPr>
+        <p:txBody>
+          <a:bodyPr wrap="square" rtlCol="0">
+            <a:spAutoFit/>
+          </a:bodyPr>
+          <a:lstStyle/>
+          <a:p>
+            <a:r>
+              <a:rPr lang="en-US" dirty="0"/>
+              <a:t>EmpNo, EmpName, Address, City, PhoneNo, Email, Salary, Designation, </a:t>
+            </a:r>
+            <a:r>
+              <a:rPr lang="en-US" dirty="0" err="1"/>
+              <a:t>Hra</a:t>
+            </a:r>
+            <a:r>
+              <a:rPr lang="en-US" dirty="0"/>
+              <a:t>, Ta, Da, Allowances, Tax</a:t>
+            </a:r>
+          </a:p>
+        </p:txBody>
+      </p:sp>
+      <p:cxnSp>
+        <p:nvCxnSpPr>
+          <p:cNvPr id="5" name="Straight Arrow Connector 4">
+            <a:extLst>
+              <a:ext uri="{FF2B5EF4-FFF2-40B4-BE49-F238E27FC236}">
+                <a16:creationId xmlns:a16="http://schemas.microsoft.com/office/drawing/2014/main" id="{C0481638-3A52-486D-AF78-3F160E843669}"/>
+              </a:ext>
+            </a:extLst>
+          </p:cNvPr>
+          <p:cNvCxnSpPr>
+            <a:cxnSpLocks/>
+            <a:stCxn id="3" idx="2"/>
+            <a:endCxn id="2" idx="0"/>
+          </p:cNvCxnSpPr>
+          <p:nvPr/>
+        </p:nvCxnSpPr>
+        <p:spPr>
+          <a:xfrm flipH="1">
+            <a:off x="6013579" y="1554892"/>
+            <a:ext cx="116633" cy="183292"/>
+          </a:xfrm>
+          <a:prstGeom prst="straightConnector1">
+            <a:avLst/>
+          </a:prstGeom>
+          <a:ln>
+            <a:tailEnd type="triangle"/>
+          </a:ln>
+        </p:spPr>
+        <p:style>
+          <a:lnRef idx="1">
+            <a:schemeClr val="accent1"/>
+          </a:lnRef>
+          <a:fillRef idx="0">
+            <a:schemeClr val="accent1"/>
+          </a:fillRef>
+          <a:effectRef idx="0">
+            <a:schemeClr val="accent1"/>
+          </a:effectRef>
+          <a:fontRef idx="minor">
+            <a:schemeClr val="tx1"/>
+          </a:fontRef>
+        </p:style>
+      </p:cxnSp>
+    </p:spTree>
+    <p:extLst>
+      <p:ext uri="{BB962C8B-B14F-4D97-AF65-F5344CB8AC3E}">
+        <p14:creationId xmlns:p14="http://schemas.microsoft.com/office/powerpoint/2010/main" val="2767939006"/>
+      </p:ext>
+    </p:extLst>
+  </p:cSld>
+  <p:clrMapOvr>
+    <a:masterClrMapping/>
+  </p:clrMapOvr>
+</p:sld>
+</file>
+
+<file path=ppt/slides/slide7.xml><?xml version="1.0" encoding="utf-8"?>
+<p:sld xmlns:a="http://schemas.openxmlformats.org/drawingml/2006/main" xmlns:r="http://schemas.openxmlformats.org/officeDocument/2006/relationships" xmlns:p="http://schemas.openxmlformats.org/presentationml/2006/main">
+  <p:cSld>
+    <p:spTree>
+      <p:nvGrpSpPr>
+        <p:cNvPr id="1" name=""/>
+        <p:cNvGrpSpPr/>
+        <p:nvPr/>
+      </p:nvGrpSpPr>
+      <p:grpSpPr>
+        <a:xfrm>
+          <a:off x="0" y="0"/>
+          <a:ext cx="0" cy="0"/>
+          <a:chOff x="0" y="0"/>
+          <a:chExt cx="0" cy="0"/>
+        </a:xfrm>
+      </p:grpSpPr>
+      <p:sp>
+        <p:nvSpPr>
+          <p:cNvPr id="2" name="Rectangle 1">
+            <a:extLst>
+              <a:ext uri="{FF2B5EF4-FFF2-40B4-BE49-F238E27FC236}">
+                <a16:creationId xmlns:a16="http://schemas.microsoft.com/office/drawing/2014/main" id="{2B622644-4FDC-0128-3C95-6EC10A25EACA}"/>
+              </a:ext>
+            </a:extLst>
+          </p:cNvPr>
+          <p:cNvSpPr/>
+          <p:nvPr/>
+        </p:nvSpPr>
+        <p:spPr>
+          <a:xfrm>
+            <a:off x="4767943" y="214605"/>
+            <a:ext cx="2360645" cy="1772816"/>
+          </a:xfrm>
+          <a:prstGeom prst="rect">
+            <a:avLst/>
+          </a:prstGeom>
+        </p:spPr>
+        <p:style>
+          <a:lnRef idx="2">
+            <a:schemeClr val="accent6"/>
+          </a:lnRef>
+          <a:fillRef idx="1">
+            <a:schemeClr val="lt1"/>
+          </a:fillRef>
+          <a:effectRef idx="0">
+            <a:schemeClr val="accent6"/>
+          </a:effectRef>
+          <a:fontRef idx="minor">
+            <a:schemeClr val="dk1"/>
+          </a:fontRef>
+        </p:style>
+        <p:txBody>
+          <a:bodyPr rtlCol="0" anchor="ctr"/>
+          <a:lstStyle/>
+          <a:p>
+            <a:pPr algn="ctr"/>
+            <a:endParaRPr lang="en-US"/>
+          </a:p>
+        </p:txBody>
+      </p:sp>
+      <p:sp>
+        <p:nvSpPr>
+          <p:cNvPr id="3" name="Rectangle 2">
+            <a:extLst>
+              <a:ext uri="{FF2B5EF4-FFF2-40B4-BE49-F238E27FC236}">
+                <a16:creationId xmlns:a16="http://schemas.microsoft.com/office/drawing/2014/main" id="{34661309-A3A2-B8F4-4CBB-D1B03AFBED07}"/>
+              </a:ext>
+            </a:extLst>
+          </p:cNvPr>
+          <p:cNvSpPr/>
+          <p:nvPr/>
+        </p:nvSpPr>
+        <p:spPr>
+          <a:xfrm>
+            <a:off x="4767943" y="653143"/>
+            <a:ext cx="2369975" cy="45719"/>
+          </a:xfrm>
+          <a:prstGeom prst="rect">
+            <a:avLst/>
+          </a:prstGeom>
+        </p:spPr>
+        <p:style>
+          <a:lnRef idx="2">
+            <a:schemeClr val="accent1">
+              <a:shade val="15000"/>
+            </a:schemeClr>
+          </a:lnRef>
+          <a:fillRef idx="1">
+            <a:schemeClr val="accent1"/>
+          </a:fillRef>
+          <a:effectRef idx="0">
+            <a:schemeClr val="accent1"/>
+          </a:effectRef>
+          <a:fontRef idx="minor">
+            <a:schemeClr val="lt1"/>
+          </a:fontRef>
+        </p:style>
+        <p:txBody>
+          <a:bodyPr rtlCol="0" anchor="ctr"/>
+          <a:lstStyle/>
+          <a:p>
+            <a:pPr algn="ctr"/>
+            <a:endParaRPr lang="en-US"/>
+          </a:p>
+        </p:txBody>
+      </p:sp>
+      <p:sp>
+        <p:nvSpPr>
+          <p:cNvPr id="4" name="TextBox 3">
+            <a:extLst>
+              <a:ext uri="{FF2B5EF4-FFF2-40B4-BE49-F238E27FC236}">
+                <a16:creationId xmlns:a16="http://schemas.microsoft.com/office/drawing/2014/main" id="{3ED71088-094F-12DB-C1D8-A64C34E49916}"/>
+              </a:ext>
+            </a:extLst>
+          </p:cNvPr>
+          <p:cNvSpPr txBox="1"/>
+          <p:nvPr/>
+        </p:nvSpPr>
+        <p:spPr>
+          <a:xfrm>
+            <a:off x="4879910" y="214605"/>
+            <a:ext cx="2164702" cy="369332"/>
+          </a:xfrm>
+          <a:prstGeom prst="rect">
+            <a:avLst/>
+          </a:prstGeom>
+          <a:noFill/>
+        </p:spPr>
+        <p:txBody>
+          <a:bodyPr wrap="square" rtlCol="0">
+            <a:spAutoFit/>
+          </a:bodyPr>
+          <a:lstStyle/>
+          <a:p>
+            <a:r>
+              <a:rPr lang="en-US" dirty="0"/>
+              <a:t>Employee</a:t>
+            </a:r>
+          </a:p>
+        </p:txBody>
+      </p:sp>
+      <p:sp>
+        <p:nvSpPr>
+          <p:cNvPr id="5" name="TextBox 4">
+            <a:extLst>
+              <a:ext uri="{FF2B5EF4-FFF2-40B4-BE49-F238E27FC236}">
+                <a16:creationId xmlns:a16="http://schemas.microsoft.com/office/drawing/2014/main" id="{88D0EA3F-D126-17FF-7A7A-1929525F8BFE}"/>
+              </a:ext>
+            </a:extLst>
+          </p:cNvPr>
+          <p:cNvSpPr txBox="1"/>
+          <p:nvPr/>
+        </p:nvSpPr>
+        <p:spPr>
+          <a:xfrm>
+            <a:off x="4833257" y="849086"/>
+            <a:ext cx="2211355" cy="1077218"/>
+          </a:xfrm>
+          <a:prstGeom prst="rect">
+            <a:avLst/>
+          </a:prstGeom>
+          <a:noFill/>
+        </p:spPr>
+        <p:txBody>
+          <a:bodyPr wrap="square" rtlCol="0">
+            <a:spAutoFit/>
+          </a:bodyPr>
+          <a:lstStyle/>
+          <a:p>
+            <a:r>
+              <a:rPr lang="en-US" sz="1600" dirty="0"/>
+              <a:t>+EmpNo</a:t>
+            </a:r>
+          </a:p>
+          <a:p>
+            <a:r>
+              <a:rPr lang="en-US" sz="1600" dirty="0"/>
+              <a:t>+EmpName</a:t>
+            </a:r>
+          </a:p>
+          <a:p>
+            <a:r>
+              <a:rPr lang="en-US" sz="1600" dirty="0"/>
+              <a:t>+Salary</a:t>
+            </a:r>
+          </a:p>
+          <a:p>
+            <a:r>
+              <a:rPr lang="en-US" sz="1600" dirty="0"/>
+              <a:t>+Address</a:t>
+            </a:r>
+          </a:p>
+        </p:txBody>
+      </p:sp>
+      <p:sp>
+        <p:nvSpPr>
+          <p:cNvPr id="10" name="Rectangle 9">
+            <a:extLst>
+              <a:ext uri="{FF2B5EF4-FFF2-40B4-BE49-F238E27FC236}">
+                <a16:creationId xmlns:a16="http://schemas.microsoft.com/office/drawing/2014/main" id="{759C3E23-8D1D-D140-D6D9-7D2B7CCDB73D}"/>
+              </a:ext>
+            </a:extLst>
+          </p:cNvPr>
+          <p:cNvSpPr/>
+          <p:nvPr/>
+        </p:nvSpPr>
+        <p:spPr>
+          <a:xfrm>
+            <a:off x="251927" y="2911151"/>
+            <a:ext cx="2677886" cy="2118049"/>
+          </a:xfrm>
+          <a:prstGeom prst="rect">
+            <a:avLst/>
+          </a:prstGeom>
+        </p:spPr>
+        <p:style>
+          <a:lnRef idx="2">
+            <a:schemeClr val="accent6"/>
+          </a:lnRef>
+          <a:fillRef idx="1">
+            <a:schemeClr val="lt1"/>
+          </a:fillRef>
+          <a:effectRef idx="0">
+            <a:schemeClr val="accent6"/>
+          </a:effectRef>
+          <a:fontRef idx="minor">
+            <a:schemeClr val="dk1"/>
+          </a:fontRef>
+        </p:style>
+        <p:txBody>
+          <a:bodyPr rtlCol="0" anchor="ctr"/>
+          <a:lstStyle/>
+          <a:p>
+            <a:pPr algn="ctr"/>
+            <a:endParaRPr lang="en-US"/>
+          </a:p>
+        </p:txBody>
+      </p:sp>
+      <p:sp>
+        <p:nvSpPr>
+          <p:cNvPr id="11" name="Rectangle 10">
+            <a:extLst>
+              <a:ext uri="{FF2B5EF4-FFF2-40B4-BE49-F238E27FC236}">
+                <a16:creationId xmlns:a16="http://schemas.microsoft.com/office/drawing/2014/main" id="{98419296-479B-D3EC-AA99-77D79FE59DBF}"/>
+              </a:ext>
+            </a:extLst>
+          </p:cNvPr>
+          <p:cNvSpPr/>
+          <p:nvPr/>
+        </p:nvSpPr>
+        <p:spPr>
+          <a:xfrm>
+            <a:off x="251927" y="3429000"/>
+            <a:ext cx="2677886" cy="45719"/>
+          </a:xfrm>
+          <a:prstGeom prst="rect">
+            <a:avLst/>
+          </a:prstGeom>
+        </p:spPr>
+        <p:style>
+          <a:lnRef idx="2">
+            <a:schemeClr val="accent1">
+              <a:shade val="15000"/>
+            </a:schemeClr>
+          </a:lnRef>
+          <a:fillRef idx="1">
+            <a:schemeClr val="accent1"/>
+          </a:fillRef>
+          <a:effectRef idx="0">
+            <a:schemeClr val="accent1"/>
+          </a:effectRef>
+          <a:fontRef idx="minor">
+            <a:schemeClr val="lt1"/>
+          </a:fontRef>
+        </p:style>
+        <p:txBody>
+          <a:bodyPr rtlCol="0" anchor="ctr"/>
+          <a:lstStyle/>
+          <a:p>
+            <a:pPr algn="ctr"/>
+            <a:endParaRPr lang="en-US"/>
+          </a:p>
+        </p:txBody>
+      </p:sp>
+      <p:sp>
+        <p:nvSpPr>
+          <p:cNvPr id="12" name="TextBox 11">
+            <a:extLst>
+              <a:ext uri="{FF2B5EF4-FFF2-40B4-BE49-F238E27FC236}">
+                <a16:creationId xmlns:a16="http://schemas.microsoft.com/office/drawing/2014/main" id="{6A38F959-75A3-E659-EE36-C4EFEB5A0F9C}"/>
+              </a:ext>
+            </a:extLst>
+          </p:cNvPr>
+          <p:cNvSpPr txBox="1"/>
+          <p:nvPr/>
+        </p:nvSpPr>
+        <p:spPr>
+          <a:xfrm>
+            <a:off x="251927" y="2976465"/>
+            <a:ext cx="2677886" cy="369332"/>
+          </a:xfrm>
+          <a:prstGeom prst="rect">
+            <a:avLst/>
+          </a:prstGeom>
+          <a:noFill/>
+        </p:spPr>
+        <p:txBody>
+          <a:bodyPr wrap="square" rtlCol="0">
+            <a:spAutoFit/>
+          </a:bodyPr>
+          <a:lstStyle/>
+          <a:p>
+            <a:r>
+              <a:rPr lang="en-US" dirty="0"/>
+              <a:t>Director</a:t>
+            </a:r>
+          </a:p>
+        </p:txBody>
+      </p:sp>
+      <p:cxnSp>
+        <p:nvCxnSpPr>
+          <p:cNvPr id="14" name="Connector: Elbow 13">
+            <a:extLst>
+              <a:ext uri="{FF2B5EF4-FFF2-40B4-BE49-F238E27FC236}">
+                <a16:creationId xmlns:a16="http://schemas.microsoft.com/office/drawing/2014/main" id="{27AA2064-6C86-3F83-28FF-3C6492F7F505}"/>
+              </a:ext>
+            </a:extLst>
+          </p:cNvPr>
+          <p:cNvCxnSpPr>
+            <a:stCxn id="10" idx="0"/>
+            <a:endCxn id="5" idx="2"/>
+          </p:cNvCxnSpPr>
+          <p:nvPr/>
+        </p:nvCxnSpPr>
+        <p:spPr>
+          <a:xfrm rot="5400000" flipH="1" flipV="1">
+            <a:off x="3307703" y="270588"/>
+            <a:ext cx="923730" cy="4357396"/>
+          </a:xfrm>
+          <a:prstGeom prst="bentConnector3">
+            <a:avLst/>
+          </a:prstGeom>
+          <a:ln>
+            <a:tailEnd type="triangle"/>
+          </a:ln>
+        </p:spPr>
+        <p:style>
+          <a:lnRef idx="1">
+            <a:schemeClr val="accent1"/>
+          </a:lnRef>
+          <a:fillRef idx="0">
+            <a:schemeClr val="accent1"/>
+          </a:fillRef>
+          <a:effectRef idx="0">
+            <a:schemeClr val="accent1"/>
+          </a:effectRef>
+          <a:fontRef idx="minor">
+            <a:schemeClr val="tx1"/>
+          </a:fontRef>
+        </p:style>
+      </p:cxnSp>
+      <p:sp>
+        <p:nvSpPr>
+          <p:cNvPr id="15" name="TextBox 14">
+            <a:extLst>
+              <a:ext uri="{FF2B5EF4-FFF2-40B4-BE49-F238E27FC236}">
+                <a16:creationId xmlns:a16="http://schemas.microsoft.com/office/drawing/2014/main" id="{F0CBAE6C-8C2D-6905-DAF0-2B4F775B06F7}"/>
+              </a:ext>
+            </a:extLst>
+          </p:cNvPr>
+          <p:cNvSpPr txBox="1"/>
+          <p:nvPr/>
+        </p:nvSpPr>
+        <p:spPr>
+          <a:xfrm>
+            <a:off x="251927" y="3601616"/>
+            <a:ext cx="2593910" cy="1200329"/>
+          </a:xfrm>
+          <a:prstGeom prst="rect">
+            <a:avLst/>
+          </a:prstGeom>
+          <a:noFill/>
+        </p:spPr>
+        <p:txBody>
+          <a:bodyPr wrap="square" rtlCol="0">
+            <a:spAutoFit/>
+          </a:bodyPr>
+          <a:lstStyle/>
+          <a:p>
+            <a:r>
+              <a:rPr lang="en-US" dirty="0"/>
+              <a:t>+</a:t>
+            </a:r>
+            <a:r>
+              <a:rPr lang="en-US" dirty="0" err="1"/>
+              <a:t>AirFare</a:t>
+            </a:r>
+            <a:endParaRPr lang="en-US" dirty="0"/>
+          </a:p>
+          <a:p>
+            <a:r>
+              <a:rPr lang="en-US" dirty="0"/>
+              <a:t>+</a:t>
+            </a:r>
+            <a:r>
+              <a:rPr lang="en-US" dirty="0" err="1"/>
+              <a:t>Allowanaces</a:t>
+            </a:r>
+            <a:endParaRPr lang="en-US" dirty="0"/>
+          </a:p>
+          <a:p>
+            <a:r>
+              <a:rPr lang="en-US" dirty="0"/>
+              <a:t>+</a:t>
+            </a:r>
+            <a:r>
+              <a:rPr lang="en-US" dirty="0" err="1"/>
+              <a:t>MobileBill</a:t>
+            </a:r>
+            <a:endParaRPr lang="en-US" dirty="0"/>
+          </a:p>
+          <a:p>
+            <a:r>
+              <a:rPr lang="en-US" dirty="0"/>
+              <a:t>+</a:t>
+            </a:r>
+            <a:r>
+              <a:rPr lang="en-US" dirty="0" err="1"/>
+              <a:t>ElectricityBill</a:t>
+            </a:r>
+            <a:endParaRPr lang="en-US" dirty="0"/>
+          </a:p>
+        </p:txBody>
+      </p:sp>
+      <p:sp>
+        <p:nvSpPr>
+          <p:cNvPr id="16" name="Rectangle 15">
+            <a:extLst>
+              <a:ext uri="{FF2B5EF4-FFF2-40B4-BE49-F238E27FC236}">
+                <a16:creationId xmlns:a16="http://schemas.microsoft.com/office/drawing/2014/main" id="{0272B53A-1593-250A-B988-E89A9B1ACC80}"/>
+              </a:ext>
+            </a:extLst>
+          </p:cNvPr>
+          <p:cNvSpPr/>
+          <p:nvPr/>
+        </p:nvSpPr>
+        <p:spPr>
+          <a:xfrm>
+            <a:off x="8941837" y="2976465"/>
+            <a:ext cx="2677886" cy="2118049"/>
+          </a:xfrm>
+          <a:prstGeom prst="rect">
+            <a:avLst/>
+          </a:prstGeom>
+        </p:spPr>
+        <p:style>
+          <a:lnRef idx="2">
+            <a:schemeClr val="accent6"/>
+          </a:lnRef>
+          <a:fillRef idx="1">
+            <a:schemeClr val="lt1"/>
+          </a:fillRef>
+          <a:effectRef idx="0">
+            <a:schemeClr val="accent6"/>
+          </a:effectRef>
+          <a:fontRef idx="minor">
+            <a:schemeClr val="dk1"/>
+          </a:fontRef>
+        </p:style>
+        <p:txBody>
+          <a:bodyPr rtlCol="0" anchor="ctr"/>
+          <a:lstStyle/>
+          <a:p>
+            <a:pPr algn="ctr"/>
+            <a:endParaRPr lang="en-US"/>
+          </a:p>
+        </p:txBody>
+      </p:sp>
+      <p:sp>
+        <p:nvSpPr>
+          <p:cNvPr id="17" name="Rectangle 16">
+            <a:extLst>
+              <a:ext uri="{FF2B5EF4-FFF2-40B4-BE49-F238E27FC236}">
+                <a16:creationId xmlns:a16="http://schemas.microsoft.com/office/drawing/2014/main" id="{5615DDB4-E8E9-0199-F82E-41AB36EB4801}"/>
+              </a:ext>
+            </a:extLst>
+          </p:cNvPr>
+          <p:cNvSpPr/>
+          <p:nvPr/>
+        </p:nvSpPr>
+        <p:spPr>
+          <a:xfrm>
+            <a:off x="8941837" y="3406140"/>
+            <a:ext cx="2677886" cy="45719"/>
+          </a:xfrm>
+          <a:prstGeom prst="rect">
+            <a:avLst/>
+          </a:prstGeom>
+        </p:spPr>
+        <p:style>
+          <a:lnRef idx="2">
+            <a:schemeClr val="accent1">
+              <a:shade val="15000"/>
+            </a:schemeClr>
+          </a:lnRef>
+          <a:fillRef idx="1">
+            <a:schemeClr val="accent1"/>
+          </a:fillRef>
+          <a:effectRef idx="0">
+            <a:schemeClr val="accent1"/>
+          </a:effectRef>
+          <a:fontRef idx="minor">
+            <a:schemeClr val="lt1"/>
+          </a:fontRef>
+        </p:style>
+        <p:txBody>
+          <a:bodyPr rtlCol="0" anchor="ctr"/>
+          <a:lstStyle/>
+          <a:p>
+            <a:pPr algn="ctr"/>
+            <a:endParaRPr lang="en-US"/>
+          </a:p>
+        </p:txBody>
+      </p:sp>
+      <p:sp>
+        <p:nvSpPr>
+          <p:cNvPr id="18" name="TextBox 17">
+            <a:extLst>
+              <a:ext uri="{FF2B5EF4-FFF2-40B4-BE49-F238E27FC236}">
+                <a16:creationId xmlns:a16="http://schemas.microsoft.com/office/drawing/2014/main" id="{08C39E26-1B52-2E9A-7483-72587FF12DFA}"/>
+              </a:ext>
+            </a:extLst>
+          </p:cNvPr>
+          <p:cNvSpPr txBox="1"/>
+          <p:nvPr/>
+        </p:nvSpPr>
+        <p:spPr>
+          <a:xfrm>
+            <a:off x="9041363" y="3038048"/>
+            <a:ext cx="2578360" cy="369332"/>
+          </a:xfrm>
+          <a:prstGeom prst="rect">
+            <a:avLst/>
+          </a:prstGeom>
+          <a:noFill/>
+        </p:spPr>
+        <p:txBody>
+          <a:bodyPr wrap="square" rtlCol="0">
+            <a:spAutoFit/>
+          </a:bodyPr>
+          <a:lstStyle/>
+          <a:p>
+            <a:r>
+              <a:rPr lang="en-US" dirty="0"/>
+              <a:t>Manager</a:t>
+            </a:r>
+          </a:p>
+        </p:txBody>
+      </p:sp>
+      <p:sp>
+        <p:nvSpPr>
+          <p:cNvPr id="19" name="TextBox 18">
+            <a:extLst>
+              <a:ext uri="{FF2B5EF4-FFF2-40B4-BE49-F238E27FC236}">
+                <a16:creationId xmlns:a16="http://schemas.microsoft.com/office/drawing/2014/main" id="{26E6F97D-4C53-EBE3-C27C-E8483C612393}"/>
+              </a:ext>
+            </a:extLst>
+          </p:cNvPr>
+          <p:cNvSpPr txBox="1"/>
+          <p:nvPr/>
+        </p:nvSpPr>
+        <p:spPr>
+          <a:xfrm>
+            <a:off x="9041363" y="3601616"/>
+            <a:ext cx="2472613" cy="1200329"/>
+          </a:xfrm>
+          <a:prstGeom prst="rect">
+            <a:avLst/>
+          </a:prstGeom>
+          <a:noFill/>
+        </p:spPr>
+        <p:txBody>
+          <a:bodyPr wrap="square" rtlCol="0">
+            <a:spAutoFit/>
+          </a:bodyPr>
+          <a:lstStyle/>
+          <a:p>
+            <a:r>
+              <a:rPr lang="en-US" dirty="0"/>
+              <a:t>+</a:t>
+            </a:r>
+            <a:r>
+              <a:rPr lang="en-US" dirty="0" err="1"/>
+              <a:t>PterolAllowance</a:t>
+            </a:r>
+            <a:endParaRPr lang="en-US" dirty="0"/>
+          </a:p>
+          <a:p>
+            <a:r>
+              <a:rPr lang="en-US" dirty="0"/>
+              <a:t>+</a:t>
+            </a:r>
+            <a:r>
+              <a:rPr lang="en-US" dirty="0" err="1"/>
+              <a:t>RailwayFare</a:t>
+            </a:r>
+            <a:endParaRPr lang="en-US" dirty="0"/>
+          </a:p>
+          <a:p>
+            <a:r>
+              <a:rPr lang="en-US" dirty="0"/>
+              <a:t>+</a:t>
+            </a:r>
+            <a:r>
+              <a:rPr lang="en-US" dirty="0" err="1"/>
+              <a:t>LocalAllowance</a:t>
+            </a:r>
+            <a:endParaRPr lang="en-US" dirty="0"/>
+          </a:p>
+          <a:p>
+            <a:r>
+              <a:rPr lang="en-US" dirty="0"/>
+              <a:t>+</a:t>
+            </a:r>
+            <a:r>
+              <a:rPr lang="en-US" dirty="0" err="1"/>
+              <a:t>FoodAllowance</a:t>
+            </a:r>
+            <a:endParaRPr lang="en-US" dirty="0"/>
+          </a:p>
+        </p:txBody>
+      </p:sp>
+      <p:cxnSp>
+        <p:nvCxnSpPr>
+          <p:cNvPr id="21" name="Connector: Elbow 20">
+            <a:extLst>
+              <a:ext uri="{FF2B5EF4-FFF2-40B4-BE49-F238E27FC236}">
+                <a16:creationId xmlns:a16="http://schemas.microsoft.com/office/drawing/2014/main" id="{21FC2A74-3537-C786-7402-FA4B39831959}"/>
+              </a:ext>
+            </a:extLst>
+          </p:cNvPr>
+          <p:cNvCxnSpPr>
+            <a:cxnSpLocks/>
+            <a:stCxn id="16" idx="0"/>
+            <a:endCxn id="2" idx="2"/>
+          </p:cNvCxnSpPr>
+          <p:nvPr/>
+        </p:nvCxnSpPr>
+        <p:spPr>
+          <a:xfrm rot="16200000" flipV="1">
+            <a:off x="7620001" y="315686"/>
+            <a:ext cx="989044" cy="4332514"/>
+          </a:xfrm>
+          <a:prstGeom prst="bentConnector3">
+            <a:avLst>
+              <a:gd name="adj1" fmla="val 50000"/>
+            </a:avLst>
+          </a:prstGeom>
+          <a:ln>
+            <a:tailEnd type="triangle"/>
+          </a:ln>
+        </p:spPr>
+        <p:style>
+          <a:lnRef idx="1">
+            <a:schemeClr val="accent1"/>
+          </a:lnRef>
+          <a:fillRef idx="0">
+            <a:schemeClr val="accent1"/>
+          </a:fillRef>
+          <a:effectRef idx="0">
+            <a:schemeClr val="accent1"/>
+          </a:effectRef>
+          <a:fontRef idx="minor">
+            <a:schemeClr val="tx1"/>
+          </a:fontRef>
+        </p:style>
+      </p:cxnSp>
+      <p:sp>
+        <p:nvSpPr>
+          <p:cNvPr id="24" name="TextBox 23">
+            <a:extLst>
+              <a:ext uri="{FF2B5EF4-FFF2-40B4-BE49-F238E27FC236}">
+                <a16:creationId xmlns:a16="http://schemas.microsoft.com/office/drawing/2014/main" id="{870D1679-F818-D068-31A1-EFDB24C9B283}"/>
+              </a:ext>
+            </a:extLst>
+          </p:cNvPr>
+          <p:cNvSpPr txBox="1"/>
+          <p:nvPr/>
+        </p:nvSpPr>
+        <p:spPr>
+          <a:xfrm>
+            <a:off x="186612" y="1981983"/>
+            <a:ext cx="3582956" cy="369332"/>
+          </a:xfrm>
+          <a:prstGeom prst="rect">
+            <a:avLst/>
+          </a:prstGeom>
+          <a:noFill/>
+        </p:spPr>
+        <p:txBody>
+          <a:bodyPr wrap="square" rtlCol="0">
+            <a:spAutoFit/>
+          </a:bodyPr>
+          <a:lstStyle/>
+          <a:p>
+            <a:pPr algn="ctr"/>
+            <a:r>
+              <a:rPr lang="en-US" dirty="0"/>
+              <a:t>Single Inheritance</a:t>
+            </a:r>
+          </a:p>
+        </p:txBody>
+      </p:sp>
+      <p:sp>
+        <p:nvSpPr>
+          <p:cNvPr id="25" name="TextBox 24">
+            <a:extLst>
+              <a:ext uri="{FF2B5EF4-FFF2-40B4-BE49-F238E27FC236}">
+                <a16:creationId xmlns:a16="http://schemas.microsoft.com/office/drawing/2014/main" id="{F65BC41A-A578-4CAB-0D9D-A34AE799E3BF}"/>
+              </a:ext>
+            </a:extLst>
+          </p:cNvPr>
+          <p:cNvSpPr txBox="1"/>
+          <p:nvPr/>
+        </p:nvSpPr>
+        <p:spPr>
+          <a:xfrm>
+            <a:off x="8609044" y="1927945"/>
+            <a:ext cx="3582956" cy="369332"/>
+          </a:xfrm>
+          <a:prstGeom prst="rect">
+            <a:avLst/>
+          </a:prstGeom>
+          <a:noFill/>
+        </p:spPr>
+        <p:txBody>
+          <a:bodyPr wrap="square" rtlCol="0">
+            <a:spAutoFit/>
+          </a:bodyPr>
+          <a:lstStyle/>
+          <a:p>
+            <a:pPr algn="ctr"/>
+            <a:r>
+              <a:rPr lang="en-US" dirty="0"/>
+              <a:t>Single Inheritance</a:t>
+            </a:r>
+          </a:p>
+        </p:txBody>
+      </p:sp>
+      <p:sp>
+        <p:nvSpPr>
+          <p:cNvPr id="26" name="TextBox 25">
+            <a:extLst>
+              <a:ext uri="{FF2B5EF4-FFF2-40B4-BE49-F238E27FC236}">
+                <a16:creationId xmlns:a16="http://schemas.microsoft.com/office/drawing/2014/main" id="{3A82FD2E-6710-C3B8-09F9-EC45B4D89D40}"/>
+              </a:ext>
+            </a:extLst>
+          </p:cNvPr>
+          <p:cNvSpPr txBox="1"/>
+          <p:nvPr/>
+        </p:nvSpPr>
+        <p:spPr>
+          <a:xfrm>
+            <a:off x="2995127" y="4035489"/>
+            <a:ext cx="5862734" cy="369332"/>
+          </a:xfrm>
+          <a:prstGeom prst="rect">
+            <a:avLst/>
+          </a:prstGeom>
+          <a:noFill/>
+        </p:spPr>
+        <p:txBody>
+          <a:bodyPr wrap="square" rtlCol="0">
+            <a:spAutoFit/>
+          </a:bodyPr>
+          <a:lstStyle/>
+          <a:p>
+            <a:r>
+              <a:rPr lang="en-US" dirty="0"/>
+              <a:t>Hierarchical Inheritance</a:t>
+            </a:r>
+          </a:p>
+        </p:txBody>
+      </p:sp>
+      <p:sp>
+        <p:nvSpPr>
+          <p:cNvPr id="27" name="Rectangle 26">
+            <a:extLst>
+              <a:ext uri="{FF2B5EF4-FFF2-40B4-BE49-F238E27FC236}">
+                <a16:creationId xmlns:a16="http://schemas.microsoft.com/office/drawing/2014/main" id="{A51C8A4D-A9F1-1F66-3583-B43AFDFB4AC3}"/>
+              </a:ext>
+            </a:extLst>
+          </p:cNvPr>
+          <p:cNvSpPr/>
+          <p:nvPr/>
+        </p:nvSpPr>
+        <p:spPr>
+          <a:xfrm>
+            <a:off x="8857861" y="5691673"/>
+            <a:ext cx="2852057" cy="1054360"/>
+          </a:xfrm>
+          <a:prstGeom prst="rect">
+            <a:avLst/>
+          </a:prstGeom>
+        </p:spPr>
+        <p:style>
+          <a:lnRef idx="2">
+            <a:schemeClr val="accent6"/>
+          </a:lnRef>
+          <a:fillRef idx="1">
+            <a:schemeClr val="lt1"/>
+          </a:fillRef>
+          <a:effectRef idx="0">
+            <a:schemeClr val="accent6"/>
+          </a:effectRef>
+          <a:fontRef idx="minor">
+            <a:schemeClr val="dk1"/>
+          </a:fontRef>
+        </p:style>
+        <p:txBody>
+          <a:bodyPr rtlCol="0" anchor="ctr"/>
+          <a:lstStyle/>
+          <a:p>
+            <a:pPr algn="ctr"/>
+            <a:endParaRPr lang="en-US"/>
+          </a:p>
+        </p:txBody>
+      </p:sp>
+      <p:sp>
+        <p:nvSpPr>
+          <p:cNvPr id="28" name="TextBox 27">
+            <a:extLst>
+              <a:ext uri="{FF2B5EF4-FFF2-40B4-BE49-F238E27FC236}">
+                <a16:creationId xmlns:a16="http://schemas.microsoft.com/office/drawing/2014/main" id="{C1A59252-32A1-F13A-2B1A-056B9B3695A2}"/>
+              </a:ext>
+            </a:extLst>
+          </p:cNvPr>
+          <p:cNvSpPr txBox="1"/>
+          <p:nvPr/>
+        </p:nvSpPr>
+        <p:spPr>
+          <a:xfrm>
+            <a:off x="8941837" y="5756989"/>
+            <a:ext cx="2768081" cy="369332"/>
+          </a:xfrm>
+          <a:prstGeom prst="rect">
+            <a:avLst/>
+          </a:prstGeom>
+          <a:noFill/>
+        </p:spPr>
+        <p:txBody>
+          <a:bodyPr wrap="square" rtlCol="0">
+            <a:spAutoFit/>
+          </a:bodyPr>
+          <a:lstStyle/>
+          <a:p>
+            <a:r>
+              <a:rPr lang="en-US" dirty="0" err="1"/>
+              <a:t>SalesManager</a:t>
+            </a:r>
+            <a:endParaRPr lang="en-US" dirty="0"/>
+          </a:p>
+        </p:txBody>
+      </p:sp>
+      <p:sp>
+        <p:nvSpPr>
+          <p:cNvPr id="29" name="Rectangle 28">
+            <a:extLst>
+              <a:ext uri="{FF2B5EF4-FFF2-40B4-BE49-F238E27FC236}">
+                <a16:creationId xmlns:a16="http://schemas.microsoft.com/office/drawing/2014/main" id="{CD1A379F-5031-9E56-F901-BB6F9B4713CB}"/>
+              </a:ext>
+            </a:extLst>
+          </p:cNvPr>
+          <p:cNvSpPr/>
+          <p:nvPr/>
+        </p:nvSpPr>
+        <p:spPr>
+          <a:xfrm>
+            <a:off x="8857861" y="6191637"/>
+            <a:ext cx="2852057" cy="45719"/>
+          </a:xfrm>
+          <a:prstGeom prst="rect">
+            <a:avLst/>
+          </a:prstGeom>
+        </p:spPr>
+        <p:style>
+          <a:lnRef idx="2">
+            <a:schemeClr val="accent1">
+              <a:shade val="15000"/>
+            </a:schemeClr>
+          </a:lnRef>
+          <a:fillRef idx="1">
+            <a:schemeClr val="accent1"/>
+          </a:fillRef>
+          <a:effectRef idx="0">
+            <a:schemeClr val="accent1"/>
+          </a:effectRef>
+          <a:fontRef idx="minor">
+            <a:schemeClr val="lt1"/>
+          </a:fontRef>
+        </p:style>
+        <p:txBody>
+          <a:bodyPr rtlCol="0" anchor="ctr"/>
+          <a:lstStyle/>
+          <a:p>
+            <a:pPr algn="ctr"/>
+            <a:endParaRPr lang="en-US"/>
+          </a:p>
+        </p:txBody>
+      </p:sp>
+      <p:sp>
+        <p:nvSpPr>
+          <p:cNvPr id="30" name="TextBox 29">
+            <a:extLst>
+              <a:ext uri="{FF2B5EF4-FFF2-40B4-BE49-F238E27FC236}">
+                <a16:creationId xmlns:a16="http://schemas.microsoft.com/office/drawing/2014/main" id="{501ED738-1032-A262-A0CB-91444A06901F}"/>
+              </a:ext>
+            </a:extLst>
+          </p:cNvPr>
+          <p:cNvSpPr txBox="1"/>
+          <p:nvPr/>
+        </p:nvSpPr>
+        <p:spPr>
+          <a:xfrm>
+            <a:off x="8941837" y="6302672"/>
+            <a:ext cx="2677886" cy="523220"/>
+          </a:xfrm>
+          <a:prstGeom prst="rect">
+            <a:avLst/>
+          </a:prstGeom>
+          <a:noFill/>
+        </p:spPr>
+        <p:txBody>
+          <a:bodyPr wrap="square" rtlCol="0">
+            <a:spAutoFit/>
+          </a:bodyPr>
+          <a:lstStyle/>
+          <a:p>
+            <a:r>
+              <a:rPr lang="en-US" sz="1400" dirty="0"/>
+              <a:t>+ </a:t>
+            </a:r>
+            <a:r>
+              <a:rPr lang="en-US" sz="1400" dirty="0" err="1"/>
+              <a:t>HotelAllowance</a:t>
+            </a:r>
+            <a:endParaRPr lang="en-US" sz="1400" dirty="0"/>
+          </a:p>
+          <a:p>
+            <a:r>
+              <a:rPr lang="en-US" sz="1400" dirty="0"/>
+              <a:t>+ </a:t>
+            </a:r>
+            <a:r>
+              <a:rPr lang="en-US" sz="1400" dirty="0" err="1"/>
+              <a:t>SalesCredit</a:t>
+            </a:r>
+            <a:endParaRPr lang="en-US" sz="1400" dirty="0"/>
+          </a:p>
+        </p:txBody>
+      </p:sp>
+      <p:cxnSp>
+        <p:nvCxnSpPr>
+          <p:cNvPr id="32" name="Connector: Elbow 31">
+            <a:extLst>
+              <a:ext uri="{FF2B5EF4-FFF2-40B4-BE49-F238E27FC236}">
+                <a16:creationId xmlns:a16="http://schemas.microsoft.com/office/drawing/2014/main" id="{09C8596D-AEDB-E545-AE36-1988185E4C43}"/>
+              </a:ext>
+            </a:extLst>
+          </p:cNvPr>
+          <p:cNvCxnSpPr>
+            <a:stCxn id="27" idx="0"/>
+            <a:endCxn id="16" idx="2"/>
+          </p:cNvCxnSpPr>
+          <p:nvPr/>
+        </p:nvCxnSpPr>
+        <p:spPr>
+          <a:xfrm rot="16200000" flipV="1">
+            <a:off x="9983756" y="5391539"/>
+            <a:ext cx="597159" cy="3110"/>
+          </a:xfrm>
+          <a:prstGeom prst="bentConnector3">
+            <a:avLst/>
+          </a:prstGeom>
+          <a:ln>
+            <a:tailEnd type="triangle"/>
+          </a:ln>
+        </p:spPr>
+        <p:style>
+          <a:lnRef idx="1">
+            <a:schemeClr val="accent1"/>
+          </a:lnRef>
+          <a:fillRef idx="0">
+            <a:schemeClr val="accent1"/>
+          </a:fillRef>
+          <a:effectRef idx="0">
+            <a:schemeClr val="accent1"/>
+          </a:effectRef>
+          <a:fontRef idx="minor">
+            <a:schemeClr val="tx1"/>
+          </a:fontRef>
+        </p:style>
+      </p:cxnSp>
+      <p:sp>
+        <p:nvSpPr>
+          <p:cNvPr id="33" name="TextBox 32">
+            <a:extLst>
+              <a:ext uri="{FF2B5EF4-FFF2-40B4-BE49-F238E27FC236}">
+                <a16:creationId xmlns:a16="http://schemas.microsoft.com/office/drawing/2014/main" id="{67A4B1BC-F65D-D734-97D1-2075845AFCDA}"/>
+              </a:ext>
+            </a:extLst>
+          </p:cNvPr>
+          <p:cNvSpPr txBox="1"/>
+          <p:nvPr/>
+        </p:nvSpPr>
+        <p:spPr>
+          <a:xfrm>
+            <a:off x="6459895" y="5803155"/>
+            <a:ext cx="2149149" cy="646331"/>
+          </a:xfrm>
+          <a:prstGeom prst="rect">
+            <a:avLst/>
+          </a:prstGeom>
+          <a:noFill/>
+        </p:spPr>
+        <p:txBody>
+          <a:bodyPr wrap="square" rtlCol="0">
+            <a:spAutoFit/>
+          </a:bodyPr>
+          <a:lstStyle/>
+          <a:p>
+            <a:r>
+              <a:rPr lang="en-US" dirty="0"/>
+              <a:t>Multi-Level Inheritance</a:t>
+            </a:r>
+          </a:p>
+        </p:txBody>
+      </p:sp>
+      <p:sp>
+        <p:nvSpPr>
+          <p:cNvPr id="34" name="TextBox 33">
+            <a:extLst>
+              <a:ext uri="{FF2B5EF4-FFF2-40B4-BE49-F238E27FC236}">
+                <a16:creationId xmlns:a16="http://schemas.microsoft.com/office/drawing/2014/main" id="{4AD4C2F4-F9EF-8AD8-367F-B794BF4CE10E}"/>
+              </a:ext>
+            </a:extLst>
+          </p:cNvPr>
+          <p:cNvSpPr txBox="1"/>
+          <p:nvPr/>
+        </p:nvSpPr>
+        <p:spPr>
+          <a:xfrm>
+            <a:off x="606490" y="1352939"/>
+            <a:ext cx="2680997" cy="369332"/>
+          </a:xfrm>
+          <a:prstGeom prst="rect">
+            <a:avLst/>
+          </a:prstGeom>
+          <a:noFill/>
+        </p:spPr>
+        <p:txBody>
+          <a:bodyPr wrap="square" rtlCol="0">
+            <a:spAutoFit/>
+          </a:bodyPr>
+          <a:lstStyle/>
+          <a:p>
+            <a:r>
+              <a:rPr lang="en-US" dirty="0"/>
+              <a:t>Director Is-a Employee</a:t>
+            </a:r>
+          </a:p>
+        </p:txBody>
+      </p:sp>
+      <p:sp>
+        <p:nvSpPr>
+          <p:cNvPr id="35" name="TextBox 34">
+            <a:extLst>
+              <a:ext uri="{FF2B5EF4-FFF2-40B4-BE49-F238E27FC236}">
+                <a16:creationId xmlns:a16="http://schemas.microsoft.com/office/drawing/2014/main" id="{348B5629-4C37-9BE0-AAAD-F2E369D8A0B0}"/>
+              </a:ext>
+            </a:extLst>
+          </p:cNvPr>
+          <p:cNvSpPr txBox="1"/>
+          <p:nvPr/>
+        </p:nvSpPr>
+        <p:spPr>
+          <a:xfrm>
+            <a:off x="8609044" y="1435453"/>
+            <a:ext cx="2680997" cy="369332"/>
+          </a:xfrm>
+          <a:prstGeom prst="rect">
+            <a:avLst/>
+          </a:prstGeom>
+          <a:noFill/>
+        </p:spPr>
+        <p:txBody>
+          <a:bodyPr wrap="square" rtlCol="0">
+            <a:spAutoFit/>
+          </a:bodyPr>
+          <a:lstStyle/>
+          <a:p>
+            <a:r>
+              <a:rPr lang="en-US" dirty="0"/>
+              <a:t>Manager Is-a Employee</a:t>
+            </a:r>
+          </a:p>
+        </p:txBody>
+      </p:sp>
+    </p:spTree>
+    <p:extLst>
+      <p:ext uri="{BB962C8B-B14F-4D97-AF65-F5344CB8AC3E}">
+        <p14:creationId xmlns:p14="http://schemas.microsoft.com/office/powerpoint/2010/main" val="3880742381"/>
+      </p:ext>
+    </p:extLst>
+  </p:cSld>
+  <p:clrMapOvr>
+    <a:masterClrMapping/>
+  </p:clrMapOvr>
+</p:sld>
+</file>
+
+<file path=ppt/slides/slide8.xml><?xml version="1.0" encoding="utf-8"?>
+<p:sld xmlns:a="http://schemas.openxmlformats.org/drawingml/2006/main" xmlns:r="http://schemas.openxmlformats.org/officeDocument/2006/relationships" xmlns:p="http://schemas.openxmlformats.org/presentationml/2006/main">
+  <p:cSld>
+    <p:spTree>
+      <p:nvGrpSpPr>
+        <p:cNvPr id="1" name=""/>
+        <p:cNvGrpSpPr/>
+        <p:nvPr/>
+      </p:nvGrpSpPr>
+      <p:grpSpPr>
+        <a:xfrm>
+          <a:off x="0" y="0"/>
+          <a:ext cx="0" cy="0"/>
+          <a:chOff x="0" y="0"/>
+          <a:chExt cx="0" cy="0"/>
+        </a:xfrm>
+      </p:grpSpPr>
+      <p:sp>
+        <p:nvSpPr>
+          <p:cNvPr id="2" name="Rectangle: Rounded Corners 1">
+            <a:extLst>
+              <a:ext uri="{FF2B5EF4-FFF2-40B4-BE49-F238E27FC236}">
+                <a16:creationId xmlns:a16="http://schemas.microsoft.com/office/drawing/2014/main" id="{571836FE-B044-8B08-B9EA-EFAB73FF140D}"/>
+              </a:ext>
+            </a:extLst>
+          </p:cNvPr>
+          <p:cNvSpPr/>
+          <p:nvPr/>
+        </p:nvSpPr>
+        <p:spPr>
+          <a:xfrm>
+            <a:off x="8486192" y="1968760"/>
+            <a:ext cx="2286000" cy="1623527"/>
+          </a:xfrm>
+          <a:prstGeom prst="roundRect">
+            <a:avLst/>
+          </a:prstGeom>
+        </p:spPr>
+        <p:style>
+          <a:lnRef idx="2">
+            <a:schemeClr val="accent1">
+              <a:shade val="15000"/>
+            </a:schemeClr>
+          </a:lnRef>
+          <a:fillRef idx="1">
+            <a:schemeClr val="accent1"/>
+          </a:fillRef>
+          <a:effectRef idx="0">
+            <a:schemeClr val="accent1"/>
+          </a:effectRef>
+          <a:fontRef idx="minor">
+            <a:schemeClr val="lt1"/>
+          </a:fontRef>
+        </p:style>
+        <p:txBody>
+          <a:bodyPr rtlCol="0" anchor="ctr"/>
+          <a:lstStyle/>
+          <a:p>
+            <a:pPr algn="ctr"/>
+            <a:r>
+              <a:rPr lang="en-US" dirty="0" err="1"/>
+              <a:t>DirectorLogic</a:t>
+            </a:r>
+            <a:endParaRPr lang="en-US" dirty="0"/>
+          </a:p>
+          <a:p>
+            <a:pPr algn="ctr"/>
+            <a:r>
+              <a:rPr lang="en-US" dirty="0"/>
+              <a:t>+</a:t>
+            </a:r>
+            <a:r>
+              <a:rPr lang="en-US" dirty="0" err="1"/>
+              <a:t>GetSalary</a:t>
+            </a:r>
+            <a:r>
+              <a:rPr lang="en-US" dirty="0"/>
+              <a:t>()</a:t>
+            </a:r>
+          </a:p>
+        </p:txBody>
+      </p:sp>
+      <p:sp>
+        <p:nvSpPr>
+          <p:cNvPr id="3" name="Rectangle: Rounded Corners 2">
+            <a:extLst>
+              <a:ext uri="{FF2B5EF4-FFF2-40B4-BE49-F238E27FC236}">
+                <a16:creationId xmlns:a16="http://schemas.microsoft.com/office/drawing/2014/main" id="{8E147367-F1F7-0939-DE9C-44954159930E}"/>
+              </a:ext>
+            </a:extLst>
+          </p:cNvPr>
+          <p:cNvSpPr/>
+          <p:nvPr/>
+        </p:nvSpPr>
+        <p:spPr>
+          <a:xfrm>
+            <a:off x="7021284" y="5234473"/>
+            <a:ext cx="2286000" cy="1623527"/>
+          </a:xfrm>
+          <a:prstGeom prst="roundRect">
+            <a:avLst/>
+          </a:prstGeom>
+        </p:spPr>
+        <p:style>
+          <a:lnRef idx="2">
+            <a:schemeClr val="accent1">
+              <a:shade val="15000"/>
+            </a:schemeClr>
+          </a:lnRef>
+          <a:fillRef idx="1">
+            <a:schemeClr val="accent1"/>
+          </a:fillRef>
+          <a:effectRef idx="0">
+            <a:schemeClr val="accent1"/>
+          </a:effectRef>
+          <a:fontRef idx="minor">
+            <a:schemeClr val="lt1"/>
+          </a:fontRef>
+        </p:style>
+        <p:txBody>
+          <a:bodyPr rtlCol="0" anchor="ctr"/>
+          <a:lstStyle/>
+          <a:p>
+            <a:pPr algn="ctr"/>
+            <a:r>
+              <a:rPr lang="en-US" dirty="0" err="1"/>
+              <a:t>ManagerLogic</a:t>
+            </a:r>
+            <a:endParaRPr lang="en-US" dirty="0"/>
+          </a:p>
+          <a:p>
+            <a:pPr algn="ctr"/>
+            <a:r>
+              <a:rPr lang="en-US" dirty="0"/>
+              <a:t>+</a:t>
+            </a:r>
+            <a:r>
+              <a:rPr lang="en-US" dirty="0" err="1"/>
+              <a:t>GetSalary</a:t>
+            </a:r>
+            <a:r>
+              <a:rPr lang="en-US" dirty="0"/>
+              <a:t>()</a:t>
+            </a:r>
+          </a:p>
+        </p:txBody>
+      </p:sp>
+      <p:sp>
+        <p:nvSpPr>
+          <p:cNvPr id="4" name="Rectangle: Rounded Corners 3">
+            <a:extLst>
+              <a:ext uri="{FF2B5EF4-FFF2-40B4-BE49-F238E27FC236}">
+                <a16:creationId xmlns:a16="http://schemas.microsoft.com/office/drawing/2014/main" id="{6A35BFBF-0542-182A-BE11-BB62486C8007}"/>
+              </a:ext>
+            </a:extLst>
+          </p:cNvPr>
+          <p:cNvSpPr/>
+          <p:nvPr/>
+        </p:nvSpPr>
+        <p:spPr>
+          <a:xfrm>
+            <a:off x="3359020" y="1306286"/>
+            <a:ext cx="2286000" cy="1735494"/>
+          </a:xfrm>
+          <a:prstGeom prst="roundRect">
+            <a:avLst/>
+          </a:prstGeom>
+          <a:solidFill>
+            <a:srgbClr val="7030A0"/>
+          </a:solidFill>
+        </p:spPr>
+        <p:style>
+          <a:lnRef idx="1">
+            <a:schemeClr val="accent5"/>
+          </a:lnRef>
+          <a:fillRef idx="2">
+            <a:schemeClr val="accent5"/>
+          </a:fillRef>
+          <a:effectRef idx="1">
+            <a:schemeClr val="accent5"/>
+          </a:effectRef>
+          <a:fontRef idx="minor">
+            <a:schemeClr val="dk1"/>
+          </a:fontRef>
+        </p:style>
+        <p:txBody>
+          <a:bodyPr rtlCol="0" anchor="ctr"/>
+          <a:lstStyle/>
+          <a:p>
+            <a:pPr algn="ctr"/>
+            <a:endParaRPr lang="en-US"/>
+          </a:p>
+        </p:txBody>
+      </p:sp>
+      <p:sp>
+        <p:nvSpPr>
+          <p:cNvPr id="5" name="TextBox 4">
+            <a:extLst>
+              <a:ext uri="{FF2B5EF4-FFF2-40B4-BE49-F238E27FC236}">
+                <a16:creationId xmlns:a16="http://schemas.microsoft.com/office/drawing/2014/main" id="{2FE9A18A-9DB2-A8FA-0776-701E996700B6}"/>
+              </a:ext>
+            </a:extLst>
+          </p:cNvPr>
+          <p:cNvSpPr txBox="1"/>
+          <p:nvPr/>
+        </p:nvSpPr>
+        <p:spPr>
+          <a:xfrm>
+            <a:off x="559837" y="1810139"/>
+            <a:ext cx="1772816" cy="646331"/>
+          </a:xfrm>
+          <a:prstGeom prst="rect">
+            <a:avLst/>
+          </a:prstGeom>
+          <a:noFill/>
+        </p:spPr>
+        <p:txBody>
+          <a:bodyPr wrap="square" rtlCol="0">
+            <a:spAutoFit/>
+          </a:bodyPr>
+          <a:lstStyle/>
+          <a:p>
+            <a:pPr algn="ctr"/>
+            <a:r>
+              <a:rPr lang="en-US" b="1" dirty="0"/>
+              <a:t>Accountant Client</a:t>
+            </a:r>
+          </a:p>
+        </p:txBody>
+      </p:sp>
+      <p:sp>
+        <p:nvSpPr>
+          <p:cNvPr id="6" name="Arrow: Right 5">
+            <a:extLst>
+              <a:ext uri="{FF2B5EF4-FFF2-40B4-BE49-F238E27FC236}">
+                <a16:creationId xmlns:a16="http://schemas.microsoft.com/office/drawing/2014/main" id="{E83762F9-C515-8B56-C8F7-2C1E9CE3DA0D}"/>
+              </a:ext>
+            </a:extLst>
+          </p:cNvPr>
+          <p:cNvSpPr/>
+          <p:nvPr/>
+        </p:nvSpPr>
+        <p:spPr>
+          <a:xfrm>
+            <a:off x="2174033" y="1978090"/>
+            <a:ext cx="1184987" cy="478380"/>
+          </a:xfrm>
+          <a:prstGeom prst="rightArrow">
+            <a:avLst/>
+          </a:prstGeom>
+        </p:spPr>
+        <p:style>
+          <a:lnRef idx="2">
+            <a:schemeClr val="accent1">
+              <a:shade val="15000"/>
+            </a:schemeClr>
+          </a:lnRef>
+          <a:fillRef idx="1">
+            <a:schemeClr val="accent1"/>
+          </a:fillRef>
+          <a:effectRef idx="0">
+            <a:schemeClr val="accent1"/>
+          </a:effectRef>
+          <a:fontRef idx="minor">
+            <a:schemeClr val="lt1"/>
+          </a:fontRef>
+        </p:style>
+        <p:txBody>
+          <a:bodyPr rtlCol="0" anchor="ctr"/>
+          <a:lstStyle/>
+          <a:p>
+            <a:pPr algn="ctr"/>
+            <a:endParaRPr lang="en-US"/>
+          </a:p>
+        </p:txBody>
+      </p:sp>
+      <p:sp>
+        <p:nvSpPr>
+          <p:cNvPr id="7" name="TextBox 6">
+            <a:extLst>
+              <a:ext uri="{FF2B5EF4-FFF2-40B4-BE49-F238E27FC236}">
+                <a16:creationId xmlns:a16="http://schemas.microsoft.com/office/drawing/2014/main" id="{EE3747D7-4C38-A2AA-0616-70F779253F88}"/>
+              </a:ext>
+            </a:extLst>
+          </p:cNvPr>
+          <p:cNvSpPr txBox="1"/>
+          <p:nvPr/>
+        </p:nvSpPr>
+        <p:spPr>
+          <a:xfrm>
+            <a:off x="3517640" y="1567543"/>
+            <a:ext cx="2006082" cy="369332"/>
+          </a:xfrm>
+          <a:prstGeom prst="rect">
+            <a:avLst/>
+          </a:prstGeom>
+          <a:noFill/>
+        </p:spPr>
+        <p:txBody>
+          <a:bodyPr wrap="square" rtlCol="0">
+            <a:spAutoFit/>
+          </a:bodyPr>
+          <a:lstStyle/>
+          <a:p>
+            <a:pPr algn="ctr"/>
+            <a:r>
+              <a:rPr lang="en-US" b="1" dirty="0">
+                <a:solidFill>
+                  <a:srgbClr val="FFFF00"/>
+                </a:solidFill>
+              </a:rPr>
+              <a:t>Accountant System</a:t>
+            </a:r>
+          </a:p>
+        </p:txBody>
+      </p:sp>
+      <p:sp>
+        <p:nvSpPr>
+          <p:cNvPr id="8" name="TextBox 7">
+            <a:extLst>
+              <a:ext uri="{FF2B5EF4-FFF2-40B4-BE49-F238E27FC236}">
+                <a16:creationId xmlns:a16="http://schemas.microsoft.com/office/drawing/2014/main" id="{FB85E28C-186B-2220-1D52-0E99A749CCE4}"/>
+              </a:ext>
+            </a:extLst>
+          </p:cNvPr>
+          <p:cNvSpPr txBox="1"/>
+          <p:nvPr/>
+        </p:nvSpPr>
+        <p:spPr>
+          <a:xfrm>
+            <a:off x="3517640" y="2198132"/>
+            <a:ext cx="1819470" cy="369332"/>
+          </a:xfrm>
+          <a:prstGeom prst="rect">
+            <a:avLst/>
+          </a:prstGeom>
+          <a:noFill/>
+        </p:spPr>
+        <p:txBody>
+          <a:bodyPr wrap="square" rtlCol="0">
+            <a:spAutoFit/>
+          </a:bodyPr>
+          <a:lstStyle/>
+          <a:p>
+            <a:r>
+              <a:rPr lang="en-US" b="1" dirty="0">
+                <a:solidFill>
+                  <a:srgbClr val="FFFF00"/>
+                </a:solidFill>
+              </a:rPr>
+              <a:t>+ GetTax()</a:t>
+            </a:r>
+          </a:p>
+        </p:txBody>
+      </p:sp>
+      <p:sp>
+        <p:nvSpPr>
+          <p:cNvPr id="9" name="Oval 8">
+            <a:extLst>
+              <a:ext uri="{FF2B5EF4-FFF2-40B4-BE49-F238E27FC236}">
+                <a16:creationId xmlns:a16="http://schemas.microsoft.com/office/drawing/2014/main" id="{06358723-F399-EF94-2556-1F0749D85164}"/>
+              </a:ext>
+            </a:extLst>
+          </p:cNvPr>
+          <p:cNvSpPr/>
+          <p:nvPr/>
+        </p:nvSpPr>
+        <p:spPr>
+          <a:xfrm>
+            <a:off x="2174033" y="3558073"/>
+            <a:ext cx="1455575" cy="998376"/>
+          </a:xfrm>
+          <a:prstGeom prst="ellipse">
+            <a:avLst/>
+          </a:prstGeom>
+        </p:spPr>
+        <p:style>
+          <a:lnRef idx="2">
+            <a:schemeClr val="accent1">
+              <a:shade val="15000"/>
+            </a:schemeClr>
+          </a:lnRef>
+          <a:fillRef idx="1">
+            <a:schemeClr val="accent1"/>
+          </a:fillRef>
+          <a:effectRef idx="0">
+            <a:schemeClr val="accent1"/>
+          </a:effectRef>
+          <a:fontRef idx="minor">
+            <a:schemeClr val="lt1"/>
+          </a:fontRef>
+        </p:style>
+        <p:txBody>
+          <a:bodyPr rtlCol="0" anchor="ctr"/>
+          <a:lstStyle/>
+          <a:p>
+            <a:pPr algn="ctr"/>
+            <a:r>
+              <a:rPr lang="en-US" sz="1600" b="1" dirty="0"/>
+              <a:t>Employee</a:t>
+            </a:r>
+          </a:p>
+        </p:txBody>
+      </p:sp>
+      <p:sp>
+        <p:nvSpPr>
+          <p:cNvPr id="12" name="TextBox 11">
+            <a:extLst>
+              <a:ext uri="{FF2B5EF4-FFF2-40B4-BE49-F238E27FC236}">
+                <a16:creationId xmlns:a16="http://schemas.microsoft.com/office/drawing/2014/main" id="{BFDCF7B5-F82D-4DED-93F5-B59EC3925AE1}"/>
+              </a:ext>
+            </a:extLst>
+          </p:cNvPr>
+          <p:cNvSpPr txBox="1"/>
+          <p:nvPr/>
+        </p:nvSpPr>
+        <p:spPr>
+          <a:xfrm>
+            <a:off x="1908110" y="4933290"/>
+            <a:ext cx="2901820" cy="1754326"/>
+          </a:xfrm>
+          <a:prstGeom prst="rect">
+            <a:avLst/>
+          </a:prstGeom>
+          <a:noFill/>
+        </p:spPr>
+        <p:txBody>
+          <a:bodyPr wrap="square" rtlCol="0">
+            <a:spAutoFit/>
+          </a:bodyPr>
+          <a:lstStyle/>
+          <a:p>
+            <a:r>
+              <a:rPr lang="en-US" dirty="0"/>
+              <a:t>Accountant System Needs Employee Object to Calculate Tax.</a:t>
+            </a:r>
+          </a:p>
+          <a:p>
+            <a:r>
+              <a:rPr lang="en-US" dirty="0"/>
+              <a:t>The GetTax() method will have Runtime Polymorphic Behavior </a:t>
+            </a:r>
+          </a:p>
+        </p:txBody>
+      </p:sp>
+      <p:sp>
+        <p:nvSpPr>
+          <p:cNvPr id="13" name="Oval 12">
+            <a:extLst>
+              <a:ext uri="{FF2B5EF4-FFF2-40B4-BE49-F238E27FC236}">
+                <a16:creationId xmlns:a16="http://schemas.microsoft.com/office/drawing/2014/main" id="{DF745DD2-28FD-1BAD-764F-0584F8941FEE}"/>
+              </a:ext>
+            </a:extLst>
+          </p:cNvPr>
+          <p:cNvSpPr/>
+          <p:nvPr/>
+        </p:nvSpPr>
+        <p:spPr>
+          <a:xfrm>
+            <a:off x="3774232" y="3593840"/>
+            <a:ext cx="2286000" cy="998376"/>
+          </a:xfrm>
+          <a:prstGeom prst="ellipse">
+            <a:avLst/>
+          </a:prstGeom>
+        </p:spPr>
+        <p:style>
+          <a:lnRef idx="2">
+            <a:schemeClr val="accent1">
+              <a:shade val="15000"/>
+            </a:schemeClr>
+          </a:lnRef>
+          <a:fillRef idx="1">
+            <a:schemeClr val="accent1"/>
+          </a:fillRef>
+          <a:effectRef idx="0">
+            <a:schemeClr val="accent1"/>
+          </a:effectRef>
+          <a:fontRef idx="minor">
+            <a:schemeClr val="lt1"/>
+          </a:fontRef>
+        </p:style>
+        <p:txBody>
+          <a:bodyPr rtlCol="0" anchor="ctr"/>
+          <a:lstStyle/>
+          <a:p>
+            <a:pPr algn="ctr"/>
+            <a:r>
+              <a:rPr lang="en-US" sz="1600" b="1" dirty="0" err="1"/>
+              <a:t>EmployeeLogic</a:t>
+            </a:r>
+            <a:endParaRPr lang="en-US" sz="1600" b="1" dirty="0"/>
+          </a:p>
+        </p:txBody>
+      </p:sp>
+      <p:cxnSp>
+        <p:nvCxnSpPr>
+          <p:cNvPr id="15" name="Straight Arrow Connector 14">
+            <a:extLst>
+              <a:ext uri="{FF2B5EF4-FFF2-40B4-BE49-F238E27FC236}">
+                <a16:creationId xmlns:a16="http://schemas.microsoft.com/office/drawing/2014/main" id="{939064E0-209D-209C-8F3F-8525BDBEBC38}"/>
+              </a:ext>
+            </a:extLst>
+          </p:cNvPr>
+          <p:cNvCxnSpPr>
+            <a:stCxn id="9" idx="0"/>
+            <a:endCxn id="8" idx="2"/>
+          </p:cNvCxnSpPr>
+          <p:nvPr/>
+        </p:nvCxnSpPr>
+        <p:spPr>
+          <a:xfrm flipV="1">
+            <a:off x="2901821" y="2567464"/>
+            <a:ext cx="1525554" cy="990609"/>
+          </a:xfrm>
+          <a:prstGeom prst="straightConnector1">
+            <a:avLst/>
+          </a:prstGeom>
+          <a:ln>
+            <a:tailEnd type="triangle"/>
+          </a:ln>
+        </p:spPr>
+        <p:style>
+          <a:lnRef idx="1">
+            <a:schemeClr val="accent1"/>
+          </a:lnRef>
+          <a:fillRef idx="0">
+            <a:schemeClr val="accent1"/>
+          </a:fillRef>
+          <a:effectRef idx="0">
+            <a:schemeClr val="accent1"/>
+          </a:effectRef>
+          <a:fontRef idx="minor">
+            <a:schemeClr val="tx1"/>
+          </a:fontRef>
+        </p:style>
+      </p:cxnSp>
+      <p:cxnSp>
+        <p:nvCxnSpPr>
+          <p:cNvPr id="17" name="Straight Arrow Connector 16">
+            <a:extLst>
+              <a:ext uri="{FF2B5EF4-FFF2-40B4-BE49-F238E27FC236}">
+                <a16:creationId xmlns:a16="http://schemas.microsoft.com/office/drawing/2014/main" id="{EDD043F8-8F9C-2776-F4EF-32601794E405}"/>
+              </a:ext>
+            </a:extLst>
+          </p:cNvPr>
+          <p:cNvCxnSpPr>
+            <a:stCxn id="13" idx="0"/>
+            <a:endCxn id="8" idx="2"/>
+          </p:cNvCxnSpPr>
+          <p:nvPr/>
+        </p:nvCxnSpPr>
+        <p:spPr>
+          <a:xfrm flipH="1" flipV="1">
+            <a:off x="4427375" y="2567464"/>
+            <a:ext cx="489857" cy="1026376"/>
+          </a:xfrm>
+          <a:prstGeom prst="straightConnector1">
+            <a:avLst/>
+          </a:prstGeom>
+          <a:ln>
+            <a:tailEnd type="triangle"/>
+          </a:ln>
+        </p:spPr>
+        <p:style>
+          <a:lnRef idx="1">
+            <a:schemeClr val="accent1"/>
+          </a:lnRef>
+          <a:fillRef idx="0">
+            <a:schemeClr val="accent1"/>
+          </a:fillRef>
+          <a:effectRef idx="0">
+            <a:schemeClr val="accent1"/>
+          </a:effectRef>
+          <a:fontRef idx="minor">
+            <a:schemeClr val="tx1"/>
+          </a:fontRef>
+        </p:style>
+      </p:cxnSp>
+      <p:cxnSp>
+        <p:nvCxnSpPr>
+          <p:cNvPr id="19" name="Connector: Elbow 18">
+            <a:extLst>
+              <a:ext uri="{FF2B5EF4-FFF2-40B4-BE49-F238E27FC236}">
+                <a16:creationId xmlns:a16="http://schemas.microsoft.com/office/drawing/2014/main" id="{F5A7E4EA-A7DD-FC86-DCFA-C47E5A935853}"/>
+              </a:ext>
+            </a:extLst>
+          </p:cNvPr>
+          <p:cNvCxnSpPr>
+            <a:stCxn id="8" idx="3"/>
+            <a:endCxn id="2" idx="1"/>
+          </p:cNvCxnSpPr>
+          <p:nvPr/>
+        </p:nvCxnSpPr>
+        <p:spPr>
+          <a:xfrm>
+            <a:off x="5337110" y="2382798"/>
+            <a:ext cx="3149082" cy="397726"/>
+          </a:xfrm>
+          <a:prstGeom prst="bentConnector3">
+            <a:avLst/>
+          </a:prstGeom>
+          <a:ln>
+            <a:tailEnd type="triangle"/>
+          </a:ln>
+        </p:spPr>
+        <p:style>
+          <a:lnRef idx="1">
+            <a:schemeClr val="accent1"/>
+          </a:lnRef>
+          <a:fillRef idx="0">
+            <a:schemeClr val="accent1"/>
+          </a:fillRef>
+          <a:effectRef idx="0">
+            <a:schemeClr val="accent1"/>
+          </a:effectRef>
+          <a:fontRef idx="minor">
+            <a:schemeClr val="tx1"/>
+          </a:fontRef>
+        </p:style>
+      </p:cxnSp>
+      <p:cxnSp>
+        <p:nvCxnSpPr>
+          <p:cNvPr id="21" name="Connector: Elbow 20">
+            <a:extLst>
+              <a:ext uri="{FF2B5EF4-FFF2-40B4-BE49-F238E27FC236}">
+                <a16:creationId xmlns:a16="http://schemas.microsoft.com/office/drawing/2014/main" id="{EA3CB281-F289-73D2-59A3-C95ED7C9D743}"/>
+              </a:ext>
+            </a:extLst>
+          </p:cNvPr>
+          <p:cNvCxnSpPr>
+            <a:stCxn id="8" idx="3"/>
+            <a:endCxn id="3" idx="1"/>
+          </p:cNvCxnSpPr>
+          <p:nvPr/>
+        </p:nvCxnSpPr>
+        <p:spPr>
+          <a:xfrm>
+            <a:off x="5337110" y="2382798"/>
+            <a:ext cx="1684174" cy="3663439"/>
+          </a:xfrm>
+          <a:prstGeom prst="bentConnector3">
+            <a:avLst/>
+          </a:prstGeom>
+          <a:ln>
+            <a:tailEnd type="triangle"/>
+          </a:ln>
+        </p:spPr>
+        <p:style>
+          <a:lnRef idx="1">
+            <a:schemeClr val="accent1"/>
+          </a:lnRef>
+          <a:fillRef idx="0">
+            <a:schemeClr val="accent1"/>
+          </a:fillRef>
+          <a:effectRef idx="0">
+            <a:schemeClr val="accent1"/>
+          </a:effectRef>
+          <a:fontRef idx="minor">
+            <a:schemeClr val="tx1"/>
+          </a:fontRef>
+        </p:style>
+      </p:cxnSp>
+      <p:graphicFrame>
+        <p:nvGraphicFramePr>
+          <p:cNvPr id="24" name="Table 24">
+            <a:extLst>
+              <a:ext uri="{FF2B5EF4-FFF2-40B4-BE49-F238E27FC236}">
+                <a16:creationId xmlns:a16="http://schemas.microsoft.com/office/drawing/2014/main" id="{269942AB-11C2-F28F-288F-71C839654F70}"/>
+              </a:ext>
+            </a:extLst>
+          </p:cNvPr>
+          <p:cNvGraphicFramePr>
+            <a:graphicFrameLocks noGrp="1"/>
+          </p:cNvGraphicFramePr>
+          <p:nvPr>
+            <p:extLst>
+              <p:ext uri="{D42A27DB-BD31-4B8C-83A1-F6EECF244321}">
+                <p14:modId xmlns:p14="http://schemas.microsoft.com/office/powerpoint/2010/main" val="3693994459"/>
+              </p:ext>
+            </p:extLst>
+          </p:nvPr>
+        </p:nvGraphicFramePr>
+        <p:xfrm>
+          <a:off x="4252686" y="128682"/>
+          <a:ext cx="7811800" cy="741680"/>
+        </p:xfrm>
+        <a:graphic>
+          <a:graphicData uri="http://schemas.openxmlformats.org/drawingml/2006/table">
+            <a:tbl>
+              <a:tblPr firstRow="1" bandRow="1">
+                <a:tableStyleId>{5C22544A-7EE6-4342-B048-85BDC9FD1C3A}</a:tableStyleId>
+              </a:tblPr>
+              <a:tblGrid>
+                <a:gridCol w="781180">
+                  <a:extLst>
+                    <a:ext uri="{9D8B030D-6E8A-4147-A177-3AD203B41FA5}">
+                      <a16:colId xmlns:a16="http://schemas.microsoft.com/office/drawing/2014/main" val="704808867"/>
+                    </a:ext>
+                  </a:extLst>
+                </a:gridCol>
+                <a:gridCol w="781180">
+                  <a:extLst>
+                    <a:ext uri="{9D8B030D-6E8A-4147-A177-3AD203B41FA5}">
+                      <a16:colId xmlns:a16="http://schemas.microsoft.com/office/drawing/2014/main" val="1841891237"/>
+                    </a:ext>
+                  </a:extLst>
+                </a:gridCol>
+                <a:gridCol w="781180">
+                  <a:extLst>
+                    <a:ext uri="{9D8B030D-6E8A-4147-A177-3AD203B41FA5}">
+                      <a16:colId xmlns:a16="http://schemas.microsoft.com/office/drawing/2014/main" val="3379199253"/>
+                    </a:ext>
+                  </a:extLst>
+                </a:gridCol>
+                <a:gridCol w="781180">
+                  <a:extLst>
+                    <a:ext uri="{9D8B030D-6E8A-4147-A177-3AD203B41FA5}">
+                      <a16:colId xmlns:a16="http://schemas.microsoft.com/office/drawing/2014/main" val="1737101077"/>
+                    </a:ext>
+                  </a:extLst>
+                </a:gridCol>
+                <a:gridCol w="781180">
+                  <a:extLst>
+                    <a:ext uri="{9D8B030D-6E8A-4147-A177-3AD203B41FA5}">
+                      <a16:colId xmlns:a16="http://schemas.microsoft.com/office/drawing/2014/main" val="3577846329"/>
+                    </a:ext>
+                  </a:extLst>
+                </a:gridCol>
+                <a:gridCol w="781180">
+                  <a:extLst>
+                    <a:ext uri="{9D8B030D-6E8A-4147-A177-3AD203B41FA5}">
+                      <a16:colId xmlns:a16="http://schemas.microsoft.com/office/drawing/2014/main" val="2856441666"/>
+                    </a:ext>
+                  </a:extLst>
+                </a:gridCol>
+                <a:gridCol w="781180">
+                  <a:extLst>
+                    <a:ext uri="{9D8B030D-6E8A-4147-A177-3AD203B41FA5}">
+                      <a16:colId xmlns:a16="http://schemas.microsoft.com/office/drawing/2014/main" val="1961552600"/>
+                    </a:ext>
+                  </a:extLst>
+                </a:gridCol>
+                <a:gridCol w="781180">
+                  <a:extLst>
+                    <a:ext uri="{9D8B030D-6E8A-4147-A177-3AD203B41FA5}">
+                      <a16:colId xmlns:a16="http://schemas.microsoft.com/office/drawing/2014/main" val="3634133820"/>
+                    </a:ext>
+                  </a:extLst>
+                </a:gridCol>
+                <a:gridCol w="781180">
+                  <a:extLst>
+                    <a:ext uri="{9D8B030D-6E8A-4147-A177-3AD203B41FA5}">
+                      <a16:colId xmlns:a16="http://schemas.microsoft.com/office/drawing/2014/main" val="3558929721"/>
+                    </a:ext>
+                  </a:extLst>
+                </a:gridCol>
+                <a:gridCol w="781180">
+                  <a:extLst>
+                    <a:ext uri="{9D8B030D-6E8A-4147-A177-3AD203B41FA5}">
+                      <a16:colId xmlns:a16="http://schemas.microsoft.com/office/drawing/2014/main" val="1991681335"/>
+                    </a:ext>
+                  </a:extLst>
+                </a:gridCol>
+              </a:tblGrid>
+              <a:tr h="370840">
+                <a:tc>
+                  <a:txBody>
+                    <a:bodyPr/>
+                    <a:lstStyle/>
+                    <a:p>
+                      <a:endParaRPr lang="en-US"/>
+                    </a:p>
+                  </a:txBody>
+                  <a:tcPr/>
+                </a:tc>
+                <a:tc>
+                  <a:txBody>
+                    <a:bodyPr/>
+                    <a:lstStyle/>
+                    <a:p>
+                      <a:endParaRPr lang="en-US"/>
+                    </a:p>
+                  </a:txBody>
+                  <a:tcPr/>
+                </a:tc>
+                <a:tc>
+                  <a:txBody>
+                    <a:bodyPr/>
+                    <a:lstStyle/>
+                    <a:p>
+                      <a:endParaRPr lang="en-US"/>
+                    </a:p>
+                  </a:txBody>
+                  <a:tcPr/>
+                </a:tc>
+                <a:tc>
+                  <a:txBody>
+                    <a:bodyPr/>
+                    <a:lstStyle/>
+                    <a:p>
+                      <a:endParaRPr lang="en-US"/>
+                    </a:p>
+                  </a:txBody>
+                  <a:tcPr/>
+                </a:tc>
+                <a:tc>
+                  <a:txBody>
+                    <a:bodyPr/>
+                    <a:lstStyle/>
+                    <a:p>
+                      <a:endParaRPr lang="en-US"/>
+                    </a:p>
+                  </a:txBody>
+                  <a:tcPr/>
+                </a:tc>
+                <a:tc>
+                  <a:txBody>
+                    <a:bodyPr/>
+                    <a:lstStyle/>
+                    <a:p>
+                      <a:endParaRPr lang="en-US"/>
+                    </a:p>
+                  </a:txBody>
+                  <a:tcPr/>
+                </a:tc>
+                <a:tc>
+                  <a:txBody>
+                    <a:bodyPr/>
+                    <a:lstStyle/>
+                    <a:p>
+                      <a:endParaRPr lang="en-US"/>
+                    </a:p>
+                  </a:txBody>
+                  <a:tcPr/>
+                </a:tc>
+                <a:tc>
+                  <a:txBody>
+                    <a:bodyPr/>
+                    <a:lstStyle/>
+                    <a:p>
+                      <a:endParaRPr lang="en-US"/>
+                    </a:p>
+                  </a:txBody>
+                  <a:tcPr/>
+                </a:tc>
+                <a:tc>
+                  <a:txBody>
+                    <a:bodyPr/>
+                    <a:lstStyle/>
+                    <a:p>
+                      <a:endParaRPr lang="en-US"/>
+                    </a:p>
+                  </a:txBody>
+                  <a:tcPr/>
+                </a:tc>
+                <a:tc>
+                  <a:txBody>
+                    <a:bodyPr/>
+                    <a:lstStyle/>
+                    <a:p>
+                      <a:endParaRPr lang="en-US"/>
+                    </a:p>
+                  </a:txBody>
+                  <a:tcPr/>
+                </a:tc>
+                <a:extLst>
+                  <a:ext uri="{0D108BD9-81ED-4DB2-BD59-A6C34878D82A}">
+                    <a16:rowId xmlns:a16="http://schemas.microsoft.com/office/drawing/2014/main" val="3191821811"/>
+                  </a:ext>
+                </a:extLst>
+              </a:tr>
+              <a:tr h="370840">
+                <a:tc>
+                  <a:txBody>
+                    <a:bodyPr/>
+                    <a:lstStyle/>
+                    <a:p>
+                      <a:endParaRPr lang="en-US"/>
+                    </a:p>
+                  </a:txBody>
+                  <a:tcPr/>
+                </a:tc>
+                <a:tc>
+                  <a:txBody>
+                    <a:bodyPr/>
+                    <a:lstStyle/>
+                    <a:p>
+                      <a:endParaRPr lang="en-US"/>
+                    </a:p>
+                  </a:txBody>
+                  <a:tcPr/>
+                </a:tc>
+                <a:tc>
+                  <a:txBody>
+                    <a:bodyPr/>
+                    <a:lstStyle/>
+                    <a:p>
+                      <a:endParaRPr lang="en-US"/>
+                    </a:p>
+                  </a:txBody>
+                  <a:tcPr/>
+                </a:tc>
+                <a:tc>
+                  <a:txBody>
+                    <a:bodyPr/>
+                    <a:lstStyle/>
+                    <a:p>
+                      <a:endParaRPr lang="en-US"/>
+                    </a:p>
+                  </a:txBody>
+                  <a:tcPr/>
+                </a:tc>
+                <a:tc>
+                  <a:txBody>
+                    <a:bodyPr/>
+                    <a:lstStyle/>
+                    <a:p>
+                      <a:endParaRPr lang="en-US"/>
+                    </a:p>
+                  </a:txBody>
+                  <a:tcPr/>
+                </a:tc>
+                <a:tc>
+                  <a:txBody>
+                    <a:bodyPr/>
+                    <a:lstStyle/>
+                    <a:p>
+                      <a:endParaRPr lang="en-US"/>
+                    </a:p>
+                  </a:txBody>
+                  <a:tcPr/>
+                </a:tc>
+                <a:tc>
+                  <a:txBody>
+                    <a:bodyPr/>
+                    <a:lstStyle/>
+                    <a:p>
+                      <a:endParaRPr lang="en-US"/>
+                    </a:p>
+                  </a:txBody>
+                  <a:tcPr/>
+                </a:tc>
+                <a:tc>
+                  <a:txBody>
+                    <a:bodyPr/>
+                    <a:lstStyle/>
+                    <a:p>
+                      <a:endParaRPr lang="en-US"/>
+                    </a:p>
+                  </a:txBody>
+                  <a:tcPr/>
+                </a:tc>
+                <a:tc>
+                  <a:txBody>
+                    <a:bodyPr/>
+                    <a:lstStyle/>
+                    <a:p>
+                      <a:endParaRPr lang="en-US" dirty="0"/>
+                    </a:p>
+                  </a:txBody>
+                  <a:tcPr/>
+                </a:tc>
+                <a:tc>
+                  <a:txBody>
+                    <a:bodyPr/>
+                    <a:lstStyle/>
+                    <a:p>
+                      <a:endParaRPr lang="en-US" dirty="0"/>
+                    </a:p>
+                  </a:txBody>
+                  <a:tcPr/>
+                </a:tc>
+                <a:extLst>
+                  <a:ext uri="{0D108BD9-81ED-4DB2-BD59-A6C34878D82A}">
+                    <a16:rowId xmlns:a16="http://schemas.microsoft.com/office/drawing/2014/main" val="300702100"/>
+                  </a:ext>
+                </a:extLst>
+              </a:tr>
+            </a:tbl>
+          </a:graphicData>
+        </a:graphic>
+      </p:graphicFrame>
+      <p:cxnSp>
+        <p:nvCxnSpPr>
+          <p:cNvPr id="29" name="Connector: Elbow 28">
+            <a:extLst>
+              <a:ext uri="{FF2B5EF4-FFF2-40B4-BE49-F238E27FC236}">
+                <a16:creationId xmlns:a16="http://schemas.microsoft.com/office/drawing/2014/main" id="{8200A30D-F8AD-2C57-61D8-AF352B84AD1D}"/>
+              </a:ext>
+            </a:extLst>
+          </p:cNvPr>
+          <p:cNvCxnSpPr>
+            <a:cxnSpLocks/>
+            <a:stCxn id="3" idx="0"/>
+            <a:endCxn id="24" idx="2"/>
+          </p:cNvCxnSpPr>
+          <p:nvPr/>
+        </p:nvCxnSpPr>
+        <p:spPr>
+          <a:xfrm rot="16200000" flipV="1">
+            <a:off x="5979380" y="3049569"/>
+            <a:ext cx="4364111" cy="5698"/>
+          </a:xfrm>
+          <a:prstGeom prst="bentConnector3">
+            <a:avLst/>
+          </a:prstGeom>
+          <a:ln>
+            <a:headEnd type="triangle"/>
+            <a:tailEnd type="triangle"/>
+          </a:ln>
+        </p:spPr>
+        <p:style>
+          <a:lnRef idx="1">
+            <a:schemeClr val="accent1"/>
+          </a:lnRef>
+          <a:fillRef idx="0">
+            <a:schemeClr val="accent1"/>
+          </a:fillRef>
+          <a:effectRef idx="0">
+            <a:schemeClr val="accent1"/>
+          </a:effectRef>
+          <a:fontRef idx="minor">
+            <a:schemeClr val="tx1"/>
+          </a:fontRef>
+        </p:style>
+      </p:cxnSp>
+      <p:cxnSp>
+        <p:nvCxnSpPr>
+          <p:cNvPr id="31" name="Connector: Elbow 30">
+            <a:extLst>
+              <a:ext uri="{FF2B5EF4-FFF2-40B4-BE49-F238E27FC236}">
+                <a16:creationId xmlns:a16="http://schemas.microsoft.com/office/drawing/2014/main" id="{225AC0D3-4558-964B-CC25-1381378D073B}"/>
+              </a:ext>
+            </a:extLst>
+          </p:cNvPr>
+          <p:cNvCxnSpPr>
+            <a:cxnSpLocks/>
+            <a:stCxn id="2" idx="3"/>
+            <a:endCxn id="24" idx="2"/>
+          </p:cNvCxnSpPr>
+          <p:nvPr/>
+        </p:nvCxnSpPr>
+        <p:spPr>
+          <a:xfrm flipH="1" flipV="1">
+            <a:off x="8158586" y="870362"/>
+            <a:ext cx="2613606" cy="1910162"/>
+          </a:xfrm>
+          <a:prstGeom prst="bentConnector4">
+            <a:avLst>
+              <a:gd name="adj1" fmla="val -8747"/>
+              <a:gd name="adj2" fmla="val 71249"/>
+            </a:avLst>
+          </a:prstGeom>
+          <a:ln>
+            <a:headEnd type="triangle"/>
+            <a:tailEnd type="triangle"/>
+          </a:ln>
+        </p:spPr>
+        <p:style>
+          <a:lnRef idx="1">
+            <a:schemeClr val="accent1"/>
+          </a:lnRef>
+          <a:fillRef idx="0">
+            <a:schemeClr val="accent1"/>
+          </a:fillRef>
+          <a:effectRef idx="0">
+            <a:schemeClr val="accent1"/>
+          </a:effectRef>
+          <a:fontRef idx="minor">
+            <a:schemeClr val="tx1"/>
+          </a:fontRef>
+        </p:style>
+      </p:cxnSp>
+    </p:spTree>
+    <p:extLst>
+      <p:ext uri="{BB962C8B-B14F-4D97-AF65-F5344CB8AC3E}">
+        <p14:creationId xmlns:p14="http://schemas.microsoft.com/office/powerpoint/2010/main" val="3053846168"/>
+      </p:ext>
+    </p:extLst>
+  </p:cSld>
+  <p:clrMapOvr>
+    <a:masterClrMapping/>
+  </p:clrMapOvr>
+</p:sld>
+</file>
+
+<file path=ppt/slides/slide9.xml><?xml version="1.0" encoding="utf-8"?>
+<p:sld xmlns:a="http://schemas.openxmlformats.org/drawingml/2006/main" xmlns:r="http://schemas.openxmlformats.org/officeDocument/2006/relationships" xmlns:p="http://schemas.openxmlformats.org/presentationml/2006/main">
+  <p:cSld>
+    <p:spTree>
+      <p:nvGrpSpPr>
+        <p:cNvPr id="1" name=""/>
+        <p:cNvGrpSpPr/>
+        <p:nvPr/>
+      </p:nvGrpSpPr>
+      <p:grpSpPr>
+        <a:xfrm>
+          <a:off x="0" y="0"/>
+          <a:ext cx="0" cy="0"/>
+          <a:chOff x="0" y="0"/>
+          <a:chExt cx="0" cy="0"/>
+        </a:xfrm>
+      </p:grpSpPr>
+      <p:sp>
+        <p:nvSpPr>
+          <p:cNvPr id="2" name="TextBox 1">
+            <a:extLst>
+              <a:ext uri="{FF2B5EF4-FFF2-40B4-BE49-F238E27FC236}">
+                <a16:creationId xmlns:a16="http://schemas.microsoft.com/office/drawing/2014/main" id="{1131B458-D7C6-6DB2-B907-8A7EDCBC9A85}"/>
+              </a:ext>
+            </a:extLst>
+          </p:cNvPr>
+          <p:cNvSpPr txBox="1"/>
+          <p:nvPr/>
+        </p:nvSpPr>
+        <p:spPr>
+          <a:xfrm>
+            <a:off x="83976" y="233265"/>
+            <a:ext cx="3844212" cy="369332"/>
+          </a:xfrm>
+          <a:prstGeom prst="rect">
+            <a:avLst/>
+          </a:prstGeom>
+          <a:noFill/>
+        </p:spPr>
+        <p:txBody>
+          <a:bodyPr wrap="square" rtlCol="0">
+            <a:spAutoFit/>
+          </a:bodyPr>
+          <a:lstStyle/>
+          <a:p>
+            <a:r>
+              <a:rPr lang="en-US" dirty="0"/>
+              <a:t>Cohesive Design</a:t>
+            </a:r>
+          </a:p>
+        </p:txBody>
+      </p:sp>
+      <p:sp>
+        <p:nvSpPr>
+          <p:cNvPr id="3" name="Rectangle 2">
+            <a:extLst>
+              <a:ext uri="{FF2B5EF4-FFF2-40B4-BE49-F238E27FC236}">
+                <a16:creationId xmlns:a16="http://schemas.microsoft.com/office/drawing/2014/main" id="{B612427F-A4B7-A0FB-AAE2-9A59C83F5C3B}"/>
+              </a:ext>
+            </a:extLst>
+          </p:cNvPr>
+          <p:cNvSpPr/>
+          <p:nvPr/>
+        </p:nvSpPr>
+        <p:spPr>
+          <a:xfrm>
+            <a:off x="5439747" y="345233"/>
+            <a:ext cx="4189445" cy="6410130"/>
+          </a:xfrm>
+          <a:prstGeom prst="rect">
+            <a:avLst/>
+          </a:prstGeom>
+        </p:spPr>
+        <p:style>
+          <a:lnRef idx="2">
+            <a:schemeClr val="accent6"/>
+          </a:lnRef>
+          <a:fillRef idx="1">
+            <a:schemeClr val="lt1"/>
+          </a:fillRef>
+          <a:effectRef idx="0">
+            <a:schemeClr val="accent6"/>
+          </a:effectRef>
+          <a:fontRef idx="minor">
+            <a:schemeClr val="dk1"/>
+          </a:fontRef>
+        </p:style>
+        <p:txBody>
+          <a:bodyPr rtlCol="0" anchor="ctr"/>
+          <a:lstStyle/>
+          <a:p>
+            <a:pPr algn="ctr"/>
+            <a:endParaRPr lang="en-US"/>
+          </a:p>
+        </p:txBody>
+      </p:sp>
+      <p:sp>
+        <p:nvSpPr>
+          <p:cNvPr id="4" name="TextBox 3">
+            <a:extLst>
+              <a:ext uri="{FF2B5EF4-FFF2-40B4-BE49-F238E27FC236}">
+                <a16:creationId xmlns:a16="http://schemas.microsoft.com/office/drawing/2014/main" id="{F28127CF-1F27-52D3-AE37-CBC0E6085DC0}"/>
+              </a:ext>
+            </a:extLst>
+          </p:cNvPr>
+          <p:cNvSpPr txBox="1"/>
+          <p:nvPr/>
+        </p:nvSpPr>
+        <p:spPr>
+          <a:xfrm>
+            <a:off x="5542384" y="513184"/>
+            <a:ext cx="4040155" cy="369332"/>
+          </a:xfrm>
+          <a:prstGeom prst="rect">
+            <a:avLst/>
+          </a:prstGeom>
+          <a:noFill/>
+        </p:spPr>
+        <p:txBody>
+          <a:bodyPr wrap="square" rtlCol="0">
+            <a:spAutoFit/>
+          </a:bodyPr>
+          <a:lstStyle/>
+          <a:p>
+            <a:pPr algn="ctr"/>
+            <a:r>
+              <a:rPr lang="en-US" dirty="0"/>
+              <a:t>Namespace</a:t>
+            </a:r>
+          </a:p>
+        </p:txBody>
+      </p:sp>
+      <p:sp>
+        <p:nvSpPr>
+          <p:cNvPr id="5" name="TextBox 4">
+            <a:extLst>
+              <a:ext uri="{FF2B5EF4-FFF2-40B4-BE49-F238E27FC236}">
+                <a16:creationId xmlns:a16="http://schemas.microsoft.com/office/drawing/2014/main" id="{9DE30C4C-78F0-E804-54AA-7703897A2AFF}"/>
+              </a:ext>
+            </a:extLst>
+          </p:cNvPr>
+          <p:cNvSpPr txBox="1"/>
+          <p:nvPr/>
+        </p:nvSpPr>
+        <p:spPr>
+          <a:xfrm>
+            <a:off x="9834465" y="602597"/>
+            <a:ext cx="2090057" cy="923330"/>
+          </a:xfrm>
+          <a:prstGeom prst="rect">
+            <a:avLst/>
+          </a:prstGeom>
+          <a:noFill/>
+        </p:spPr>
+        <p:txBody>
+          <a:bodyPr wrap="square" rtlCol="0">
+            <a:spAutoFit/>
+          </a:bodyPr>
+          <a:lstStyle/>
+          <a:p>
+            <a:r>
+              <a:rPr lang="en-US" dirty="0"/>
+              <a:t>Classes on for File Operations aka Stream</a:t>
+            </a:r>
+          </a:p>
+        </p:txBody>
+      </p:sp>
+      <p:sp>
+        <p:nvSpPr>
+          <p:cNvPr id="6" name="Rectangle 5">
+            <a:extLst>
+              <a:ext uri="{FF2B5EF4-FFF2-40B4-BE49-F238E27FC236}">
+                <a16:creationId xmlns:a16="http://schemas.microsoft.com/office/drawing/2014/main" id="{5F52976B-267D-1B97-CD13-19242B0122E8}"/>
+              </a:ext>
+            </a:extLst>
+          </p:cNvPr>
+          <p:cNvSpPr/>
+          <p:nvPr/>
+        </p:nvSpPr>
+        <p:spPr>
+          <a:xfrm>
+            <a:off x="5645020" y="1166327"/>
+            <a:ext cx="3937519" cy="466530"/>
+          </a:xfrm>
+          <a:prstGeom prst="rect">
+            <a:avLst/>
+          </a:prstGeom>
+        </p:spPr>
+        <p:style>
+          <a:lnRef idx="2">
+            <a:schemeClr val="accent6"/>
+          </a:lnRef>
+          <a:fillRef idx="1">
+            <a:schemeClr val="lt1"/>
+          </a:fillRef>
+          <a:effectRef idx="0">
+            <a:schemeClr val="accent6"/>
+          </a:effectRef>
+          <a:fontRef idx="minor">
+            <a:schemeClr val="dk1"/>
+          </a:fontRef>
+        </p:style>
+        <p:txBody>
+          <a:bodyPr rtlCol="0" anchor="ctr"/>
+          <a:lstStyle/>
+          <a:p>
+            <a:pPr algn="ctr"/>
+            <a:r>
+              <a:rPr lang="en-US" dirty="0"/>
+              <a:t>abstract class Stream {…}</a:t>
+            </a:r>
+          </a:p>
+        </p:txBody>
+      </p:sp>
+      <p:sp>
+        <p:nvSpPr>
+          <p:cNvPr id="7" name="Rectangle 6">
+            <a:extLst>
+              <a:ext uri="{FF2B5EF4-FFF2-40B4-BE49-F238E27FC236}">
+                <a16:creationId xmlns:a16="http://schemas.microsoft.com/office/drawing/2014/main" id="{75DA05B6-862F-53B7-374F-8AE5EBDE6DEE}"/>
+              </a:ext>
+            </a:extLst>
+          </p:cNvPr>
+          <p:cNvSpPr/>
+          <p:nvPr/>
+        </p:nvSpPr>
+        <p:spPr>
+          <a:xfrm>
+            <a:off x="5645020" y="2248678"/>
+            <a:ext cx="1828800" cy="373224"/>
+          </a:xfrm>
+          <a:prstGeom prst="rect">
+            <a:avLst/>
+          </a:prstGeom>
+        </p:spPr>
+        <p:style>
+          <a:lnRef idx="2">
+            <a:schemeClr val="accent1">
+              <a:shade val="15000"/>
+            </a:schemeClr>
+          </a:lnRef>
+          <a:fillRef idx="1">
+            <a:schemeClr val="accent1"/>
+          </a:fillRef>
+          <a:effectRef idx="0">
+            <a:schemeClr val="accent1"/>
+          </a:effectRef>
+          <a:fontRef idx="minor">
+            <a:schemeClr val="lt1"/>
+          </a:fontRef>
+        </p:style>
+        <p:txBody>
+          <a:bodyPr rtlCol="0" anchor="ctr"/>
+          <a:lstStyle/>
+          <a:p>
+            <a:pPr algn="ctr"/>
+            <a:r>
+              <a:rPr lang="en-US" dirty="0"/>
+              <a:t>MemoryStream</a:t>
+            </a:r>
+            <a:r>
+              <a:rPr lang="en-US" sz="1800" dirty="0">
+                <a:solidFill>
+                  <a:srgbClr val="000000"/>
+                </a:solidFill>
+                <a:latin typeface="Cascadia Mono" panose="020B0609020000020004" pitchFamily="49" charset="0"/>
+              </a:rPr>
+              <a:t> </a:t>
+            </a:r>
+            <a:endParaRPr lang="en-US" dirty="0"/>
+          </a:p>
+        </p:txBody>
+      </p:sp>
+      <p:cxnSp>
+        <p:nvCxnSpPr>
+          <p:cNvPr id="14" name="Connector: Elbow 13">
+            <a:extLst>
+              <a:ext uri="{FF2B5EF4-FFF2-40B4-BE49-F238E27FC236}">
+                <a16:creationId xmlns:a16="http://schemas.microsoft.com/office/drawing/2014/main" id="{63EC4ED2-E0AE-3671-8F6A-91FE3BD365B1}"/>
+              </a:ext>
+            </a:extLst>
+          </p:cNvPr>
+          <p:cNvCxnSpPr>
+            <a:stCxn id="7" idx="3"/>
+            <a:endCxn id="6" idx="2"/>
+          </p:cNvCxnSpPr>
+          <p:nvPr/>
+        </p:nvCxnSpPr>
+        <p:spPr>
+          <a:xfrm flipV="1">
+            <a:off x="7473820" y="1632857"/>
+            <a:ext cx="139960" cy="802433"/>
+          </a:xfrm>
+          <a:prstGeom prst="bentConnector2">
+            <a:avLst/>
+          </a:prstGeom>
+          <a:ln>
+            <a:tailEnd type="triangle"/>
+          </a:ln>
+        </p:spPr>
+        <p:style>
+          <a:lnRef idx="1">
+            <a:schemeClr val="accent1"/>
+          </a:lnRef>
+          <a:fillRef idx="0">
+            <a:schemeClr val="accent1"/>
+          </a:fillRef>
+          <a:effectRef idx="0">
+            <a:schemeClr val="accent1"/>
+          </a:effectRef>
+          <a:fontRef idx="minor">
+            <a:schemeClr val="tx1"/>
+          </a:fontRef>
+        </p:style>
+      </p:cxnSp>
+      <p:sp>
+        <p:nvSpPr>
+          <p:cNvPr id="15" name="Rectangle 14">
+            <a:extLst>
+              <a:ext uri="{FF2B5EF4-FFF2-40B4-BE49-F238E27FC236}">
+                <a16:creationId xmlns:a16="http://schemas.microsoft.com/office/drawing/2014/main" id="{EC5C6406-EE4E-1BD4-BFBF-22AFAEEA7C88}"/>
+              </a:ext>
+            </a:extLst>
+          </p:cNvPr>
+          <p:cNvSpPr/>
+          <p:nvPr/>
+        </p:nvSpPr>
+        <p:spPr>
+          <a:xfrm>
+            <a:off x="7299647" y="2929812"/>
+            <a:ext cx="2142931" cy="373224"/>
+          </a:xfrm>
+          <a:prstGeom prst="rect">
+            <a:avLst/>
+          </a:prstGeom>
+        </p:spPr>
+        <p:style>
+          <a:lnRef idx="2">
+            <a:schemeClr val="accent1">
+              <a:shade val="15000"/>
+            </a:schemeClr>
+          </a:lnRef>
+          <a:fillRef idx="1">
+            <a:schemeClr val="accent1"/>
+          </a:fillRef>
+          <a:effectRef idx="0">
+            <a:schemeClr val="accent1"/>
+          </a:effectRef>
+          <a:fontRef idx="minor">
+            <a:schemeClr val="lt1"/>
+          </a:fontRef>
+        </p:style>
+        <p:txBody>
+          <a:bodyPr rtlCol="0" anchor="ctr"/>
+          <a:lstStyle/>
+          <a:p>
+            <a:pPr algn="ctr"/>
+            <a:r>
+              <a:rPr lang="en-US" dirty="0" err="1"/>
+              <a:t>NetworkStream</a:t>
+            </a:r>
+            <a:r>
+              <a:rPr lang="en-US" sz="1800" dirty="0">
+                <a:solidFill>
+                  <a:srgbClr val="000000"/>
+                </a:solidFill>
+                <a:latin typeface="Cascadia Mono" panose="020B0609020000020004" pitchFamily="49" charset="0"/>
+              </a:rPr>
+              <a:t> </a:t>
+            </a:r>
+            <a:endParaRPr lang="en-US" dirty="0"/>
+          </a:p>
+        </p:txBody>
+      </p:sp>
+      <p:cxnSp>
+        <p:nvCxnSpPr>
+          <p:cNvPr id="17" name="Connector: Elbow 16">
+            <a:extLst>
+              <a:ext uri="{FF2B5EF4-FFF2-40B4-BE49-F238E27FC236}">
+                <a16:creationId xmlns:a16="http://schemas.microsoft.com/office/drawing/2014/main" id="{6D479C6F-2263-6D24-EF75-D3F02A6AF936}"/>
+              </a:ext>
+            </a:extLst>
+          </p:cNvPr>
+          <p:cNvCxnSpPr/>
+          <p:nvPr/>
+        </p:nvCxnSpPr>
+        <p:spPr>
+          <a:xfrm rot="16200000" flipV="1">
+            <a:off x="7361854" y="1884783"/>
+            <a:ext cx="1268963" cy="765111"/>
+          </a:xfrm>
+          <a:prstGeom prst="bentConnector3">
+            <a:avLst/>
+          </a:prstGeom>
+          <a:ln>
+            <a:tailEnd type="triangle"/>
+          </a:ln>
+        </p:spPr>
+        <p:style>
+          <a:lnRef idx="1">
+            <a:schemeClr val="accent1"/>
+          </a:lnRef>
+          <a:fillRef idx="0">
+            <a:schemeClr val="accent1"/>
+          </a:fillRef>
+          <a:effectRef idx="0">
+            <a:schemeClr val="accent1"/>
+          </a:effectRef>
+          <a:fontRef idx="minor">
+            <a:schemeClr val="tx1"/>
+          </a:fontRef>
+        </p:style>
+      </p:cxnSp>
+      <p:sp>
+        <p:nvSpPr>
+          <p:cNvPr id="18" name="Rectangle 17">
+            <a:extLst>
+              <a:ext uri="{FF2B5EF4-FFF2-40B4-BE49-F238E27FC236}">
+                <a16:creationId xmlns:a16="http://schemas.microsoft.com/office/drawing/2014/main" id="{9B7CF250-1605-7590-9D1F-2D9B49AE85A3}"/>
+              </a:ext>
+            </a:extLst>
+          </p:cNvPr>
+          <p:cNvSpPr/>
+          <p:nvPr/>
+        </p:nvSpPr>
+        <p:spPr>
+          <a:xfrm>
+            <a:off x="5645020" y="3820886"/>
+            <a:ext cx="1828800" cy="373224"/>
+          </a:xfrm>
+          <a:prstGeom prst="rect">
+            <a:avLst/>
+          </a:prstGeom>
+        </p:spPr>
+        <p:style>
+          <a:lnRef idx="2">
+            <a:schemeClr val="accent1">
+              <a:shade val="15000"/>
+            </a:schemeClr>
+          </a:lnRef>
+          <a:fillRef idx="1">
+            <a:schemeClr val="accent1"/>
+          </a:fillRef>
+          <a:effectRef idx="0">
+            <a:schemeClr val="accent1"/>
+          </a:effectRef>
+          <a:fontRef idx="minor">
+            <a:schemeClr val="lt1"/>
+          </a:fontRef>
+        </p:style>
+        <p:txBody>
+          <a:bodyPr rtlCol="0" anchor="ctr"/>
+          <a:lstStyle/>
+          <a:p>
+            <a:pPr algn="ctr"/>
+            <a:r>
+              <a:rPr lang="en-US" dirty="0"/>
+              <a:t>FileStream</a:t>
+            </a:r>
+            <a:r>
+              <a:rPr lang="en-US" sz="1800" dirty="0">
+                <a:solidFill>
+                  <a:srgbClr val="000000"/>
+                </a:solidFill>
+                <a:latin typeface="Cascadia Mono" panose="020B0609020000020004" pitchFamily="49" charset="0"/>
+              </a:rPr>
+              <a:t> </a:t>
+            </a:r>
+            <a:endParaRPr lang="en-US" dirty="0"/>
+          </a:p>
+        </p:txBody>
+      </p:sp>
+      <p:cxnSp>
+        <p:nvCxnSpPr>
+          <p:cNvPr id="20" name="Connector: Elbow 19">
+            <a:extLst>
+              <a:ext uri="{FF2B5EF4-FFF2-40B4-BE49-F238E27FC236}">
+                <a16:creationId xmlns:a16="http://schemas.microsoft.com/office/drawing/2014/main" id="{2818DC09-E64F-FF79-85EC-8335419D0D2E}"/>
+              </a:ext>
+            </a:extLst>
+          </p:cNvPr>
+          <p:cNvCxnSpPr>
+            <a:stCxn id="18" idx="0"/>
+            <a:endCxn id="6" idx="2"/>
+          </p:cNvCxnSpPr>
+          <p:nvPr/>
+        </p:nvCxnSpPr>
+        <p:spPr>
+          <a:xfrm rot="5400000" flipH="1" flipV="1">
+            <a:off x="5992586" y="2199692"/>
+            <a:ext cx="2188029" cy="1054360"/>
+          </a:xfrm>
+          <a:prstGeom prst="bentConnector3">
+            <a:avLst/>
+          </a:prstGeom>
+          <a:ln>
+            <a:tailEnd type="triangle"/>
+          </a:ln>
+        </p:spPr>
+        <p:style>
+          <a:lnRef idx="1">
+            <a:schemeClr val="accent1"/>
+          </a:lnRef>
+          <a:fillRef idx="0">
+            <a:schemeClr val="accent1"/>
+          </a:fillRef>
+          <a:effectRef idx="0">
+            <a:schemeClr val="accent1"/>
+          </a:effectRef>
+          <a:fontRef idx="minor">
+            <a:schemeClr val="tx1"/>
+          </a:fontRef>
+        </p:style>
+      </p:cxnSp>
+      <p:sp>
+        <p:nvSpPr>
+          <p:cNvPr id="21" name="TextBox 20">
+            <a:extLst>
+              <a:ext uri="{FF2B5EF4-FFF2-40B4-BE49-F238E27FC236}">
+                <a16:creationId xmlns:a16="http://schemas.microsoft.com/office/drawing/2014/main" id="{EE86F391-E6F5-3CD6-E825-F362895DDC1B}"/>
+              </a:ext>
+            </a:extLst>
+          </p:cNvPr>
+          <p:cNvSpPr txBox="1"/>
+          <p:nvPr/>
+        </p:nvSpPr>
+        <p:spPr>
+          <a:xfrm>
+            <a:off x="261257" y="1693506"/>
+            <a:ext cx="4833257" cy="1477328"/>
+          </a:xfrm>
+          <a:prstGeom prst="rect">
+            <a:avLst/>
+          </a:prstGeom>
+          <a:noFill/>
+        </p:spPr>
+        <p:txBody>
+          <a:bodyPr wrap="square" rtlCol="0">
+            <a:spAutoFit/>
+          </a:bodyPr>
+          <a:lstStyle/>
+          <a:p>
+            <a:r>
+              <a:rPr lang="en-US" dirty="0"/>
+              <a:t>Stream </a:t>
+            </a:r>
+            <a:r>
+              <a:rPr lang="en-US" dirty="0" err="1"/>
+              <a:t>stream</a:t>
+            </a:r>
+            <a:r>
+              <a:rPr lang="en-US" dirty="0"/>
+              <a:t> = new MemoryStream();</a:t>
+            </a:r>
+          </a:p>
+          <a:p>
+            <a:endParaRPr lang="en-US" dirty="0"/>
+          </a:p>
+          <a:p>
+            <a:r>
+              <a:rPr lang="en-US" dirty="0"/>
+              <a:t>Stream </a:t>
+            </a:r>
+            <a:r>
+              <a:rPr lang="en-US" dirty="0" err="1"/>
+              <a:t>stream</a:t>
+            </a:r>
+            <a:r>
+              <a:rPr lang="en-US" dirty="0"/>
+              <a:t> = new FileStream();</a:t>
+            </a:r>
+          </a:p>
+          <a:p>
+            <a:endParaRPr lang="en-US" dirty="0"/>
+          </a:p>
+          <a:p>
+            <a:r>
+              <a:rPr lang="en-US" dirty="0"/>
+              <a:t>Stream </a:t>
+            </a:r>
+            <a:r>
+              <a:rPr lang="en-US" dirty="0" err="1"/>
+              <a:t>stream</a:t>
+            </a:r>
+            <a:r>
+              <a:rPr lang="en-US" dirty="0"/>
+              <a:t> = new </a:t>
+            </a:r>
+            <a:r>
+              <a:rPr lang="en-US" dirty="0" err="1"/>
+              <a:t>NetworkStream</a:t>
+            </a:r>
+            <a:r>
+              <a:rPr lang="en-US" dirty="0"/>
+              <a:t>()</a:t>
+            </a:r>
+          </a:p>
+        </p:txBody>
+      </p:sp>
+      <p:cxnSp>
+        <p:nvCxnSpPr>
+          <p:cNvPr id="23" name="Straight Arrow Connector 22">
+            <a:extLst>
+              <a:ext uri="{FF2B5EF4-FFF2-40B4-BE49-F238E27FC236}">
+                <a16:creationId xmlns:a16="http://schemas.microsoft.com/office/drawing/2014/main" id="{CE03308E-6B66-54C9-3759-E546128698D1}"/>
+              </a:ext>
+            </a:extLst>
+          </p:cNvPr>
+          <p:cNvCxnSpPr>
+            <a:cxnSpLocks/>
+          </p:cNvCxnSpPr>
+          <p:nvPr/>
+        </p:nvCxnSpPr>
+        <p:spPr>
+          <a:xfrm flipV="1">
+            <a:off x="5159829" y="513184"/>
+            <a:ext cx="37322" cy="5486400"/>
+          </a:xfrm>
+          <a:prstGeom prst="straightConnector1">
+            <a:avLst/>
+          </a:prstGeom>
+          <a:ln>
+            <a:tailEnd type="triangle"/>
+          </a:ln>
+        </p:spPr>
+        <p:style>
+          <a:lnRef idx="1">
+            <a:schemeClr val="accent1"/>
+          </a:lnRef>
+          <a:fillRef idx="0">
+            <a:schemeClr val="accent1"/>
+          </a:fillRef>
+          <a:effectRef idx="0">
+            <a:schemeClr val="accent1"/>
+          </a:effectRef>
+          <a:fontRef idx="minor">
+            <a:schemeClr val="tx1"/>
+          </a:fontRef>
+        </p:style>
+      </p:cxnSp>
+      <p:sp>
+        <p:nvSpPr>
+          <p:cNvPr id="25" name="TextBox 24">
+            <a:extLst>
+              <a:ext uri="{FF2B5EF4-FFF2-40B4-BE49-F238E27FC236}">
+                <a16:creationId xmlns:a16="http://schemas.microsoft.com/office/drawing/2014/main" id="{5A0544CA-F4D2-2044-CCEB-33BFFEB4A87C}"/>
+              </a:ext>
+            </a:extLst>
+          </p:cNvPr>
+          <p:cNvSpPr txBox="1"/>
+          <p:nvPr/>
+        </p:nvSpPr>
+        <p:spPr>
+          <a:xfrm>
+            <a:off x="709127" y="4194110"/>
+            <a:ext cx="3900195" cy="2031325"/>
+          </a:xfrm>
+          <a:prstGeom prst="rect">
+            <a:avLst/>
+          </a:prstGeom>
+          <a:noFill/>
+        </p:spPr>
+        <p:txBody>
+          <a:bodyPr wrap="square" rtlCol="0">
+            <a:spAutoFit/>
+          </a:bodyPr>
+          <a:lstStyle/>
+          <a:p>
+            <a:r>
+              <a:rPr lang="en-US" dirty="0"/>
+              <a:t>In High Cohesive System implement the generalization of the behavior using Abstract base class and derive other specific classes from abstract base class. This also provide a optimized coupling during runtime and help in polymorphic behavior   </a:t>
+            </a:r>
+          </a:p>
+        </p:txBody>
+      </p:sp>
+    </p:spTree>
+    <p:extLst>
+      <p:ext uri="{BB962C8B-B14F-4D97-AF65-F5344CB8AC3E}">
+        <p14:creationId xmlns:p14="http://schemas.microsoft.com/office/powerpoint/2010/main" val="3774566059"/>
+      </p:ext>
+    </p:extLst>
+  </p:cSld>
+  <p:clrMapOvr>
+    <a:masterClrMapping/>
+  </p:clrMapOvr>
+</p:sld>
+</file>
+
 <file path=ppt/theme/theme1.xml><?xml version="1.0" encoding="utf-8"?>
 <a:theme xmlns:a="http://schemas.openxmlformats.org/drawingml/2006/main" name="Office Theme">
   <a:themeElements>

--- a/ppts.pptx
+++ b/ppts.pptx
@@ -15,6 +15,8 @@
     <p:sldId id="263" r:id="rId9"/>
     <p:sldId id="264" r:id="rId10"/>
     <p:sldId id="265" r:id="rId11"/>
+    <p:sldId id="266" r:id="rId12"/>
+    <p:sldId id="267" r:id="rId13"/>
   </p:sldIdLst>
   <p:sldSz cx="12192000" cy="6858000"/>
   <p:notesSz cx="6858000" cy="9144000"/>
@@ -5198,20 +5200,1319 @@
           <a:p>
             <a:r>
               <a:rPr lang="en-US" dirty="0"/>
-              <a:t>Any changes in System 2 for Logger should not required any changes in System 1. In short it must </a:t>
-            </a:r>
-            <a:r>
-              <a:rPr lang="en-US"/>
-              <a:t>be loosely coupled </a:t>
-            </a:r>
-            <a:endParaRPr lang="en-US" dirty="0"/>
-          </a:p>
-        </p:txBody>
-      </p:sp>
+              <a:t>Any changes in System 2 for Logger should not required any changes in System 1. In short it must be loosely coupled </a:t>
+            </a:r>
+          </a:p>
+        </p:txBody>
+      </p:sp>
+      <p:cxnSp>
+        <p:nvCxnSpPr>
+          <p:cNvPr id="21" name="Straight Arrow Connector 20">
+            <a:extLst>
+              <a:ext uri="{FF2B5EF4-FFF2-40B4-BE49-F238E27FC236}">
+                <a16:creationId xmlns:a16="http://schemas.microsoft.com/office/drawing/2014/main" id="{F617383B-D638-573B-CA47-AC4894039615}"/>
+              </a:ext>
+            </a:extLst>
+          </p:cNvPr>
+          <p:cNvCxnSpPr>
+            <a:stCxn id="13" idx="0"/>
+          </p:cNvCxnSpPr>
+          <p:nvPr/>
+        </p:nvCxnSpPr>
+        <p:spPr>
+          <a:xfrm flipH="1" flipV="1">
+            <a:off x="9834465" y="1693133"/>
+            <a:ext cx="622041" cy="2720417"/>
+          </a:xfrm>
+          <a:prstGeom prst="straightConnector1">
+            <a:avLst/>
+          </a:prstGeom>
+          <a:ln>
+            <a:tailEnd type="triangle"/>
+          </a:ln>
+        </p:spPr>
+        <p:style>
+          <a:lnRef idx="1">
+            <a:schemeClr val="accent1"/>
+          </a:lnRef>
+          <a:fillRef idx="0">
+            <a:schemeClr val="accent1"/>
+          </a:fillRef>
+          <a:effectRef idx="0">
+            <a:schemeClr val="accent1"/>
+          </a:effectRef>
+          <a:fontRef idx="minor">
+            <a:schemeClr val="tx1"/>
+          </a:fontRef>
+        </p:style>
+      </p:cxnSp>
+      <p:cxnSp>
+        <p:nvCxnSpPr>
+          <p:cNvPr id="23" name="Straight Arrow Connector 22">
+            <a:extLst>
+              <a:ext uri="{FF2B5EF4-FFF2-40B4-BE49-F238E27FC236}">
+                <a16:creationId xmlns:a16="http://schemas.microsoft.com/office/drawing/2014/main" id="{B44DE07C-D659-8C95-8877-66A859F4BE1C}"/>
+              </a:ext>
+            </a:extLst>
+          </p:cNvPr>
+          <p:cNvCxnSpPr/>
+          <p:nvPr/>
+        </p:nvCxnSpPr>
+        <p:spPr>
+          <a:xfrm flipH="1" flipV="1">
+            <a:off x="9450356" y="1890081"/>
+            <a:ext cx="1006150" cy="3459164"/>
+          </a:xfrm>
+          <a:prstGeom prst="straightConnector1">
+            <a:avLst/>
+          </a:prstGeom>
+          <a:ln>
+            <a:tailEnd type="triangle"/>
+          </a:ln>
+        </p:spPr>
+        <p:style>
+          <a:lnRef idx="1">
+            <a:schemeClr val="accent1"/>
+          </a:lnRef>
+          <a:fillRef idx="0">
+            <a:schemeClr val="accent1"/>
+          </a:fillRef>
+          <a:effectRef idx="0">
+            <a:schemeClr val="accent1"/>
+          </a:effectRef>
+          <a:fontRef idx="minor">
+            <a:schemeClr val="tx1"/>
+          </a:fontRef>
+        </p:style>
+      </p:cxnSp>
+      <p:cxnSp>
+        <p:nvCxnSpPr>
+          <p:cNvPr id="25" name="Straight Arrow Connector 24">
+            <a:extLst>
+              <a:ext uri="{FF2B5EF4-FFF2-40B4-BE49-F238E27FC236}">
+                <a16:creationId xmlns:a16="http://schemas.microsoft.com/office/drawing/2014/main" id="{0CF8872C-9199-56A4-C6A1-AC7D2CC03B4C}"/>
+              </a:ext>
+            </a:extLst>
+          </p:cNvPr>
+          <p:cNvCxnSpPr>
+            <a:endCxn id="12" idx="2"/>
+          </p:cNvCxnSpPr>
+          <p:nvPr/>
+        </p:nvCxnSpPr>
+        <p:spPr>
+          <a:xfrm flipV="1">
+            <a:off x="8427099" y="1906164"/>
+            <a:ext cx="1191207" cy="4018774"/>
+          </a:xfrm>
+          <a:prstGeom prst="straightConnector1">
+            <a:avLst/>
+          </a:prstGeom>
+          <a:ln>
+            <a:tailEnd type="triangle"/>
+          </a:ln>
+        </p:spPr>
+        <p:style>
+          <a:lnRef idx="1">
+            <a:schemeClr val="accent1"/>
+          </a:lnRef>
+          <a:fillRef idx="0">
+            <a:schemeClr val="accent1"/>
+          </a:fillRef>
+          <a:effectRef idx="0">
+            <a:schemeClr val="accent1"/>
+          </a:effectRef>
+          <a:fontRef idx="minor">
+            <a:schemeClr val="tx1"/>
+          </a:fontRef>
+        </p:style>
+      </p:cxnSp>
     </p:spTree>
     <p:extLst>
       <p:ext uri="{BB962C8B-B14F-4D97-AF65-F5344CB8AC3E}">
         <p14:creationId xmlns:p14="http://schemas.microsoft.com/office/powerpoint/2010/main" val="2291226598"/>
+      </p:ext>
+    </p:extLst>
+  </p:cSld>
+  <p:clrMapOvr>
+    <a:masterClrMapping/>
+  </p:clrMapOvr>
+</p:sld>
+</file>
+
+<file path=ppt/slides/slide11.xml><?xml version="1.0" encoding="utf-8"?>
+<p:sld xmlns:a="http://schemas.openxmlformats.org/drawingml/2006/main" xmlns:r="http://schemas.openxmlformats.org/officeDocument/2006/relationships" xmlns:p="http://schemas.openxmlformats.org/presentationml/2006/main">
+  <p:cSld>
+    <p:spTree>
+      <p:nvGrpSpPr>
+        <p:cNvPr id="1" name=""/>
+        <p:cNvGrpSpPr/>
+        <p:nvPr/>
+      </p:nvGrpSpPr>
+      <p:grpSpPr>
+        <a:xfrm>
+          <a:off x="0" y="0"/>
+          <a:ext cx="0" cy="0"/>
+          <a:chOff x="0" y="0"/>
+          <a:chExt cx="0" cy="0"/>
+        </a:xfrm>
+      </p:grpSpPr>
+      <p:sp>
+        <p:nvSpPr>
+          <p:cNvPr id="2" name="Rectangle 1">
+            <a:extLst>
+              <a:ext uri="{FF2B5EF4-FFF2-40B4-BE49-F238E27FC236}">
+                <a16:creationId xmlns:a16="http://schemas.microsoft.com/office/drawing/2014/main" id="{6A4B8D77-A753-9BC7-02CD-D7C535EB9ADC}"/>
+              </a:ext>
+            </a:extLst>
+          </p:cNvPr>
+          <p:cNvSpPr/>
+          <p:nvPr/>
+        </p:nvSpPr>
+        <p:spPr>
+          <a:xfrm>
+            <a:off x="8453535" y="177282"/>
+            <a:ext cx="2174032" cy="3890865"/>
+          </a:xfrm>
+          <a:prstGeom prst="rect">
+            <a:avLst/>
+          </a:prstGeom>
+        </p:spPr>
+        <p:style>
+          <a:lnRef idx="2">
+            <a:schemeClr val="accent6"/>
+          </a:lnRef>
+          <a:fillRef idx="1">
+            <a:schemeClr val="lt1"/>
+          </a:fillRef>
+          <a:effectRef idx="0">
+            <a:schemeClr val="accent6"/>
+          </a:effectRef>
+          <a:fontRef idx="minor">
+            <a:schemeClr val="dk1"/>
+          </a:fontRef>
+        </p:style>
+        <p:txBody>
+          <a:bodyPr rtlCol="0" anchor="ctr"/>
+          <a:lstStyle/>
+          <a:p>
+            <a:pPr algn="ctr"/>
+            <a:endParaRPr lang="en-US"/>
+          </a:p>
+        </p:txBody>
+      </p:sp>
+      <p:sp>
+        <p:nvSpPr>
+          <p:cNvPr id="3" name="TextBox 2">
+            <a:extLst>
+              <a:ext uri="{FF2B5EF4-FFF2-40B4-BE49-F238E27FC236}">
+                <a16:creationId xmlns:a16="http://schemas.microsoft.com/office/drawing/2014/main" id="{4BA4DDB4-12CA-E0A5-6E47-C2A593635279}"/>
+              </a:ext>
+            </a:extLst>
+          </p:cNvPr>
+          <p:cNvSpPr txBox="1"/>
+          <p:nvPr/>
+        </p:nvSpPr>
+        <p:spPr>
+          <a:xfrm>
+            <a:off x="8537510" y="345233"/>
+            <a:ext cx="1978090" cy="369332"/>
+          </a:xfrm>
+          <a:prstGeom prst="rect">
+            <a:avLst/>
+          </a:prstGeom>
+          <a:noFill/>
+        </p:spPr>
+        <p:txBody>
+          <a:bodyPr wrap="square" rtlCol="0">
+            <a:spAutoFit/>
+          </a:bodyPr>
+          <a:lstStyle/>
+          <a:p>
+            <a:pPr algn="ctr"/>
+            <a:r>
+              <a:rPr lang="en-US" dirty="0"/>
+              <a:t>Code-Segment</a:t>
+            </a:r>
+          </a:p>
+        </p:txBody>
+      </p:sp>
+      <p:sp>
+        <p:nvSpPr>
+          <p:cNvPr id="4" name="Rectangle: Rounded Corners 3">
+            <a:extLst>
+              <a:ext uri="{FF2B5EF4-FFF2-40B4-BE49-F238E27FC236}">
+                <a16:creationId xmlns:a16="http://schemas.microsoft.com/office/drawing/2014/main" id="{30C28B2E-1505-08E9-087B-3705DC4AB939}"/>
+              </a:ext>
+            </a:extLst>
+          </p:cNvPr>
+          <p:cNvSpPr/>
+          <p:nvPr/>
+        </p:nvSpPr>
+        <p:spPr>
+          <a:xfrm>
+            <a:off x="8537510" y="1156996"/>
+            <a:ext cx="1978090" cy="970384"/>
+          </a:xfrm>
+          <a:prstGeom prst="roundRect">
+            <a:avLst/>
+          </a:prstGeom>
+        </p:spPr>
+        <p:style>
+          <a:lnRef idx="2">
+            <a:schemeClr val="accent1">
+              <a:shade val="15000"/>
+            </a:schemeClr>
+          </a:lnRef>
+          <a:fillRef idx="1">
+            <a:schemeClr val="accent1"/>
+          </a:fillRef>
+          <a:effectRef idx="0">
+            <a:schemeClr val="accent1"/>
+          </a:effectRef>
+          <a:fontRef idx="minor">
+            <a:schemeClr val="lt1"/>
+          </a:fontRef>
+        </p:style>
+        <p:txBody>
+          <a:bodyPr rtlCol="0" anchor="ctr"/>
+          <a:lstStyle/>
+          <a:p>
+            <a:pPr algn="ctr"/>
+            <a:r>
+              <a:rPr lang="en-US" dirty="0"/>
+              <a:t>M1() </a:t>
+            </a:r>
+          </a:p>
+          <a:p>
+            <a:pPr algn="ctr"/>
+            <a:r>
+              <a:rPr lang="en-US" dirty="0"/>
+              <a:t>Method</a:t>
+            </a:r>
+          </a:p>
+        </p:txBody>
+      </p:sp>
+      <p:sp>
+        <p:nvSpPr>
+          <p:cNvPr id="5" name="Rectangle: Rounded Corners 4">
+            <a:extLst>
+              <a:ext uri="{FF2B5EF4-FFF2-40B4-BE49-F238E27FC236}">
+                <a16:creationId xmlns:a16="http://schemas.microsoft.com/office/drawing/2014/main" id="{4A297AD1-846E-1C0B-99D8-2C0914D9659E}"/>
+              </a:ext>
+            </a:extLst>
+          </p:cNvPr>
+          <p:cNvSpPr/>
+          <p:nvPr/>
+        </p:nvSpPr>
+        <p:spPr>
+          <a:xfrm>
+            <a:off x="485192" y="1763486"/>
+            <a:ext cx="2565918" cy="3778898"/>
+          </a:xfrm>
+          <a:prstGeom prst="roundRect">
+            <a:avLst/>
+          </a:prstGeom>
+        </p:spPr>
+        <p:style>
+          <a:lnRef idx="2">
+            <a:schemeClr val="accent6"/>
+          </a:lnRef>
+          <a:fillRef idx="1">
+            <a:schemeClr val="lt1"/>
+          </a:fillRef>
+          <a:effectRef idx="0">
+            <a:schemeClr val="accent6"/>
+          </a:effectRef>
+          <a:fontRef idx="minor">
+            <a:schemeClr val="dk1"/>
+          </a:fontRef>
+        </p:style>
+        <p:txBody>
+          <a:bodyPr rtlCol="0" anchor="ctr"/>
+          <a:lstStyle/>
+          <a:p>
+            <a:pPr algn="ctr"/>
+            <a:endParaRPr lang="en-US"/>
+          </a:p>
+        </p:txBody>
+      </p:sp>
+      <p:sp>
+        <p:nvSpPr>
+          <p:cNvPr id="6" name="TextBox 5">
+            <a:extLst>
+              <a:ext uri="{FF2B5EF4-FFF2-40B4-BE49-F238E27FC236}">
+                <a16:creationId xmlns:a16="http://schemas.microsoft.com/office/drawing/2014/main" id="{AC800DFA-C8E8-5EE4-AF97-8DD8C835FEBE}"/>
+              </a:ext>
+            </a:extLst>
+          </p:cNvPr>
+          <p:cNvSpPr txBox="1"/>
+          <p:nvPr/>
+        </p:nvSpPr>
+        <p:spPr>
+          <a:xfrm>
+            <a:off x="774441" y="2127380"/>
+            <a:ext cx="2006081" cy="369332"/>
+          </a:xfrm>
+          <a:prstGeom prst="rect">
+            <a:avLst/>
+          </a:prstGeom>
+          <a:noFill/>
+        </p:spPr>
+        <p:txBody>
+          <a:bodyPr wrap="square" rtlCol="0">
+            <a:spAutoFit/>
+          </a:bodyPr>
+          <a:lstStyle/>
+          <a:p>
+            <a:pPr algn="ctr"/>
+            <a:r>
+              <a:rPr lang="en-US" dirty="0"/>
+              <a:t>Caller</a:t>
+            </a:r>
+          </a:p>
+        </p:txBody>
+      </p:sp>
+      <p:sp>
+        <p:nvSpPr>
+          <p:cNvPr id="7" name="TextBox 6">
+            <a:extLst>
+              <a:ext uri="{FF2B5EF4-FFF2-40B4-BE49-F238E27FC236}">
+                <a16:creationId xmlns:a16="http://schemas.microsoft.com/office/drawing/2014/main" id="{C0D07707-C134-1C23-4F7F-543C6D08172E}"/>
+              </a:ext>
+            </a:extLst>
+          </p:cNvPr>
+          <p:cNvSpPr txBox="1"/>
+          <p:nvPr/>
+        </p:nvSpPr>
+        <p:spPr>
+          <a:xfrm>
+            <a:off x="615820" y="2675940"/>
+            <a:ext cx="2276670" cy="369332"/>
+          </a:xfrm>
+          <a:prstGeom prst="rect">
+            <a:avLst/>
+          </a:prstGeom>
+          <a:noFill/>
+        </p:spPr>
+        <p:txBody>
+          <a:bodyPr wrap="square" rtlCol="0">
+            <a:spAutoFit/>
+          </a:bodyPr>
+          <a:lstStyle/>
+          <a:p>
+            <a:pPr algn="ctr"/>
+            <a:r>
+              <a:rPr lang="en-US" dirty="0"/>
+              <a:t>M1()</a:t>
+            </a:r>
+          </a:p>
+        </p:txBody>
+      </p:sp>
+      <p:cxnSp>
+        <p:nvCxnSpPr>
+          <p:cNvPr id="9" name="Straight Arrow Connector 8">
+            <a:extLst>
+              <a:ext uri="{FF2B5EF4-FFF2-40B4-BE49-F238E27FC236}">
+                <a16:creationId xmlns:a16="http://schemas.microsoft.com/office/drawing/2014/main" id="{795DEA0F-EB7F-7416-C5B0-B7DBBB5B4BF9}"/>
+              </a:ext>
+            </a:extLst>
+          </p:cNvPr>
+          <p:cNvCxnSpPr>
+            <a:endCxn id="4" idx="1"/>
+          </p:cNvCxnSpPr>
+          <p:nvPr/>
+        </p:nvCxnSpPr>
+        <p:spPr>
+          <a:xfrm flipV="1">
+            <a:off x="2892490" y="1642188"/>
+            <a:ext cx="5645020" cy="1026367"/>
+          </a:xfrm>
+          <a:prstGeom prst="straightConnector1">
+            <a:avLst/>
+          </a:prstGeom>
+          <a:ln>
+            <a:tailEnd type="triangle"/>
+          </a:ln>
+        </p:spPr>
+        <p:style>
+          <a:lnRef idx="1">
+            <a:schemeClr val="accent1"/>
+          </a:lnRef>
+          <a:fillRef idx="0">
+            <a:schemeClr val="accent1"/>
+          </a:fillRef>
+          <a:effectRef idx="0">
+            <a:schemeClr val="accent1"/>
+          </a:effectRef>
+          <a:fontRef idx="minor">
+            <a:schemeClr val="tx1"/>
+          </a:fontRef>
+        </p:style>
+      </p:cxnSp>
+      <p:sp>
+        <p:nvSpPr>
+          <p:cNvPr id="10" name="TextBox 9">
+            <a:extLst>
+              <a:ext uri="{FF2B5EF4-FFF2-40B4-BE49-F238E27FC236}">
+                <a16:creationId xmlns:a16="http://schemas.microsoft.com/office/drawing/2014/main" id="{49B7A255-508C-0294-5DD2-0C0D2FCA3BBF}"/>
+              </a:ext>
+            </a:extLst>
+          </p:cNvPr>
+          <p:cNvSpPr txBox="1"/>
+          <p:nvPr/>
+        </p:nvSpPr>
+        <p:spPr>
+          <a:xfrm>
+            <a:off x="4114800" y="1520890"/>
+            <a:ext cx="2883159" cy="646331"/>
+          </a:xfrm>
+          <a:prstGeom prst="rect">
+            <a:avLst/>
+          </a:prstGeom>
+          <a:noFill/>
+        </p:spPr>
+        <p:txBody>
+          <a:bodyPr wrap="square" rtlCol="0">
+            <a:spAutoFit/>
+          </a:bodyPr>
+          <a:lstStyle/>
+          <a:p>
+            <a:r>
+              <a:rPr lang="en-US" dirty="0"/>
+              <a:t>1. Jump to M1() by asking its address to the Runtime</a:t>
+            </a:r>
+          </a:p>
+        </p:txBody>
+      </p:sp>
+      <p:sp>
+        <p:nvSpPr>
+          <p:cNvPr id="11" name="TextBox 10">
+            <a:extLst>
+              <a:ext uri="{FF2B5EF4-FFF2-40B4-BE49-F238E27FC236}">
+                <a16:creationId xmlns:a16="http://schemas.microsoft.com/office/drawing/2014/main" id="{4332C608-3FF7-2145-0FAF-BBB114C3F840}"/>
+              </a:ext>
+            </a:extLst>
+          </p:cNvPr>
+          <p:cNvSpPr txBox="1"/>
+          <p:nvPr/>
+        </p:nvSpPr>
+        <p:spPr>
+          <a:xfrm>
+            <a:off x="10739535" y="1418253"/>
+            <a:ext cx="1175657" cy="646331"/>
+          </a:xfrm>
+          <a:prstGeom prst="rect">
+            <a:avLst/>
+          </a:prstGeom>
+          <a:noFill/>
+        </p:spPr>
+        <p:txBody>
+          <a:bodyPr wrap="square" rtlCol="0">
+            <a:spAutoFit/>
+          </a:bodyPr>
+          <a:lstStyle/>
+          <a:p>
+            <a:r>
+              <a:rPr lang="en-US" dirty="0"/>
+              <a:t>2. Execution</a:t>
+            </a:r>
+          </a:p>
+        </p:txBody>
+      </p:sp>
+      <p:cxnSp>
+        <p:nvCxnSpPr>
+          <p:cNvPr id="13" name="Straight Arrow Connector 12">
+            <a:extLst>
+              <a:ext uri="{FF2B5EF4-FFF2-40B4-BE49-F238E27FC236}">
+                <a16:creationId xmlns:a16="http://schemas.microsoft.com/office/drawing/2014/main" id="{72C09338-94AF-4E40-2299-8A9F0EDD6F43}"/>
+              </a:ext>
+            </a:extLst>
+          </p:cNvPr>
+          <p:cNvCxnSpPr>
+            <a:stCxn id="4" idx="1"/>
+            <a:endCxn id="7" idx="3"/>
+          </p:cNvCxnSpPr>
+          <p:nvPr/>
+        </p:nvCxnSpPr>
+        <p:spPr>
+          <a:xfrm flipH="1">
+            <a:off x="2892490" y="1642188"/>
+            <a:ext cx="5645020" cy="1218418"/>
+          </a:xfrm>
+          <a:prstGeom prst="straightConnector1">
+            <a:avLst/>
+          </a:prstGeom>
+          <a:ln>
+            <a:tailEnd type="triangle"/>
+          </a:ln>
+        </p:spPr>
+        <p:style>
+          <a:lnRef idx="1">
+            <a:schemeClr val="accent1"/>
+          </a:lnRef>
+          <a:fillRef idx="0">
+            <a:schemeClr val="accent1"/>
+          </a:fillRef>
+          <a:effectRef idx="0">
+            <a:schemeClr val="accent1"/>
+          </a:effectRef>
+          <a:fontRef idx="minor">
+            <a:schemeClr val="tx1"/>
+          </a:fontRef>
+        </p:style>
+      </p:cxnSp>
+      <p:sp>
+        <p:nvSpPr>
+          <p:cNvPr id="14" name="TextBox 13">
+            <a:extLst>
+              <a:ext uri="{FF2B5EF4-FFF2-40B4-BE49-F238E27FC236}">
+                <a16:creationId xmlns:a16="http://schemas.microsoft.com/office/drawing/2014/main" id="{2689C915-DC3D-C262-B8D9-2B62D4431E40}"/>
+              </a:ext>
+            </a:extLst>
+          </p:cNvPr>
+          <p:cNvSpPr txBox="1"/>
+          <p:nvPr/>
+        </p:nvSpPr>
+        <p:spPr>
+          <a:xfrm>
+            <a:off x="4021494" y="2593910"/>
+            <a:ext cx="3648269" cy="369332"/>
+          </a:xfrm>
+          <a:prstGeom prst="rect">
+            <a:avLst/>
+          </a:prstGeom>
+          <a:noFill/>
+        </p:spPr>
+        <p:txBody>
+          <a:bodyPr wrap="square" rtlCol="0">
+            <a:spAutoFit/>
+          </a:bodyPr>
+          <a:lstStyle/>
+          <a:p>
+            <a:r>
+              <a:rPr lang="en-US" dirty="0"/>
+              <a:t>3. Return data</a:t>
+            </a:r>
+          </a:p>
+        </p:txBody>
+      </p:sp>
+    </p:spTree>
+    <p:extLst>
+      <p:ext uri="{BB962C8B-B14F-4D97-AF65-F5344CB8AC3E}">
+        <p14:creationId xmlns:p14="http://schemas.microsoft.com/office/powerpoint/2010/main" val="2798055731"/>
+      </p:ext>
+    </p:extLst>
+  </p:cSld>
+  <p:clrMapOvr>
+    <a:masterClrMapping/>
+  </p:clrMapOvr>
+</p:sld>
+</file>
+
+<file path=ppt/slides/slide12.xml><?xml version="1.0" encoding="utf-8"?>
+<p:sld xmlns:a="http://schemas.openxmlformats.org/drawingml/2006/main" xmlns:r="http://schemas.openxmlformats.org/officeDocument/2006/relationships" xmlns:p="http://schemas.openxmlformats.org/presentationml/2006/main">
+  <p:cSld>
+    <p:spTree>
+      <p:nvGrpSpPr>
+        <p:cNvPr id="1" name=""/>
+        <p:cNvGrpSpPr/>
+        <p:nvPr/>
+      </p:nvGrpSpPr>
+      <p:grpSpPr>
+        <a:xfrm>
+          <a:off x="0" y="0"/>
+          <a:ext cx="0" cy="0"/>
+          <a:chOff x="0" y="0"/>
+          <a:chExt cx="0" cy="0"/>
+        </a:xfrm>
+      </p:grpSpPr>
+      <p:sp>
+        <p:nvSpPr>
+          <p:cNvPr id="2" name="Rectangle 1">
+            <a:extLst>
+              <a:ext uri="{FF2B5EF4-FFF2-40B4-BE49-F238E27FC236}">
+                <a16:creationId xmlns:a16="http://schemas.microsoft.com/office/drawing/2014/main" id="{6A4B8D77-A753-9BC7-02CD-D7C535EB9ADC}"/>
+              </a:ext>
+            </a:extLst>
+          </p:cNvPr>
+          <p:cNvSpPr/>
+          <p:nvPr/>
+        </p:nvSpPr>
+        <p:spPr>
+          <a:xfrm>
+            <a:off x="8453535" y="177282"/>
+            <a:ext cx="2174032" cy="3890865"/>
+          </a:xfrm>
+          <a:prstGeom prst="rect">
+            <a:avLst/>
+          </a:prstGeom>
+        </p:spPr>
+        <p:style>
+          <a:lnRef idx="2">
+            <a:schemeClr val="accent6"/>
+          </a:lnRef>
+          <a:fillRef idx="1">
+            <a:schemeClr val="lt1"/>
+          </a:fillRef>
+          <a:effectRef idx="0">
+            <a:schemeClr val="accent6"/>
+          </a:effectRef>
+          <a:fontRef idx="minor">
+            <a:schemeClr val="dk1"/>
+          </a:fontRef>
+        </p:style>
+        <p:txBody>
+          <a:bodyPr rtlCol="0" anchor="ctr"/>
+          <a:lstStyle/>
+          <a:p>
+            <a:pPr algn="ctr"/>
+            <a:endParaRPr lang="en-US"/>
+          </a:p>
+        </p:txBody>
+      </p:sp>
+      <p:sp>
+        <p:nvSpPr>
+          <p:cNvPr id="3" name="TextBox 2">
+            <a:extLst>
+              <a:ext uri="{FF2B5EF4-FFF2-40B4-BE49-F238E27FC236}">
+                <a16:creationId xmlns:a16="http://schemas.microsoft.com/office/drawing/2014/main" id="{4BA4DDB4-12CA-E0A5-6E47-C2A593635279}"/>
+              </a:ext>
+            </a:extLst>
+          </p:cNvPr>
+          <p:cNvSpPr txBox="1"/>
+          <p:nvPr/>
+        </p:nvSpPr>
+        <p:spPr>
+          <a:xfrm>
+            <a:off x="8537510" y="345233"/>
+            <a:ext cx="1978090" cy="369332"/>
+          </a:xfrm>
+          <a:prstGeom prst="rect">
+            <a:avLst/>
+          </a:prstGeom>
+          <a:noFill/>
+        </p:spPr>
+        <p:txBody>
+          <a:bodyPr wrap="square" rtlCol="0">
+            <a:spAutoFit/>
+          </a:bodyPr>
+          <a:lstStyle/>
+          <a:p>
+            <a:pPr algn="ctr"/>
+            <a:r>
+              <a:rPr lang="en-US" dirty="0"/>
+              <a:t>Code-Segment</a:t>
+            </a:r>
+          </a:p>
+        </p:txBody>
+      </p:sp>
+      <p:sp>
+        <p:nvSpPr>
+          <p:cNvPr id="4" name="Rectangle: Rounded Corners 3">
+            <a:extLst>
+              <a:ext uri="{FF2B5EF4-FFF2-40B4-BE49-F238E27FC236}">
+                <a16:creationId xmlns:a16="http://schemas.microsoft.com/office/drawing/2014/main" id="{30C28B2E-1505-08E9-087B-3705DC4AB939}"/>
+              </a:ext>
+            </a:extLst>
+          </p:cNvPr>
+          <p:cNvSpPr/>
+          <p:nvPr/>
+        </p:nvSpPr>
+        <p:spPr>
+          <a:xfrm>
+            <a:off x="8537510" y="1156996"/>
+            <a:ext cx="1978090" cy="970384"/>
+          </a:xfrm>
+          <a:prstGeom prst="roundRect">
+            <a:avLst/>
+          </a:prstGeom>
+        </p:spPr>
+        <p:style>
+          <a:lnRef idx="2">
+            <a:schemeClr val="accent1">
+              <a:shade val="15000"/>
+            </a:schemeClr>
+          </a:lnRef>
+          <a:fillRef idx="1">
+            <a:schemeClr val="accent1"/>
+          </a:fillRef>
+          <a:effectRef idx="0">
+            <a:schemeClr val="accent1"/>
+          </a:effectRef>
+          <a:fontRef idx="minor">
+            <a:schemeClr val="lt1"/>
+          </a:fontRef>
+        </p:style>
+        <p:txBody>
+          <a:bodyPr rtlCol="0" anchor="ctr"/>
+          <a:lstStyle/>
+          <a:p>
+            <a:pPr algn="ctr"/>
+            <a:r>
+              <a:rPr lang="en-US" dirty="0"/>
+              <a:t>M1() </a:t>
+            </a:r>
+          </a:p>
+          <a:p>
+            <a:pPr algn="ctr"/>
+            <a:r>
+              <a:rPr lang="en-US" dirty="0"/>
+              <a:t>Method</a:t>
+            </a:r>
+          </a:p>
+        </p:txBody>
+      </p:sp>
+      <p:sp>
+        <p:nvSpPr>
+          <p:cNvPr id="5" name="Rectangle: Rounded Corners 4">
+            <a:extLst>
+              <a:ext uri="{FF2B5EF4-FFF2-40B4-BE49-F238E27FC236}">
+                <a16:creationId xmlns:a16="http://schemas.microsoft.com/office/drawing/2014/main" id="{4A297AD1-846E-1C0B-99D8-2C0914D9659E}"/>
+              </a:ext>
+            </a:extLst>
+          </p:cNvPr>
+          <p:cNvSpPr/>
+          <p:nvPr/>
+        </p:nvSpPr>
+        <p:spPr>
+          <a:xfrm>
+            <a:off x="485192" y="1763486"/>
+            <a:ext cx="2565918" cy="3778898"/>
+          </a:xfrm>
+          <a:prstGeom prst="roundRect">
+            <a:avLst/>
+          </a:prstGeom>
+        </p:spPr>
+        <p:style>
+          <a:lnRef idx="2">
+            <a:schemeClr val="accent6"/>
+          </a:lnRef>
+          <a:fillRef idx="1">
+            <a:schemeClr val="lt1"/>
+          </a:fillRef>
+          <a:effectRef idx="0">
+            <a:schemeClr val="accent6"/>
+          </a:effectRef>
+          <a:fontRef idx="minor">
+            <a:schemeClr val="dk1"/>
+          </a:fontRef>
+        </p:style>
+        <p:txBody>
+          <a:bodyPr rtlCol="0" anchor="ctr"/>
+          <a:lstStyle/>
+          <a:p>
+            <a:pPr algn="ctr"/>
+            <a:endParaRPr lang="en-US"/>
+          </a:p>
+        </p:txBody>
+      </p:sp>
+      <p:sp>
+        <p:nvSpPr>
+          <p:cNvPr id="6" name="TextBox 5">
+            <a:extLst>
+              <a:ext uri="{FF2B5EF4-FFF2-40B4-BE49-F238E27FC236}">
+                <a16:creationId xmlns:a16="http://schemas.microsoft.com/office/drawing/2014/main" id="{AC800DFA-C8E8-5EE4-AF97-8DD8C835FEBE}"/>
+              </a:ext>
+            </a:extLst>
+          </p:cNvPr>
+          <p:cNvSpPr txBox="1"/>
+          <p:nvPr/>
+        </p:nvSpPr>
+        <p:spPr>
+          <a:xfrm>
+            <a:off x="774441" y="2127380"/>
+            <a:ext cx="2006081" cy="369332"/>
+          </a:xfrm>
+          <a:prstGeom prst="rect">
+            <a:avLst/>
+          </a:prstGeom>
+          <a:noFill/>
+        </p:spPr>
+        <p:txBody>
+          <a:bodyPr wrap="square" rtlCol="0">
+            <a:spAutoFit/>
+          </a:bodyPr>
+          <a:lstStyle/>
+          <a:p>
+            <a:pPr algn="ctr"/>
+            <a:r>
+              <a:rPr lang="en-US" dirty="0"/>
+              <a:t>Caller</a:t>
+            </a:r>
+          </a:p>
+        </p:txBody>
+      </p:sp>
+      <p:sp>
+        <p:nvSpPr>
+          <p:cNvPr id="7" name="TextBox 6">
+            <a:extLst>
+              <a:ext uri="{FF2B5EF4-FFF2-40B4-BE49-F238E27FC236}">
+                <a16:creationId xmlns:a16="http://schemas.microsoft.com/office/drawing/2014/main" id="{C0D07707-C134-1C23-4F7F-543C6D08172E}"/>
+              </a:ext>
+            </a:extLst>
+          </p:cNvPr>
+          <p:cNvSpPr txBox="1"/>
+          <p:nvPr/>
+        </p:nvSpPr>
+        <p:spPr>
+          <a:xfrm>
+            <a:off x="615820" y="2675940"/>
+            <a:ext cx="2276670" cy="646331"/>
+          </a:xfrm>
+          <a:prstGeom prst="rect">
+            <a:avLst/>
+          </a:prstGeom>
+          <a:noFill/>
+        </p:spPr>
+        <p:txBody>
+          <a:bodyPr wrap="square" rtlCol="0">
+            <a:spAutoFit/>
+          </a:bodyPr>
+          <a:lstStyle/>
+          <a:p>
+            <a:pPr algn="ctr"/>
+            <a:r>
+              <a:rPr lang="en-US" dirty="0"/>
+              <a:t>1. Subscribe to Delegate</a:t>
+            </a:r>
+          </a:p>
+        </p:txBody>
+      </p:sp>
+      <p:sp>
+        <p:nvSpPr>
+          <p:cNvPr id="11" name="TextBox 10">
+            <a:extLst>
+              <a:ext uri="{FF2B5EF4-FFF2-40B4-BE49-F238E27FC236}">
+                <a16:creationId xmlns:a16="http://schemas.microsoft.com/office/drawing/2014/main" id="{4332C608-3FF7-2145-0FAF-BBB114C3F840}"/>
+              </a:ext>
+            </a:extLst>
+          </p:cNvPr>
+          <p:cNvSpPr txBox="1"/>
+          <p:nvPr/>
+        </p:nvSpPr>
+        <p:spPr>
+          <a:xfrm>
+            <a:off x="10739535" y="1418253"/>
+            <a:ext cx="1175657" cy="646331"/>
+          </a:xfrm>
+          <a:prstGeom prst="rect">
+            <a:avLst/>
+          </a:prstGeom>
+          <a:noFill/>
+        </p:spPr>
+        <p:txBody>
+          <a:bodyPr wrap="square" rtlCol="0">
+            <a:spAutoFit/>
+          </a:bodyPr>
+          <a:lstStyle/>
+          <a:p>
+            <a:r>
+              <a:rPr lang="en-US" dirty="0"/>
+              <a:t>3. Execution</a:t>
+            </a:r>
+          </a:p>
+        </p:txBody>
+      </p:sp>
+      <p:sp>
+        <p:nvSpPr>
+          <p:cNvPr id="14" name="TextBox 13">
+            <a:extLst>
+              <a:ext uri="{FF2B5EF4-FFF2-40B4-BE49-F238E27FC236}">
+                <a16:creationId xmlns:a16="http://schemas.microsoft.com/office/drawing/2014/main" id="{2689C915-DC3D-C262-B8D9-2B62D4431E40}"/>
+              </a:ext>
+            </a:extLst>
+          </p:cNvPr>
+          <p:cNvSpPr txBox="1"/>
+          <p:nvPr/>
+        </p:nvSpPr>
+        <p:spPr>
+          <a:xfrm>
+            <a:off x="5416420" y="1968760"/>
+            <a:ext cx="3648269" cy="369332"/>
+          </a:xfrm>
+          <a:prstGeom prst="rect">
+            <a:avLst/>
+          </a:prstGeom>
+          <a:noFill/>
+        </p:spPr>
+        <p:txBody>
+          <a:bodyPr wrap="square" rtlCol="0">
+            <a:spAutoFit/>
+          </a:bodyPr>
+          <a:lstStyle/>
+          <a:p>
+            <a:r>
+              <a:rPr lang="en-US" dirty="0"/>
+              <a:t>3. Return data</a:t>
+            </a:r>
+          </a:p>
+        </p:txBody>
+      </p:sp>
+      <p:sp>
+        <p:nvSpPr>
+          <p:cNvPr id="8" name="TextBox 7">
+            <a:extLst>
+              <a:ext uri="{FF2B5EF4-FFF2-40B4-BE49-F238E27FC236}">
+                <a16:creationId xmlns:a16="http://schemas.microsoft.com/office/drawing/2014/main" id="{6AACC7F7-E590-FF58-2F65-5657098C932A}"/>
+              </a:ext>
+            </a:extLst>
+          </p:cNvPr>
+          <p:cNvSpPr txBox="1"/>
+          <p:nvPr/>
+        </p:nvSpPr>
+        <p:spPr>
+          <a:xfrm>
+            <a:off x="774441" y="485192"/>
+            <a:ext cx="2118049" cy="369332"/>
+          </a:xfrm>
+          <a:prstGeom prst="rect">
+            <a:avLst/>
+          </a:prstGeom>
+          <a:noFill/>
+        </p:spPr>
+        <p:txBody>
+          <a:bodyPr wrap="square" rtlCol="0">
+            <a:spAutoFit/>
+          </a:bodyPr>
+          <a:lstStyle/>
+          <a:p>
+            <a:r>
+              <a:rPr lang="en-US" dirty="0"/>
+              <a:t>Delegate</a:t>
+            </a:r>
+          </a:p>
+        </p:txBody>
+      </p:sp>
+      <p:sp>
+        <p:nvSpPr>
+          <p:cNvPr id="15" name="Rectangle 14">
+            <a:extLst>
+              <a:ext uri="{FF2B5EF4-FFF2-40B4-BE49-F238E27FC236}">
+                <a16:creationId xmlns:a16="http://schemas.microsoft.com/office/drawing/2014/main" id="{22CFEC8B-5025-E77D-B4BB-88DC1557FBF9}"/>
+              </a:ext>
+            </a:extLst>
+          </p:cNvPr>
+          <p:cNvSpPr/>
+          <p:nvPr/>
+        </p:nvSpPr>
+        <p:spPr>
+          <a:xfrm>
+            <a:off x="4338735" y="669858"/>
+            <a:ext cx="2425959" cy="783772"/>
+          </a:xfrm>
+          <a:prstGeom prst="rect">
+            <a:avLst/>
+          </a:prstGeom>
+        </p:spPr>
+        <p:style>
+          <a:lnRef idx="3">
+            <a:schemeClr val="lt1"/>
+          </a:lnRef>
+          <a:fillRef idx="1">
+            <a:schemeClr val="accent3"/>
+          </a:fillRef>
+          <a:effectRef idx="1">
+            <a:schemeClr val="accent3"/>
+          </a:effectRef>
+          <a:fontRef idx="minor">
+            <a:schemeClr val="lt1"/>
+          </a:fontRef>
+        </p:style>
+        <p:txBody>
+          <a:bodyPr rtlCol="0" anchor="ctr"/>
+          <a:lstStyle/>
+          <a:p>
+            <a:pPr algn="ctr"/>
+            <a:r>
+              <a:rPr lang="en-US" dirty="0"/>
+              <a:t>Delegate Holding Address of M1()</a:t>
+            </a:r>
+          </a:p>
+        </p:txBody>
+      </p:sp>
+      <p:cxnSp>
+        <p:nvCxnSpPr>
+          <p:cNvPr id="17" name="Connector: Elbow 16">
+            <a:extLst>
+              <a:ext uri="{FF2B5EF4-FFF2-40B4-BE49-F238E27FC236}">
+                <a16:creationId xmlns:a16="http://schemas.microsoft.com/office/drawing/2014/main" id="{3E6F93A9-E566-94EC-B77D-9A1C460F39C1}"/>
+              </a:ext>
+            </a:extLst>
+          </p:cNvPr>
+          <p:cNvCxnSpPr>
+            <a:endCxn id="15" idx="1"/>
+          </p:cNvCxnSpPr>
+          <p:nvPr/>
+        </p:nvCxnSpPr>
+        <p:spPr>
+          <a:xfrm rot="5400000" flipH="1" flipV="1">
+            <a:off x="2716181" y="1238053"/>
+            <a:ext cx="1798862" cy="1446245"/>
+          </a:xfrm>
+          <a:prstGeom prst="bentConnector2">
+            <a:avLst/>
+          </a:prstGeom>
+          <a:ln>
+            <a:tailEnd type="triangle"/>
+          </a:ln>
+        </p:spPr>
+        <p:style>
+          <a:lnRef idx="1">
+            <a:schemeClr val="accent1"/>
+          </a:lnRef>
+          <a:fillRef idx="0">
+            <a:schemeClr val="accent1"/>
+          </a:fillRef>
+          <a:effectRef idx="0">
+            <a:schemeClr val="accent1"/>
+          </a:effectRef>
+          <a:fontRef idx="minor">
+            <a:schemeClr val="tx1"/>
+          </a:fontRef>
+        </p:style>
+      </p:cxnSp>
+      <p:cxnSp>
+        <p:nvCxnSpPr>
+          <p:cNvPr id="19" name="Connector: Elbow 18">
+            <a:extLst>
+              <a:ext uri="{FF2B5EF4-FFF2-40B4-BE49-F238E27FC236}">
+                <a16:creationId xmlns:a16="http://schemas.microsoft.com/office/drawing/2014/main" id="{CE762DB5-3EBF-EC90-F8BF-F3C07E053D1C}"/>
+              </a:ext>
+            </a:extLst>
+          </p:cNvPr>
+          <p:cNvCxnSpPr>
+            <a:stCxn id="15" idx="3"/>
+            <a:endCxn id="4" idx="1"/>
+          </p:cNvCxnSpPr>
+          <p:nvPr/>
+        </p:nvCxnSpPr>
+        <p:spPr>
+          <a:xfrm>
+            <a:off x="6764694" y="1061744"/>
+            <a:ext cx="1772816" cy="580444"/>
+          </a:xfrm>
+          <a:prstGeom prst="bentConnector3">
+            <a:avLst/>
+          </a:prstGeom>
+          <a:ln>
+            <a:tailEnd type="triangle"/>
+          </a:ln>
+        </p:spPr>
+        <p:style>
+          <a:lnRef idx="1">
+            <a:schemeClr val="accent1"/>
+          </a:lnRef>
+          <a:fillRef idx="0">
+            <a:schemeClr val="accent1"/>
+          </a:fillRef>
+          <a:effectRef idx="0">
+            <a:schemeClr val="accent1"/>
+          </a:effectRef>
+          <a:fontRef idx="minor">
+            <a:schemeClr val="tx1"/>
+          </a:fontRef>
+        </p:style>
+      </p:cxnSp>
+      <p:sp>
+        <p:nvSpPr>
+          <p:cNvPr id="20" name="TextBox 19">
+            <a:extLst>
+              <a:ext uri="{FF2B5EF4-FFF2-40B4-BE49-F238E27FC236}">
+                <a16:creationId xmlns:a16="http://schemas.microsoft.com/office/drawing/2014/main" id="{02E090BB-7470-8417-7655-37BC913BEC53}"/>
+              </a:ext>
+            </a:extLst>
+          </p:cNvPr>
+          <p:cNvSpPr txBox="1"/>
+          <p:nvPr/>
+        </p:nvSpPr>
+        <p:spPr>
+          <a:xfrm>
+            <a:off x="6876662" y="485192"/>
+            <a:ext cx="1334277" cy="646331"/>
+          </a:xfrm>
+          <a:prstGeom prst="rect">
+            <a:avLst/>
+          </a:prstGeom>
+          <a:noFill/>
+        </p:spPr>
+        <p:txBody>
+          <a:bodyPr wrap="square" rtlCol="0">
+            <a:spAutoFit/>
+          </a:bodyPr>
+          <a:lstStyle/>
+          <a:p>
+            <a:r>
+              <a:rPr lang="en-US" dirty="0"/>
+              <a:t>2. Direct to Method</a:t>
+            </a:r>
+          </a:p>
+        </p:txBody>
+      </p:sp>
+      <p:cxnSp>
+        <p:nvCxnSpPr>
+          <p:cNvPr id="22" name="Connector: Elbow 21">
+            <a:extLst>
+              <a:ext uri="{FF2B5EF4-FFF2-40B4-BE49-F238E27FC236}">
+                <a16:creationId xmlns:a16="http://schemas.microsoft.com/office/drawing/2014/main" id="{B3B0FE30-5E43-93E1-5BDF-B7D90D1312E4}"/>
+              </a:ext>
+            </a:extLst>
+          </p:cNvPr>
+          <p:cNvCxnSpPr>
+            <a:stCxn id="4" idx="2"/>
+            <a:endCxn id="15" idx="2"/>
+          </p:cNvCxnSpPr>
+          <p:nvPr/>
+        </p:nvCxnSpPr>
+        <p:spPr>
+          <a:xfrm rot="5400000" flipH="1">
+            <a:off x="7202260" y="-196915"/>
+            <a:ext cx="673750" cy="3974840"/>
+          </a:xfrm>
+          <a:prstGeom prst="bentConnector3">
+            <a:avLst>
+              <a:gd name="adj1" fmla="val -33929"/>
+            </a:avLst>
+          </a:prstGeom>
+          <a:ln>
+            <a:tailEnd type="triangle"/>
+          </a:ln>
+        </p:spPr>
+        <p:style>
+          <a:lnRef idx="1">
+            <a:schemeClr val="accent1"/>
+          </a:lnRef>
+          <a:fillRef idx="0">
+            <a:schemeClr val="accent1"/>
+          </a:fillRef>
+          <a:effectRef idx="0">
+            <a:schemeClr val="accent1"/>
+          </a:effectRef>
+          <a:fontRef idx="minor">
+            <a:schemeClr val="tx1"/>
+          </a:fontRef>
+        </p:style>
+      </p:cxnSp>
+      <p:cxnSp>
+        <p:nvCxnSpPr>
+          <p:cNvPr id="24" name="Connector: Elbow 23">
+            <a:extLst>
+              <a:ext uri="{FF2B5EF4-FFF2-40B4-BE49-F238E27FC236}">
+                <a16:creationId xmlns:a16="http://schemas.microsoft.com/office/drawing/2014/main" id="{018D7822-C9DB-1181-8625-17B8BD47965D}"/>
+              </a:ext>
+            </a:extLst>
+          </p:cNvPr>
+          <p:cNvCxnSpPr>
+            <a:stCxn id="15" idx="2"/>
+          </p:cNvCxnSpPr>
+          <p:nvPr/>
+        </p:nvCxnSpPr>
+        <p:spPr>
+          <a:xfrm rot="5400000">
+            <a:off x="3493341" y="852778"/>
+            <a:ext cx="1457522" cy="2659227"/>
+          </a:xfrm>
+          <a:prstGeom prst="bentConnector2">
+            <a:avLst/>
+          </a:prstGeom>
+          <a:ln>
+            <a:tailEnd type="triangle"/>
+          </a:ln>
+        </p:spPr>
+        <p:style>
+          <a:lnRef idx="1">
+            <a:schemeClr val="accent1"/>
+          </a:lnRef>
+          <a:fillRef idx="0">
+            <a:schemeClr val="accent1"/>
+          </a:fillRef>
+          <a:effectRef idx="0">
+            <a:schemeClr val="accent1"/>
+          </a:effectRef>
+          <a:fontRef idx="minor">
+            <a:schemeClr val="tx1"/>
+          </a:fontRef>
+        </p:style>
+      </p:cxnSp>
+      <p:sp>
+        <p:nvSpPr>
+          <p:cNvPr id="25" name="TextBox 24">
+            <a:extLst>
+              <a:ext uri="{FF2B5EF4-FFF2-40B4-BE49-F238E27FC236}">
+                <a16:creationId xmlns:a16="http://schemas.microsoft.com/office/drawing/2014/main" id="{AB6B06A1-BC6F-DAC3-C469-D27827ED28AE}"/>
+              </a:ext>
+            </a:extLst>
+          </p:cNvPr>
+          <p:cNvSpPr txBox="1"/>
+          <p:nvPr/>
+        </p:nvSpPr>
+        <p:spPr>
+          <a:xfrm>
+            <a:off x="3191069" y="2999105"/>
+            <a:ext cx="2904931" cy="923330"/>
+          </a:xfrm>
+          <a:prstGeom prst="rect">
+            <a:avLst/>
+          </a:prstGeom>
+          <a:noFill/>
+        </p:spPr>
+        <p:txBody>
+          <a:bodyPr wrap="square" rtlCol="0">
+            <a:spAutoFit/>
+          </a:bodyPr>
+          <a:lstStyle/>
+          <a:p>
+            <a:r>
+              <a:rPr lang="en-US" dirty="0"/>
+              <a:t>4. Since the Subscription is know to caller the response will be directly Delivered </a:t>
+            </a:r>
+          </a:p>
+        </p:txBody>
+      </p:sp>
+      <p:sp>
+        <p:nvSpPr>
+          <p:cNvPr id="26" name="TextBox 25">
+            <a:extLst>
+              <a:ext uri="{FF2B5EF4-FFF2-40B4-BE49-F238E27FC236}">
+                <a16:creationId xmlns:a16="http://schemas.microsoft.com/office/drawing/2014/main" id="{15D710D2-C869-1DAF-8B97-BFD6F52D9831}"/>
+              </a:ext>
+            </a:extLst>
+          </p:cNvPr>
+          <p:cNvSpPr txBox="1"/>
+          <p:nvPr/>
+        </p:nvSpPr>
+        <p:spPr>
+          <a:xfrm>
+            <a:off x="3921968" y="4917233"/>
+            <a:ext cx="5604587" cy="369332"/>
+          </a:xfrm>
+          <a:prstGeom prst="rect">
+            <a:avLst/>
+          </a:prstGeom>
+          <a:noFill/>
+        </p:spPr>
+        <p:txBody>
+          <a:bodyPr wrap="square" rtlCol="0">
+            <a:spAutoFit/>
+          </a:bodyPr>
+          <a:lstStyle/>
+          <a:p>
+            <a:pPr algn="ctr"/>
+            <a:r>
+              <a:rPr lang="en-US" dirty="0"/>
+              <a:t>Delegate Execution </a:t>
+            </a:r>
+            <a:r>
+              <a:rPr lang="en-US"/>
+              <a:t>with Synchronous Calls</a:t>
+            </a:r>
+            <a:endParaRPr lang="en-US" dirty="0"/>
+          </a:p>
+        </p:txBody>
+      </p:sp>
+    </p:spTree>
+    <p:extLst>
+      <p:ext uri="{BB962C8B-B14F-4D97-AF65-F5344CB8AC3E}">
+        <p14:creationId xmlns:p14="http://schemas.microsoft.com/office/powerpoint/2010/main" val="3588042957"/>
       </p:ext>
     </p:extLst>
   </p:cSld>

--- a/ppts.pptx
+++ b/ppts.pptx
@@ -17,6 +17,12 @@
     <p:sldId id="265" r:id="rId11"/>
     <p:sldId id="266" r:id="rId12"/>
     <p:sldId id="267" r:id="rId13"/>
+    <p:sldId id="268" r:id="rId14"/>
+    <p:sldId id="269" r:id="rId15"/>
+    <p:sldId id="270" r:id="rId16"/>
+    <p:sldId id="271" r:id="rId17"/>
+    <p:sldId id="272" r:id="rId18"/>
+    <p:sldId id="273" r:id="rId19"/>
   </p:sldIdLst>
   <p:sldSz cx="12192000" cy="6858000"/>
   <p:notesSz cx="6858000" cy="9144000"/>
@@ -270,7 +276,7 @@
           <a:p>
             <a:fld id="{6F41C210-F244-43B9-87C5-D1F3CF4189D6}" type="datetimeFigureOut">
               <a:rPr lang="en-US" smtClean="0"/>
-              <a:t>6/20/2023</a:t>
+              <a:t>6/21/2023</a:t>
             </a:fld>
             <a:endParaRPr lang="en-US"/>
           </a:p>
@@ -468,7 +474,7 @@
           <a:p>
             <a:fld id="{6F41C210-F244-43B9-87C5-D1F3CF4189D6}" type="datetimeFigureOut">
               <a:rPr lang="en-US" smtClean="0"/>
-              <a:t>6/20/2023</a:t>
+              <a:t>6/21/2023</a:t>
             </a:fld>
             <a:endParaRPr lang="en-US"/>
           </a:p>
@@ -676,7 +682,7 @@
           <a:p>
             <a:fld id="{6F41C210-F244-43B9-87C5-D1F3CF4189D6}" type="datetimeFigureOut">
               <a:rPr lang="en-US" smtClean="0"/>
-              <a:t>6/20/2023</a:t>
+              <a:t>6/21/2023</a:t>
             </a:fld>
             <a:endParaRPr lang="en-US"/>
           </a:p>
@@ -874,7 +880,7 @@
           <a:p>
             <a:fld id="{6F41C210-F244-43B9-87C5-D1F3CF4189D6}" type="datetimeFigureOut">
               <a:rPr lang="en-US" smtClean="0"/>
-              <a:t>6/20/2023</a:t>
+              <a:t>6/21/2023</a:t>
             </a:fld>
             <a:endParaRPr lang="en-US"/>
           </a:p>
@@ -1149,7 +1155,7 @@
           <a:p>
             <a:fld id="{6F41C210-F244-43B9-87C5-D1F3CF4189D6}" type="datetimeFigureOut">
               <a:rPr lang="en-US" smtClean="0"/>
-              <a:t>6/20/2023</a:t>
+              <a:t>6/21/2023</a:t>
             </a:fld>
             <a:endParaRPr lang="en-US"/>
           </a:p>
@@ -1414,7 +1420,7 @@
           <a:p>
             <a:fld id="{6F41C210-F244-43B9-87C5-D1F3CF4189D6}" type="datetimeFigureOut">
               <a:rPr lang="en-US" smtClean="0"/>
-              <a:t>6/20/2023</a:t>
+              <a:t>6/21/2023</a:t>
             </a:fld>
             <a:endParaRPr lang="en-US"/>
           </a:p>
@@ -1826,7 +1832,7 @@
           <a:p>
             <a:fld id="{6F41C210-F244-43B9-87C5-D1F3CF4189D6}" type="datetimeFigureOut">
               <a:rPr lang="en-US" smtClean="0"/>
-              <a:t>6/20/2023</a:t>
+              <a:t>6/21/2023</a:t>
             </a:fld>
             <a:endParaRPr lang="en-US"/>
           </a:p>
@@ -1967,7 +1973,7 @@
           <a:p>
             <a:fld id="{6F41C210-F244-43B9-87C5-D1F3CF4189D6}" type="datetimeFigureOut">
               <a:rPr lang="en-US" smtClean="0"/>
-              <a:t>6/20/2023</a:t>
+              <a:t>6/21/2023</a:t>
             </a:fld>
             <a:endParaRPr lang="en-US"/>
           </a:p>
@@ -2080,7 +2086,7 @@
           <a:p>
             <a:fld id="{6F41C210-F244-43B9-87C5-D1F3CF4189D6}" type="datetimeFigureOut">
               <a:rPr lang="en-US" smtClean="0"/>
-              <a:t>6/20/2023</a:t>
+              <a:t>6/21/2023</a:t>
             </a:fld>
             <a:endParaRPr lang="en-US"/>
           </a:p>
@@ -2391,7 +2397,7 @@
           <a:p>
             <a:fld id="{6F41C210-F244-43B9-87C5-D1F3CF4189D6}" type="datetimeFigureOut">
               <a:rPr lang="en-US" smtClean="0"/>
-              <a:t>6/20/2023</a:t>
+              <a:t>6/21/2023</a:t>
             </a:fld>
             <a:endParaRPr lang="en-US"/>
           </a:p>
@@ -2679,7 +2685,7 @@
           <a:p>
             <a:fld id="{6F41C210-F244-43B9-87C5-D1F3CF4189D6}" type="datetimeFigureOut">
               <a:rPr lang="en-US" smtClean="0"/>
-              <a:t>6/20/2023</a:t>
+              <a:t>6/21/2023</a:t>
             </a:fld>
             <a:endParaRPr lang="en-US"/>
           </a:p>
@@ -2920,7 +2926,7 @@
           <a:p>
             <a:fld id="{6F41C210-F244-43B9-87C5-D1F3CF4189D6}" type="datetimeFigureOut">
               <a:rPr lang="en-US" smtClean="0"/>
-              <a:t>6/20/2023</a:t>
+              <a:t>6/21/2023</a:t>
             </a:fld>
             <a:endParaRPr lang="en-US"/>
           </a:p>
@@ -6513,6 +6519,4683 @@
     <p:extLst>
       <p:ext uri="{BB962C8B-B14F-4D97-AF65-F5344CB8AC3E}">
         <p14:creationId xmlns:p14="http://schemas.microsoft.com/office/powerpoint/2010/main" val="3588042957"/>
+      </p:ext>
+    </p:extLst>
+  </p:cSld>
+  <p:clrMapOvr>
+    <a:masterClrMapping/>
+  </p:clrMapOvr>
+</p:sld>
+</file>
+
+<file path=ppt/slides/slide13.xml><?xml version="1.0" encoding="utf-8"?>
+<p:sld xmlns:a="http://schemas.openxmlformats.org/drawingml/2006/main" xmlns:r="http://schemas.openxmlformats.org/officeDocument/2006/relationships" xmlns:p="http://schemas.openxmlformats.org/presentationml/2006/main">
+  <p:cSld>
+    <p:spTree>
+      <p:nvGrpSpPr>
+        <p:cNvPr id="1" name=""/>
+        <p:cNvGrpSpPr/>
+        <p:nvPr/>
+      </p:nvGrpSpPr>
+      <p:grpSpPr>
+        <a:xfrm>
+          <a:off x="0" y="0"/>
+          <a:ext cx="0" cy="0"/>
+          <a:chOff x="0" y="0"/>
+          <a:chExt cx="0" cy="0"/>
+        </a:xfrm>
+      </p:grpSpPr>
+      <p:sp>
+        <p:nvSpPr>
+          <p:cNvPr id="2" name="Rectangle 1">
+            <a:extLst>
+              <a:ext uri="{FF2B5EF4-FFF2-40B4-BE49-F238E27FC236}">
+                <a16:creationId xmlns:a16="http://schemas.microsoft.com/office/drawing/2014/main" id="{4C0040BA-C985-4453-CFE0-42C9E55321DA}"/>
+              </a:ext>
+            </a:extLst>
+          </p:cNvPr>
+          <p:cNvSpPr/>
+          <p:nvPr/>
+        </p:nvSpPr>
+        <p:spPr>
+          <a:xfrm>
+            <a:off x="503853" y="4077478"/>
+            <a:ext cx="11392678" cy="2248677"/>
+          </a:xfrm>
+          <a:prstGeom prst="rect">
+            <a:avLst/>
+          </a:prstGeom>
+        </p:spPr>
+        <p:style>
+          <a:lnRef idx="2">
+            <a:schemeClr val="accent6"/>
+          </a:lnRef>
+          <a:fillRef idx="1">
+            <a:schemeClr val="lt1"/>
+          </a:fillRef>
+          <a:effectRef idx="0">
+            <a:schemeClr val="accent6"/>
+          </a:effectRef>
+          <a:fontRef idx="minor">
+            <a:schemeClr val="dk1"/>
+          </a:fontRef>
+        </p:style>
+        <p:txBody>
+          <a:bodyPr rtlCol="0" anchor="ctr"/>
+          <a:lstStyle/>
+          <a:p>
+            <a:pPr algn="ctr"/>
+            <a:endParaRPr lang="en-US"/>
+          </a:p>
+        </p:txBody>
+      </p:sp>
+      <p:sp>
+        <p:nvSpPr>
+          <p:cNvPr id="3" name="TextBox 2">
+            <a:extLst>
+              <a:ext uri="{FF2B5EF4-FFF2-40B4-BE49-F238E27FC236}">
+                <a16:creationId xmlns:a16="http://schemas.microsoft.com/office/drawing/2014/main" id="{D9BCA58D-867F-CFD7-99F5-93F60389A450}"/>
+              </a:ext>
+            </a:extLst>
+          </p:cNvPr>
+          <p:cNvSpPr txBox="1"/>
+          <p:nvPr/>
+        </p:nvSpPr>
+        <p:spPr>
+          <a:xfrm>
+            <a:off x="643812" y="4217437"/>
+            <a:ext cx="1250302" cy="646331"/>
+          </a:xfrm>
+          <a:prstGeom prst="rect">
+            <a:avLst/>
+          </a:prstGeom>
+          <a:noFill/>
+        </p:spPr>
+        <p:txBody>
+          <a:bodyPr wrap="square" rtlCol="0">
+            <a:spAutoFit/>
+          </a:bodyPr>
+          <a:lstStyle/>
+          <a:p>
+            <a:r>
+              <a:rPr lang="en-IN" dirty="0"/>
+              <a:t>.NET Runtime</a:t>
+            </a:r>
+            <a:endParaRPr lang="en-US" dirty="0"/>
+          </a:p>
+        </p:txBody>
+      </p:sp>
+      <p:sp>
+        <p:nvSpPr>
+          <p:cNvPr id="4" name="Rectangle 3">
+            <a:extLst>
+              <a:ext uri="{FF2B5EF4-FFF2-40B4-BE49-F238E27FC236}">
+                <a16:creationId xmlns:a16="http://schemas.microsoft.com/office/drawing/2014/main" id="{6EF97D92-921E-6B27-2505-1A1CAD74B22B}"/>
+              </a:ext>
+            </a:extLst>
+          </p:cNvPr>
+          <p:cNvSpPr/>
+          <p:nvPr/>
+        </p:nvSpPr>
+        <p:spPr>
+          <a:xfrm>
+            <a:off x="4226767" y="4217437"/>
+            <a:ext cx="3349690" cy="646331"/>
+          </a:xfrm>
+          <a:prstGeom prst="rect">
+            <a:avLst/>
+          </a:prstGeom>
+        </p:spPr>
+        <p:style>
+          <a:lnRef idx="2">
+            <a:schemeClr val="accent1">
+              <a:shade val="15000"/>
+            </a:schemeClr>
+          </a:lnRef>
+          <a:fillRef idx="1">
+            <a:schemeClr val="accent1"/>
+          </a:fillRef>
+          <a:effectRef idx="0">
+            <a:schemeClr val="accent1"/>
+          </a:effectRef>
+          <a:fontRef idx="minor">
+            <a:schemeClr val="lt1"/>
+          </a:fontRef>
+        </p:style>
+        <p:txBody>
+          <a:bodyPr rtlCol="0" anchor="ctr"/>
+          <a:lstStyle/>
+          <a:p>
+            <a:pPr algn="ctr"/>
+            <a:r>
+              <a:rPr lang="en-IN" b="1" dirty="0" err="1"/>
+              <a:t>System.EventHandler</a:t>
+            </a:r>
+            <a:endParaRPr lang="en-US" b="1" dirty="0"/>
+          </a:p>
+        </p:txBody>
+      </p:sp>
+      <p:cxnSp>
+        <p:nvCxnSpPr>
+          <p:cNvPr id="6" name="Straight Arrow Connector 5">
+            <a:extLst>
+              <a:ext uri="{FF2B5EF4-FFF2-40B4-BE49-F238E27FC236}">
+                <a16:creationId xmlns:a16="http://schemas.microsoft.com/office/drawing/2014/main" id="{6AC585C4-8358-22FF-8419-0FE9CA53FEEE}"/>
+              </a:ext>
+            </a:extLst>
+          </p:cNvPr>
+          <p:cNvCxnSpPr>
+            <a:endCxn id="4" idx="3"/>
+          </p:cNvCxnSpPr>
+          <p:nvPr/>
+        </p:nvCxnSpPr>
+        <p:spPr>
+          <a:xfrm flipH="1">
+            <a:off x="7576457" y="3359020"/>
+            <a:ext cx="2146041" cy="1181583"/>
+          </a:xfrm>
+          <a:prstGeom prst="straightConnector1">
+            <a:avLst/>
+          </a:prstGeom>
+          <a:ln>
+            <a:tailEnd type="triangle"/>
+          </a:ln>
+        </p:spPr>
+        <p:style>
+          <a:lnRef idx="1">
+            <a:schemeClr val="accent1"/>
+          </a:lnRef>
+          <a:fillRef idx="0">
+            <a:schemeClr val="accent1"/>
+          </a:fillRef>
+          <a:effectRef idx="0">
+            <a:schemeClr val="accent1"/>
+          </a:effectRef>
+          <a:fontRef idx="minor">
+            <a:schemeClr val="tx1"/>
+          </a:fontRef>
+        </p:style>
+      </p:cxnSp>
+      <p:sp>
+        <p:nvSpPr>
+          <p:cNvPr id="7" name="TextBox 6">
+            <a:extLst>
+              <a:ext uri="{FF2B5EF4-FFF2-40B4-BE49-F238E27FC236}">
+                <a16:creationId xmlns:a16="http://schemas.microsoft.com/office/drawing/2014/main" id="{D87699AC-7D62-6B94-42E1-25687D5AA807}"/>
+              </a:ext>
+            </a:extLst>
+          </p:cNvPr>
+          <p:cNvSpPr txBox="1"/>
+          <p:nvPr/>
+        </p:nvSpPr>
+        <p:spPr>
+          <a:xfrm>
+            <a:off x="9843796" y="2770789"/>
+            <a:ext cx="1903445" cy="369332"/>
+          </a:xfrm>
+          <a:prstGeom prst="rect">
+            <a:avLst/>
+          </a:prstGeom>
+          <a:noFill/>
+        </p:spPr>
+        <p:txBody>
+          <a:bodyPr wrap="square" rtlCol="0">
+            <a:spAutoFit/>
+          </a:bodyPr>
+          <a:lstStyle/>
+          <a:p>
+            <a:r>
+              <a:rPr lang="en-IN" dirty="0"/>
+              <a:t>Delegate</a:t>
+            </a:r>
+            <a:endParaRPr lang="en-US" dirty="0"/>
+          </a:p>
+        </p:txBody>
+      </p:sp>
+      <p:sp>
+        <p:nvSpPr>
+          <p:cNvPr id="8" name="Rectangle: Rounded Corners 7">
+            <a:extLst>
+              <a:ext uri="{FF2B5EF4-FFF2-40B4-BE49-F238E27FC236}">
+                <a16:creationId xmlns:a16="http://schemas.microsoft.com/office/drawing/2014/main" id="{8F6E9270-ABA7-71C9-D928-4690E6DE7357}"/>
+              </a:ext>
+            </a:extLst>
+          </p:cNvPr>
+          <p:cNvSpPr/>
+          <p:nvPr/>
+        </p:nvSpPr>
+        <p:spPr>
+          <a:xfrm>
+            <a:off x="643812" y="5318449"/>
+            <a:ext cx="1166327" cy="646331"/>
+          </a:xfrm>
+          <a:prstGeom prst="roundRect">
+            <a:avLst/>
+          </a:prstGeom>
+        </p:spPr>
+        <p:style>
+          <a:lnRef idx="2">
+            <a:schemeClr val="accent1">
+              <a:shade val="15000"/>
+            </a:schemeClr>
+          </a:lnRef>
+          <a:fillRef idx="1">
+            <a:schemeClr val="accent1"/>
+          </a:fillRef>
+          <a:effectRef idx="0">
+            <a:schemeClr val="accent1"/>
+          </a:effectRef>
+          <a:fontRef idx="minor">
+            <a:schemeClr val="lt1"/>
+          </a:fontRef>
+        </p:style>
+        <p:txBody>
+          <a:bodyPr rtlCol="0" anchor="ctr"/>
+          <a:lstStyle/>
+          <a:p>
+            <a:pPr algn="ctr"/>
+            <a:r>
+              <a:rPr lang="en-IN" dirty="0"/>
+              <a:t>Click</a:t>
+            </a:r>
+            <a:endParaRPr lang="en-US" dirty="0"/>
+          </a:p>
+        </p:txBody>
+      </p:sp>
+      <p:sp>
+        <p:nvSpPr>
+          <p:cNvPr id="9" name="Rectangle: Rounded Corners 8">
+            <a:extLst>
+              <a:ext uri="{FF2B5EF4-FFF2-40B4-BE49-F238E27FC236}">
+                <a16:creationId xmlns:a16="http://schemas.microsoft.com/office/drawing/2014/main" id="{6439BE54-9952-F53E-7992-F95930A373A4}"/>
+              </a:ext>
+            </a:extLst>
+          </p:cNvPr>
+          <p:cNvSpPr/>
+          <p:nvPr/>
+        </p:nvSpPr>
+        <p:spPr>
+          <a:xfrm>
+            <a:off x="2102498" y="5318449"/>
+            <a:ext cx="1166327" cy="646331"/>
+          </a:xfrm>
+          <a:prstGeom prst="roundRect">
+            <a:avLst/>
+          </a:prstGeom>
+        </p:spPr>
+        <p:style>
+          <a:lnRef idx="2">
+            <a:schemeClr val="accent1">
+              <a:shade val="15000"/>
+            </a:schemeClr>
+          </a:lnRef>
+          <a:fillRef idx="1">
+            <a:schemeClr val="accent1"/>
+          </a:fillRef>
+          <a:effectRef idx="0">
+            <a:schemeClr val="accent1"/>
+          </a:effectRef>
+          <a:fontRef idx="minor">
+            <a:schemeClr val="lt1"/>
+          </a:fontRef>
+        </p:style>
+        <p:txBody>
+          <a:bodyPr rtlCol="0" anchor="ctr"/>
+          <a:lstStyle/>
+          <a:p>
+            <a:pPr algn="ctr"/>
+            <a:r>
+              <a:rPr lang="en-IN" dirty="0"/>
+              <a:t>Mouse</a:t>
+            </a:r>
+          </a:p>
+          <a:p>
+            <a:pPr algn="ctr"/>
+            <a:r>
+              <a:rPr lang="en-IN" dirty="0"/>
+              <a:t>Events</a:t>
+            </a:r>
+            <a:endParaRPr lang="en-US" dirty="0"/>
+          </a:p>
+        </p:txBody>
+      </p:sp>
+      <p:sp>
+        <p:nvSpPr>
+          <p:cNvPr id="10" name="Rectangle: Rounded Corners 9">
+            <a:extLst>
+              <a:ext uri="{FF2B5EF4-FFF2-40B4-BE49-F238E27FC236}">
+                <a16:creationId xmlns:a16="http://schemas.microsoft.com/office/drawing/2014/main" id="{3B7A48AD-BB06-89CD-B473-4050D161DF7C}"/>
+              </a:ext>
+            </a:extLst>
+          </p:cNvPr>
+          <p:cNvSpPr/>
+          <p:nvPr/>
+        </p:nvSpPr>
+        <p:spPr>
+          <a:xfrm>
+            <a:off x="3564295" y="5318449"/>
+            <a:ext cx="1166327" cy="646331"/>
+          </a:xfrm>
+          <a:prstGeom prst="roundRect">
+            <a:avLst/>
+          </a:prstGeom>
+        </p:spPr>
+        <p:style>
+          <a:lnRef idx="2">
+            <a:schemeClr val="accent1">
+              <a:shade val="15000"/>
+            </a:schemeClr>
+          </a:lnRef>
+          <a:fillRef idx="1">
+            <a:schemeClr val="accent1"/>
+          </a:fillRef>
+          <a:effectRef idx="0">
+            <a:schemeClr val="accent1"/>
+          </a:effectRef>
+          <a:fontRef idx="minor">
+            <a:schemeClr val="lt1"/>
+          </a:fontRef>
+        </p:style>
+        <p:txBody>
+          <a:bodyPr rtlCol="0" anchor="ctr"/>
+          <a:lstStyle/>
+          <a:p>
+            <a:pPr algn="ctr"/>
+            <a:r>
+              <a:rPr lang="en-IN" dirty="0"/>
+              <a:t>Keyboard</a:t>
+            </a:r>
+          </a:p>
+          <a:p>
+            <a:pPr algn="ctr"/>
+            <a:r>
+              <a:rPr lang="en-IN" dirty="0"/>
+              <a:t>Events</a:t>
+            </a:r>
+            <a:endParaRPr lang="en-US" dirty="0"/>
+          </a:p>
+        </p:txBody>
+      </p:sp>
+      <p:sp>
+        <p:nvSpPr>
+          <p:cNvPr id="11" name="Rectangle: Rounded Corners 10">
+            <a:extLst>
+              <a:ext uri="{FF2B5EF4-FFF2-40B4-BE49-F238E27FC236}">
+                <a16:creationId xmlns:a16="http://schemas.microsoft.com/office/drawing/2014/main" id="{AB8540AD-9E96-4F82-60EF-FC08FD1FCF5C}"/>
+              </a:ext>
+            </a:extLst>
+          </p:cNvPr>
+          <p:cNvSpPr/>
+          <p:nvPr/>
+        </p:nvSpPr>
+        <p:spPr>
+          <a:xfrm>
+            <a:off x="4901683" y="5320969"/>
+            <a:ext cx="4195664" cy="646331"/>
+          </a:xfrm>
+          <a:prstGeom prst="roundRect">
+            <a:avLst/>
+          </a:prstGeom>
+        </p:spPr>
+        <p:style>
+          <a:lnRef idx="2">
+            <a:schemeClr val="accent1">
+              <a:shade val="15000"/>
+            </a:schemeClr>
+          </a:lnRef>
+          <a:fillRef idx="1">
+            <a:schemeClr val="accent1"/>
+          </a:fillRef>
+          <a:effectRef idx="0">
+            <a:schemeClr val="accent1"/>
+          </a:effectRef>
+          <a:fontRef idx="minor">
+            <a:schemeClr val="lt1"/>
+          </a:fontRef>
+        </p:style>
+        <p:txBody>
+          <a:bodyPr rtlCol="0" anchor="ctr"/>
+          <a:lstStyle/>
+          <a:p>
+            <a:pPr algn="ctr"/>
+            <a:r>
+              <a:rPr lang="en-IN" dirty="0"/>
+              <a:t>System Events </a:t>
+            </a:r>
+          </a:p>
+          <a:p>
+            <a:pPr algn="ctr"/>
+            <a:r>
+              <a:rPr lang="en-IN" dirty="0"/>
+              <a:t>a Bridge Between .NET and Host OS</a:t>
+            </a:r>
+            <a:endParaRPr lang="en-US" dirty="0"/>
+          </a:p>
+        </p:txBody>
+      </p:sp>
+      <p:sp>
+        <p:nvSpPr>
+          <p:cNvPr id="12" name="Rectangle: Rounded Corners 11">
+            <a:extLst>
+              <a:ext uri="{FF2B5EF4-FFF2-40B4-BE49-F238E27FC236}">
+                <a16:creationId xmlns:a16="http://schemas.microsoft.com/office/drawing/2014/main" id="{FD3825CF-D01F-354F-D642-AEB158296042}"/>
+              </a:ext>
+            </a:extLst>
+          </p:cNvPr>
+          <p:cNvSpPr/>
+          <p:nvPr/>
+        </p:nvSpPr>
+        <p:spPr>
+          <a:xfrm>
+            <a:off x="9902891" y="5318449"/>
+            <a:ext cx="1166327" cy="646331"/>
+          </a:xfrm>
+          <a:prstGeom prst="roundRect">
+            <a:avLst/>
+          </a:prstGeom>
+        </p:spPr>
+        <p:style>
+          <a:lnRef idx="2">
+            <a:schemeClr val="accent1">
+              <a:shade val="15000"/>
+            </a:schemeClr>
+          </a:lnRef>
+          <a:fillRef idx="1">
+            <a:schemeClr val="accent1"/>
+          </a:fillRef>
+          <a:effectRef idx="0">
+            <a:schemeClr val="accent1"/>
+          </a:effectRef>
+          <a:fontRef idx="minor">
+            <a:schemeClr val="lt1"/>
+          </a:fontRef>
+        </p:style>
+        <p:txBody>
+          <a:bodyPr rtlCol="0" anchor="ctr"/>
+          <a:lstStyle/>
+          <a:p>
+            <a:pPr algn="ctr"/>
+            <a:r>
+              <a:rPr lang="en-IN" dirty="0" err="1"/>
+              <a:t>.Net</a:t>
+            </a:r>
+            <a:r>
+              <a:rPr lang="en-IN" dirty="0"/>
+              <a:t> UI Events</a:t>
+            </a:r>
+            <a:endParaRPr lang="en-US" dirty="0"/>
+          </a:p>
+        </p:txBody>
+      </p:sp>
+      <p:cxnSp>
+        <p:nvCxnSpPr>
+          <p:cNvPr id="14" name="Connector: Elbow 13">
+            <a:extLst>
+              <a:ext uri="{FF2B5EF4-FFF2-40B4-BE49-F238E27FC236}">
+                <a16:creationId xmlns:a16="http://schemas.microsoft.com/office/drawing/2014/main" id="{99DA59E2-E2EA-4676-342D-1D48CD77B828}"/>
+              </a:ext>
+            </a:extLst>
+          </p:cNvPr>
+          <p:cNvCxnSpPr>
+            <a:stCxn id="4" idx="1"/>
+            <a:endCxn id="8" idx="0"/>
+          </p:cNvCxnSpPr>
+          <p:nvPr/>
+        </p:nvCxnSpPr>
+        <p:spPr>
+          <a:xfrm rot="10800000" flipV="1">
+            <a:off x="1226977" y="4540603"/>
+            <a:ext cx="2999791" cy="777846"/>
+          </a:xfrm>
+          <a:prstGeom prst="bentConnector2">
+            <a:avLst/>
+          </a:prstGeom>
+          <a:ln>
+            <a:tailEnd type="triangle"/>
+          </a:ln>
+        </p:spPr>
+        <p:style>
+          <a:lnRef idx="1">
+            <a:schemeClr val="accent1"/>
+          </a:lnRef>
+          <a:fillRef idx="0">
+            <a:schemeClr val="accent1"/>
+          </a:fillRef>
+          <a:effectRef idx="0">
+            <a:schemeClr val="accent1"/>
+          </a:effectRef>
+          <a:fontRef idx="minor">
+            <a:schemeClr val="tx1"/>
+          </a:fontRef>
+        </p:style>
+      </p:cxnSp>
+      <p:cxnSp>
+        <p:nvCxnSpPr>
+          <p:cNvPr id="19" name="Connector: Elbow 18">
+            <a:extLst>
+              <a:ext uri="{FF2B5EF4-FFF2-40B4-BE49-F238E27FC236}">
+                <a16:creationId xmlns:a16="http://schemas.microsoft.com/office/drawing/2014/main" id="{4776358B-2E6B-25AB-FDC2-BBF49F821CA2}"/>
+              </a:ext>
+            </a:extLst>
+          </p:cNvPr>
+          <p:cNvCxnSpPr>
+            <a:endCxn id="9" idx="0"/>
+          </p:cNvCxnSpPr>
+          <p:nvPr/>
+        </p:nvCxnSpPr>
+        <p:spPr>
+          <a:xfrm rot="10800000" flipV="1">
+            <a:off x="2685663" y="4540601"/>
+            <a:ext cx="1541105" cy="777847"/>
+          </a:xfrm>
+          <a:prstGeom prst="bentConnector2">
+            <a:avLst/>
+          </a:prstGeom>
+          <a:ln>
+            <a:tailEnd type="triangle"/>
+          </a:ln>
+        </p:spPr>
+        <p:style>
+          <a:lnRef idx="1">
+            <a:schemeClr val="accent1"/>
+          </a:lnRef>
+          <a:fillRef idx="0">
+            <a:schemeClr val="accent1"/>
+          </a:fillRef>
+          <a:effectRef idx="0">
+            <a:schemeClr val="accent1"/>
+          </a:effectRef>
+          <a:fontRef idx="minor">
+            <a:schemeClr val="tx1"/>
+          </a:fontRef>
+        </p:style>
+      </p:cxnSp>
+      <p:cxnSp>
+        <p:nvCxnSpPr>
+          <p:cNvPr id="21" name="Connector: Elbow 20">
+            <a:extLst>
+              <a:ext uri="{FF2B5EF4-FFF2-40B4-BE49-F238E27FC236}">
+                <a16:creationId xmlns:a16="http://schemas.microsoft.com/office/drawing/2014/main" id="{3C7B7D35-34CB-75E6-9ECF-34C313BA2176}"/>
+              </a:ext>
+            </a:extLst>
+          </p:cNvPr>
+          <p:cNvCxnSpPr>
+            <a:stCxn id="4" idx="2"/>
+            <a:endCxn id="10" idx="0"/>
+          </p:cNvCxnSpPr>
+          <p:nvPr/>
+        </p:nvCxnSpPr>
+        <p:spPr>
+          <a:xfrm rot="5400000">
+            <a:off x="4797196" y="4214032"/>
+            <a:ext cx="454681" cy="1754153"/>
+          </a:xfrm>
+          <a:prstGeom prst="bentConnector3">
+            <a:avLst/>
+          </a:prstGeom>
+          <a:ln>
+            <a:tailEnd type="triangle"/>
+          </a:ln>
+        </p:spPr>
+        <p:style>
+          <a:lnRef idx="1">
+            <a:schemeClr val="accent1"/>
+          </a:lnRef>
+          <a:fillRef idx="0">
+            <a:schemeClr val="accent1"/>
+          </a:fillRef>
+          <a:effectRef idx="0">
+            <a:schemeClr val="accent1"/>
+          </a:effectRef>
+          <a:fontRef idx="minor">
+            <a:schemeClr val="tx1"/>
+          </a:fontRef>
+        </p:style>
+      </p:cxnSp>
+      <p:cxnSp>
+        <p:nvCxnSpPr>
+          <p:cNvPr id="23" name="Connector: Elbow 22">
+            <a:extLst>
+              <a:ext uri="{FF2B5EF4-FFF2-40B4-BE49-F238E27FC236}">
+                <a16:creationId xmlns:a16="http://schemas.microsoft.com/office/drawing/2014/main" id="{6954F915-EFB4-9950-ADE2-2017E786BB94}"/>
+              </a:ext>
+            </a:extLst>
+          </p:cNvPr>
+          <p:cNvCxnSpPr>
+            <a:endCxn id="11" idx="0"/>
+          </p:cNvCxnSpPr>
+          <p:nvPr/>
+        </p:nvCxnSpPr>
+        <p:spPr>
+          <a:xfrm>
+            <a:off x="5901612" y="4863768"/>
+            <a:ext cx="1097903" cy="457201"/>
+          </a:xfrm>
+          <a:prstGeom prst="bentConnector2">
+            <a:avLst/>
+          </a:prstGeom>
+          <a:ln>
+            <a:tailEnd type="triangle"/>
+          </a:ln>
+        </p:spPr>
+        <p:style>
+          <a:lnRef idx="1">
+            <a:schemeClr val="accent1"/>
+          </a:lnRef>
+          <a:fillRef idx="0">
+            <a:schemeClr val="accent1"/>
+          </a:fillRef>
+          <a:effectRef idx="0">
+            <a:schemeClr val="accent1"/>
+          </a:effectRef>
+          <a:fontRef idx="minor">
+            <a:schemeClr val="tx1"/>
+          </a:fontRef>
+        </p:style>
+      </p:cxnSp>
+      <p:cxnSp>
+        <p:nvCxnSpPr>
+          <p:cNvPr id="25" name="Connector: Elbow 24">
+            <a:extLst>
+              <a:ext uri="{FF2B5EF4-FFF2-40B4-BE49-F238E27FC236}">
+                <a16:creationId xmlns:a16="http://schemas.microsoft.com/office/drawing/2014/main" id="{C6F9C559-D069-3C2B-2E59-9B91994D3ED3}"/>
+              </a:ext>
+            </a:extLst>
+          </p:cNvPr>
+          <p:cNvCxnSpPr>
+            <a:stCxn id="4" idx="3"/>
+            <a:endCxn id="12" idx="0"/>
+          </p:cNvCxnSpPr>
+          <p:nvPr/>
+        </p:nvCxnSpPr>
+        <p:spPr>
+          <a:xfrm>
+            <a:off x="7576457" y="4540603"/>
+            <a:ext cx="2909598" cy="777846"/>
+          </a:xfrm>
+          <a:prstGeom prst="bentConnector2">
+            <a:avLst/>
+          </a:prstGeom>
+          <a:ln>
+            <a:tailEnd type="triangle"/>
+          </a:ln>
+        </p:spPr>
+        <p:style>
+          <a:lnRef idx="1">
+            <a:schemeClr val="accent1"/>
+          </a:lnRef>
+          <a:fillRef idx="0">
+            <a:schemeClr val="accent1"/>
+          </a:fillRef>
+          <a:effectRef idx="0">
+            <a:schemeClr val="accent1"/>
+          </a:effectRef>
+          <a:fontRef idx="minor">
+            <a:schemeClr val="tx1"/>
+          </a:fontRef>
+        </p:style>
+      </p:cxnSp>
+      <p:sp>
+        <p:nvSpPr>
+          <p:cNvPr id="26" name="Rectangle 25">
+            <a:extLst>
+              <a:ext uri="{FF2B5EF4-FFF2-40B4-BE49-F238E27FC236}">
+                <a16:creationId xmlns:a16="http://schemas.microsoft.com/office/drawing/2014/main" id="{9936CFC3-852D-F6E3-5A9A-37C2484D9F7D}"/>
+              </a:ext>
+            </a:extLst>
+          </p:cNvPr>
+          <p:cNvSpPr/>
+          <p:nvPr/>
+        </p:nvSpPr>
+        <p:spPr>
+          <a:xfrm>
+            <a:off x="7931019" y="261257"/>
+            <a:ext cx="1791479" cy="2248678"/>
+          </a:xfrm>
+          <a:prstGeom prst="rect">
+            <a:avLst/>
+          </a:prstGeom>
+        </p:spPr>
+        <p:style>
+          <a:lnRef idx="2">
+            <a:schemeClr val="accent6"/>
+          </a:lnRef>
+          <a:fillRef idx="1">
+            <a:schemeClr val="lt1"/>
+          </a:fillRef>
+          <a:effectRef idx="0">
+            <a:schemeClr val="accent6"/>
+          </a:effectRef>
+          <a:fontRef idx="minor">
+            <a:schemeClr val="dk1"/>
+          </a:fontRef>
+        </p:style>
+        <p:txBody>
+          <a:bodyPr rtlCol="0" anchor="ctr"/>
+          <a:lstStyle/>
+          <a:p>
+            <a:pPr algn="ctr"/>
+            <a:endParaRPr lang="en-US"/>
+          </a:p>
+        </p:txBody>
+      </p:sp>
+      <p:sp>
+        <p:nvSpPr>
+          <p:cNvPr id="27" name="TextBox 26">
+            <a:extLst>
+              <a:ext uri="{FF2B5EF4-FFF2-40B4-BE49-F238E27FC236}">
+                <a16:creationId xmlns:a16="http://schemas.microsoft.com/office/drawing/2014/main" id="{B0F6F8F1-7258-6316-D8A0-397DE82F5092}"/>
+              </a:ext>
+            </a:extLst>
+          </p:cNvPr>
+          <p:cNvSpPr txBox="1"/>
+          <p:nvPr/>
+        </p:nvSpPr>
+        <p:spPr>
+          <a:xfrm>
+            <a:off x="7931019" y="258737"/>
+            <a:ext cx="1791479" cy="369332"/>
+          </a:xfrm>
+          <a:prstGeom prst="rect">
+            <a:avLst/>
+          </a:prstGeom>
+          <a:noFill/>
+        </p:spPr>
+        <p:txBody>
+          <a:bodyPr wrap="square" rtlCol="0">
+            <a:spAutoFit/>
+          </a:bodyPr>
+          <a:lstStyle/>
+          <a:p>
+            <a:pPr algn="ctr"/>
+            <a:r>
+              <a:rPr lang="en-IN" b="1" dirty="0"/>
+              <a:t>Banking</a:t>
+            </a:r>
+            <a:endParaRPr lang="en-US" b="1" dirty="0"/>
+          </a:p>
+        </p:txBody>
+      </p:sp>
+      <p:sp>
+        <p:nvSpPr>
+          <p:cNvPr id="28" name="Rectangle 27">
+            <a:extLst>
+              <a:ext uri="{FF2B5EF4-FFF2-40B4-BE49-F238E27FC236}">
+                <a16:creationId xmlns:a16="http://schemas.microsoft.com/office/drawing/2014/main" id="{D7B0140C-DC50-2BAB-E408-FFB917AD9BBE}"/>
+              </a:ext>
+            </a:extLst>
+          </p:cNvPr>
+          <p:cNvSpPr/>
+          <p:nvPr/>
+        </p:nvSpPr>
+        <p:spPr>
+          <a:xfrm>
+            <a:off x="7931019" y="890700"/>
+            <a:ext cx="1791479" cy="369332"/>
+          </a:xfrm>
+          <a:prstGeom prst="rect">
+            <a:avLst/>
+          </a:prstGeom>
+        </p:spPr>
+        <p:style>
+          <a:lnRef idx="2">
+            <a:schemeClr val="accent1">
+              <a:shade val="15000"/>
+            </a:schemeClr>
+          </a:lnRef>
+          <a:fillRef idx="1">
+            <a:schemeClr val="accent1"/>
+          </a:fillRef>
+          <a:effectRef idx="0">
+            <a:schemeClr val="accent1"/>
+          </a:effectRef>
+          <a:fontRef idx="minor">
+            <a:schemeClr val="lt1"/>
+          </a:fontRef>
+        </p:style>
+        <p:txBody>
+          <a:bodyPr rtlCol="0" anchor="ctr"/>
+          <a:lstStyle/>
+          <a:p>
+            <a:pPr algn="ctr"/>
+            <a:r>
+              <a:rPr lang="en-IN" dirty="0"/>
+              <a:t>Deposit</a:t>
+            </a:r>
+            <a:endParaRPr lang="en-US" dirty="0"/>
+          </a:p>
+        </p:txBody>
+      </p:sp>
+      <p:sp>
+        <p:nvSpPr>
+          <p:cNvPr id="29" name="Rectangle 28">
+            <a:extLst>
+              <a:ext uri="{FF2B5EF4-FFF2-40B4-BE49-F238E27FC236}">
+                <a16:creationId xmlns:a16="http://schemas.microsoft.com/office/drawing/2014/main" id="{484D53F2-80A8-DA63-B658-B8C9E4F6AF2C}"/>
+              </a:ext>
+            </a:extLst>
+          </p:cNvPr>
+          <p:cNvSpPr/>
+          <p:nvPr/>
+        </p:nvSpPr>
+        <p:spPr>
+          <a:xfrm>
+            <a:off x="7931019" y="1539551"/>
+            <a:ext cx="1791479" cy="369332"/>
+          </a:xfrm>
+          <a:prstGeom prst="rect">
+            <a:avLst/>
+          </a:prstGeom>
+        </p:spPr>
+        <p:style>
+          <a:lnRef idx="2">
+            <a:schemeClr val="accent1">
+              <a:shade val="15000"/>
+            </a:schemeClr>
+          </a:lnRef>
+          <a:fillRef idx="1">
+            <a:schemeClr val="accent1"/>
+          </a:fillRef>
+          <a:effectRef idx="0">
+            <a:schemeClr val="accent1"/>
+          </a:effectRef>
+          <a:fontRef idx="minor">
+            <a:schemeClr val="lt1"/>
+          </a:fontRef>
+        </p:style>
+        <p:txBody>
+          <a:bodyPr rtlCol="0" anchor="ctr"/>
+          <a:lstStyle/>
+          <a:p>
+            <a:pPr algn="ctr"/>
+            <a:r>
+              <a:rPr lang="en-IN" dirty="0"/>
+              <a:t>Withdrawal</a:t>
+            </a:r>
+            <a:endParaRPr lang="en-US" dirty="0"/>
+          </a:p>
+        </p:txBody>
+      </p:sp>
+      <p:sp>
+        <p:nvSpPr>
+          <p:cNvPr id="30" name="Rectangle 29">
+            <a:extLst>
+              <a:ext uri="{FF2B5EF4-FFF2-40B4-BE49-F238E27FC236}">
+                <a16:creationId xmlns:a16="http://schemas.microsoft.com/office/drawing/2014/main" id="{DCA32DDB-B830-FC6F-93DB-0F933634D9F7}"/>
+              </a:ext>
+            </a:extLst>
+          </p:cNvPr>
+          <p:cNvSpPr/>
+          <p:nvPr/>
+        </p:nvSpPr>
+        <p:spPr>
+          <a:xfrm>
+            <a:off x="401216" y="574719"/>
+            <a:ext cx="1701282" cy="1067469"/>
+          </a:xfrm>
+          <a:prstGeom prst="rect">
+            <a:avLst/>
+          </a:prstGeom>
+        </p:spPr>
+        <p:style>
+          <a:lnRef idx="2">
+            <a:schemeClr val="accent6"/>
+          </a:lnRef>
+          <a:fillRef idx="1">
+            <a:schemeClr val="lt1"/>
+          </a:fillRef>
+          <a:effectRef idx="0">
+            <a:schemeClr val="accent6"/>
+          </a:effectRef>
+          <a:fontRef idx="minor">
+            <a:schemeClr val="dk1"/>
+          </a:fontRef>
+        </p:style>
+        <p:txBody>
+          <a:bodyPr rtlCol="0" anchor="ctr"/>
+          <a:lstStyle/>
+          <a:p>
+            <a:pPr algn="ctr"/>
+            <a:endParaRPr lang="en-US"/>
+          </a:p>
+        </p:txBody>
+      </p:sp>
+      <p:sp>
+        <p:nvSpPr>
+          <p:cNvPr id="31" name="TextBox 30">
+            <a:extLst>
+              <a:ext uri="{FF2B5EF4-FFF2-40B4-BE49-F238E27FC236}">
+                <a16:creationId xmlns:a16="http://schemas.microsoft.com/office/drawing/2014/main" id="{CE017057-8F25-B9FE-3653-BADC3DCD30D4}"/>
+              </a:ext>
+            </a:extLst>
+          </p:cNvPr>
+          <p:cNvSpPr txBox="1"/>
+          <p:nvPr/>
+        </p:nvSpPr>
+        <p:spPr>
+          <a:xfrm>
+            <a:off x="503853" y="628069"/>
+            <a:ext cx="1598645" cy="369332"/>
+          </a:xfrm>
+          <a:prstGeom prst="rect">
+            <a:avLst/>
+          </a:prstGeom>
+          <a:noFill/>
+        </p:spPr>
+        <p:txBody>
+          <a:bodyPr wrap="square" rtlCol="0">
+            <a:spAutoFit/>
+          </a:bodyPr>
+          <a:lstStyle/>
+          <a:p>
+            <a:pPr algn="ctr"/>
+            <a:r>
+              <a:rPr lang="en-IN" b="1" dirty="0"/>
+              <a:t>Client</a:t>
+            </a:r>
+            <a:endParaRPr lang="en-US" b="1" dirty="0"/>
+          </a:p>
+        </p:txBody>
+      </p:sp>
+      <p:cxnSp>
+        <p:nvCxnSpPr>
+          <p:cNvPr id="33" name="Connector: Elbow 32">
+            <a:extLst>
+              <a:ext uri="{FF2B5EF4-FFF2-40B4-BE49-F238E27FC236}">
+                <a16:creationId xmlns:a16="http://schemas.microsoft.com/office/drawing/2014/main" id="{C73A5D69-DAC8-75F2-9DBB-4F4BC96EAAE3}"/>
+              </a:ext>
+            </a:extLst>
+          </p:cNvPr>
+          <p:cNvCxnSpPr>
+            <a:cxnSpLocks/>
+            <a:stCxn id="30" idx="3"/>
+            <a:endCxn id="28" idx="1"/>
+          </p:cNvCxnSpPr>
+          <p:nvPr/>
+        </p:nvCxnSpPr>
+        <p:spPr>
+          <a:xfrm flipV="1">
+            <a:off x="2102498" y="1075366"/>
+            <a:ext cx="5828521" cy="33088"/>
+          </a:xfrm>
+          <a:prstGeom prst="bentConnector3">
+            <a:avLst/>
+          </a:prstGeom>
+          <a:ln>
+            <a:tailEnd type="triangle"/>
+          </a:ln>
+        </p:spPr>
+        <p:style>
+          <a:lnRef idx="1">
+            <a:schemeClr val="accent1"/>
+          </a:lnRef>
+          <a:fillRef idx="0">
+            <a:schemeClr val="accent1"/>
+          </a:fillRef>
+          <a:effectRef idx="0">
+            <a:schemeClr val="accent1"/>
+          </a:effectRef>
+          <a:fontRef idx="minor">
+            <a:schemeClr val="tx1"/>
+          </a:fontRef>
+        </p:style>
+      </p:cxnSp>
+      <p:cxnSp>
+        <p:nvCxnSpPr>
+          <p:cNvPr id="35" name="Connector: Elbow 34">
+            <a:extLst>
+              <a:ext uri="{FF2B5EF4-FFF2-40B4-BE49-F238E27FC236}">
+                <a16:creationId xmlns:a16="http://schemas.microsoft.com/office/drawing/2014/main" id="{70B13FCC-8B52-E92B-9160-30EE938B6F8C}"/>
+              </a:ext>
+            </a:extLst>
+          </p:cNvPr>
+          <p:cNvCxnSpPr>
+            <a:cxnSpLocks/>
+            <a:stCxn id="30" idx="3"/>
+            <a:endCxn id="29" idx="1"/>
+          </p:cNvCxnSpPr>
+          <p:nvPr/>
+        </p:nvCxnSpPr>
+        <p:spPr>
+          <a:xfrm>
+            <a:off x="2102498" y="1108454"/>
+            <a:ext cx="5828521" cy="615763"/>
+          </a:xfrm>
+          <a:prstGeom prst="bentConnector3">
+            <a:avLst/>
+          </a:prstGeom>
+          <a:ln>
+            <a:tailEnd type="triangle"/>
+          </a:ln>
+        </p:spPr>
+        <p:style>
+          <a:lnRef idx="1">
+            <a:schemeClr val="accent1"/>
+          </a:lnRef>
+          <a:fillRef idx="0">
+            <a:schemeClr val="accent1"/>
+          </a:fillRef>
+          <a:effectRef idx="0">
+            <a:schemeClr val="accent1"/>
+          </a:effectRef>
+          <a:fontRef idx="minor">
+            <a:schemeClr val="tx1"/>
+          </a:fontRef>
+        </p:style>
+      </p:cxnSp>
+      <p:sp>
+        <p:nvSpPr>
+          <p:cNvPr id="36" name="Cylinder 35">
+            <a:extLst>
+              <a:ext uri="{FF2B5EF4-FFF2-40B4-BE49-F238E27FC236}">
+                <a16:creationId xmlns:a16="http://schemas.microsoft.com/office/drawing/2014/main" id="{B6340223-1DF5-DC48-826A-9C4B4487578D}"/>
+              </a:ext>
+            </a:extLst>
+          </p:cNvPr>
+          <p:cNvSpPr/>
+          <p:nvPr/>
+        </p:nvSpPr>
+        <p:spPr>
+          <a:xfrm>
+            <a:off x="10189029" y="1072846"/>
+            <a:ext cx="1558212" cy="780052"/>
+          </a:xfrm>
+          <a:prstGeom prst="can">
+            <a:avLst/>
+          </a:prstGeom>
+        </p:spPr>
+        <p:style>
+          <a:lnRef idx="2">
+            <a:schemeClr val="accent1">
+              <a:shade val="15000"/>
+            </a:schemeClr>
+          </a:lnRef>
+          <a:fillRef idx="1">
+            <a:schemeClr val="accent1"/>
+          </a:fillRef>
+          <a:effectRef idx="0">
+            <a:schemeClr val="accent1"/>
+          </a:effectRef>
+          <a:fontRef idx="minor">
+            <a:schemeClr val="lt1"/>
+          </a:fontRef>
+        </p:style>
+        <p:txBody>
+          <a:bodyPr rtlCol="0" anchor="ctr"/>
+          <a:lstStyle/>
+          <a:p>
+            <a:pPr algn="ctr"/>
+            <a:r>
+              <a:rPr lang="en-IN" dirty="0"/>
+              <a:t>DB</a:t>
+            </a:r>
+            <a:endParaRPr lang="en-US" dirty="0"/>
+          </a:p>
+        </p:txBody>
+      </p:sp>
+      <p:cxnSp>
+        <p:nvCxnSpPr>
+          <p:cNvPr id="38" name="Connector: Elbow 37">
+            <a:extLst>
+              <a:ext uri="{FF2B5EF4-FFF2-40B4-BE49-F238E27FC236}">
+                <a16:creationId xmlns:a16="http://schemas.microsoft.com/office/drawing/2014/main" id="{7C35328A-0C36-8168-D8E3-3A81C4ABD155}"/>
+              </a:ext>
+            </a:extLst>
+          </p:cNvPr>
+          <p:cNvCxnSpPr>
+            <a:stCxn id="28" idx="3"/>
+            <a:endCxn id="36" idx="2"/>
+          </p:cNvCxnSpPr>
+          <p:nvPr/>
+        </p:nvCxnSpPr>
+        <p:spPr>
+          <a:xfrm>
+            <a:off x="9722498" y="1075366"/>
+            <a:ext cx="466531" cy="387506"/>
+          </a:xfrm>
+          <a:prstGeom prst="bentConnector3">
+            <a:avLst/>
+          </a:prstGeom>
+          <a:ln>
+            <a:tailEnd type="triangle"/>
+          </a:ln>
+        </p:spPr>
+        <p:style>
+          <a:lnRef idx="1">
+            <a:schemeClr val="accent1"/>
+          </a:lnRef>
+          <a:fillRef idx="0">
+            <a:schemeClr val="accent1"/>
+          </a:fillRef>
+          <a:effectRef idx="0">
+            <a:schemeClr val="accent1"/>
+          </a:effectRef>
+          <a:fontRef idx="minor">
+            <a:schemeClr val="tx1"/>
+          </a:fontRef>
+        </p:style>
+      </p:cxnSp>
+      <p:cxnSp>
+        <p:nvCxnSpPr>
+          <p:cNvPr id="40" name="Connector: Elbow 39">
+            <a:extLst>
+              <a:ext uri="{FF2B5EF4-FFF2-40B4-BE49-F238E27FC236}">
+                <a16:creationId xmlns:a16="http://schemas.microsoft.com/office/drawing/2014/main" id="{91A1ED1C-5A10-4CDD-7E63-C9F120CD96D3}"/>
+              </a:ext>
+            </a:extLst>
+          </p:cNvPr>
+          <p:cNvCxnSpPr>
+            <a:stCxn id="29" idx="3"/>
+            <a:endCxn id="36" idx="2"/>
+          </p:cNvCxnSpPr>
+          <p:nvPr/>
+        </p:nvCxnSpPr>
+        <p:spPr>
+          <a:xfrm flipV="1">
+            <a:off x="9722498" y="1462872"/>
+            <a:ext cx="466531" cy="261345"/>
+          </a:xfrm>
+          <a:prstGeom prst="bentConnector3">
+            <a:avLst/>
+          </a:prstGeom>
+          <a:ln>
+            <a:tailEnd type="triangle"/>
+          </a:ln>
+        </p:spPr>
+        <p:style>
+          <a:lnRef idx="1">
+            <a:schemeClr val="accent1"/>
+          </a:lnRef>
+          <a:fillRef idx="0">
+            <a:schemeClr val="accent1"/>
+          </a:fillRef>
+          <a:effectRef idx="0">
+            <a:schemeClr val="accent1"/>
+          </a:effectRef>
+          <a:fontRef idx="minor">
+            <a:schemeClr val="tx1"/>
+          </a:fontRef>
+        </p:style>
+      </p:cxnSp>
+      <p:sp>
+        <p:nvSpPr>
+          <p:cNvPr id="43" name="Rectangle: Rounded Corners 42">
+            <a:extLst>
+              <a:ext uri="{FF2B5EF4-FFF2-40B4-BE49-F238E27FC236}">
+                <a16:creationId xmlns:a16="http://schemas.microsoft.com/office/drawing/2014/main" id="{435BC836-94BC-E91B-6227-7C3C765761BF}"/>
+              </a:ext>
+            </a:extLst>
+          </p:cNvPr>
+          <p:cNvSpPr/>
+          <p:nvPr/>
+        </p:nvSpPr>
+        <p:spPr>
+          <a:xfrm>
+            <a:off x="4599992" y="2741940"/>
+            <a:ext cx="2211355" cy="935581"/>
+          </a:xfrm>
+          <a:prstGeom prst="roundRect">
+            <a:avLst/>
+          </a:prstGeom>
+        </p:spPr>
+        <p:style>
+          <a:lnRef idx="2">
+            <a:schemeClr val="dk1">
+              <a:shade val="15000"/>
+            </a:schemeClr>
+          </a:lnRef>
+          <a:fillRef idx="1">
+            <a:schemeClr val="dk1"/>
+          </a:fillRef>
+          <a:effectRef idx="0">
+            <a:schemeClr val="dk1"/>
+          </a:effectRef>
+          <a:fontRef idx="minor">
+            <a:schemeClr val="lt1"/>
+          </a:fontRef>
+        </p:style>
+        <p:txBody>
+          <a:bodyPr rtlCol="0" anchor="ctr"/>
+          <a:lstStyle/>
+          <a:p>
+            <a:pPr algn="ctr"/>
+            <a:r>
+              <a:rPr lang="en-IN" b="1" dirty="0"/>
+              <a:t>Notification system</a:t>
+            </a:r>
+          </a:p>
+          <a:p>
+            <a:pPr algn="ctr"/>
+            <a:r>
+              <a:rPr lang="en-IN" b="1" dirty="0"/>
+              <a:t>Aka</a:t>
+            </a:r>
+          </a:p>
+          <a:p>
+            <a:pPr algn="ctr"/>
+            <a:r>
+              <a:rPr lang="en-IN" b="1" dirty="0"/>
+              <a:t>Listener</a:t>
+            </a:r>
+            <a:endParaRPr lang="en-US" b="1" dirty="0"/>
+          </a:p>
+        </p:txBody>
+      </p:sp>
+      <p:cxnSp>
+        <p:nvCxnSpPr>
+          <p:cNvPr id="45" name="Connector: Elbow 44">
+            <a:extLst>
+              <a:ext uri="{FF2B5EF4-FFF2-40B4-BE49-F238E27FC236}">
+                <a16:creationId xmlns:a16="http://schemas.microsoft.com/office/drawing/2014/main" id="{9E8FA035-1A81-0C8D-812F-0877111F8268}"/>
+              </a:ext>
+            </a:extLst>
+          </p:cNvPr>
+          <p:cNvCxnSpPr>
+            <a:cxnSpLocks/>
+            <a:stCxn id="26" idx="2"/>
+            <a:endCxn id="43" idx="3"/>
+          </p:cNvCxnSpPr>
+          <p:nvPr/>
+        </p:nvCxnSpPr>
+        <p:spPr>
+          <a:xfrm rot="5400000">
+            <a:off x="7469155" y="1852127"/>
+            <a:ext cx="699796" cy="2015412"/>
+          </a:xfrm>
+          <a:prstGeom prst="bentConnector2">
+            <a:avLst/>
+          </a:prstGeom>
+          <a:ln>
+            <a:tailEnd type="triangle"/>
+          </a:ln>
+        </p:spPr>
+        <p:style>
+          <a:lnRef idx="1">
+            <a:schemeClr val="accent1"/>
+          </a:lnRef>
+          <a:fillRef idx="0">
+            <a:schemeClr val="accent1"/>
+          </a:fillRef>
+          <a:effectRef idx="0">
+            <a:schemeClr val="accent1"/>
+          </a:effectRef>
+          <a:fontRef idx="minor">
+            <a:schemeClr val="tx1"/>
+          </a:fontRef>
+        </p:style>
+      </p:cxnSp>
+      <p:sp>
+        <p:nvSpPr>
+          <p:cNvPr id="46" name="TextBox 45">
+            <a:extLst>
+              <a:ext uri="{FF2B5EF4-FFF2-40B4-BE49-F238E27FC236}">
+                <a16:creationId xmlns:a16="http://schemas.microsoft.com/office/drawing/2014/main" id="{01AD5127-D639-2080-653D-CAB097AF74AD}"/>
+              </a:ext>
+            </a:extLst>
+          </p:cNvPr>
+          <p:cNvSpPr txBox="1"/>
+          <p:nvPr/>
+        </p:nvSpPr>
+        <p:spPr>
+          <a:xfrm>
+            <a:off x="6999515" y="2926606"/>
+            <a:ext cx="1649963" cy="646331"/>
+          </a:xfrm>
+          <a:prstGeom prst="rect">
+            <a:avLst/>
+          </a:prstGeom>
+          <a:noFill/>
+        </p:spPr>
+        <p:txBody>
+          <a:bodyPr wrap="square" rtlCol="0">
+            <a:spAutoFit/>
+          </a:bodyPr>
+          <a:lstStyle/>
+          <a:p>
+            <a:pPr algn="ctr"/>
+            <a:r>
+              <a:rPr lang="en-IN" dirty="0"/>
+              <a:t>Event Listen for Transaction</a:t>
+            </a:r>
+            <a:endParaRPr lang="en-US" dirty="0"/>
+          </a:p>
+        </p:txBody>
+      </p:sp>
+      <p:cxnSp>
+        <p:nvCxnSpPr>
+          <p:cNvPr id="48" name="Connector: Elbow 47">
+            <a:extLst>
+              <a:ext uri="{FF2B5EF4-FFF2-40B4-BE49-F238E27FC236}">
+                <a16:creationId xmlns:a16="http://schemas.microsoft.com/office/drawing/2014/main" id="{36E92051-451E-25ED-C43F-32C49078BD77}"/>
+              </a:ext>
+            </a:extLst>
+          </p:cNvPr>
+          <p:cNvCxnSpPr>
+            <a:cxnSpLocks/>
+            <a:stCxn id="43" idx="1"/>
+            <a:endCxn id="30" idx="2"/>
+          </p:cNvCxnSpPr>
+          <p:nvPr/>
+        </p:nvCxnSpPr>
+        <p:spPr>
+          <a:xfrm rot="10800000">
+            <a:off x="1251858" y="1642189"/>
+            <a:ext cx="3348135" cy="1567543"/>
+          </a:xfrm>
+          <a:prstGeom prst="bentConnector2">
+            <a:avLst/>
+          </a:prstGeom>
+          <a:ln>
+            <a:tailEnd type="triangle"/>
+          </a:ln>
+        </p:spPr>
+        <p:style>
+          <a:lnRef idx="1">
+            <a:schemeClr val="accent1"/>
+          </a:lnRef>
+          <a:fillRef idx="0">
+            <a:schemeClr val="accent1"/>
+          </a:fillRef>
+          <a:effectRef idx="0">
+            <a:schemeClr val="accent1"/>
+          </a:effectRef>
+          <a:fontRef idx="minor">
+            <a:schemeClr val="tx1"/>
+          </a:fontRef>
+        </p:style>
+      </p:cxnSp>
+      <p:sp>
+        <p:nvSpPr>
+          <p:cNvPr id="49" name="TextBox 48">
+            <a:extLst>
+              <a:ext uri="{FF2B5EF4-FFF2-40B4-BE49-F238E27FC236}">
+                <a16:creationId xmlns:a16="http://schemas.microsoft.com/office/drawing/2014/main" id="{D8A5220D-AFFD-27EF-F5D5-754D19FD4D20}"/>
+              </a:ext>
+            </a:extLst>
+          </p:cNvPr>
+          <p:cNvSpPr txBox="1"/>
+          <p:nvPr/>
+        </p:nvSpPr>
+        <p:spPr>
+          <a:xfrm>
+            <a:off x="544286" y="2341983"/>
+            <a:ext cx="2273559" cy="369332"/>
+          </a:xfrm>
+          <a:prstGeom prst="rect">
+            <a:avLst/>
+          </a:prstGeom>
+          <a:noFill/>
+        </p:spPr>
+        <p:txBody>
+          <a:bodyPr wrap="square" rtlCol="0">
+            <a:spAutoFit/>
+          </a:bodyPr>
+          <a:lstStyle/>
+          <a:p>
+            <a:r>
+              <a:rPr lang="en-IN" dirty="0"/>
+              <a:t>Notify to the client</a:t>
+            </a:r>
+            <a:endParaRPr lang="en-US" dirty="0"/>
+          </a:p>
+        </p:txBody>
+      </p:sp>
+      <p:cxnSp>
+        <p:nvCxnSpPr>
+          <p:cNvPr id="51" name="Connector: Elbow 50">
+            <a:extLst>
+              <a:ext uri="{FF2B5EF4-FFF2-40B4-BE49-F238E27FC236}">
+                <a16:creationId xmlns:a16="http://schemas.microsoft.com/office/drawing/2014/main" id="{67170BAD-AD69-9820-43AF-04616EEC638C}"/>
+              </a:ext>
+            </a:extLst>
+          </p:cNvPr>
+          <p:cNvCxnSpPr>
+            <a:cxnSpLocks/>
+            <a:stCxn id="43" idx="0"/>
+          </p:cNvCxnSpPr>
+          <p:nvPr/>
+        </p:nvCxnSpPr>
+        <p:spPr>
+          <a:xfrm rot="5400000" flipH="1" flipV="1">
+            <a:off x="6536823" y="1347745"/>
+            <a:ext cx="563042" cy="2225349"/>
+          </a:xfrm>
+          <a:prstGeom prst="bentConnector2">
+            <a:avLst/>
+          </a:prstGeom>
+          <a:ln>
+            <a:tailEnd type="triangle"/>
+          </a:ln>
+        </p:spPr>
+        <p:style>
+          <a:lnRef idx="1">
+            <a:schemeClr val="accent1"/>
+          </a:lnRef>
+          <a:fillRef idx="0">
+            <a:schemeClr val="accent1"/>
+          </a:fillRef>
+          <a:effectRef idx="0">
+            <a:schemeClr val="accent1"/>
+          </a:effectRef>
+          <a:fontRef idx="minor">
+            <a:schemeClr val="tx1"/>
+          </a:fontRef>
+        </p:style>
+      </p:cxnSp>
+      <p:sp>
+        <p:nvSpPr>
+          <p:cNvPr id="52" name="TextBox 51">
+            <a:extLst>
+              <a:ext uri="{FF2B5EF4-FFF2-40B4-BE49-F238E27FC236}">
+                <a16:creationId xmlns:a16="http://schemas.microsoft.com/office/drawing/2014/main" id="{B412C92B-26CA-DBC7-43FE-27E92B9D2735}"/>
+              </a:ext>
+            </a:extLst>
+          </p:cNvPr>
+          <p:cNvSpPr txBox="1"/>
+          <p:nvPr/>
+        </p:nvSpPr>
+        <p:spPr>
+          <a:xfrm>
+            <a:off x="4809929" y="2176378"/>
+            <a:ext cx="2299998" cy="646331"/>
+          </a:xfrm>
+          <a:prstGeom prst="rect">
+            <a:avLst/>
+          </a:prstGeom>
+          <a:noFill/>
+        </p:spPr>
+        <p:txBody>
+          <a:bodyPr wrap="square" rtlCol="0">
+            <a:spAutoFit/>
+          </a:bodyPr>
+          <a:lstStyle/>
+          <a:p>
+            <a:pPr algn="ctr"/>
+            <a:r>
+              <a:rPr lang="en-IN" dirty="0"/>
+              <a:t>Subscription to the Account</a:t>
+            </a:r>
+            <a:endParaRPr lang="en-US" dirty="0"/>
+          </a:p>
+        </p:txBody>
+      </p:sp>
+      <p:sp>
+        <p:nvSpPr>
+          <p:cNvPr id="53" name="Lightning Bolt 52">
+            <a:extLst>
+              <a:ext uri="{FF2B5EF4-FFF2-40B4-BE49-F238E27FC236}">
+                <a16:creationId xmlns:a16="http://schemas.microsoft.com/office/drawing/2014/main" id="{7F4725A8-F20C-14FC-E286-7BD980134B0C}"/>
+              </a:ext>
+            </a:extLst>
+          </p:cNvPr>
+          <p:cNvSpPr/>
+          <p:nvPr/>
+        </p:nvSpPr>
+        <p:spPr>
+          <a:xfrm>
+            <a:off x="9433249" y="675409"/>
+            <a:ext cx="410547" cy="517448"/>
+          </a:xfrm>
+          <a:prstGeom prst="lightningBolt">
+            <a:avLst/>
+          </a:prstGeom>
+          <a:solidFill>
+            <a:srgbClr val="FFFF00"/>
+          </a:solidFill>
+        </p:spPr>
+        <p:style>
+          <a:lnRef idx="2">
+            <a:schemeClr val="accent1">
+              <a:shade val="15000"/>
+            </a:schemeClr>
+          </a:lnRef>
+          <a:fillRef idx="1">
+            <a:schemeClr val="accent1"/>
+          </a:fillRef>
+          <a:effectRef idx="0">
+            <a:schemeClr val="accent1"/>
+          </a:effectRef>
+          <a:fontRef idx="minor">
+            <a:schemeClr val="lt1"/>
+          </a:fontRef>
+        </p:style>
+        <p:txBody>
+          <a:bodyPr rtlCol="0" anchor="ctr"/>
+          <a:lstStyle/>
+          <a:p>
+            <a:pPr algn="ctr"/>
+            <a:endParaRPr lang="en-US"/>
+          </a:p>
+        </p:txBody>
+      </p:sp>
+      <p:sp>
+        <p:nvSpPr>
+          <p:cNvPr id="54" name="Lightning Bolt 53">
+            <a:extLst>
+              <a:ext uri="{FF2B5EF4-FFF2-40B4-BE49-F238E27FC236}">
+                <a16:creationId xmlns:a16="http://schemas.microsoft.com/office/drawing/2014/main" id="{EFF3A1D0-F4D6-1A65-7198-C7438CD5365C}"/>
+              </a:ext>
+            </a:extLst>
+          </p:cNvPr>
+          <p:cNvSpPr/>
+          <p:nvPr/>
+        </p:nvSpPr>
+        <p:spPr>
+          <a:xfrm>
+            <a:off x="9448800" y="1385596"/>
+            <a:ext cx="410547" cy="517448"/>
+          </a:xfrm>
+          <a:prstGeom prst="lightningBolt">
+            <a:avLst/>
+          </a:prstGeom>
+          <a:solidFill>
+            <a:srgbClr val="FFFF00"/>
+          </a:solidFill>
+        </p:spPr>
+        <p:style>
+          <a:lnRef idx="2">
+            <a:schemeClr val="accent1">
+              <a:shade val="15000"/>
+            </a:schemeClr>
+          </a:lnRef>
+          <a:fillRef idx="1">
+            <a:schemeClr val="accent1"/>
+          </a:fillRef>
+          <a:effectRef idx="0">
+            <a:schemeClr val="accent1"/>
+          </a:effectRef>
+          <a:fontRef idx="minor">
+            <a:schemeClr val="lt1"/>
+          </a:fontRef>
+        </p:style>
+        <p:txBody>
+          <a:bodyPr rtlCol="0" anchor="ctr"/>
+          <a:lstStyle/>
+          <a:p>
+            <a:pPr algn="ctr"/>
+            <a:endParaRPr lang="en-US"/>
+          </a:p>
+        </p:txBody>
+      </p:sp>
+      <p:sp>
+        <p:nvSpPr>
+          <p:cNvPr id="55" name="Thought Bubble: Cloud 54">
+            <a:extLst>
+              <a:ext uri="{FF2B5EF4-FFF2-40B4-BE49-F238E27FC236}">
+                <a16:creationId xmlns:a16="http://schemas.microsoft.com/office/drawing/2014/main" id="{F2689A78-B5AE-1BA8-03EA-F8FFA8B65EA7}"/>
+              </a:ext>
+            </a:extLst>
+          </p:cNvPr>
+          <p:cNvSpPr/>
+          <p:nvPr/>
+        </p:nvSpPr>
+        <p:spPr>
+          <a:xfrm>
+            <a:off x="9902891" y="160325"/>
+            <a:ext cx="1558212" cy="526118"/>
+          </a:xfrm>
+          <a:prstGeom prst="cloudCallout">
+            <a:avLst/>
+          </a:prstGeom>
+        </p:spPr>
+        <p:style>
+          <a:lnRef idx="2">
+            <a:schemeClr val="accent1">
+              <a:shade val="15000"/>
+            </a:schemeClr>
+          </a:lnRef>
+          <a:fillRef idx="1">
+            <a:schemeClr val="accent1"/>
+          </a:fillRef>
+          <a:effectRef idx="0">
+            <a:schemeClr val="accent1"/>
+          </a:effectRef>
+          <a:fontRef idx="minor">
+            <a:schemeClr val="lt1"/>
+          </a:fontRef>
+        </p:style>
+        <p:txBody>
+          <a:bodyPr rtlCol="0" anchor="ctr"/>
+          <a:lstStyle/>
+          <a:p>
+            <a:pPr algn="ctr"/>
+            <a:r>
+              <a:rPr lang="en-IN" dirty="0"/>
+              <a:t>Raise Event</a:t>
+            </a:r>
+            <a:endParaRPr lang="en-US" dirty="0"/>
+          </a:p>
+        </p:txBody>
+      </p:sp>
+    </p:spTree>
+    <p:extLst>
+      <p:ext uri="{BB962C8B-B14F-4D97-AF65-F5344CB8AC3E}">
+        <p14:creationId xmlns:p14="http://schemas.microsoft.com/office/powerpoint/2010/main" val="492149717"/>
+      </p:ext>
+    </p:extLst>
+  </p:cSld>
+  <p:clrMapOvr>
+    <a:masterClrMapping/>
+  </p:clrMapOvr>
+</p:sld>
+</file>
+
+<file path=ppt/slides/slide14.xml><?xml version="1.0" encoding="utf-8"?>
+<p:sld xmlns:a="http://schemas.openxmlformats.org/drawingml/2006/main" xmlns:r="http://schemas.openxmlformats.org/officeDocument/2006/relationships" xmlns:p="http://schemas.openxmlformats.org/presentationml/2006/main">
+  <p:cSld>
+    <p:spTree>
+      <p:nvGrpSpPr>
+        <p:cNvPr id="1" name=""/>
+        <p:cNvGrpSpPr/>
+        <p:nvPr/>
+      </p:nvGrpSpPr>
+      <p:grpSpPr>
+        <a:xfrm>
+          <a:off x="0" y="0"/>
+          <a:ext cx="0" cy="0"/>
+          <a:chOff x="0" y="0"/>
+          <a:chExt cx="0" cy="0"/>
+        </a:xfrm>
+      </p:grpSpPr>
+      <p:sp>
+        <p:nvSpPr>
+          <p:cNvPr id="2" name="Rectangle 1">
+            <a:extLst>
+              <a:ext uri="{FF2B5EF4-FFF2-40B4-BE49-F238E27FC236}">
+                <a16:creationId xmlns:a16="http://schemas.microsoft.com/office/drawing/2014/main" id="{EFF75454-8234-28F8-0807-474CCD60FF3F}"/>
+              </a:ext>
+            </a:extLst>
+          </p:cNvPr>
+          <p:cNvSpPr/>
+          <p:nvPr/>
+        </p:nvSpPr>
+        <p:spPr>
+          <a:xfrm>
+            <a:off x="9349273" y="429208"/>
+            <a:ext cx="1268964" cy="1194319"/>
+          </a:xfrm>
+          <a:prstGeom prst="rect">
+            <a:avLst/>
+          </a:prstGeom>
+        </p:spPr>
+        <p:style>
+          <a:lnRef idx="2">
+            <a:schemeClr val="accent1">
+              <a:shade val="15000"/>
+            </a:schemeClr>
+          </a:lnRef>
+          <a:fillRef idx="1">
+            <a:schemeClr val="accent1"/>
+          </a:fillRef>
+          <a:effectRef idx="0">
+            <a:schemeClr val="accent1"/>
+          </a:effectRef>
+          <a:fontRef idx="minor">
+            <a:schemeClr val="lt1"/>
+          </a:fontRef>
+        </p:style>
+        <p:txBody>
+          <a:bodyPr rtlCol="0" anchor="ctr"/>
+          <a:lstStyle/>
+          <a:p>
+            <a:pPr algn="ctr"/>
+            <a:r>
+              <a:rPr lang="en-IN" dirty="0"/>
+              <a:t>Base</a:t>
+            </a:r>
+            <a:endParaRPr lang="en-US" dirty="0"/>
+          </a:p>
+        </p:txBody>
+      </p:sp>
+      <p:sp>
+        <p:nvSpPr>
+          <p:cNvPr id="3" name="Rectangle 2">
+            <a:extLst>
+              <a:ext uri="{FF2B5EF4-FFF2-40B4-BE49-F238E27FC236}">
+                <a16:creationId xmlns:a16="http://schemas.microsoft.com/office/drawing/2014/main" id="{25D45622-17AD-E013-254A-791A1064D937}"/>
+              </a:ext>
+            </a:extLst>
+          </p:cNvPr>
+          <p:cNvSpPr/>
+          <p:nvPr/>
+        </p:nvSpPr>
+        <p:spPr>
+          <a:xfrm>
+            <a:off x="9349273" y="2074506"/>
+            <a:ext cx="1268964" cy="1194319"/>
+          </a:xfrm>
+          <a:prstGeom prst="rect">
+            <a:avLst/>
+          </a:prstGeom>
+        </p:spPr>
+        <p:style>
+          <a:lnRef idx="2">
+            <a:schemeClr val="accent1">
+              <a:shade val="15000"/>
+            </a:schemeClr>
+          </a:lnRef>
+          <a:fillRef idx="1">
+            <a:schemeClr val="accent1"/>
+          </a:fillRef>
+          <a:effectRef idx="0">
+            <a:schemeClr val="accent1"/>
+          </a:effectRef>
+          <a:fontRef idx="minor">
+            <a:schemeClr val="lt1"/>
+          </a:fontRef>
+        </p:style>
+        <p:txBody>
+          <a:bodyPr rtlCol="0" anchor="ctr"/>
+          <a:lstStyle/>
+          <a:p>
+            <a:pPr algn="ctr"/>
+            <a:r>
+              <a:rPr lang="en-IN" dirty="0"/>
+              <a:t>Derive</a:t>
+            </a:r>
+            <a:endParaRPr lang="en-US" dirty="0"/>
+          </a:p>
+        </p:txBody>
+      </p:sp>
+      <p:cxnSp>
+        <p:nvCxnSpPr>
+          <p:cNvPr id="5" name="Straight Arrow Connector 4">
+            <a:extLst>
+              <a:ext uri="{FF2B5EF4-FFF2-40B4-BE49-F238E27FC236}">
+                <a16:creationId xmlns:a16="http://schemas.microsoft.com/office/drawing/2014/main" id="{A8C17C74-9EF0-60AF-39EC-8EC2E15FD4E8}"/>
+              </a:ext>
+            </a:extLst>
+          </p:cNvPr>
+          <p:cNvCxnSpPr>
+            <a:stCxn id="3" idx="0"/>
+            <a:endCxn id="2" idx="2"/>
+          </p:cNvCxnSpPr>
+          <p:nvPr/>
+        </p:nvCxnSpPr>
+        <p:spPr>
+          <a:xfrm flipV="1">
+            <a:off x="9983755" y="1623527"/>
+            <a:ext cx="0" cy="450979"/>
+          </a:xfrm>
+          <a:prstGeom prst="straightConnector1">
+            <a:avLst/>
+          </a:prstGeom>
+          <a:ln>
+            <a:tailEnd type="triangle"/>
+          </a:ln>
+        </p:spPr>
+        <p:style>
+          <a:lnRef idx="1">
+            <a:schemeClr val="accent1"/>
+          </a:lnRef>
+          <a:fillRef idx="0">
+            <a:schemeClr val="accent1"/>
+          </a:fillRef>
+          <a:effectRef idx="0">
+            <a:schemeClr val="accent1"/>
+          </a:effectRef>
+          <a:fontRef idx="minor">
+            <a:schemeClr val="tx1"/>
+          </a:fontRef>
+        </p:style>
+      </p:cxnSp>
+      <p:sp>
+        <p:nvSpPr>
+          <p:cNvPr id="6" name="TextBox 5">
+            <a:extLst>
+              <a:ext uri="{FF2B5EF4-FFF2-40B4-BE49-F238E27FC236}">
+                <a16:creationId xmlns:a16="http://schemas.microsoft.com/office/drawing/2014/main" id="{D8C5F0C1-FD9A-280A-2EC1-5486B1458918}"/>
+              </a:ext>
+            </a:extLst>
+          </p:cNvPr>
+          <p:cNvSpPr txBox="1"/>
+          <p:nvPr/>
+        </p:nvSpPr>
+        <p:spPr>
+          <a:xfrm>
+            <a:off x="130630" y="317241"/>
+            <a:ext cx="2444620" cy="369332"/>
+          </a:xfrm>
+          <a:prstGeom prst="rect">
+            <a:avLst/>
+          </a:prstGeom>
+          <a:noFill/>
+        </p:spPr>
+        <p:txBody>
+          <a:bodyPr wrap="square" rtlCol="0">
+            <a:spAutoFit/>
+          </a:bodyPr>
+          <a:lstStyle/>
+          <a:p>
+            <a:r>
+              <a:rPr lang="en-IN" dirty="0"/>
+              <a:t>Derive d = new Derive();</a:t>
+            </a:r>
+            <a:endParaRPr lang="en-US" dirty="0"/>
+          </a:p>
+        </p:txBody>
+      </p:sp>
+      <p:sp>
+        <p:nvSpPr>
+          <p:cNvPr id="7" name="Oval 6">
+            <a:extLst>
+              <a:ext uri="{FF2B5EF4-FFF2-40B4-BE49-F238E27FC236}">
+                <a16:creationId xmlns:a16="http://schemas.microsoft.com/office/drawing/2014/main" id="{939869A1-4A83-B70C-E3B1-4217D0E5E7A6}"/>
+              </a:ext>
+            </a:extLst>
+          </p:cNvPr>
+          <p:cNvSpPr/>
+          <p:nvPr/>
+        </p:nvSpPr>
+        <p:spPr>
+          <a:xfrm>
+            <a:off x="5290457" y="205273"/>
+            <a:ext cx="1847461" cy="1576874"/>
+          </a:xfrm>
+          <a:prstGeom prst="ellipse">
+            <a:avLst/>
+          </a:prstGeom>
+        </p:spPr>
+        <p:style>
+          <a:lnRef idx="2">
+            <a:schemeClr val="accent1">
+              <a:shade val="15000"/>
+            </a:schemeClr>
+          </a:lnRef>
+          <a:fillRef idx="1">
+            <a:schemeClr val="accent1"/>
+          </a:fillRef>
+          <a:effectRef idx="0">
+            <a:schemeClr val="accent1"/>
+          </a:effectRef>
+          <a:fontRef idx="minor">
+            <a:schemeClr val="lt1"/>
+          </a:fontRef>
+        </p:style>
+        <p:txBody>
+          <a:bodyPr rtlCol="0" anchor="ctr"/>
+          <a:lstStyle/>
+          <a:p>
+            <a:pPr algn="ctr"/>
+            <a:r>
+              <a:rPr lang="en-IN" dirty="0"/>
+              <a:t>Instance</a:t>
+            </a:r>
+          </a:p>
+          <a:p>
+            <a:pPr algn="ctr"/>
+            <a:r>
+              <a:rPr lang="en-IN" dirty="0"/>
+              <a:t>d</a:t>
+            </a:r>
+            <a:endParaRPr lang="en-US" dirty="0"/>
+          </a:p>
+        </p:txBody>
+      </p:sp>
+      <p:cxnSp>
+        <p:nvCxnSpPr>
+          <p:cNvPr id="9" name="Connector: Elbow 8">
+            <a:extLst>
+              <a:ext uri="{FF2B5EF4-FFF2-40B4-BE49-F238E27FC236}">
+                <a16:creationId xmlns:a16="http://schemas.microsoft.com/office/drawing/2014/main" id="{FA8A75A2-3D4C-0C00-7C99-019783A1DD93}"/>
+              </a:ext>
+            </a:extLst>
+          </p:cNvPr>
+          <p:cNvCxnSpPr>
+            <a:stCxn id="7" idx="6"/>
+            <a:endCxn id="3" idx="1"/>
+          </p:cNvCxnSpPr>
+          <p:nvPr/>
+        </p:nvCxnSpPr>
+        <p:spPr>
+          <a:xfrm>
+            <a:off x="7137918" y="993710"/>
+            <a:ext cx="2211355" cy="1677956"/>
+          </a:xfrm>
+          <a:prstGeom prst="bentConnector3">
+            <a:avLst/>
+          </a:prstGeom>
+          <a:ln>
+            <a:tailEnd type="triangle"/>
+          </a:ln>
+        </p:spPr>
+        <p:style>
+          <a:lnRef idx="1">
+            <a:schemeClr val="accent1"/>
+          </a:lnRef>
+          <a:fillRef idx="0">
+            <a:schemeClr val="accent1"/>
+          </a:fillRef>
+          <a:effectRef idx="0">
+            <a:schemeClr val="accent1"/>
+          </a:effectRef>
+          <a:fontRef idx="minor">
+            <a:schemeClr val="tx1"/>
+          </a:fontRef>
+        </p:style>
+      </p:cxnSp>
+      <p:sp>
+        <p:nvSpPr>
+          <p:cNvPr id="11" name="Arrow: Curved Up 10">
+            <a:extLst>
+              <a:ext uri="{FF2B5EF4-FFF2-40B4-BE49-F238E27FC236}">
+                <a16:creationId xmlns:a16="http://schemas.microsoft.com/office/drawing/2014/main" id="{3F10E0BF-C855-3F67-9A17-E858539928C3}"/>
+              </a:ext>
+            </a:extLst>
+          </p:cNvPr>
+          <p:cNvSpPr/>
+          <p:nvPr/>
+        </p:nvSpPr>
+        <p:spPr>
+          <a:xfrm rot="16200000">
+            <a:off x="10279226" y="1768150"/>
+            <a:ext cx="839753" cy="161730"/>
+          </a:xfrm>
+          <a:prstGeom prst="curvedUpArrow">
+            <a:avLst/>
+          </a:prstGeom>
+        </p:spPr>
+        <p:style>
+          <a:lnRef idx="2">
+            <a:schemeClr val="accent1">
+              <a:shade val="15000"/>
+            </a:schemeClr>
+          </a:lnRef>
+          <a:fillRef idx="1">
+            <a:schemeClr val="accent1"/>
+          </a:fillRef>
+          <a:effectRef idx="0">
+            <a:schemeClr val="accent1"/>
+          </a:effectRef>
+          <a:fontRef idx="minor">
+            <a:schemeClr val="lt1"/>
+          </a:fontRef>
+        </p:style>
+        <p:txBody>
+          <a:bodyPr rtlCol="0" anchor="ctr"/>
+          <a:lstStyle/>
+          <a:p>
+            <a:pPr algn="ctr"/>
+            <a:endParaRPr lang="en-US">
+              <a:solidFill>
+                <a:schemeClr val="tx1"/>
+              </a:solidFill>
+            </a:endParaRPr>
+          </a:p>
+        </p:txBody>
+      </p:sp>
+      <p:sp>
+        <p:nvSpPr>
+          <p:cNvPr id="12" name="Rectangle 11">
+            <a:extLst>
+              <a:ext uri="{FF2B5EF4-FFF2-40B4-BE49-F238E27FC236}">
+                <a16:creationId xmlns:a16="http://schemas.microsoft.com/office/drawing/2014/main" id="{B9AAE0FF-7B2D-D682-ED93-129234F3443F}"/>
+              </a:ext>
+            </a:extLst>
+          </p:cNvPr>
+          <p:cNvSpPr/>
+          <p:nvPr/>
+        </p:nvSpPr>
+        <p:spPr>
+          <a:xfrm>
+            <a:off x="262812" y="2866053"/>
+            <a:ext cx="2974910" cy="3674706"/>
+          </a:xfrm>
+          <a:prstGeom prst="rect">
+            <a:avLst/>
+          </a:prstGeom>
+        </p:spPr>
+        <p:style>
+          <a:lnRef idx="2">
+            <a:schemeClr val="accent6"/>
+          </a:lnRef>
+          <a:fillRef idx="1">
+            <a:schemeClr val="lt1"/>
+          </a:fillRef>
+          <a:effectRef idx="0">
+            <a:schemeClr val="accent6"/>
+          </a:effectRef>
+          <a:fontRef idx="minor">
+            <a:schemeClr val="dk1"/>
+          </a:fontRef>
+        </p:style>
+        <p:txBody>
+          <a:bodyPr rtlCol="0" anchor="ctr"/>
+          <a:lstStyle/>
+          <a:p>
+            <a:pPr algn="ctr"/>
+            <a:endParaRPr lang="en-US"/>
+          </a:p>
+        </p:txBody>
+      </p:sp>
+      <p:sp>
+        <p:nvSpPr>
+          <p:cNvPr id="13" name="TextBox 12">
+            <a:extLst>
+              <a:ext uri="{FF2B5EF4-FFF2-40B4-BE49-F238E27FC236}">
+                <a16:creationId xmlns:a16="http://schemas.microsoft.com/office/drawing/2014/main" id="{040ACD78-6A70-7C24-132A-C9AA09AA4C12}"/>
+              </a:ext>
+            </a:extLst>
+          </p:cNvPr>
+          <p:cNvSpPr txBox="1"/>
+          <p:nvPr/>
+        </p:nvSpPr>
+        <p:spPr>
+          <a:xfrm>
+            <a:off x="354563" y="2995127"/>
+            <a:ext cx="2220687" cy="369332"/>
+          </a:xfrm>
+          <a:prstGeom prst="rect">
+            <a:avLst/>
+          </a:prstGeom>
+          <a:noFill/>
+        </p:spPr>
+        <p:txBody>
+          <a:bodyPr wrap="square" rtlCol="0">
+            <a:spAutoFit/>
+          </a:bodyPr>
+          <a:lstStyle/>
+          <a:p>
+            <a:r>
+              <a:rPr lang="en-IN" dirty="0"/>
+              <a:t>Vendor</a:t>
+            </a:r>
+            <a:endParaRPr lang="en-US" dirty="0"/>
+          </a:p>
+        </p:txBody>
+      </p:sp>
+      <p:sp>
+        <p:nvSpPr>
+          <p:cNvPr id="14" name="Rectangle: Rounded Corners 13">
+            <a:extLst>
+              <a:ext uri="{FF2B5EF4-FFF2-40B4-BE49-F238E27FC236}">
+                <a16:creationId xmlns:a16="http://schemas.microsoft.com/office/drawing/2014/main" id="{5535F8CC-6532-FF81-DFE2-2A6C0C751937}"/>
+              </a:ext>
+            </a:extLst>
+          </p:cNvPr>
+          <p:cNvSpPr/>
+          <p:nvPr/>
+        </p:nvSpPr>
+        <p:spPr>
+          <a:xfrm>
+            <a:off x="262812" y="3657600"/>
+            <a:ext cx="2974910" cy="2108718"/>
+          </a:xfrm>
+          <a:prstGeom prst="roundRect">
+            <a:avLst/>
+          </a:prstGeom>
+        </p:spPr>
+        <p:style>
+          <a:lnRef idx="2">
+            <a:schemeClr val="accent1">
+              <a:shade val="15000"/>
+            </a:schemeClr>
+          </a:lnRef>
+          <a:fillRef idx="1">
+            <a:schemeClr val="accent1"/>
+          </a:fillRef>
+          <a:effectRef idx="0">
+            <a:schemeClr val="accent1"/>
+          </a:effectRef>
+          <a:fontRef idx="minor">
+            <a:schemeClr val="lt1"/>
+          </a:fontRef>
+        </p:style>
+        <p:txBody>
+          <a:bodyPr rtlCol="0" anchor="ctr"/>
+          <a:lstStyle/>
+          <a:p>
+            <a:pPr algn="ctr"/>
+            <a:r>
+              <a:rPr lang="en-IN" b="1" dirty="0"/>
+              <a:t>Utility Class for </a:t>
+            </a:r>
+          </a:p>
+          <a:p>
+            <a:pPr algn="ctr"/>
+            <a:r>
+              <a:rPr lang="en-IN" b="1" dirty="0"/>
+              <a:t>Sealed </a:t>
+            </a:r>
+            <a:r>
+              <a:rPr lang="en-IN" b="1" dirty="0" err="1"/>
+              <a:t>FileOperations</a:t>
+            </a:r>
+            <a:endParaRPr lang="en-IN" b="1" dirty="0"/>
+          </a:p>
+          <a:p>
+            <a:pPr algn="ctr"/>
+            <a:r>
+              <a:rPr lang="en-IN" b="1" dirty="0"/>
+              <a:t>Create()/Append()/Read()</a:t>
+            </a:r>
+            <a:endParaRPr lang="en-US" b="1" dirty="0"/>
+          </a:p>
+        </p:txBody>
+      </p:sp>
+      <p:sp>
+        <p:nvSpPr>
+          <p:cNvPr id="15" name="Rectangle 14">
+            <a:extLst>
+              <a:ext uri="{FF2B5EF4-FFF2-40B4-BE49-F238E27FC236}">
+                <a16:creationId xmlns:a16="http://schemas.microsoft.com/office/drawing/2014/main" id="{5DE3F2A0-B63B-9FAE-B48E-1578A485D3D8}"/>
+              </a:ext>
+            </a:extLst>
+          </p:cNvPr>
+          <p:cNvSpPr/>
+          <p:nvPr/>
+        </p:nvSpPr>
+        <p:spPr>
+          <a:xfrm>
+            <a:off x="7173684" y="4040155"/>
+            <a:ext cx="2974910" cy="2388637"/>
+          </a:xfrm>
+          <a:prstGeom prst="rect">
+            <a:avLst/>
+          </a:prstGeom>
+        </p:spPr>
+        <p:style>
+          <a:lnRef idx="2">
+            <a:schemeClr val="accent6"/>
+          </a:lnRef>
+          <a:fillRef idx="1">
+            <a:schemeClr val="lt1"/>
+          </a:fillRef>
+          <a:effectRef idx="0">
+            <a:schemeClr val="accent6"/>
+          </a:effectRef>
+          <a:fontRef idx="minor">
+            <a:schemeClr val="dk1"/>
+          </a:fontRef>
+        </p:style>
+        <p:txBody>
+          <a:bodyPr rtlCol="0" anchor="ctr"/>
+          <a:lstStyle/>
+          <a:p>
+            <a:pPr algn="ctr"/>
+            <a:endParaRPr lang="en-US"/>
+          </a:p>
+        </p:txBody>
+      </p:sp>
+      <p:sp>
+        <p:nvSpPr>
+          <p:cNvPr id="16" name="TextBox 15">
+            <a:extLst>
+              <a:ext uri="{FF2B5EF4-FFF2-40B4-BE49-F238E27FC236}">
+                <a16:creationId xmlns:a16="http://schemas.microsoft.com/office/drawing/2014/main" id="{1B286E15-FBE7-720D-3669-4FD91DA4B6C6}"/>
+              </a:ext>
+            </a:extLst>
+          </p:cNvPr>
+          <p:cNvSpPr txBox="1"/>
+          <p:nvPr/>
+        </p:nvSpPr>
+        <p:spPr>
+          <a:xfrm>
+            <a:off x="7277878" y="4186335"/>
+            <a:ext cx="1483567" cy="369332"/>
+          </a:xfrm>
+          <a:prstGeom prst="rect">
+            <a:avLst/>
+          </a:prstGeom>
+          <a:noFill/>
+        </p:spPr>
+        <p:txBody>
+          <a:bodyPr wrap="square" rtlCol="0">
+            <a:spAutoFit/>
+          </a:bodyPr>
+          <a:lstStyle/>
+          <a:p>
+            <a:r>
+              <a:rPr lang="en-IN" dirty="0"/>
+              <a:t>Client</a:t>
+            </a:r>
+            <a:endParaRPr lang="en-US" dirty="0"/>
+          </a:p>
+        </p:txBody>
+      </p:sp>
+      <p:sp>
+        <p:nvSpPr>
+          <p:cNvPr id="18" name="TextBox 17">
+            <a:extLst>
+              <a:ext uri="{FF2B5EF4-FFF2-40B4-BE49-F238E27FC236}">
+                <a16:creationId xmlns:a16="http://schemas.microsoft.com/office/drawing/2014/main" id="{9D66C385-9D2A-2572-DA44-2C111B853074}"/>
+              </a:ext>
+            </a:extLst>
+          </p:cNvPr>
+          <p:cNvSpPr txBox="1"/>
+          <p:nvPr/>
+        </p:nvSpPr>
+        <p:spPr>
+          <a:xfrm>
+            <a:off x="7173684" y="4555667"/>
+            <a:ext cx="2974910" cy="1754326"/>
+          </a:xfrm>
+          <a:prstGeom prst="rect">
+            <a:avLst/>
+          </a:prstGeom>
+          <a:noFill/>
+        </p:spPr>
+        <p:txBody>
+          <a:bodyPr wrap="square" rtlCol="0">
+            <a:spAutoFit/>
+          </a:bodyPr>
+          <a:lstStyle/>
+          <a:p>
+            <a:r>
+              <a:rPr lang="en-IN" dirty="0" err="1"/>
+              <a:t>FileOPeration</a:t>
+            </a:r>
+            <a:r>
+              <a:rPr lang="en-IN" dirty="0"/>
+              <a:t> </a:t>
+            </a:r>
+            <a:r>
+              <a:rPr lang="en-IN" dirty="0" err="1"/>
+              <a:t>fOp</a:t>
+            </a:r>
+            <a:r>
+              <a:rPr lang="en-IN" dirty="0"/>
+              <a:t> = new </a:t>
+            </a:r>
+            <a:r>
+              <a:rPr lang="en-IN" dirty="0" err="1"/>
+              <a:t>FileoPerations</a:t>
+            </a:r>
+            <a:r>
+              <a:rPr lang="en-IN" dirty="0"/>
+              <a:t>();</a:t>
+            </a:r>
+          </a:p>
+          <a:p>
+            <a:endParaRPr lang="en-IN" dirty="0"/>
+          </a:p>
+          <a:p>
+            <a:r>
+              <a:rPr lang="en-IN" dirty="0" err="1"/>
+              <a:t>fOp.Create</a:t>
+            </a:r>
+            <a:r>
+              <a:rPr lang="en-IN" dirty="0"/>
+              <a:t>();</a:t>
+            </a:r>
+          </a:p>
+          <a:p>
+            <a:endParaRPr lang="en-IN" dirty="0"/>
+          </a:p>
+          <a:p>
+            <a:r>
+              <a:rPr lang="en-IN" dirty="0" err="1"/>
+              <a:t>fOp.Encrypt</a:t>
+            </a:r>
+            <a:r>
+              <a:rPr lang="en-IN" dirty="0"/>
+              <a:t>();</a:t>
+            </a:r>
+            <a:endParaRPr lang="en-US" dirty="0"/>
+          </a:p>
+        </p:txBody>
+      </p:sp>
+      <p:cxnSp>
+        <p:nvCxnSpPr>
+          <p:cNvPr id="20" name="Connector: Elbow 19">
+            <a:extLst>
+              <a:ext uri="{FF2B5EF4-FFF2-40B4-BE49-F238E27FC236}">
+                <a16:creationId xmlns:a16="http://schemas.microsoft.com/office/drawing/2014/main" id="{AC4FD52D-58C6-1A7D-E7A0-0AD2065A104A}"/>
+              </a:ext>
+            </a:extLst>
+          </p:cNvPr>
+          <p:cNvCxnSpPr>
+            <a:stCxn id="18" idx="1"/>
+            <a:endCxn id="14" idx="3"/>
+          </p:cNvCxnSpPr>
+          <p:nvPr/>
+        </p:nvCxnSpPr>
+        <p:spPr>
+          <a:xfrm rot="10800000">
+            <a:off x="3237722" y="4711960"/>
+            <a:ext cx="3935962" cy="720871"/>
+          </a:xfrm>
+          <a:prstGeom prst="bentConnector3">
+            <a:avLst/>
+          </a:prstGeom>
+          <a:ln>
+            <a:tailEnd type="triangle"/>
+          </a:ln>
+        </p:spPr>
+        <p:style>
+          <a:lnRef idx="1">
+            <a:schemeClr val="accent1"/>
+          </a:lnRef>
+          <a:fillRef idx="0">
+            <a:schemeClr val="accent1"/>
+          </a:fillRef>
+          <a:effectRef idx="0">
+            <a:schemeClr val="accent1"/>
+          </a:effectRef>
+          <a:fontRef idx="minor">
+            <a:schemeClr val="tx1"/>
+          </a:fontRef>
+        </p:style>
+      </p:cxnSp>
+      <p:sp>
+        <p:nvSpPr>
+          <p:cNvPr id="21" name="Scroll: Vertical 20">
+            <a:extLst>
+              <a:ext uri="{FF2B5EF4-FFF2-40B4-BE49-F238E27FC236}">
+                <a16:creationId xmlns:a16="http://schemas.microsoft.com/office/drawing/2014/main" id="{F7298875-EA27-6290-D4AA-33DB32823E09}"/>
+              </a:ext>
+            </a:extLst>
+          </p:cNvPr>
+          <p:cNvSpPr/>
+          <p:nvPr/>
+        </p:nvSpPr>
+        <p:spPr>
+          <a:xfrm>
+            <a:off x="2369976" y="5127092"/>
+            <a:ext cx="1091681" cy="795519"/>
+          </a:xfrm>
+          <a:prstGeom prst="verticalScroll">
+            <a:avLst/>
+          </a:prstGeom>
+          <a:solidFill>
+            <a:srgbClr val="FFFF00"/>
+          </a:solidFill>
+        </p:spPr>
+        <p:style>
+          <a:lnRef idx="2">
+            <a:schemeClr val="accent1">
+              <a:shade val="15000"/>
+            </a:schemeClr>
+          </a:lnRef>
+          <a:fillRef idx="1">
+            <a:schemeClr val="accent1"/>
+          </a:fillRef>
+          <a:effectRef idx="0">
+            <a:schemeClr val="accent1"/>
+          </a:effectRef>
+          <a:fontRef idx="minor">
+            <a:schemeClr val="lt1"/>
+          </a:fontRef>
+        </p:style>
+        <p:txBody>
+          <a:bodyPr rtlCol="0" anchor="ctr"/>
+          <a:lstStyle/>
+          <a:p>
+            <a:pPr algn="ctr"/>
+            <a:r>
+              <a:rPr lang="en-IN" dirty="0">
+                <a:solidFill>
+                  <a:srgbClr val="FF0000"/>
+                </a:solidFill>
+              </a:rPr>
+              <a:t>Sign</a:t>
+            </a:r>
+            <a:endParaRPr lang="en-US" dirty="0">
+              <a:solidFill>
+                <a:srgbClr val="FF0000"/>
+              </a:solidFill>
+            </a:endParaRPr>
+          </a:p>
+        </p:txBody>
+      </p:sp>
+    </p:spTree>
+    <p:extLst>
+      <p:ext uri="{BB962C8B-B14F-4D97-AF65-F5344CB8AC3E}">
+        <p14:creationId xmlns:p14="http://schemas.microsoft.com/office/powerpoint/2010/main" val="2122896520"/>
+      </p:ext>
+    </p:extLst>
+  </p:cSld>
+  <p:clrMapOvr>
+    <a:masterClrMapping/>
+  </p:clrMapOvr>
+</p:sld>
+</file>
+
+<file path=ppt/slides/slide15.xml><?xml version="1.0" encoding="utf-8"?>
+<p:sld xmlns:a="http://schemas.openxmlformats.org/drawingml/2006/main" xmlns:r="http://schemas.openxmlformats.org/officeDocument/2006/relationships" xmlns:p="http://schemas.openxmlformats.org/presentationml/2006/main">
+  <p:cSld>
+    <p:spTree>
+      <p:nvGrpSpPr>
+        <p:cNvPr id="1" name=""/>
+        <p:cNvGrpSpPr/>
+        <p:nvPr/>
+      </p:nvGrpSpPr>
+      <p:grpSpPr>
+        <a:xfrm>
+          <a:off x="0" y="0"/>
+          <a:ext cx="0" cy="0"/>
+          <a:chOff x="0" y="0"/>
+          <a:chExt cx="0" cy="0"/>
+        </a:xfrm>
+      </p:grpSpPr>
+      <p:sp>
+        <p:nvSpPr>
+          <p:cNvPr id="2" name="Rectangle 1">
+            <a:extLst>
+              <a:ext uri="{FF2B5EF4-FFF2-40B4-BE49-F238E27FC236}">
+                <a16:creationId xmlns:a16="http://schemas.microsoft.com/office/drawing/2014/main" id="{9346F6AB-470E-EC33-2CEA-6AD0375C33DA}"/>
+              </a:ext>
+            </a:extLst>
+          </p:cNvPr>
+          <p:cNvSpPr/>
+          <p:nvPr/>
+        </p:nvSpPr>
+        <p:spPr>
+          <a:xfrm>
+            <a:off x="410547" y="615820"/>
+            <a:ext cx="1866122" cy="1651519"/>
+          </a:xfrm>
+          <a:prstGeom prst="rect">
+            <a:avLst/>
+          </a:prstGeom>
+        </p:spPr>
+        <p:style>
+          <a:lnRef idx="2">
+            <a:schemeClr val="accent1">
+              <a:shade val="15000"/>
+            </a:schemeClr>
+          </a:lnRef>
+          <a:fillRef idx="1">
+            <a:schemeClr val="accent1"/>
+          </a:fillRef>
+          <a:effectRef idx="0">
+            <a:schemeClr val="accent1"/>
+          </a:effectRef>
+          <a:fontRef idx="minor">
+            <a:schemeClr val="lt1"/>
+          </a:fontRef>
+        </p:style>
+        <p:txBody>
+          <a:bodyPr rtlCol="0" anchor="ctr"/>
+          <a:lstStyle/>
+          <a:p>
+            <a:pPr algn="ctr"/>
+            <a:r>
+              <a:rPr lang="en-IN" dirty="0" err="1"/>
+              <a:t>FileOperation</a:t>
+            </a:r>
+            <a:endParaRPr lang="en-US" dirty="0"/>
+          </a:p>
+        </p:txBody>
+      </p:sp>
+      <p:sp>
+        <p:nvSpPr>
+          <p:cNvPr id="3" name="Rectangle 2">
+            <a:extLst>
+              <a:ext uri="{FF2B5EF4-FFF2-40B4-BE49-F238E27FC236}">
+                <a16:creationId xmlns:a16="http://schemas.microsoft.com/office/drawing/2014/main" id="{A3790F6C-4D74-A987-F808-B43467AFAEE1}"/>
+              </a:ext>
+            </a:extLst>
+          </p:cNvPr>
+          <p:cNvSpPr/>
+          <p:nvPr/>
+        </p:nvSpPr>
+        <p:spPr>
+          <a:xfrm>
+            <a:off x="7308978" y="615819"/>
+            <a:ext cx="2898711" cy="1651519"/>
+          </a:xfrm>
+          <a:prstGeom prst="rect">
+            <a:avLst/>
+          </a:prstGeom>
+        </p:spPr>
+        <p:style>
+          <a:lnRef idx="2">
+            <a:schemeClr val="accent1">
+              <a:shade val="15000"/>
+            </a:schemeClr>
+          </a:lnRef>
+          <a:fillRef idx="1">
+            <a:schemeClr val="accent1"/>
+          </a:fillRef>
+          <a:effectRef idx="0">
+            <a:schemeClr val="accent1"/>
+          </a:effectRef>
+          <a:fontRef idx="minor">
+            <a:schemeClr val="lt1"/>
+          </a:fontRef>
+        </p:style>
+        <p:txBody>
+          <a:bodyPr rtlCol="0" anchor="ctr"/>
+          <a:lstStyle/>
+          <a:p>
+            <a:pPr algn="ctr"/>
+            <a:r>
+              <a:rPr lang="en-IN" dirty="0" err="1"/>
+              <a:t>FileExtendedOperation</a:t>
+            </a:r>
+            <a:endParaRPr lang="en-US" dirty="0"/>
+          </a:p>
+        </p:txBody>
+      </p:sp>
+      <p:sp>
+        <p:nvSpPr>
+          <p:cNvPr id="4" name="Flowchart: Multidocument 3">
+            <a:extLst>
+              <a:ext uri="{FF2B5EF4-FFF2-40B4-BE49-F238E27FC236}">
+                <a16:creationId xmlns:a16="http://schemas.microsoft.com/office/drawing/2014/main" id="{E6A99337-690B-CD26-9D66-4FB49F28E754}"/>
+              </a:ext>
+            </a:extLst>
+          </p:cNvPr>
+          <p:cNvSpPr/>
+          <p:nvPr/>
+        </p:nvSpPr>
+        <p:spPr>
+          <a:xfrm>
+            <a:off x="2565918" y="3862873"/>
+            <a:ext cx="2985796" cy="2192694"/>
+          </a:xfrm>
+          <a:prstGeom prst="flowChartMultidocument">
+            <a:avLst/>
+          </a:prstGeom>
+        </p:spPr>
+        <p:style>
+          <a:lnRef idx="2">
+            <a:schemeClr val="accent1">
+              <a:shade val="15000"/>
+            </a:schemeClr>
+          </a:lnRef>
+          <a:fillRef idx="1">
+            <a:schemeClr val="accent1"/>
+          </a:fillRef>
+          <a:effectRef idx="0">
+            <a:schemeClr val="accent1"/>
+          </a:effectRef>
+          <a:fontRef idx="minor">
+            <a:schemeClr val="lt1"/>
+          </a:fontRef>
+        </p:style>
+        <p:txBody>
+          <a:bodyPr rtlCol="0" anchor="ctr"/>
+          <a:lstStyle/>
+          <a:p>
+            <a:pPr algn="ctr"/>
+            <a:r>
+              <a:rPr lang="en-IN" dirty="0"/>
+              <a:t>Files</a:t>
+            </a:r>
+            <a:endParaRPr lang="en-US" dirty="0"/>
+          </a:p>
+        </p:txBody>
+      </p:sp>
+      <p:cxnSp>
+        <p:nvCxnSpPr>
+          <p:cNvPr id="6" name="Connector: Elbow 5">
+            <a:extLst>
+              <a:ext uri="{FF2B5EF4-FFF2-40B4-BE49-F238E27FC236}">
+                <a16:creationId xmlns:a16="http://schemas.microsoft.com/office/drawing/2014/main" id="{BC9E653D-C3DC-AEB6-ED01-DDDA23EE90B5}"/>
+              </a:ext>
+            </a:extLst>
+          </p:cNvPr>
+          <p:cNvCxnSpPr>
+            <a:stCxn id="2" idx="2"/>
+            <a:endCxn id="4" idx="1"/>
+          </p:cNvCxnSpPr>
+          <p:nvPr/>
+        </p:nvCxnSpPr>
+        <p:spPr>
+          <a:xfrm rot="16200000" flipH="1">
+            <a:off x="608823" y="3002124"/>
+            <a:ext cx="2691881" cy="1222310"/>
+          </a:xfrm>
+          <a:prstGeom prst="bentConnector2">
+            <a:avLst/>
+          </a:prstGeom>
+          <a:ln>
+            <a:tailEnd type="triangle"/>
+          </a:ln>
+        </p:spPr>
+        <p:style>
+          <a:lnRef idx="1">
+            <a:schemeClr val="accent1"/>
+          </a:lnRef>
+          <a:fillRef idx="0">
+            <a:schemeClr val="accent1"/>
+          </a:fillRef>
+          <a:effectRef idx="0">
+            <a:schemeClr val="accent1"/>
+          </a:effectRef>
+          <a:fontRef idx="minor">
+            <a:schemeClr val="tx1"/>
+          </a:fontRef>
+        </p:style>
+      </p:cxnSp>
+      <p:cxnSp>
+        <p:nvCxnSpPr>
+          <p:cNvPr id="8" name="Connector: Elbow 7">
+            <a:extLst>
+              <a:ext uri="{FF2B5EF4-FFF2-40B4-BE49-F238E27FC236}">
+                <a16:creationId xmlns:a16="http://schemas.microsoft.com/office/drawing/2014/main" id="{80477F3E-1462-F7EB-6209-1BEADC23404E}"/>
+              </a:ext>
+            </a:extLst>
+          </p:cNvPr>
+          <p:cNvCxnSpPr>
+            <a:stCxn id="3" idx="1"/>
+            <a:endCxn id="4" idx="0"/>
+          </p:cNvCxnSpPr>
+          <p:nvPr/>
+        </p:nvCxnSpPr>
+        <p:spPr>
+          <a:xfrm rot="10800000" flipV="1">
+            <a:off x="4264228" y="1441579"/>
+            <a:ext cx="3044750" cy="2421294"/>
+          </a:xfrm>
+          <a:prstGeom prst="bentConnector2">
+            <a:avLst/>
+          </a:prstGeom>
+          <a:ln>
+            <a:tailEnd type="triangle"/>
+          </a:ln>
+        </p:spPr>
+        <p:style>
+          <a:lnRef idx="1">
+            <a:schemeClr val="accent1"/>
+          </a:lnRef>
+          <a:fillRef idx="0">
+            <a:schemeClr val="accent1"/>
+          </a:fillRef>
+          <a:effectRef idx="0">
+            <a:schemeClr val="accent1"/>
+          </a:effectRef>
+          <a:fontRef idx="minor">
+            <a:schemeClr val="tx1"/>
+          </a:fontRef>
+        </p:style>
+      </p:cxnSp>
+      <p:sp>
+        <p:nvSpPr>
+          <p:cNvPr id="9" name="Rectangle: Single Corner Snipped 8">
+            <a:extLst>
+              <a:ext uri="{FF2B5EF4-FFF2-40B4-BE49-F238E27FC236}">
+                <a16:creationId xmlns:a16="http://schemas.microsoft.com/office/drawing/2014/main" id="{455CABE5-760F-0B52-86B1-54F94B111065}"/>
+              </a:ext>
+            </a:extLst>
+          </p:cNvPr>
+          <p:cNvSpPr/>
+          <p:nvPr/>
+        </p:nvSpPr>
+        <p:spPr>
+          <a:xfrm>
+            <a:off x="8042988" y="4012163"/>
+            <a:ext cx="3321698" cy="2696547"/>
+          </a:xfrm>
+          <a:prstGeom prst="snip1Rect">
+            <a:avLst/>
+          </a:prstGeom>
+        </p:spPr>
+        <p:style>
+          <a:lnRef idx="2">
+            <a:schemeClr val="accent6"/>
+          </a:lnRef>
+          <a:fillRef idx="1">
+            <a:schemeClr val="lt1"/>
+          </a:fillRef>
+          <a:effectRef idx="0">
+            <a:schemeClr val="accent6"/>
+          </a:effectRef>
+          <a:fontRef idx="minor">
+            <a:schemeClr val="dk1"/>
+          </a:fontRef>
+        </p:style>
+        <p:txBody>
+          <a:bodyPr rtlCol="0" anchor="ctr"/>
+          <a:lstStyle/>
+          <a:p>
+            <a:pPr algn="ctr"/>
+            <a:endParaRPr lang="en-US"/>
+          </a:p>
+        </p:txBody>
+      </p:sp>
+      <p:sp>
+        <p:nvSpPr>
+          <p:cNvPr id="10" name="TextBox 9">
+            <a:extLst>
+              <a:ext uri="{FF2B5EF4-FFF2-40B4-BE49-F238E27FC236}">
+                <a16:creationId xmlns:a16="http://schemas.microsoft.com/office/drawing/2014/main" id="{52859D33-9EB0-E879-FC05-BE43C7A94741}"/>
+              </a:ext>
+            </a:extLst>
+          </p:cNvPr>
+          <p:cNvSpPr txBox="1"/>
+          <p:nvPr/>
+        </p:nvSpPr>
+        <p:spPr>
+          <a:xfrm>
+            <a:off x="8005665" y="3163078"/>
+            <a:ext cx="3191070" cy="369332"/>
+          </a:xfrm>
+          <a:prstGeom prst="rect">
+            <a:avLst/>
+          </a:prstGeom>
+          <a:noFill/>
+        </p:spPr>
+        <p:txBody>
+          <a:bodyPr wrap="square" rtlCol="0">
+            <a:spAutoFit/>
+          </a:bodyPr>
+          <a:lstStyle/>
+          <a:p>
+            <a:r>
+              <a:rPr lang="en-IN" dirty="0" err="1"/>
+              <a:t>MyFile.cs</a:t>
+            </a:r>
+            <a:endParaRPr lang="en-US" dirty="0"/>
+          </a:p>
+        </p:txBody>
+      </p:sp>
+      <p:sp>
+        <p:nvSpPr>
+          <p:cNvPr id="11" name="TextBox 10">
+            <a:extLst>
+              <a:ext uri="{FF2B5EF4-FFF2-40B4-BE49-F238E27FC236}">
+                <a16:creationId xmlns:a16="http://schemas.microsoft.com/office/drawing/2014/main" id="{810A3AC3-2CE8-85E8-3F3A-1BE4DA50E8E1}"/>
+              </a:ext>
+            </a:extLst>
+          </p:cNvPr>
+          <p:cNvSpPr txBox="1"/>
+          <p:nvPr/>
+        </p:nvSpPr>
+        <p:spPr>
+          <a:xfrm>
+            <a:off x="8005665" y="4264090"/>
+            <a:ext cx="3442996" cy="2585323"/>
+          </a:xfrm>
+          <a:prstGeom prst="rect">
+            <a:avLst/>
+          </a:prstGeom>
+          <a:noFill/>
+        </p:spPr>
+        <p:txBody>
+          <a:bodyPr wrap="square" rtlCol="0">
+            <a:spAutoFit/>
+          </a:bodyPr>
+          <a:lstStyle/>
+          <a:p>
+            <a:r>
+              <a:rPr lang="en-IN" dirty="0" err="1"/>
+              <a:t>FileoPeration</a:t>
+            </a:r>
+            <a:r>
+              <a:rPr lang="en-IN" dirty="0"/>
+              <a:t> fop =new </a:t>
+            </a:r>
+            <a:r>
+              <a:rPr lang="en-IN" dirty="0" err="1"/>
+              <a:t>FileOperation</a:t>
+            </a:r>
+            <a:r>
+              <a:rPr lang="en-IN" dirty="0"/>
+              <a:t>();</a:t>
+            </a:r>
+          </a:p>
+          <a:p>
+            <a:endParaRPr lang="en-IN" dirty="0"/>
+          </a:p>
+          <a:p>
+            <a:r>
+              <a:rPr lang="en-IN" dirty="0" err="1"/>
+              <a:t>fop.Create</a:t>
+            </a:r>
+            <a:r>
+              <a:rPr lang="en-IN" dirty="0"/>
+              <a:t>(); </a:t>
+            </a:r>
+            <a:r>
+              <a:rPr lang="en-IN" dirty="0" err="1"/>
+              <a:t>fop.Write</a:t>
+            </a:r>
+            <a:r>
+              <a:rPr lang="en-IN" dirty="0"/>
+              <a:t>();</a:t>
+            </a:r>
+          </a:p>
+          <a:p>
+            <a:endParaRPr lang="en-IN" dirty="0"/>
+          </a:p>
+          <a:p>
+            <a:r>
+              <a:rPr lang="en-IN" dirty="0" err="1"/>
+              <a:t>Fop.Destroy</a:t>
+            </a:r>
+            <a:r>
+              <a:rPr lang="en-IN" dirty="0"/>
+              <a:t>();</a:t>
+            </a:r>
+          </a:p>
+          <a:p>
+            <a:r>
+              <a:rPr lang="en-IN" dirty="0" err="1"/>
+              <a:t>FileExtendedOperations</a:t>
+            </a:r>
+            <a:r>
+              <a:rPr lang="en-IN" dirty="0"/>
+              <a:t> </a:t>
+            </a:r>
+            <a:r>
+              <a:rPr lang="en-IN" dirty="0" err="1"/>
+              <a:t>opex</a:t>
+            </a:r>
+            <a:r>
+              <a:rPr lang="en-IN" dirty="0"/>
+              <a:t> = new </a:t>
+            </a:r>
+            <a:r>
+              <a:rPr lang="en-IN" dirty="0" err="1"/>
+              <a:t>FileExtendedOperations</a:t>
+            </a:r>
+            <a:r>
+              <a:rPr lang="en-IN" dirty="0"/>
+              <a:t>();</a:t>
+            </a:r>
+          </a:p>
+          <a:p>
+            <a:endParaRPr lang="en-US" dirty="0"/>
+          </a:p>
+        </p:txBody>
+      </p:sp>
+      <p:sp>
+        <p:nvSpPr>
+          <p:cNvPr id="12" name="Sun 11">
+            <a:extLst>
+              <a:ext uri="{FF2B5EF4-FFF2-40B4-BE49-F238E27FC236}">
+                <a16:creationId xmlns:a16="http://schemas.microsoft.com/office/drawing/2014/main" id="{88FB8368-4C54-CCB5-3637-C2A8988C5034}"/>
+              </a:ext>
+            </a:extLst>
+          </p:cNvPr>
+          <p:cNvSpPr/>
+          <p:nvPr/>
+        </p:nvSpPr>
+        <p:spPr>
+          <a:xfrm>
+            <a:off x="399797" y="3270379"/>
+            <a:ext cx="1931438" cy="1483567"/>
+          </a:xfrm>
+          <a:prstGeom prst="sun">
+            <a:avLst/>
+          </a:prstGeom>
+        </p:spPr>
+        <p:style>
+          <a:lnRef idx="2">
+            <a:schemeClr val="accent1">
+              <a:shade val="15000"/>
+            </a:schemeClr>
+          </a:lnRef>
+          <a:fillRef idx="1">
+            <a:schemeClr val="accent1"/>
+          </a:fillRef>
+          <a:effectRef idx="0">
+            <a:schemeClr val="accent1"/>
+          </a:effectRef>
+          <a:fontRef idx="minor">
+            <a:schemeClr val="lt1"/>
+          </a:fontRef>
+        </p:style>
+        <p:txBody>
+          <a:bodyPr rtlCol="0" anchor="ctr"/>
+          <a:lstStyle/>
+          <a:p>
+            <a:pPr algn="ctr"/>
+            <a:r>
+              <a:rPr lang="en-IN" dirty="0"/>
+              <a:t>Lock</a:t>
+            </a:r>
+            <a:endParaRPr lang="en-US" dirty="0"/>
+          </a:p>
+        </p:txBody>
+      </p:sp>
+    </p:spTree>
+    <p:extLst>
+      <p:ext uri="{BB962C8B-B14F-4D97-AF65-F5344CB8AC3E}">
+        <p14:creationId xmlns:p14="http://schemas.microsoft.com/office/powerpoint/2010/main" val="1238794580"/>
+      </p:ext>
+    </p:extLst>
+  </p:cSld>
+  <p:clrMapOvr>
+    <a:masterClrMapping/>
+  </p:clrMapOvr>
+</p:sld>
+</file>
+
+<file path=ppt/slides/slide16.xml><?xml version="1.0" encoding="utf-8"?>
+<p:sld xmlns:a="http://schemas.openxmlformats.org/drawingml/2006/main" xmlns:r="http://schemas.openxmlformats.org/officeDocument/2006/relationships" xmlns:p="http://schemas.openxmlformats.org/presentationml/2006/main">
+  <p:cSld>
+    <p:spTree>
+      <p:nvGrpSpPr>
+        <p:cNvPr id="1" name=""/>
+        <p:cNvGrpSpPr/>
+        <p:nvPr/>
+      </p:nvGrpSpPr>
+      <p:grpSpPr>
+        <a:xfrm>
+          <a:off x="0" y="0"/>
+          <a:ext cx="0" cy="0"/>
+          <a:chOff x="0" y="0"/>
+          <a:chExt cx="0" cy="0"/>
+        </a:xfrm>
+      </p:grpSpPr>
+      <p:sp>
+        <p:nvSpPr>
+          <p:cNvPr id="2" name="Rectangle 1">
+            <a:extLst>
+              <a:ext uri="{FF2B5EF4-FFF2-40B4-BE49-F238E27FC236}">
+                <a16:creationId xmlns:a16="http://schemas.microsoft.com/office/drawing/2014/main" id="{1B866FC5-A94F-6F1A-63F1-2D2ECE497A4C}"/>
+              </a:ext>
+            </a:extLst>
+          </p:cNvPr>
+          <p:cNvSpPr/>
+          <p:nvPr/>
+        </p:nvSpPr>
+        <p:spPr>
+          <a:xfrm>
+            <a:off x="665583" y="671803"/>
+            <a:ext cx="5430417" cy="4637315"/>
+          </a:xfrm>
+          <a:prstGeom prst="rect">
+            <a:avLst/>
+          </a:prstGeom>
+        </p:spPr>
+        <p:style>
+          <a:lnRef idx="2">
+            <a:schemeClr val="accent6"/>
+          </a:lnRef>
+          <a:fillRef idx="1">
+            <a:schemeClr val="lt1"/>
+          </a:fillRef>
+          <a:effectRef idx="0">
+            <a:schemeClr val="accent6"/>
+          </a:effectRef>
+          <a:fontRef idx="minor">
+            <a:schemeClr val="dk1"/>
+          </a:fontRef>
+        </p:style>
+        <p:txBody>
+          <a:bodyPr rtlCol="0" anchor="ctr"/>
+          <a:lstStyle/>
+          <a:p>
+            <a:pPr algn="ctr"/>
+            <a:r>
+              <a:rPr lang="en-IN" dirty="0"/>
+              <a:t>Client </a:t>
+            </a:r>
+            <a:endParaRPr lang="en-US" dirty="0"/>
+          </a:p>
+        </p:txBody>
+      </p:sp>
+      <p:sp>
+        <p:nvSpPr>
+          <p:cNvPr id="3" name="Cylinder 2">
+            <a:extLst>
+              <a:ext uri="{FF2B5EF4-FFF2-40B4-BE49-F238E27FC236}">
+                <a16:creationId xmlns:a16="http://schemas.microsoft.com/office/drawing/2014/main" id="{9AC46859-7C9F-C8A3-E600-4B580C8947E4}"/>
+              </a:ext>
+            </a:extLst>
+          </p:cNvPr>
+          <p:cNvSpPr/>
+          <p:nvPr/>
+        </p:nvSpPr>
+        <p:spPr>
+          <a:xfrm>
+            <a:off x="9050693" y="2990460"/>
+            <a:ext cx="2892490" cy="2090057"/>
+          </a:xfrm>
+          <a:prstGeom prst="can">
+            <a:avLst/>
+          </a:prstGeom>
+        </p:spPr>
+        <p:style>
+          <a:lnRef idx="2">
+            <a:schemeClr val="accent1">
+              <a:shade val="15000"/>
+            </a:schemeClr>
+          </a:lnRef>
+          <a:fillRef idx="1">
+            <a:schemeClr val="accent1"/>
+          </a:fillRef>
+          <a:effectRef idx="0">
+            <a:schemeClr val="accent1"/>
+          </a:effectRef>
+          <a:fontRef idx="minor">
+            <a:schemeClr val="lt1"/>
+          </a:fontRef>
+        </p:style>
+        <p:txBody>
+          <a:bodyPr rtlCol="0" anchor="ctr"/>
+          <a:lstStyle/>
+          <a:p>
+            <a:pPr algn="ctr"/>
+            <a:r>
+              <a:rPr lang="en-IN" dirty="0"/>
+              <a:t>Server Apps</a:t>
+            </a:r>
+            <a:endParaRPr lang="en-US" dirty="0"/>
+          </a:p>
+        </p:txBody>
+      </p:sp>
+      <p:sp>
+        <p:nvSpPr>
+          <p:cNvPr id="4" name="TextBox 3">
+            <a:extLst>
+              <a:ext uri="{FF2B5EF4-FFF2-40B4-BE49-F238E27FC236}">
+                <a16:creationId xmlns:a16="http://schemas.microsoft.com/office/drawing/2014/main" id="{B641A83B-AA30-DB0D-4C06-083649327C83}"/>
+              </a:ext>
+            </a:extLst>
+          </p:cNvPr>
+          <p:cNvSpPr txBox="1"/>
+          <p:nvPr/>
+        </p:nvSpPr>
+        <p:spPr>
+          <a:xfrm>
+            <a:off x="547396" y="5561045"/>
+            <a:ext cx="7803502" cy="646331"/>
+          </a:xfrm>
+          <a:prstGeom prst="rect">
+            <a:avLst/>
+          </a:prstGeom>
+          <a:noFill/>
+        </p:spPr>
+        <p:txBody>
+          <a:bodyPr wrap="square" rtlCol="0">
+            <a:spAutoFit/>
+          </a:bodyPr>
+          <a:lstStyle/>
+          <a:p>
+            <a:r>
+              <a:rPr lang="en-IN" dirty="0"/>
+              <a:t>Migration form Older Client-Server to .NET Client Server App using WinForms, WebForms </a:t>
+            </a:r>
+            <a:endParaRPr lang="en-US" dirty="0"/>
+          </a:p>
+        </p:txBody>
+      </p:sp>
+      <p:cxnSp>
+        <p:nvCxnSpPr>
+          <p:cNvPr id="6" name="Connector: Elbow 5">
+            <a:extLst>
+              <a:ext uri="{FF2B5EF4-FFF2-40B4-BE49-F238E27FC236}">
+                <a16:creationId xmlns:a16="http://schemas.microsoft.com/office/drawing/2014/main" id="{90B61627-6374-685A-4CB2-1F52B62B0F16}"/>
+              </a:ext>
+            </a:extLst>
+          </p:cNvPr>
+          <p:cNvCxnSpPr>
+            <a:stCxn id="2" idx="3"/>
+            <a:endCxn id="3" idx="1"/>
+          </p:cNvCxnSpPr>
+          <p:nvPr/>
+        </p:nvCxnSpPr>
+        <p:spPr>
+          <a:xfrm flipV="1">
+            <a:off x="6096000" y="2990460"/>
+            <a:ext cx="4400938" cy="1"/>
+          </a:xfrm>
+          <a:prstGeom prst="bentConnector4">
+            <a:avLst>
+              <a:gd name="adj1" fmla="val 33569"/>
+              <a:gd name="adj2" fmla="val 254725800000"/>
+            </a:avLst>
+          </a:prstGeom>
+          <a:ln>
+            <a:tailEnd type="triangle"/>
+          </a:ln>
+        </p:spPr>
+        <p:style>
+          <a:lnRef idx="1">
+            <a:schemeClr val="accent1"/>
+          </a:lnRef>
+          <a:fillRef idx="0">
+            <a:schemeClr val="accent1"/>
+          </a:fillRef>
+          <a:effectRef idx="0">
+            <a:schemeClr val="accent1"/>
+          </a:effectRef>
+          <a:fontRef idx="minor">
+            <a:schemeClr val="tx1"/>
+          </a:fontRef>
+        </p:style>
+      </p:cxnSp>
+      <p:cxnSp>
+        <p:nvCxnSpPr>
+          <p:cNvPr id="8" name="Connector: Elbow 7">
+            <a:extLst>
+              <a:ext uri="{FF2B5EF4-FFF2-40B4-BE49-F238E27FC236}">
+                <a16:creationId xmlns:a16="http://schemas.microsoft.com/office/drawing/2014/main" id="{6A429633-90EE-C07F-08C3-2F5F9582D8CB}"/>
+              </a:ext>
+            </a:extLst>
+          </p:cNvPr>
+          <p:cNvCxnSpPr>
+            <a:stCxn id="3" idx="3"/>
+            <a:endCxn id="2" idx="3"/>
+          </p:cNvCxnSpPr>
+          <p:nvPr/>
+        </p:nvCxnSpPr>
+        <p:spPr>
+          <a:xfrm rot="5400000" flipH="1">
+            <a:off x="7251441" y="1835020"/>
+            <a:ext cx="2090056" cy="4400938"/>
+          </a:xfrm>
+          <a:prstGeom prst="bentConnector4">
+            <a:avLst>
+              <a:gd name="adj1" fmla="val -10938"/>
+              <a:gd name="adj2" fmla="val 66431"/>
+            </a:avLst>
+          </a:prstGeom>
+          <a:ln>
+            <a:tailEnd type="triangle"/>
+          </a:ln>
+        </p:spPr>
+        <p:style>
+          <a:lnRef idx="1">
+            <a:schemeClr val="accent1"/>
+          </a:lnRef>
+          <a:fillRef idx="0">
+            <a:schemeClr val="accent1"/>
+          </a:fillRef>
+          <a:effectRef idx="0">
+            <a:schemeClr val="accent1"/>
+          </a:effectRef>
+          <a:fontRef idx="minor">
+            <a:schemeClr val="tx1"/>
+          </a:fontRef>
+        </p:style>
+      </p:cxnSp>
+    </p:spTree>
+    <p:extLst>
+      <p:ext uri="{BB962C8B-B14F-4D97-AF65-F5344CB8AC3E}">
+        <p14:creationId xmlns:p14="http://schemas.microsoft.com/office/powerpoint/2010/main" val="1553271769"/>
+      </p:ext>
+    </p:extLst>
+  </p:cSld>
+  <p:clrMapOvr>
+    <a:masterClrMapping/>
+  </p:clrMapOvr>
+</p:sld>
+</file>
+
+<file path=ppt/slides/slide17.xml><?xml version="1.0" encoding="utf-8"?>
+<p:sld xmlns:a="http://schemas.openxmlformats.org/drawingml/2006/main" xmlns:r="http://schemas.openxmlformats.org/officeDocument/2006/relationships" xmlns:p="http://schemas.openxmlformats.org/presentationml/2006/main">
+  <p:cSld>
+    <p:spTree>
+      <p:nvGrpSpPr>
+        <p:cNvPr id="1" name=""/>
+        <p:cNvGrpSpPr/>
+        <p:nvPr/>
+      </p:nvGrpSpPr>
+      <p:grpSpPr>
+        <a:xfrm>
+          <a:off x="0" y="0"/>
+          <a:ext cx="0" cy="0"/>
+          <a:chOff x="0" y="0"/>
+          <a:chExt cx="0" cy="0"/>
+        </a:xfrm>
+      </p:grpSpPr>
+      <p:sp>
+        <p:nvSpPr>
+          <p:cNvPr id="2" name="Cylinder 1">
+            <a:extLst>
+              <a:ext uri="{FF2B5EF4-FFF2-40B4-BE49-F238E27FC236}">
+                <a16:creationId xmlns:a16="http://schemas.microsoft.com/office/drawing/2014/main" id="{D8509A11-5342-667F-249C-E4238D8CFFCB}"/>
+              </a:ext>
+            </a:extLst>
+          </p:cNvPr>
+          <p:cNvSpPr/>
+          <p:nvPr/>
+        </p:nvSpPr>
+        <p:spPr>
+          <a:xfrm>
+            <a:off x="4879910" y="615821"/>
+            <a:ext cx="2855168" cy="1838130"/>
+          </a:xfrm>
+          <a:prstGeom prst="can">
+            <a:avLst/>
+          </a:prstGeom>
+        </p:spPr>
+        <p:style>
+          <a:lnRef idx="2">
+            <a:schemeClr val="accent1">
+              <a:shade val="15000"/>
+            </a:schemeClr>
+          </a:lnRef>
+          <a:fillRef idx="1">
+            <a:schemeClr val="accent1"/>
+          </a:fillRef>
+          <a:effectRef idx="0">
+            <a:schemeClr val="accent1"/>
+          </a:effectRef>
+          <a:fontRef idx="minor">
+            <a:schemeClr val="lt1"/>
+          </a:fontRef>
+        </p:style>
+        <p:txBody>
+          <a:bodyPr rtlCol="0" anchor="ctr"/>
+          <a:lstStyle/>
+          <a:p>
+            <a:pPr algn="ctr"/>
+            <a:endParaRPr lang="en-US"/>
+          </a:p>
+        </p:txBody>
+      </p:sp>
+      <p:sp>
+        <p:nvSpPr>
+          <p:cNvPr id="3" name="Rectangle: Rounded Corners 2">
+            <a:extLst>
+              <a:ext uri="{FF2B5EF4-FFF2-40B4-BE49-F238E27FC236}">
+                <a16:creationId xmlns:a16="http://schemas.microsoft.com/office/drawing/2014/main" id="{F00916A8-0079-92E5-A050-3B963AD0A662}"/>
+              </a:ext>
+            </a:extLst>
+          </p:cNvPr>
+          <p:cNvSpPr/>
+          <p:nvPr/>
+        </p:nvSpPr>
+        <p:spPr>
+          <a:xfrm>
+            <a:off x="503853" y="4674637"/>
+            <a:ext cx="1726163" cy="1306285"/>
+          </a:xfrm>
+          <a:prstGeom prst="roundRect">
+            <a:avLst/>
+          </a:prstGeom>
+        </p:spPr>
+        <p:style>
+          <a:lnRef idx="2">
+            <a:schemeClr val="accent1">
+              <a:shade val="15000"/>
+            </a:schemeClr>
+          </a:lnRef>
+          <a:fillRef idx="1">
+            <a:schemeClr val="accent1"/>
+          </a:fillRef>
+          <a:effectRef idx="0">
+            <a:schemeClr val="accent1"/>
+          </a:effectRef>
+          <a:fontRef idx="minor">
+            <a:schemeClr val="lt1"/>
+          </a:fontRef>
+        </p:style>
+        <p:txBody>
+          <a:bodyPr rtlCol="0" anchor="ctr"/>
+          <a:lstStyle/>
+          <a:p>
+            <a:pPr algn="ctr"/>
+            <a:r>
+              <a:rPr lang="en-IN" dirty="0"/>
+              <a:t>Client 1</a:t>
+            </a:r>
+            <a:endParaRPr lang="en-US" dirty="0"/>
+          </a:p>
+        </p:txBody>
+      </p:sp>
+      <p:sp>
+        <p:nvSpPr>
+          <p:cNvPr id="4" name="Rectangle: Rounded Corners 3">
+            <a:extLst>
+              <a:ext uri="{FF2B5EF4-FFF2-40B4-BE49-F238E27FC236}">
+                <a16:creationId xmlns:a16="http://schemas.microsoft.com/office/drawing/2014/main" id="{B15B9192-C0F2-B123-24FC-1862A935B97A}"/>
+              </a:ext>
+            </a:extLst>
+          </p:cNvPr>
+          <p:cNvSpPr/>
+          <p:nvPr/>
+        </p:nvSpPr>
+        <p:spPr>
+          <a:xfrm>
+            <a:off x="2653004" y="4674637"/>
+            <a:ext cx="1726163" cy="1306285"/>
+          </a:xfrm>
+          <a:prstGeom prst="roundRect">
+            <a:avLst/>
+          </a:prstGeom>
+        </p:spPr>
+        <p:style>
+          <a:lnRef idx="2">
+            <a:schemeClr val="accent1">
+              <a:shade val="15000"/>
+            </a:schemeClr>
+          </a:lnRef>
+          <a:fillRef idx="1">
+            <a:schemeClr val="accent1"/>
+          </a:fillRef>
+          <a:effectRef idx="0">
+            <a:schemeClr val="accent1"/>
+          </a:effectRef>
+          <a:fontRef idx="minor">
+            <a:schemeClr val="lt1"/>
+          </a:fontRef>
+        </p:style>
+        <p:txBody>
+          <a:bodyPr rtlCol="0" anchor="ctr"/>
+          <a:lstStyle/>
+          <a:p>
+            <a:pPr algn="ctr"/>
+            <a:r>
+              <a:rPr lang="en-IN" dirty="0"/>
+              <a:t>Client 1</a:t>
+            </a:r>
+            <a:endParaRPr lang="en-US" dirty="0"/>
+          </a:p>
+        </p:txBody>
+      </p:sp>
+      <p:sp>
+        <p:nvSpPr>
+          <p:cNvPr id="5" name="Rectangle: Rounded Corners 4">
+            <a:extLst>
+              <a:ext uri="{FF2B5EF4-FFF2-40B4-BE49-F238E27FC236}">
+                <a16:creationId xmlns:a16="http://schemas.microsoft.com/office/drawing/2014/main" id="{3F86DDFE-1CCC-BB46-84D3-457C72B337E3}"/>
+              </a:ext>
+            </a:extLst>
+          </p:cNvPr>
+          <p:cNvSpPr/>
+          <p:nvPr/>
+        </p:nvSpPr>
+        <p:spPr>
+          <a:xfrm>
+            <a:off x="7896808" y="4743061"/>
+            <a:ext cx="1726163" cy="1306285"/>
+          </a:xfrm>
+          <a:prstGeom prst="roundRect">
+            <a:avLst/>
+          </a:prstGeom>
+        </p:spPr>
+        <p:style>
+          <a:lnRef idx="2">
+            <a:schemeClr val="accent1">
+              <a:shade val="15000"/>
+            </a:schemeClr>
+          </a:lnRef>
+          <a:fillRef idx="1">
+            <a:schemeClr val="accent1"/>
+          </a:fillRef>
+          <a:effectRef idx="0">
+            <a:schemeClr val="accent1"/>
+          </a:effectRef>
+          <a:fontRef idx="minor">
+            <a:schemeClr val="lt1"/>
+          </a:fontRef>
+        </p:style>
+        <p:txBody>
+          <a:bodyPr rtlCol="0" anchor="ctr"/>
+          <a:lstStyle/>
+          <a:p>
+            <a:pPr algn="ctr"/>
+            <a:r>
+              <a:rPr lang="en-IN" dirty="0"/>
+              <a:t>Client 1</a:t>
+            </a:r>
+            <a:endParaRPr lang="en-US" dirty="0"/>
+          </a:p>
+        </p:txBody>
+      </p:sp>
+      <p:sp>
+        <p:nvSpPr>
+          <p:cNvPr id="6" name="Rectangle: Rounded Corners 5">
+            <a:extLst>
+              <a:ext uri="{FF2B5EF4-FFF2-40B4-BE49-F238E27FC236}">
+                <a16:creationId xmlns:a16="http://schemas.microsoft.com/office/drawing/2014/main" id="{BEB8B14D-C8B4-35C2-B446-B95238107DCA}"/>
+              </a:ext>
+            </a:extLst>
+          </p:cNvPr>
+          <p:cNvSpPr/>
+          <p:nvPr/>
+        </p:nvSpPr>
+        <p:spPr>
+          <a:xfrm>
+            <a:off x="5232918" y="4674637"/>
+            <a:ext cx="1726163" cy="1306285"/>
+          </a:xfrm>
+          <a:prstGeom prst="roundRect">
+            <a:avLst/>
+          </a:prstGeom>
+        </p:spPr>
+        <p:style>
+          <a:lnRef idx="2">
+            <a:schemeClr val="accent1">
+              <a:shade val="15000"/>
+            </a:schemeClr>
+          </a:lnRef>
+          <a:fillRef idx="1">
+            <a:schemeClr val="accent1"/>
+          </a:fillRef>
+          <a:effectRef idx="0">
+            <a:schemeClr val="accent1"/>
+          </a:effectRef>
+          <a:fontRef idx="minor">
+            <a:schemeClr val="lt1"/>
+          </a:fontRef>
+        </p:style>
+        <p:txBody>
+          <a:bodyPr rtlCol="0" anchor="ctr"/>
+          <a:lstStyle/>
+          <a:p>
+            <a:pPr algn="ctr"/>
+            <a:r>
+              <a:rPr lang="en-IN" dirty="0"/>
+              <a:t>Client 1</a:t>
+            </a:r>
+            <a:endParaRPr lang="en-US" dirty="0"/>
+          </a:p>
+        </p:txBody>
+      </p:sp>
+      <p:sp>
+        <p:nvSpPr>
+          <p:cNvPr id="7" name="Rectangle: Rounded Corners 6">
+            <a:extLst>
+              <a:ext uri="{FF2B5EF4-FFF2-40B4-BE49-F238E27FC236}">
+                <a16:creationId xmlns:a16="http://schemas.microsoft.com/office/drawing/2014/main" id="{2F791519-ED50-5D8D-77AA-41C118B1E997}"/>
+              </a:ext>
+            </a:extLst>
+          </p:cNvPr>
+          <p:cNvSpPr/>
+          <p:nvPr/>
+        </p:nvSpPr>
+        <p:spPr>
+          <a:xfrm>
+            <a:off x="10307217" y="4743061"/>
+            <a:ext cx="1726163" cy="1306285"/>
+          </a:xfrm>
+          <a:prstGeom prst="roundRect">
+            <a:avLst/>
+          </a:prstGeom>
+        </p:spPr>
+        <p:style>
+          <a:lnRef idx="2">
+            <a:schemeClr val="accent1">
+              <a:shade val="15000"/>
+            </a:schemeClr>
+          </a:lnRef>
+          <a:fillRef idx="1">
+            <a:schemeClr val="accent1"/>
+          </a:fillRef>
+          <a:effectRef idx="0">
+            <a:schemeClr val="accent1"/>
+          </a:effectRef>
+          <a:fontRef idx="minor">
+            <a:schemeClr val="lt1"/>
+          </a:fontRef>
+        </p:style>
+        <p:txBody>
+          <a:bodyPr rtlCol="0" anchor="ctr"/>
+          <a:lstStyle/>
+          <a:p>
+            <a:pPr algn="ctr"/>
+            <a:r>
+              <a:rPr lang="en-IN" dirty="0"/>
+              <a:t>Client 1</a:t>
+            </a:r>
+            <a:endParaRPr lang="en-US" dirty="0"/>
+          </a:p>
+        </p:txBody>
+      </p:sp>
+      <p:cxnSp>
+        <p:nvCxnSpPr>
+          <p:cNvPr id="9" name="Connector: Elbow 8">
+            <a:extLst>
+              <a:ext uri="{FF2B5EF4-FFF2-40B4-BE49-F238E27FC236}">
+                <a16:creationId xmlns:a16="http://schemas.microsoft.com/office/drawing/2014/main" id="{BCA284F1-5DE5-E086-61E9-16B6052648C4}"/>
+              </a:ext>
+            </a:extLst>
+          </p:cNvPr>
+          <p:cNvCxnSpPr>
+            <a:stCxn id="3" idx="0"/>
+            <a:endCxn id="2" idx="3"/>
+          </p:cNvCxnSpPr>
+          <p:nvPr/>
+        </p:nvCxnSpPr>
+        <p:spPr>
+          <a:xfrm rot="5400000" flipH="1" flipV="1">
+            <a:off x="2726871" y="1094015"/>
+            <a:ext cx="2220686" cy="4940559"/>
+          </a:xfrm>
+          <a:prstGeom prst="bentConnector3">
+            <a:avLst/>
+          </a:prstGeom>
+          <a:ln>
+            <a:headEnd type="triangle"/>
+            <a:tailEnd type="triangle"/>
+          </a:ln>
+        </p:spPr>
+        <p:style>
+          <a:lnRef idx="1">
+            <a:schemeClr val="accent1"/>
+          </a:lnRef>
+          <a:fillRef idx="0">
+            <a:schemeClr val="accent1"/>
+          </a:fillRef>
+          <a:effectRef idx="0">
+            <a:schemeClr val="accent1"/>
+          </a:effectRef>
+          <a:fontRef idx="minor">
+            <a:schemeClr val="tx1"/>
+          </a:fontRef>
+        </p:style>
+      </p:cxnSp>
+      <p:cxnSp>
+        <p:nvCxnSpPr>
+          <p:cNvPr id="11" name="Connector: Elbow 10">
+            <a:extLst>
+              <a:ext uri="{FF2B5EF4-FFF2-40B4-BE49-F238E27FC236}">
+                <a16:creationId xmlns:a16="http://schemas.microsoft.com/office/drawing/2014/main" id="{2FBFBA46-8311-D5CF-50E6-DCA1E6C3CC1D}"/>
+              </a:ext>
+            </a:extLst>
+          </p:cNvPr>
+          <p:cNvCxnSpPr>
+            <a:stCxn id="4" idx="0"/>
+            <a:endCxn id="2" idx="3"/>
+          </p:cNvCxnSpPr>
+          <p:nvPr/>
+        </p:nvCxnSpPr>
+        <p:spPr>
+          <a:xfrm rot="5400000" flipH="1" flipV="1">
+            <a:off x="3801447" y="2168590"/>
+            <a:ext cx="2220686" cy="2791408"/>
+          </a:xfrm>
+          <a:prstGeom prst="bentConnector3">
+            <a:avLst/>
+          </a:prstGeom>
+          <a:ln>
+            <a:headEnd type="triangle"/>
+            <a:tailEnd type="triangle"/>
+          </a:ln>
+        </p:spPr>
+        <p:style>
+          <a:lnRef idx="1">
+            <a:schemeClr val="accent1"/>
+          </a:lnRef>
+          <a:fillRef idx="0">
+            <a:schemeClr val="accent1"/>
+          </a:fillRef>
+          <a:effectRef idx="0">
+            <a:schemeClr val="accent1"/>
+          </a:effectRef>
+          <a:fontRef idx="minor">
+            <a:schemeClr val="tx1"/>
+          </a:fontRef>
+        </p:style>
+      </p:cxnSp>
+      <p:cxnSp>
+        <p:nvCxnSpPr>
+          <p:cNvPr id="13" name="Connector: Elbow 12">
+            <a:extLst>
+              <a:ext uri="{FF2B5EF4-FFF2-40B4-BE49-F238E27FC236}">
+                <a16:creationId xmlns:a16="http://schemas.microsoft.com/office/drawing/2014/main" id="{6E3EE753-922D-C9A8-64F8-1EF3CC1B095D}"/>
+              </a:ext>
+            </a:extLst>
+          </p:cNvPr>
+          <p:cNvCxnSpPr>
+            <a:stCxn id="6" idx="0"/>
+            <a:endCxn id="2" idx="3"/>
+          </p:cNvCxnSpPr>
+          <p:nvPr/>
+        </p:nvCxnSpPr>
+        <p:spPr>
+          <a:xfrm rot="5400000" flipH="1" flipV="1">
+            <a:off x="5091404" y="3458547"/>
+            <a:ext cx="2220686" cy="211494"/>
+          </a:xfrm>
+          <a:prstGeom prst="bentConnector3">
+            <a:avLst/>
+          </a:prstGeom>
+          <a:ln>
+            <a:headEnd type="triangle"/>
+            <a:tailEnd type="triangle"/>
+          </a:ln>
+        </p:spPr>
+        <p:style>
+          <a:lnRef idx="1">
+            <a:schemeClr val="accent1"/>
+          </a:lnRef>
+          <a:fillRef idx="0">
+            <a:schemeClr val="accent1"/>
+          </a:fillRef>
+          <a:effectRef idx="0">
+            <a:schemeClr val="accent1"/>
+          </a:effectRef>
+          <a:fontRef idx="minor">
+            <a:schemeClr val="tx1"/>
+          </a:fontRef>
+        </p:style>
+      </p:cxnSp>
+      <p:cxnSp>
+        <p:nvCxnSpPr>
+          <p:cNvPr id="15" name="Connector: Elbow 14">
+            <a:extLst>
+              <a:ext uri="{FF2B5EF4-FFF2-40B4-BE49-F238E27FC236}">
+                <a16:creationId xmlns:a16="http://schemas.microsoft.com/office/drawing/2014/main" id="{3BFBC10E-F414-7EB6-A893-3CD826BD3D0A}"/>
+              </a:ext>
+            </a:extLst>
+          </p:cNvPr>
+          <p:cNvCxnSpPr>
+            <a:stCxn id="5" idx="0"/>
+            <a:endCxn id="2" idx="3"/>
+          </p:cNvCxnSpPr>
+          <p:nvPr/>
+        </p:nvCxnSpPr>
+        <p:spPr>
+          <a:xfrm rot="16200000" flipV="1">
+            <a:off x="6389137" y="2372308"/>
+            <a:ext cx="2289110" cy="2452396"/>
+          </a:xfrm>
+          <a:prstGeom prst="bentConnector3">
+            <a:avLst/>
+          </a:prstGeom>
+          <a:ln>
+            <a:headEnd type="triangle"/>
+            <a:tailEnd type="triangle"/>
+          </a:ln>
+        </p:spPr>
+        <p:style>
+          <a:lnRef idx="1">
+            <a:schemeClr val="accent1"/>
+          </a:lnRef>
+          <a:fillRef idx="0">
+            <a:schemeClr val="accent1"/>
+          </a:fillRef>
+          <a:effectRef idx="0">
+            <a:schemeClr val="accent1"/>
+          </a:effectRef>
+          <a:fontRef idx="minor">
+            <a:schemeClr val="tx1"/>
+          </a:fontRef>
+        </p:style>
+      </p:cxnSp>
+      <p:cxnSp>
+        <p:nvCxnSpPr>
+          <p:cNvPr id="17" name="Connector: Elbow 16">
+            <a:extLst>
+              <a:ext uri="{FF2B5EF4-FFF2-40B4-BE49-F238E27FC236}">
+                <a16:creationId xmlns:a16="http://schemas.microsoft.com/office/drawing/2014/main" id="{06F93B6F-766E-5286-BF8F-5489BD3CA492}"/>
+              </a:ext>
+            </a:extLst>
+          </p:cNvPr>
+          <p:cNvCxnSpPr>
+            <a:stCxn id="7" idx="0"/>
+            <a:endCxn id="2" idx="3"/>
+          </p:cNvCxnSpPr>
+          <p:nvPr/>
+        </p:nvCxnSpPr>
+        <p:spPr>
+          <a:xfrm rot="16200000" flipV="1">
+            <a:off x="7594342" y="1167103"/>
+            <a:ext cx="2289110" cy="4862805"/>
+          </a:xfrm>
+          <a:prstGeom prst="bentConnector3">
+            <a:avLst/>
+          </a:prstGeom>
+          <a:ln>
+            <a:headEnd type="triangle"/>
+            <a:tailEnd type="triangle"/>
+          </a:ln>
+        </p:spPr>
+        <p:style>
+          <a:lnRef idx="1">
+            <a:schemeClr val="accent1"/>
+          </a:lnRef>
+          <a:fillRef idx="0">
+            <a:schemeClr val="accent1"/>
+          </a:fillRef>
+          <a:effectRef idx="0">
+            <a:schemeClr val="accent1"/>
+          </a:effectRef>
+          <a:fontRef idx="minor">
+            <a:schemeClr val="tx1"/>
+          </a:fontRef>
+        </p:style>
+      </p:cxnSp>
+    </p:spTree>
+    <p:extLst>
+      <p:ext uri="{BB962C8B-B14F-4D97-AF65-F5344CB8AC3E}">
+        <p14:creationId xmlns:p14="http://schemas.microsoft.com/office/powerpoint/2010/main" val="2654109686"/>
+      </p:ext>
+    </p:extLst>
+  </p:cSld>
+  <p:clrMapOvr>
+    <a:masterClrMapping/>
+  </p:clrMapOvr>
+</p:sld>
+</file>
+
+<file path=ppt/slides/slide18.xml><?xml version="1.0" encoding="utf-8"?>
+<p:sld xmlns:a="http://schemas.openxmlformats.org/drawingml/2006/main" xmlns:r="http://schemas.openxmlformats.org/officeDocument/2006/relationships" xmlns:p="http://schemas.openxmlformats.org/presentationml/2006/main">
+  <p:cSld>
+    <p:spTree>
+      <p:nvGrpSpPr>
+        <p:cNvPr id="1" name=""/>
+        <p:cNvGrpSpPr/>
+        <p:nvPr/>
+      </p:nvGrpSpPr>
+      <p:grpSpPr>
+        <a:xfrm>
+          <a:off x="0" y="0"/>
+          <a:ext cx="0" cy="0"/>
+          <a:chOff x="0" y="0"/>
+          <a:chExt cx="0" cy="0"/>
+        </a:xfrm>
+      </p:grpSpPr>
+      <p:sp>
+        <p:nvSpPr>
+          <p:cNvPr id="2" name="TextBox 1">
+            <a:extLst>
+              <a:ext uri="{FF2B5EF4-FFF2-40B4-BE49-F238E27FC236}">
+                <a16:creationId xmlns:a16="http://schemas.microsoft.com/office/drawing/2014/main" id="{93C3E7D6-D671-5580-1FEF-240FCE9256A7}"/>
+              </a:ext>
+            </a:extLst>
+          </p:cNvPr>
+          <p:cNvSpPr txBox="1"/>
+          <p:nvPr/>
+        </p:nvSpPr>
+        <p:spPr>
+          <a:xfrm>
+            <a:off x="65314" y="205273"/>
+            <a:ext cx="1268964" cy="369332"/>
+          </a:xfrm>
+          <a:prstGeom prst="rect">
+            <a:avLst/>
+          </a:prstGeom>
+          <a:noFill/>
+        </p:spPr>
+        <p:txBody>
+          <a:bodyPr wrap="square" rtlCol="0">
+            <a:spAutoFit/>
+          </a:bodyPr>
+          <a:lstStyle/>
+          <a:p>
+            <a:r>
+              <a:rPr lang="en-IN" dirty="0"/>
+              <a:t>int i = 10;</a:t>
+            </a:r>
+            <a:endParaRPr lang="en-US" dirty="0"/>
+          </a:p>
+        </p:txBody>
+      </p:sp>
+      <p:sp>
+        <p:nvSpPr>
+          <p:cNvPr id="4" name="Rectangle: Rounded Corners 3">
+            <a:extLst>
+              <a:ext uri="{FF2B5EF4-FFF2-40B4-BE49-F238E27FC236}">
+                <a16:creationId xmlns:a16="http://schemas.microsoft.com/office/drawing/2014/main" id="{4F37ADFB-673A-DD37-2020-BB1C5283D843}"/>
+              </a:ext>
+            </a:extLst>
+          </p:cNvPr>
+          <p:cNvSpPr/>
+          <p:nvPr/>
+        </p:nvSpPr>
+        <p:spPr>
+          <a:xfrm>
+            <a:off x="65314" y="1007706"/>
+            <a:ext cx="979715" cy="475861"/>
+          </a:xfrm>
+          <a:prstGeom prst="roundRect">
+            <a:avLst/>
+          </a:prstGeom>
+        </p:spPr>
+        <p:style>
+          <a:lnRef idx="2">
+            <a:schemeClr val="accent1">
+              <a:shade val="15000"/>
+            </a:schemeClr>
+          </a:lnRef>
+          <a:fillRef idx="1">
+            <a:schemeClr val="accent1"/>
+          </a:fillRef>
+          <a:effectRef idx="0">
+            <a:schemeClr val="accent1"/>
+          </a:effectRef>
+          <a:fontRef idx="minor">
+            <a:schemeClr val="lt1"/>
+          </a:fontRef>
+        </p:style>
+        <p:txBody>
+          <a:bodyPr rtlCol="0" anchor="ctr"/>
+          <a:lstStyle/>
+          <a:p>
+            <a:pPr algn="ctr"/>
+            <a:r>
+              <a:rPr lang="en-IN" dirty="0"/>
+              <a:t>10</a:t>
+            </a:r>
+            <a:endParaRPr lang="en-US" dirty="0"/>
+          </a:p>
+        </p:txBody>
+      </p:sp>
+      <p:sp>
+        <p:nvSpPr>
+          <p:cNvPr id="5" name="TextBox 4">
+            <a:extLst>
+              <a:ext uri="{FF2B5EF4-FFF2-40B4-BE49-F238E27FC236}">
+                <a16:creationId xmlns:a16="http://schemas.microsoft.com/office/drawing/2014/main" id="{55061568-1A26-08B6-86F8-C6E0F8C20999}"/>
+              </a:ext>
+            </a:extLst>
+          </p:cNvPr>
+          <p:cNvSpPr txBox="1"/>
+          <p:nvPr/>
+        </p:nvSpPr>
+        <p:spPr>
+          <a:xfrm>
+            <a:off x="298580" y="1600973"/>
+            <a:ext cx="587828" cy="369332"/>
+          </a:xfrm>
+          <a:prstGeom prst="rect">
+            <a:avLst/>
+          </a:prstGeom>
+          <a:noFill/>
+        </p:spPr>
+        <p:txBody>
+          <a:bodyPr wrap="square" rtlCol="0">
+            <a:spAutoFit/>
+          </a:bodyPr>
+          <a:lstStyle/>
+          <a:p>
+            <a:r>
+              <a:rPr lang="en-IN" dirty="0"/>
+              <a:t>i</a:t>
+            </a:r>
+            <a:endParaRPr lang="en-US" dirty="0"/>
+          </a:p>
+        </p:txBody>
+      </p:sp>
+      <p:sp>
+        <p:nvSpPr>
+          <p:cNvPr id="6" name="TextBox 5">
+            <a:extLst>
+              <a:ext uri="{FF2B5EF4-FFF2-40B4-BE49-F238E27FC236}">
+                <a16:creationId xmlns:a16="http://schemas.microsoft.com/office/drawing/2014/main" id="{DC27E282-3712-068E-F538-1074B26B545C}"/>
+              </a:ext>
+            </a:extLst>
+          </p:cNvPr>
+          <p:cNvSpPr txBox="1"/>
+          <p:nvPr/>
+        </p:nvSpPr>
+        <p:spPr>
+          <a:xfrm>
+            <a:off x="177281" y="641865"/>
+            <a:ext cx="867747" cy="369332"/>
+          </a:xfrm>
+          <a:prstGeom prst="rect">
+            <a:avLst/>
+          </a:prstGeom>
+          <a:noFill/>
+        </p:spPr>
+        <p:txBody>
+          <a:bodyPr wrap="square" rtlCol="0">
+            <a:spAutoFit/>
+          </a:bodyPr>
+          <a:lstStyle/>
+          <a:p>
+            <a:r>
+              <a:rPr lang="en-IN" dirty="0"/>
+              <a:t>Stack</a:t>
+            </a:r>
+            <a:endParaRPr lang="en-US" dirty="0"/>
+          </a:p>
+        </p:txBody>
+      </p:sp>
+      <p:sp>
+        <p:nvSpPr>
+          <p:cNvPr id="7" name="TextBox 6">
+            <a:extLst>
+              <a:ext uri="{FF2B5EF4-FFF2-40B4-BE49-F238E27FC236}">
+                <a16:creationId xmlns:a16="http://schemas.microsoft.com/office/drawing/2014/main" id="{89D83CD7-1A8A-3F33-4F08-621E38539C90}"/>
+              </a:ext>
+            </a:extLst>
+          </p:cNvPr>
+          <p:cNvSpPr txBox="1"/>
+          <p:nvPr/>
+        </p:nvSpPr>
+        <p:spPr>
+          <a:xfrm>
+            <a:off x="2556588" y="205273"/>
+            <a:ext cx="2509934" cy="369332"/>
+          </a:xfrm>
+          <a:prstGeom prst="rect">
+            <a:avLst/>
+          </a:prstGeom>
+          <a:noFill/>
+        </p:spPr>
+        <p:txBody>
+          <a:bodyPr wrap="square" rtlCol="0">
+            <a:spAutoFit/>
+          </a:bodyPr>
+          <a:lstStyle/>
+          <a:p>
+            <a:r>
+              <a:rPr lang="en-IN" dirty="0"/>
+              <a:t>Object o =  I;</a:t>
+            </a:r>
+            <a:endParaRPr lang="en-US" dirty="0"/>
+          </a:p>
+        </p:txBody>
+      </p:sp>
+      <p:sp>
+        <p:nvSpPr>
+          <p:cNvPr id="8" name="Rectangle: Rounded Corners 7">
+            <a:extLst>
+              <a:ext uri="{FF2B5EF4-FFF2-40B4-BE49-F238E27FC236}">
+                <a16:creationId xmlns:a16="http://schemas.microsoft.com/office/drawing/2014/main" id="{FEF9FBBF-0843-5A59-B6B0-6A6D24CDF592}"/>
+              </a:ext>
+            </a:extLst>
+          </p:cNvPr>
+          <p:cNvSpPr/>
+          <p:nvPr/>
+        </p:nvSpPr>
+        <p:spPr>
+          <a:xfrm>
+            <a:off x="3418114" y="1007706"/>
+            <a:ext cx="979715" cy="475861"/>
+          </a:xfrm>
+          <a:prstGeom prst="roundRect">
+            <a:avLst/>
+          </a:prstGeom>
+        </p:spPr>
+        <p:style>
+          <a:lnRef idx="2">
+            <a:schemeClr val="accent1">
+              <a:shade val="15000"/>
+            </a:schemeClr>
+          </a:lnRef>
+          <a:fillRef idx="1">
+            <a:schemeClr val="accent1"/>
+          </a:fillRef>
+          <a:effectRef idx="0">
+            <a:schemeClr val="accent1"/>
+          </a:effectRef>
+          <a:fontRef idx="minor">
+            <a:schemeClr val="lt1"/>
+          </a:fontRef>
+        </p:style>
+        <p:txBody>
+          <a:bodyPr rtlCol="0" anchor="ctr"/>
+          <a:lstStyle/>
+          <a:p>
+            <a:pPr algn="ctr"/>
+            <a:r>
+              <a:rPr lang="en-IN" dirty="0"/>
+              <a:t>o</a:t>
+            </a:r>
+            <a:endParaRPr lang="en-US" dirty="0"/>
+          </a:p>
+        </p:txBody>
+      </p:sp>
+      <p:sp>
+        <p:nvSpPr>
+          <p:cNvPr id="10" name="TextBox 9">
+            <a:extLst>
+              <a:ext uri="{FF2B5EF4-FFF2-40B4-BE49-F238E27FC236}">
+                <a16:creationId xmlns:a16="http://schemas.microsoft.com/office/drawing/2014/main" id="{76880632-D416-0EDF-7944-4512E22E2C0A}"/>
+              </a:ext>
+            </a:extLst>
+          </p:cNvPr>
+          <p:cNvSpPr txBox="1"/>
+          <p:nvPr/>
+        </p:nvSpPr>
+        <p:spPr>
+          <a:xfrm>
+            <a:off x="3530081" y="641865"/>
+            <a:ext cx="867747" cy="369332"/>
+          </a:xfrm>
+          <a:prstGeom prst="rect">
+            <a:avLst/>
+          </a:prstGeom>
+          <a:noFill/>
+        </p:spPr>
+        <p:txBody>
+          <a:bodyPr wrap="square" rtlCol="0">
+            <a:spAutoFit/>
+          </a:bodyPr>
+          <a:lstStyle/>
+          <a:p>
+            <a:r>
+              <a:rPr lang="en-IN" dirty="0"/>
+              <a:t>Stack</a:t>
+            </a:r>
+            <a:endParaRPr lang="en-US" dirty="0"/>
+          </a:p>
+        </p:txBody>
+      </p:sp>
+      <p:sp>
+        <p:nvSpPr>
+          <p:cNvPr id="11" name="Rectangle 10">
+            <a:extLst>
+              <a:ext uri="{FF2B5EF4-FFF2-40B4-BE49-F238E27FC236}">
+                <a16:creationId xmlns:a16="http://schemas.microsoft.com/office/drawing/2014/main" id="{3E674214-87D7-D4C3-44F8-204089F133FE}"/>
+              </a:ext>
+            </a:extLst>
+          </p:cNvPr>
+          <p:cNvSpPr/>
+          <p:nvPr/>
+        </p:nvSpPr>
+        <p:spPr>
+          <a:xfrm>
+            <a:off x="6634064" y="899631"/>
+            <a:ext cx="1408923" cy="1167872"/>
+          </a:xfrm>
+          <a:prstGeom prst="rect">
+            <a:avLst/>
+          </a:prstGeom>
+        </p:spPr>
+        <p:style>
+          <a:lnRef idx="2">
+            <a:schemeClr val="accent6"/>
+          </a:lnRef>
+          <a:fillRef idx="1">
+            <a:schemeClr val="lt1"/>
+          </a:fillRef>
+          <a:effectRef idx="0">
+            <a:schemeClr val="accent6"/>
+          </a:effectRef>
+          <a:fontRef idx="minor">
+            <a:schemeClr val="dk1"/>
+          </a:fontRef>
+        </p:style>
+        <p:txBody>
+          <a:bodyPr rtlCol="0" anchor="ctr"/>
+          <a:lstStyle/>
+          <a:p>
+            <a:pPr algn="ctr"/>
+            <a:endParaRPr lang="en-US"/>
+          </a:p>
+        </p:txBody>
+      </p:sp>
+      <p:sp>
+        <p:nvSpPr>
+          <p:cNvPr id="12" name="TextBox 11">
+            <a:extLst>
+              <a:ext uri="{FF2B5EF4-FFF2-40B4-BE49-F238E27FC236}">
+                <a16:creationId xmlns:a16="http://schemas.microsoft.com/office/drawing/2014/main" id="{2C61179C-D1AA-D662-7E2D-E37D1E601238}"/>
+              </a:ext>
+            </a:extLst>
+          </p:cNvPr>
+          <p:cNvSpPr txBox="1"/>
+          <p:nvPr/>
+        </p:nvSpPr>
+        <p:spPr>
+          <a:xfrm>
+            <a:off x="7081934" y="530299"/>
+            <a:ext cx="867747" cy="369332"/>
+          </a:xfrm>
+          <a:prstGeom prst="rect">
+            <a:avLst/>
+          </a:prstGeom>
+          <a:noFill/>
+        </p:spPr>
+        <p:txBody>
+          <a:bodyPr wrap="square" rtlCol="0">
+            <a:spAutoFit/>
+          </a:bodyPr>
+          <a:lstStyle/>
+          <a:p>
+            <a:r>
+              <a:rPr lang="en-IN" dirty="0"/>
+              <a:t>Heap</a:t>
+            </a:r>
+            <a:endParaRPr lang="en-US" dirty="0"/>
+          </a:p>
+        </p:txBody>
+      </p:sp>
+      <p:sp>
+        <p:nvSpPr>
+          <p:cNvPr id="13" name="Rectangle 12">
+            <a:extLst>
+              <a:ext uri="{FF2B5EF4-FFF2-40B4-BE49-F238E27FC236}">
+                <a16:creationId xmlns:a16="http://schemas.microsoft.com/office/drawing/2014/main" id="{19341A47-DE3E-2EDD-8942-D001983ABC59}"/>
+              </a:ext>
+            </a:extLst>
+          </p:cNvPr>
+          <p:cNvSpPr/>
+          <p:nvPr/>
+        </p:nvSpPr>
+        <p:spPr>
+          <a:xfrm>
+            <a:off x="6615404" y="1483567"/>
+            <a:ext cx="1474237" cy="45719"/>
+          </a:xfrm>
+          <a:prstGeom prst="rect">
+            <a:avLst/>
+          </a:prstGeom>
+        </p:spPr>
+        <p:style>
+          <a:lnRef idx="2">
+            <a:schemeClr val="accent1">
+              <a:shade val="15000"/>
+            </a:schemeClr>
+          </a:lnRef>
+          <a:fillRef idx="1">
+            <a:schemeClr val="accent1"/>
+          </a:fillRef>
+          <a:effectRef idx="0">
+            <a:schemeClr val="accent1"/>
+          </a:effectRef>
+          <a:fontRef idx="minor">
+            <a:schemeClr val="lt1"/>
+          </a:fontRef>
+        </p:style>
+        <p:txBody>
+          <a:bodyPr rtlCol="0" anchor="ctr"/>
+          <a:lstStyle/>
+          <a:p>
+            <a:pPr algn="ctr"/>
+            <a:endParaRPr lang="en-US"/>
+          </a:p>
+        </p:txBody>
+      </p:sp>
+      <p:sp>
+        <p:nvSpPr>
+          <p:cNvPr id="14" name="TextBox 13">
+            <a:extLst>
+              <a:ext uri="{FF2B5EF4-FFF2-40B4-BE49-F238E27FC236}">
+                <a16:creationId xmlns:a16="http://schemas.microsoft.com/office/drawing/2014/main" id="{804BDE34-838B-FCBE-DFDE-D9EC382DF0AF}"/>
+              </a:ext>
+            </a:extLst>
+          </p:cNvPr>
+          <p:cNvSpPr txBox="1"/>
+          <p:nvPr/>
+        </p:nvSpPr>
+        <p:spPr>
+          <a:xfrm>
+            <a:off x="6634064" y="899631"/>
+            <a:ext cx="1408923" cy="338554"/>
+          </a:xfrm>
+          <a:prstGeom prst="rect">
+            <a:avLst/>
+          </a:prstGeom>
+          <a:noFill/>
+        </p:spPr>
+        <p:txBody>
+          <a:bodyPr wrap="square" rtlCol="0">
+            <a:spAutoFit/>
+          </a:bodyPr>
+          <a:lstStyle/>
+          <a:p>
+            <a:r>
+              <a:rPr lang="en-IN" sz="1600" dirty="0"/>
+              <a:t>System.Inte32</a:t>
+            </a:r>
+            <a:endParaRPr lang="en-US" sz="1600" dirty="0"/>
+          </a:p>
+        </p:txBody>
+      </p:sp>
+      <p:sp>
+        <p:nvSpPr>
+          <p:cNvPr id="15" name="TextBox 14">
+            <a:extLst>
+              <a:ext uri="{FF2B5EF4-FFF2-40B4-BE49-F238E27FC236}">
+                <a16:creationId xmlns:a16="http://schemas.microsoft.com/office/drawing/2014/main" id="{4C53B2DC-7D1C-1B06-A704-5A4584F4529A}"/>
+              </a:ext>
+            </a:extLst>
+          </p:cNvPr>
+          <p:cNvSpPr txBox="1"/>
+          <p:nvPr/>
+        </p:nvSpPr>
+        <p:spPr>
+          <a:xfrm>
+            <a:off x="6634064" y="1600973"/>
+            <a:ext cx="1408923" cy="369332"/>
+          </a:xfrm>
+          <a:prstGeom prst="rect">
+            <a:avLst/>
+          </a:prstGeom>
+          <a:noFill/>
+        </p:spPr>
+        <p:txBody>
+          <a:bodyPr wrap="square" rtlCol="0">
+            <a:spAutoFit/>
+          </a:bodyPr>
+          <a:lstStyle/>
+          <a:p>
+            <a:pPr algn="ctr"/>
+            <a:r>
+              <a:rPr lang="en-IN" dirty="0"/>
+              <a:t>10</a:t>
+            </a:r>
+            <a:endParaRPr lang="en-US" dirty="0"/>
+          </a:p>
+        </p:txBody>
+      </p:sp>
+      <p:cxnSp>
+        <p:nvCxnSpPr>
+          <p:cNvPr id="17" name="Straight Arrow Connector 16">
+            <a:extLst>
+              <a:ext uri="{FF2B5EF4-FFF2-40B4-BE49-F238E27FC236}">
+                <a16:creationId xmlns:a16="http://schemas.microsoft.com/office/drawing/2014/main" id="{95BF5568-8DE3-58AF-6BFB-7DF5FC3724E7}"/>
+              </a:ext>
+            </a:extLst>
+          </p:cNvPr>
+          <p:cNvCxnSpPr>
+            <a:stCxn id="8" idx="3"/>
+            <a:endCxn id="13" idx="1"/>
+          </p:cNvCxnSpPr>
+          <p:nvPr/>
+        </p:nvCxnSpPr>
+        <p:spPr>
+          <a:xfrm>
+            <a:off x="4397829" y="1245637"/>
+            <a:ext cx="2217575" cy="260790"/>
+          </a:xfrm>
+          <a:prstGeom prst="straightConnector1">
+            <a:avLst/>
+          </a:prstGeom>
+          <a:ln>
+            <a:tailEnd type="triangle"/>
+          </a:ln>
+        </p:spPr>
+        <p:style>
+          <a:lnRef idx="1">
+            <a:schemeClr val="accent1"/>
+          </a:lnRef>
+          <a:fillRef idx="0">
+            <a:schemeClr val="accent1"/>
+          </a:fillRef>
+          <a:effectRef idx="0">
+            <a:schemeClr val="accent1"/>
+          </a:effectRef>
+          <a:fontRef idx="minor">
+            <a:schemeClr val="tx1"/>
+          </a:fontRef>
+        </p:style>
+      </p:cxnSp>
+      <p:sp>
+        <p:nvSpPr>
+          <p:cNvPr id="18" name="TextBox 17">
+            <a:extLst>
+              <a:ext uri="{FF2B5EF4-FFF2-40B4-BE49-F238E27FC236}">
+                <a16:creationId xmlns:a16="http://schemas.microsoft.com/office/drawing/2014/main" id="{24557DDA-AB71-0D1E-C902-3F16925A52D8}"/>
+              </a:ext>
+            </a:extLst>
+          </p:cNvPr>
+          <p:cNvSpPr txBox="1"/>
+          <p:nvPr/>
+        </p:nvSpPr>
+        <p:spPr>
+          <a:xfrm>
+            <a:off x="4702629" y="205273"/>
+            <a:ext cx="4562669" cy="369332"/>
+          </a:xfrm>
+          <a:prstGeom prst="rect">
+            <a:avLst/>
+          </a:prstGeom>
+          <a:noFill/>
+        </p:spPr>
+        <p:txBody>
+          <a:bodyPr wrap="square" rtlCol="0">
+            <a:spAutoFit/>
+          </a:bodyPr>
+          <a:lstStyle/>
+          <a:p>
+            <a:r>
+              <a:rPr lang="en-IN" dirty="0"/>
+              <a:t>Boxing: Value type to reference type</a:t>
+            </a:r>
+            <a:endParaRPr lang="en-US" dirty="0"/>
+          </a:p>
+        </p:txBody>
+      </p:sp>
+      <p:sp>
+        <p:nvSpPr>
+          <p:cNvPr id="19" name="Rectangle: Rounded Corners 18">
+            <a:extLst>
+              <a:ext uri="{FF2B5EF4-FFF2-40B4-BE49-F238E27FC236}">
+                <a16:creationId xmlns:a16="http://schemas.microsoft.com/office/drawing/2014/main" id="{8F3DB485-EB22-B5D1-098B-B6E950EA445B}"/>
+              </a:ext>
+            </a:extLst>
+          </p:cNvPr>
+          <p:cNvSpPr/>
+          <p:nvPr/>
+        </p:nvSpPr>
+        <p:spPr>
+          <a:xfrm>
+            <a:off x="419878" y="2668555"/>
+            <a:ext cx="2136710" cy="1119674"/>
+          </a:xfrm>
+          <a:prstGeom prst="roundRect">
+            <a:avLst/>
+          </a:prstGeom>
+        </p:spPr>
+        <p:style>
+          <a:lnRef idx="2">
+            <a:schemeClr val="accent1">
+              <a:shade val="15000"/>
+            </a:schemeClr>
+          </a:lnRef>
+          <a:fillRef idx="1">
+            <a:schemeClr val="accent1"/>
+          </a:fillRef>
+          <a:effectRef idx="0">
+            <a:schemeClr val="accent1"/>
+          </a:effectRef>
+          <a:fontRef idx="minor">
+            <a:schemeClr val="lt1"/>
+          </a:fontRef>
+        </p:style>
+        <p:txBody>
+          <a:bodyPr rtlCol="0" anchor="ctr"/>
+          <a:lstStyle/>
+          <a:p>
+            <a:pPr algn="ctr"/>
+            <a:r>
+              <a:rPr lang="en-IN" dirty="0"/>
+              <a:t>P1</a:t>
+            </a:r>
+            <a:endParaRPr lang="en-US" dirty="0"/>
+          </a:p>
+        </p:txBody>
+      </p:sp>
+      <p:sp>
+        <p:nvSpPr>
+          <p:cNvPr id="20" name="Rectangle: Rounded Corners 19">
+            <a:extLst>
+              <a:ext uri="{FF2B5EF4-FFF2-40B4-BE49-F238E27FC236}">
+                <a16:creationId xmlns:a16="http://schemas.microsoft.com/office/drawing/2014/main" id="{29B7489D-D0B2-647A-5E02-8D35591523D0}"/>
+              </a:ext>
+            </a:extLst>
+          </p:cNvPr>
+          <p:cNvSpPr/>
+          <p:nvPr/>
+        </p:nvSpPr>
+        <p:spPr>
+          <a:xfrm>
+            <a:off x="8941837" y="2668555"/>
+            <a:ext cx="2136710" cy="1119674"/>
+          </a:xfrm>
+          <a:prstGeom prst="roundRect">
+            <a:avLst/>
+          </a:prstGeom>
+        </p:spPr>
+        <p:style>
+          <a:lnRef idx="2">
+            <a:schemeClr val="accent1">
+              <a:shade val="15000"/>
+            </a:schemeClr>
+          </a:lnRef>
+          <a:fillRef idx="1">
+            <a:schemeClr val="accent1"/>
+          </a:fillRef>
+          <a:effectRef idx="0">
+            <a:schemeClr val="accent1"/>
+          </a:effectRef>
+          <a:fontRef idx="minor">
+            <a:schemeClr val="lt1"/>
+          </a:fontRef>
+        </p:style>
+        <p:txBody>
+          <a:bodyPr rtlCol="0" anchor="ctr"/>
+          <a:lstStyle/>
+          <a:p>
+            <a:pPr algn="ctr"/>
+            <a:r>
+              <a:rPr lang="en-IN" dirty="0"/>
+              <a:t>P2</a:t>
+            </a:r>
+            <a:endParaRPr lang="en-US" dirty="0"/>
+          </a:p>
+        </p:txBody>
+      </p:sp>
+      <p:sp>
+        <p:nvSpPr>
+          <p:cNvPr id="21" name="Oval 20">
+            <a:extLst>
+              <a:ext uri="{FF2B5EF4-FFF2-40B4-BE49-F238E27FC236}">
+                <a16:creationId xmlns:a16="http://schemas.microsoft.com/office/drawing/2014/main" id="{00BCA6EE-5DFF-92D1-BF18-E3CC51675BFC}"/>
+              </a:ext>
+            </a:extLst>
+          </p:cNvPr>
+          <p:cNvSpPr/>
+          <p:nvPr/>
+        </p:nvSpPr>
+        <p:spPr>
+          <a:xfrm>
+            <a:off x="3057329" y="2818312"/>
+            <a:ext cx="1340499" cy="914400"/>
+          </a:xfrm>
+          <a:prstGeom prst="ellipse">
+            <a:avLst/>
+          </a:prstGeom>
+        </p:spPr>
+        <p:style>
+          <a:lnRef idx="2">
+            <a:schemeClr val="accent1">
+              <a:shade val="15000"/>
+            </a:schemeClr>
+          </a:lnRef>
+          <a:fillRef idx="1">
+            <a:schemeClr val="accent1"/>
+          </a:fillRef>
+          <a:effectRef idx="0">
+            <a:schemeClr val="accent1"/>
+          </a:effectRef>
+          <a:fontRef idx="minor">
+            <a:schemeClr val="lt1"/>
+          </a:fontRef>
+        </p:style>
+        <p:txBody>
+          <a:bodyPr rtlCol="0" anchor="ctr"/>
+          <a:lstStyle/>
+          <a:p>
+            <a:pPr algn="ctr"/>
+            <a:r>
+              <a:rPr lang="en-IN" dirty="0"/>
+              <a:t>Object</a:t>
+            </a:r>
+            <a:endParaRPr lang="en-US" dirty="0"/>
+          </a:p>
+        </p:txBody>
+      </p:sp>
+      <p:cxnSp>
+        <p:nvCxnSpPr>
+          <p:cNvPr id="23" name="Straight Arrow Connector 22">
+            <a:extLst>
+              <a:ext uri="{FF2B5EF4-FFF2-40B4-BE49-F238E27FC236}">
+                <a16:creationId xmlns:a16="http://schemas.microsoft.com/office/drawing/2014/main" id="{12355B84-E8A9-4931-2940-1D38015D83D5}"/>
+              </a:ext>
+            </a:extLst>
+          </p:cNvPr>
+          <p:cNvCxnSpPr>
+            <a:stCxn id="19" idx="3"/>
+            <a:endCxn id="21" idx="2"/>
+          </p:cNvCxnSpPr>
+          <p:nvPr/>
+        </p:nvCxnSpPr>
+        <p:spPr>
+          <a:xfrm>
+            <a:off x="2556588" y="3228392"/>
+            <a:ext cx="500741" cy="47120"/>
+          </a:xfrm>
+          <a:prstGeom prst="straightConnector1">
+            <a:avLst/>
+          </a:prstGeom>
+          <a:ln>
+            <a:tailEnd type="triangle"/>
+          </a:ln>
+        </p:spPr>
+        <p:style>
+          <a:lnRef idx="1">
+            <a:schemeClr val="accent1"/>
+          </a:lnRef>
+          <a:fillRef idx="0">
+            <a:schemeClr val="accent1"/>
+          </a:fillRef>
+          <a:effectRef idx="0">
+            <a:schemeClr val="accent1"/>
+          </a:effectRef>
+          <a:fontRef idx="minor">
+            <a:schemeClr val="tx1"/>
+          </a:fontRef>
+        </p:style>
+      </p:cxnSp>
+      <p:cxnSp>
+        <p:nvCxnSpPr>
+          <p:cNvPr id="25" name="Straight Arrow Connector 24">
+            <a:extLst>
+              <a:ext uri="{FF2B5EF4-FFF2-40B4-BE49-F238E27FC236}">
+                <a16:creationId xmlns:a16="http://schemas.microsoft.com/office/drawing/2014/main" id="{758CDE70-8638-249C-A1B7-89CC089F4487}"/>
+              </a:ext>
+            </a:extLst>
+          </p:cNvPr>
+          <p:cNvCxnSpPr>
+            <a:stCxn id="21" idx="6"/>
+            <a:endCxn id="20" idx="1"/>
+          </p:cNvCxnSpPr>
+          <p:nvPr/>
+        </p:nvCxnSpPr>
+        <p:spPr>
+          <a:xfrm flipV="1">
+            <a:off x="4397828" y="3228392"/>
+            <a:ext cx="4544009" cy="47120"/>
+          </a:xfrm>
+          <a:prstGeom prst="straightConnector1">
+            <a:avLst/>
+          </a:prstGeom>
+          <a:ln>
+            <a:tailEnd type="triangle"/>
+          </a:ln>
+        </p:spPr>
+        <p:style>
+          <a:lnRef idx="1">
+            <a:schemeClr val="accent1"/>
+          </a:lnRef>
+          <a:fillRef idx="0">
+            <a:schemeClr val="accent1"/>
+          </a:fillRef>
+          <a:effectRef idx="0">
+            <a:schemeClr val="accent1"/>
+          </a:effectRef>
+          <a:fontRef idx="minor">
+            <a:schemeClr val="tx1"/>
+          </a:fontRef>
+        </p:style>
+      </p:cxnSp>
+      <p:sp>
+        <p:nvSpPr>
+          <p:cNvPr id="26" name="TextBox 25">
+            <a:extLst>
+              <a:ext uri="{FF2B5EF4-FFF2-40B4-BE49-F238E27FC236}">
+                <a16:creationId xmlns:a16="http://schemas.microsoft.com/office/drawing/2014/main" id="{07B29D4A-38FE-47A5-1062-4D6FC36F3F7B}"/>
+              </a:ext>
+            </a:extLst>
+          </p:cNvPr>
+          <p:cNvSpPr txBox="1"/>
+          <p:nvPr/>
+        </p:nvSpPr>
+        <p:spPr>
+          <a:xfrm>
+            <a:off x="8761445" y="4133462"/>
+            <a:ext cx="2780522" cy="1754326"/>
+          </a:xfrm>
+          <a:prstGeom prst="rect">
+            <a:avLst/>
+          </a:prstGeom>
+          <a:noFill/>
+        </p:spPr>
+        <p:txBody>
+          <a:bodyPr wrap="square" rtlCol="0">
+            <a:spAutoFit/>
+          </a:bodyPr>
+          <a:lstStyle/>
+          <a:p>
+            <a:r>
+              <a:rPr lang="en-IN" dirty="0"/>
+              <a:t>Read Object</a:t>
+            </a:r>
+          </a:p>
+          <a:p>
+            <a:endParaRPr lang="en-IN" dirty="0"/>
+          </a:p>
+          <a:p>
+            <a:r>
+              <a:rPr lang="en-IN" dirty="0" err="1"/>
+              <a:t>UnBox</a:t>
+            </a:r>
+            <a:r>
+              <a:rPr lang="en-IN" dirty="0"/>
+              <a:t>:</a:t>
+            </a:r>
+          </a:p>
+          <a:p>
+            <a:endParaRPr lang="en-IN" dirty="0"/>
+          </a:p>
+          <a:p>
+            <a:r>
+              <a:rPr lang="en-IN" dirty="0"/>
+              <a:t>Then Read the Type of the data Then Read Data</a:t>
+            </a:r>
+            <a:endParaRPr lang="en-US" dirty="0"/>
+          </a:p>
+        </p:txBody>
+      </p:sp>
+      <p:sp>
+        <p:nvSpPr>
+          <p:cNvPr id="27" name="TextBox 26">
+            <a:extLst>
+              <a:ext uri="{FF2B5EF4-FFF2-40B4-BE49-F238E27FC236}">
+                <a16:creationId xmlns:a16="http://schemas.microsoft.com/office/drawing/2014/main" id="{98E46E2B-BFA8-F290-F818-47335C9BA071}"/>
+              </a:ext>
+            </a:extLst>
+          </p:cNvPr>
+          <p:cNvSpPr txBox="1"/>
+          <p:nvPr/>
+        </p:nvSpPr>
+        <p:spPr>
+          <a:xfrm>
+            <a:off x="2653004" y="5247152"/>
+            <a:ext cx="2509934" cy="369332"/>
+          </a:xfrm>
+          <a:prstGeom prst="rect">
+            <a:avLst/>
+          </a:prstGeom>
+          <a:noFill/>
+        </p:spPr>
+        <p:txBody>
+          <a:bodyPr wrap="square" rtlCol="0">
+            <a:spAutoFit/>
+          </a:bodyPr>
+          <a:lstStyle/>
+          <a:p>
+            <a:r>
+              <a:rPr lang="en-IN" dirty="0"/>
+              <a:t>Int j = (int)o;</a:t>
+            </a:r>
+            <a:endParaRPr lang="en-US" dirty="0"/>
+          </a:p>
+        </p:txBody>
+      </p:sp>
+      <p:sp>
+        <p:nvSpPr>
+          <p:cNvPr id="28" name="TextBox 27">
+            <a:extLst>
+              <a:ext uri="{FF2B5EF4-FFF2-40B4-BE49-F238E27FC236}">
+                <a16:creationId xmlns:a16="http://schemas.microsoft.com/office/drawing/2014/main" id="{6DBF195E-3DB8-C7AE-6203-8F8ABC49A763}"/>
+              </a:ext>
+            </a:extLst>
+          </p:cNvPr>
+          <p:cNvSpPr txBox="1"/>
+          <p:nvPr/>
+        </p:nvSpPr>
+        <p:spPr>
+          <a:xfrm>
+            <a:off x="2653004" y="5794310"/>
+            <a:ext cx="2712098" cy="923330"/>
+          </a:xfrm>
+          <a:prstGeom prst="rect">
+            <a:avLst/>
+          </a:prstGeom>
+          <a:noFill/>
+        </p:spPr>
+        <p:txBody>
+          <a:bodyPr wrap="square" rtlCol="0">
+            <a:spAutoFit/>
+          </a:bodyPr>
+          <a:lstStyle/>
+          <a:p>
+            <a:r>
+              <a:rPr lang="en-IN" dirty="0"/>
+              <a:t>Cast the Object before reading it. 2 CPU Cycles </a:t>
+            </a:r>
+            <a:r>
+              <a:rPr lang="en-IN"/>
+              <a:t>for each Value</a:t>
+            </a:r>
+            <a:endParaRPr lang="en-US"/>
+          </a:p>
+        </p:txBody>
+      </p:sp>
+    </p:spTree>
+    <p:extLst>
+      <p:ext uri="{BB962C8B-B14F-4D97-AF65-F5344CB8AC3E}">
+        <p14:creationId xmlns:p14="http://schemas.microsoft.com/office/powerpoint/2010/main" val="832169388"/>
       </p:ext>
     </p:extLst>
   </p:cSld>

--- a/ppts.pptx
+++ b/ppts.pptx
@@ -23,6 +23,8 @@
     <p:sldId id="271" r:id="rId17"/>
     <p:sldId id="272" r:id="rId18"/>
     <p:sldId id="273" r:id="rId19"/>
+    <p:sldId id="274" r:id="rId20"/>
+    <p:sldId id="275" r:id="rId21"/>
   </p:sldIdLst>
   <p:sldSz cx="12192000" cy="6858000"/>
   <p:notesSz cx="6858000" cy="9144000"/>
@@ -3383,7 +3385,7 @@
           <a:lstStyle/>
           <a:p>
             <a:pPr algn="ctr"/>
-            <a:endParaRPr lang="en-US"/>
+            <a:endParaRPr lang="en-US" dirty="0"/>
           </a:p>
         </p:txBody>
       </p:sp>
@@ -9768,7 +9770,7 @@
           <a:lstStyle/>
           <a:p>
             <a:pPr algn="ctr"/>
-            <a:endParaRPr lang="en-US"/>
+            <a:endParaRPr lang="en-US" dirty="0"/>
           </a:p>
         </p:txBody>
       </p:sp>
@@ -10587,7 +10589,7 @@
           <a:lstStyle/>
           <a:p>
             <a:pPr algn="ctr"/>
-            <a:endParaRPr lang="en-US"/>
+            <a:endParaRPr lang="en-US" dirty="0"/>
           </a:p>
         </p:txBody>
       </p:sp>
@@ -10669,7 +10671,7 @@
           <a:lstStyle/>
           <a:p>
             <a:pPr algn="ctr"/>
-            <a:endParaRPr lang="en-US"/>
+            <a:endParaRPr lang="en-US" dirty="0"/>
           </a:p>
         </p:txBody>
       </p:sp>
@@ -11182,13 +11184,9 @@
           <a:p>
             <a:r>
               <a:rPr lang="en-IN" dirty="0"/>
-              <a:t>Cast the Object before reading it. 2 CPU Cycles </a:t>
-            </a:r>
-            <a:r>
-              <a:rPr lang="en-IN"/>
-              <a:t>for each Value</a:t>
-            </a:r>
-            <a:endParaRPr lang="en-US"/>
+              <a:t>Cast the Object before reading it. 2 CPU Cycles for each Value</a:t>
+            </a:r>
+            <a:endParaRPr lang="en-US" dirty="0"/>
           </a:p>
         </p:txBody>
       </p:sp>
@@ -11196,6 +11194,460 @@
     <p:extLst>
       <p:ext uri="{BB962C8B-B14F-4D97-AF65-F5344CB8AC3E}">
         <p14:creationId xmlns:p14="http://schemas.microsoft.com/office/powerpoint/2010/main" val="832169388"/>
+      </p:ext>
+    </p:extLst>
+  </p:cSld>
+  <p:clrMapOvr>
+    <a:masterClrMapping/>
+  </p:clrMapOvr>
+</p:sld>
+</file>
+
+<file path=ppt/slides/slide19.xml><?xml version="1.0" encoding="utf-8"?>
+<p:sld xmlns:a="http://schemas.openxmlformats.org/drawingml/2006/main" xmlns:r="http://schemas.openxmlformats.org/officeDocument/2006/relationships" xmlns:p="http://schemas.openxmlformats.org/presentationml/2006/main">
+  <p:cSld>
+    <p:spTree>
+      <p:nvGrpSpPr>
+        <p:cNvPr id="1" name=""/>
+        <p:cNvGrpSpPr/>
+        <p:nvPr/>
+      </p:nvGrpSpPr>
+      <p:grpSpPr>
+        <a:xfrm>
+          <a:off x="0" y="0"/>
+          <a:ext cx="0" cy="0"/>
+          <a:chOff x="0" y="0"/>
+          <a:chExt cx="0" cy="0"/>
+        </a:xfrm>
+      </p:grpSpPr>
+      <p:sp>
+        <p:nvSpPr>
+          <p:cNvPr id="2" name="Cylinder 1">
+            <a:extLst>
+              <a:ext uri="{FF2B5EF4-FFF2-40B4-BE49-F238E27FC236}">
+                <a16:creationId xmlns:a16="http://schemas.microsoft.com/office/drawing/2014/main" id="{BC2AFEDB-2440-6A25-2697-C4EEA7492DEF}"/>
+              </a:ext>
+            </a:extLst>
+          </p:cNvPr>
+          <p:cNvSpPr/>
+          <p:nvPr/>
+        </p:nvSpPr>
+        <p:spPr>
+          <a:xfrm>
+            <a:off x="9116008" y="2407298"/>
+            <a:ext cx="2397968" cy="1492898"/>
+          </a:xfrm>
+          <a:prstGeom prst="can">
+            <a:avLst/>
+          </a:prstGeom>
+        </p:spPr>
+        <p:style>
+          <a:lnRef idx="2">
+            <a:schemeClr val="accent1">
+              <a:shade val="15000"/>
+            </a:schemeClr>
+          </a:lnRef>
+          <a:fillRef idx="1">
+            <a:schemeClr val="accent1"/>
+          </a:fillRef>
+          <a:effectRef idx="0">
+            <a:schemeClr val="accent1"/>
+          </a:effectRef>
+          <a:fontRef idx="minor">
+            <a:schemeClr val="lt1"/>
+          </a:fontRef>
+        </p:style>
+        <p:txBody>
+          <a:bodyPr rtlCol="0" anchor="ctr"/>
+          <a:lstStyle/>
+          <a:p>
+            <a:pPr algn="ctr"/>
+            <a:r>
+              <a:rPr lang="en-IN" dirty="0"/>
+              <a:t>Database</a:t>
+            </a:r>
+          </a:p>
+          <a:p>
+            <a:pPr algn="ctr"/>
+            <a:r>
+              <a:rPr lang="en-IN" dirty="0"/>
+              <a:t>Schema + Data</a:t>
+            </a:r>
+            <a:endParaRPr lang="en-US" dirty="0"/>
+          </a:p>
+        </p:txBody>
+      </p:sp>
+      <p:sp>
+        <p:nvSpPr>
+          <p:cNvPr id="3" name="Rectangle 2">
+            <a:extLst>
+              <a:ext uri="{FF2B5EF4-FFF2-40B4-BE49-F238E27FC236}">
+                <a16:creationId xmlns:a16="http://schemas.microsoft.com/office/drawing/2014/main" id="{9DBDE5E7-3CC6-21EA-5580-1FEF40241F30}"/>
+              </a:ext>
+            </a:extLst>
+          </p:cNvPr>
+          <p:cNvSpPr/>
+          <p:nvPr/>
+        </p:nvSpPr>
+        <p:spPr>
+          <a:xfrm>
+            <a:off x="942392" y="1903445"/>
+            <a:ext cx="2556588" cy="2892490"/>
+          </a:xfrm>
+          <a:prstGeom prst="rect">
+            <a:avLst/>
+          </a:prstGeom>
+        </p:spPr>
+        <p:style>
+          <a:lnRef idx="2">
+            <a:schemeClr val="accent6"/>
+          </a:lnRef>
+          <a:fillRef idx="1">
+            <a:schemeClr val="lt1"/>
+          </a:fillRef>
+          <a:effectRef idx="0">
+            <a:schemeClr val="accent6"/>
+          </a:effectRef>
+          <a:fontRef idx="minor">
+            <a:schemeClr val="dk1"/>
+          </a:fontRef>
+        </p:style>
+        <p:txBody>
+          <a:bodyPr rtlCol="0" anchor="ctr"/>
+          <a:lstStyle/>
+          <a:p>
+            <a:pPr algn="ctr"/>
+            <a:endParaRPr lang="en-US"/>
+          </a:p>
+        </p:txBody>
+      </p:sp>
+      <p:sp>
+        <p:nvSpPr>
+          <p:cNvPr id="4" name="TextBox 3">
+            <a:extLst>
+              <a:ext uri="{FF2B5EF4-FFF2-40B4-BE49-F238E27FC236}">
+                <a16:creationId xmlns:a16="http://schemas.microsoft.com/office/drawing/2014/main" id="{6C3616D6-3D73-9C0C-5EFB-31475FA410B1}"/>
+              </a:ext>
+            </a:extLst>
+          </p:cNvPr>
+          <p:cNvSpPr txBox="1"/>
+          <p:nvPr/>
+        </p:nvSpPr>
+        <p:spPr>
+          <a:xfrm>
+            <a:off x="1045029" y="2099388"/>
+            <a:ext cx="2397968" cy="369332"/>
+          </a:xfrm>
+          <a:prstGeom prst="rect">
+            <a:avLst/>
+          </a:prstGeom>
+          <a:noFill/>
+        </p:spPr>
+        <p:txBody>
+          <a:bodyPr wrap="square" rtlCol="0">
+            <a:spAutoFit/>
+          </a:bodyPr>
+          <a:lstStyle/>
+          <a:p>
+            <a:pPr algn="ctr"/>
+            <a:r>
+              <a:rPr lang="en-IN" dirty="0"/>
+              <a:t>Object</a:t>
+            </a:r>
+            <a:endParaRPr lang="en-US" dirty="0"/>
+          </a:p>
+        </p:txBody>
+      </p:sp>
+      <p:sp>
+        <p:nvSpPr>
+          <p:cNvPr id="5" name="TextBox 4">
+            <a:extLst>
+              <a:ext uri="{FF2B5EF4-FFF2-40B4-BE49-F238E27FC236}">
+                <a16:creationId xmlns:a16="http://schemas.microsoft.com/office/drawing/2014/main" id="{6469C8FC-E77A-F2D3-E2BC-73355EC8740F}"/>
+              </a:ext>
+            </a:extLst>
+          </p:cNvPr>
+          <p:cNvSpPr txBox="1"/>
+          <p:nvPr/>
+        </p:nvSpPr>
+        <p:spPr>
+          <a:xfrm>
+            <a:off x="1166327" y="2752531"/>
+            <a:ext cx="1884783" cy="1200329"/>
+          </a:xfrm>
+          <a:prstGeom prst="rect">
+            <a:avLst/>
+          </a:prstGeom>
+          <a:noFill/>
+        </p:spPr>
+        <p:txBody>
+          <a:bodyPr wrap="square" rtlCol="0">
+            <a:spAutoFit/>
+          </a:bodyPr>
+          <a:lstStyle/>
+          <a:p>
+            <a:r>
+              <a:rPr lang="en-IN" dirty="0"/>
+              <a:t>Employee {</a:t>
+            </a:r>
+          </a:p>
+          <a:p>
+            <a:r>
+              <a:rPr lang="en-IN" dirty="0"/>
+              <a:t>  EmpNo,</a:t>
+            </a:r>
+          </a:p>
+          <a:p>
+            <a:r>
+              <a:rPr lang="en-IN" dirty="0"/>
+              <a:t>EmpName, Salary</a:t>
+            </a:r>
+          </a:p>
+          <a:p>
+            <a:r>
+              <a:rPr lang="en-IN" dirty="0"/>
+              <a:t>}</a:t>
+            </a:r>
+            <a:endParaRPr lang="en-US" dirty="0"/>
+          </a:p>
+        </p:txBody>
+      </p:sp>
+      <p:sp>
+        <p:nvSpPr>
+          <p:cNvPr id="7" name="Sun 6">
+            <a:extLst>
+              <a:ext uri="{FF2B5EF4-FFF2-40B4-BE49-F238E27FC236}">
+                <a16:creationId xmlns:a16="http://schemas.microsoft.com/office/drawing/2014/main" id="{BEAF2924-057A-8CAF-8F47-282DB860CB93}"/>
+              </a:ext>
+            </a:extLst>
+          </p:cNvPr>
+          <p:cNvSpPr/>
+          <p:nvPr/>
+        </p:nvSpPr>
+        <p:spPr>
+          <a:xfrm>
+            <a:off x="4954555" y="2080727"/>
+            <a:ext cx="3116424" cy="2511881"/>
+          </a:xfrm>
+          <a:prstGeom prst="sun">
+            <a:avLst/>
+          </a:prstGeom>
+        </p:spPr>
+        <p:style>
+          <a:lnRef idx="2">
+            <a:schemeClr val="accent1">
+              <a:shade val="15000"/>
+            </a:schemeClr>
+          </a:lnRef>
+          <a:fillRef idx="1">
+            <a:schemeClr val="accent1"/>
+          </a:fillRef>
+          <a:effectRef idx="0">
+            <a:schemeClr val="accent1"/>
+          </a:effectRef>
+          <a:fontRef idx="minor">
+            <a:schemeClr val="lt1"/>
+          </a:fontRef>
+        </p:style>
+        <p:txBody>
+          <a:bodyPr rtlCol="0" anchor="ctr"/>
+          <a:lstStyle/>
+          <a:p>
+            <a:pPr algn="ctr"/>
+            <a:r>
+              <a:rPr lang="en-IN" sz="1400" b="1" dirty="0"/>
+              <a:t>Connections, Queries</a:t>
+            </a:r>
+            <a:endParaRPr lang="en-US" sz="1400" b="1" dirty="0"/>
+          </a:p>
+        </p:txBody>
+      </p:sp>
+      <p:cxnSp>
+        <p:nvCxnSpPr>
+          <p:cNvPr id="9" name="Connector: Elbow 8">
+            <a:extLst>
+              <a:ext uri="{FF2B5EF4-FFF2-40B4-BE49-F238E27FC236}">
+                <a16:creationId xmlns:a16="http://schemas.microsoft.com/office/drawing/2014/main" id="{59817196-817E-6033-D926-D4CEE79D4D2B}"/>
+              </a:ext>
+            </a:extLst>
+          </p:cNvPr>
+          <p:cNvCxnSpPr>
+            <a:endCxn id="7" idx="0"/>
+          </p:cNvCxnSpPr>
+          <p:nvPr/>
+        </p:nvCxnSpPr>
+        <p:spPr>
+          <a:xfrm flipV="1">
+            <a:off x="3051110" y="2080727"/>
+            <a:ext cx="3461657" cy="1268963"/>
+          </a:xfrm>
+          <a:prstGeom prst="bentConnector4">
+            <a:avLst>
+              <a:gd name="adj1" fmla="val 27493"/>
+              <a:gd name="adj2" fmla="val 118015"/>
+            </a:avLst>
+          </a:prstGeom>
+          <a:ln>
+            <a:headEnd type="triangle"/>
+            <a:tailEnd type="triangle"/>
+          </a:ln>
+        </p:spPr>
+        <p:style>
+          <a:lnRef idx="1">
+            <a:schemeClr val="accent1"/>
+          </a:lnRef>
+          <a:fillRef idx="0">
+            <a:schemeClr val="accent1"/>
+          </a:fillRef>
+          <a:effectRef idx="0">
+            <a:schemeClr val="accent1"/>
+          </a:effectRef>
+          <a:fontRef idx="minor">
+            <a:schemeClr val="tx1"/>
+          </a:fontRef>
+        </p:style>
+      </p:cxnSp>
+      <p:cxnSp>
+        <p:nvCxnSpPr>
+          <p:cNvPr id="11" name="Connector: Elbow 10">
+            <a:extLst>
+              <a:ext uri="{FF2B5EF4-FFF2-40B4-BE49-F238E27FC236}">
+                <a16:creationId xmlns:a16="http://schemas.microsoft.com/office/drawing/2014/main" id="{CA36E3F9-A886-D36C-1C77-5DF082B20810}"/>
+              </a:ext>
+            </a:extLst>
+          </p:cNvPr>
+          <p:cNvCxnSpPr>
+            <a:stCxn id="7" idx="2"/>
+            <a:endCxn id="2" idx="3"/>
+          </p:cNvCxnSpPr>
+          <p:nvPr/>
+        </p:nvCxnSpPr>
+        <p:spPr>
+          <a:xfrm rot="5400000" flipH="1" flipV="1">
+            <a:off x="8067673" y="2345289"/>
+            <a:ext cx="692412" cy="3802225"/>
+          </a:xfrm>
+          <a:prstGeom prst="bentConnector3">
+            <a:avLst>
+              <a:gd name="adj1" fmla="val -33015"/>
+            </a:avLst>
+          </a:prstGeom>
+          <a:ln>
+            <a:headEnd type="triangle"/>
+            <a:tailEnd type="triangle"/>
+          </a:ln>
+        </p:spPr>
+        <p:style>
+          <a:lnRef idx="1">
+            <a:schemeClr val="accent1"/>
+          </a:lnRef>
+          <a:fillRef idx="0">
+            <a:schemeClr val="accent1"/>
+          </a:fillRef>
+          <a:effectRef idx="0">
+            <a:schemeClr val="accent1"/>
+          </a:effectRef>
+          <a:fontRef idx="minor">
+            <a:schemeClr val="tx1"/>
+          </a:fontRef>
+        </p:style>
+      </p:cxnSp>
+      <p:cxnSp>
+        <p:nvCxnSpPr>
+          <p:cNvPr id="13" name="Connector: Elbow 12">
+            <a:extLst>
+              <a:ext uri="{FF2B5EF4-FFF2-40B4-BE49-F238E27FC236}">
+                <a16:creationId xmlns:a16="http://schemas.microsoft.com/office/drawing/2014/main" id="{D8BCDBF9-D714-F490-A9BD-D75881CB3D6D}"/>
+              </a:ext>
+            </a:extLst>
+          </p:cNvPr>
+          <p:cNvCxnSpPr>
+            <a:stCxn id="2" idx="1"/>
+            <a:endCxn id="7" idx="1"/>
+          </p:cNvCxnSpPr>
+          <p:nvPr/>
+        </p:nvCxnSpPr>
+        <p:spPr>
+          <a:xfrm rot="16200000" flipH="1" flipV="1">
+            <a:off x="7170089" y="191764"/>
+            <a:ext cx="929370" cy="5360437"/>
+          </a:xfrm>
+          <a:prstGeom prst="bentConnector4">
+            <a:avLst>
+              <a:gd name="adj1" fmla="val -59736"/>
+              <a:gd name="adj2" fmla="val 104265"/>
+            </a:avLst>
+          </a:prstGeom>
+          <a:ln>
+            <a:headEnd type="triangle"/>
+            <a:tailEnd type="triangle"/>
+          </a:ln>
+        </p:spPr>
+        <p:style>
+          <a:lnRef idx="1">
+            <a:schemeClr val="accent1"/>
+          </a:lnRef>
+          <a:fillRef idx="0">
+            <a:schemeClr val="accent1"/>
+          </a:fillRef>
+          <a:effectRef idx="0">
+            <a:schemeClr val="accent1"/>
+          </a:effectRef>
+          <a:fontRef idx="minor">
+            <a:schemeClr val="tx1"/>
+          </a:fontRef>
+        </p:style>
+      </p:cxnSp>
+      <p:cxnSp>
+        <p:nvCxnSpPr>
+          <p:cNvPr id="15" name="Connector: Elbow 14">
+            <a:extLst>
+              <a:ext uri="{FF2B5EF4-FFF2-40B4-BE49-F238E27FC236}">
+                <a16:creationId xmlns:a16="http://schemas.microsoft.com/office/drawing/2014/main" id="{CD6EC5C8-E49E-C394-B5D3-846247A72BFD}"/>
+              </a:ext>
+            </a:extLst>
+          </p:cNvPr>
+          <p:cNvCxnSpPr>
+            <a:stCxn id="7" idx="1"/>
+            <a:endCxn id="5" idx="2"/>
+          </p:cNvCxnSpPr>
+          <p:nvPr/>
+        </p:nvCxnSpPr>
+        <p:spPr>
+          <a:xfrm rot="10800000" flipV="1">
+            <a:off x="2108719" y="3336668"/>
+            <a:ext cx="2845836" cy="616192"/>
+          </a:xfrm>
+          <a:prstGeom prst="bentConnector4">
+            <a:avLst>
+              <a:gd name="adj1" fmla="val 33443"/>
+              <a:gd name="adj2" fmla="val 240922"/>
+            </a:avLst>
+          </a:prstGeom>
+          <a:ln>
+            <a:headEnd type="triangle"/>
+            <a:tailEnd type="triangle"/>
+          </a:ln>
+        </p:spPr>
+        <p:style>
+          <a:lnRef idx="1">
+            <a:schemeClr val="accent1"/>
+          </a:lnRef>
+          <a:fillRef idx="0">
+            <a:schemeClr val="accent1"/>
+          </a:fillRef>
+          <a:effectRef idx="0">
+            <a:schemeClr val="accent1"/>
+          </a:effectRef>
+          <a:fontRef idx="minor">
+            <a:schemeClr val="tx1"/>
+          </a:fontRef>
+        </p:style>
+      </p:cxnSp>
+    </p:spTree>
+    <p:extLst>
+      <p:ext uri="{BB962C8B-B14F-4D97-AF65-F5344CB8AC3E}">
+        <p14:creationId xmlns:p14="http://schemas.microsoft.com/office/powerpoint/2010/main" val="3106289892"/>
       </p:ext>
     </p:extLst>
   </p:cSld>
@@ -12034,6 +12486,530 @@
     <p:extLst>
       <p:ext uri="{BB962C8B-B14F-4D97-AF65-F5344CB8AC3E}">
         <p14:creationId xmlns:p14="http://schemas.microsoft.com/office/powerpoint/2010/main" val="113353548"/>
+      </p:ext>
+    </p:extLst>
+  </p:cSld>
+  <p:clrMapOvr>
+    <a:masterClrMapping/>
+  </p:clrMapOvr>
+</p:sld>
+</file>
+
+<file path=ppt/slides/slide20.xml><?xml version="1.0" encoding="utf-8"?>
+<p:sld xmlns:a="http://schemas.openxmlformats.org/drawingml/2006/main" xmlns:r="http://schemas.openxmlformats.org/officeDocument/2006/relationships" xmlns:p="http://schemas.openxmlformats.org/presentationml/2006/main">
+  <p:cSld>
+    <p:spTree>
+      <p:nvGrpSpPr>
+        <p:cNvPr id="1" name=""/>
+        <p:cNvGrpSpPr/>
+        <p:nvPr/>
+      </p:nvGrpSpPr>
+      <p:grpSpPr>
+        <a:xfrm>
+          <a:off x="0" y="0"/>
+          <a:ext cx="0" cy="0"/>
+          <a:chOff x="0" y="0"/>
+          <a:chExt cx="0" cy="0"/>
+        </a:xfrm>
+      </p:grpSpPr>
+      <p:sp>
+        <p:nvSpPr>
+          <p:cNvPr id="2" name="Rectangle 1">
+            <a:extLst>
+              <a:ext uri="{FF2B5EF4-FFF2-40B4-BE49-F238E27FC236}">
+                <a16:creationId xmlns:a16="http://schemas.microsoft.com/office/drawing/2014/main" id="{6F2E2CF3-3982-37AD-141D-1DCACCB04C2D}"/>
+              </a:ext>
+            </a:extLst>
+          </p:cNvPr>
+          <p:cNvSpPr/>
+          <p:nvPr/>
+        </p:nvSpPr>
+        <p:spPr>
+          <a:xfrm>
+            <a:off x="578499" y="1856792"/>
+            <a:ext cx="1614196" cy="1026367"/>
+          </a:xfrm>
+          <a:prstGeom prst="rect">
+            <a:avLst/>
+          </a:prstGeom>
+        </p:spPr>
+        <p:style>
+          <a:lnRef idx="2">
+            <a:schemeClr val="accent1">
+              <a:shade val="15000"/>
+            </a:schemeClr>
+          </a:lnRef>
+          <a:fillRef idx="1">
+            <a:schemeClr val="accent1"/>
+          </a:fillRef>
+          <a:effectRef idx="0">
+            <a:schemeClr val="accent1"/>
+          </a:effectRef>
+          <a:fontRef idx="minor">
+            <a:schemeClr val="lt1"/>
+          </a:fontRef>
+        </p:style>
+        <p:txBody>
+          <a:bodyPr rtlCol="0" anchor="ctr"/>
+          <a:lstStyle/>
+          <a:p>
+            <a:pPr algn="ctr"/>
+            <a:r>
+              <a:rPr lang="en-IN" dirty="0"/>
+              <a:t>C# Code with LINQ</a:t>
+            </a:r>
+            <a:endParaRPr lang="en-US" dirty="0"/>
+          </a:p>
+        </p:txBody>
+      </p:sp>
+      <p:sp>
+        <p:nvSpPr>
+          <p:cNvPr id="3" name="Arrow: Right 2">
+            <a:extLst>
+              <a:ext uri="{FF2B5EF4-FFF2-40B4-BE49-F238E27FC236}">
+                <a16:creationId xmlns:a16="http://schemas.microsoft.com/office/drawing/2014/main" id="{972F3E85-C90C-C39E-A9ED-2C877F99F3C5}"/>
+              </a:ext>
+            </a:extLst>
+          </p:cNvPr>
+          <p:cNvSpPr/>
+          <p:nvPr/>
+        </p:nvSpPr>
+        <p:spPr>
+          <a:xfrm>
+            <a:off x="2192695" y="2239346"/>
+            <a:ext cx="1735494" cy="261257"/>
+          </a:xfrm>
+          <a:prstGeom prst="rightArrow">
+            <a:avLst/>
+          </a:prstGeom>
+        </p:spPr>
+        <p:style>
+          <a:lnRef idx="2">
+            <a:schemeClr val="accent1">
+              <a:shade val="15000"/>
+            </a:schemeClr>
+          </a:lnRef>
+          <a:fillRef idx="1">
+            <a:schemeClr val="accent1"/>
+          </a:fillRef>
+          <a:effectRef idx="0">
+            <a:schemeClr val="accent1"/>
+          </a:effectRef>
+          <a:fontRef idx="minor">
+            <a:schemeClr val="lt1"/>
+          </a:fontRef>
+        </p:style>
+        <p:txBody>
+          <a:bodyPr rtlCol="0" anchor="ctr"/>
+          <a:lstStyle/>
+          <a:p>
+            <a:pPr algn="ctr"/>
+            <a:endParaRPr lang="en-US"/>
+          </a:p>
+        </p:txBody>
+      </p:sp>
+      <p:sp>
+        <p:nvSpPr>
+          <p:cNvPr id="4" name="Rectangle 3">
+            <a:extLst>
+              <a:ext uri="{FF2B5EF4-FFF2-40B4-BE49-F238E27FC236}">
+                <a16:creationId xmlns:a16="http://schemas.microsoft.com/office/drawing/2014/main" id="{996EF9B0-9368-883A-3C4F-BFDB4FF9583E}"/>
+              </a:ext>
+            </a:extLst>
+          </p:cNvPr>
+          <p:cNvSpPr/>
+          <p:nvPr/>
+        </p:nvSpPr>
+        <p:spPr>
+          <a:xfrm>
+            <a:off x="3928189" y="1642187"/>
+            <a:ext cx="6680718" cy="4739951"/>
+          </a:xfrm>
+          <a:prstGeom prst="rect">
+            <a:avLst/>
+          </a:prstGeom>
+        </p:spPr>
+        <p:style>
+          <a:lnRef idx="2">
+            <a:schemeClr val="accent6"/>
+          </a:lnRef>
+          <a:fillRef idx="1">
+            <a:schemeClr val="lt1"/>
+          </a:fillRef>
+          <a:effectRef idx="0">
+            <a:schemeClr val="accent6"/>
+          </a:effectRef>
+          <a:fontRef idx="minor">
+            <a:schemeClr val="dk1"/>
+          </a:fontRef>
+        </p:style>
+        <p:txBody>
+          <a:bodyPr rtlCol="0" anchor="ctr"/>
+          <a:lstStyle/>
+          <a:p>
+            <a:pPr algn="ctr"/>
+            <a:endParaRPr lang="en-US"/>
+          </a:p>
+        </p:txBody>
+      </p:sp>
+      <p:sp>
+        <p:nvSpPr>
+          <p:cNvPr id="5" name="TextBox 4">
+            <a:extLst>
+              <a:ext uri="{FF2B5EF4-FFF2-40B4-BE49-F238E27FC236}">
+                <a16:creationId xmlns:a16="http://schemas.microsoft.com/office/drawing/2014/main" id="{394A6E8B-B5D5-F2D6-D0E2-806725771ED0}"/>
+              </a:ext>
+            </a:extLst>
+          </p:cNvPr>
+          <p:cNvSpPr txBox="1"/>
+          <p:nvPr/>
+        </p:nvSpPr>
+        <p:spPr>
+          <a:xfrm>
+            <a:off x="4114800" y="1166327"/>
+            <a:ext cx="2323322" cy="369332"/>
+          </a:xfrm>
+          <a:prstGeom prst="rect">
+            <a:avLst/>
+          </a:prstGeom>
+          <a:noFill/>
+        </p:spPr>
+        <p:txBody>
+          <a:bodyPr wrap="square" rtlCol="0">
+            <a:spAutoFit/>
+          </a:bodyPr>
+          <a:lstStyle/>
+          <a:p>
+            <a:r>
+              <a:rPr lang="en-IN" dirty="0"/>
+              <a:t>Runtime</a:t>
+            </a:r>
+            <a:endParaRPr lang="en-US" dirty="0"/>
+          </a:p>
+        </p:txBody>
+      </p:sp>
+      <p:sp>
+        <p:nvSpPr>
+          <p:cNvPr id="6" name="Flowchart: Multidocument 5">
+            <a:extLst>
+              <a:ext uri="{FF2B5EF4-FFF2-40B4-BE49-F238E27FC236}">
+                <a16:creationId xmlns:a16="http://schemas.microsoft.com/office/drawing/2014/main" id="{85586D86-FEF2-1B8C-7591-0A83C531BB52}"/>
+              </a:ext>
+            </a:extLst>
+          </p:cNvPr>
+          <p:cNvSpPr/>
+          <p:nvPr/>
+        </p:nvSpPr>
+        <p:spPr>
+          <a:xfrm>
+            <a:off x="8416212" y="1856792"/>
+            <a:ext cx="1856792" cy="2183363"/>
+          </a:xfrm>
+          <a:prstGeom prst="flowChartMultidocument">
+            <a:avLst/>
+          </a:prstGeom>
+        </p:spPr>
+        <p:style>
+          <a:lnRef idx="2">
+            <a:schemeClr val="accent1">
+              <a:shade val="15000"/>
+            </a:schemeClr>
+          </a:lnRef>
+          <a:fillRef idx="1">
+            <a:schemeClr val="accent1"/>
+          </a:fillRef>
+          <a:effectRef idx="0">
+            <a:schemeClr val="accent1"/>
+          </a:effectRef>
+          <a:fontRef idx="minor">
+            <a:schemeClr val="lt1"/>
+          </a:fontRef>
+        </p:style>
+        <p:txBody>
+          <a:bodyPr rtlCol="0" anchor="ctr"/>
+          <a:lstStyle/>
+          <a:p>
+            <a:pPr algn="ctr"/>
+            <a:r>
+              <a:rPr lang="en-IN" dirty="0"/>
+              <a:t>Collection Loaded in Memory</a:t>
+            </a:r>
+            <a:endParaRPr lang="en-US" dirty="0"/>
+          </a:p>
+        </p:txBody>
+      </p:sp>
+      <p:sp>
+        <p:nvSpPr>
+          <p:cNvPr id="7" name="Rectangle 6">
+            <a:extLst>
+              <a:ext uri="{FF2B5EF4-FFF2-40B4-BE49-F238E27FC236}">
+                <a16:creationId xmlns:a16="http://schemas.microsoft.com/office/drawing/2014/main" id="{531B7044-6EB5-12F0-E3CB-E5C17F2F72AE}"/>
+              </a:ext>
+            </a:extLst>
+          </p:cNvPr>
+          <p:cNvSpPr/>
+          <p:nvPr/>
+        </p:nvSpPr>
+        <p:spPr>
+          <a:xfrm>
+            <a:off x="4012163" y="2136710"/>
+            <a:ext cx="1744825" cy="746449"/>
+          </a:xfrm>
+          <a:prstGeom prst="rect">
+            <a:avLst/>
+          </a:prstGeom>
+        </p:spPr>
+        <p:style>
+          <a:lnRef idx="3">
+            <a:schemeClr val="lt1"/>
+          </a:lnRef>
+          <a:fillRef idx="1">
+            <a:schemeClr val="accent3"/>
+          </a:fillRef>
+          <a:effectRef idx="1">
+            <a:schemeClr val="accent3"/>
+          </a:effectRef>
+          <a:fontRef idx="minor">
+            <a:schemeClr val="lt1"/>
+          </a:fontRef>
+        </p:style>
+        <p:txBody>
+          <a:bodyPr rtlCol="0" anchor="ctr"/>
+          <a:lstStyle/>
+          <a:p>
+            <a:pPr algn="ctr"/>
+            <a:r>
+              <a:rPr lang="en-IN" dirty="0" err="1"/>
+              <a:t>QueryParser</a:t>
+            </a:r>
+            <a:endParaRPr lang="en-US" dirty="0"/>
+          </a:p>
+        </p:txBody>
+      </p:sp>
+      <p:sp>
+        <p:nvSpPr>
+          <p:cNvPr id="8" name="Sun 7">
+            <a:extLst>
+              <a:ext uri="{FF2B5EF4-FFF2-40B4-BE49-F238E27FC236}">
+                <a16:creationId xmlns:a16="http://schemas.microsoft.com/office/drawing/2014/main" id="{FECA6510-82D2-AC37-F3BB-7C2934FD3429}"/>
+              </a:ext>
+            </a:extLst>
+          </p:cNvPr>
+          <p:cNvSpPr/>
+          <p:nvPr/>
+        </p:nvSpPr>
+        <p:spPr>
+          <a:xfrm>
+            <a:off x="6435014" y="2178697"/>
+            <a:ext cx="1455576" cy="1539552"/>
+          </a:xfrm>
+          <a:prstGeom prst="sun">
+            <a:avLst/>
+          </a:prstGeom>
+        </p:spPr>
+        <p:style>
+          <a:lnRef idx="2">
+            <a:schemeClr val="accent1">
+              <a:shade val="15000"/>
+            </a:schemeClr>
+          </a:lnRef>
+          <a:fillRef idx="1">
+            <a:schemeClr val="accent1"/>
+          </a:fillRef>
+          <a:effectRef idx="0">
+            <a:schemeClr val="accent1"/>
+          </a:effectRef>
+          <a:fontRef idx="minor">
+            <a:schemeClr val="lt1"/>
+          </a:fontRef>
+        </p:style>
+        <p:txBody>
+          <a:bodyPr rtlCol="0" anchor="ctr"/>
+          <a:lstStyle/>
+          <a:p>
+            <a:pPr algn="ctr"/>
+            <a:endParaRPr lang="en-US"/>
+          </a:p>
+        </p:txBody>
+      </p:sp>
+      <p:cxnSp>
+        <p:nvCxnSpPr>
+          <p:cNvPr id="10" name="Connector: Elbow 9">
+            <a:extLst>
+              <a:ext uri="{FF2B5EF4-FFF2-40B4-BE49-F238E27FC236}">
+                <a16:creationId xmlns:a16="http://schemas.microsoft.com/office/drawing/2014/main" id="{629011CA-7AA6-83E6-51AD-7EF14B5D2E77}"/>
+              </a:ext>
+            </a:extLst>
+          </p:cNvPr>
+          <p:cNvCxnSpPr>
+            <a:stCxn id="7" idx="3"/>
+            <a:endCxn id="8" idx="1"/>
+          </p:cNvCxnSpPr>
+          <p:nvPr/>
+        </p:nvCxnSpPr>
+        <p:spPr>
+          <a:xfrm>
+            <a:off x="5756988" y="2509935"/>
+            <a:ext cx="678026" cy="373224"/>
+          </a:xfrm>
+          <a:prstGeom prst="bentConnector3">
+            <a:avLst/>
+          </a:prstGeom>
+          <a:ln>
+            <a:tailEnd type="triangle"/>
+          </a:ln>
+        </p:spPr>
+        <p:style>
+          <a:lnRef idx="1">
+            <a:schemeClr val="accent1"/>
+          </a:lnRef>
+          <a:fillRef idx="0">
+            <a:schemeClr val="accent1"/>
+          </a:fillRef>
+          <a:effectRef idx="0">
+            <a:schemeClr val="accent1"/>
+          </a:effectRef>
+          <a:fontRef idx="minor">
+            <a:schemeClr val="tx1"/>
+          </a:fontRef>
+        </p:style>
+      </p:cxnSp>
+      <p:cxnSp>
+        <p:nvCxnSpPr>
+          <p:cNvPr id="12" name="Connector: Elbow 11">
+            <a:extLst>
+              <a:ext uri="{FF2B5EF4-FFF2-40B4-BE49-F238E27FC236}">
+                <a16:creationId xmlns:a16="http://schemas.microsoft.com/office/drawing/2014/main" id="{1E5253DD-1F01-1B09-8600-8171A829D534}"/>
+              </a:ext>
+            </a:extLst>
+          </p:cNvPr>
+          <p:cNvCxnSpPr>
+            <a:stCxn id="8" idx="3"/>
+            <a:endCxn id="6" idx="0"/>
+          </p:cNvCxnSpPr>
+          <p:nvPr/>
+        </p:nvCxnSpPr>
+        <p:spPr>
+          <a:xfrm flipV="1">
+            <a:off x="7890590" y="1856792"/>
+            <a:ext cx="1581758" cy="1091681"/>
+          </a:xfrm>
+          <a:prstGeom prst="bentConnector4">
+            <a:avLst>
+              <a:gd name="adj1" fmla="val 16615"/>
+              <a:gd name="adj2" fmla="val 120940"/>
+            </a:avLst>
+          </a:prstGeom>
+          <a:ln>
+            <a:tailEnd type="triangle"/>
+          </a:ln>
+        </p:spPr>
+        <p:style>
+          <a:lnRef idx="1">
+            <a:schemeClr val="accent1"/>
+          </a:lnRef>
+          <a:fillRef idx="0">
+            <a:schemeClr val="accent1"/>
+          </a:fillRef>
+          <a:effectRef idx="0">
+            <a:schemeClr val="accent1"/>
+          </a:effectRef>
+          <a:fontRef idx="minor">
+            <a:schemeClr val="tx1"/>
+          </a:fontRef>
+        </p:style>
+      </p:cxnSp>
+      <p:sp>
+        <p:nvSpPr>
+          <p:cNvPr id="13" name="TextBox 12">
+            <a:extLst>
+              <a:ext uri="{FF2B5EF4-FFF2-40B4-BE49-F238E27FC236}">
+                <a16:creationId xmlns:a16="http://schemas.microsoft.com/office/drawing/2014/main" id="{24537385-F990-A0E6-4036-8E1A886C15F1}"/>
+              </a:ext>
+            </a:extLst>
+          </p:cNvPr>
+          <p:cNvSpPr txBox="1"/>
+          <p:nvPr/>
+        </p:nvSpPr>
+        <p:spPr>
+          <a:xfrm>
+            <a:off x="6435014" y="3788229"/>
+            <a:ext cx="1581758" cy="646331"/>
+          </a:xfrm>
+          <a:prstGeom prst="rect">
+            <a:avLst/>
+          </a:prstGeom>
+          <a:noFill/>
+        </p:spPr>
+        <p:txBody>
+          <a:bodyPr wrap="square" rtlCol="0">
+            <a:spAutoFit/>
+          </a:bodyPr>
+          <a:lstStyle/>
+          <a:p>
+            <a:pPr algn="ctr"/>
+            <a:r>
+              <a:rPr lang="en-IN" dirty="0"/>
+              <a:t>Executed on Collection</a:t>
+            </a:r>
+            <a:endParaRPr lang="en-US" dirty="0"/>
+          </a:p>
+        </p:txBody>
+      </p:sp>
+      <p:sp>
+        <p:nvSpPr>
+          <p:cNvPr id="14" name="Flowchart: Multidocument 13">
+            <a:extLst>
+              <a:ext uri="{FF2B5EF4-FFF2-40B4-BE49-F238E27FC236}">
+                <a16:creationId xmlns:a16="http://schemas.microsoft.com/office/drawing/2014/main" id="{D42A3DFA-543F-6BE9-4EFF-270FDF6BC7C5}"/>
+              </a:ext>
+            </a:extLst>
+          </p:cNvPr>
+          <p:cNvSpPr/>
+          <p:nvPr/>
+        </p:nvSpPr>
+        <p:spPr>
+          <a:xfrm>
+            <a:off x="6435014" y="4982547"/>
+            <a:ext cx="1455576" cy="1101012"/>
+          </a:xfrm>
+          <a:prstGeom prst="flowChartMultidocument">
+            <a:avLst/>
+          </a:prstGeom>
+        </p:spPr>
+        <p:style>
+          <a:lnRef idx="2">
+            <a:schemeClr val="accent1">
+              <a:shade val="15000"/>
+            </a:schemeClr>
+          </a:lnRef>
+          <a:fillRef idx="1">
+            <a:schemeClr val="accent1"/>
+          </a:fillRef>
+          <a:effectRef idx="0">
+            <a:schemeClr val="accent1"/>
+          </a:effectRef>
+          <a:fontRef idx="minor">
+            <a:schemeClr val="lt1"/>
+          </a:fontRef>
+        </p:style>
+        <p:txBody>
+          <a:bodyPr rtlCol="0" anchor="ctr"/>
+          <a:lstStyle/>
+          <a:p>
+            <a:pPr algn="ctr"/>
+            <a:r>
+              <a:rPr lang="en-IN"/>
+              <a:t>Result Collection</a:t>
+            </a:r>
+            <a:endParaRPr lang="en-US"/>
+          </a:p>
+        </p:txBody>
+      </p:sp>
+    </p:spTree>
+    <p:extLst>
+      <p:ext uri="{BB962C8B-B14F-4D97-AF65-F5344CB8AC3E}">
+        <p14:creationId xmlns:p14="http://schemas.microsoft.com/office/powerpoint/2010/main" val="459277903"/>
       </p:ext>
     </p:extLst>
   </p:cSld>

--- a/ppts.pptx
+++ b/ppts.pptx
@@ -25,6 +25,7 @@
     <p:sldId id="273" r:id="rId19"/>
     <p:sldId id="274" r:id="rId20"/>
     <p:sldId id="275" r:id="rId21"/>
+    <p:sldId id="276" r:id="rId22"/>
   </p:sldIdLst>
   <p:sldSz cx="12192000" cy="6858000"/>
   <p:notesSz cx="6858000" cy="9144000"/>
@@ -12970,7 +12971,7 @@
         </p:nvSpPr>
         <p:spPr>
           <a:xfrm>
-            <a:off x="6435014" y="4982547"/>
+            <a:off x="5110951" y="4855323"/>
             <a:ext cx="1455576" cy="1101012"/>
           </a:xfrm>
           <a:prstGeom prst="flowChartMultidocument">
@@ -12999,17 +13000,815 @@
           <a:p>
             <a:pPr algn="ctr"/>
             <a:r>
-              <a:rPr lang="en-IN"/>
+              <a:rPr lang="en-IN" dirty="0"/>
               <a:t>Result Collection</a:t>
             </a:r>
-            <a:endParaRPr lang="en-US"/>
-          </a:p>
-        </p:txBody>
-      </p:sp>
+            <a:endParaRPr lang="en-US" dirty="0"/>
+          </a:p>
+        </p:txBody>
+      </p:sp>
+      <p:cxnSp>
+        <p:nvCxnSpPr>
+          <p:cNvPr id="16" name="Connector: Elbow 15">
+            <a:extLst>
+              <a:ext uri="{FF2B5EF4-FFF2-40B4-BE49-F238E27FC236}">
+                <a16:creationId xmlns:a16="http://schemas.microsoft.com/office/drawing/2014/main" id="{521FADF6-B106-E11D-D24E-86A02E41539B}"/>
+              </a:ext>
+            </a:extLst>
+          </p:cNvPr>
+          <p:cNvCxnSpPr>
+            <a:cxnSpLocks/>
+            <a:stCxn id="13" idx="2"/>
+            <a:endCxn id="14" idx="0"/>
+          </p:cNvCxnSpPr>
+          <p:nvPr/>
+        </p:nvCxnSpPr>
+        <p:spPr>
+          <a:xfrm rot="5400000">
+            <a:off x="6372004" y="4001433"/>
+            <a:ext cx="420763" cy="1287016"/>
+          </a:xfrm>
+          <a:prstGeom prst="bentConnector3">
+            <a:avLst/>
+          </a:prstGeom>
+          <a:ln>
+            <a:tailEnd type="triangle"/>
+          </a:ln>
+        </p:spPr>
+        <p:style>
+          <a:lnRef idx="1">
+            <a:schemeClr val="accent1"/>
+          </a:lnRef>
+          <a:fillRef idx="0">
+            <a:schemeClr val="accent1"/>
+          </a:fillRef>
+          <a:effectRef idx="0">
+            <a:schemeClr val="accent1"/>
+          </a:effectRef>
+          <a:fontRef idx="minor">
+            <a:schemeClr val="tx1"/>
+          </a:fontRef>
+        </p:style>
+      </p:cxnSp>
     </p:spTree>
     <p:extLst>
       <p:ext uri="{BB962C8B-B14F-4D97-AF65-F5344CB8AC3E}">
         <p14:creationId xmlns:p14="http://schemas.microsoft.com/office/powerpoint/2010/main" val="459277903"/>
+      </p:ext>
+    </p:extLst>
+  </p:cSld>
+  <p:clrMapOvr>
+    <a:masterClrMapping/>
+  </p:clrMapOvr>
+</p:sld>
+</file>
+
+<file path=ppt/slides/slide21.xml><?xml version="1.0" encoding="utf-8"?>
+<p:sld xmlns:a="http://schemas.openxmlformats.org/drawingml/2006/main" xmlns:r="http://schemas.openxmlformats.org/officeDocument/2006/relationships" xmlns:p="http://schemas.openxmlformats.org/presentationml/2006/main">
+  <p:cSld>
+    <p:spTree>
+      <p:nvGrpSpPr>
+        <p:cNvPr id="1" name=""/>
+        <p:cNvGrpSpPr/>
+        <p:nvPr/>
+      </p:nvGrpSpPr>
+      <p:grpSpPr>
+        <a:xfrm>
+          <a:off x="0" y="0"/>
+          <a:ext cx="0" cy="0"/>
+          <a:chOff x="0" y="0"/>
+          <a:chExt cx="0" cy="0"/>
+        </a:xfrm>
+      </p:grpSpPr>
+      <p:sp>
+        <p:nvSpPr>
+          <p:cNvPr id="2" name="Rectangle 1">
+            <a:extLst>
+              <a:ext uri="{FF2B5EF4-FFF2-40B4-BE49-F238E27FC236}">
+                <a16:creationId xmlns:a16="http://schemas.microsoft.com/office/drawing/2014/main" id="{6F2E2CF3-3982-37AD-141D-1DCACCB04C2D}"/>
+              </a:ext>
+            </a:extLst>
+          </p:cNvPr>
+          <p:cNvSpPr/>
+          <p:nvPr/>
+        </p:nvSpPr>
+        <p:spPr>
+          <a:xfrm>
+            <a:off x="578499" y="1856792"/>
+            <a:ext cx="1614196" cy="1026367"/>
+          </a:xfrm>
+          <a:prstGeom prst="rect">
+            <a:avLst/>
+          </a:prstGeom>
+        </p:spPr>
+        <p:style>
+          <a:lnRef idx="2">
+            <a:schemeClr val="accent1">
+              <a:shade val="15000"/>
+            </a:schemeClr>
+          </a:lnRef>
+          <a:fillRef idx="1">
+            <a:schemeClr val="accent1"/>
+          </a:fillRef>
+          <a:effectRef idx="0">
+            <a:schemeClr val="accent1"/>
+          </a:effectRef>
+          <a:fontRef idx="minor">
+            <a:schemeClr val="lt1"/>
+          </a:fontRef>
+        </p:style>
+        <p:txBody>
+          <a:bodyPr rtlCol="0" anchor="ctr"/>
+          <a:lstStyle/>
+          <a:p>
+            <a:pPr algn="ctr"/>
+            <a:r>
+              <a:rPr lang="en-IN" dirty="0"/>
+              <a:t>C# Code with LINQ</a:t>
+            </a:r>
+            <a:endParaRPr lang="en-US" dirty="0"/>
+          </a:p>
+        </p:txBody>
+      </p:sp>
+      <p:sp>
+        <p:nvSpPr>
+          <p:cNvPr id="3" name="Arrow: Right 2">
+            <a:extLst>
+              <a:ext uri="{FF2B5EF4-FFF2-40B4-BE49-F238E27FC236}">
+                <a16:creationId xmlns:a16="http://schemas.microsoft.com/office/drawing/2014/main" id="{972F3E85-C90C-C39E-A9ED-2C877F99F3C5}"/>
+              </a:ext>
+            </a:extLst>
+          </p:cNvPr>
+          <p:cNvSpPr/>
+          <p:nvPr/>
+        </p:nvSpPr>
+        <p:spPr>
+          <a:xfrm>
+            <a:off x="2192695" y="2239346"/>
+            <a:ext cx="1735494" cy="261257"/>
+          </a:xfrm>
+          <a:prstGeom prst="rightArrow">
+            <a:avLst/>
+          </a:prstGeom>
+        </p:spPr>
+        <p:style>
+          <a:lnRef idx="2">
+            <a:schemeClr val="accent1">
+              <a:shade val="15000"/>
+            </a:schemeClr>
+          </a:lnRef>
+          <a:fillRef idx="1">
+            <a:schemeClr val="accent1"/>
+          </a:fillRef>
+          <a:effectRef idx="0">
+            <a:schemeClr val="accent1"/>
+          </a:effectRef>
+          <a:fontRef idx="minor">
+            <a:schemeClr val="lt1"/>
+          </a:fontRef>
+        </p:style>
+        <p:txBody>
+          <a:bodyPr rtlCol="0" anchor="ctr"/>
+          <a:lstStyle/>
+          <a:p>
+            <a:pPr algn="ctr"/>
+            <a:endParaRPr lang="en-US"/>
+          </a:p>
+        </p:txBody>
+      </p:sp>
+      <p:sp>
+        <p:nvSpPr>
+          <p:cNvPr id="4" name="Rectangle 3">
+            <a:extLst>
+              <a:ext uri="{FF2B5EF4-FFF2-40B4-BE49-F238E27FC236}">
+                <a16:creationId xmlns:a16="http://schemas.microsoft.com/office/drawing/2014/main" id="{996EF9B0-9368-883A-3C4F-BFDB4FF9583E}"/>
+              </a:ext>
+            </a:extLst>
+          </p:cNvPr>
+          <p:cNvSpPr/>
+          <p:nvPr/>
+        </p:nvSpPr>
+        <p:spPr>
+          <a:xfrm>
+            <a:off x="3928189" y="1642187"/>
+            <a:ext cx="6680718" cy="4739951"/>
+          </a:xfrm>
+          <a:prstGeom prst="rect">
+            <a:avLst/>
+          </a:prstGeom>
+        </p:spPr>
+        <p:style>
+          <a:lnRef idx="2">
+            <a:schemeClr val="accent6"/>
+          </a:lnRef>
+          <a:fillRef idx="1">
+            <a:schemeClr val="lt1"/>
+          </a:fillRef>
+          <a:effectRef idx="0">
+            <a:schemeClr val="accent6"/>
+          </a:effectRef>
+          <a:fontRef idx="minor">
+            <a:schemeClr val="dk1"/>
+          </a:fontRef>
+        </p:style>
+        <p:txBody>
+          <a:bodyPr rtlCol="0" anchor="ctr"/>
+          <a:lstStyle/>
+          <a:p>
+            <a:pPr algn="ctr"/>
+            <a:endParaRPr lang="en-US"/>
+          </a:p>
+        </p:txBody>
+      </p:sp>
+      <p:sp>
+        <p:nvSpPr>
+          <p:cNvPr id="5" name="TextBox 4">
+            <a:extLst>
+              <a:ext uri="{FF2B5EF4-FFF2-40B4-BE49-F238E27FC236}">
+                <a16:creationId xmlns:a16="http://schemas.microsoft.com/office/drawing/2014/main" id="{394A6E8B-B5D5-F2D6-D0E2-806725771ED0}"/>
+              </a:ext>
+            </a:extLst>
+          </p:cNvPr>
+          <p:cNvSpPr txBox="1"/>
+          <p:nvPr/>
+        </p:nvSpPr>
+        <p:spPr>
+          <a:xfrm>
+            <a:off x="4114800" y="1166327"/>
+            <a:ext cx="2323322" cy="369332"/>
+          </a:xfrm>
+          <a:prstGeom prst="rect">
+            <a:avLst/>
+          </a:prstGeom>
+          <a:noFill/>
+        </p:spPr>
+        <p:txBody>
+          <a:bodyPr wrap="square" rtlCol="0">
+            <a:spAutoFit/>
+          </a:bodyPr>
+          <a:lstStyle/>
+          <a:p>
+            <a:r>
+              <a:rPr lang="en-IN" dirty="0"/>
+              <a:t>Runtime</a:t>
+            </a:r>
+            <a:endParaRPr lang="en-US" dirty="0"/>
+          </a:p>
+        </p:txBody>
+      </p:sp>
+      <p:sp>
+        <p:nvSpPr>
+          <p:cNvPr id="6" name="Flowchart: Multidocument 5">
+            <a:extLst>
+              <a:ext uri="{FF2B5EF4-FFF2-40B4-BE49-F238E27FC236}">
+                <a16:creationId xmlns:a16="http://schemas.microsoft.com/office/drawing/2014/main" id="{85586D86-FEF2-1B8C-7591-0A83C531BB52}"/>
+              </a:ext>
+            </a:extLst>
+          </p:cNvPr>
+          <p:cNvSpPr/>
+          <p:nvPr/>
+        </p:nvSpPr>
+        <p:spPr>
+          <a:xfrm>
+            <a:off x="8416212" y="1856792"/>
+            <a:ext cx="1856792" cy="2183363"/>
+          </a:xfrm>
+          <a:prstGeom prst="flowChartMultidocument">
+            <a:avLst/>
+          </a:prstGeom>
+        </p:spPr>
+        <p:style>
+          <a:lnRef idx="2">
+            <a:schemeClr val="accent1">
+              <a:shade val="15000"/>
+            </a:schemeClr>
+          </a:lnRef>
+          <a:fillRef idx="1">
+            <a:schemeClr val="accent1"/>
+          </a:fillRef>
+          <a:effectRef idx="0">
+            <a:schemeClr val="accent1"/>
+          </a:effectRef>
+          <a:fontRef idx="minor">
+            <a:schemeClr val="lt1"/>
+          </a:fontRef>
+        </p:style>
+        <p:txBody>
+          <a:bodyPr rtlCol="0" anchor="ctr"/>
+          <a:lstStyle/>
+          <a:p>
+            <a:pPr algn="ctr"/>
+            <a:r>
+              <a:rPr lang="en-IN" dirty="0"/>
+              <a:t>Collection Loaded in Memory</a:t>
+            </a:r>
+            <a:endParaRPr lang="en-US" dirty="0"/>
+          </a:p>
+        </p:txBody>
+      </p:sp>
+      <p:sp>
+        <p:nvSpPr>
+          <p:cNvPr id="7" name="Rectangle 6">
+            <a:extLst>
+              <a:ext uri="{FF2B5EF4-FFF2-40B4-BE49-F238E27FC236}">
+                <a16:creationId xmlns:a16="http://schemas.microsoft.com/office/drawing/2014/main" id="{531B7044-6EB5-12F0-E3CB-E5C17F2F72AE}"/>
+              </a:ext>
+            </a:extLst>
+          </p:cNvPr>
+          <p:cNvSpPr/>
+          <p:nvPr/>
+        </p:nvSpPr>
+        <p:spPr>
+          <a:xfrm>
+            <a:off x="4012163" y="2136710"/>
+            <a:ext cx="1744825" cy="746449"/>
+          </a:xfrm>
+          <a:prstGeom prst="rect">
+            <a:avLst/>
+          </a:prstGeom>
+        </p:spPr>
+        <p:style>
+          <a:lnRef idx="3">
+            <a:schemeClr val="lt1"/>
+          </a:lnRef>
+          <a:fillRef idx="1">
+            <a:schemeClr val="accent3"/>
+          </a:fillRef>
+          <a:effectRef idx="1">
+            <a:schemeClr val="accent3"/>
+          </a:effectRef>
+          <a:fontRef idx="minor">
+            <a:schemeClr val="lt1"/>
+          </a:fontRef>
+        </p:style>
+        <p:txBody>
+          <a:bodyPr rtlCol="0" anchor="ctr"/>
+          <a:lstStyle/>
+          <a:p>
+            <a:pPr algn="ctr"/>
+            <a:r>
+              <a:rPr lang="en-IN" dirty="0" err="1"/>
+              <a:t>GroupBy</a:t>
+            </a:r>
+            <a:r>
+              <a:rPr lang="en-IN" dirty="0"/>
+              <a:t> </a:t>
+            </a:r>
+            <a:r>
+              <a:rPr lang="en-IN" dirty="0" err="1"/>
+              <a:t>QueryParser</a:t>
+            </a:r>
+            <a:endParaRPr lang="en-US" dirty="0"/>
+          </a:p>
+        </p:txBody>
+      </p:sp>
+      <p:sp>
+        <p:nvSpPr>
+          <p:cNvPr id="8" name="Sun 7">
+            <a:extLst>
+              <a:ext uri="{FF2B5EF4-FFF2-40B4-BE49-F238E27FC236}">
+                <a16:creationId xmlns:a16="http://schemas.microsoft.com/office/drawing/2014/main" id="{FECA6510-82D2-AC37-F3BB-7C2934FD3429}"/>
+              </a:ext>
+            </a:extLst>
+          </p:cNvPr>
+          <p:cNvSpPr/>
+          <p:nvPr/>
+        </p:nvSpPr>
+        <p:spPr>
+          <a:xfrm>
+            <a:off x="6435014" y="2178697"/>
+            <a:ext cx="1455576" cy="1539552"/>
+          </a:xfrm>
+          <a:prstGeom prst="sun">
+            <a:avLst/>
+          </a:prstGeom>
+        </p:spPr>
+        <p:style>
+          <a:lnRef idx="2">
+            <a:schemeClr val="accent1">
+              <a:shade val="15000"/>
+            </a:schemeClr>
+          </a:lnRef>
+          <a:fillRef idx="1">
+            <a:schemeClr val="accent1"/>
+          </a:fillRef>
+          <a:effectRef idx="0">
+            <a:schemeClr val="accent1"/>
+          </a:effectRef>
+          <a:fontRef idx="minor">
+            <a:schemeClr val="lt1"/>
+          </a:fontRef>
+        </p:style>
+        <p:txBody>
+          <a:bodyPr rtlCol="0" anchor="ctr"/>
+          <a:lstStyle/>
+          <a:p>
+            <a:pPr algn="ctr"/>
+            <a:endParaRPr lang="en-US"/>
+          </a:p>
+        </p:txBody>
+      </p:sp>
+      <p:cxnSp>
+        <p:nvCxnSpPr>
+          <p:cNvPr id="10" name="Connector: Elbow 9">
+            <a:extLst>
+              <a:ext uri="{FF2B5EF4-FFF2-40B4-BE49-F238E27FC236}">
+                <a16:creationId xmlns:a16="http://schemas.microsoft.com/office/drawing/2014/main" id="{629011CA-7AA6-83E6-51AD-7EF14B5D2E77}"/>
+              </a:ext>
+            </a:extLst>
+          </p:cNvPr>
+          <p:cNvCxnSpPr>
+            <a:stCxn id="7" idx="3"/>
+            <a:endCxn id="8" idx="1"/>
+          </p:cNvCxnSpPr>
+          <p:nvPr/>
+        </p:nvCxnSpPr>
+        <p:spPr>
+          <a:xfrm>
+            <a:off x="5756988" y="2509935"/>
+            <a:ext cx="678026" cy="373224"/>
+          </a:xfrm>
+          <a:prstGeom prst="bentConnector3">
+            <a:avLst/>
+          </a:prstGeom>
+          <a:ln>
+            <a:tailEnd type="triangle"/>
+          </a:ln>
+        </p:spPr>
+        <p:style>
+          <a:lnRef idx="1">
+            <a:schemeClr val="accent1"/>
+          </a:lnRef>
+          <a:fillRef idx="0">
+            <a:schemeClr val="accent1"/>
+          </a:fillRef>
+          <a:effectRef idx="0">
+            <a:schemeClr val="accent1"/>
+          </a:effectRef>
+          <a:fontRef idx="minor">
+            <a:schemeClr val="tx1"/>
+          </a:fontRef>
+        </p:style>
+      </p:cxnSp>
+      <p:cxnSp>
+        <p:nvCxnSpPr>
+          <p:cNvPr id="12" name="Connector: Elbow 11">
+            <a:extLst>
+              <a:ext uri="{FF2B5EF4-FFF2-40B4-BE49-F238E27FC236}">
+                <a16:creationId xmlns:a16="http://schemas.microsoft.com/office/drawing/2014/main" id="{1E5253DD-1F01-1B09-8600-8171A829D534}"/>
+              </a:ext>
+            </a:extLst>
+          </p:cNvPr>
+          <p:cNvCxnSpPr>
+            <a:stCxn id="8" idx="3"/>
+            <a:endCxn id="6" idx="0"/>
+          </p:cNvCxnSpPr>
+          <p:nvPr/>
+        </p:nvCxnSpPr>
+        <p:spPr>
+          <a:xfrm flipV="1">
+            <a:off x="7890590" y="1856792"/>
+            <a:ext cx="1581758" cy="1091681"/>
+          </a:xfrm>
+          <a:prstGeom prst="bentConnector4">
+            <a:avLst>
+              <a:gd name="adj1" fmla="val 16615"/>
+              <a:gd name="adj2" fmla="val 120940"/>
+            </a:avLst>
+          </a:prstGeom>
+          <a:ln>
+            <a:tailEnd type="triangle"/>
+          </a:ln>
+        </p:spPr>
+        <p:style>
+          <a:lnRef idx="1">
+            <a:schemeClr val="accent1"/>
+          </a:lnRef>
+          <a:fillRef idx="0">
+            <a:schemeClr val="accent1"/>
+          </a:fillRef>
+          <a:effectRef idx="0">
+            <a:schemeClr val="accent1"/>
+          </a:effectRef>
+          <a:fontRef idx="minor">
+            <a:schemeClr val="tx1"/>
+          </a:fontRef>
+        </p:style>
+      </p:cxnSp>
+      <p:sp>
+        <p:nvSpPr>
+          <p:cNvPr id="13" name="TextBox 12">
+            <a:extLst>
+              <a:ext uri="{FF2B5EF4-FFF2-40B4-BE49-F238E27FC236}">
+                <a16:creationId xmlns:a16="http://schemas.microsoft.com/office/drawing/2014/main" id="{24537385-F990-A0E6-4036-8E1A886C15F1}"/>
+              </a:ext>
+            </a:extLst>
+          </p:cNvPr>
+          <p:cNvSpPr txBox="1"/>
+          <p:nvPr/>
+        </p:nvSpPr>
+        <p:spPr>
+          <a:xfrm>
+            <a:off x="6435014" y="3788229"/>
+            <a:ext cx="1581758" cy="1477328"/>
+          </a:xfrm>
+          <a:prstGeom prst="rect">
+            <a:avLst/>
+          </a:prstGeom>
+          <a:noFill/>
+        </p:spPr>
+        <p:txBody>
+          <a:bodyPr wrap="square" rtlCol="0">
+            <a:spAutoFit/>
+          </a:bodyPr>
+          <a:lstStyle/>
+          <a:p>
+            <a:pPr algn="ctr"/>
+            <a:r>
+              <a:rPr lang="en-IN" dirty="0"/>
+              <a:t>Executed on Collection and will create groups for each key </a:t>
+            </a:r>
+            <a:endParaRPr lang="en-US" dirty="0"/>
+          </a:p>
+        </p:txBody>
+      </p:sp>
+      <p:sp>
+        <p:nvSpPr>
+          <p:cNvPr id="14" name="Flowchart: Multidocument 13">
+            <a:extLst>
+              <a:ext uri="{FF2B5EF4-FFF2-40B4-BE49-F238E27FC236}">
+                <a16:creationId xmlns:a16="http://schemas.microsoft.com/office/drawing/2014/main" id="{D42A3DFA-543F-6BE9-4EFF-270FDF6BC7C5}"/>
+              </a:ext>
+            </a:extLst>
+          </p:cNvPr>
+          <p:cNvSpPr/>
+          <p:nvPr/>
+        </p:nvSpPr>
+        <p:spPr>
+          <a:xfrm>
+            <a:off x="4114800" y="4855322"/>
+            <a:ext cx="2451727" cy="1302881"/>
+          </a:xfrm>
+          <a:prstGeom prst="flowChartMultidocument">
+            <a:avLst/>
+          </a:prstGeom>
+        </p:spPr>
+        <p:style>
+          <a:lnRef idx="2">
+            <a:schemeClr val="accent1">
+              <a:shade val="15000"/>
+            </a:schemeClr>
+          </a:lnRef>
+          <a:fillRef idx="1">
+            <a:schemeClr val="accent1"/>
+          </a:fillRef>
+          <a:effectRef idx="0">
+            <a:schemeClr val="accent1"/>
+          </a:effectRef>
+          <a:fontRef idx="minor">
+            <a:schemeClr val="lt1"/>
+          </a:fontRef>
+        </p:style>
+        <p:txBody>
+          <a:bodyPr rtlCol="0" anchor="ctr"/>
+          <a:lstStyle/>
+          <a:p>
+            <a:pPr algn="ctr"/>
+            <a:r>
+              <a:rPr lang="en-IN" dirty="0"/>
+              <a:t>Result Collection</a:t>
+            </a:r>
+          </a:p>
+          <a:p>
+            <a:pPr algn="ctr"/>
+            <a:r>
+              <a:rPr lang="en-IN" dirty="0"/>
+              <a:t>Groups for Each Key</a:t>
+            </a:r>
+            <a:endParaRPr lang="en-US" dirty="0"/>
+          </a:p>
+        </p:txBody>
+      </p:sp>
+      <p:cxnSp>
+        <p:nvCxnSpPr>
+          <p:cNvPr id="16" name="Connector: Elbow 15">
+            <a:extLst>
+              <a:ext uri="{FF2B5EF4-FFF2-40B4-BE49-F238E27FC236}">
+                <a16:creationId xmlns:a16="http://schemas.microsoft.com/office/drawing/2014/main" id="{521FADF6-B106-E11D-D24E-86A02E41539B}"/>
+              </a:ext>
+            </a:extLst>
+          </p:cNvPr>
+          <p:cNvCxnSpPr>
+            <a:cxnSpLocks/>
+            <a:stCxn id="13" idx="2"/>
+            <a:endCxn id="14" idx="0"/>
+          </p:cNvCxnSpPr>
+          <p:nvPr/>
+        </p:nvCxnSpPr>
+        <p:spPr>
+          <a:xfrm rot="5400000" flipH="1">
+            <a:off x="6162495" y="4202160"/>
+            <a:ext cx="410235" cy="1716560"/>
+          </a:xfrm>
+          <a:prstGeom prst="bentConnector5">
+            <a:avLst>
+              <a:gd name="adj1" fmla="val -55724"/>
+              <a:gd name="adj2" fmla="val 194557"/>
+              <a:gd name="adj3" fmla="val 155724"/>
+            </a:avLst>
+          </a:prstGeom>
+          <a:ln>
+            <a:tailEnd type="triangle"/>
+          </a:ln>
+        </p:spPr>
+        <p:style>
+          <a:lnRef idx="1">
+            <a:schemeClr val="accent1"/>
+          </a:lnRef>
+          <a:fillRef idx="0">
+            <a:schemeClr val="accent1"/>
+          </a:fillRef>
+          <a:effectRef idx="0">
+            <a:schemeClr val="accent1"/>
+          </a:effectRef>
+          <a:fontRef idx="minor">
+            <a:schemeClr val="tx1"/>
+          </a:fontRef>
+        </p:style>
+      </p:cxnSp>
+      <p:sp>
+        <p:nvSpPr>
+          <p:cNvPr id="9" name="TextBox 8">
+            <a:extLst>
+              <a:ext uri="{FF2B5EF4-FFF2-40B4-BE49-F238E27FC236}">
+                <a16:creationId xmlns:a16="http://schemas.microsoft.com/office/drawing/2014/main" id="{4E204E54-80F1-8F22-C58E-78068650E4B0}"/>
+              </a:ext>
+            </a:extLst>
+          </p:cNvPr>
+          <p:cNvSpPr txBox="1"/>
+          <p:nvPr/>
+        </p:nvSpPr>
+        <p:spPr>
+          <a:xfrm>
+            <a:off x="737118" y="447869"/>
+            <a:ext cx="2304662" cy="369332"/>
+          </a:xfrm>
+          <a:prstGeom prst="rect">
+            <a:avLst/>
+          </a:prstGeom>
+          <a:noFill/>
+        </p:spPr>
+        <p:txBody>
+          <a:bodyPr wrap="square" rtlCol="0">
+            <a:spAutoFit/>
+          </a:bodyPr>
+          <a:lstStyle/>
+          <a:p>
+            <a:r>
+              <a:rPr lang="en-IN" dirty="0"/>
+              <a:t>Group</a:t>
+            </a:r>
+            <a:endParaRPr lang="en-US" dirty="0"/>
+          </a:p>
+        </p:txBody>
+      </p:sp>
+      <p:sp>
+        <p:nvSpPr>
+          <p:cNvPr id="15" name="TextBox 14">
+            <a:extLst>
+              <a:ext uri="{FF2B5EF4-FFF2-40B4-BE49-F238E27FC236}">
+                <a16:creationId xmlns:a16="http://schemas.microsoft.com/office/drawing/2014/main" id="{A5081336-AFE1-AB07-DCF4-6510CB715BBC}"/>
+              </a:ext>
+            </a:extLst>
+          </p:cNvPr>
+          <p:cNvSpPr txBox="1"/>
+          <p:nvPr/>
+        </p:nvSpPr>
+        <p:spPr>
+          <a:xfrm>
+            <a:off x="6680718" y="1791478"/>
+            <a:ext cx="873969" cy="369332"/>
+          </a:xfrm>
+          <a:prstGeom prst="rect">
+            <a:avLst/>
+          </a:prstGeom>
+          <a:noFill/>
+        </p:spPr>
+        <p:txBody>
+          <a:bodyPr wrap="square" rtlCol="0">
+            <a:spAutoFit/>
+          </a:bodyPr>
+          <a:lstStyle/>
+          <a:p>
+            <a:pPr algn="ctr"/>
+            <a:r>
+              <a:rPr lang="en-IN" dirty="0"/>
+              <a:t>Key</a:t>
+            </a:r>
+            <a:endParaRPr lang="en-US" dirty="0"/>
+          </a:p>
+        </p:txBody>
+      </p:sp>
+      <p:cxnSp>
+        <p:nvCxnSpPr>
+          <p:cNvPr id="18" name="Connector: Elbow 17">
+            <a:extLst>
+              <a:ext uri="{FF2B5EF4-FFF2-40B4-BE49-F238E27FC236}">
+                <a16:creationId xmlns:a16="http://schemas.microsoft.com/office/drawing/2014/main" id="{71A4921D-1776-36F0-C73E-342CF210DC74}"/>
+              </a:ext>
+            </a:extLst>
+          </p:cNvPr>
+          <p:cNvCxnSpPr>
+            <a:cxnSpLocks/>
+            <a:stCxn id="14" idx="2"/>
+            <a:endCxn id="19" idx="1"/>
+          </p:cNvCxnSpPr>
+          <p:nvPr/>
+        </p:nvCxnSpPr>
+        <p:spPr>
+          <a:xfrm rot="5400000" flipH="1" flipV="1">
+            <a:off x="6436025" y="4240915"/>
+            <a:ext cx="602100" cy="3133794"/>
+          </a:xfrm>
+          <a:prstGeom prst="bentConnector4">
+            <a:avLst>
+              <a:gd name="adj1" fmla="val -37967"/>
+              <a:gd name="adj2" fmla="val 72279"/>
+            </a:avLst>
+          </a:prstGeom>
+          <a:ln>
+            <a:tailEnd type="triangle"/>
+          </a:ln>
+        </p:spPr>
+        <p:style>
+          <a:lnRef idx="1">
+            <a:schemeClr val="accent1"/>
+          </a:lnRef>
+          <a:fillRef idx="0">
+            <a:schemeClr val="accent1"/>
+          </a:fillRef>
+          <a:effectRef idx="0">
+            <a:schemeClr val="accent1"/>
+          </a:effectRef>
+          <a:fontRef idx="minor">
+            <a:schemeClr val="tx1"/>
+          </a:fontRef>
+        </p:style>
+      </p:cxnSp>
+      <p:sp>
+        <p:nvSpPr>
+          <p:cNvPr id="19" name="Flowchart: Multidocument 18">
+            <a:extLst>
+              <a:ext uri="{FF2B5EF4-FFF2-40B4-BE49-F238E27FC236}">
+                <a16:creationId xmlns:a16="http://schemas.microsoft.com/office/drawing/2014/main" id="{DA179524-B879-0FB4-AA71-E8341194FC99}"/>
+              </a:ext>
+            </a:extLst>
+          </p:cNvPr>
+          <p:cNvSpPr/>
+          <p:nvPr/>
+        </p:nvSpPr>
+        <p:spPr>
+          <a:xfrm>
+            <a:off x="8303972" y="4977678"/>
+            <a:ext cx="1920774" cy="1058168"/>
+          </a:xfrm>
+          <a:prstGeom prst="flowChartMultidocument">
+            <a:avLst/>
+          </a:prstGeom>
+        </p:spPr>
+        <p:style>
+          <a:lnRef idx="2">
+            <a:schemeClr val="accent1">
+              <a:shade val="15000"/>
+            </a:schemeClr>
+          </a:lnRef>
+          <a:fillRef idx="1">
+            <a:schemeClr val="accent1"/>
+          </a:fillRef>
+          <a:effectRef idx="0">
+            <a:schemeClr val="accent1"/>
+          </a:effectRef>
+          <a:fontRef idx="minor">
+            <a:schemeClr val="lt1"/>
+          </a:fontRef>
+        </p:style>
+        <p:txBody>
+          <a:bodyPr rtlCol="0" anchor="ctr"/>
+          <a:lstStyle/>
+          <a:p>
+            <a:pPr algn="ctr"/>
+            <a:r>
+              <a:rPr lang="en-IN" dirty="0"/>
+              <a:t>Resultant for each Group as Collection</a:t>
+            </a:r>
+            <a:endParaRPr lang="en-US" dirty="0"/>
+          </a:p>
+        </p:txBody>
+      </p:sp>
+    </p:spTree>
+    <p:extLst>
+      <p:ext uri="{BB962C8B-B14F-4D97-AF65-F5344CB8AC3E}">
+        <p14:creationId xmlns:p14="http://schemas.microsoft.com/office/powerpoint/2010/main" val="686061583"/>
       </p:ext>
     </p:extLst>
   </p:cSld>

--- a/ppts.pptx
+++ b/ppts.pptx
@@ -26,6 +26,10 @@
     <p:sldId id="274" r:id="rId20"/>
     <p:sldId id="275" r:id="rId21"/>
     <p:sldId id="276" r:id="rId22"/>
+    <p:sldId id="277" r:id="rId23"/>
+    <p:sldId id="278" r:id="rId24"/>
+    <p:sldId id="279" r:id="rId25"/>
+    <p:sldId id="280" r:id="rId26"/>
   </p:sldIdLst>
   <p:sldSz cx="12192000" cy="6858000"/>
   <p:notesSz cx="6858000" cy="9144000"/>
@@ -279,7 +283,7 @@
           <a:p>
             <a:fld id="{6F41C210-F244-43B9-87C5-D1F3CF4189D6}" type="datetimeFigureOut">
               <a:rPr lang="en-US" smtClean="0"/>
-              <a:t>6/21/2023</a:t>
+              <a:t>6/22/2023</a:t>
             </a:fld>
             <a:endParaRPr lang="en-US"/>
           </a:p>
@@ -477,7 +481,7 @@
           <a:p>
             <a:fld id="{6F41C210-F244-43B9-87C5-D1F3CF4189D6}" type="datetimeFigureOut">
               <a:rPr lang="en-US" smtClean="0"/>
-              <a:t>6/21/2023</a:t>
+              <a:t>6/22/2023</a:t>
             </a:fld>
             <a:endParaRPr lang="en-US"/>
           </a:p>
@@ -685,7 +689,7 @@
           <a:p>
             <a:fld id="{6F41C210-F244-43B9-87C5-D1F3CF4189D6}" type="datetimeFigureOut">
               <a:rPr lang="en-US" smtClean="0"/>
-              <a:t>6/21/2023</a:t>
+              <a:t>6/22/2023</a:t>
             </a:fld>
             <a:endParaRPr lang="en-US"/>
           </a:p>
@@ -883,7 +887,7 @@
           <a:p>
             <a:fld id="{6F41C210-F244-43B9-87C5-D1F3CF4189D6}" type="datetimeFigureOut">
               <a:rPr lang="en-US" smtClean="0"/>
-              <a:t>6/21/2023</a:t>
+              <a:t>6/22/2023</a:t>
             </a:fld>
             <a:endParaRPr lang="en-US"/>
           </a:p>
@@ -1158,7 +1162,7 @@
           <a:p>
             <a:fld id="{6F41C210-F244-43B9-87C5-D1F3CF4189D6}" type="datetimeFigureOut">
               <a:rPr lang="en-US" smtClean="0"/>
-              <a:t>6/21/2023</a:t>
+              <a:t>6/22/2023</a:t>
             </a:fld>
             <a:endParaRPr lang="en-US"/>
           </a:p>
@@ -1423,7 +1427,7 @@
           <a:p>
             <a:fld id="{6F41C210-F244-43B9-87C5-D1F3CF4189D6}" type="datetimeFigureOut">
               <a:rPr lang="en-US" smtClean="0"/>
-              <a:t>6/21/2023</a:t>
+              <a:t>6/22/2023</a:t>
             </a:fld>
             <a:endParaRPr lang="en-US"/>
           </a:p>
@@ -1835,7 +1839,7 @@
           <a:p>
             <a:fld id="{6F41C210-F244-43B9-87C5-D1F3CF4189D6}" type="datetimeFigureOut">
               <a:rPr lang="en-US" smtClean="0"/>
-              <a:t>6/21/2023</a:t>
+              <a:t>6/22/2023</a:t>
             </a:fld>
             <a:endParaRPr lang="en-US"/>
           </a:p>
@@ -1976,7 +1980,7 @@
           <a:p>
             <a:fld id="{6F41C210-F244-43B9-87C5-D1F3CF4189D6}" type="datetimeFigureOut">
               <a:rPr lang="en-US" smtClean="0"/>
-              <a:t>6/21/2023</a:t>
+              <a:t>6/22/2023</a:t>
             </a:fld>
             <a:endParaRPr lang="en-US"/>
           </a:p>
@@ -2089,7 +2093,7 @@
           <a:p>
             <a:fld id="{6F41C210-F244-43B9-87C5-D1F3CF4189D6}" type="datetimeFigureOut">
               <a:rPr lang="en-US" smtClean="0"/>
-              <a:t>6/21/2023</a:t>
+              <a:t>6/22/2023</a:t>
             </a:fld>
             <a:endParaRPr lang="en-US"/>
           </a:p>
@@ -2400,7 +2404,7 @@
           <a:p>
             <a:fld id="{6F41C210-F244-43B9-87C5-D1F3CF4189D6}" type="datetimeFigureOut">
               <a:rPr lang="en-US" smtClean="0"/>
-              <a:t>6/21/2023</a:t>
+              <a:t>6/22/2023</a:t>
             </a:fld>
             <a:endParaRPr lang="en-US"/>
           </a:p>
@@ -2688,7 +2692,7 @@
           <a:p>
             <a:fld id="{6F41C210-F244-43B9-87C5-D1F3CF4189D6}" type="datetimeFigureOut">
               <a:rPr lang="en-US" smtClean="0"/>
-              <a:t>6/21/2023</a:t>
+              <a:t>6/22/2023</a:t>
             </a:fld>
             <a:endParaRPr lang="en-US"/>
           </a:p>
@@ -2929,7 +2933,7 @@
           <a:p>
             <a:fld id="{6F41C210-F244-43B9-87C5-D1F3CF4189D6}" type="datetimeFigureOut">
               <a:rPr lang="en-US" smtClean="0"/>
-              <a:t>6/21/2023</a:t>
+              <a:t>6/22/2023</a:t>
             </a:fld>
             <a:endParaRPr lang="en-US"/>
           </a:p>
@@ -13809,6 +13813,5750 @@
     <p:extLst>
       <p:ext uri="{BB962C8B-B14F-4D97-AF65-F5344CB8AC3E}">
         <p14:creationId xmlns:p14="http://schemas.microsoft.com/office/powerpoint/2010/main" val="686061583"/>
+      </p:ext>
+    </p:extLst>
+  </p:cSld>
+  <p:clrMapOvr>
+    <a:masterClrMapping/>
+  </p:clrMapOvr>
+</p:sld>
+</file>
+
+<file path=ppt/slides/slide22.xml><?xml version="1.0" encoding="utf-8"?>
+<p:sld xmlns:a="http://schemas.openxmlformats.org/drawingml/2006/main" xmlns:r="http://schemas.openxmlformats.org/officeDocument/2006/relationships" xmlns:p="http://schemas.openxmlformats.org/presentationml/2006/main">
+  <p:cSld>
+    <p:spTree>
+      <p:nvGrpSpPr>
+        <p:cNvPr id="1" name=""/>
+        <p:cNvGrpSpPr/>
+        <p:nvPr/>
+      </p:nvGrpSpPr>
+      <p:grpSpPr>
+        <a:xfrm>
+          <a:off x="0" y="0"/>
+          <a:ext cx="0" cy="0"/>
+          <a:chOff x="0" y="0"/>
+          <a:chExt cx="0" cy="0"/>
+        </a:xfrm>
+      </p:grpSpPr>
+      <p:sp>
+        <p:nvSpPr>
+          <p:cNvPr id="2" name="Cylinder 1">
+            <a:extLst>
+              <a:ext uri="{FF2B5EF4-FFF2-40B4-BE49-F238E27FC236}">
+                <a16:creationId xmlns:a16="http://schemas.microsoft.com/office/drawing/2014/main" id="{08A37534-3063-7516-BEE8-F9B9E86C8D26}"/>
+              </a:ext>
+            </a:extLst>
+          </p:cNvPr>
+          <p:cNvSpPr/>
+          <p:nvPr/>
+        </p:nvSpPr>
+        <p:spPr>
+          <a:xfrm>
+            <a:off x="9022702" y="2248678"/>
+            <a:ext cx="2509935" cy="1940767"/>
+          </a:xfrm>
+          <a:prstGeom prst="can">
+            <a:avLst/>
+          </a:prstGeom>
+        </p:spPr>
+        <p:style>
+          <a:lnRef idx="2">
+            <a:schemeClr val="accent1">
+              <a:shade val="15000"/>
+            </a:schemeClr>
+          </a:lnRef>
+          <a:fillRef idx="1">
+            <a:schemeClr val="accent1"/>
+          </a:fillRef>
+          <a:effectRef idx="0">
+            <a:schemeClr val="accent1"/>
+          </a:effectRef>
+          <a:fontRef idx="minor">
+            <a:schemeClr val="lt1"/>
+          </a:fontRef>
+        </p:style>
+        <p:txBody>
+          <a:bodyPr rtlCol="0" anchor="ctr"/>
+          <a:lstStyle/>
+          <a:p>
+            <a:pPr algn="ctr"/>
+            <a:r>
+              <a:rPr lang="en-IN" dirty="0"/>
+              <a:t>RDBMS</a:t>
+            </a:r>
+            <a:endParaRPr lang="en-US" dirty="0"/>
+          </a:p>
+        </p:txBody>
+      </p:sp>
+      <p:sp>
+        <p:nvSpPr>
+          <p:cNvPr id="3" name="Rectangle: Rounded Corners 2">
+            <a:extLst>
+              <a:ext uri="{FF2B5EF4-FFF2-40B4-BE49-F238E27FC236}">
+                <a16:creationId xmlns:a16="http://schemas.microsoft.com/office/drawing/2014/main" id="{2E56AF6D-BF6B-A755-42E7-239F1A865E06}"/>
+              </a:ext>
+            </a:extLst>
+          </p:cNvPr>
+          <p:cNvSpPr/>
+          <p:nvPr/>
+        </p:nvSpPr>
+        <p:spPr>
+          <a:xfrm>
+            <a:off x="1296955" y="1632857"/>
+            <a:ext cx="3172408" cy="3135086"/>
+          </a:xfrm>
+          <a:prstGeom prst="roundRect">
+            <a:avLst/>
+          </a:prstGeom>
+        </p:spPr>
+        <p:style>
+          <a:lnRef idx="2">
+            <a:schemeClr val="accent1">
+              <a:shade val="15000"/>
+            </a:schemeClr>
+          </a:lnRef>
+          <a:fillRef idx="1">
+            <a:schemeClr val="accent1"/>
+          </a:fillRef>
+          <a:effectRef idx="0">
+            <a:schemeClr val="accent1"/>
+          </a:effectRef>
+          <a:fontRef idx="minor">
+            <a:schemeClr val="lt1"/>
+          </a:fontRef>
+        </p:style>
+        <p:txBody>
+          <a:bodyPr rtlCol="0" anchor="ctr"/>
+          <a:lstStyle/>
+          <a:p>
+            <a:pPr algn="ctr"/>
+            <a:r>
+              <a:rPr lang="en-IN" dirty="0"/>
+              <a:t>Client</a:t>
+            </a:r>
+          </a:p>
+          <a:p>
+            <a:pPr algn="ctr"/>
+            <a:r>
+              <a:rPr lang="en-IN" dirty="0"/>
+              <a:t>App</a:t>
+            </a:r>
+            <a:endParaRPr lang="en-US" dirty="0"/>
+          </a:p>
+        </p:txBody>
+      </p:sp>
+      <p:cxnSp>
+        <p:nvCxnSpPr>
+          <p:cNvPr id="5" name="Connector: Elbow 4">
+            <a:extLst>
+              <a:ext uri="{FF2B5EF4-FFF2-40B4-BE49-F238E27FC236}">
+                <a16:creationId xmlns:a16="http://schemas.microsoft.com/office/drawing/2014/main" id="{3B8D949D-771D-52C9-7D9C-EFB63B064BBA}"/>
+              </a:ext>
+            </a:extLst>
+          </p:cNvPr>
+          <p:cNvCxnSpPr>
+            <a:cxnSpLocks/>
+            <a:stCxn id="3" idx="0"/>
+            <a:endCxn id="31" idx="0"/>
+          </p:cNvCxnSpPr>
+          <p:nvPr/>
+        </p:nvCxnSpPr>
+        <p:spPr>
+          <a:xfrm rot="16200000" flipH="1">
+            <a:off x="4415710" y="100305"/>
+            <a:ext cx="606493" cy="3671596"/>
+          </a:xfrm>
+          <a:prstGeom prst="bentConnector3">
+            <a:avLst>
+              <a:gd name="adj1" fmla="val -37692"/>
+            </a:avLst>
+          </a:prstGeom>
+          <a:ln>
+            <a:tailEnd type="triangle"/>
+          </a:ln>
+        </p:spPr>
+        <p:style>
+          <a:lnRef idx="1">
+            <a:schemeClr val="accent1"/>
+          </a:lnRef>
+          <a:fillRef idx="0">
+            <a:schemeClr val="accent1"/>
+          </a:fillRef>
+          <a:effectRef idx="0">
+            <a:schemeClr val="accent1"/>
+          </a:effectRef>
+          <a:fontRef idx="minor">
+            <a:schemeClr val="tx1"/>
+          </a:fontRef>
+        </p:style>
+      </p:cxnSp>
+      <p:sp>
+        <p:nvSpPr>
+          <p:cNvPr id="7" name="TextBox 6">
+            <a:extLst>
+              <a:ext uri="{FF2B5EF4-FFF2-40B4-BE49-F238E27FC236}">
+                <a16:creationId xmlns:a16="http://schemas.microsoft.com/office/drawing/2014/main" id="{3670EA03-E2B4-11D1-260F-2247B32DAC61}"/>
+              </a:ext>
+            </a:extLst>
+          </p:cNvPr>
+          <p:cNvSpPr txBox="1"/>
+          <p:nvPr/>
+        </p:nvSpPr>
+        <p:spPr>
+          <a:xfrm>
+            <a:off x="4674637" y="578498"/>
+            <a:ext cx="4170783" cy="646331"/>
+          </a:xfrm>
+          <a:prstGeom prst="rect">
+            <a:avLst/>
+          </a:prstGeom>
+          <a:noFill/>
+        </p:spPr>
+        <p:txBody>
+          <a:bodyPr wrap="square" rtlCol="0">
+            <a:spAutoFit/>
+          </a:bodyPr>
+          <a:lstStyle/>
+          <a:p>
+            <a:pPr marL="342900" indent="-342900">
+              <a:buAutoNum type="arabicPeriod"/>
+            </a:pPr>
+            <a:r>
+              <a:rPr lang="en-IN" dirty="0"/>
+              <a:t>Connection To Database</a:t>
+            </a:r>
+          </a:p>
+          <a:p>
+            <a:pPr marL="342900" indent="-342900">
+              <a:buAutoNum type="arabicPeriod"/>
+            </a:pPr>
+            <a:r>
+              <a:rPr lang="en-IN" dirty="0"/>
+              <a:t>Read/Write Operations </a:t>
+            </a:r>
+            <a:endParaRPr lang="en-US" dirty="0"/>
+          </a:p>
+        </p:txBody>
+      </p:sp>
+      <p:sp>
+        <p:nvSpPr>
+          <p:cNvPr id="8" name="Sun 7">
+            <a:extLst>
+              <a:ext uri="{FF2B5EF4-FFF2-40B4-BE49-F238E27FC236}">
+                <a16:creationId xmlns:a16="http://schemas.microsoft.com/office/drawing/2014/main" id="{77A45D55-0ADA-DF31-8449-0A22C2D16532}"/>
+              </a:ext>
+            </a:extLst>
+          </p:cNvPr>
+          <p:cNvSpPr/>
+          <p:nvPr/>
+        </p:nvSpPr>
+        <p:spPr>
+          <a:xfrm>
+            <a:off x="10618237" y="3051110"/>
+            <a:ext cx="1119674" cy="914400"/>
+          </a:xfrm>
+          <a:prstGeom prst="sun">
+            <a:avLst/>
+          </a:prstGeom>
+          <a:solidFill>
+            <a:srgbClr val="FFFF00"/>
+          </a:solidFill>
+        </p:spPr>
+        <p:style>
+          <a:lnRef idx="2">
+            <a:schemeClr val="accent1">
+              <a:shade val="15000"/>
+            </a:schemeClr>
+          </a:lnRef>
+          <a:fillRef idx="1">
+            <a:schemeClr val="accent1"/>
+          </a:fillRef>
+          <a:effectRef idx="0">
+            <a:schemeClr val="accent1"/>
+          </a:effectRef>
+          <a:fontRef idx="minor">
+            <a:schemeClr val="lt1"/>
+          </a:fontRef>
+        </p:style>
+        <p:txBody>
+          <a:bodyPr rtlCol="0" anchor="ctr"/>
+          <a:lstStyle/>
+          <a:p>
+            <a:pPr algn="ctr"/>
+            <a:endParaRPr lang="en-US"/>
+          </a:p>
+        </p:txBody>
+      </p:sp>
+      <p:sp>
+        <p:nvSpPr>
+          <p:cNvPr id="9" name="TextBox 8">
+            <a:extLst>
+              <a:ext uri="{FF2B5EF4-FFF2-40B4-BE49-F238E27FC236}">
+                <a16:creationId xmlns:a16="http://schemas.microsoft.com/office/drawing/2014/main" id="{5D1A1F1B-F224-26E0-ACC2-7FBCF3541730}"/>
+              </a:ext>
+            </a:extLst>
+          </p:cNvPr>
+          <p:cNvSpPr txBox="1"/>
+          <p:nvPr/>
+        </p:nvSpPr>
+        <p:spPr>
+          <a:xfrm>
+            <a:off x="10277669" y="4590661"/>
+            <a:ext cx="1609531" cy="646331"/>
+          </a:xfrm>
+          <a:prstGeom prst="rect">
+            <a:avLst/>
+          </a:prstGeom>
+          <a:noFill/>
+        </p:spPr>
+        <p:txBody>
+          <a:bodyPr wrap="square" rtlCol="0">
+            <a:spAutoFit/>
+          </a:bodyPr>
+          <a:lstStyle/>
+          <a:p>
+            <a:r>
+              <a:rPr lang="en-IN" dirty="0"/>
+              <a:t>3. DB Process Request</a:t>
+            </a:r>
+            <a:endParaRPr lang="en-US" dirty="0"/>
+          </a:p>
+        </p:txBody>
+      </p:sp>
+      <p:cxnSp>
+        <p:nvCxnSpPr>
+          <p:cNvPr id="11" name="Connector: Elbow 10">
+            <a:extLst>
+              <a:ext uri="{FF2B5EF4-FFF2-40B4-BE49-F238E27FC236}">
+                <a16:creationId xmlns:a16="http://schemas.microsoft.com/office/drawing/2014/main" id="{9B5506E8-51FD-8434-56A9-30220D6510EA}"/>
+              </a:ext>
+            </a:extLst>
+          </p:cNvPr>
+          <p:cNvCxnSpPr>
+            <a:cxnSpLocks/>
+            <a:stCxn id="31" idx="2"/>
+            <a:endCxn id="3" idx="2"/>
+          </p:cNvCxnSpPr>
+          <p:nvPr/>
+        </p:nvCxnSpPr>
+        <p:spPr>
+          <a:xfrm rot="5400000">
+            <a:off x="4534292" y="2747479"/>
+            <a:ext cx="369331" cy="3671596"/>
+          </a:xfrm>
+          <a:prstGeom prst="bentConnector3">
+            <a:avLst>
+              <a:gd name="adj1" fmla="val 161896"/>
+            </a:avLst>
+          </a:prstGeom>
+          <a:ln>
+            <a:tailEnd type="triangle"/>
+          </a:ln>
+        </p:spPr>
+        <p:style>
+          <a:lnRef idx="1">
+            <a:schemeClr val="accent1"/>
+          </a:lnRef>
+          <a:fillRef idx="0">
+            <a:schemeClr val="accent1"/>
+          </a:fillRef>
+          <a:effectRef idx="0">
+            <a:schemeClr val="accent1"/>
+          </a:effectRef>
+          <a:fontRef idx="minor">
+            <a:schemeClr val="tx1"/>
+          </a:fontRef>
+        </p:style>
+      </p:cxnSp>
+      <p:sp>
+        <p:nvSpPr>
+          <p:cNvPr id="12" name="TextBox 11">
+            <a:extLst>
+              <a:ext uri="{FF2B5EF4-FFF2-40B4-BE49-F238E27FC236}">
+                <a16:creationId xmlns:a16="http://schemas.microsoft.com/office/drawing/2014/main" id="{19591CD4-359A-AD23-1E7D-F31C48082DC2}"/>
+              </a:ext>
+            </a:extLst>
+          </p:cNvPr>
+          <p:cNvSpPr txBox="1"/>
+          <p:nvPr/>
+        </p:nvSpPr>
+        <p:spPr>
+          <a:xfrm>
+            <a:off x="5831633" y="4693298"/>
+            <a:ext cx="3079102" cy="369332"/>
+          </a:xfrm>
+          <a:prstGeom prst="rect">
+            <a:avLst/>
+          </a:prstGeom>
+          <a:noFill/>
+        </p:spPr>
+        <p:txBody>
+          <a:bodyPr wrap="square" rtlCol="0">
+            <a:spAutoFit/>
+          </a:bodyPr>
+          <a:lstStyle/>
+          <a:p>
+            <a:r>
+              <a:rPr lang="en-IN" dirty="0"/>
+              <a:t>4. Response</a:t>
+            </a:r>
+            <a:endParaRPr lang="en-US" dirty="0"/>
+          </a:p>
+        </p:txBody>
+      </p:sp>
+      <p:sp>
+        <p:nvSpPr>
+          <p:cNvPr id="13" name="Rectangle: Rounded Corners 12">
+            <a:extLst>
+              <a:ext uri="{FF2B5EF4-FFF2-40B4-BE49-F238E27FC236}">
+                <a16:creationId xmlns:a16="http://schemas.microsoft.com/office/drawing/2014/main" id="{204E9671-7360-5560-73EC-499D9089477C}"/>
+              </a:ext>
+            </a:extLst>
+          </p:cNvPr>
+          <p:cNvSpPr/>
+          <p:nvPr/>
+        </p:nvSpPr>
+        <p:spPr>
+          <a:xfrm>
+            <a:off x="1726163" y="5505061"/>
+            <a:ext cx="597159" cy="830425"/>
+          </a:xfrm>
+          <a:prstGeom prst="roundRect">
+            <a:avLst/>
+          </a:prstGeom>
+        </p:spPr>
+        <p:style>
+          <a:lnRef idx="2">
+            <a:schemeClr val="accent1">
+              <a:shade val="15000"/>
+            </a:schemeClr>
+          </a:lnRef>
+          <a:fillRef idx="1">
+            <a:schemeClr val="accent1"/>
+          </a:fillRef>
+          <a:effectRef idx="0">
+            <a:schemeClr val="accent1"/>
+          </a:effectRef>
+          <a:fontRef idx="minor">
+            <a:schemeClr val="lt1"/>
+          </a:fontRef>
+        </p:style>
+        <p:txBody>
+          <a:bodyPr rtlCol="0" anchor="ctr"/>
+          <a:lstStyle/>
+          <a:p>
+            <a:pPr algn="ctr"/>
+            <a:endParaRPr lang="en-US"/>
+          </a:p>
+        </p:txBody>
+      </p:sp>
+      <p:sp>
+        <p:nvSpPr>
+          <p:cNvPr id="14" name="Rectangle: Rounded Corners 13">
+            <a:extLst>
+              <a:ext uri="{FF2B5EF4-FFF2-40B4-BE49-F238E27FC236}">
+                <a16:creationId xmlns:a16="http://schemas.microsoft.com/office/drawing/2014/main" id="{20198D4F-5CAC-7000-1B14-C7B2E606277B}"/>
+              </a:ext>
+            </a:extLst>
+          </p:cNvPr>
+          <p:cNvSpPr/>
+          <p:nvPr/>
+        </p:nvSpPr>
+        <p:spPr>
+          <a:xfrm>
+            <a:off x="2736980" y="5505060"/>
+            <a:ext cx="597159" cy="830425"/>
+          </a:xfrm>
+          <a:prstGeom prst="roundRect">
+            <a:avLst/>
+          </a:prstGeom>
+        </p:spPr>
+        <p:style>
+          <a:lnRef idx="2">
+            <a:schemeClr val="accent1">
+              <a:shade val="15000"/>
+            </a:schemeClr>
+          </a:lnRef>
+          <a:fillRef idx="1">
+            <a:schemeClr val="accent1"/>
+          </a:fillRef>
+          <a:effectRef idx="0">
+            <a:schemeClr val="accent1"/>
+          </a:effectRef>
+          <a:fontRef idx="minor">
+            <a:schemeClr val="lt1"/>
+          </a:fontRef>
+        </p:style>
+        <p:txBody>
+          <a:bodyPr rtlCol="0" anchor="ctr"/>
+          <a:lstStyle/>
+          <a:p>
+            <a:pPr algn="ctr"/>
+            <a:endParaRPr lang="en-US"/>
+          </a:p>
+        </p:txBody>
+      </p:sp>
+      <p:sp>
+        <p:nvSpPr>
+          <p:cNvPr id="15" name="Rectangle: Rounded Corners 14">
+            <a:extLst>
+              <a:ext uri="{FF2B5EF4-FFF2-40B4-BE49-F238E27FC236}">
+                <a16:creationId xmlns:a16="http://schemas.microsoft.com/office/drawing/2014/main" id="{C10476F1-B64B-DD32-1EA0-E8497475CEB1}"/>
+              </a:ext>
+            </a:extLst>
+          </p:cNvPr>
+          <p:cNvSpPr/>
+          <p:nvPr/>
+        </p:nvSpPr>
+        <p:spPr>
+          <a:xfrm>
+            <a:off x="3458546" y="5505060"/>
+            <a:ext cx="597159" cy="830425"/>
+          </a:xfrm>
+          <a:prstGeom prst="roundRect">
+            <a:avLst/>
+          </a:prstGeom>
+        </p:spPr>
+        <p:style>
+          <a:lnRef idx="2">
+            <a:schemeClr val="accent1">
+              <a:shade val="15000"/>
+            </a:schemeClr>
+          </a:lnRef>
+          <a:fillRef idx="1">
+            <a:schemeClr val="accent1"/>
+          </a:fillRef>
+          <a:effectRef idx="0">
+            <a:schemeClr val="accent1"/>
+          </a:effectRef>
+          <a:fontRef idx="minor">
+            <a:schemeClr val="lt1"/>
+          </a:fontRef>
+        </p:style>
+        <p:txBody>
+          <a:bodyPr rtlCol="0" anchor="ctr"/>
+          <a:lstStyle/>
+          <a:p>
+            <a:pPr algn="ctr"/>
+            <a:endParaRPr lang="en-US"/>
+          </a:p>
+        </p:txBody>
+      </p:sp>
+      <p:sp>
+        <p:nvSpPr>
+          <p:cNvPr id="16" name="Rectangle: Rounded Corners 15">
+            <a:extLst>
+              <a:ext uri="{FF2B5EF4-FFF2-40B4-BE49-F238E27FC236}">
+                <a16:creationId xmlns:a16="http://schemas.microsoft.com/office/drawing/2014/main" id="{6B3E8853-27E2-F144-F024-BCAAA2390F95}"/>
+              </a:ext>
+            </a:extLst>
+          </p:cNvPr>
+          <p:cNvSpPr/>
+          <p:nvPr/>
+        </p:nvSpPr>
+        <p:spPr>
+          <a:xfrm>
+            <a:off x="4469363" y="5505059"/>
+            <a:ext cx="597159" cy="830425"/>
+          </a:xfrm>
+          <a:prstGeom prst="roundRect">
+            <a:avLst/>
+          </a:prstGeom>
+        </p:spPr>
+        <p:style>
+          <a:lnRef idx="2">
+            <a:schemeClr val="accent1">
+              <a:shade val="15000"/>
+            </a:schemeClr>
+          </a:lnRef>
+          <a:fillRef idx="1">
+            <a:schemeClr val="accent1"/>
+          </a:fillRef>
+          <a:effectRef idx="0">
+            <a:schemeClr val="accent1"/>
+          </a:effectRef>
+          <a:fontRef idx="minor">
+            <a:schemeClr val="lt1"/>
+          </a:fontRef>
+        </p:style>
+        <p:txBody>
+          <a:bodyPr rtlCol="0" anchor="ctr"/>
+          <a:lstStyle/>
+          <a:p>
+            <a:pPr algn="ctr"/>
+            <a:endParaRPr lang="en-US"/>
+          </a:p>
+        </p:txBody>
+      </p:sp>
+      <p:sp>
+        <p:nvSpPr>
+          <p:cNvPr id="17" name="Rectangle: Rounded Corners 16">
+            <a:extLst>
+              <a:ext uri="{FF2B5EF4-FFF2-40B4-BE49-F238E27FC236}">
+                <a16:creationId xmlns:a16="http://schemas.microsoft.com/office/drawing/2014/main" id="{9AA4F618-23C9-B9B9-6A21-76BC381B2821}"/>
+              </a:ext>
+            </a:extLst>
+          </p:cNvPr>
+          <p:cNvSpPr/>
+          <p:nvPr/>
+        </p:nvSpPr>
+        <p:spPr>
+          <a:xfrm>
+            <a:off x="5281127" y="5505059"/>
+            <a:ext cx="597159" cy="830425"/>
+          </a:xfrm>
+          <a:prstGeom prst="roundRect">
+            <a:avLst/>
+          </a:prstGeom>
+        </p:spPr>
+        <p:style>
+          <a:lnRef idx="2">
+            <a:schemeClr val="accent1">
+              <a:shade val="15000"/>
+            </a:schemeClr>
+          </a:lnRef>
+          <a:fillRef idx="1">
+            <a:schemeClr val="accent1"/>
+          </a:fillRef>
+          <a:effectRef idx="0">
+            <a:schemeClr val="accent1"/>
+          </a:effectRef>
+          <a:fontRef idx="minor">
+            <a:schemeClr val="lt1"/>
+          </a:fontRef>
+        </p:style>
+        <p:txBody>
+          <a:bodyPr rtlCol="0" anchor="ctr"/>
+          <a:lstStyle/>
+          <a:p>
+            <a:pPr algn="ctr"/>
+            <a:endParaRPr lang="en-US"/>
+          </a:p>
+        </p:txBody>
+      </p:sp>
+      <p:sp>
+        <p:nvSpPr>
+          <p:cNvPr id="18" name="Rectangle: Rounded Corners 17">
+            <a:extLst>
+              <a:ext uri="{FF2B5EF4-FFF2-40B4-BE49-F238E27FC236}">
+                <a16:creationId xmlns:a16="http://schemas.microsoft.com/office/drawing/2014/main" id="{55BF3299-96C4-C9F9-5C72-0C620581B320}"/>
+              </a:ext>
+            </a:extLst>
+          </p:cNvPr>
+          <p:cNvSpPr/>
+          <p:nvPr/>
+        </p:nvSpPr>
+        <p:spPr>
+          <a:xfrm>
+            <a:off x="6291944" y="5505058"/>
+            <a:ext cx="597159" cy="830425"/>
+          </a:xfrm>
+          <a:prstGeom prst="roundRect">
+            <a:avLst/>
+          </a:prstGeom>
+        </p:spPr>
+        <p:style>
+          <a:lnRef idx="2">
+            <a:schemeClr val="accent1">
+              <a:shade val="15000"/>
+            </a:schemeClr>
+          </a:lnRef>
+          <a:fillRef idx="1">
+            <a:schemeClr val="accent1"/>
+          </a:fillRef>
+          <a:effectRef idx="0">
+            <a:schemeClr val="accent1"/>
+          </a:effectRef>
+          <a:fontRef idx="minor">
+            <a:schemeClr val="lt1"/>
+          </a:fontRef>
+        </p:style>
+        <p:txBody>
+          <a:bodyPr rtlCol="0" anchor="ctr"/>
+          <a:lstStyle/>
+          <a:p>
+            <a:pPr algn="ctr"/>
+            <a:endParaRPr lang="en-US"/>
+          </a:p>
+        </p:txBody>
+      </p:sp>
+      <p:cxnSp>
+        <p:nvCxnSpPr>
+          <p:cNvPr id="20" name="Straight Arrow Connector 19">
+            <a:extLst>
+              <a:ext uri="{FF2B5EF4-FFF2-40B4-BE49-F238E27FC236}">
+                <a16:creationId xmlns:a16="http://schemas.microsoft.com/office/drawing/2014/main" id="{58EECD60-F46D-D4A8-7068-D49DAF024C49}"/>
+              </a:ext>
+            </a:extLst>
+          </p:cNvPr>
+          <p:cNvCxnSpPr>
+            <a:endCxn id="2" idx="2"/>
+          </p:cNvCxnSpPr>
+          <p:nvPr/>
+        </p:nvCxnSpPr>
+        <p:spPr>
+          <a:xfrm>
+            <a:off x="7651102" y="2656705"/>
+            <a:ext cx="1371600" cy="562357"/>
+          </a:xfrm>
+          <a:prstGeom prst="straightConnector1">
+            <a:avLst/>
+          </a:prstGeom>
+          <a:ln>
+            <a:tailEnd type="triangle"/>
+          </a:ln>
+        </p:spPr>
+        <p:style>
+          <a:lnRef idx="1">
+            <a:schemeClr val="accent1"/>
+          </a:lnRef>
+          <a:fillRef idx="0">
+            <a:schemeClr val="accent1"/>
+          </a:fillRef>
+          <a:effectRef idx="0">
+            <a:schemeClr val="accent1"/>
+          </a:effectRef>
+          <a:fontRef idx="minor">
+            <a:schemeClr val="tx1"/>
+          </a:fontRef>
+        </p:style>
+      </p:cxnSp>
+      <p:cxnSp>
+        <p:nvCxnSpPr>
+          <p:cNvPr id="22" name="Straight Arrow Connector 21">
+            <a:extLst>
+              <a:ext uri="{FF2B5EF4-FFF2-40B4-BE49-F238E27FC236}">
+                <a16:creationId xmlns:a16="http://schemas.microsoft.com/office/drawing/2014/main" id="{A7325895-5CF9-3C36-6330-1D2A6FA7846B}"/>
+              </a:ext>
+            </a:extLst>
+          </p:cNvPr>
+          <p:cNvCxnSpPr>
+            <a:endCxn id="2" idx="2"/>
+          </p:cNvCxnSpPr>
+          <p:nvPr/>
+        </p:nvCxnSpPr>
+        <p:spPr>
+          <a:xfrm>
+            <a:off x="7613780" y="2864500"/>
+            <a:ext cx="1408922" cy="354562"/>
+          </a:xfrm>
+          <a:prstGeom prst="straightConnector1">
+            <a:avLst/>
+          </a:prstGeom>
+          <a:ln>
+            <a:tailEnd type="triangle"/>
+          </a:ln>
+        </p:spPr>
+        <p:style>
+          <a:lnRef idx="1">
+            <a:schemeClr val="accent1"/>
+          </a:lnRef>
+          <a:fillRef idx="0">
+            <a:schemeClr val="accent1"/>
+          </a:fillRef>
+          <a:effectRef idx="0">
+            <a:schemeClr val="accent1"/>
+          </a:effectRef>
+          <a:fontRef idx="minor">
+            <a:schemeClr val="tx1"/>
+          </a:fontRef>
+        </p:style>
+      </p:cxnSp>
+      <p:cxnSp>
+        <p:nvCxnSpPr>
+          <p:cNvPr id="24" name="Straight Arrow Connector 23">
+            <a:extLst>
+              <a:ext uri="{FF2B5EF4-FFF2-40B4-BE49-F238E27FC236}">
+                <a16:creationId xmlns:a16="http://schemas.microsoft.com/office/drawing/2014/main" id="{F2DCDFCB-5FE9-984D-A873-8530818B251D}"/>
+              </a:ext>
+            </a:extLst>
+          </p:cNvPr>
+          <p:cNvCxnSpPr>
+            <a:endCxn id="2" idx="2"/>
+          </p:cNvCxnSpPr>
+          <p:nvPr/>
+        </p:nvCxnSpPr>
+        <p:spPr>
+          <a:xfrm>
+            <a:off x="7651102" y="3165596"/>
+            <a:ext cx="1371600" cy="53466"/>
+          </a:xfrm>
+          <a:prstGeom prst="straightConnector1">
+            <a:avLst/>
+          </a:prstGeom>
+          <a:ln>
+            <a:tailEnd type="triangle"/>
+          </a:ln>
+        </p:spPr>
+        <p:style>
+          <a:lnRef idx="1">
+            <a:schemeClr val="accent1"/>
+          </a:lnRef>
+          <a:fillRef idx="0">
+            <a:schemeClr val="accent1"/>
+          </a:fillRef>
+          <a:effectRef idx="0">
+            <a:schemeClr val="accent1"/>
+          </a:effectRef>
+          <a:fontRef idx="minor">
+            <a:schemeClr val="tx1"/>
+          </a:fontRef>
+        </p:style>
+      </p:cxnSp>
+      <p:cxnSp>
+        <p:nvCxnSpPr>
+          <p:cNvPr id="26" name="Straight Arrow Connector 25">
+            <a:extLst>
+              <a:ext uri="{FF2B5EF4-FFF2-40B4-BE49-F238E27FC236}">
+                <a16:creationId xmlns:a16="http://schemas.microsoft.com/office/drawing/2014/main" id="{9BF9B688-B082-6A64-AE39-00DE9987ADD7}"/>
+              </a:ext>
+            </a:extLst>
+          </p:cNvPr>
+          <p:cNvCxnSpPr>
+            <a:endCxn id="2" idx="2"/>
+          </p:cNvCxnSpPr>
+          <p:nvPr/>
+        </p:nvCxnSpPr>
+        <p:spPr>
+          <a:xfrm flipV="1">
+            <a:off x="7651102" y="3219062"/>
+            <a:ext cx="1371600" cy="341824"/>
+          </a:xfrm>
+          <a:prstGeom prst="straightConnector1">
+            <a:avLst/>
+          </a:prstGeom>
+          <a:ln>
+            <a:tailEnd type="triangle"/>
+          </a:ln>
+        </p:spPr>
+        <p:style>
+          <a:lnRef idx="1">
+            <a:schemeClr val="accent1"/>
+          </a:lnRef>
+          <a:fillRef idx="0">
+            <a:schemeClr val="accent1"/>
+          </a:fillRef>
+          <a:effectRef idx="0">
+            <a:schemeClr val="accent1"/>
+          </a:effectRef>
+          <a:fontRef idx="minor">
+            <a:schemeClr val="tx1"/>
+          </a:fontRef>
+        </p:style>
+      </p:cxnSp>
+      <p:cxnSp>
+        <p:nvCxnSpPr>
+          <p:cNvPr id="28" name="Straight Arrow Connector 27">
+            <a:extLst>
+              <a:ext uri="{FF2B5EF4-FFF2-40B4-BE49-F238E27FC236}">
+                <a16:creationId xmlns:a16="http://schemas.microsoft.com/office/drawing/2014/main" id="{27523AE0-2D8B-9485-26F0-EC582A728BB7}"/>
+              </a:ext>
+            </a:extLst>
+          </p:cNvPr>
+          <p:cNvCxnSpPr>
+            <a:endCxn id="2" idx="2"/>
+          </p:cNvCxnSpPr>
+          <p:nvPr/>
+        </p:nvCxnSpPr>
+        <p:spPr>
+          <a:xfrm flipV="1">
+            <a:off x="7828384" y="3219062"/>
+            <a:ext cx="1194318" cy="615822"/>
+          </a:xfrm>
+          <a:prstGeom prst="straightConnector1">
+            <a:avLst/>
+          </a:prstGeom>
+          <a:ln>
+            <a:tailEnd type="triangle"/>
+          </a:ln>
+        </p:spPr>
+        <p:style>
+          <a:lnRef idx="1">
+            <a:schemeClr val="accent1"/>
+          </a:lnRef>
+          <a:fillRef idx="0">
+            <a:schemeClr val="accent1"/>
+          </a:fillRef>
+          <a:effectRef idx="0">
+            <a:schemeClr val="accent1"/>
+          </a:effectRef>
+          <a:fontRef idx="minor">
+            <a:schemeClr val="tx1"/>
+          </a:fontRef>
+        </p:style>
+      </p:cxnSp>
+      <p:cxnSp>
+        <p:nvCxnSpPr>
+          <p:cNvPr id="30" name="Straight Arrow Connector 29">
+            <a:extLst>
+              <a:ext uri="{FF2B5EF4-FFF2-40B4-BE49-F238E27FC236}">
+                <a16:creationId xmlns:a16="http://schemas.microsoft.com/office/drawing/2014/main" id="{B7480F95-26EB-638A-28D2-2EE92773367D}"/>
+              </a:ext>
+            </a:extLst>
+          </p:cNvPr>
+          <p:cNvCxnSpPr>
+            <a:endCxn id="2" idx="2"/>
+          </p:cNvCxnSpPr>
+          <p:nvPr/>
+        </p:nvCxnSpPr>
+        <p:spPr>
+          <a:xfrm flipV="1">
+            <a:off x="7959012" y="3219062"/>
+            <a:ext cx="1063690" cy="746448"/>
+          </a:xfrm>
+          <a:prstGeom prst="straightConnector1">
+            <a:avLst/>
+          </a:prstGeom>
+          <a:ln>
+            <a:tailEnd type="triangle"/>
+          </a:ln>
+        </p:spPr>
+        <p:style>
+          <a:lnRef idx="1">
+            <a:schemeClr val="accent1"/>
+          </a:lnRef>
+          <a:fillRef idx="0">
+            <a:schemeClr val="accent1"/>
+          </a:fillRef>
+          <a:effectRef idx="0">
+            <a:schemeClr val="accent1"/>
+          </a:effectRef>
+          <a:fontRef idx="minor">
+            <a:schemeClr val="tx1"/>
+          </a:fontRef>
+        </p:style>
+      </p:cxnSp>
+      <p:sp>
+        <p:nvSpPr>
+          <p:cNvPr id="31" name="Rectangle 30">
+            <a:extLst>
+              <a:ext uri="{FF2B5EF4-FFF2-40B4-BE49-F238E27FC236}">
+                <a16:creationId xmlns:a16="http://schemas.microsoft.com/office/drawing/2014/main" id="{079EE166-4021-BAC4-4B5C-C69ACFFA16EC}"/>
+              </a:ext>
+            </a:extLst>
+          </p:cNvPr>
+          <p:cNvSpPr/>
+          <p:nvPr/>
+        </p:nvSpPr>
+        <p:spPr>
+          <a:xfrm>
+            <a:off x="6018245" y="2239350"/>
+            <a:ext cx="1073020" cy="2159262"/>
+          </a:xfrm>
+          <a:prstGeom prst="rect">
+            <a:avLst/>
+          </a:prstGeom>
+        </p:spPr>
+        <p:style>
+          <a:lnRef idx="2">
+            <a:schemeClr val="accent1">
+              <a:shade val="15000"/>
+            </a:schemeClr>
+          </a:lnRef>
+          <a:fillRef idx="1">
+            <a:schemeClr val="accent1"/>
+          </a:fillRef>
+          <a:effectRef idx="0">
+            <a:schemeClr val="accent1"/>
+          </a:effectRef>
+          <a:fontRef idx="minor">
+            <a:schemeClr val="lt1"/>
+          </a:fontRef>
+        </p:style>
+        <p:txBody>
+          <a:bodyPr rtlCol="0" anchor="ctr"/>
+          <a:lstStyle/>
+          <a:p>
+            <a:pPr algn="ctr"/>
+            <a:r>
+              <a:rPr lang="en-IN" dirty="0"/>
+              <a:t>A</a:t>
+            </a:r>
+          </a:p>
+          <a:p>
+            <a:pPr algn="ctr"/>
+            <a:r>
+              <a:rPr lang="en-IN" dirty="0"/>
+              <a:t>P</a:t>
+            </a:r>
+            <a:br>
+              <a:rPr lang="en-IN" dirty="0"/>
+            </a:br>
+            <a:r>
+              <a:rPr lang="en-IN" dirty="0"/>
+              <a:t>I</a:t>
+            </a:r>
+            <a:endParaRPr lang="en-US" dirty="0"/>
+          </a:p>
+        </p:txBody>
+      </p:sp>
+      <p:cxnSp>
+        <p:nvCxnSpPr>
+          <p:cNvPr id="35" name="Connector: Elbow 34">
+            <a:extLst>
+              <a:ext uri="{FF2B5EF4-FFF2-40B4-BE49-F238E27FC236}">
+                <a16:creationId xmlns:a16="http://schemas.microsoft.com/office/drawing/2014/main" id="{96C7AD43-D152-1A22-B796-8AF3756B8282}"/>
+              </a:ext>
+            </a:extLst>
+          </p:cNvPr>
+          <p:cNvCxnSpPr>
+            <a:stCxn id="31" idx="0"/>
+            <a:endCxn id="2" idx="1"/>
+          </p:cNvCxnSpPr>
+          <p:nvPr/>
+        </p:nvCxnSpPr>
+        <p:spPr>
+          <a:xfrm rot="16200000" flipH="1">
+            <a:off x="8411548" y="382557"/>
+            <a:ext cx="9328" cy="3722915"/>
+          </a:xfrm>
+          <a:prstGeom prst="bentConnector3">
+            <a:avLst>
+              <a:gd name="adj1" fmla="val -2450686"/>
+            </a:avLst>
+          </a:prstGeom>
+          <a:ln>
+            <a:tailEnd type="triangle"/>
+          </a:ln>
+        </p:spPr>
+        <p:style>
+          <a:lnRef idx="1">
+            <a:schemeClr val="accent1"/>
+          </a:lnRef>
+          <a:fillRef idx="0">
+            <a:schemeClr val="accent1"/>
+          </a:fillRef>
+          <a:effectRef idx="0">
+            <a:schemeClr val="accent1"/>
+          </a:effectRef>
+          <a:fontRef idx="minor">
+            <a:schemeClr val="tx1"/>
+          </a:fontRef>
+        </p:style>
+      </p:cxnSp>
+      <p:cxnSp>
+        <p:nvCxnSpPr>
+          <p:cNvPr id="37" name="Connector: Elbow 36">
+            <a:extLst>
+              <a:ext uri="{FF2B5EF4-FFF2-40B4-BE49-F238E27FC236}">
+                <a16:creationId xmlns:a16="http://schemas.microsoft.com/office/drawing/2014/main" id="{16E9F2FC-F2E6-1BF5-81E0-4C95B743EEAD}"/>
+              </a:ext>
+            </a:extLst>
+          </p:cNvPr>
+          <p:cNvCxnSpPr>
+            <a:stCxn id="2" idx="3"/>
+            <a:endCxn id="31" idx="2"/>
+          </p:cNvCxnSpPr>
+          <p:nvPr/>
+        </p:nvCxnSpPr>
+        <p:spPr>
+          <a:xfrm rot="5400000">
+            <a:off x="8311630" y="2432571"/>
+            <a:ext cx="209167" cy="3722915"/>
+          </a:xfrm>
+          <a:prstGeom prst="bentConnector3">
+            <a:avLst>
+              <a:gd name="adj1" fmla="val 209291"/>
+            </a:avLst>
+          </a:prstGeom>
+          <a:ln>
+            <a:tailEnd type="triangle"/>
+          </a:ln>
+        </p:spPr>
+        <p:style>
+          <a:lnRef idx="1">
+            <a:schemeClr val="accent1"/>
+          </a:lnRef>
+          <a:fillRef idx="0">
+            <a:schemeClr val="accent1"/>
+          </a:fillRef>
+          <a:effectRef idx="0">
+            <a:schemeClr val="accent1"/>
+          </a:effectRef>
+          <a:fontRef idx="minor">
+            <a:schemeClr val="tx1"/>
+          </a:fontRef>
+        </p:style>
+      </p:cxnSp>
+      <p:sp>
+        <p:nvSpPr>
+          <p:cNvPr id="38" name="Flowchart: Predefined Process 37">
+            <a:extLst>
+              <a:ext uri="{FF2B5EF4-FFF2-40B4-BE49-F238E27FC236}">
+                <a16:creationId xmlns:a16="http://schemas.microsoft.com/office/drawing/2014/main" id="{710D2088-94C9-EAB5-8E28-1D52EB3B2FFE}"/>
+              </a:ext>
+            </a:extLst>
+          </p:cNvPr>
+          <p:cNvSpPr/>
+          <p:nvPr/>
+        </p:nvSpPr>
+        <p:spPr>
+          <a:xfrm>
+            <a:off x="9358603" y="3754799"/>
+            <a:ext cx="1147665" cy="369332"/>
+          </a:xfrm>
+          <a:prstGeom prst="flowChartPredefinedProcess">
+            <a:avLst/>
+          </a:prstGeom>
+          <a:solidFill>
+            <a:srgbClr val="FFFF00"/>
+          </a:solidFill>
+        </p:spPr>
+        <p:style>
+          <a:lnRef idx="2">
+            <a:schemeClr val="accent1">
+              <a:shade val="15000"/>
+            </a:schemeClr>
+          </a:lnRef>
+          <a:fillRef idx="1">
+            <a:schemeClr val="accent1"/>
+          </a:fillRef>
+          <a:effectRef idx="0">
+            <a:schemeClr val="accent1"/>
+          </a:effectRef>
+          <a:fontRef idx="minor">
+            <a:schemeClr val="lt1"/>
+          </a:fontRef>
+        </p:style>
+        <p:txBody>
+          <a:bodyPr rtlCol="0" anchor="ctr"/>
+          <a:lstStyle/>
+          <a:p>
+            <a:pPr algn="ctr"/>
+            <a:endParaRPr lang="en-US"/>
+          </a:p>
+        </p:txBody>
+      </p:sp>
+      <p:cxnSp>
+        <p:nvCxnSpPr>
+          <p:cNvPr id="40" name="Straight Connector 39">
+            <a:extLst>
+              <a:ext uri="{FF2B5EF4-FFF2-40B4-BE49-F238E27FC236}">
+                <a16:creationId xmlns:a16="http://schemas.microsoft.com/office/drawing/2014/main" id="{ABBBBBB3-2ABC-D419-3D82-23ECAF4F5D30}"/>
+              </a:ext>
+            </a:extLst>
+          </p:cNvPr>
+          <p:cNvCxnSpPr>
+            <a:stCxn id="38" idx="0"/>
+            <a:endCxn id="38" idx="2"/>
+          </p:cNvCxnSpPr>
+          <p:nvPr/>
+        </p:nvCxnSpPr>
+        <p:spPr>
+          <a:xfrm>
+            <a:off x="9932436" y="3754799"/>
+            <a:ext cx="0" cy="369332"/>
+          </a:xfrm>
+          <a:prstGeom prst="line">
+            <a:avLst/>
+          </a:prstGeom>
+        </p:spPr>
+        <p:style>
+          <a:lnRef idx="1">
+            <a:schemeClr val="accent1"/>
+          </a:lnRef>
+          <a:fillRef idx="0">
+            <a:schemeClr val="accent1"/>
+          </a:fillRef>
+          <a:effectRef idx="0">
+            <a:schemeClr val="accent1"/>
+          </a:effectRef>
+          <a:fontRef idx="minor">
+            <a:schemeClr val="tx1"/>
+          </a:fontRef>
+        </p:style>
+      </p:cxnSp>
+    </p:spTree>
+    <p:extLst>
+      <p:ext uri="{BB962C8B-B14F-4D97-AF65-F5344CB8AC3E}">
+        <p14:creationId xmlns:p14="http://schemas.microsoft.com/office/powerpoint/2010/main" val="3299353772"/>
+      </p:ext>
+    </p:extLst>
+  </p:cSld>
+  <p:clrMapOvr>
+    <a:masterClrMapping/>
+  </p:clrMapOvr>
+</p:sld>
+</file>
+
+<file path=ppt/slides/slide23.xml><?xml version="1.0" encoding="utf-8"?>
+<p:sld xmlns:a="http://schemas.openxmlformats.org/drawingml/2006/main" xmlns:r="http://schemas.openxmlformats.org/officeDocument/2006/relationships" xmlns:p="http://schemas.openxmlformats.org/presentationml/2006/main">
+  <p:cSld>
+    <p:spTree>
+      <p:nvGrpSpPr>
+        <p:cNvPr id="1" name=""/>
+        <p:cNvGrpSpPr/>
+        <p:nvPr/>
+      </p:nvGrpSpPr>
+      <p:grpSpPr>
+        <a:xfrm>
+          <a:off x="0" y="0"/>
+          <a:ext cx="0" cy="0"/>
+          <a:chOff x="0" y="0"/>
+          <a:chExt cx="0" cy="0"/>
+        </a:xfrm>
+      </p:grpSpPr>
+      <p:sp>
+        <p:nvSpPr>
+          <p:cNvPr id="2" name="Rectangle 1">
+            <a:extLst>
+              <a:ext uri="{FF2B5EF4-FFF2-40B4-BE49-F238E27FC236}">
+                <a16:creationId xmlns:a16="http://schemas.microsoft.com/office/drawing/2014/main" id="{BAC7CB0B-070E-2638-CD4E-6EE6CA0BDBDE}"/>
+              </a:ext>
+            </a:extLst>
+          </p:cNvPr>
+          <p:cNvSpPr/>
+          <p:nvPr/>
+        </p:nvSpPr>
+        <p:spPr>
+          <a:xfrm>
+            <a:off x="485192" y="5290457"/>
+            <a:ext cx="11485984" cy="746449"/>
+          </a:xfrm>
+          <a:prstGeom prst="rect">
+            <a:avLst/>
+          </a:prstGeom>
+          <a:solidFill>
+            <a:srgbClr val="FF0000"/>
+          </a:solidFill>
+        </p:spPr>
+        <p:style>
+          <a:lnRef idx="2">
+            <a:schemeClr val="accent1">
+              <a:shade val="15000"/>
+            </a:schemeClr>
+          </a:lnRef>
+          <a:fillRef idx="1">
+            <a:schemeClr val="accent1"/>
+          </a:fillRef>
+          <a:effectRef idx="0">
+            <a:schemeClr val="accent1"/>
+          </a:effectRef>
+          <a:fontRef idx="minor">
+            <a:schemeClr val="lt1"/>
+          </a:fontRef>
+        </p:style>
+        <p:txBody>
+          <a:bodyPr rtlCol="0" anchor="ctr"/>
+          <a:lstStyle/>
+          <a:p>
+            <a:pPr algn="ctr"/>
+            <a:r>
+              <a:rPr lang="en-IN" sz="2800" b="1" dirty="0"/>
+              <a:t>OS</a:t>
+            </a:r>
+            <a:endParaRPr lang="en-US" sz="2800" b="1" dirty="0"/>
+          </a:p>
+        </p:txBody>
+      </p:sp>
+      <p:sp>
+        <p:nvSpPr>
+          <p:cNvPr id="3" name="Rectangle 2">
+            <a:extLst>
+              <a:ext uri="{FF2B5EF4-FFF2-40B4-BE49-F238E27FC236}">
+                <a16:creationId xmlns:a16="http://schemas.microsoft.com/office/drawing/2014/main" id="{EA480D76-B4D2-D227-084F-EB37C38F0ACF}"/>
+              </a:ext>
+            </a:extLst>
+          </p:cNvPr>
+          <p:cNvSpPr/>
+          <p:nvPr/>
+        </p:nvSpPr>
+        <p:spPr>
+          <a:xfrm>
+            <a:off x="485192" y="6055567"/>
+            <a:ext cx="11485984" cy="746449"/>
+          </a:xfrm>
+          <a:prstGeom prst="rect">
+            <a:avLst/>
+          </a:prstGeom>
+        </p:spPr>
+        <p:style>
+          <a:lnRef idx="2">
+            <a:schemeClr val="accent1">
+              <a:shade val="15000"/>
+            </a:schemeClr>
+          </a:lnRef>
+          <a:fillRef idx="1">
+            <a:schemeClr val="accent1"/>
+          </a:fillRef>
+          <a:effectRef idx="0">
+            <a:schemeClr val="accent1"/>
+          </a:effectRef>
+          <a:fontRef idx="minor">
+            <a:schemeClr val="lt1"/>
+          </a:fontRef>
+        </p:style>
+        <p:txBody>
+          <a:bodyPr rtlCol="0" anchor="ctr"/>
+          <a:lstStyle/>
+          <a:p>
+            <a:pPr algn="ctr"/>
+            <a:r>
+              <a:rPr lang="en-IN" sz="2800" b="1" dirty="0"/>
+              <a:t>Kernel</a:t>
+            </a:r>
+            <a:endParaRPr lang="en-US" sz="2800" b="1" dirty="0"/>
+          </a:p>
+        </p:txBody>
+      </p:sp>
+      <p:cxnSp>
+        <p:nvCxnSpPr>
+          <p:cNvPr id="5" name="Straight Arrow Connector 4">
+            <a:extLst>
+              <a:ext uri="{FF2B5EF4-FFF2-40B4-BE49-F238E27FC236}">
+                <a16:creationId xmlns:a16="http://schemas.microsoft.com/office/drawing/2014/main" id="{CFEFC94F-D387-865C-7CD1-D87791C0AAA9}"/>
+              </a:ext>
+            </a:extLst>
+          </p:cNvPr>
+          <p:cNvCxnSpPr/>
+          <p:nvPr/>
+        </p:nvCxnSpPr>
+        <p:spPr>
+          <a:xfrm flipV="1">
+            <a:off x="2043404" y="5579706"/>
+            <a:ext cx="0" cy="755780"/>
+          </a:xfrm>
+          <a:prstGeom prst="straightConnector1">
+            <a:avLst/>
+          </a:prstGeom>
+          <a:ln>
+            <a:solidFill>
+              <a:srgbClr val="FFFF00"/>
+            </a:solidFill>
+            <a:tailEnd type="triangle"/>
+          </a:ln>
+        </p:spPr>
+        <p:style>
+          <a:lnRef idx="1">
+            <a:schemeClr val="accent1"/>
+          </a:lnRef>
+          <a:fillRef idx="0">
+            <a:schemeClr val="accent1"/>
+          </a:fillRef>
+          <a:effectRef idx="0">
+            <a:schemeClr val="accent1"/>
+          </a:effectRef>
+          <a:fontRef idx="minor">
+            <a:schemeClr val="tx1"/>
+          </a:fontRef>
+        </p:style>
+      </p:cxnSp>
+      <p:cxnSp>
+        <p:nvCxnSpPr>
+          <p:cNvPr id="6" name="Straight Arrow Connector 5">
+            <a:extLst>
+              <a:ext uri="{FF2B5EF4-FFF2-40B4-BE49-F238E27FC236}">
+                <a16:creationId xmlns:a16="http://schemas.microsoft.com/office/drawing/2014/main" id="{2ECD3012-D105-6B26-E90C-CACCD93D12D7}"/>
+              </a:ext>
+            </a:extLst>
+          </p:cNvPr>
+          <p:cNvCxnSpPr/>
+          <p:nvPr/>
+        </p:nvCxnSpPr>
+        <p:spPr>
+          <a:xfrm flipV="1">
+            <a:off x="4257870" y="5659016"/>
+            <a:ext cx="0" cy="755780"/>
+          </a:xfrm>
+          <a:prstGeom prst="straightConnector1">
+            <a:avLst/>
+          </a:prstGeom>
+          <a:ln>
+            <a:solidFill>
+              <a:srgbClr val="FFFF00"/>
+            </a:solidFill>
+            <a:tailEnd type="triangle"/>
+          </a:ln>
+        </p:spPr>
+        <p:style>
+          <a:lnRef idx="1">
+            <a:schemeClr val="accent1"/>
+          </a:lnRef>
+          <a:fillRef idx="0">
+            <a:schemeClr val="accent1"/>
+          </a:fillRef>
+          <a:effectRef idx="0">
+            <a:schemeClr val="accent1"/>
+          </a:effectRef>
+          <a:fontRef idx="minor">
+            <a:schemeClr val="tx1"/>
+          </a:fontRef>
+        </p:style>
+      </p:cxnSp>
+      <p:cxnSp>
+        <p:nvCxnSpPr>
+          <p:cNvPr id="7" name="Straight Arrow Connector 6">
+            <a:extLst>
+              <a:ext uri="{FF2B5EF4-FFF2-40B4-BE49-F238E27FC236}">
+                <a16:creationId xmlns:a16="http://schemas.microsoft.com/office/drawing/2014/main" id="{6B34F8B9-C10C-A1ED-0CBD-A08F06C17A75}"/>
+              </a:ext>
+            </a:extLst>
+          </p:cNvPr>
+          <p:cNvCxnSpPr/>
+          <p:nvPr/>
+        </p:nvCxnSpPr>
+        <p:spPr>
+          <a:xfrm flipV="1">
+            <a:off x="2858278" y="5579706"/>
+            <a:ext cx="0" cy="755780"/>
+          </a:xfrm>
+          <a:prstGeom prst="straightConnector1">
+            <a:avLst/>
+          </a:prstGeom>
+          <a:ln>
+            <a:solidFill>
+              <a:srgbClr val="FFFF00"/>
+            </a:solidFill>
+            <a:tailEnd type="triangle"/>
+          </a:ln>
+        </p:spPr>
+        <p:style>
+          <a:lnRef idx="1">
+            <a:schemeClr val="accent1"/>
+          </a:lnRef>
+          <a:fillRef idx="0">
+            <a:schemeClr val="accent1"/>
+          </a:fillRef>
+          <a:effectRef idx="0">
+            <a:schemeClr val="accent1"/>
+          </a:effectRef>
+          <a:fontRef idx="minor">
+            <a:schemeClr val="tx1"/>
+          </a:fontRef>
+        </p:style>
+      </p:cxnSp>
+      <p:cxnSp>
+        <p:nvCxnSpPr>
+          <p:cNvPr id="8" name="Straight Arrow Connector 7">
+            <a:extLst>
+              <a:ext uri="{FF2B5EF4-FFF2-40B4-BE49-F238E27FC236}">
+                <a16:creationId xmlns:a16="http://schemas.microsoft.com/office/drawing/2014/main" id="{30804929-3AFE-B96D-2285-7169DD0B2CD1}"/>
+              </a:ext>
+            </a:extLst>
+          </p:cNvPr>
+          <p:cNvCxnSpPr/>
+          <p:nvPr/>
+        </p:nvCxnSpPr>
+        <p:spPr>
+          <a:xfrm flipV="1">
+            <a:off x="3579845" y="5579706"/>
+            <a:ext cx="0" cy="755780"/>
+          </a:xfrm>
+          <a:prstGeom prst="straightConnector1">
+            <a:avLst/>
+          </a:prstGeom>
+          <a:ln>
+            <a:solidFill>
+              <a:srgbClr val="FFFF00"/>
+            </a:solidFill>
+            <a:tailEnd type="triangle"/>
+          </a:ln>
+        </p:spPr>
+        <p:style>
+          <a:lnRef idx="1">
+            <a:schemeClr val="accent1"/>
+          </a:lnRef>
+          <a:fillRef idx="0">
+            <a:schemeClr val="accent1"/>
+          </a:fillRef>
+          <a:effectRef idx="0">
+            <a:schemeClr val="accent1"/>
+          </a:effectRef>
+          <a:fontRef idx="minor">
+            <a:schemeClr val="tx1"/>
+          </a:fontRef>
+        </p:style>
+      </p:cxnSp>
+      <p:cxnSp>
+        <p:nvCxnSpPr>
+          <p:cNvPr id="9" name="Straight Arrow Connector 8">
+            <a:extLst>
+              <a:ext uri="{FF2B5EF4-FFF2-40B4-BE49-F238E27FC236}">
+                <a16:creationId xmlns:a16="http://schemas.microsoft.com/office/drawing/2014/main" id="{2BEC5990-F695-6F40-AC30-99D77C2246C3}"/>
+              </a:ext>
+            </a:extLst>
+          </p:cNvPr>
+          <p:cNvCxnSpPr/>
+          <p:nvPr/>
+        </p:nvCxnSpPr>
+        <p:spPr>
+          <a:xfrm flipV="1">
+            <a:off x="6814457" y="5579706"/>
+            <a:ext cx="0" cy="755780"/>
+          </a:xfrm>
+          <a:prstGeom prst="straightConnector1">
+            <a:avLst/>
+          </a:prstGeom>
+          <a:ln>
+            <a:solidFill>
+              <a:srgbClr val="FFFF00"/>
+            </a:solidFill>
+            <a:tailEnd type="triangle"/>
+          </a:ln>
+        </p:spPr>
+        <p:style>
+          <a:lnRef idx="1">
+            <a:schemeClr val="accent1"/>
+          </a:lnRef>
+          <a:fillRef idx="0">
+            <a:schemeClr val="accent1"/>
+          </a:fillRef>
+          <a:effectRef idx="0">
+            <a:schemeClr val="accent1"/>
+          </a:effectRef>
+          <a:fontRef idx="minor">
+            <a:schemeClr val="tx1"/>
+          </a:fontRef>
+        </p:style>
+      </p:cxnSp>
+      <p:cxnSp>
+        <p:nvCxnSpPr>
+          <p:cNvPr id="10" name="Straight Arrow Connector 9">
+            <a:extLst>
+              <a:ext uri="{FF2B5EF4-FFF2-40B4-BE49-F238E27FC236}">
+                <a16:creationId xmlns:a16="http://schemas.microsoft.com/office/drawing/2014/main" id="{0145228F-850B-C7E5-D2CA-9BF850A3E0BD}"/>
+              </a:ext>
+            </a:extLst>
+          </p:cNvPr>
+          <p:cNvCxnSpPr/>
+          <p:nvPr/>
+        </p:nvCxnSpPr>
+        <p:spPr>
+          <a:xfrm flipV="1">
+            <a:off x="9028923" y="5659016"/>
+            <a:ext cx="0" cy="755780"/>
+          </a:xfrm>
+          <a:prstGeom prst="straightConnector1">
+            <a:avLst/>
+          </a:prstGeom>
+          <a:ln>
+            <a:solidFill>
+              <a:srgbClr val="FFFF00"/>
+            </a:solidFill>
+            <a:tailEnd type="triangle"/>
+          </a:ln>
+        </p:spPr>
+        <p:style>
+          <a:lnRef idx="1">
+            <a:schemeClr val="accent1"/>
+          </a:lnRef>
+          <a:fillRef idx="0">
+            <a:schemeClr val="accent1"/>
+          </a:fillRef>
+          <a:effectRef idx="0">
+            <a:schemeClr val="accent1"/>
+          </a:effectRef>
+          <a:fontRef idx="minor">
+            <a:schemeClr val="tx1"/>
+          </a:fontRef>
+        </p:style>
+      </p:cxnSp>
+      <p:cxnSp>
+        <p:nvCxnSpPr>
+          <p:cNvPr id="11" name="Straight Arrow Connector 10">
+            <a:extLst>
+              <a:ext uri="{FF2B5EF4-FFF2-40B4-BE49-F238E27FC236}">
+                <a16:creationId xmlns:a16="http://schemas.microsoft.com/office/drawing/2014/main" id="{7A58CDA7-24AE-BB98-FE4E-9FC7C30F4EA2}"/>
+              </a:ext>
+            </a:extLst>
+          </p:cNvPr>
+          <p:cNvCxnSpPr/>
+          <p:nvPr/>
+        </p:nvCxnSpPr>
+        <p:spPr>
+          <a:xfrm flipV="1">
+            <a:off x="7629331" y="5579706"/>
+            <a:ext cx="0" cy="755780"/>
+          </a:xfrm>
+          <a:prstGeom prst="straightConnector1">
+            <a:avLst/>
+          </a:prstGeom>
+          <a:ln>
+            <a:solidFill>
+              <a:srgbClr val="FFFF00"/>
+            </a:solidFill>
+            <a:tailEnd type="triangle"/>
+          </a:ln>
+        </p:spPr>
+        <p:style>
+          <a:lnRef idx="1">
+            <a:schemeClr val="accent1"/>
+          </a:lnRef>
+          <a:fillRef idx="0">
+            <a:schemeClr val="accent1"/>
+          </a:fillRef>
+          <a:effectRef idx="0">
+            <a:schemeClr val="accent1"/>
+          </a:effectRef>
+          <a:fontRef idx="minor">
+            <a:schemeClr val="tx1"/>
+          </a:fontRef>
+        </p:style>
+      </p:cxnSp>
+      <p:cxnSp>
+        <p:nvCxnSpPr>
+          <p:cNvPr id="12" name="Straight Arrow Connector 11">
+            <a:extLst>
+              <a:ext uri="{FF2B5EF4-FFF2-40B4-BE49-F238E27FC236}">
+                <a16:creationId xmlns:a16="http://schemas.microsoft.com/office/drawing/2014/main" id="{7578DBB4-501F-2381-7E3C-43E289008874}"/>
+              </a:ext>
+            </a:extLst>
+          </p:cNvPr>
+          <p:cNvCxnSpPr/>
+          <p:nvPr/>
+        </p:nvCxnSpPr>
+        <p:spPr>
+          <a:xfrm flipV="1">
+            <a:off x="8350898" y="5579706"/>
+            <a:ext cx="0" cy="755780"/>
+          </a:xfrm>
+          <a:prstGeom prst="straightConnector1">
+            <a:avLst/>
+          </a:prstGeom>
+          <a:ln>
+            <a:solidFill>
+              <a:srgbClr val="FFFF00"/>
+            </a:solidFill>
+            <a:tailEnd type="triangle"/>
+          </a:ln>
+        </p:spPr>
+        <p:style>
+          <a:lnRef idx="1">
+            <a:schemeClr val="accent1"/>
+          </a:lnRef>
+          <a:fillRef idx="0">
+            <a:schemeClr val="accent1"/>
+          </a:fillRef>
+          <a:effectRef idx="0">
+            <a:schemeClr val="accent1"/>
+          </a:effectRef>
+          <a:fontRef idx="minor">
+            <a:schemeClr val="tx1"/>
+          </a:fontRef>
+        </p:style>
+      </p:cxnSp>
+      <p:cxnSp>
+        <p:nvCxnSpPr>
+          <p:cNvPr id="13" name="Straight Arrow Connector 12">
+            <a:extLst>
+              <a:ext uri="{FF2B5EF4-FFF2-40B4-BE49-F238E27FC236}">
+                <a16:creationId xmlns:a16="http://schemas.microsoft.com/office/drawing/2014/main" id="{1EAC5227-CDD0-0F34-590B-57C8F5FFA527}"/>
+              </a:ext>
+            </a:extLst>
+          </p:cNvPr>
+          <p:cNvCxnSpPr/>
+          <p:nvPr/>
+        </p:nvCxnSpPr>
+        <p:spPr>
+          <a:xfrm flipV="1">
+            <a:off x="9514114" y="5677677"/>
+            <a:ext cx="0" cy="755780"/>
+          </a:xfrm>
+          <a:prstGeom prst="straightConnector1">
+            <a:avLst/>
+          </a:prstGeom>
+          <a:ln>
+            <a:solidFill>
+              <a:srgbClr val="FFFF00"/>
+            </a:solidFill>
+            <a:tailEnd type="triangle"/>
+          </a:ln>
+        </p:spPr>
+        <p:style>
+          <a:lnRef idx="1">
+            <a:schemeClr val="accent1"/>
+          </a:lnRef>
+          <a:fillRef idx="0">
+            <a:schemeClr val="accent1"/>
+          </a:fillRef>
+          <a:effectRef idx="0">
+            <a:schemeClr val="accent1"/>
+          </a:effectRef>
+          <a:fontRef idx="minor">
+            <a:schemeClr val="tx1"/>
+          </a:fontRef>
+        </p:style>
+      </p:cxnSp>
+      <p:cxnSp>
+        <p:nvCxnSpPr>
+          <p:cNvPr id="14" name="Straight Arrow Connector 13">
+            <a:extLst>
+              <a:ext uri="{FF2B5EF4-FFF2-40B4-BE49-F238E27FC236}">
+                <a16:creationId xmlns:a16="http://schemas.microsoft.com/office/drawing/2014/main" id="{5A1F28AC-697C-B104-66AA-F173F70442D2}"/>
+              </a:ext>
+            </a:extLst>
+          </p:cNvPr>
+          <p:cNvCxnSpPr/>
+          <p:nvPr/>
+        </p:nvCxnSpPr>
+        <p:spPr>
+          <a:xfrm flipV="1">
+            <a:off x="11728580" y="5756987"/>
+            <a:ext cx="0" cy="755780"/>
+          </a:xfrm>
+          <a:prstGeom prst="straightConnector1">
+            <a:avLst/>
+          </a:prstGeom>
+          <a:ln>
+            <a:solidFill>
+              <a:srgbClr val="FFFF00"/>
+            </a:solidFill>
+            <a:tailEnd type="triangle"/>
+          </a:ln>
+        </p:spPr>
+        <p:style>
+          <a:lnRef idx="1">
+            <a:schemeClr val="accent1"/>
+          </a:lnRef>
+          <a:fillRef idx="0">
+            <a:schemeClr val="accent1"/>
+          </a:fillRef>
+          <a:effectRef idx="0">
+            <a:schemeClr val="accent1"/>
+          </a:effectRef>
+          <a:fontRef idx="minor">
+            <a:schemeClr val="tx1"/>
+          </a:fontRef>
+        </p:style>
+      </p:cxnSp>
+      <p:cxnSp>
+        <p:nvCxnSpPr>
+          <p:cNvPr id="15" name="Straight Arrow Connector 14">
+            <a:extLst>
+              <a:ext uri="{FF2B5EF4-FFF2-40B4-BE49-F238E27FC236}">
+                <a16:creationId xmlns:a16="http://schemas.microsoft.com/office/drawing/2014/main" id="{1D0C1CF3-E361-7848-0276-5E360F52FEBD}"/>
+              </a:ext>
+            </a:extLst>
+          </p:cNvPr>
+          <p:cNvCxnSpPr/>
+          <p:nvPr/>
+        </p:nvCxnSpPr>
+        <p:spPr>
+          <a:xfrm flipV="1">
+            <a:off x="10328988" y="5677677"/>
+            <a:ext cx="0" cy="755780"/>
+          </a:xfrm>
+          <a:prstGeom prst="straightConnector1">
+            <a:avLst/>
+          </a:prstGeom>
+          <a:ln>
+            <a:solidFill>
+              <a:srgbClr val="FFFF00"/>
+            </a:solidFill>
+            <a:tailEnd type="triangle"/>
+          </a:ln>
+        </p:spPr>
+        <p:style>
+          <a:lnRef idx="1">
+            <a:schemeClr val="accent1"/>
+          </a:lnRef>
+          <a:fillRef idx="0">
+            <a:schemeClr val="accent1"/>
+          </a:fillRef>
+          <a:effectRef idx="0">
+            <a:schemeClr val="accent1"/>
+          </a:effectRef>
+          <a:fontRef idx="minor">
+            <a:schemeClr val="tx1"/>
+          </a:fontRef>
+        </p:style>
+      </p:cxnSp>
+      <p:cxnSp>
+        <p:nvCxnSpPr>
+          <p:cNvPr id="16" name="Straight Arrow Connector 15">
+            <a:extLst>
+              <a:ext uri="{FF2B5EF4-FFF2-40B4-BE49-F238E27FC236}">
+                <a16:creationId xmlns:a16="http://schemas.microsoft.com/office/drawing/2014/main" id="{7CA26BE7-5F50-428C-5F72-57A8092AB4EE}"/>
+              </a:ext>
+            </a:extLst>
+          </p:cNvPr>
+          <p:cNvCxnSpPr/>
+          <p:nvPr/>
+        </p:nvCxnSpPr>
+        <p:spPr>
+          <a:xfrm flipV="1">
+            <a:off x="11050555" y="5677677"/>
+            <a:ext cx="0" cy="755780"/>
+          </a:xfrm>
+          <a:prstGeom prst="straightConnector1">
+            <a:avLst/>
+          </a:prstGeom>
+          <a:ln>
+            <a:solidFill>
+              <a:srgbClr val="FFFF00"/>
+            </a:solidFill>
+            <a:tailEnd type="triangle"/>
+          </a:ln>
+        </p:spPr>
+        <p:style>
+          <a:lnRef idx="1">
+            <a:schemeClr val="accent1"/>
+          </a:lnRef>
+          <a:fillRef idx="0">
+            <a:schemeClr val="accent1"/>
+          </a:fillRef>
+          <a:effectRef idx="0">
+            <a:schemeClr val="accent1"/>
+          </a:effectRef>
+          <a:fontRef idx="minor">
+            <a:schemeClr val="tx1"/>
+          </a:fontRef>
+        </p:style>
+      </p:cxnSp>
+      <p:cxnSp>
+        <p:nvCxnSpPr>
+          <p:cNvPr id="17" name="Straight Arrow Connector 16">
+            <a:extLst>
+              <a:ext uri="{FF2B5EF4-FFF2-40B4-BE49-F238E27FC236}">
+                <a16:creationId xmlns:a16="http://schemas.microsoft.com/office/drawing/2014/main" id="{B3577971-7106-21BE-981C-3D8551936BEE}"/>
+              </a:ext>
+            </a:extLst>
+          </p:cNvPr>
+          <p:cNvCxnSpPr/>
+          <p:nvPr/>
+        </p:nvCxnSpPr>
+        <p:spPr>
+          <a:xfrm flipV="1">
+            <a:off x="4674637" y="5769427"/>
+            <a:ext cx="0" cy="755780"/>
+          </a:xfrm>
+          <a:prstGeom prst="straightConnector1">
+            <a:avLst/>
+          </a:prstGeom>
+          <a:ln>
+            <a:solidFill>
+              <a:srgbClr val="FFFF00"/>
+            </a:solidFill>
+            <a:tailEnd type="triangle"/>
+          </a:ln>
+        </p:spPr>
+        <p:style>
+          <a:lnRef idx="1">
+            <a:schemeClr val="accent1"/>
+          </a:lnRef>
+          <a:fillRef idx="0">
+            <a:schemeClr val="accent1"/>
+          </a:fillRef>
+          <a:effectRef idx="0">
+            <a:schemeClr val="accent1"/>
+          </a:effectRef>
+          <a:fontRef idx="minor">
+            <a:schemeClr val="tx1"/>
+          </a:fontRef>
+        </p:style>
+      </p:cxnSp>
+      <p:cxnSp>
+        <p:nvCxnSpPr>
+          <p:cNvPr id="18" name="Straight Arrow Connector 17">
+            <a:extLst>
+              <a:ext uri="{FF2B5EF4-FFF2-40B4-BE49-F238E27FC236}">
+                <a16:creationId xmlns:a16="http://schemas.microsoft.com/office/drawing/2014/main" id="{965E4CEF-B518-B053-B722-6D8D7684DF23}"/>
+              </a:ext>
+            </a:extLst>
+          </p:cNvPr>
+          <p:cNvCxnSpPr/>
+          <p:nvPr/>
+        </p:nvCxnSpPr>
+        <p:spPr>
+          <a:xfrm flipV="1">
+            <a:off x="6889103" y="5848737"/>
+            <a:ext cx="0" cy="755780"/>
+          </a:xfrm>
+          <a:prstGeom prst="straightConnector1">
+            <a:avLst/>
+          </a:prstGeom>
+          <a:ln>
+            <a:solidFill>
+              <a:srgbClr val="FFFF00"/>
+            </a:solidFill>
+            <a:tailEnd type="triangle"/>
+          </a:ln>
+        </p:spPr>
+        <p:style>
+          <a:lnRef idx="1">
+            <a:schemeClr val="accent1"/>
+          </a:lnRef>
+          <a:fillRef idx="0">
+            <a:schemeClr val="accent1"/>
+          </a:fillRef>
+          <a:effectRef idx="0">
+            <a:schemeClr val="accent1"/>
+          </a:effectRef>
+          <a:fontRef idx="minor">
+            <a:schemeClr val="tx1"/>
+          </a:fontRef>
+        </p:style>
+      </p:cxnSp>
+      <p:cxnSp>
+        <p:nvCxnSpPr>
+          <p:cNvPr id="19" name="Straight Arrow Connector 18">
+            <a:extLst>
+              <a:ext uri="{FF2B5EF4-FFF2-40B4-BE49-F238E27FC236}">
+                <a16:creationId xmlns:a16="http://schemas.microsoft.com/office/drawing/2014/main" id="{847BE33F-4DFD-1FF2-C884-D116953F1C24}"/>
+              </a:ext>
+            </a:extLst>
+          </p:cNvPr>
+          <p:cNvCxnSpPr/>
+          <p:nvPr/>
+        </p:nvCxnSpPr>
+        <p:spPr>
+          <a:xfrm flipV="1">
+            <a:off x="5489511" y="5769427"/>
+            <a:ext cx="0" cy="755780"/>
+          </a:xfrm>
+          <a:prstGeom prst="straightConnector1">
+            <a:avLst/>
+          </a:prstGeom>
+          <a:ln>
+            <a:solidFill>
+              <a:srgbClr val="FFFF00"/>
+            </a:solidFill>
+            <a:tailEnd type="triangle"/>
+          </a:ln>
+        </p:spPr>
+        <p:style>
+          <a:lnRef idx="1">
+            <a:schemeClr val="accent1"/>
+          </a:lnRef>
+          <a:fillRef idx="0">
+            <a:schemeClr val="accent1"/>
+          </a:fillRef>
+          <a:effectRef idx="0">
+            <a:schemeClr val="accent1"/>
+          </a:effectRef>
+          <a:fontRef idx="minor">
+            <a:schemeClr val="tx1"/>
+          </a:fontRef>
+        </p:style>
+      </p:cxnSp>
+      <p:cxnSp>
+        <p:nvCxnSpPr>
+          <p:cNvPr id="20" name="Straight Arrow Connector 19">
+            <a:extLst>
+              <a:ext uri="{FF2B5EF4-FFF2-40B4-BE49-F238E27FC236}">
+                <a16:creationId xmlns:a16="http://schemas.microsoft.com/office/drawing/2014/main" id="{56DCD911-C3B2-B84A-E3E5-2944DE0E5544}"/>
+              </a:ext>
+            </a:extLst>
+          </p:cNvPr>
+          <p:cNvCxnSpPr/>
+          <p:nvPr/>
+        </p:nvCxnSpPr>
+        <p:spPr>
+          <a:xfrm flipV="1">
+            <a:off x="6211078" y="5769427"/>
+            <a:ext cx="0" cy="755780"/>
+          </a:xfrm>
+          <a:prstGeom prst="straightConnector1">
+            <a:avLst/>
+          </a:prstGeom>
+          <a:ln>
+            <a:solidFill>
+              <a:srgbClr val="FFFF00"/>
+            </a:solidFill>
+            <a:tailEnd type="triangle"/>
+          </a:ln>
+        </p:spPr>
+        <p:style>
+          <a:lnRef idx="1">
+            <a:schemeClr val="accent1"/>
+          </a:lnRef>
+          <a:fillRef idx="0">
+            <a:schemeClr val="accent1"/>
+          </a:fillRef>
+          <a:effectRef idx="0">
+            <a:schemeClr val="accent1"/>
+          </a:effectRef>
+          <a:fontRef idx="minor">
+            <a:schemeClr val="tx1"/>
+          </a:fontRef>
+        </p:style>
+      </p:cxnSp>
+      <p:sp>
+        <p:nvSpPr>
+          <p:cNvPr id="21" name="Rectangle 20">
+            <a:extLst>
+              <a:ext uri="{FF2B5EF4-FFF2-40B4-BE49-F238E27FC236}">
+                <a16:creationId xmlns:a16="http://schemas.microsoft.com/office/drawing/2014/main" id="{3872F841-0BD7-C0BC-DD6D-CEB001730F5B}"/>
+              </a:ext>
+            </a:extLst>
+          </p:cNvPr>
+          <p:cNvSpPr/>
+          <p:nvPr/>
+        </p:nvSpPr>
+        <p:spPr>
+          <a:xfrm>
+            <a:off x="709127" y="3517641"/>
+            <a:ext cx="11019453" cy="1674845"/>
+          </a:xfrm>
+          <a:prstGeom prst="rect">
+            <a:avLst/>
+          </a:prstGeom>
+          <a:solidFill>
+            <a:srgbClr val="002060"/>
+          </a:solidFill>
+          <a:ln>
+            <a:solidFill>
+              <a:srgbClr val="002060"/>
+            </a:solidFill>
+          </a:ln>
+        </p:spPr>
+        <p:style>
+          <a:lnRef idx="2">
+            <a:schemeClr val="accent1">
+              <a:shade val="15000"/>
+            </a:schemeClr>
+          </a:lnRef>
+          <a:fillRef idx="1">
+            <a:schemeClr val="accent1"/>
+          </a:fillRef>
+          <a:effectRef idx="0">
+            <a:schemeClr val="accent1"/>
+          </a:effectRef>
+          <a:fontRef idx="minor">
+            <a:schemeClr val="lt1"/>
+          </a:fontRef>
+        </p:style>
+        <p:txBody>
+          <a:bodyPr rtlCol="0" anchor="ctr"/>
+          <a:lstStyle/>
+          <a:p>
+            <a:pPr algn="ctr"/>
+            <a:endParaRPr lang="en-US"/>
+          </a:p>
+        </p:txBody>
+      </p:sp>
+      <p:sp>
+        <p:nvSpPr>
+          <p:cNvPr id="22" name="TextBox 21">
+            <a:extLst>
+              <a:ext uri="{FF2B5EF4-FFF2-40B4-BE49-F238E27FC236}">
+                <a16:creationId xmlns:a16="http://schemas.microsoft.com/office/drawing/2014/main" id="{E9504826-C7D5-BE27-FDA3-DB38BA41A09C}"/>
+              </a:ext>
+            </a:extLst>
+          </p:cNvPr>
+          <p:cNvSpPr txBox="1"/>
+          <p:nvPr/>
+        </p:nvSpPr>
+        <p:spPr>
+          <a:xfrm>
+            <a:off x="9769151" y="3149082"/>
+            <a:ext cx="1838131" cy="923330"/>
+          </a:xfrm>
+          <a:prstGeom prst="rect">
+            <a:avLst/>
+          </a:prstGeom>
+          <a:noFill/>
+        </p:spPr>
+        <p:txBody>
+          <a:bodyPr wrap="square" rtlCol="0">
+            <a:spAutoFit/>
+          </a:bodyPr>
+          <a:lstStyle/>
+          <a:p>
+            <a:r>
+              <a:rPr lang="en-IN" dirty="0">
+                <a:highlight>
+                  <a:srgbClr val="FFFF00"/>
+                </a:highlight>
+              </a:rPr>
+              <a:t>Process Allocation to various </a:t>
+            </a:r>
+            <a:r>
+              <a:rPr lang="en-IN" dirty="0" err="1">
+                <a:highlight>
+                  <a:srgbClr val="FFFF00"/>
+                </a:highlight>
+              </a:rPr>
+              <a:t>Appl</a:t>
+            </a:r>
+            <a:endParaRPr lang="en-US" dirty="0">
+              <a:highlight>
+                <a:srgbClr val="FFFF00"/>
+              </a:highlight>
+            </a:endParaRPr>
+          </a:p>
+        </p:txBody>
+      </p:sp>
+      <p:cxnSp>
+        <p:nvCxnSpPr>
+          <p:cNvPr id="23" name="Straight Arrow Connector 22">
+            <a:extLst>
+              <a:ext uri="{FF2B5EF4-FFF2-40B4-BE49-F238E27FC236}">
+                <a16:creationId xmlns:a16="http://schemas.microsoft.com/office/drawing/2014/main" id="{ADB55509-BEEF-7653-E113-80C547483EC6}"/>
+              </a:ext>
+            </a:extLst>
+          </p:cNvPr>
+          <p:cNvCxnSpPr/>
+          <p:nvPr/>
+        </p:nvCxnSpPr>
+        <p:spPr>
+          <a:xfrm flipV="1">
+            <a:off x="2261118" y="4649755"/>
+            <a:ext cx="0" cy="755780"/>
+          </a:xfrm>
+          <a:prstGeom prst="straightConnector1">
+            <a:avLst/>
+          </a:prstGeom>
+          <a:ln>
+            <a:solidFill>
+              <a:srgbClr val="FFFF00"/>
+            </a:solidFill>
+            <a:tailEnd type="triangle"/>
+          </a:ln>
+        </p:spPr>
+        <p:style>
+          <a:lnRef idx="1">
+            <a:schemeClr val="accent1"/>
+          </a:lnRef>
+          <a:fillRef idx="0">
+            <a:schemeClr val="accent1"/>
+          </a:fillRef>
+          <a:effectRef idx="0">
+            <a:schemeClr val="accent1"/>
+          </a:effectRef>
+          <a:fontRef idx="minor">
+            <a:schemeClr val="tx1"/>
+          </a:fontRef>
+        </p:style>
+      </p:cxnSp>
+      <p:cxnSp>
+        <p:nvCxnSpPr>
+          <p:cNvPr id="24" name="Straight Arrow Connector 23">
+            <a:extLst>
+              <a:ext uri="{FF2B5EF4-FFF2-40B4-BE49-F238E27FC236}">
+                <a16:creationId xmlns:a16="http://schemas.microsoft.com/office/drawing/2014/main" id="{F855357D-43A6-CA1A-6AF4-09DA6BF1B910}"/>
+              </a:ext>
+            </a:extLst>
+          </p:cNvPr>
+          <p:cNvCxnSpPr/>
+          <p:nvPr/>
+        </p:nvCxnSpPr>
+        <p:spPr>
+          <a:xfrm flipV="1">
+            <a:off x="4475584" y="4729065"/>
+            <a:ext cx="0" cy="755780"/>
+          </a:xfrm>
+          <a:prstGeom prst="straightConnector1">
+            <a:avLst/>
+          </a:prstGeom>
+          <a:ln>
+            <a:solidFill>
+              <a:srgbClr val="FFFF00"/>
+            </a:solidFill>
+            <a:tailEnd type="triangle"/>
+          </a:ln>
+        </p:spPr>
+        <p:style>
+          <a:lnRef idx="1">
+            <a:schemeClr val="accent1"/>
+          </a:lnRef>
+          <a:fillRef idx="0">
+            <a:schemeClr val="accent1"/>
+          </a:fillRef>
+          <a:effectRef idx="0">
+            <a:schemeClr val="accent1"/>
+          </a:effectRef>
+          <a:fontRef idx="minor">
+            <a:schemeClr val="tx1"/>
+          </a:fontRef>
+        </p:style>
+      </p:cxnSp>
+      <p:cxnSp>
+        <p:nvCxnSpPr>
+          <p:cNvPr id="25" name="Straight Arrow Connector 24">
+            <a:extLst>
+              <a:ext uri="{FF2B5EF4-FFF2-40B4-BE49-F238E27FC236}">
+                <a16:creationId xmlns:a16="http://schemas.microsoft.com/office/drawing/2014/main" id="{C069E7FD-F7E6-D301-AE05-6B0FAF735B0C}"/>
+              </a:ext>
+            </a:extLst>
+          </p:cNvPr>
+          <p:cNvCxnSpPr/>
+          <p:nvPr/>
+        </p:nvCxnSpPr>
+        <p:spPr>
+          <a:xfrm flipV="1">
+            <a:off x="3075992" y="4649755"/>
+            <a:ext cx="0" cy="755780"/>
+          </a:xfrm>
+          <a:prstGeom prst="straightConnector1">
+            <a:avLst/>
+          </a:prstGeom>
+          <a:ln>
+            <a:solidFill>
+              <a:srgbClr val="FFFF00"/>
+            </a:solidFill>
+            <a:tailEnd type="triangle"/>
+          </a:ln>
+        </p:spPr>
+        <p:style>
+          <a:lnRef idx="1">
+            <a:schemeClr val="accent1"/>
+          </a:lnRef>
+          <a:fillRef idx="0">
+            <a:schemeClr val="accent1"/>
+          </a:fillRef>
+          <a:effectRef idx="0">
+            <a:schemeClr val="accent1"/>
+          </a:effectRef>
+          <a:fontRef idx="minor">
+            <a:schemeClr val="tx1"/>
+          </a:fontRef>
+        </p:style>
+      </p:cxnSp>
+      <p:cxnSp>
+        <p:nvCxnSpPr>
+          <p:cNvPr id="26" name="Straight Arrow Connector 25">
+            <a:extLst>
+              <a:ext uri="{FF2B5EF4-FFF2-40B4-BE49-F238E27FC236}">
+                <a16:creationId xmlns:a16="http://schemas.microsoft.com/office/drawing/2014/main" id="{A163D8B7-7D1F-A9E0-9980-50DAA1821538}"/>
+              </a:ext>
+            </a:extLst>
+          </p:cNvPr>
+          <p:cNvCxnSpPr/>
+          <p:nvPr/>
+        </p:nvCxnSpPr>
+        <p:spPr>
+          <a:xfrm flipV="1">
+            <a:off x="3797559" y="4649755"/>
+            <a:ext cx="0" cy="755780"/>
+          </a:xfrm>
+          <a:prstGeom prst="straightConnector1">
+            <a:avLst/>
+          </a:prstGeom>
+          <a:ln>
+            <a:solidFill>
+              <a:srgbClr val="FFFF00"/>
+            </a:solidFill>
+            <a:tailEnd type="triangle"/>
+          </a:ln>
+        </p:spPr>
+        <p:style>
+          <a:lnRef idx="1">
+            <a:schemeClr val="accent1"/>
+          </a:lnRef>
+          <a:fillRef idx="0">
+            <a:schemeClr val="accent1"/>
+          </a:fillRef>
+          <a:effectRef idx="0">
+            <a:schemeClr val="accent1"/>
+          </a:effectRef>
+          <a:fontRef idx="minor">
+            <a:schemeClr val="tx1"/>
+          </a:fontRef>
+        </p:style>
+      </p:cxnSp>
+      <p:cxnSp>
+        <p:nvCxnSpPr>
+          <p:cNvPr id="27" name="Straight Arrow Connector 26">
+            <a:extLst>
+              <a:ext uri="{FF2B5EF4-FFF2-40B4-BE49-F238E27FC236}">
+                <a16:creationId xmlns:a16="http://schemas.microsoft.com/office/drawing/2014/main" id="{4DEED3D9-8BD2-5AD8-2E4B-DD1EDDE8FEC5}"/>
+              </a:ext>
+            </a:extLst>
+          </p:cNvPr>
+          <p:cNvCxnSpPr/>
+          <p:nvPr/>
+        </p:nvCxnSpPr>
+        <p:spPr>
+          <a:xfrm flipV="1">
+            <a:off x="7032171" y="4649755"/>
+            <a:ext cx="0" cy="755780"/>
+          </a:xfrm>
+          <a:prstGeom prst="straightConnector1">
+            <a:avLst/>
+          </a:prstGeom>
+          <a:ln>
+            <a:solidFill>
+              <a:srgbClr val="FFFF00"/>
+            </a:solidFill>
+            <a:tailEnd type="triangle"/>
+          </a:ln>
+        </p:spPr>
+        <p:style>
+          <a:lnRef idx="1">
+            <a:schemeClr val="accent1"/>
+          </a:lnRef>
+          <a:fillRef idx="0">
+            <a:schemeClr val="accent1"/>
+          </a:fillRef>
+          <a:effectRef idx="0">
+            <a:schemeClr val="accent1"/>
+          </a:effectRef>
+          <a:fontRef idx="minor">
+            <a:schemeClr val="tx1"/>
+          </a:fontRef>
+        </p:style>
+      </p:cxnSp>
+      <p:cxnSp>
+        <p:nvCxnSpPr>
+          <p:cNvPr id="28" name="Straight Arrow Connector 27">
+            <a:extLst>
+              <a:ext uri="{FF2B5EF4-FFF2-40B4-BE49-F238E27FC236}">
+                <a16:creationId xmlns:a16="http://schemas.microsoft.com/office/drawing/2014/main" id="{43B86A6D-75B0-6B44-DADC-E96D1F59848F}"/>
+              </a:ext>
+            </a:extLst>
+          </p:cNvPr>
+          <p:cNvCxnSpPr/>
+          <p:nvPr/>
+        </p:nvCxnSpPr>
+        <p:spPr>
+          <a:xfrm flipV="1">
+            <a:off x="9246637" y="4729065"/>
+            <a:ext cx="0" cy="755780"/>
+          </a:xfrm>
+          <a:prstGeom prst="straightConnector1">
+            <a:avLst/>
+          </a:prstGeom>
+          <a:ln>
+            <a:solidFill>
+              <a:srgbClr val="FFFF00"/>
+            </a:solidFill>
+            <a:tailEnd type="triangle"/>
+          </a:ln>
+        </p:spPr>
+        <p:style>
+          <a:lnRef idx="1">
+            <a:schemeClr val="accent1"/>
+          </a:lnRef>
+          <a:fillRef idx="0">
+            <a:schemeClr val="accent1"/>
+          </a:fillRef>
+          <a:effectRef idx="0">
+            <a:schemeClr val="accent1"/>
+          </a:effectRef>
+          <a:fontRef idx="minor">
+            <a:schemeClr val="tx1"/>
+          </a:fontRef>
+        </p:style>
+      </p:cxnSp>
+      <p:cxnSp>
+        <p:nvCxnSpPr>
+          <p:cNvPr id="29" name="Straight Arrow Connector 28">
+            <a:extLst>
+              <a:ext uri="{FF2B5EF4-FFF2-40B4-BE49-F238E27FC236}">
+                <a16:creationId xmlns:a16="http://schemas.microsoft.com/office/drawing/2014/main" id="{1A224F09-61AA-ED72-F35F-1F4BB23AA20A}"/>
+              </a:ext>
+            </a:extLst>
+          </p:cNvPr>
+          <p:cNvCxnSpPr/>
+          <p:nvPr/>
+        </p:nvCxnSpPr>
+        <p:spPr>
+          <a:xfrm flipV="1">
+            <a:off x="7847045" y="4649755"/>
+            <a:ext cx="0" cy="755780"/>
+          </a:xfrm>
+          <a:prstGeom prst="straightConnector1">
+            <a:avLst/>
+          </a:prstGeom>
+          <a:ln>
+            <a:solidFill>
+              <a:srgbClr val="FFFF00"/>
+            </a:solidFill>
+            <a:tailEnd type="triangle"/>
+          </a:ln>
+        </p:spPr>
+        <p:style>
+          <a:lnRef idx="1">
+            <a:schemeClr val="accent1"/>
+          </a:lnRef>
+          <a:fillRef idx="0">
+            <a:schemeClr val="accent1"/>
+          </a:fillRef>
+          <a:effectRef idx="0">
+            <a:schemeClr val="accent1"/>
+          </a:effectRef>
+          <a:fontRef idx="minor">
+            <a:schemeClr val="tx1"/>
+          </a:fontRef>
+        </p:style>
+      </p:cxnSp>
+      <p:cxnSp>
+        <p:nvCxnSpPr>
+          <p:cNvPr id="30" name="Straight Arrow Connector 29">
+            <a:extLst>
+              <a:ext uri="{FF2B5EF4-FFF2-40B4-BE49-F238E27FC236}">
+                <a16:creationId xmlns:a16="http://schemas.microsoft.com/office/drawing/2014/main" id="{EA2EC4EE-0450-58EB-D78D-53194C3272F0}"/>
+              </a:ext>
+            </a:extLst>
+          </p:cNvPr>
+          <p:cNvCxnSpPr/>
+          <p:nvPr/>
+        </p:nvCxnSpPr>
+        <p:spPr>
+          <a:xfrm flipV="1">
+            <a:off x="8568612" y="4649755"/>
+            <a:ext cx="0" cy="755780"/>
+          </a:xfrm>
+          <a:prstGeom prst="straightConnector1">
+            <a:avLst/>
+          </a:prstGeom>
+          <a:ln>
+            <a:solidFill>
+              <a:srgbClr val="FFFF00"/>
+            </a:solidFill>
+            <a:tailEnd type="triangle"/>
+          </a:ln>
+        </p:spPr>
+        <p:style>
+          <a:lnRef idx="1">
+            <a:schemeClr val="accent1"/>
+          </a:lnRef>
+          <a:fillRef idx="0">
+            <a:schemeClr val="accent1"/>
+          </a:fillRef>
+          <a:effectRef idx="0">
+            <a:schemeClr val="accent1"/>
+          </a:effectRef>
+          <a:fontRef idx="minor">
+            <a:schemeClr val="tx1"/>
+          </a:fontRef>
+        </p:style>
+      </p:cxnSp>
+      <p:cxnSp>
+        <p:nvCxnSpPr>
+          <p:cNvPr id="31" name="Straight Arrow Connector 30">
+            <a:extLst>
+              <a:ext uri="{FF2B5EF4-FFF2-40B4-BE49-F238E27FC236}">
+                <a16:creationId xmlns:a16="http://schemas.microsoft.com/office/drawing/2014/main" id="{4563C2C4-11C9-2ED7-948A-13491CCBCB51}"/>
+              </a:ext>
+            </a:extLst>
+          </p:cNvPr>
+          <p:cNvCxnSpPr/>
+          <p:nvPr/>
+        </p:nvCxnSpPr>
+        <p:spPr>
+          <a:xfrm flipV="1">
+            <a:off x="9731828" y="4747726"/>
+            <a:ext cx="0" cy="755780"/>
+          </a:xfrm>
+          <a:prstGeom prst="straightConnector1">
+            <a:avLst/>
+          </a:prstGeom>
+          <a:ln>
+            <a:solidFill>
+              <a:srgbClr val="FFFF00"/>
+            </a:solidFill>
+            <a:tailEnd type="triangle"/>
+          </a:ln>
+        </p:spPr>
+        <p:style>
+          <a:lnRef idx="1">
+            <a:schemeClr val="accent1"/>
+          </a:lnRef>
+          <a:fillRef idx="0">
+            <a:schemeClr val="accent1"/>
+          </a:fillRef>
+          <a:effectRef idx="0">
+            <a:schemeClr val="accent1"/>
+          </a:effectRef>
+          <a:fontRef idx="minor">
+            <a:schemeClr val="tx1"/>
+          </a:fontRef>
+        </p:style>
+      </p:cxnSp>
+      <p:cxnSp>
+        <p:nvCxnSpPr>
+          <p:cNvPr id="32" name="Straight Arrow Connector 31">
+            <a:extLst>
+              <a:ext uri="{FF2B5EF4-FFF2-40B4-BE49-F238E27FC236}">
+                <a16:creationId xmlns:a16="http://schemas.microsoft.com/office/drawing/2014/main" id="{9516A276-86F6-36E4-BDBC-37D5F3D1A415}"/>
+              </a:ext>
+            </a:extLst>
+          </p:cNvPr>
+          <p:cNvCxnSpPr/>
+          <p:nvPr/>
+        </p:nvCxnSpPr>
+        <p:spPr>
+          <a:xfrm flipV="1">
+            <a:off x="11946294" y="4827036"/>
+            <a:ext cx="0" cy="755780"/>
+          </a:xfrm>
+          <a:prstGeom prst="straightConnector1">
+            <a:avLst/>
+          </a:prstGeom>
+          <a:ln>
+            <a:solidFill>
+              <a:srgbClr val="FFFF00"/>
+            </a:solidFill>
+            <a:tailEnd type="triangle"/>
+          </a:ln>
+        </p:spPr>
+        <p:style>
+          <a:lnRef idx="1">
+            <a:schemeClr val="accent1"/>
+          </a:lnRef>
+          <a:fillRef idx="0">
+            <a:schemeClr val="accent1"/>
+          </a:fillRef>
+          <a:effectRef idx="0">
+            <a:schemeClr val="accent1"/>
+          </a:effectRef>
+          <a:fontRef idx="minor">
+            <a:schemeClr val="tx1"/>
+          </a:fontRef>
+        </p:style>
+      </p:cxnSp>
+      <p:cxnSp>
+        <p:nvCxnSpPr>
+          <p:cNvPr id="33" name="Straight Arrow Connector 32">
+            <a:extLst>
+              <a:ext uri="{FF2B5EF4-FFF2-40B4-BE49-F238E27FC236}">
+                <a16:creationId xmlns:a16="http://schemas.microsoft.com/office/drawing/2014/main" id="{378FB209-8E75-5379-A9DD-1EC00F34F3D0}"/>
+              </a:ext>
+            </a:extLst>
+          </p:cNvPr>
+          <p:cNvCxnSpPr/>
+          <p:nvPr/>
+        </p:nvCxnSpPr>
+        <p:spPr>
+          <a:xfrm flipV="1">
+            <a:off x="10546702" y="4747726"/>
+            <a:ext cx="0" cy="755780"/>
+          </a:xfrm>
+          <a:prstGeom prst="straightConnector1">
+            <a:avLst/>
+          </a:prstGeom>
+          <a:ln>
+            <a:solidFill>
+              <a:srgbClr val="FFFF00"/>
+            </a:solidFill>
+            <a:tailEnd type="triangle"/>
+          </a:ln>
+        </p:spPr>
+        <p:style>
+          <a:lnRef idx="1">
+            <a:schemeClr val="accent1"/>
+          </a:lnRef>
+          <a:fillRef idx="0">
+            <a:schemeClr val="accent1"/>
+          </a:fillRef>
+          <a:effectRef idx="0">
+            <a:schemeClr val="accent1"/>
+          </a:effectRef>
+          <a:fontRef idx="minor">
+            <a:schemeClr val="tx1"/>
+          </a:fontRef>
+        </p:style>
+      </p:cxnSp>
+      <p:cxnSp>
+        <p:nvCxnSpPr>
+          <p:cNvPr id="34" name="Straight Arrow Connector 33">
+            <a:extLst>
+              <a:ext uri="{FF2B5EF4-FFF2-40B4-BE49-F238E27FC236}">
+                <a16:creationId xmlns:a16="http://schemas.microsoft.com/office/drawing/2014/main" id="{6D57AFC1-FC45-691F-76EB-883673C79108}"/>
+              </a:ext>
+            </a:extLst>
+          </p:cNvPr>
+          <p:cNvCxnSpPr/>
+          <p:nvPr/>
+        </p:nvCxnSpPr>
+        <p:spPr>
+          <a:xfrm flipV="1">
+            <a:off x="11268269" y="4747726"/>
+            <a:ext cx="0" cy="755780"/>
+          </a:xfrm>
+          <a:prstGeom prst="straightConnector1">
+            <a:avLst/>
+          </a:prstGeom>
+          <a:ln>
+            <a:solidFill>
+              <a:srgbClr val="FFFF00"/>
+            </a:solidFill>
+            <a:tailEnd type="triangle"/>
+          </a:ln>
+        </p:spPr>
+        <p:style>
+          <a:lnRef idx="1">
+            <a:schemeClr val="accent1"/>
+          </a:lnRef>
+          <a:fillRef idx="0">
+            <a:schemeClr val="accent1"/>
+          </a:fillRef>
+          <a:effectRef idx="0">
+            <a:schemeClr val="accent1"/>
+          </a:effectRef>
+          <a:fontRef idx="minor">
+            <a:schemeClr val="tx1"/>
+          </a:fontRef>
+        </p:style>
+      </p:cxnSp>
+      <p:cxnSp>
+        <p:nvCxnSpPr>
+          <p:cNvPr id="35" name="Straight Arrow Connector 34">
+            <a:extLst>
+              <a:ext uri="{FF2B5EF4-FFF2-40B4-BE49-F238E27FC236}">
+                <a16:creationId xmlns:a16="http://schemas.microsoft.com/office/drawing/2014/main" id="{5F29E49D-8B22-5A5F-8C0D-46E7716CA3C4}"/>
+              </a:ext>
+            </a:extLst>
+          </p:cNvPr>
+          <p:cNvCxnSpPr/>
+          <p:nvPr/>
+        </p:nvCxnSpPr>
+        <p:spPr>
+          <a:xfrm flipV="1">
+            <a:off x="4892351" y="4839476"/>
+            <a:ext cx="0" cy="755780"/>
+          </a:xfrm>
+          <a:prstGeom prst="straightConnector1">
+            <a:avLst/>
+          </a:prstGeom>
+          <a:ln>
+            <a:solidFill>
+              <a:srgbClr val="FFFF00"/>
+            </a:solidFill>
+            <a:tailEnd type="triangle"/>
+          </a:ln>
+        </p:spPr>
+        <p:style>
+          <a:lnRef idx="1">
+            <a:schemeClr val="accent1"/>
+          </a:lnRef>
+          <a:fillRef idx="0">
+            <a:schemeClr val="accent1"/>
+          </a:fillRef>
+          <a:effectRef idx="0">
+            <a:schemeClr val="accent1"/>
+          </a:effectRef>
+          <a:fontRef idx="minor">
+            <a:schemeClr val="tx1"/>
+          </a:fontRef>
+        </p:style>
+      </p:cxnSp>
+      <p:cxnSp>
+        <p:nvCxnSpPr>
+          <p:cNvPr id="36" name="Straight Arrow Connector 35">
+            <a:extLst>
+              <a:ext uri="{FF2B5EF4-FFF2-40B4-BE49-F238E27FC236}">
+                <a16:creationId xmlns:a16="http://schemas.microsoft.com/office/drawing/2014/main" id="{79FAF4B8-97FB-972E-0490-5723A948DE57}"/>
+              </a:ext>
+            </a:extLst>
+          </p:cNvPr>
+          <p:cNvCxnSpPr/>
+          <p:nvPr/>
+        </p:nvCxnSpPr>
+        <p:spPr>
+          <a:xfrm flipV="1">
+            <a:off x="7106817" y="4918786"/>
+            <a:ext cx="0" cy="755780"/>
+          </a:xfrm>
+          <a:prstGeom prst="straightConnector1">
+            <a:avLst/>
+          </a:prstGeom>
+          <a:ln>
+            <a:solidFill>
+              <a:srgbClr val="FFFF00"/>
+            </a:solidFill>
+            <a:tailEnd type="triangle"/>
+          </a:ln>
+        </p:spPr>
+        <p:style>
+          <a:lnRef idx="1">
+            <a:schemeClr val="accent1"/>
+          </a:lnRef>
+          <a:fillRef idx="0">
+            <a:schemeClr val="accent1"/>
+          </a:fillRef>
+          <a:effectRef idx="0">
+            <a:schemeClr val="accent1"/>
+          </a:effectRef>
+          <a:fontRef idx="minor">
+            <a:schemeClr val="tx1"/>
+          </a:fontRef>
+        </p:style>
+      </p:cxnSp>
+      <p:cxnSp>
+        <p:nvCxnSpPr>
+          <p:cNvPr id="37" name="Straight Arrow Connector 36">
+            <a:extLst>
+              <a:ext uri="{FF2B5EF4-FFF2-40B4-BE49-F238E27FC236}">
+                <a16:creationId xmlns:a16="http://schemas.microsoft.com/office/drawing/2014/main" id="{FFC0777D-70CA-B0D0-5B59-735591D3A08E}"/>
+              </a:ext>
+            </a:extLst>
+          </p:cNvPr>
+          <p:cNvCxnSpPr/>
+          <p:nvPr/>
+        </p:nvCxnSpPr>
+        <p:spPr>
+          <a:xfrm flipV="1">
+            <a:off x="5707225" y="4839476"/>
+            <a:ext cx="0" cy="755780"/>
+          </a:xfrm>
+          <a:prstGeom prst="straightConnector1">
+            <a:avLst/>
+          </a:prstGeom>
+          <a:ln>
+            <a:solidFill>
+              <a:srgbClr val="FFFF00"/>
+            </a:solidFill>
+            <a:tailEnd type="triangle"/>
+          </a:ln>
+        </p:spPr>
+        <p:style>
+          <a:lnRef idx="1">
+            <a:schemeClr val="accent1"/>
+          </a:lnRef>
+          <a:fillRef idx="0">
+            <a:schemeClr val="accent1"/>
+          </a:fillRef>
+          <a:effectRef idx="0">
+            <a:schemeClr val="accent1"/>
+          </a:effectRef>
+          <a:fontRef idx="minor">
+            <a:schemeClr val="tx1"/>
+          </a:fontRef>
+        </p:style>
+      </p:cxnSp>
+      <p:cxnSp>
+        <p:nvCxnSpPr>
+          <p:cNvPr id="38" name="Straight Arrow Connector 37">
+            <a:extLst>
+              <a:ext uri="{FF2B5EF4-FFF2-40B4-BE49-F238E27FC236}">
+                <a16:creationId xmlns:a16="http://schemas.microsoft.com/office/drawing/2014/main" id="{5DCA59BD-E0B9-7687-843F-452E352CEF02}"/>
+              </a:ext>
+            </a:extLst>
+          </p:cNvPr>
+          <p:cNvCxnSpPr/>
+          <p:nvPr/>
+        </p:nvCxnSpPr>
+        <p:spPr>
+          <a:xfrm flipV="1">
+            <a:off x="6428792" y="4839476"/>
+            <a:ext cx="0" cy="755780"/>
+          </a:xfrm>
+          <a:prstGeom prst="straightConnector1">
+            <a:avLst/>
+          </a:prstGeom>
+          <a:ln>
+            <a:solidFill>
+              <a:srgbClr val="FFFF00"/>
+            </a:solidFill>
+            <a:tailEnd type="triangle"/>
+          </a:ln>
+        </p:spPr>
+        <p:style>
+          <a:lnRef idx="1">
+            <a:schemeClr val="accent1"/>
+          </a:lnRef>
+          <a:fillRef idx="0">
+            <a:schemeClr val="accent1"/>
+          </a:fillRef>
+          <a:effectRef idx="0">
+            <a:schemeClr val="accent1"/>
+          </a:effectRef>
+          <a:fontRef idx="minor">
+            <a:schemeClr val="tx1"/>
+          </a:fontRef>
+        </p:style>
+      </p:cxnSp>
+      <p:sp>
+        <p:nvSpPr>
+          <p:cNvPr id="39" name="Rectangle: Rounded Corners 38">
+            <a:extLst>
+              <a:ext uri="{FF2B5EF4-FFF2-40B4-BE49-F238E27FC236}">
+                <a16:creationId xmlns:a16="http://schemas.microsoft.com/office/drawing/2014/main" id="{A1C4B87D-9D64-E012-02FA-909FCC187FC8}"/>
+              </a:ext>
+            </a:extLst>
+          </p:cNvPr>
+          <p:cNvSpPr/>
+          <p:nvPr/>
+        </p:nvSpPr>
+        <p:spPr>
+          <a:xfrm>
+            <a:off x="998376" y="3844212"/>
+            <a:ext cx="1262741" cy="634482"/>
+          </a:xfrm>
+          <a:prstGeom prst="roundRect">
+            <a:avLst/>
+          </a:prstGeom>
+        </p:spPr>
+        <p:style>
+          <a:lnRef idx="2">
+            <a:schemeClr val="accent1">
+              <a:shade val="15000"/>
+            </a:schemeClr>
+          </a:lnRef>
+          <a:fillRef idx="1">
+            <a:schemeClr val="accent1"/>
+          </a:fillRef>
+          <a:effectRef idx="0">
+            <a:schemeClr val="accent1"/>
+          </a:effectRef>
+          <a:fontRef idx="minor">
+            <a:schemeClr val="lt1"/>
+          </a:fontRef>
+        </p:style>
+        <p:txBody>
+          <a:bodyPr rtlCol="0" anchor="ctr"/>
+          <a:lstStyle/>
+          <a:p>
+            <a:pPr algn="ctr"/>
+            <a:r>
+              <a:rPr lang="en-IN" dirty="0"/>
+              <a:t>Office</a:t>
+            </a:r>
+            <a:endParaRPr lang="en-US" dirty="0"/>
+          </a:p>
+        </p:txBody>
+      </p:sp>
+      <p:sp>
+        <p:nvSpPr>
+          <p:cNvPr id="40" name="Rectangle: Rounded Corners 39">
+            <a:extLst>
+              <a:ext uri="{FF2B5EF4-FFF2-40B4-BE49-F238E27FC236}">
+                <a16:creationId xmlns:a16="http://schemas.microsoft.com/office/drawing/2014/main" id="{D421D4A9-A0BA-E041-E451-D495F7046243}"/>
+              </a:ext>
+            </a:extLst>
+          </p:cNvPr>
+          <p:cNvSpPr/>
+          <p:nvPr/>
+        </p:nvSpPr>
+        <p:spPr>
+          <a:xfrm>
+            <a:off x="2855166" y="3865984"/>
+            <a:ext cx="1262741" cy="634482"/>
+          </a:xfrm>
+          <a:prstGeom prst="roundRect">
+            <a:avLst/>
+          </a:prstGeom>
+        </p:spPr>
+        <p:style>
+          <a:lnRef idx="2">
+            <a:schemeClr val="accent1">
+              <a:shade val="15000"/>
+            </a:schemeClr>
+          </a:lnRef>
+          <a:fillRef idx="1">
+            <a:schemeClr val="accent1"/>
+          </a:fillRef>
+          <a:effectRef idx="0">
+            <a:schemeClr val="accent1"/>
+          </a:effectRef>
+          <a:fontRef idx="minor">
+            <a:schemeClr val="lt1"/>
+          </a:fontRef>
+        </p:style>
+        <p:txBody>
+          <a:bodyPr rtlCol="0" anchor="ctr"/>
+          <a:lstStyle/>
+          <a:p>
+            <a:pPr algn="ctr"/>
+            <a:r>
+              <a:rPr lang="en-IN" dirty="0"/>
+              <a:t>DB</a:t>
+            </a:r>
+            <a:endParaRPr lang="en-US" dirty="0"/>
+          </a:p>
+        </p:txBody>
+      </p:sp>
+      <p:sp>
+        <p:nvSpPr>
+          <p:cNvPr id="41" name="Rectangle: Rounded Corners 40">
+            <a:extLst>
+              <a:ext uri="{FF2B5EF4-FFF2-40B4-BE49-F238E27FC236}">
+                <a16:creationId xmlns:a16="http://schemas.microsoft.com/office/drawing/2014/main" id="{CBF114BF-81AD-246E-799C-BB352E756FCE}"/>
+              </a:ext>
+            </a:extLst>
+          </p:cNvPr>
+          <p:cNvSpPr/>
+          <p:nvPr/>
+        </p:nvSpPr>
+        <p:spPr>
+          <a:xfrm>
+            <a:off x="4711956" y="3838768"/>
+            <a:ext cx="1262741" cy="634482"/>
+          </a:xfrm>
+          <a:prstGeom prst="roundRect">
+            <a:avLst/>
+          </a:prstGeom>
+        </p:spPr>
+        <p:style>
+          <a:lnRef idx="2">
+            <a:schemeClr val="accent1">
+              <a:shade val="15000"/>
+            </a:schemeClr>
+          </a:lnRef>
+          <a:fillRef idx="1">
+            <a:schemeClr val="accent1"/>
+          </a:fillRef>
+          <a:effectRef idx="0">
+            <a:schemeClr val="accent1"/>
+          </a:effectRef>
+          <a:fontRef idx="minor">
+            <a:schemeClr val="lt1"/>
+          </a:fontRef>
+        </p:style>
+        <p:txBody>
+          <a:bodyPr rtlCol="0" anchor="ctr"/>
+          <a:lstStyle/>
+          <a:p>
+            <a:pPr algn="ctr"/>
+            <a:r>
+              <a:rPr lang="en-IN" dirty="0"/>
+              <a:t>Utility Apps</a:t>
+            </a:r>
+            <a:endParaRPr lang="en-US" dirty="0"/>
+          </a:p>
+        </p:txBody>
+      </p:sp>
+      <p:sp>
+        <p:nvSpPr>
+          <p:cNvPr id="42" name="Rectangle: Rounded Corners 41">
+            <a:extLst>
+              <a:ext uri="{FF2B5EF4-FFF2-40B4-BE49-F238E27FC236}">
+                <a16:creationId xmlns:a16="http://schemas.microsoft.com/office/drawing/2014/main" id="{14AA9D0E-86D0-CB17-5816-147802CF6494}"/>
+              </a:ext>
+            </a:extLst>
+          </p:cNvPr>
+          <p:cNvSpPr/>
+          <p:nvPr/>
+        </p:nvSpPr>
+        <p:spPr>
+          <a:xfrm>
+            <a:off x="6602959" y="3783563"/>
+            <a:ext cx="1262741" cy="634482"/>
+          </a:xfrm>
+          <a:prstGeom prst="roundRect">
+            <a:avLst/>
+          </a:prstGeom>
+        </p:spPr>
+        <p:style>
+          <a:lnRef idx="2">
+            <a:schemeClr val="accent1">
+              <a:shade val="15000"/>
+            </a:schemeClr>
+          </a:lnRef>
+          <a:fillRef idx="1">
+            <a:schemeClr val="accent1"/>
+          </a:fillRef>
+          <a:effectRef idx="0">
+            <a:schemeClr val="accent1"/>
+          </a:effectRef>
+          <a:fontRef idx="minor">
+            <a:schemeClr val="lt1"/>
+          </a:fontRef>
+        </p:style>
+        <p:txBody>
+          <a:bodyPr rtlCol="0" anchor="ctr"/>
+          <a:lstStyle/>
+          <a:p>
+            <a:pPr algn="ctr"/>
+            <a:r>
+              <a:rPr lang="en-IN" dirty="0"/>
+              <a:t>Web</a:t>
+            </a:r>
+          </a:p>
+          <a:p>
+            <a:pPr algn="ctr"/>
+            <a:r>
+              <a:rPr lang="en-IN" dirty="0"/>
+              <a:t>Server</a:t>
+            </a:r>
+            <a:endParaRPr lang="en-US" dirty="0"/>
+          </a:p>
+        </p:txBody>
+      </p:sp>
+      <p:sp>
+        <p:nvSpPr>
+          <p:cNvPr id="43" name="Rectangle: Rounded Corners 42">
+            <a:extLst>
+              <a:ext uri="{FF2B5EF4-FFF2-40B4-BE49-F238E27FC236}">
+                <a16:creationId xmlns:a16="http://schemas.microsoft.com/office/drawing/2014/main" id="{E0E5211E-A532-C866-CE59-C1806E5D6252}"/>
+              </a:ext>
+            </a:extLst>
+          </p:cNvPr>
+          <p:cNvSpPr/>
+          <p:nvPr/>
+        </p:nvSpPr>
+        <p:spPr>
+          <a:xfrm>
+            <a:off x="8385112" y="3844211"/>
+            <a:ext cx="1262741" cy="634482"/>
+          </a:xfrm>
+          <a:prstGeom prst="roundRect">
+            <a:avLst/>
+          </a:prstGeom>
+        </p:spPr>
+        <p:style>
+          <a:lnRef idx="2">
+            <a:schemeClr val="accent1">
+              <a:shade val="15000"/>
+            </a:schemeClr>
+          </a:lnRef>
+          <a:fillRef idx="1">
+            <a:schemeClr val="accent1"/>
+          </a:fillRef>
+          <a:effectRef idx="0">
+            <a:schemeClr val="accent1"/>
+          </a:effectRef>
+          <a:fontRef idx="minor">
+            <a:schemeClr val="lt1"/>
+          </a:fontRef>
+        </p:style>
+        <p:txBody>
+          <a:bodyPr rtlCol="0" anchor="ctr"/>
+          <a:lstStyle/>
+          <a:p>
+            <a:pPr algn="ctr"/>
+            <a:r>
+              <a:rPr lang="en-IN" dirty="0"/>
+              <a:t>NET Runtime</a:t>
+            </a:r>
+            <a:endParaRPr lang="en-US" dirty="0"/>
+          </a:p>
+        </p:txBody>
+      </p:sp>
+      <p:sp>
+        <p:nvSpPr>
+          <p:cNvPr id="44" name="Rectangle 43">
+            <a:extLst>
+              <a:ext uri="{FF2B5EF4-FFF2-40B4-BE49-F238E27FC236}">
+                <a16:creationId xmlns:a16="http://schemas.microsoft.com/office/drawing/2014/main" id="{4F0CC12A-E2C8-B6D7-2261-A8CD18843E42}"/>
+              </a:ext>
+            </a:extLst>
+          </p:cNvPr>
+          <p:cNvSpPr/>
+          <p:nvPr/>
+        </p:nvSpPr>
+        <p:spPr>
+          <a:xfrm>
+            <a:off x="1940767" y="746449"/>
+            <a:ext cx="7921690" cy="2317878"/>
+          </a:xfrm>
+          <a:prstGeom prst="rect">
+            <a:avLst/>
+          </a:prstGeom>
+        </p:spPr>
+        <p:style>
+          <a:lnRef idx="1">
+            <a:schemeClr val="accent2"/>
+          </a:lnRef>
+          <a:fillRef idx="2">
+            <a:schemeClr val="accent2"/>
+          </a:fillRef>
+          <a:effectRef idx="1">
+            <a:schemeClr val="accent2"/>
+          </a:effectRef>
+          <a:fontRef idx="minor">
+            <a:schemeClr val="dk1"/>
+          </a:fontRef>
+        </p:style>
+        <p:txBody>
+          <a:bodyPr rtlCol="0" anchor="ctr"/>
+          <a:lstStyle/>
+          <a:p>
+            <a:pPr algn="ctr"/>
+            <a:endParaRPr lang="en-US"/>
+          </a:p>
+        </p:txBody>
+      </p:sp>
+      <p:sp>
+        <p:nvSpPr>
+          <p:cNvPr id="45" name="TextBox 44">
+            <a:extLst>
+              <a:ext uri="{FF2B5EF4-FFF2-40B4-BE49-F238E27FC236}">
+                <a16:creationId xmlns:a16="http://schemas.microsoft.com/office/drawing/2014/main" id="{C83AE833-EB6F-5DA6-3B79-0FD682CADB15}"/>
+              </a:ext>
+            </a:extLst>
+          </p:cNvPr>
+          <p:cNvSpPr txBox="1"/>
+          <p:nvPr/>
+        </p:nvSpPr>
+        <p:spPr>
+          <a:xfrm>
+            <a:off x="8285584" y="821094"/>
+            <a:ext cx="1483567" cy="923330"/>
+          </a:xfrm>
+          <a:prstGeom prst="rect">
+            <a:avLst/>
+          </a:prstGeom>
+          <a:noFill/>
+        </p:spPr>
+        <p:txBody>
+          <a:bodyPr wrap="square" rtlCol="0">
+            <a:spAutoFit/>
+          </a:bodyPr>
+          <a:lstStyle/>
+          <a:p>
+            <a:r>
+              <a:rPr lang="en-IN" dirty="0"/>
+              <a:t>.NET App Process aka </a:t>
+            </a:r>
+            <a:r>
+              <a:rPr lang="en-IN" dirty="0" err="1"/>
+              <a:t>AppDomian</a:t>
+            </a:r>
+            <a:endParaRPr lang="en-US" dirty="0"/>
+          </a:p>
+        </p:txBody>
+      </p:sp>
+      <p:cxnSp>
+        <p:nvCxnSpPr>
+          <p:cNvPr id="46" name="Straight Arrow Connector 45">
+            <a:extLst>
+              <a:ext uri="{FF2B5EF4-FFF2-40B4-BE49-F238E27FC236}">
+                <a16:creationId xmlns:a16="http://schemas.microsoft.com/office/drawing/2014/main" id="{A9A0DBF3-AF7D-5D91-26EA-64B9C8037577}"/>
+              </a:ext>
+            </a:extLst>
+          </p:cNvPr>
+          <p:cNvCxnSpPr>
+            <a:cxnSpLocks/>
+          </p:cNvCxnSpPr>
+          <p:nvPr/>
+        </p:nvCxnSpPr>
+        <p:spPr>
+          <a:xfrm flipV="1">
+            <a:off x="1660850" y="746449"/>
+            <a:ext cx="0" cy="2771192"/>
+          </a:xfrm>
+          <a:prstGeom prst="straightConnector1">
+            <a:avLst/>
+          </a:prstGeom>
+          <a:ln w="76200">
+            <a:solidFill>
+              <a:srgbClr val="002060"/>
+            </a:solidFill>
+            <a:tailEnd type="triangle"/>
+          </a:ln>
+        </p:spPr>
+        <p:style>
+          <a:lnRef idx="1">
+            <a:schemeClr val="accent1"/>
+          </a:lnRef>
+          <a:fillRef idx="0">
+            <a:schemeClr val="accent1"/>
+          </a:fillRef>
+          <a:effectRef idx="0">
+            <a:schemeClr val="accent1"/>
+          </a:effectRef>
+          <a:fontRef idx="minor">
+            <a:schemeClr val="tx1"/>
+          </a:fontRef>
+        </p:style>
+      </p:cxnSp>
+      <p:sp>
+        <p:nvSpPr>
+          <p:cNvPr id="48" name="TextBox 47">
+            <a:extLst>
+              <a:ext uri="{FF2B5EF4-FFF2-40B4-BE49-F238E27FC236}">
+                <a16:creationId xmlns:a16="http://schemas.microsoft.com/office/drawing/2014/main" id="{C4F60939-1223-274E-0C7B-42E69F3414CE}"/>
+              </a:ext>
+            </a:extLst>
+          </p:cNvPr>
+          <p:cNvSpPr txBox="1"/>
+          <p:nvPr/>
+        </p:nvSpPr>
+        <p:spPr>
+          <a:xfrm>
+            <a:off x="167951" y="1156996"/>
+            <a:ext cx="1296955" cy="1200329"/>
+          </a:xfrm>
+          <a:prstGeom prst="rect">
+            <a:avLst/>
+          </a:prstGeom>
+          <a:noFill/>
+        </p:spPr>
+        <p:txBody>
+          <a:bodyPr wrap="square" rtlCol="0">
+            <a:spAutoFit/>
+          </a:bodyPr>
+          <a:lstStyle/>
+          <a:p>
+            <a:r>
+              <a:rPr lang="en-IN" dirty="0"/>
+              <a:t>Main Thread for App Execution</a:t>
+            </a:r>
+            <a:endParaRPr lang="en-US" dirty="0"/>
+          </a:p>
+        </p:txBody>
+      </p:sp>
+      <p:sp>
+        <p:nvSpPr>
+          <p:cNvPr id="49" name="Rectangle: Rounded Corners 48">
+            <a:extLst>
+              <a:ext uri="{FF2B5EF4-FFF2-40B4-BE49-F238E27FC236}">
+                <a16:creationId xmlns:a16="http://schemas.microsoft.com/office/drawing/2014/main" id="{5D4A3A5C-A22C-2998-0CF2-BE321F90D79C}"/>
+              </a:ext>
+            </a:extLst>
+          </p:cNvPr>
+          <p:cNvSpPr/>
+          <p:nvPr/>
+        </p:nvSpPr>
+        <p:spPr>
+          <a:xfrm>
+            <a:off x="2192694" y="985935"/>
+            <a:ext cx="1166326" cy="1900335"/>
+          </a:xfrm>
+          <a:prstGeom prst="roundRect">
+            <a:avLst/>
+          </a:prstGeom>
+        </p:spPr>
+        <p:style>
+          <a:lnRef idx="2">
+            <a:schemeClr val="accent1">
+              <a:shade val="15000"/>
+            </a:schemeClr>
+          </a:lnRef>
+          <a:fillRef idx="1">
+            <a:schemeClr val="accent1"/>
+          </a:fillRef>
+          <a:effectRef idx="0">
+            <a:schemeClr val="accent1"/>
+          </a:effectRef>
+          <a:fontRef idx="minor">
+            <a:schemeClr val="lt1"/>
+          </a:fontRef>
+        </p:style>
+        <p:txBody>
+          <a:bodyPr rtlCol="0" anchor="ctr"/>
+          <a:lstStyle/>
+          <a:p>
+            <a:pPr algn="ctr"/>
+            <a:r>
+              <a:rPr lang="en-IN" dirty="0"/>
+              <a:t>App </a:t>
+            </a:r>
+            <a:r>
+              <a:rPr lang="en-IN" dirty="0" err="1"/>
+              <a:t>Dll</a:t>
+            </a:r>
+            <a:endParaRPr lang="en-US" dirty="0"/>
+          </a:p>
+        </p:txBody>
+      </p:sp>
+      <p:sp>
+        <p:nvSpPr>
+          <p:cNvPr id="50" name="Rectangle: Rounded Corners 49">
+            <a:extLst>
+              <a:ext uri="{FF2B5EF4-FFF2-40B4-BE49-F238E27FC236}">
+                <a16:creationId xmlns:a16="http://schemas.microsoft.com/office/drawing/2014/main" id="{0F516E9E-3ED9-3516-8041-AD6914E70F5F}"/>
+              </a:ext>
+            </a:extLst>
+          </p:cNvPr>
+          <p:cNvSpPr/>
+          <p:nvPr/>
+        </p:nvSpPr>
+        <p:spPr>
+          <a:xfrm>
+            <a:off x="4323185" y="939280"/>
+            <a:ext cx="1166326" cy="637593"/>
+          </a:xfrm>
+          <a:prstGeom prst="roundRect">
+            <a:avLst/>
+          </a:prstGeom>
+        </p:spPr>
+        <p:style>
+          <a:lnRef idx="2">
+            <a:schemeClr val="accent1">
+              <a:shade val="15000"/>
+            </a:schemeClr>
+          </a:lnRef>
+          <a:fillRef idx="1">
+            <a:schemeClr val="accent1"/>
+          </a:fillRef>
+          <a:effectRef idx="0">
+            <a:schemeClr val="accent1"/>
+          </a:effectRef>
+          <a:fontRef idx="minor">
+            <a:schemeClr val="lt1"/>
+          </a:fontRef>
+        </p:style>
+        <p:txBody>
+          <a:bodyPr rtlCol="0" anchor="ctr"/>
+          <a:lstStyle/>
+          <a:p>
+            <a:pPr algn="ctr"/>
+            <a:r>
+              <a:rPr lang="en-IN" dirty="0"/>
+              <a:t>Ref </a:t>
+            </a:r>
+            <a:r>
+              <a:rPr lang="en-IN" dirty="0" err="1"/>
+              <a:t>Dll</a:t>
+            </a:r>
+            <a:endParaRPr lang="en-US" dirty="0"/>
+          </a:p>
+        </p:txBody>
+      </p:sp>
+      <p:sp>
+        <p:nvSpPr>
+          <p:cNvPr id="51" name="Rectangle: Rounded Corners 50">
+            <a:extLst>
+              <a:ext uri="{FF2B5EF4-FFF2-40B4-BE49-F238E27FC236}">
+                <a16:creationId xmlns:a16="http://schemas.microsoft.com/office/drawing/2014/main" id="{C3F33539-78DE-B377-41C5-EC58C4B1A675}"/>
+              </a:ext>
+            </a:extLst>
+          </p:cNvPr>
+          <p:cNvSpPr/>
+          <p:nvPr/>
+        </p:nvSpPr>
+        <p:spPr>
+          <a:xfrm>
+            <a:off x="5808307" y="933061"/>
+            <a:ext cx="1166326" cy="637593"/>
+          </a:xfrm>
+          <a:prstGeom prst="roundRect">
+            <a:avLst/>
+          </a:prstGeom>
+        </p:spPr>
+        <p:style>
+          <a:lnRef idx="2">
+            <a:schemeClr val="accent1">
+              <a:shade val="15000"/>
+            </a:schemeClr>
+          </a:lnRef>
+          <a:fillRef idx="1">
+            <a:schemeClr val="accent1"/>
+          </a:fillRef>
+          <a:effectRef idx="0">
+            <a:schemeClr val="accent1"/>
+          </a:effectRef>
+          <a:fontRef idx="minor">
+            <a:schemeClr val="lt1"/>
+          </a:fontRef>
+        </p:style>
+        <p:txBody>
+          <a:bodyPr rtlCol="0" anchor="ctr"/>
+          <a:lstStyle/>
+          <a:p>
+            <a:pPr algn="ctr"/>
+            <a:r>
+              <a:rPr lang="en-IN" dirty="0"/>
+              <a:t>Ref </a:t>
+            </a:r>
+            <a:r>
+              <a:rPr lang="en-IN" dirty="0" err="1"/>
+              <a:t>Dll</a:t>
+            </a:r>
+            <a:endParaRPr lang="en-US" dirty="0"/>
+          </a:p>
+        </p:txBody>
+      </p:sp>
+      <p:sp>
+        <p:nvSpPr>
+          <p:cNvPr id="52" name="Rectangle: Rounded Corners 51">
+            <a:extLst>
+              <a:ext uri="{FF2B5EF4-FFF2-40B4-BE49-F238E27FC236}">
+                <a16:creationId xmlns:a16="http://schemas.microsoft.com/office/drawing/2014/main" id="{375EC126-1DE5-088F-FBB8-F049A81F01E6}"/>
+              </a:ext>
+            </a:extLst>
+          </p:cNvPr>
+          <p:cNvSpPr/>
+          <p:nvPr/>
+        </p:nvSpPr>
+        <p:spPr>
+          <a:xfrm>
+            <a:off x="7147250" y="963962"/>
+            <a:ext cx="1166326" cy="637593"/>
+          </a:xfrm>
+          <a:prstGeom prst="roundRect">
+            <a:avLst/>
+          </a:prstGeom>
+        </p:spPr>
+        <p:style>
+          <a:lnRef idx="2">
+            <a:schemeClr val="accent1">
+              <a:shade val="15000"/>
+            </a:schemeClr>
+          </a:lnRef>
+          <a:fillRef idx="1">
+            <a:schemeClr val="accent1"/>
+          </a:fillRef>
+          <a:effectRef idx="0">
+            <a:schemeClr val="accent1"/>
+          </a:effectRef>
+          <a:fontRef idx="minor">
+            <a:schemeClr val="lt1"/>
+          </a:fontRef>
+        </p:style>
+        <p:txBody>
+          <a:bodyPr rtlCol="0" anchor="ctr"/>
+          <a:lstStyle/>
+          <a:p>
+            <a:pPr algn="ctr"/>
+            <a:r>
+              <a:rPr lang="en-IN" dirty="0"/>
+              <a:t>Ref </a:t>
+            </a:r>
+            <a:r>
+              <a:rPr lang="en-IN" dirty="0" err="1"/>
+              <a:t>Dll</a:t>
+            </a:r>
+            <a:endParaRPr lang="en-US" dirty="0"/>
+          </a:p>
+        </p:txBody>
+      </p:sp>
+      <p:sp>
+        <p:nvSpPr>
+          <p:cNvPr id="53" name="Rectangle: Rounded Corners 52">
+            <a:extLst>
+              <a:ext uri="{FF2B5EF4-FFF2-40B4-BE49-F238E27FC236}">
+                <a16:creationId xmlns:a16="http://schemas.microsoft.com/office/drawing/2014/main" id="{2B8108CB-2E75-B187-5821-F5A248A9FB9A}"/>
+              </a:ext>
+            </a:extLst>
+          </p:cNvPr>
+          <p:cNvSpPr/>
+          <p:nvPr/>
+        </p:nvSpPr>
+        <p:spPr>
+          <a:xfrm>
+            <a:off x="4237655" y="1914726"/>
+            <a:ext cx="1166326" cy="637593"/>
+          </a:xfrm>
+          <a:prstGeom prst="roundRect">
+            <a:avLst/>
+          </a:prstGeom>
+        </p:spPr>
+        <p:style>
+          <a:lnRef idx="2">
+            <a:schemeClr val="accent1">
+              <a:shade val="15000"/>
+            </a:schemeClr>
+          </a:lnRef>
+          <a:fillRef idx="1">
+            <a:schemeClr val="accent1"/>
+          </a:fillRef>
+          <a:effectRef idx="0">
+            <a:schemeClr val="accent1"/>
+          </a:effectRef>
+          <a:fontRef idx="minor">
+            <a:schemeClr val="lt1"/>
+          </a:fontRef>
+        </p:style>
+        <p:txBody>
+          <a:bodyPr rtlCol="0" anchor="ctr"/>
+          <a:lstStyle/>
+          <a:p>
+            <a:pPr algn="ctr"/>
+            <a:r>
+              <a:rPr lang="en-IN" dirty="0"/>
+              <a:t>Ref </a:t>
+            </a:r>
+            <a:r>
+              <a:rPr lang="en-IN" dirty="0" err="1"/>
+              <a:t>Dll</a:t>
+            </a:r>
+            <a:endParaRPr lang="en-US" dirty="0"/>
+          </a:p>
+        </p:txBody>
+      </p:sp>
+      <p:sp>
+        <p:nvSpPr>
+          <p:cNvPr id="54" name="Rectangle: Rounded Corners 53">
+            <a:extLst>
+              <a:ext uri="{FF2B5EF4-FFF2-40B4-BE49-F238E27FC236}">
+                <a16:creationId xmlns:a16="http://schemas.microsoft.com/office/drawing/2014/main" id="{9EB2CCC6-5BFB-2461-C9EA-8458A90CF075}"/>
+              </a:ext>
+            </a:extLst>
+          </p:cNvPr>
+          <p:cNvSpPr/>
+          <p:nvPr/>
+        </p:nvSpPr>
+        <p:spPr>
+          <a:xfrm>
+            <a:off x="5722777" y="1908507"/>
+            <a:ext cx="1166326" cy="637593"/>
+          </a:xfrm>
+          <a:prstGeom prst="roundRect">
+            <a:avLst/>
+          </a:prstGeom>
+        </p:spPr>
+        <p:style>
+          <a:lnRef idx="2">
+            <a:schemeClr val="accent1">
+              <a:shade val="15000"/>
+            </a:schemeClr>
+          </a:lnRef>
+          <a:fillRef idx="1">
+            <a:schemeClr val="accent1"/>
+          </a:fillRef>
+          <a:effectRef idx="0">
+            <a:schemeClr val="accent1"/>
+          </a:effectRef>
+          <a:fontRef idx="minor">
+            <a:schemeClr val="lt1"/>
+          </a:fontRef>
+        </p:style>
+        <p:txBody>
+          <a:bodyPr rtlCol="0" anchor="ctr"/>
+          <a:lstStyle/>
+          <a:p>
+            <a:pPr algn="ctr"/>
+            <a:r>
+              <a:rPr lang="en-IN" dirty="0"/>
+              <a:t>Ref </a:t>
+            </a:r>
+            <a:r>
+              <a:rPr lang="en-IN" dirty="0" err="1"/>
+              <a:t>Dll</a:t>
+            </a:r>
+            <a:endParaRPr lang="en-US" dirty="0"/>
+          </a:p>
+        </p:txBody>
+      </p:sp>
+      <p:sp>
+        <p:nvSpPr>
+          <p:cNvPr id="55" name="Rectangle: Rounded Corners 54">
+            <a:extLst>
+              <a:ext uri="{FF2B5EF4-FFF2-40B4-BE49-F238E27FC236}">
+                <a16:creationId xmlns:a16="http://schemas.microsoft.com/office/drawing/2014/main" id="{8A8179F5-BA53-580E-FA1D-4B5776687A01}"/>
+              </a:ext>
+            </a:extLst>
+          </p:cNvPr>
+          <p:cNvSpPr/>
+          <p:nvPr/>
+        </p:nvSpPr>
+        <p:spPr>
+          <a:xfrm>
+            <a:off x="7169019" y="1905388"/>
+            <a:ext cx="1166326" cy="637593"/>
+          </a:xfrm>
+          <a:prstGeom prst="roundRect">
+            <a:avLst/>
+          </a:prstGeom>
+        </p:spPr>
+        <p:style>
+          <a:lnRef idx="2">
+            <a:schemeClr val="accent1">
+              <a:shade val="15000"/>
+            </a:schemeClr>
+          </a:lnRef>
+          <a:fillRef idx="1">
+            <a:schemeClr val="accent1"/>
+          </a:fillRef>
+          <a:effectRef idx="0">
+            <a:schemeClr val="accent1"/>
+          </a:effectRef>
+          <a:fontRef idx="minor">
+            <a:schemeClr val="lt1"/>
+          </a:fontRef>
+        </p:style>
+        <p:txBody>
+          <a:bodyPr rtlCol="0" anchor="ctr"/>
+          <a:lstStyle/>
+          <a:p>
+            <a:pPr algn="ctr"/>
+            <a:r>
+              <a:rPr lang="en-IN" dirty="0"/>
+              <a:t>Ref </a:t>
+            </a:r>
+            <a:r>
+              <a:rPr lang="en-IN" dirty="0" err="1"/>
+              <a:t>Dll</a:t>
+            </a:r>
+            <a:endParaRPr lang="en-US" dirty="0"/>
+          </a:p>
+        </p:txBody>
+      </p:sp>
+      <p:cxnSp>
+        <p:nvCxnSpPr>
+          <p:cNvPr id="57" name="Connector: Elbow 56">
+            <a:extLst>
+              <a:ext uri="{FF2B5EF4-FFF2-40B4-BE49-F238E27FC236}">
+                <a16:creationId xmlns:a16="http://schemas.microsoft.com/office/drawing/2014/main" id="{18A7ACD7-13C8-7BD8-0EAA-943CE644218D}"/>
+              </a:ext>
+            </a:extLst>
+          </p:cNvPr>
+          <p:cNvCxnSpPr>
+            <a:endCxn id="49" idx="0"/>
+          </p:cNvCxnSpPr>
+          <p:nvPr/>
+        </p:nvCxnSpPr>
+        <p:spPr>
+          <a:xfrm rot="10800000" flipV="1">
+            <a:off x="2775857" y="933061"/>
+            <a:ext cx="2116494" cy="52874"/>
+          </a:xfrm>
+          <a:prstGeom prst="bentConnector2">
+            <a:avLst/>
+          </a:prstGeom>
+          <a:ln>
+            <a:tailEnd type="triangle"/>
+          </a:ln>
+        </p:spPr>
+        <p:style>
+          <a:lnRef idx="1">
+            <a:schemeClr val="accent1"/>
+          </a:lnRef>
+          <a:fillRef idx="0">
+            <a:schemeClr val="accent1"/>
+          </a:fillRef>
+          <a:effectRef idx="0">
+            <a:schemeClr val="accent1"/>
+          </a:effectRef>
+          <a:fontRef idx="minor">
+            <a:schemeClr val="tx1"/>
+          </a:fontRef>
+        </p:style>
+      </p:cxnSp>
+      <p:cxnSp>
+        <p:nvCxnSpPr>
+          <p:cNvPr id="59" name="Connector: Elbow 58">
+            <a:extLst>
+              <a:ext uri="{FF2B5EF4-FFF2-40B4-BE49-F238E27FC236}">
+                <a16:creationId xmlns:a16="http://schemas.microsoft.com/office/drawing/2014/main" id="{3BABEE0A-56FF-3633-EDAC-F7C2783FE04E}"/>
+              </a:ext>
+            </a:extLst>
+          </p:cNvPr>
+          <p:cNvCxnSpPr>
+            <a:stCxn id="53" idx="2"/>
+            <a:endCxn id="49" idx="2"/>
+          </p:cNvCxnSpPr>
+          <p:nvPr/>
+        </p:nvCxnSpPr>
+        <p:spPr>
+          <a:xfrm rot="5400000">
+            <a:off x="3631363" y="1696814"/>
+            <a:ext cx="333951" cy="2044961"/>
+          </a:xfrm>
+          <a:prstGeom prst="bentConnector3">
+            <a:avLst>
+              <a:gd name="adj1" fmla="val 168453"/>
+            </a:avLst>
+          </a:prstGeom>
+          <a:ln>
+            <a:tailEnd type="triangle"/>
+          </a:ln>
+        </p:spPr>
+        <p:style>
+          <a:lnRef idx="1">
+            <a:schemeClr val="accent1"/>
+          </a:lnRef>
+          <a:fillRef idx="0">
+            <a:schemeClr val="accent1"/>
+          </a:fillRef>
+          <a:effectRef idx="0">
+            <a:schemeClr val="accent1"/>
+          </a:effectRef>
+          <a:fontRef idx="minor">
+            <a:schemeClr val="tx1"/>
+          </a:fontRef>
+        </p:style>
+      </p:cxnSp>
+      <p:cxnSp>
+        <p:nvCxnSpPr>
+          <p:cNvPr id="61" name="Connector: Elbow 60">
+            <a:extLst>
+              <a:ext uri="{FF2B5EF4-FFF2-40B4-BE49-F238E27FC236}">
+                <a16:creationId xmlns:a16="http://schemas.microsoft.com/office/drawing/2014/main" id="{93C7484D-933E-6C32-E18A-2447ACD21813}"/>
+              </a:ext>
+            </a:extLst>
+          </p:cNvPr>
+          <p:cNvCxnSpPr>
+            <a:stCxn id="51" idx="2"/>
+            <a:endCxn id="49" idx="3"/>
+          </p:cNvCxnSpPr>
+          <p:nvPr/>
+        </p:nvCxnSpPr>
+        <p:spPr>
+          <a:xfrm rot="5400000">
+            <a:off x="4692521" y="237153"/>
+            <a:ext cx="365449" cy="3032450"/>
+          </a:xfrm>
+          <a:prstGeom prst="bentConnector2">
+            <a:avLst/>
+          </a:prstGeom>
+          <a:ln>
+            <a:tailEnd type="triangle"/>
+          </a:ln>
+        </p:spPr>
+        <p:style>
+          <a:lnRef idx="1">
+            <a:schemeClr val="accent1"/>
+          </a:lnRef>
+          <a:fillRef idx="0">
+            <a:schemeClr val="accent1"/>
+          </a:fillRef>
+          <a:effectRef idx="0">
+            <a:schemeClr val="accent1"/>
+          </a:effectRef>
+          <a:fontRef idx="minor">
+            <a:schemeClr val="tx1"/>
+          </a:fontRef>
+        </p:style>
+      </p:cxnSp>
+      <p:cxnSp>
+        <p:nvCxnSpPr>
+          <p:cNvPr id="63" name="Connector: Elbow 62">
+            <a:extLst>
+              <a:ext uri="{FF2B5EF4-FFF2-40B4-BE49-F238E27FC236}">
+                <a16:creationId xmlns:a16="http://schemas.microsoft.com/office/drawing/2014/main" id="{19E27E08-967E-5684-02B1-FBBDE02D56CB}"/>
+              </a:ext>
+            </a:extLst>
+          </p:cNvPr>
+          <p:cNvCxnSpPr>
+            <a:stCxn id="54" idx="2"/>
+            <a:endCxn id="49" idx="3"/>
+          </p:cNvCxnSpPr>
+          <p:nvPr/>
+        </p:nvCxnSpPr>
+        <p:spPr>
+          <a:xfrm rot="5400000" flipH="1">
+            <a:off x="4527481" y="767642"/>
+            <a:ext cx="609997" cy="2946920"/>
+          </a:xfrm>
+          <a:prstGeom prst="bentConnector4">
+            <a:avLst>
+              <a:gd name="adj1" fmla="val -37476"/>
+              <a:gd name="adj2" fmla="val 59894"/>
+            </a:avLst>
+          </a:prstGeom>
+          <a:ln>
+            <a:tailEnd type="triangle"/>
+          </a:ln>
+        </p:spPr>
+        <p:style>
+          <a:lnRef idx="1">
+            <a:schemeClr val="accent1"/>
+          </a:lnRef>
+          <a:fillRef idx="0">
+            <a:schemeClr val="accent1"/>
+          </a:fillRef>
+          <a:effectRef idx="0">
+            <a:schemeClr val="accent1"/>
+          </a:effectRef>
+          <a:fontRef idx="minor">
+            <a:schemeClr val="tx1"/>
+          </a:fontRef>
+        </p:style>
+      </p:cxnSp>
+      <p:cxnSp>
+        <p:nvCxnSpPr>
+          <p:cNvPr id="65" name="Connector: Elbow 64">
+            <a:extLst>
+              <a:ext uri="{FF2B5EF4-FFF2-40B4-BE49-F238E27FC236}">
+                <a16:creationId xmlns:a16="http://schemas.microsoft.com/office/drawing/2014/main" id="{A012F176-D9DF-2BF2-0040-D6D9B9921029}"/>
+              </a:ext>
+            </a:extLst>
+          </p:cNvPr>
+          <p:cNvCxnSpPr>
+            <a:stCxn id="55" idx="2"/>
+            <a:endCxn id="49" idx="3"/>
+          </p:cNvCxnSpPr>
+          <p:nvPr/>
+        </p:nvCxnSpPr>
+        <p:spPr>
+          <a:xfrm rot="5400000" flipH="1">
+            <a:off x="5252162" y="42961"/>
+            <a:ext cx="606878" cy="4393162"/>
+          </a:xfrm>
+          <a:prstGeom prst="bentConnector4">
+            <a:avLst>
+              <a:gd name="adj1" fmla="val -37668"/>
+              <a:gd name="adj2" fmla="val 56637"/>
+            </a:avLst>
+          </a:prstGeom>
+          <a:ln>
+            <a:tailEnd type="triangle"/>
+          </a:ln>
+        </p:spPr>
+        <p:style>
+          <a:lnRef idx="1">
+            <a:schemeClr val="accent1"/>
+          </a:lnRef>
+          <a:fillRef idx="0">
+            <a:schemeClr val="accent1"/>
+          </a:fillRef>
+          <a:effectRef idx="0">
+            <a:schemeClr val="accent1"/>
+          </a:effectRef>
+          <a:fontRef idx="minor">
+            <a:schemeClr val="tx1"/>
+          </a:fontRef>
+        </p:style>
+      </p:cxnSp>
+      <p:cxnSp>
+        <p:nvCxnSpPr>
+          <p:cNvPr id="67" name="Connector: Elbow 66">
+            <a:extLst>
+              <a:ext uri="{FF2B5EF4-FFF2-40B4-BE49-F238E27FC236}">
+                <a16:creationId xmlns:a16="http://schemas.microsoft.com/office/drawing/2014/main" id="{84D058F8-ED5B-8FA0-1ABB-4D5DE245C1D0}"/>
+              </a:ext>
+            </a:extLst>
+          </p:cNvPr>
+          <p:cNvCxnSpPr>
+            <a:stCxn id="52" idx="2"/>
+            <a:endCxn id="49" idx="3"/>
+          </p:cNvCxnSpPr>
+          <p:nvPr/>
+        </p:nvCxnSpPr>
+        <p:spPr>
+          <a:xfrm rot="5400000">
+            <a:off x="5377443" y="-416867"/>
+            <a:ext cx="334548" cy="4371393"/>
+          </a:xfrm>
+          <a:prstGeom prst="bentConnector2">
+            <a:avLst/>
+          </a:prstGeom>
+          <a:ln>
+            <a:tailEnd type="triangle"/>
+          </a:ln>
+        </p:spPr>
+        <p:style>
+          <a:lnRef idx="1">
+            <a:schemeClr val="accent1"/>
+          </a:lnRef>
+          <a:fillRef idx="0">
+            <a:schemeClr val="accent1"/>
+          </a:fillRef>
+          <a:effectRef idx="0">
+            <a:schemeClr val="accent1"/>
+          </a:effectRef>
+          <a:fontRef idx="minor">
+            <a:schemeClr val="tx1"/>
+          </a:fontRef>
+        </p:style>
+      </p:cxnSp>
+      <p:cxnSp>
+        <p:nvCxnSpPr>
+          <p:cNvPr id="69" name="Connector: Elbow 68">
+            <a:extLst>
+              <a:ext uri="{FF2B5EF4-FFF2-40B4-BE49-F238E27FC236}">
+                <a16:creationId xmlns:a16="http://schemas.microsoft.com/office/drawing/2014/main" id="{06793102-2A89-F213-AA62-95683CC6A391}"/>
+              </a:ext>
+            </a:extLst>
+          </p:cNvPr>
+          <p:cNvCxnSpPr>
+            <a:endCxn id="40" idx="0"/>
+          </p:cNvCxnSpPr>
+          <p:nvPr/>
+        </p:nvCxnSpPr>
+        <p:spPr>
+          <a:xfrm rot="5400000">
+            <a:off x="3025451" y="2653780"/>
+            <a:ext cx="1673290" cy="751118"/>
+          </a:xfrm>
+          <a:prstGeom prst="bentConnector3">
+            <a:avLst/>
+          </a:prstGeom>
+          <a:ln>
+            <a:headEnd type="triangle"/>
+            <a:tailEnd type="triangle"/>
+          </a:ln>
+        </p:spPr>
+        <p:style>
+          <a:lnRef idx="1">
+            <a:schemeClr val="accent1"/>
+          </a:lnRef>
+          <a:fillRef idx="0">
+            <a:schemeClr val="accent1"/>
+          </a:fillRef>
+          <a:effectRef idx="0">
+            <a:schemeClr val="accent1"/>
+          </a:effectRef>
+          <a:fontRef idx="minor">
+            <a:schemeClr val="tx1"/>
+          </a:fontRef>
+        </p:style>
+      </p:cxnSp>
+    </p:spTree>
+    <p:extLst>
+      <p:ext uri="{BB962C8B-B14F-4D97-AF65-F5344CB8AC3E}">
+        <p14:creationId xmlns:p14="http://schemas.microsoft.com/office/powerpoint/2010/main" val="2077537789"/>
+      </p:ext>
+    </p:extLst>
+  </p:cSld>
+  <p:clrMapOvr>
+    <a:masterClrMapping/>
+  </p:clrMapOvr>
+</p:sld>
+</file>
+
+<file path=ppt/slides/slide24.xml><?xml version="1.0" encoding="utf-8"?>
+<p:sld xmlns:a="http://schemas.openxmlformats.org/drawingml/2006/main" xmlns:r="http://schemas.openxmlformats.org/officeDocument/2006/relationships" xmlns:p="http://schemas.openxmlformats.org/presentationml/2006/main">
+  <p:cSld>
+    <p:spTree>
+      <p:nvGrpSpPr>
+        <p:cNvPr id="1" name=""/>
+        <p:cNvGrpSpPr/>
+        <p:nvPr/>
+      </p:nvGrpSpPr>
+      <p:grpSpPr>
+        <a:xfrm>
+          <a:off x="0" y="0"/>
+          <a:ext cx="0" cy="0"/>
+          <a:chOff x="0" y="0"/>
+          <a:chExt cx="0" cy="0"/>
+        </a:xfrm>
+      </p:grpSpPr>
+      <p:sp>
+        <p:nvSpPr>
+          <p:cNvPr id="2" name="Rectangle 1">
+            <a:extLst>
+              <a:ext uri="{FF2B5EF4-FFF2-40B4-BE49-F238E27FC236}">
+                <a16:creationId xmlns:a16="http://schemas.microsoft.com/office/drawing/2014/main" id="{D8600B22-5A27-4373-30D8-04353D1CFD12}"/>
+              </a:ext>
+            </a:extLst>
+          </p:cNvPr>
+          <p:cNvSpPr/>
+          <p:nvPr/>
+        </p:nvSpPr>
+        <p:spPr>
+          <a:xfrm>
+            <a:off x="1324947" y="914400"/>
+            <a:ext cx="2118049" cy="5215812"/>
+          </a:xfrm>
+          <a:prstGeom prst="rect">
+            <a:avLst/>
+          </a:prstGeom>
+        </p:spPr>
+        <p:style>
+          <a:lnRef idx="2">
+            <a:schemeClr val="accent1">
+              <a:shade val="15000"/>
+            </a:schemeClr>
+          </a:lnRef>
+          <a:fillRef idx="1">
+            <a:schemeClr val="accent1"/>
+          </a:fillRef>
+          <a:effectRef idx="0">
+            <a:schemeClr val="accent1"/>
+          </a:effectRef>
+          <a:fontRef idx="minor">
+            <a:schemeClr val="lt1"/>
+          </a:fontRef>
+        </p:style>
+        <p:txBody>
+          <a:bodyPr rtlCol="0" anchor="ctr"/>
+          <a:lstStyle/>
+          <a:p>
+            <a:pPr algn="ctr"/>
+            <a:endParaRPr lang="en-US"/>
+          </a:p>
+        </p:txBody>
+      </p:sp>
+      <p:sp>
+        <p:nvSpPr>
+          <p:cNvPr id="3" name="Cylinder 2">
+            <a:extLst>
+              <a:ext uri="{FF2B5EF4-FFF2-40B4-BE49-F238E27FC236}">
+                <a16:creationId xmlns:a16="http://schemas.microsoft.com/office/drawing/2014/main" id="{EFBBED5E-9264-A81B-DF7B-F66EE8ADA2B0}"/>
+              </a:ext>
+            </a:extLst>
+          </p:cNvPr>
+          <p:cNvSpPr/>
+          <p:nvPr/>
+        </p:nvSpPr>
+        <p:spPr>
+          <a:xfrm>
+            <a:off x="9601200" y="914400"/>
+            <a:ext cx="1455575" cy="858416"/>
+          </a:xfrm>
+          <a:prstGeom prst="can">
+            <a:avLst/>
+          </a:prstGeom>
+        </p:spPr>
+        <p:style>
+          <a:lnRef idx="2">
+            <a:schemeClr val="accent1">
+              <a:shade val="15000"/>
+            </a:schemeClr>
+          </a:lnRef>
+          <a:fillRef idx="1">
+            <a:schemeClr val="accent1"/>
+          </a:fillRef>
+          <a:effectRef idx="0">
+            <a:schemeClr val="accent1"/>
+          </a:effectRef>
+          <a:fontRef idx="minor">
+            <a:schemeClr val="lt1"/>
+          </a:fontRef>
+        </p:style>
+        <p:txBody>
+          <a:bodyPr rtlCol="0" anchor="ctr"/>
+          <a:lstStyle/>
+          <a:p>
+            <a:pPr algn="ctr"/>
+            <a:endParaRPr lang="en-US"/>
+          </a:p>
+        </p:txBody>
+      </p:sp>
+      <p:cxnSp>
+        <p:nvCxnSpPr>
+          <p:cNvPr id="5" name="Connector: Elbow 4">
+            <a:extLst>
+              <a:ext uri="{FF2B5EF4-FFF2-40B4-BE49-F238E27FC236}">
+                <a16:creationId xmlns:a16="http://schemas.microsoft.com/office/drawing/2014/main" id="{09BDBB9E-893E-6E4C-FBA0-F22F09B61BD4}"/>
+              </a:ext>
+            </a:extLst>
+          </p:cNvPr>
+          <p:cNvCxnSpPr>
+            <a:cxnSpLocks/>
+            <a:stCxn id="2" idx="0"/>
+            <a:endCxn id="3" idx="1"/>
+          </p:cNvCxnSpPr>
+          <p:nvPr/>
+        </p:nvCxnSpPr>
+        <p:spPr>
+          <a:xfrm rot="5400000" flipH="1" flipV="1">
+            <a:off x="6356480" y="-3058108"/>
+            <a:ext cx="12700" cy="7945016"/>
+          </a:xfrm>
+          <a:prstGeom prst="bentConnector3">
+            <a:avLst>
+              <a:gd name="adj1" fmla="val 1800000"/>
+            </a:avLst>
+          </a:prstGeom>
+          <a:ln>
+            <a:headEnd type="triangle"/>
+            <a:tailEnd type="triangle"/>
+          </a:ln>
+        </p:spPr>
+        <p:style>
+          <a:lnRef idx="1">
+            <a:schemeClr val="accent1"/>
+          </a:lnRef>
+          <a:fillRef idx="0">
+            <a:schemeClr val="accent1"/>
+          </a:fillRef>
+          <a:effectRef idx="0">
+            <a:schemeClr val="accent1"/>
+          </a:effectRef>
+          <a:fontRef idx="minor">
+            <a:schemeClr val="tx1"/>
+          </a:fontRef>
+        </p:style>
+      </p:cxnSp>
+      <p:sp>
+        <p:nvSpPr>
+          <p:cNvPr id="6" name="TextBox 5">
+            <a:extLst>
+              <a:ext uri="{FF2B5EF4-FFF2-40B4-BE49-F238E27FC236}">
+                <a16:creationId xmlns:a16="http://schemas.microsoft.com/office/drawing/2014/main" id="{E169194A-CCED-BA71-D676-A40B9F0293A0}"/>
+              </a:ext>
+            </a:extLst>
+          </p:cNvPr>
+          <p:cNvSpPr txBox="1"/>
+          <p:nvPr/>
+        </p:nvSpPr>
+        <p:spPr>
+          <a:xfrm>
+            <a:off x="4907902" y="793102"/>
+            <a:ext cx="3097763" cy="369332"/>
+          </a:xfrm>
+          <a:prstGeom prst="rect">
+            <a:avLst/>
+          </a:prstGeom>
+          <a:noFill/>
+        </p:spPr>
+        <p:txBody>
+          <a:bodyPr wrap="square" rtlCol="0">
+            <a:spAutoFit/>
+          </a:bodyPr>
+          <a:lstStyle/>
+          <a:p>
+            <a:r>
+              <a:rPr lang="en-IN" dirty="0"/>
+              <a:t>Thread for Db Calls</a:t>
+            </a:r>
+            <a:endParaRPr lang="en-US" dirty="0"/>
+          </a:p>
+        </p:txBody>
+      </p:sp>
+      <p:sp>
+        <p:nvSpPr>
+          <p:cNvPr id="7" name="Flowchart: Multidocument 6">
+            <a:extLst>
+              <a:ext uri="{FF2B5EF4-FFF2-40B4-BE49-F238E27FC236}">
+                <a16:creationId xmlns:a16="http://schemas.microsoft.com/office/drawing/2014/main" id="{C2168D21-A57A-6CB9-123A-4455C018A6F9}"/>
+              </a:ext>
+            </a:extLst>
+          </p:cNvPr>
+          <p:cNvSpPr/>
+          <p:nvPr/>
+        </p:nvSpPr>
+        <p:spPr>
+          <a:xfrm>
+            <a:off x="4404048" y="4973216"/>
+            <a:ext cx="2118049" cy="1586205"/>
+          </a:xfrm>
+          <a:prstGeom prst="flowChartMultidocument">
+            <a:avLst/>
+          </a:prstGeom>
+        </p:spPr>
+        <p:style>
+          <a:lnRef idx="2">
+            <a:schemeClr val="accent1">
+              <a:shade val="15000"/>
+            </a:schemeClr>
+          </a:lnRef>
+          <a:fillRef idx="1">
+            <a:schemeClr val="accent1"/>
+          </a:fillRef>
+          <a:effectRef idx="0">
+            <a:schemeClr val="accent1"/>
+          </a:effectRef>
+          <a:fontRef idx="minor">
+            <a:schemeClr val="lt1"/>
+          </a:fontRef>
+        </p:style>
+        <p:txBody>
+          <a:bodyPr rtlCol="0" anchor="ctr"/>
+          <a:lstStyle/>
+          <a:p>
+            <a:pPr algn="ctr"/>
+            <a:endParaRPr lang="en-US"/>
+          </a:p>
+        </p:txBody>
+      </p:sp>
+      <p:cxnSp>
+        <p:nvCxnSpPr>
+          <p:cNvPr id="9" name="Connector: Elbow 8">
+            <a:extLst>
+              <a:ext uri="{FF2B5EF4-FFF2-40B4-BE49-F238E27FC236}">
+                <a16:creationId xmlns:a16="http://schemas.microsoft.com/office/drawing/2014/main" id="{1B9954A7-CC2B-4291-7B96-B1764D8BC802}"/>
+              </a:ext>
+            </a:extLst>
+          </p:cNvPr>
+          <p:cNvCxnSpPr>
+            <a:stCxn id="2" idx="3"/>
+            <a:endCxn id="7" idx="0"/>
+          </p:cNvCxnSpPr>
+          <p:nvPr/>
+        </p:nvCxnSpPr>
+        <p:spPr>
+          <a:xfrm>
+            <a:off x="3442996" y="3522306"/>
+            <a:ext cx="2165790" cy="1450910"/>
+          </a:xfrm>
+          <a:prstGeom prst="bentConnector2">
+            <a:avLst/>
+          </a:prstGeom>
+          <a:ln>
+            <a:headEnd type="triangle"/>
+            <a:tailEnd type="triangle"/>
+          </a:ln>
+        </p:spPr>
+        <p:style>
+          <a:lnRef idx="1">
+            <a:schemeClr val="accent1"/>
+          </a:lnRef>
+          <a:fillRef idx="0">
+            <a:schemeClr val="accent1"/>
+          </a:fillRef>
+          <a:effectRef idx="0">
+            <a:schemeClr val="accent1"/>
+          </a:effectRef>
+          <a:fontRef idx="minor">
+            <a:schemeClr val="tx1"/>
+          </a:fontRef>
+        </p:style>
+      </p:cxnSp>
+      <p:sp>
+        <p:nvSpPr>
+          <p:cNvPr id="10" name="TextBox 9">
+            <a:extLst>
+              <a:ext uri="{FF2B5EF4-FFF2-40B4-BE49-F238E27FC236}">
+                <a16:creationId xmlns:a16="http://schemas.microsoft.com/office/drawing/2014/main" id="{EED16A2E-4219-2502-C13D-F81C14CB24BA}"/>
+              </a:ext>
+            </a:extLst>
+          </p:cNvPr>
+          <p:cNvSpPr txBox="1"/>
+          <p:nvPr/>
+        </p:nvSpPr>
+        <p:spPr>
+          <a:xfrm>
+            <a:off x="4516016" y="2911151"/>
+            <a:ext cx="2304661" cy="369332"/>
+          </a:xfrm>
+          <a:prstGeom prst="rect">
+            <a:avLst/>
+          </a:prstGeom>
+          <a:noFill/>
+        </p:spPr>
+        <p:txBody>
+          <a:bodyPr wrap="square" rtlCol="0">
+            <a:spAutoFit/>
+          </a:bodyPr>
+          <a:lstStyle/>
+          <a:p>
+            <a:r>
+              <a:rPr lang="en-IN" dirty="0"/>
+              <a:t>Thread for Files</a:t>
+            </a:r>
+            <a:endParaRPr lang="en-US" dirty="0"/>
+          </a:p>
+        </p:txBody>
+      </p:sp>
+      <p:sp>
+        <p:nvSpPr>
+          <p:cNvPr id="13" name="Cylinder 12">
+            <a:extLst>
+              <a:ext uri="{FF2B5EF4-FFF2-40B4-BE49-F238E27FC236}">
+                <a16:creationId xmlns:a16="http://schemas.microsoft.com/office/drawing/2014/main" id="{02313781-61C3-B89E-9B80-538405C4A481}"/>
+              </a:ext>
+            </a:extLst>
+          </p:cNvPr>
+          <p:cNvSpPr/>
+          <p:nvPr/>
+        </p:nvSpPr>
+        <p:spPr>
+          <a:xfrm>
+            <a:off x="9706947" y="2237401"/>
+            <a:ext cx="1455575" cy="858416"/>
+          </a:xfrm>
+          <a:prstGeom prst="can">
+            <a:avLst/>
+          </a:prstGeom>
+        </p:spPr>
+        <p:style>
+          <a:lnRef idx="2">
+            <a:schemeClr val="accent1">
+              <a:shade val="15000"/>
+            </a:schemeClr>
+          </a:lnRef>
+          <a:fillRef idx="1">
+            <a:schemeClr val="accent1"/>
+          </a:fillRef>
+          <a:effectRef idx="0">
+            <a:schemeClr val="accent1"/>
+          </a:effectRef>
+          <a:fontRef idx="minor">
+            <a:schemeClr val="lt1"/>
+          </a:fontRef>
+        </p:style>
+        <p:txBody>
+          <a:bodyPr rtlCol="0" anchor="ctr"/>
+          <a:lstStyle/>
+          <a:p>
+            <a:pPr algn="ctr"/>
+            <a:endParaRPr lang="en-US"/>
+          </a:p>
+        </p:txBody>
+      </p:sp>
+      <p:cxnSp>
+        <p:nvCxnSpPr>
+          <p:cNvPr id="15" name="Connector: Elbow 14">
+            <a:extLst>
+              <a:ext uri="{FF2B5EF4-FFF2-40B4-BE49-F238E27FC236}">
+                <a16:creationId xmlns:a16="http://schemas.microsoft.com/office/drawing/2014/main" id="{46A52A2B-2F55-2381-7322-386B9AE02B47}"/>
+              </a:ext>
+            </a:extLst>
+          </p:cNvPr>
+          <p:cNvCxnSpPr>
+            <a:endCxn id="13" idx="1"/>
+          </p:cNvCxnSpPr>
+          <p:nvPr/>
+        </p:nvCxnSpPr>
+        <p:spPr>
+          <a:xfrm>
+            <a:off x="3442996" y="1987420"/>
+            <a:ext cx="6991739" cy="249981"/>
+          </a:xfrm>
+          <a:prstGeom prst="bentConnector2">
+            <a:avLst/>
+          </a:prstGeom>
+          <a:ln>
+            <a:headEnd type="triangle"/>
+            <a:tailEnd type="triangle"/>
+          </a:ln>
+        </p:spPr>
+        <p:style>
+          <a:lnRef idx="1">
+            <a:schemeClr val="accent1"/>
+          </a:lnRef>
+          <a:fillRef idx="0">
+            <a:schemeClr val="accent1"/>
+          </a:fillRef>
+          <a:effectRef idx="0">
+            <a:schemeClr val="accent1"/>
+          </a:effectRef>
+          <a:fontRef idx="minor">
+            <a:schemeClr val="tx1"/>
+          </a:fontRef>
+        </p:style>
+      </p:cxnSp>
+      <p:sp>
+        <p:nvSpPr>
+          <p:cNvPr id="17" name="Rectangle: Rounded Corners 16">
+            <a:extLst>
+              <a:ext uri="{FF2B5EF4-FFF2-40B4-BE49-F238E27FC236}">
+                <a16:creationId xmlns:a16="http://schemas.microsoft.com/office/drawing/2014/main" id="{14142A45-67A5-8B01-0601-98146D20A3A0}"/>
+              </a:ext>
+            </a:extLst>
+          </p:cNvPr>
+          <p:cNvSpPr/>
+          <p:nvPr/>
+        </p:nvSpPr>
+        <p:spPr>
+          <a:xfrm>
+            <a:off x="7604449" y="4620600"/>
+            <a:ext cx="1268963" cy="1418253"/>
+          </a:xfrm>
+          <a:prstGeom prst="roundRect">
+            <a:avLst/>
+          </a:prstGeom>
+        </p:spPr>
+        <p:style>
+          <a:lnRef idx="2">
+            <a:schemeClr val="accent1">
+              <a:shade val="15000"/>
+            </a:schemeClr>
+          </a:lnRef>
+          <a:fillRef idx="1">
+            <a:schemeClr val="accent1"/>
+          </a:fillRef>
+          <a:effectRef idx="0">
+            <a:schemeClr val="accent1"/>
+          </a:effectRef>
+          <a:fontRef idx="minor">
+            <a:schemeClr val="lt1"/>
+          </a:fontRef>
+        </p:style>
+        <p:txBody>
+          <a:bodyPr rtlCol="0" anchor="ctr"/>
+          <a:lstStyle/>
+          <a:p>
+            <a:pPr algn="ctr"/>
+            <a:endParaRPr lang="en-US"/>
+          </a:p>
+        </p:txBody>
+      </p:sp>
+      <p:sp>
+        <p:nvSpPr>
+          <p:cNvPr id="18" name="Rectangle: Rounded Corners 17">
+            <a:extLst>
+              <a:ext uri="{FF2B5EF4-FFF2-40B4-BE49-F238E27FC236}">
+                <a16:creationId xmlns:a16="http://schemas.microsoft.com/office/drawing/2014/main" id="{EFC30F41-08D6-02EF-09D2-BE50C32065F9}"/>
+              </a:ext>
+            </a:extLst>
+          </p:cNvPr>
+          <p:cNvSpPr/>
+          <p:nvPr/>
+        </p:nvSpPr>
+        <p:spPr>
+          <a:xfrm>
+            <a:off x="10374085" y="4572001"/>
+            <a:ext cx="1576873" cy="1450910"/>
+          </a:xfrm>
+          <a:prstGeom prst="roundRect">
+            <a:avLst/>
+          </a:prstGeom>
+        </p:spPr>
+        <p:style>
+          <a:lnRef idx="2">
+            <a:schemeClr val="accent1">
+              <a:shade val="15000"/>
+            </a:schemeClr>
+          </a:lnRef>
+          <a:fillRef idx="1">
+            <a:schemeClr val="accent1"/>
+          </a:fillRef>
+          <a:effectRef idx="0">
+            <a:schemeClr val="accent1"/>
+          </a:effectRef>
+          <a:fontRef idx="minor">
+            <a:schemeClr val="lt1"/>
+          </a:fontRef>
+        </p:style>
+        <p:txBody>
+          <a:bodyPr rtlCol="0" anchor="ctr"/>
+          <a:lstStyle/>
+          <a:p>
+            <a:pPr algn="ctr"/>
+            <a:endParaRPr lang="en-US"/>
+          </a:p>
+        </p:txBody>
+      </p:sp>
+      <p:sp>
+        <p:nvSpPr>
+          <p:cNvPr id="19" name="Isosceles Triangle 18">
+            <a:extLst>
+              <a:ext uri="{FF2B5EF4-FFF2-40B4-BE49-F238E27FC236}">
+                <a16:creationId xmlns:a16="http://schemas.microsoft.com/office/drawing/2014/main" id="{7C9ABEDC-CC5C-DBAC-491B-0E8404E47173}"/>
+              </a:ext>
+            </a:extLst>
+          </p:cNvPr>
+          <p:cNvSpPr/>
+          <p:nvPr/>
+        </p:nvSpPr>
+        <p:spPr>
+          <a:xfrm>
+            <a:off x="9405257" y="4030824"/>
+            <a:ext cx="301690" cy="699796"/>
+          </a:xfrm>
+          <a:prstGeom prst="triangle">
+            <a:avLst/>
+          </a:prstGeom>
+        </p:spPr>
+        <p:style>
+          <a:lnRef idx="2">
+            <a:schemeClr val="accent1">
+              <a:shade val="15000"/>
+            </a:schemeClr>
+          </a:lnRef>
+          <a:fillRef idx="1">
+            <a:schemeClr val="accent1"/>
+          </a:fillRef>
+          <a:effectRef idx="0">
+            <a:schemeClr val="accent1"/>
+          </a:effectRef>
+          <a:fontRef idx="minor">
+            <a:schemeClr val="lt1"/>
+          </a:fontRef>
+        </p:style>
+        <p:txBody>
+          <a:bodyPr rtlCol="0" anchor="ctr"/>
+          <a:lstStyle/>
+          <a:p>
+            <a:pPr algn="ctr"/>
+            <a:endParaRPr lang="en-US"/>
+          </a:p>
+        </p:txBody>
+      </p:sp>
+      <p:sp>
+        <p:nvSpPr>
+          <p:cNvPr id="20" name="Sun 19">
+            <a:extLst>
+              <a:ext uri="{FF2B5EF4-FFF2-40B4-BE49-F238E27FC236}">
+                <a16:creationId xmlns:a16="http://schemas.microsoft.com/office/drawing/2014/main" id="{30111B68-8966-CE44-5BA4-BB23C9F09B79}"/>
+              </a:ext>
+            </a:extLst>
+          </p:cNvPr>
+          <p:cNvSpPr/>
+          <p:nvPr/>
+        </p:nvSpPr>
+        <p:spPr>
+          <a:xfrm>
+            <a:off x="9344608" y="3522306"/>
+            <a:ext cx="422988" cy="685026"/>
+          </a:xfrm>
+          <a:prstGeom prst="sun">
+            <a:avLst/>
+          </a:prstGeom>
+        </p:spPr>
+        <p:style>
+          <a:lnRef idx="2">
+            <a:schemeClr val="accent1">
+              <a:shade val="15000"/>
+            </a:schemeClr>
+          </a:lnRef>
+          <a:fillRef idx="1">
+            <a:schemeClr val="accent1"/>
+          </a:fillRef>
+          <a:effectRef idx="0">
+            <a:schemeClr val="accent1"/>
+          </a:effectRef>
+          <a:fontRef idx="minor">
+            <a:schemeClr val="lt1"/>
+          </a:fontRef>
+        </p:style>
+        <p:txBody>
+          <a:bodyPr rtlCol="0" anchor="ctr"/>
+          <a:lstStyle/>
+          <a:p>
+            <a:pPr algn="ctr"/>
+            <a:endParaRPr lang="en-US"/>
+          </a:p>
+        </p:txBody>
+      </p:sp>
+      <p:cxnSp>
+        <p:nvCxnSpPr>
+          <p:cNvPr id="22" name="Connector: Elbow 21">
+            <a:extLst>
+              <a:ext uri="{FF2B5EF4-FFF2-40B4-BE49-F238E27FC236}">
+                <a16:creationId xmlns:a16="http://schemas.microsoft.com/office/drawing/2014/main" id="{95F1936B-D344-2FD5-D589-6E9C0AF8262F}"/>
+              </a:ext>
+            </a:extLst>
+          </p:cNvPr>
+          <p:cNvCxnSpPr>
+            <a:stCxn id="18" idx="0"/>
+            <a:endCxn id="20" idx="3"/>
+          </p:cNvCxnSpPr>
+          <p:nvPr/>
+        </p:nvCxnSpPr>
+        <p:spPr>
+          <a:xfrm rot="16200000" flipV="1">
+            <a:off x="10111468" y="3520947"/>
+            <a:ext cx="707182" cy="1394926"/>
+          </a:xfrm>
+          <a:prstGeom prst="bentConnector2">
+            <a:avLst/>
+          </a:prstGeom>
+          <a:ln>
+            <a:tailEnd type="triangle"/>
+          </a:ln>
+        </p:spPr>
+        <p:style>
+          <a:lnRef idx="1">
+            <a:schemeClr val="accent1"/>
+          </a:lnRef>
+          <a:fillRef idx="0">
+            <a:schemeClr val="accent1"/>
+          </a:fillRef>
+          <a:effectRef idx="0">
+            <a:schemeClr val="accent1"/>
+          </a:effectRef>
+          <a:fontRef idx="minor">
+            <a:schemeClr val="tx1"/>
+          </a:fontRef>
+        </p:style>
+      </p:cxnSp>
+      <p:cxnSp>
+        <p:nvCxnSpPr>
+          <p:cNvPr id="24" name="Connector: Elbow 23">
+            <a:extLst>
+              <a:ext uri="{FF2B5EF4-FFF2-40B4-BE49-F238E27FC236}">
+                <a16:creationId xmlns:a16="http://schemas.microsoft.com/office/drawing/2014/main" id="{25EFF334-44BF-7C5D-F5FA-E857F0BEB361}"/>
+              </a:ext>
+            </a:extLst>
+          </p:cNvPr>
+          <p:cNvCxnSpPr>
+            <a:stCxn id="20" idx="1"/>
+            <a:endCxn id="17" idx="0"/>
+          </p:cNvCxnSpPr>
+          <p:nvPr/>
+        </p:nvCxnSpPr>
+        <p:spPr>
+          <a:xfrm rot="10800000" flipV="1">
+            <a:off x="8238932" y="3864818"/>
+            <a:ext cx="1105677" cy="755781"/>
+          </a:xfrm>
+          <a:prstGeom prst="bentConnector2">
+            <a:avLst/>
+          </a:prstGeom>
+          <a:ln>
+            <a:tailEnd type="triangle"/>
+          </a:ln>
+        </p:spPr>
+        <p:style>
+          <a:lnRef idx="1">
+            <a:schemeClr val="accent1"/>
+          </a:lnRef>
+          <a:fillRef idx="0">
+            <a:schemeClr val="accent1"/>
+          </a:fillRef>
+          <a:effectRef idx="0">
+            <a:schemeClr val="accent1"/>
+          </a:effectRef>
+          <a:fontRef idx="minor">
+            <a:schemeClr val="tx1"/>
+          </a:fontRef>
+        </p:style>
+      </p:cxnSp>
+      <p:sp>
+        <p:nvSpPr>
+          <p:cNvPr id="25" name="Rectangle 24">
+            <a:extLst>
+              <a:ext uri="{FF2B5EF4-FFF2-40B4-BE49-F238E27FC236}">
+                <a16:creationId xmlns:a16="http://schemas.microsoft.com/office/drawing/2014/main" id="{4D244BA8-E696-E72A-3099-835484447A38}"/>
+              </a:ext>
+            </a:extLst>
+          </p:cNvPr>
+          <p:cNvSpPr/>
+          <p:nvPr/>
+        </p:nvSpPr>
+        <p:spPr>
+          <a:xfrm>
+            <a:off x="8546841" y="5859624"/>
+            <a:ext cx="214604" cy="485192"/>
+          </a:xfrm>
+          <a:prstGeom prst="rect">
+            <a:avLst/>
+          </a:prstGeom>
+        </p:spPr>
+        <p:style>
+          <a:lnRef idx="2">
+            <a:schemeClr val="accent1">
+              <a:shade val="15000"/>
+            </a:schemeClr>
+          </a:lnRef>
+          <a:fillRef idx="1">
+            <a:schemeClr val="accent1"/>
+          </a:fillRef>
+          <a:effectRef idx="0">
+            <a:schemeClr val="accent1"/>
+          </a:effectRef>
+          <a:fontRef idx="minor">
+            <a:schemeClr val="lt1"/>
+          </a:fontRef>
+        </p:style>
+        <p:txBody>
+          <a:bodyPr rtlCol="0" anchor="ctr"/>
+          <a:lstStyle/>
+          <a:p>
+            <a:pPr algn="ctr"/>
+            <a:endParaRPr lang="en-US"/>
+          </a:p>
+        </p:txBody>
+      </p:sp>
+      <p:sp>
+        <p:nvSpPr>
+          <p:cNvPr id="26" name="Rectangle 25">
+            <a:extLst>
+              <a:ext uri="{FF2B5EF4-FFF2-40B4-BE49-F238E27FC236}">
+                <a16:creationId xmlns:a16="http://schemas.microsoft.com/office/drawing/2014/main" id="{0D07127C-F04C-B026-E380-F326D141FE3A}"/>
+              </a:ext>
+            </a:extLst>
+          </p:cNvPr>
+          <p:cNvSpPr/>
+          <p:nvPr/>
+        </p:nvSpPr>
+        <p:spPr>
+          <a:xfrm>
+            <a:off x="7947349" y="5822302"/>
+            <a:ext cx="214604" cy="485192"/>
+          </a:xfrm>
+          <a:prstGeom prst="rect">
+            <a:avLst/>
+          </a:prstGeom>
+        </p:spPr>
+        <p:style>
+          <a:lnRef idx="2">
+            <a:schemeClr val="accent1">
+              <a:shade val="15000"/>
+            </a:schemeClr>
+          </a:lnRef>
+          <a:fillRef idx="1">
+            <a:schemeClr val="accent1"/>
+          </a:fillRef>
+          <a:effectRef idx="0">
+            <a:schemeClr val="accent1"/>
+          </a:effectRef>
+          <a:fontRef idx="minor">
+            <a:schemeClr val="lt1"/>
+          </a:fontRef>
+        </p:style>
+        <p:txBody>
+          <a:bodyPr rtlCol="0" anchor="ctr"/>
+          <a:lstStyle/>
+          <a:p>
+            <a:pPr algn="ctr"/>
+            <a:endParaRPr lang="en-US"/>
+          </a:p>
+        </p:txBody>
+      </p:sp>
+      <p:sp>
+        <p:nvSpPr>
+          <p:cNvPr id="27" name="Rectangle: Rounded Corners 26">
+            <a:extLst>
+              <a:ext uri="{FF2B5EF4-FFF2-40B4-BE49-F238E27FC236}">
+                <a16:creationId xmlns:a16="http://schemas.microsoft.com/office/drawing/2014/main" id="{BAEF2538-96D1-A172-CA4E-38B2FBEC9378}"/>
+              </a:ext>
+            </a:extLst>
+          </p:cNvPr>
+          <p:cNvSpPr/>
+          <p:nvPr/>
+        </p:nvSpPr>
+        <p:spPr>
+          <a:xfrm>
+            <a:off x="9344608" y="6005421"/>
+            <a:ext cx="788437" cy="685026"/>
+          </a:xfrm>
+          <a:prstGeom prst="roundRect">
+            <a:avLst/>
+          </a:prstGeom>
+        </p:spPr>
+        <p:style>
+          <a:lnRef idx="2">
+            <a:schemeClr val="accent1">
+              <a:shade val="15000"/>
+            </a:schemeClr>
+          </a:lnRef>
+          <a:fillRef idx="1">
+            <a:schemeClr val="accent1"/>
+          </a:fillRef>
+          <a:effectRef idx="0">
+            <a:schemeClr val="accent1"/>
+          </a:effectRef>
+          <a:fontRef idx="minor">
+            <a:schemeClr val="lt1"/>
+          </a:fontRef>
+        </p:style>
+        <p:txBody>
+          <a:bodyPr rtlCol="0" anchor="ctr"/>
+          <a:lstStyle/>
+          <a:p>
+            <a:pPr algn="ctr"/>
+            <a:endParaRPr lang="en-US"/>
+          </a:p>
+        </p:txBody>
+      </p:sp>
+      <p:cxnSp>
+        <p:nvCxnSpPr>
+          <p:cNvPr id="29" name="Connector: Elbow 28">
+            <a:extLst>
+              <a:ext uri="{FF2B5EF4-FFF2-40B4-BE49-F238E27FC236}">
+                <a16:creationId xmlns:a16="http://schemas.microsoft.com/office/drawing/2014/main" id="{4893F1DE-F73A-EE97-CD97-CD98FE728528}"/>
+              </a:ext>
+            </a:extLst>
+          </p:cNvPr>
+          <p:cNvCxnSpPr>
+            <a:cxnSpLocks/>
+            <a:stCxn id="25" idx="2"/>
+            <a:endCxn id="27" idx="1"/>
+          </p:cNvCxnSpPr>
+          <p:nvPr/>
+        </p:nvCxnSpPr>
+        <p:spPr>
+          <a:xfrm rot="16200000" flipH="1">
+            <a:off x="8997816" y="6001142"/>
+            <a:ext cx="3118" cy="690465"/>
+          </a:xfrm>
+          <a:prstGeom prst="bentConnector2">
+            <a:avLst/>
+          </a:prstGeom>
+          <a:ln>
+            <a:tailEnd type="triangle"/>
+          </a:ln>
+        </p:spPr>
+        <p:style>
+          <a:lnRef idx="1">
+            <a:schemeClr val="accent1"/>
+          </a:lnRef>
+          <a:fillRef idx="0">
+            <a:schemeClr val="accent1"/>
+          </a:fillRef>
+          <a:effectRef idx="0">
+            <a:schemeClr val="accent1"/>
+          </a:effectRef>
+          <a:fontRef idx="minor">
+            <a:schemeClr val="tx1"/>
+          </a:fontRef>
+        </p:style>
+      </p:cxnSp>
+      <p:sp>
+        <p:nvSpPr>
+          <p:cNvPr id="31" name="Arrow: Down 30">
+            <a:extLst>
+              <a:ext uri="{FF2B5EF4-FFF2-40B4-BE49-F238E27FC236}">
+                <a16:creationId xmlns:a16="http://schemas.microsoft.com/office/drawing/2014/main" id="{D7285D60-ADF7-FEB8-46B9-6BC9C252EA09}"/>
+              </a:ext>
+            </a:extLst>
+          </p:cNvPr>
+          <p:cNvSpPr/>
+          <p:nvPr/>
+        </p:nvSpPr>
+        <p:spPr>
+          <a:xfrm>
+            <a:off x="2612571" y="2112210"/>
+            <a:ext cx="508519" cy="3458166"/>
+          </a:xfrm>
+          <a:prstGeom prst="downArrow">
+            <a:avLst/>
+          </a:prstGeom>
+        </p:spPr>
+        <p:style>
+          <a:lnRef idx="2">
+            <a:schemeClr val="dk1">
+              <a:shade val="15000"/>
+            </a:schemeClr>
+          </a:lnRef>
+          <a:fillRef idx="1">
+            <a:schemeClr val="dk1"/>
+          </a:fillRef>
+          <a:effectRef idx="0">
+            <a:schemeClr val="dk1"/>
+          </a:effectRef>
+          <a:fontRef idx="minor">
+            <a:schemeClr val="lt1"/>
+          </a:fontRef>
+        </p:style>
+        <p:txBody>
+          <a:bodyPr rtlCol="0" anchor="ctr"/>
+          <a:lstStyle/>
+          <a:p>
+            <a:pPr algn="ctr"/>
+            <a:endParaRPr lang="en-US"/>
+          </a:p>
+        </p:txBody>
+      </p:sp>
+    </p:spTree>
+    <p:extLst>
+      <p:ext uri="{BB962C8B-B14F-4D97-AF65-F5344CB8AC3E}">
+        <p14:creationId xmlns:p14="http://schemas.microsoft.com/office/powerpoint/2010/main" val="3615390523"/>
+      </p:ext>
+    </p:extLst>
+  </p:cSld>
+  <p:clrMapOvr>
+    <a:masterClrMapping/>
+  </p:clrMapOvr>
+</p:sld>
+</file>
+
+<file path=ppt/slides/slide25.xml><?xml version="1.0" encoding="utf-8"?>
+<p:sld xmlns:a="http://schemas.openxmlformats.org/drawingml/2006/main" xmlns:r="http://schemas.openxmlformats.org/officeDocument/2006/relationships" xmlns:p="http://schemas.openxmlformats.org/presentationml/2006/main">
+  <p:cSld>
+    <p:spTree>
+      <p:nvGrpSpPr>
+        <p:cNvPr id="1" name=""/>
+        <p:cNvGrpSpPr/>
+        <p:nvPr/>
+      </p:nvGrpSpPr>
+      <p:grpSpPr>
+        <a:xfrm>
+          <a:off x="0" y="0"/>
+          <a:ext cx="0" cy="0"/>
+          <a:chOff x="0" y="0"/>
+          <a:chExt cx="0" cy="0"/>
+        </a:xfrm>
+      </p:grpSpPr>
+      <p:sp>
+        <p:nvSpPr>
+          <p:cNvPr id="2" name="Rectangle 1">
+            <a:extLst>
+              <a:ext uri="{FF2B5EF4-FFF2-40B4-BE49-F238E27FC236}">
+                <a16:creationId xmlns:a16="http://schemas.microsoft.com/office/drawing/2014/main" id="{47104D9D-77E0-0E60-BCA3-6EFBE2D4B885}"/>
+              </a:ext>
+            </a:extLst>
+          </p:cNvPr>
+          <p:cNvSpPr/>
+          <p:nvPr/>
+        </p:nvSpPr>
+        <p:spPr>
+          <a:xfrm>
+            <a:off x="749559" y="457200"/>
+            <a:ext cx="5346441" cy="5896947"/>
+          </a:xfrm>
+          <a:prstGeom prst="rect">
+            <a:avLst/>
+          </a:prstGeom>
+        </p:spPr>
+        <p:style>
+          <a:lnRef idx="2">
+            <a:schemeClr val="accent6"/>
+          </a:lnRef>
+          <a:fillRef idx="1">
+            <a:schemeClr val="lt1"/>
+          </a:fillRef>
+          <a:effectRef idx="0">
+            <a:schemeClr val="accent6"/>
+          </a:effectRef>
+          <a:fontRef idx="minor">
+            <a:schemeClr val="dk1"/>
+          </a:fontRef>
+        </p:style>
+        <p:txBody>
+          <a:bodyPr rtlCol="0" anchor="ctr"/>
+          <a:lstStyle/>
+          <a:p>
+            <a:pPr algn="ctr"/>
+            <a:endParaRPr lang="en-US"/>
+          </a:p>
+        </p:txBody>
+      </p:sp>
+      <p:sp>
+        <p:nvSpPr>
+          <p:cNvPr id="3" name="TextBox 2">
+            <a:extLst>
+              <a:ext uri="{FF2B5EF4-FFF2-40B4-BE49-F238E27FC236}">
+                <a16:creationId xmlns:a16="http://schemas.microsoft.com/office/drawing/2014/main" id="{974C6951-1F1B-5104-C6D5-535832310786}"/>
+              </a:ext>
+            </a:extLst>
+          </p:cNvPr>
+          <p:cNvSpPr txBox="1"/>
+          <p:nvPr/>
+        </p:nvSpPr>
+        <p:spPr>
+          <a:xfrm>
+            <a:off x="933061" y="671804"/>
+            <a:ext cx="5066523" cy="369332"/>
+          </a:xfrm>
+          <a:prstGeom prst="rect">
+            <a:avLst/>
+          </a:prstGeom>
+          <a:noFill/>
+        </p:spPr>
+        <p:txBody>
+          <a:bodyPr wrap="square" rtlCol="0">
+            <a:spAutoFit/>
+          </a:bodyPr>
+          <a:lstStyle/>
+          <a:p>
+            <a:pPr algn="ctr"/>
+            <a:r>
+              <a:rPr lang="en-IN" b="1" dirty="0"/>
+              <a:t>.NET Env</a:t>
+            </a:r>
+            <a:endParaRPr lang="en-US" b="1" dirty="0"/>
+          </a:p>
+        </p:txBody>
+      </p:sp>
+      <p:sp>
+        <p:nvSpPr>
+          <p:cNvPr id="4" name="Rectangle 3">
+            <a:extLst>
+              <a:ext uri="{FF2B5EF4-FFF2-40B4-BE49-F238E27FC236}">
+                <a16:creationId xmlns:a16="http://schemas.microsoft.com/office/drawing/2014/main" id="{D159F944-C076-46C9-B9DF-EFDBD5424C8A}"/>
+              </a:ext>
+            </a:extLst>
+          </p:cNvPr>
+          <p:cNvSpPr/>
+          <p:nvPr/>
+        </p:nvSpPr>
+        <p:spPr>
+          <a:xfrm>
+            <a:off x="7847045" y="1455575"/>
+            <a:ext cx="3806889" cy="3946849"/>
+          </a:xfrm>
+          <a:prstGeom prst="rect">
+            <a:avLst/>
+          </a:prstGeom>
+        </p:spPr>
+        <p:style>
+          <a:lnRef idx="2">
+            <a:schemeClr val="accent6"/>
+          </a:lnRef>
+          <a:fillRef idx="1">
+            <a:schemeClr val="lt1"/>
+          </a:fillRef>
+          <a:effectRef idx="0">
+            <a:schemeClr val="accent6"/>
+          </a:effectRef>
+          <a:fontRef idx="minor">
+            <a:schemeClr val="dk1"/>
+          </a:fontRef>
+        </p:style>
+        <p:txBody>
+          <a:bodyPr rtlCol="0" anchor="ctr"/>
+          <a:lstStyle/>
+          <a:p>
+            <a:pPr algn="ctr"/>
+            <a:endParaRPr lang="en-US"/>
+          </a:p>
+        </p:txBody>
+      </p:sp>
+      <p:sp>
+        <p:nvSpPr>
+          <p:cNvPr id="5" name="TextBox 4">
+            <a:extLst>
+              <a:ext uri="{FF2B5EF4-FFF2-40B4-BE49-F238E27FC236}">
+                <a16:creationId xmlns:a16="http://schemas.microsoft.com/office/drawing/2014/main" id="{F5065638-B924-EE47-5601-10CF11B586A3}"/>
+              </a:ext>
+            </a:extLst>
+          </p:cNvPr>
+          <p:cNvSpPr txBox="1"/>
+          <p:nvPr/>
+        </p:nvSpPr>
+        <p:spPr>
+          <a:xfrm>
+            <a:off x="8117633" y="1651518"/>
+            <a:ext cx="3324808" cy="369332"/>
+          </a:xfrm>
+          <a:prstGeom prst="rect">
+            <a:avLst/>
+          </a:prstGeom>
+          <a:noFill/>
+        </p:spPr>
+        <p:txBody>
+          <a:bodyPr wrap="square" rtlCol="0">
+            <a:spAutoFit/>
+          </a:bodyPr>
+          <a:lstStyle/>
+          <a:p>
+            <a:pPr algn="ctr"/>
+            <a:r>
+              <a:rPr lang="en-IN" dirty="0"/>
+              <a:t>OS</a:t>
+            </a:r>
+            <a:endParaRPr lang="en-US" dirty="0"/>
+          </a:p>
+        </p:txBody>
+      </p:sp>
+      <p:sp>
+        <p:nvSpPr>
+          <p:cNvPr id="6" name="Flowchart: Multidocument 5">
+            <a:extLst>
+              <a:ext uri="{FF2B5EF4-FFF2-40B4-BE49-F238E27FC236}">
+                <a16:creationId xmlns:a16="http://schemas.microsoft.com/office/drawing/2014/main" id="{10E6504C-B685-253D-DB53-205603A0194D}"/>
+              </a:ext>
+            </a:extLst>
+          </p:cNvPr>
+          <p:cNvSpPr/>
+          <p:nvPr/>
+        </p:nvSpPr>
+        <p:spPr>
+          <a:xfrm>
+            <a:off x="8780106" y="2649894"/>
+            <a:ext cx="2743200" cy="2407298"/>
+          </a:xfrm>
+          <a:prstGeom prst="flowChartMultidocument">
+            <a:avLst/>
+          </a:prstGeom>
+        </p:spPr>
+        <p:style>
+          <a:lnRef idx="2">
+            <a:schemeClr val="accent1">
+              <a:shade val="15000"/>
+            </a:schemeClr>
+          </a:lnRef>
+          <a:fillRef idx="1">
+            <a:schemeClr val="accent1"/>
+          </a:fillRef>
+          <a:effectRef idx="0">
+            <a:schemeClr val="accent1"/>
+          </a:effectRef>
+          <a:fontRef idx="minor">
+            <a:schemeClr val="lt1"/>
+          </a:fontRef>
+        </p:style>
+        <p:txBody>
+          <a:bodyPr rtlCol="0" anchor="ctr"/>
+          <a:lstStyle/>
+          <a:p>
+            <a:pPr algn="ctr"/>
+            <a:r>
+              <a:rPr lang="en-IN" b="1" dirty="0"/>
+              <a:t>Files</a:t>
+            </a:r>
+            <a:endParaRPr lang="en-US" b="1" dirty="0"/>
+          </a:p>
+        </p:txBody>
+      </p:sp>
+      <p:sp>
+        <p:nvSpPr>
+          <p:cNvPr id="7" name="Oval 6">
+            <a:extLst>
+              <a:ext uri="{FF2B5EF4-FFF2-40B4-BE49-F238E27FC236}">
+                <a16:creationId xmlns:a16="http://schemas.microsoft.com/office/drawing/2014/main" id="{0CE634C7-038F-8E9C-312E-494E6EFF89AA}"/>
+              </a:ext>
+            </a:extLst>
+          </p:cNvPr>
+          <p:cNvSpPr/>
+          <p:nvPr/>
+        </p:nvSpPr>
+        <p:spPr>
+          <a:xfrm>
+            <a:off x="1408921" y="1530220"/>
+            <a:ext cx="1900335" cy="1017037"/>
+          </a:xfrm>
+          <a:prstGeom prst="ellipse">
+            <a:avLst/>
+          </a:prstGeom>
+        </p:spPr>
+        <p:style>
+          <a:lnRef idx="2">
+            <a:schemeClr val="accent1">
+              <a:shade val="15000"/>
+            </a:schemeClr>
+          </a:lnRef>
+          <a:fillRef idx="1">
+            <a:schemeClr val="accent1"/>
+          </a:fillRef>
+          <a:effectRef idx="0">
+            <a:schemeClr val="accent1"/>
+          </a:effectRef>
+          <a:fontRef idx="minor">
+            <a:schemeClr val="lt1"/>
+          </a:fontRef>
+        </p:style>
+        <p:txBody>
+          <a:bodyPr rtlCol="0" anchor="ctr"/>
+          <a:lstStyle/>
+          <a:p>
+            <a:pPr algn="ctr"/>
+            <a:r>
+              <a:rPr lang="en-IN" dirty="0"/>
+              <a:t>FileStream</a:t>
+            </a:r>
+            <a:endParaRPr lang="en-US" dirty="0"/>
+          </a:p>
+        </p:txBody>
+      </p:sp>
+      <p:cxnSp>
+        <p:nvCxnSpPr>
+          <p:cNvPr id="9" name="Connector: Elbow 8">
+            <a:extLst>
+              <a:ext uri="{FF2B5EF4-FFF2-40B4-BE49-F238E27FC236}">
+                <a16:creationId xmlns:a16="http://schemas.microsoft.com/office/drawing/2014/main" id="{D531FE00-BD1D-A17A-25C4-D34E14EDF1F6}"/>
+              </a:ext>
+            </a:extLst>
+          </p:cNvPr>
+          <p:cNvCxnSpPr>
+            <a:cxnSpLocks/>
+            <a:stCxn id="7" idx="6"/>
+            <a:endCxn id="12" idx="1"/>
+          </p:cNvCxnSpPr>
+          <p:nvPr/>
+        </p:nvCxnSpPr>
+        <p:spPr>
+          <a:xfrm>
+            <a:off x="3309256" y="2038739"/>
+            <a:ext cx="3334140" cy="1488233"/>
+          </a:xfrm>
+          <a:prstGeom prst="bentConnector3">
+            <a:avLst/>
+          </a:prstGeom>
+          <a:ln>
+            <a:tailEnd type="triangle"/>
+          </a:ln>
+        </p:spPr>
+        <p:style>
+          <a:lnRef idx="1">
+            <a:schemeClr val="accent1"/>
+          </a:lnRef>
+          <a:fillRef idx="0">
+            <a:schemeClr val="accent1"/>
+          </a:fillRef>
+          <a:effectRef idx="0">
+            <a:schemeClr val="accent1"/>
+          </a:effectRef>
+          <a:fontRef idx="minor">
+            <a:schemeClr val="tx1"/>
+          </a:fontRef>
+        </p:style>
+      </p:cxnSp>
+      <p:sp>
+        <p:nvSpPr>
+          <p:cNvPr id="10" name="TextBox 9">
+            <a:extLst>
+              <a:ext uri="{FF2B5EF4-FFF2-40B4-BE49-F238E27FC236}">
+                <a16:creationId xmlns:a16="http://schemas.microsoft.com/office/drawing/2014/main" id="{9CFD35DC-4780-568D-8ABF-7BBC1BAB09D7}"/>
+              </a:ext>
+            </a:extLst>
+          </p:cNvPr>
+          <p:cNvSpPr txBox="1"/>
+          <p:nvPr/>
+        </p:nvSpPr>
+        <p:spPr>
+          <a:xfrm>
+            <a:off x="6326155" y="5962261"/>
+            <a:ext cx="5470850" cy="369332"/>
+          </a:xfrm>
+          <a:prstGeom prst="rect">
+            <a:avLst/>
+          </a:prstGeom>
+          <a:noFill/>
+        </p:spPr>
+        <p:txBody>
+          <a:bodyPr wrap="square" rtlCol="0">
+            <a:spAutoFit/>
+          </a:bodyPr>
+          <a:lstStyle/>
+          <a:p>
+            <a:pPr algn="ctr"/>
+            <a:r>
+              <a:rPr lang="en-IN" b="1" dirty="0"/>
+              <a:t>Un-Managed Object</a:t>
+            </a:r>
+            <a:endParaRPr lang="en-US" b="1" dirty="0"/>
+          </a:p>
+        </p:txBody>
+      </p:sp>
+      <p:sp>
+        <p:nvSpPr>
+          <p:cNvPr id="12" name="Rectangle 11">
+            <a:extLst>
+              <a:ext uri="{FF2B5EF4-FFF2-40B4-BE49-F238E27FC236}">
+                <a16:creationId xmlns:a16="http://schemas.microsoft.com/office/drawing/2014/main" id="{7C1059BF-31A3-A6BA-2624-2B3CCAFAE260}"/>
+              </a:ext>
+            </a:extLst>
+          </p:cNvPr>
+          <p:cNvSpPr/>
+          <p:nvPr/>
+        </p:nvSpPr>
+        <p:spPr>
+          <a:xfrm>
+            <a:off x="6643396" y="503853"/>
+            <a:ext cx="615820" cy="6046237"/>
+          </a:xfrm>
+          <a:prstGeom prst="rect">
+            <a:avLst/>
+          </a:prstGeom>
+        </p:spPr>
+        <p:style>
+          <a:lnRef idx="2">
+            <a:schemeClr val="accent1">
+              <a:shade val="15000"/>
+            </a:schemeClr>
+          </a:lnRef>
+          <a:fillRef idx="1">
+            <a:schemeClr val="accent1"/>
+          </a:fillRef>
+          <a:effectRef idx="0">
+            <a:schemeClr val="accent1"/>
+          </a:effectRef>
+          <a:fontRef idx="minor">
+            <a:schemeClr val="lt1"/>
+          </a:fontRef>
+        </p:style>
+        <p:txBody>
+          <a:bodyPr rtlCol="0" anchor="ctr"/>
+          <a:lstStyle/>
+          <a:p>
+            <a:pPr algn="ctr"/>
+            <a:r>
+              <a:rPr lang="en-IN" b="1" dirty="0"/>
+              <a:t>M</a:t>
+            </a:r>
+          </a:p>
+          <a:p>
+            <a:pPr algn="ctr"/>
+            <a:r>
+              <a:rPr lang="en-IN" b="1" dirty="0"/>
+              <a:t>A</a:t>
+            </a:r>
+          </a:p>
+          <a:p>
+            <a:pPr algn="ctr"/>
+            <a:r>
+              <a:rPr lang="en-IN" b="1" dirty="0"/>
+              <a:t>R</a:t>
+            </a:r>
+          </a:p>
+          <a:p>
+            <a:pPr algn="ctr"/>
+            <a:r>
+              <a:rPr lang="en-IN" b="1" dirty="0"/>
+              <a:t>S</a:t>
+            </a:r>
+          </a:p>
+          <a:p>
+            <a:pPr algn="ctr"/>
+            <a:r>
+              <a:rPr lang="en-IN" b="1" dirty="0"/>
+              <a:t>H</a:t>
+            </a:r>
+          </a:p>
+          <a:p>
+            <a:pPr algn="ctr"/>
+            <a:r>
+              <a:rPr lang="en-IN" b="1" dirty="0"/>
+              <a:t>L</a:t>
+            </a:r>
+          </a:p>
+          <a:p>
+            <a:pPr algn="ctr"/>
+            <a:r>
+              <a:rPr lang="en-IN" b="1" dirty="0"/>
+              <a:t>I</a:t>
+            </a:r>
+          </a:p>
+          <a:p>
+            <a:pPr algn="ctr"/>
+            <a:r>
+              <a:rPr lang="en-IN" b="1" dirty="0"/>
+              <a:t>N</a:t>
+            </a:r>
+          </a:p>
+          <a:p>
+            <a:pPr algn="ctr"/>
+            <a:r>
+              <a:rPr lang="en-IN" b="1" dirty="0"/>
+              <a:t>G</a:t>
+            </a:r>
+            <a:endParaRPr lang="en-US" b="1" dirty="0"/>
+          </a:p>
+        </p:txBody>
+      </p:sp>
+      <p:cxnSp>
+        <p:nvCxnSpPr>
+          <p:cNvPr id="16" name="Connector: Elbow 15">
+            <a:extLst>
+              <a:ext uri="{FF2B5EF4-FFF2-40B4-BE49-F238E27FC236}">
+                <a16:creationId xmlns:a16="http://schemas.microsoft.com/office/drawing/2014/main" id="{3D358253-1302-7549-E96F-DB9F5E1C4D69}"/>
+              </a:ext>
+            </a:extLst>
+          </p:cNvPr>
+          <p:cNvCxnSpPr>
+            <a:stCxn id="12" idx="3"/>
+            <a:endCxn id="6" idx="1"/>
+          </p:cNvCxnSpPr>
+          <p:nvPr/>
+        </p:nvCxnSpPr>
+        <p:spPr>
+          <a:xfrm>
+            <a:off x="7259216" y="3526972"/>
+            <a:ext cx="1520890" cy="326571"/>
+          </a:xfrm>
+          <a:prstGeom prst="bentConnector3">
+            <a:avLst/>
+          </a:prstGeom>
+          <a:ln>
+            <a:tailEnd type="triangle"/>
+          </a:ln>
+        </p:spPr>
+        <p:style>
+          <a:lnRef idx="1">
+            <a:schemeClr val="accent1"/>
+          </a:lnRef>
+          <a:fillRef idx="0">
+            <a:schemeClr val="accent1"/>
+          </a:fillRef>
+          <a:effectRef idx="0">
+            <a:schemeClr val="accent1"/>
+          </a:effectRef>
+          <a:fontRef idx="minor">
+            <a:schemeClr val="tx1"/>
+          </a:fontRef>
+        </p:style>
+      </p:cxnSp>
+      <p:cxnSp>
+        <p:nvCxnSpPr>
+          <p:cNvPr id="18" name="Connector: Elbow 17">
+            <a:extLst>
+              <a:ext uri="{FF2B5EF4-FFF2-40B4-BE49-F238E27FC236}">
+                <a16:creationId xmlns:a16="http://schemas.microsoft.com/office/drawing/2014/main" id="{877B7225-4176-3A6C-E78D-42B63556A9B1}"/>
+              </a:ext>
+            </a:extLst>
+          </p:cNvPr>
+          <p:cNvCxnSpPr>
+            <a:stCxn id="6" idx="2"/>
+          </p:cNvCxnSpPr>
+          <p:nvPr/>
+        </p:nvCxnSpPr>
+        <p:spPr>
+          <a:xfrm rot="5400000" flipH="1">
+            <a:off x="8053842" y="3058917"/>
+            <a:ext cx="1112484" cy="2701736"/>
+          </a:xfrm>
+          <a:prstGeom prst="bentConnector4">
+            <a:avLst>
+              <a:gd name="adj1" fmla="val -20549"/>
+              <a:gd name="adj2" fmla="val 71853"/>
+            </a:avLst>
+          </a:prstGeom>
+          <a:ln>
+            <a:tailEnd type="triangle"/>
+          </a:ln>
+        </p:spPr>
+        <p:style>
+          <a:lnRef idx="1">
+            <a:schemeClr val="accent1"/>
+          </a:lnRef>
+          <a:fillRef idx="0">
+            <a:schemeClr val="accent1"/>
+          </a:fillRef>
+          <a:effectRef idx="0">
+            <a:schemeClr val="accent1"/>
+          </a:effectRef>
+          <a:fontRef idx="minor">
+            <a:schemeClr val="tx1"/>
+          </a:fontRef>
+        </p:style>
+      </p:cxnSp>
+      <p:cxnSp>
+        <p:nvCxnSpPr>
+          <p:cNvPr id="20" name="Connector: Elbow 19">
+            <a:extLst>
+              <a:ext uri="{FF2B5EF4-FFF2-40B4-BE49-F238E27FC236}">
+                <a16:creationId xmlns:a16="http://schemas.microsoft.com/office/drawing/2014/main" id="{91E52A71-9B2F-F35C-90D7-CED0E8ACE2F6}"/>
+              </a:ext>
+            </a:extLst>
+          </p:cNvPr>
+          <p:cNvCxnSpPr>
+            <a:endCxn id="7" idx="4"/>
+          </p:cNvCxnSpPr>
+          <p:nvPr/>
+        </p:nvCxnSpPr>
+        <p:spPr>
+          <a:xfrm rot="10800000">
+            <a:off x="2359090" y="2547258"/>
+            <a:ext cx="4284307" cy="1418253"/>
+          </a:xfrm>
+          <a:prstGeom prst="bentConnector2">
+            <a:avLst/>
+          </a:prstGeom>
+          <a:ln>
+            <a:tailEnd type="triangle"/>
+          </a:ln>
+        </p:spPr>
+        <p:style>
+          <a:lnRef idx="1">
+            <a:schemeClr val="accent1"/>
+          </a:lnRef>
+          <a:fillRef idx="0">
+            <a:schemeClr val="accent1"/>
+          </a:fillRef>
+          <a:effectRef idx="0">
+            <a:schemeClr val="accent1"/>
+          </a:effectRef>
+          <a:fontRef idx="minor">
+            <a:schemeClr val="tx1"/>
+          </a:fontRef>
+        </p:style>
+      </p:cxnSp>
+      <p:sp>
+        <p:nvSpPr>
+          <p:cNvPr id="21" name="TextBox 20">
+            <a:extLst>
+              <a:ext uri="{FF2B5EF4-FFF2-40B4-BE49-F238E27FC236}">
+                <a16:creationId xmlns:a16="http://schemas.microsoft.com/office/drawing/2014/main" id="{8FCE7A0E-4248-422E-562E-502A94A8689A}"/>
+              </a:ext>
+            </a:extLst>
+          </p:cNvPr>
+          <p:cNvSpPr txBox="1"/>
+          <p:nvPr/>
+        </p:nvSpPr>
+        <p:spPr>
+          <a:xfrm>
+            <a:off x="4918786" y="1091680"/>
+            <a:ext cx="3198847" cy="369332"/>
+          </a:xfrm>
+          <a:prstGeom prst="rect">
+            <a:avLst/>
+          </a:prstGeom>
+          <a:noFill/>
+        </p:spPr>
+        <p:txBody>
+          <a:bodyPr wrap="square" rtlCol="0">
+            <a:spAutoFit/>
+          </a:bodyPr>
+          <a:lstStyle/>
+          <a:p>
+            <a:pPr algn="ctr"/>
+            <a:r>
+              <a:rPr lang="en-IN" b="1" dirty="0"/>
+              <a:t>Handler</a:t>
+            </a:r>
+            <a:endParaRPr lang="en-US" b="1" dirty="0"/>
+          </a:p>
+        </p:txBody>
+      </p:sp>
+      <p:sp>
+        <p:nvSpPr>
+          <p:cNvPr id="22" name="Flowchart: Predefined Process 21">
+            <a:extLst>
+              <a:ext uri="{FF2B5EF4-FFF2-40B4-BE49-F238E27FC236}">
+                <a16:creationId xmlns:a16="http://schemas.microsoft.com/office/drawing/2014/main" id="{9D80783E-147C-D426-1D13-4739C4B9B022}"/>
+              </a:ext>
+            </a:extLst>
+          </p:cNvPr>
+          <p:cNvSpPr/>
+          <p:nvPr/>
+        </p:nvSpPr>
+        <p:spPr>
+          <a:xfrm>
+            <a:off x="1101012" y="5292598"/>
+            <a:ext cx="4814596" cy="790961"/>
+          </a:xfrm>
+          <a:prstGeom prst="flowChartPredefinedProcess">
+            <a:avLst/>
+          </a:prstGeom>
+          <a:solidFill>
+            <a:srgbClr val="FFFF00"/>
+          </a:solidFill>
+        </p:spPr>
+        <p:style>
+          <a:lnRef idx="2">
+            <a:schemeClr val="accent1">
+              <a:shade val="15000"/>
+            </a:schemeClr>
+          </a:lnRef>
+          <a:fillRef idx="1">
+            <a:schemeClr val="accent1"/>
+          </a:fillRef>
+          <a:effectRef idx="0">
+            <a:schemeClr val="accent1"/>
+          </a:effectRef>
+          <a:fontRef idx="minor">
+            <a:schemeClr val="lt1"/>
+          </a:fontRef>
+        </p:style>
+        <p:txBody>
+          <a:bodyPr rtlCol="0" anchor="ctr"/>
+          <a:lstStyle/>
+          <a:p>
+            <a:pPr algn="ctr"/>
+            <a:endParaRPr lang="en-US"/>
+          </a:p>
+        </p:txBody>
+      </p:sp>
+      <p:cxnSp>
+        <p:nvCxnSpPr>
+          <p:cNvPr id="24" name="Straight Connector 23">
+            <a:extLst>
+              <a:ext uri="{FF2B5EF4-FFF2-40B4-BE49-F238E27FC236}">
+                <a16:creationId xmlns:a16="http://schemas.microsoft.com/office/drawing/2014/main" id="{881ACF95-A40A-C36B-2957-E4C11EDA161C}"/>
+              </a:ext>
+            </a:extLst>
+          </p:cNvPr>
+          <p:cNvCxnSpPr/>
+          <p:nvPr/>
+        </p:nvCxnSpPr>
+        <p:spPr>
+          <a:xfrm>
+            <a:off x="2359089" y="5292598"/>
+            <a:ext cx="0" cy="790961"/>
+          </a:xfrm>
+          <a:prstGeom prst="line">
+            <a:avLst/>
+          </a:prstGeom>
+        </p:spPr>
+        <p:style>
+          <a:lnRef idx="1">
+            <a:schemeClr val="accent1"/>
+          </a:lnRef>
+          <a:fillRef idx="0">
+            <a:schemeClr val="accent1"/>
+          </a:fillRef>
+          <a:effectRef idx="0">
+            <a:schemeClr val="accent1"/>
+          </a:effectRef>
+          <a:fontRef idx="minor">
+            <a:schemeClr val="tx1"/>
+          </a:fontRef>
+        </p:style>
+      </p:cxnSp>
+      <p:cxnSp>
+        <p:nvCxnSpPr>
+          <p:cNvPr id="26" name="Straight Connector 25">
+            <a:extLst>
+              <a:ext uri="{FF2B5EF4-FFF2-40B4-BE49-F238E27FC236}">
+                <a16:creationId xmlns:a16="http://schemas.microsoft.com/office/drawing/2014/main" id="{C4EE1258-F065-4A78-EBAA-16274E10EF54}"/>
+              </a:ext>
+            </a:extLst>
+          </p:cNvPr>
+          <p:cNvCxnSpPr/>
+          <p:nvPr/>
+        </p:nvCxnSpPr>
+        <p:spPr>
+          <a:xfrm>
+            <a:off x="3116424" y="5292598"/>
+            <a:ext cx="0" cy="884267"/>
+          </a:xfrm>
+          <a:prstGeom prst="line">
+            <a:avLst/>
+          </a:prstGeom>
+        </p:spPr>
+        <p:style>
+          <a:lnRef idx="1">
+            <a:schemeClr val="accent1"/>
+          </a:lnRef>
+          <a:fillRef idx="0">
+            <a:schemeClr val="accent1"/>
+          </a:fillRef>
+          <a:effectRef idx="0">
+            <a:schemeClr val="accent1"/>
+          </a:effectRef>
+          <a:fontRef idx="minor">
+            <a:schemeClr val="tx1"/>
+          </a:fontRef>
+        </p:style>
+      </p:cxnSp>
+      <p:cxnSp>
+        <p:nvCxnSpPr>
+          <p:cNvPr id="28" name="Straight Connector 27">
+            <a:extLst>
+              <a:ext uri="{FF2B5EF4-FFF2-40B4-BE49-F238E27FC236}">
+                <a16:creationId xmlns:a16="http://schemas.microsoft.com/office/drawing/2014/main" id="{9172BB96-E865-AF26-6276-D58CA7D52181}"/>
+              </a:ext>
+            </a:extLst>
+          </p:cNvPr>
+          <p:cNvCxnSpPr/>
+          <p:nvPr/>
+        </p:nvCxnSpPr>
+        <p:spPr>
+          <a:xfrm>
+            <a:off x="3937518" y="5292598"/>
+            <a:ext cx="0" cy="790961"/>
+          </a:xfrm>
+          <a:prstGeom prst="line">
+            <a:avLst/>
+          </a:prstGeom>
+        </p:spPr>
+        <p:style>
+          <a:lnRef idx="1">
+            <a:schemeClr val="accent1"/>
+          </a:lnRef>
+          <a:fillRef idx="0">
+            <a:schemeClr val="accent1"/>
+          </a:fillRef>
+          <a:effectRef idx="0">
+            <a:schemeClr val="accent1"/>
+          </a:effectRef>
+          <a:fontRef idx="minor">
+            <a:schemeClr val="tx1"/>
+          </a:fontRef>
+        </p:style>
+      </p:cxnSp>
+      <p:cxnSp>
+        <p:nvCxnSpPr>
+          <p:cNvPr id="30" name="Straight Connector 29">
+            <a:extLst>
+              <a:ext uri="{FF2B5EF4-FFF2-40B4-BE49-F238E27FC236}">
+                <a16:creationId xmlns:a16="http://schemas.microsoft.com/office/drawing/2014/main" id="{25ECEA3D-BBE8-1652-7136-17F639E9C98A}"/>
+              </a:ext>
+            </a:extLst>
+          </p:cNvPr>
+          <p:cNvCxnSpPr/>
+          <p:nvPr/>
+        </p:nvCxnSpPr>
+        <p:spPr>
+          <a:xfrm>
+            <a:off x="4637314" y="5292598"/>
+            <a:ext cx="0" cy="790961"/>
+          </a:xfrm>
+          <a:prstGeom prst="line">
+            <a:avLst/>
+          </a:prstGeom>
+        </p:spPr>
+        <p:style>
+          <a:lnRef idx="1">
+            <a:schemeClr val="accent1"/>
+          </a:lnRef>
+          <a:fillRef idx="0">
+            <a:schemeClr val="accent1"/>
+          </a:fillRef>
+          <a:effectRef idx="0">
+            <a:schemeClr val="accent1"/>
+          </a:effectRef>
+          <a:fontRef idx="minor">
+            <a:schemeClr val="tx1"/>
+          </a:fontRef>
+        </p:style>
+      </p:cxnSp>
+      <p:sp>
+        <p:nvSpPr>
+          <p:cNvPr id="31" name="TextBox 30">
+            <a:extLst>
+              <a:ext uri="{FF2B5EF4-FFF2-40B4-BE49-F238E27FC236}">
+                <a16:creationId xmlns:a16="http://schemas.microsoft.com/office/drawing/2014/main" id="{2D5DC9E5-F67A-6EAD-67C1-0C99389AA087}"/>
+              </a:ext>
+            </a:extLst>
+          </p:cNvPr>
+          <p:cNvSpPr txBox="1"/>
+          <p:nvPr/>
+        </p:nvSpPr>
+        <p:spPr>
+          <a:xfrm>
+            <a:off x="1365379" y="6186196"/>
+            <a:ext cx="4102358" cy="382555"/>
+          </a:xfrm>
+          <a:prstGeom prst="rect">
+            <a:avLst/>
+          </a:prstGeom>
+          <a:noFill/>
+        </p:spPr>
+        <p:txBody>
+          <a:bodyPr wrap="square" rtlCol="0">
+            <a:spAutoFit/>
+          </a:bodyPr>
+          <a:lstStyle/>
+          <a:p>
+            <a:pPr algn="ctr"/>
+            <a:r>
+              <a:rPr lang="en-IN" dirty="0"/>
+              <a:t>Managed Heap</a:t>
+            </a:r>
+            <a:endParaRPr lang="en-US" dirty="0"/>
+          </a:p>
+        </p:txBody>
+      </p:sp>
+      <p:cxnSp>
+        <p:nvCxnSpPr>
+          <p:cNvPr id="33" name="Connector: Elbow 32">
+            <a:extLst>
+              <a:ext uri="{FF2B5EF4-FFF2-40B4-BE49-F238E27FC236}">
+                <a16:creationId xmlns:a16="http://schemas.microsoft.com/office/drawing/2014/main" id="{74DFC166-BB39-19D3-B831-6C89FCB54444}"/>
+              </a:ext>
+            </a:extLst>
+          </p:cNvPr>
+          <p:cNvCxnSpPr/>
+          <p:nvPr/>
+        </p:nvCxnSpPr>
+        <p:spPr>
+          <a:xfrm rot="5400000">
+            <a:off x="-325408" y="3711637"/>
+            <a:ext cx="3381574" cy="12700"/>
+          </a:xfrm>
+          <a:prstGeom prst="bentConnector3">
+            <a:avLst/>
+          </a:prstGeom>
+          <a:ln>
+            <a:tailEnd type="triangle"/>
+          </a:ln>
+        </p:spPr>
+        <p:style>
+          <a:lnRef idx="1">
+            <a:schemeClr val="accent1"/>
+          </a:lnRef>
+          <a:fillRef idx="0">
+            <a:schemeClr val="accent1"/>
+          </a:fillRef>
+          <a:effectRef idx="0">
+            <a:schemeClr val="accent1"/>
+          </a:effectRef>
+          <a:fontRef idx="minor">
+            <a:schemeClr val="tx1"/>
+          </a:fontRef>
+        </p:style>
+      </p:cxnSp>
+      <p:sp>
+        <p:nvSpPr>
+          <p:cNvPr id="34" name="TextBox 33">
+            <a:extLst>
+              <a:ext uri="{FF2B5EF4-FFF2-40B4-BE49-F238E27FC236}">
+                <a16:creationId xmlns:a16="http://schemas.microsoft.com/office/drawing/2014/main" id="{8D178749-379B-1AED-75E3-804C65140AEE}"/>
+              </a:ext>
+            </a:extLst>
+          </p:cNvPr>
+          <p:cNvSpPr txBox="1"/>
+          <p:nvPr/>
+        </p:nvSpPr>
+        <p:spPr>
+          <a:xfrm>
+            <a:off x="1113712" y="5511411"/>
+            <a:ext cx="532882" cy="369332"/>
+          </a:xfrm>
+          <a:prstGeom prst="rect">
+            <a:avLst/>
+          </a:prstGeom>
+          <a:noFill/>
+        </p:spPr>
+        <p:txBody>
+          <a:bodyPr wrap="square" rtlCol="0">
+            <a:spAutoFit/>
+          </a:bodyPr>
+          <a:lstStyle/>
+          <a:p>
+            <a:r>
+              <a:rPr lang="en-IN" dirty="0"/>
+              <a:t>FS</a:t>
+            </a:r>
+            <a:endParaRPr lang="en-US" dirty="0"/>
+          </a:p>
+        </p:txBody>
+      </p:sp>
+      <p:sp>
+        <p:nvSpPr>
+          <p:cNvPr id="35" name="TextBox 34">
+            <a:extLst>
+              <a:ext uri="{FF2B5EF4-FFF2-40B4-BE49-F238E27FC236}">
+                <a16:creationId xmlns:a16="http://schemas.microsoft.com/office/drawing/2014/main" id="{7C590CFE-74C3-4B6C-4A17-3D88404BF7BB}"/>
+              </a:ext>
+            </a:extLst>
+          </p:cNvPr>
+          <p:cNvSpPr txBox="1"/>
+          <p:nvPr/>
+        </p:nvSpPr>
+        <p:spPr>
+          <a:xfrm>
+            <a:off x="3937518" y="1945433"/>
+            <a:ext cx="1978090" cy="646331"/>
+          </a:xfrm>
+          <a:prstGeom prst="rect">
+            <a:avLst/>
+          </a:prstGeom>
+          <a:noFill/>
+        </p:spPr>
+        <p:txBody>
+          <a:bodyPr wrap="square" rtlCol="0">
+            <a:spAutoFit/>
+          </a:bodyPr>
+          <a:lstStyle/>
+          <a:p>
+            <a:r>
+              <a:rPr lang="en-IN" dirty="0"/>
+              <a:t>Request to Close </a:t>
+            </a:r>
+            <a:r>
+              <a:rPr lang="en-IN" err="1"/>
+              <a:t>gtom</a:t>
+            </a:r>
+            <a:r>
+              <a:rPr lang="en-IN"/>
+              <a:t> FileStream</a:t>
+            </a:r>
+            <a:endParaRPr lang="en-US"/>
+          </a:p>
+        </p:txBody>
+      </p:sp>
+    </p:spTree>
+    <p:extLst>
+      <p:ext uri="{BB962C8B-B14F-4D97-AF65-F5344CB8AC3E}">
+        <p14:creationId xmlns:p14="http://schemas.microsoft.com/office/powerpoint/2010/main" val="3854526691"/>
       </p:ext>
     </p:extLst>
   </p:cSld>

--- a/ppts.pptx
+++ b/ppts.pptx
@@ -30,6 +30,7 @@
     <p:sldId id="278" r:id="rId24"/>
     <p:sldId id="279" r:id="rId25"/>
     <p:sldId id="280" r:id="rId26"/>
+    <p:sldId id="281" r:id="rId27"/>
   </p:sldIdLst>
   <p:sldSz cx="12192000" cy="6858000"/>
   <p:notesSz cx="6858000" cy="9144000"/>
@@ -18606,7 +18607,7 @@
         </p:nvSpPr>
         <p:spPr>
           <a:xfrm>
-            <a:off x="749559" y="457200"/>
+            <a:off x="749559" y="438539"/>
             <a:ext cx="5346441" cy="5896947"/>
           </a:xfrm>
           <a:prstGeom prst="rect">
@@ -19181,8 +19182,8 @@
         </p:nvSpPr>
         <p:spPr>
           <a:xfrm>
-            <a:off x="4918786" y="1091680"/>
-            <a:ext cx="3198847" cy="369332"/>
+            <a:off x="5999585" y="1091680"/>
+            <a:ext cx="1959428" cy="369332"/>
           </a:xfrm>
           <a:prstGeom prst="rect">
             <a:avLst/>
@@ -19475,10 +19476,10 @@
       </p:cxnSp>
       <p:sp>
         <p:nvSpPr>
-          <p:cNvPr id="34" name="TextBox 33">
-            <a:extLst>
-              <a:ext uri="{FF2B5EF4-FFF2-40B4-BE49-F238E27FC236}">
-                <a16:creationId xmlns:a16="http://schemas.microsoft.com/office/drawing/2014/main" id="{8D178749-379B-1AED-75E3-804C65140AEE}"/>
+          <p:cNvPr id="35" name="TextBox 34">
+            <a:extLst>
+              <a:ext uri="{FF2B5EF4-FFF2-40B4-BE49-F238E27FC236}">
+                <a16:creationId xmlns:a16="http://schemas.microsoft.com/office/drawing/2014/main" id="{7C590CFE-74C3-4B6C-4A17-3D88404BF7BB}"/>
               </a:ext>
             </a:extLst>
           </p:cNvPr>
@@ -19487,8 +19488,8 @@
         </p:nvSpPr>
         <p:spPr>
           <a:xfrm>
-            <a:off x="1113712" y="5511411"/>
-            <a:ext cx="532882" cy="369332"/>
+            <a:off x="3937518" y="1945433"/>
+            <a:ext cx="1978090" cy="646331"/>
           </a:xfrm>
           <a:prstGeom prst="rect">
             <a:avLst/>
@@ -19503,7 +19504,7 @@
           <a:p>
             <a:r>
               <a:rPr lang="en-IN" dirty="0"/>
-              <a:t>FS</a:t>
+              <a:t>Request to Close from FileStream</a:t>
             </a:r>
             <a:endParaRPr lang="en-US" dirty="0"/>
           </a:p>
@@ -19511,10 +19512,151 @@
       </p:sp>
       <p:sp>
         <p:nvSpPr>
-          <p:cNvPr id="35" name="TextBox 34">
-            <a:extLst>
-              <a:ext uri="{FF2B5EF4-FFF2-40B4-BE49-F238E27FC236}">
-                <a16:creationId xmlns:a16="http://schemas.microsoft.com/office/drawing/2014/main" id="{7C590CFE-74C3-4B6C-4A17-3D88404BF7BB}"/>
+          <p:cNvPr id="36" name="Flowchart: Summing Junction 35">
+            <a:extLst>
+              <a:ext uri="{FF2B5EF4-FFF2-40B4-BE49-F238E27FC236}">
+                <a16:creationId xmlns:a16="http://schemas.microsoft.com/office/drawing/2014/main" id="{C016FCB8-B487-FBD3-F67E-23B505463FD7}"/>
+              </a:ext>
+            </a:extLst>
+          </p:cNvPr>
+          <p:cNvSpPr/>
+          <p:nvPr/>
+        </p:nvSpPr>
+        <p:spPr>
+          <a:xfrm>
+            <a:off x="5570376" y="3100283"/>
+            <a:ext cx="842865" cy="753260"/>
+          </a:xfrm>
+          <a:prstGeom prst="flowChartSummingJunction">
+            <a:avLst/>
+          </a:prstGeom>
+          <a:solidFill>
+            <a:srgbClr val="FF0000"/>
+          </a:solidFill>
+        </p:spPr>
+        <p:style>
+          <a:lnRef idx="2">
+            <a:schemeClr val="accent1">
+              <a:shade val="15000"/>
+            </a:schemeClr>
+          </a:lnRef>
+          <a:fillRef idx="1">
+            <a:schemeClr val="accent1"/>
+          </a:fillRef>
+          <a:effectRef idx="0">
+            <a:schemeClr val="accent1"/>
+          </a:effectRef>
+          <a:fontRef idx="minor">
+            <a:schemeClr val="lt1"/>
+          </a:fontRef>
+        </p:style>
+        <p:txBody>
+          <a:bodyPr rtlCol="0" anchor="ctr"/>
+          <a:lstStyle/>
+          <a:p>
+            <a:pPr algn="ctr"/>
+            <a:endParaRPr lang="en-US"/>
+          </a:p>
+        </p:txBody>
+      </p:sp>
+      <p:sp>
+        <p:nvSpPr>
+          <p:cNvPr id="37" name="Flowchart: Summing Junction 36">
+            <a:extLst>
+              <a:ext uri="{FF2B5EF4-FFF2-40B4-BE49-F238E27FC236}">
+                <a16:creationId xmlns:a16="http://schemas.microsoft.com/office/drawing/2014/main" id="{28F74105-B1AC-16DC-5B34-BC622E87F5BC}"/>
+              </a:ext>
+            </a:extLst>
+          </p:cNvPr>
+          <p:cNvSpPr/>
+          <p:nvPr/>
+        </p:nvSpPr>
+        <p:spPr>
+          <a:xfrm>
+            <a:off x="4749282" y="3625714"/>
+            <a:ext cx="842865" cy="753260"/>
+          </a:xfrm>
+          <a:prstGeom prst="flowChartSummingJunction">
+            <a:avLst/>
+          </a:prstGeom>
+          <a:solidFill>
+            <a:srgbClr val="FF0000"/>
+          </a:solidFill>
+        </p:spPr>
+        <p:style>
+          <a:lnRef idx="2">
+            <a:schemeClr val="accent1">
+              <a:shade val="15000"/>
+            </a:schemeClr>
+          </a:lnRef>
+          <a:fillRef idx="1">
+            <a:schemeClr val="accent1"/>
+          </a:fillRef>
+          <a:effectRef idx="0">
+            <a:schemeClr val="accent1"/>
+          </a:effectRef>
+          <a:fontRef idx="minor">
+            <a:schemeClr val="lt1"/>
+          </a:fontRef>
+        </p:style>
+        <p:txBody>
+          <a:bodyPr rtlCol="0" anchor="ctr"/>
+          <a:lstStyle/>
+          <a:p>
+            <a:pPr algn="ctr"/>
+            <a:endParaRPr lang="en-US"/>
+          </a:p>
+        </p:txBody>
+      </p:sp>
+      <p:cxnSp>
+        <p:nvCxnSpPr>
+          <p:cNvPr id="39" name="Connector: Elbow 38">
+            <a:extLst>
+              <a:ext uri="{FF2B5EF4-FFF2-40B4-BE49-F238E27FC236}">
+                <a16:creationId xmlns:a16="http://schemas.microsoft.com/office/drawing/2014/main" id="{24EB4C0C-E6F9-294A-6949-A4F0470E6AA6}"/>
+              </a:ext>
+            </a:extLst>
+          </p:cNvPr>
+          <p:cNvCxnSpPr>
+            <a:cxnSpLocks/>
+            <a:stCxn id="21" idx="1"/>
+            <a:endCxn id="7" idx="0"/>
+          </p:cNvCxnSpPr>
+          <p:nvPr/>
+        </p:nvCxnSpPr>
+        <p:spPr>
+          <a:xfrm rot="10800000" flipV="1">
+            <a:off x="2359089" y="1276346"/>
+            <a:ext cx="3640496" cy="253874"/>
+          </a:xfrm>
+          <a:prstGeom prst="bentConnector2">
+            <a:avLst/>
+          </a:prstGeom>
+          <a:ln>
+            <a:tailEnd type="triangle"/>
+          </a:ln>
+        </p:spPr>
+        <p:style>
+          <a:lnRef idx="1">
+            <a:schemeClr val="accent1"/>
+          </a:lnRef>
+          <a:fillRef idx="0">
+            <a:schemeClr val="accent1"/>
+          </a:fillRef>
+          <a:effectRef idx="0">
+            <a:schemeClr val="accent1"/>
+          </a:effectRef>
+          <a:fontRef idx="minor">
+            <a:schemeClr val="tx1"/>
+          </a:fontRef>
+        </p:style>
+      </p:cxnSp>
+      <p:sp>
+        <p:nvSpPr>
+          <p:cNvPr id="42" name="TextBox 41">
+            <a:extLst>
+              <a:ext uri="{FF2B5EF4-FFF2-40B4-BE49-F238E27FC236}">
+                <a16:creationId xmlns:a16="http://schemas.microsoft.com/office/drawing/2014/main" id="{78CF124F-772A-0251-56BA-BFDE4A9EDF39}"/>
               </a:ext>
             </a:extLst>
           </p:cNvPr>
@@ -19523,8 +19665,8 @@
         </p:nvSpPr>
         <p:spPr>
           <a:xfrm>
-            <a:off x="3937518" y="1945433"/>
-            <a:ext cx="1978090" cy="646331"/>
+            <a:off x="1629746" y="4243886"/>
+            <a:ext cx="2128934" cy="923330"/>
           </a:xfrm>
           <a:prstGeom prst="rect">
             <a:avLst/>
@@ -19539,16 +19681,489 @@
           <a:p>
             <a:r>
               <a:rPr lang="en-IN" dirty="0"/>
-              <a:t>Request to Close </a:t>
-            </a:r>
-            <a:r>
-              <a:rPr lang="en-IN" err="1"/>
-              <a:t>gtom</a:t>
-            </a:r>
-            <a:r>
-              <a:rPr lang="en-IN"/>
-              <a:t> FileStream</a:t>
-            </a:r>
+              <a:t>Fs = null; (Bad)</a:t>
+            </a:r>
+          </a:p>
+          <a:p>
+            <a:endParaRPr lang="en-IN" dirty="0"/>
+          </a:p>
+          <a:p>
+            <a:r>
+              <a:rPr lang="en-IN" dirty="0" err="1"/>
+              <a:t>Fs.Dispose</a:t>
+            </a:r>
+            <a:r>
+              <a:rPr lang="en-IN" dirty="0"/>
+              <a:t>()</a:t>
+            </a:r>
+            <a:endParaRPr lang="en-US" dirty="0"/>
+          </a:p>
+        </p:txBody>
+      </p:sp>
+      <p:sp>
+        <p:nvSpPr>
+          <p:cNvPr id="43" name="Flowchart: Predefined Process 42">
+            <a:extLst>
+              <a:ext uri="{FF2B5EF4-FFF2-40B4-BE49-F238E27FC236}">
+                <a16:creationId xmlns:a16="http://schemas.microsoft.com/office/drawing/2014/main" id="{D290B72C-4E69-1B40-304B-B5DB721CF45E}"/>
+              </a:ext>
+            </a:extLst>
+          </p:cNvPr>
+          <p:cNvSpPr/>
+          <p:nvPr/>
+        </p:nvSpPr>
+        <p:spPr>
+          <a:xfrm>
+            <a:off x="3180183" y="4651120"/>
+            <a:ext cx="2516679" cy="529509"/>
+          </a:xfrm>
+          <a:prstGeom prst="flowChartPredefinedProcess">
+            <a:avLst/>
+          </a:prstGeom>
+          <a:solidFill>
+            <a:srgbClr val="FF0000"/>
+          </a:solidFill>
+        </p:spPr>
+        <p:style>
+          <a:lnRef idx="2">
+            <a:schemeClr val="accent1">
+              <a:shade val="15000"/>
+            </a:schemeClr>
+          </a:lnRef>
+          <a:fillRef idx="1">
+            <a:schemeClr val="accent1"/>
+          </a:fillRef>
+          <a:effectRef idx="0">
+            <a:schemeClr val="accent1"/>
+          </a:effectRef>
+          <a:fontRef idx="minor">
+            <a:schemeClr val="lt1"/>
+          </a:fontRef>
+        </p:style>
+        <p:txBody>
+          <a:bodyPr rtlCol="0" anchor="ctr"/>
+          <a:lstStyle/>
+          <a:p>
+            <a:pPr algn="ctr"/>
+            <a:r>
+              <a:rPr lang="en-IN" b="1" dirty="0"/>
+              <a:t>Finalization Q</a:t>
+            </a:r>
+            <a:endParaRPr lang="en-US" b="1" dirty="0"/>
+          </a:p>
+        </p:txBody>
+      </p:sp>
+      <p:sp>
+        <p:nvSpPr>
+          <p:cNvPr id="44" name="TextBox 43">
+            <a:extLst>
+              <a:ext uri="{FF2B5EF4-FFF2-40B4-BE49-F238E27FC236}">
+                <a16:creationId xmlns:a16="http://schemas.microsoft.com/office/drawing/2014/main" id="{D1710B77-AC96-F4D4-B71D-4FAD485ECFE8}"/>
+              </a:ext>
+            </a:extLst>
+          </p:cNvPr>
+          <p:cNvSpPr txBox="1"/>
+          <p:nvPr/>
+        </p:nvSpPr>
+        <p:spPr>
+          <a:xfrm>
+            <a:off x="1266112" y="5663811"/>
+            <a:ext cx="532882" cy="369332"/>
+          </a:xfrm>
+          <a:prstGeom prst="rect">
+            <a:avLst/>
+          </a:prstGeom>
+          <a:noFill/>
+        </p:spPr>
+        <p:txBody>
+          <a:bodyPr wrap="square" rtlCol="0">
+            <a:spAutoFit/>
+          </a:bodyPr>
+          <a:lstStyle/>
+          <a:p>
+            <a:r>
+              <a:rPr lang="en-IN" dirty="0"/>
+              <a:t>FS</a:t>
+            </a:r>
+            <a:endParaRPr lang="en-US" dirty="0"/>
+          </a:p>
+        </p:txBody>
+      </p:sp>
+      <p:sp>
+        <p:nvSpPr>
+          <p:cNvPr id="45" name="TextBox 44">
+            <a:extLst>
+              <a:ext uri="{FF2B5EF4-FFF2-40B4-BE49-F238E27FC236}">
+                <a16:creationId xmlns:a16="http://schemas.microsoft.com/office/drawing/2014/main" id="{5E58050C-F00A-D458-1305-9A865DB7F60E}"/>
+              </a:ext>
+            </a:extLst>
+          </p:cNvPr>
+          <p:cNvSpPr txBox="1"/>
+          <p:nvPr/>
+        </p:nvSpPr>
+        <p:spPr>
+          <a:xfrm>
+            <a:off x="3180183" y="4749282"/>
+            <a:ext cx="693576" cy="338554"/>
+          </a:xfrm>
+          <a:prstGeom prst="rect">
+            <a:avLst/>
+          </a:prstGeom>
+          <a:noFill/>
+        </p:spPr>
+        <p:txBody>
+          <a:bodyPr wrap="square" rtlCol="0">
+            <a:spAutoFit/>
+          </a:bodyPr>
+          <a:lstStyle/>
+          <a:p>
+            <a:r>
+              <a:rPr lang="en-IN" sz="1600" dirty="0"/>
+              <a:t>FS</a:t>
+            </a:r>
+            <a:endParaRPr lang="en-US" sz="1600" dirty="0"/>
+          </a:p>
+        </p:txBody>
+      </p:sp>
+      <p:sp>
+        <p:nvSpPr>
+          <p:cNvPr id="46" name="Flowchart: Or 45">
+            <a:extLst>
+              <a:ext uri="{FF2B5EF4-FFF2-40B4-BE49-F238E27FC236}">
+                <a16:creationId xmlns:a16="http://schemas.microsoft.com/office/drawing/2014/main" id="{F262CC37-16FC-44BF-B1F4-0D260075FBC8}"/>
+              </a:ext>
+            </a:extLst>
+          </p:cNvPr>
+          <p:cNvSpPr/>
+          <p:nvPr/>
+        </p:nvSpPr>
+        <p:spPr>
+          <a:xfrm>
+            <a:off x="777550" y="5542384"/>
+            <a:ext cx="687355" cy="745937"/>
+          </a:xfrm>
+          <a:prstGeom prst="flowChartOr">
+            <a:avLst/>
+          </a:prstGeom>
+          <a:solidFill>
+            <a:srgbClr val="FF0000"/>
+          </a:solidFill>
+        </p:spPr>
+        <p:style>
+          <a:lnRef idx="2">
+            <a:schemeClr val="accent1">
+              <a:shade val="15000"/>
+            </a:schemeClr>
+          </a:lnRef>
+          <a:fillRef idx="1">
+            <a:schemeClr val="accent1"/>
+          </a:fillRef>
+          <a:effectRef idx="0">
+            <a:schemeClr val="accent1"/>
+          </a:effectRef>
+          <a:fontRef idx="minor">
+            <a:schemeClr val="lt1"/>
+          </a:fontRef>
+        </p:style>
+        <p:txBody>
+          <a:bodyPr rtlCol="0" anchor="ctr"/>
+          <a:lstStyle/>
+          <a:p>
+            <a:pPr algn="ctr"/>
+            <a:endParaRPr lang="en-US"/>
+          </a:p>
+        </p:txBody>
+      </p:sp>
+      <p:sp>
+        <p:nvSpPr>
+          <p:cNvPr id="47" name="Rectangle 46">
+            <a:extLst>
+              <a:ext uri="{FF2B5EF4-FFF2-40B4-BE49-F238E27FC236}">
+                <a16:creationId xmlns:a16="http://schemas.microsoft.com/office/drawing/2014/main" id="{187601E6-3499-E242-9B37-F7462F494C95}"/>
+              </a:ext>
+            </a:extLst>
+          </p:cNvPr>
+          <p:cNvSpPr/>
+          <p:nvPr/>
+        </p:nvSpPr>
+        <p:spPr>
+          <a:xfrm rot="2288793">
+            <a:off x="3455170" y="4731658"/>
+            <a:ext cx="1323916" cy="178840"/>
+          </a:xfrm>
+          <a:prstGeom prst="rect">
+            <a:avLst/>
+          </a:prstGeom>
+          <a:solidFill>
+            <a:srgbClr val="FF0000"/>
+          </a:solidFill>
+        </p:spPr>
+        <p:style>
+          <a:lnRef idx="2">
+            <a:schemeClr val="accent1">
+              <a:shade val="15000"/>
+            </a:schemeClr>
+          </a:lnRef>
+          <a:fillRef idx="1">
+            <a:schemeClr val="accent1"/>
+          </a:fillRef>
+          <a:effectRef idx="0">
+            <a:schemeClr val="accent1"/>
+          </a:effectRef>
+          <a:fontRef idx="minor">
+            <a:schemeClr val="lt1"/>
+          </a:fontRef>
+        </p:style>
+        <p:txBody>
+          <a:bodyPr rtlCol="0" anchor="ctr"/>
+          <a:lstStyle/>
+          <a:p>
+            <a:pPr algn="ctr"/>
+            <a:endParaRPr lang="en-US"/>
+          </a:p>
+        </p:txBody>
+      </p:sp>
+      <p:sp>
+        <p:nvSpPr>
+          <p:cNvPr id="48" name="Rectangle 47">
+            <a:extLst>
+              <a:ext uri="{FF2B5EF4-FFF2-40B4-BE49-F238E27FC236}">
+                <a16:creationId xmlns:a16="http://schemas.microsoft.com/office/drawing/2014/main" id="{65699915-CBEB-DA00-C7DD-18E9E9C17C31}"/>
+              </a:ext>
+            </a:extLst>
+          </p:cNvPr>
+          <p:cNvSpPr/>
+          <p:nvPr/>
+        </p:nvSpPr>
+        <p:spPr>
+          <a:xfrm rot="7792640">
+            <a:off x="3326878" y="4736841"/>
+            <a:ext cx="1323916" cy="178840"/>
+          </a:xfrm>
+          <a:prstGeom prst="rect">
+            <a:avLst/>
+          </a:prstGeom>
+          <a:solidFill>
+            <a:srgbClr val="FF0000"/>
+          </a:solidFill>
+        </p:spPr>
+        <p:style>
+          <a:lnRef idx="2">
+            <a:schemeClr val="accent1">
+              <a:shade val="15000"/>
+            </a:schemeClr>
+          </a:lnRef>
+          <a:fillRef idx="1">
+            <a:schemeClr val="accent1"/>
+          </a:fillRef>
+          <a:effectRef idx="0">
+            <a:schemeClr val="accent1"/>
+          </a:effectRef>
+          <a:fontRef idx="minor">
+            <a:schemeClr val="lt1"/>
+          </a:fontRef>
+        </p:style>
+        <p:txBody>
+          <a:bodyPr rtlCol="0" anchor="ctr"/>
+          <a:lstStyle/>
+          <a:p>
+            <a:pPr algn="ctr"/>
+            <a:endParaRPr lang="en-US"/>
+          </a:p>
+        </p:txBody>
+      </p:sp>
+      <p:sp>
+        <p:nvSpPr>
+          <p:cNvPr id="49" name="Rectangle 48">
+            <a:extLst>
+              <a:ext uri="{FF2B5EF4-FFF2-40B4-BE49-F238E27FC236}">
+                <a16:creationId xmlns:a16="http://schemas.microsoft.com/office/drawing/2014/main" id="{B6819637-BF2B-1E54-52C9-663829BAC3DE}"/>
+              </a:ext>
+            </a:extLst>
+          </p:cNvPr>
+          <p:cNvSpPr/>
+          <p:nvPr/>
+        </p:nvSpPr>
+        <p:spPr>
+          <a:xfrm rot="2288793">
+            <a:off x="7177120" y="3667775"/>
+            <a:ext cx="1323916" cy="178840"/>
+          </a:xfrm>
+          <a:prstGeom prst="rect">
+            <a:avLst/>
+          </a:prstGeom>
+          <a:solidFill>
+            <a:srgbClr val="FF0000"/>
+          </a:solidFill>
+        </p:spPr>
+        <p:style>
+          <a:lnRef idx="2">
+            <a:schemeClr val="accent1">
+              <a:shade val="15000"/>
+            </a:schemeClr>
+          </a:lnRef>
+          <a:fillRef idx="1">
+            <a:schemeClr val="accent1"/>
+          </a:fillRef>
+          <a:effectRef idx="0">
+            <a:schemeClr val="accent1"/>
+          </a:effectRef>
+          <a:fontRef idx="minor">
+            <a:schemeClr val="lt1"/>
+          </a:fontRef>
+        </p:style>
+        <p:txBody>
+          <a:bodyPr rtlCol="0" anchor="ctr"/>
+          <a:lstStyle/>
+          <a:p>
+            <a:pPr algn="ctr"/>
+            <a:endParaRPr lang="en-US"/>
+          </a:p>
+        </p:txBody>
+      </p:sp>
+      <p:sp>
+        <p:nvSpPr>
+          <p:cNvPr id="50" name="Rectangle 49">
+            <a:extLst>
+              <a:ext uri="{FF2B5EF4-FFF2-40B4-BE49-F238E27FC236}">
+                <a16:creationId xmlns:a16="http://schemas.microsoft.com/office/drawing/2014/main" id="{77244685-9613-F181-10C0-12AAAE96EA24}"/>
+              </a:ext>
+            </a:extLst>
+          </p:cNvPr>
+          <p:cNvSpPr/>
+          <p:nvPr/>
+        </p:nvSpPr>
+        <p:spPr>
+          <a:xfrm rot="7792640">
+            <a:off x="7048828" y="3672958"/>
+            <a:ext cx="1323916" cy="178840"/>
+          </a:xfrm>
+          <a:prstGeom prst="rect">
+            <a:avLst/>
+          </a:prstGeom>
+          <a:solidFill>
+            <a:srgbClr val="FF0000"/>
+          </a:solidFill>
+        </p:spPr>
+        <p:style>
+          <a:lnRef idx="2">
+            <a:schemeClr val="accent1">
+              <a:shade val="15000"/>
+            </a:schemeClr>
+          </a:lnRef>
+          <a:fillRef idx="1">
+            <a:schemeClr val="accent1"/>
+          </a:fillRef>
+          <a:effectRef idx="0">
+            <a:schemeClr val="accent1"/>
+          </a:effectRef>
+          <a:fontRef idx="minor">
+            <a:schemeClr val="lt1"/>
+          </a:fontRef>
+        </p:style>
+        <p:txBody>
+          <a:bodyPr rtlCol="0" anchor="ctr"/>
+          <a:lstStyle/>
+          <a:p>
+            <a:pPr algn="ctr"/>
+            <a:endParaRPr lang="en-US"/>
+          </a:p>
+        </p:txBody>
+      </p:sp>
+      <p:sp>
+        <p:nvSpPr>
+          <p:cNvPr id="51" name="Rectangle 50">
+            <a:extLst>
+              <a:ext uri="{FF2B5EF4-FFF2-40B4-BE49-F238E27FC236}">
+                <a16:creationId xmlns:a16="http://schemas.microsoft.com/office/drawing/2014/main" id="{2016B0F0-1BFC-205E-4D0C-8E3EBE70F1EE}"/>
+              </a:ext>
+            </a:extLst>
+          </p:cNvPr>
+          <p:cNvSpPr/>
+          <p:nvPr/>
+        </p:nvSpPr>
+        <p:spPr>
+          <a:xfrm rot="2288793">
+            <a:off x="6471105" y="600812"/>
+            <a:ext cx="1323916" cy="178840"/>
+          </a:xfrm>
+          <a:prstGeom prst="rect">
+            <a:avLst/>
+          </a:prstGeom>
+          <a:solidFill>
+            <a:srgbClr val="FF0000"/>
+          </a:solidFill>
+        </p:spPr>
+        <p:style>
+          <a:lnRef idx="2">
+            <a:schemeClr val="accent1">
+              <a:shade val="15000"/>
+            </a:schemeClr>
+          </a:lnRef>
+          <a:fillRef idx="1">
+            <a:schemeClr val="accent1"/>
+          </a:fillRef>
+          <a:effectRef idx="0">
+            <a:schemeClr val="accent1"/>
+          </a:effectRef>
+          <a:fontRef idx="minor">
+            <a:schemeClr val="lt1"/>
+          </a:fontRef>
+        </p:style>
+        <p:txBody>
+          <a:bodyPr rtlCol="0" anchor="ctr"/>
+          <a:lstStyle/>
+          <a:p>
+            <a:pPr algn="ctr"/>
+            <a:endParaRPr lang="en-US"/>
+          </a:p>
+        </p:txBody>
+      </p:sp>
+      <p:sp>
+        <p:nvSpPr>
+          <p:cNvPr id="52" name="Rectangle 51">
+            <a:extLst>
+              <a:ext uri="{FF2B5EF4-FFF2-40B4-BE49-F238E27FC236}">
+                <a16:creationId xmlns:a16="http://schemas.microsoft.com/office/drawing/2014/main" id="{89F7595F-56D7-5B7D-D1D0-3EBCF51664C8}"/>
+              </a:ext>
+            </a:extLst>
+          </p:cNvPr>
+          <p:cNvSpPr/>
+          <p:nvPr/>
+        </p:nvSpPr>
+        <p:spPr>
+          <a:xfrm rot="7792640">
+            <a:off x="6342813" y="605995"/>
+            <a:ext cx="1323916" cy="178840"/>
+          </a:xfrm>
+          <a:prstGeom prst="rect">
+            <a:avLst/>
+          </a:prstGeom>
+          <a:solidFill>
+            <a:srgbClr val="FF0000"/>
+          </a:solidFill>
+        </p:spPr>
+        <p:style>
+          <a:lnRef idx="2">
+            <a:schemeClr val="accent1">
+              <a:shade val="15000"/>
+            </a:schemeClr>
+          </a:lnRef>
+          <a:fillRef idx="1">
+            <a:schemeClr val="accent1"/>
+          </a:fillRef>
+          <a:effectRef idx="0">
+            <a:schemeClr val="accent1"/>
+          </a:effectRef>
+          <a:fontRef idx="minor">
+            <a:schemeClr val="lt1"/>
+          </a:fontRef>
+        </p:style>
+        <p:txBody>
+          <a:bodyPr rtlCol="0" anchor="ctr"/>
+          <a:lstStyle/>
+          <a:p>
+            <a:pPr algn="ctr"/>
             <a:endParaRPr lang="en-US"/>
           </a:p>
         </p:txBody>
@@ -19557,6 +20172,1295 @@
     <p:extLst>
       <p:ext uri="{BB962C8B-B14F-4D97-AF65-F5344CB8AC3E}">
         <p14:creationId xmlns:p14="http://schemas.microsoft.com/office/powerpoint/2010/main" val="3854526691"/>
+      </p:ext>
+    </p:extLst>
+  </p:cSld>
+  <p:clrMapOvr>
+    <a:masterClrMapping/>
+  </p:clrMapOvr>
+</p:sld>
+</file>
+
+<file path=ppt/slides/slide26.xml><?xml version="1.0" encoding="utf-8"?>
+<p:sld xmlns:a="http://schemas.openxmlformats.org/drawingml/2006/main" xmlns:r="http://schemas.openxmlformats.org/officeDocument/2006/relationships" xmlns:p="http://schemas.openxmlformats.org/presentationml/2006/main">
+  <p:cSld>
+    <p:spTree>
+      <p:nvGrpSpPr>
+        <p:cNvPr id="1" name=""/>
+        <p:cNvGrpSpPr/>
+        <p:nvPr/>
+      </p:nvGrpSpPr>
+      <p:grpSpPr>
+        <a:xfrm>
+          <a:off x="0" y="0"/>
+          <a:ext cx="0" cy="0"/>
+          <a:chOff x="0" y="0"/>
+          <a:chExt cx="0" cy="0"/>
+        </a:xfrm>
+      </p:grpSpPr>
+      <p:sp>
+        <p:nvSpPr>
+          <p:cNvPr id="2" name="TextBox 1">
+            <a:extLst>
+              <a:ext uri="{FF2B5EF4-FFF2-40B4-BE49-F238E27FC236}">
+                <a16:creationId xmlns:a16="http://schemas.microsoft.com/office/drawing/2014/main" id="{BF7E3E49-9653-EC2A-73D8-87313773DDB3}"/>
+              </a:ext>
+            </a:extLst>
+          </p:cNvPr>
+          <p:cNvSpPr txBox="1"/>
+          <p:nvPr/>
+        </p:nvSpPr>
+        <p:spPr>
+          <a:xfrm>
+            <a:off x="4935894" y="550506"/>
+            <a:ext cx="4058816" cy="584775"/>
+          </a:xfrm>
+          <a:prstGeom prst="rect">
+            <a:avLst/>
+          </a:prstGeom>
+          <a:noFill/>
+        </p:spPr>
+        <p:txBody>
+          <a:bodyPr wrap="square" rtlCol="0">
+            <a:spAutoFit/>
+          </a:bodyPr>
+          <a:lstStyle/>
+          <a:p>
+            <a:pPr algn="ctr"/>
+            <a:r>
+              <a:rPr lang="en-IN" sz="3200" dirty="0"/>
+              <a:t>Data Access Tech</a:t>
+            </a:r>
+            <a:endParaRPr lang="en-US" sz="3200" dirty="0"/>
+          </a:p>
+        </p:txBody>
+      </p:sp>
+      <p:sp>
+        <p:nvSpPr>
+          <p:cNvPr id="3" name="Rectangle: Rounded Corners 2">
+            <a:extLst>
+              <a:ext uri="{FF2B5EF4-FFF2-40B4-BE49-F238E27FC236}">
+                <a16:creationId xmlns:a16="http://schemas.microsoft.com/office/drawing/2014/main" id="{7016B692-CAAF-374C-1F0D-59C100243F19}"/>
+              </a:ext>
+            </a:extLst>
+          </p:cNvPr>
+          <p:cNvSpPr/>
+          <p:nvPr/>
+        </p:nvSpPr>
+        <p:spPr>
+          <a:xfrm>
+            <a:off x="923732" y="1492898"/>
+            <a:ext cx="3153747" cy="900404"/>
+          </a:xfrm>
+          <a:prstGeom prst="roundRect">
+            <a:avLst/>
+          </a:prstGeom>
+        </p:spPr>
+        <p:style>
+          <a:lnRef idx="2">
+            <a:schemeClr val="accent1">
+              <a:shade val="15000"/>
+            </a:schemeClr>
+          </a:lnRef>
+          <a:fillRef idx="1">
+            <a:schemeClr val="accent1"/>
+          </a:fillRef>
+          <a:effectRef idx="0">
+            <a:schemeClr val="accent1"/>
+          </a:effectRef>
+          <a:fontRef idx="minor">
+            <a:schemeClr val="lt1"/>
+          </a:fontRef>
+        </p:style>
+        <p:txBody>
+          <a:bodyPr rtlCol="0" anchor="ctr"/>
+          <a:lstStyle/>
+          <a:p>
+            <a:pPr algn="ctr"/>
+            <a:r>
+              <a:rPr lang="en-IN" dirty="0"/>
+              <a:t>ADO.NET </a:t>
+            </a:r>
+            <a:endParaRPr lang="en-US" dirty="0"/>
+          </a:p>
+        </p:txBody>
+      </p:sp>
+      <p:cxnSp>
+        <p:nvCxnSpPr>
+          <p:cNvPr id="5" name="Connector: Elbow 4">
+            <a:extLst>
+              <a:ext uri="{FF2B5EF4-FFF2-40B4-BE49-F238E27FC236}">
+                <a16:creationId xmlns:a16="http://schemas.microsoft.com/office/drawing/2014/main" id="{DEBFCDF2-CA07-0A57-0E36-333CCB845F77}"/>
+              </a:ext>
+            </a:extLst>
+          </p:cNvPr>
+          <p:cNvCxnSpPr>
+            <a:cxnSpLocks/>
+            <a:stCxn id="2" idx="1"/>
+            <a:endCxn id="3" idx="0"/>
+          </p:cNvCxnSpPr>
+          <p:nvPr/>
+        </p:nvCxnSpPr>
+        <p:spPr>
+          <a:xfrm rot="10800000" flipV="1">
+            <a:off x="2500606" y="842894"/>
+            <a:ext cx="2435288" cy="650004"/>
+          </a:xfrm>
+          <a:prstGeom prst="bentConnector2">
+            <a:avLst/>
+          </a:prstGeom>
+          <a:ln>
+            <a:tailEnd type="triangle"/>
+          </a:ln>
+        </p:spPr>
+        <p:style>
+          <a:lnRef idx="1">
+            <a:schemeClr val="accent1"/>
+          </a:lnRef>
+          <a:fillRef idx="0">
+            <a:schemeClr val="accent1"/>
+          </a:fillRef>
+          <a:effectRef idx="0">
+            <a:schemeClr val="accent1"/>
+          </a:effectRef>
+          <a:fontRef idx="minor">
+            <a:schemeClr val="tx1"/>
+          </a:fontRef>
+        </p:style>
+      </p:cxnSp>
+      <p:sp>
+        <p:nvSpPr>
+          <p:cNvPr id="7" name="Rectangle: Rounded Corners 6">
+            <a:extLst>
+              <a:ext uri="{FF2B5EF4-FFF2-40B4-BE49-F238E27FC236}">
+                <a16:creationId xmlns:a16="http://schemas.microsoft.com/office/drawing/2014/main" id="{2DB251A6-7C37-C7B7-8CF2-D6A08B5E3E1C}"/>
+              </a:ext>
+            </a:extLst>
+          </p:cNvPr>
+          <p:cNvSpPr/>
+          <p:nvPr/>
+        </p:nvSpPr>
+        <p:spPr>
+          <a:xfrm>
+            <a:off x="8344677" y="1492898"/>
+            <a:ext cx="3153747" cy="900404"/>
+          </a:xfrm>
+          <a:prstGeom prst="roundRect">
+            <a:avLst/>
+          </a:prstGeom>
+        </p:spPr>
+        <p:style>
+          <a:lnRef idx="2">
+            <a:schemeClr val="accent1">
+              <a:shade val="15000"/>
+            </a:schemeClr>
+          </a:lnRef>
+          <a:fillRef idx="1">
+            <a:schemeClr val="accent1"/>
+          </a:fillRef>
+          <a:effectRef idx="0">
+            <a:schemeClr val="accent1"/>
+          </a:effectRef>
+          <a:fontRef idx="minor">
+            <a:schemeClr val="lt1"/>
+          </a:fontRef>
+        </p:style>
+        <p:txBody>
+          <a:bodyPr rtlCol="0" anchor="ctr"/>
+          <a:lstStyle/>
+          <a:p>
+            <a:pPr algn="ctr"/>
+            <a:r>
+              <a:rPr lang="en-IN" sz="1600" dirty="0"/>
+              <a:t>Object Relational Mapping (ORM)</a:t>
+            </a:r>
+          </a:p>
+          <a:p>
+            <a:pPr algn="ctr"/>
+            <a:r>
+              <a:rPr lang="en-IN" sz="1600" dirty="0"/>
+              <a:t>Entity Framework Core (EF Core)</a:t>
+            </a:r>
+            <a:endParaRPr lang="en-US" sz="1600" dirty="0"/>
+          </a:p>
+        </p:txBody>
+      </p:sp>
+      <p:cxnSp>
+        <p:nvCxnSpPr>
+          <p:cNvPr id="9" name="Connector: Elbow 8">
+            <a:extLst>
+              <a:ext uri="{FF2B5EF4-FFF2-40B4-BE49-F238E27FC236}">
+                <a16:creationId xmlns:a16="http://schemas.microsoft.com/office/drawing/2014/main" id="{D9F3C049-1668-145A-FE1F-1AC173FE0A53}"/>
+              </a:ext>
+            </a:extLst>
+          </p:cNvPr>
+          <p:cNvCxnSpPr>
+            <a:stCxn id="2" idx="3"/>
+            <a:endCxn id="7" idx="0"/>
+          </p:cNvCxnSpPr>
+          <p:nvPr/>
+        </p:nvCxnSpPr>
+        <p:spPr>
+          <a:xfrm>
+            <a:off x="8994710" y="842894"/>
+            <a:ext cx="926841" cy="650004"/>
+          </a:xfrm>
+          <a:prstGeom prst="bentConnector2">
+            <a:avLst/>
+          </a:prstGeom>
+          <a:ln>
+            <a:tailEnd type="triangle"/>
+          </a:ln>
+        </p:spPr>
+        <p:style>
+          <a:lnRef idx="1">
+            <a:schemeClr val="accent1"/>
+          </a:lnRef>
+          <a:fillRef idx="0">
+            <a:schemeClr val="accent1"/>
+          </a:fillRef>
+          <a:effectRef idx="0">
+            <a:schemeClr val="accent1"/>
+          </a:effectRef>
+          <a:fontRef idx="minor">
+            <a:schemeClr val="tx1"/>
+          </a:fontRef>
+        </p:style>
+      </p:cxnSp>
+      <p:sp>
+        <p:nvSpPr>
+          <p:cNvPr id="11" name="Rectangle: Rounded Corners 10">
+            <a:extLst>
+              <a:ext uri="{FF2B5EF4-FFF2-40B4-BE49-F238E27FC236}">
+                <a16:creationId xmlns:a16="http://schemas.microsoft.com/office/drawing/2014/main" id="{616F8049-ABFC-119A-789E-9289CD4205AB}"/>
+              </a:ext>
+            </a:extLst>
+          </p:cNvPr>
+          <p:cNvSpPr/>
+          <p:nvPr/>
+        </p:nvSpPr>
+        <p:spPr>
+          <a:xfrm>
+            <a:off x="326571" y="2864498"/>
+            <a:ext cx="1595535" cy="774441"/>
+          </a:xfrm>
+          <a:prstGeom prst="roundRect">
+            <a:avLst/>
+          </a:prstGeom>
+        </p:spPr>
+        <p:style>
+          <a:lnRef idx="2">
+            <a:schemeClr val="accent1">
+              <a:shade val="15000"/>
+            </a:schemeClr>
+          </a:lnRef>
+          <a:fillRef idx="1">
+            <a:schemeClr val="accent1"/>
+          </a:fillRef>
+          <a:effectRef idx="0">
+            <a:schemeClr val="accent1"/>
+          </a:effectRef>
+          <a:fontRef idx="minor">
+            <a:schemeClr val="lt1"/>
+          </a:fontRef>
+        </p:style>
+        <p:txBody>
+          <a:bodyPr rtlCol="0" anchor="ctr"/>
+          <a:lstStyle/>
+          <a:p>
+            <a:pPr algn="ctr"/>
+            <a:r>
+              <a:rPr lang="en-IN" dirty="0"/>
+              <a:t>Connected</a:t>
+            </a:r>
+            <a:endParaRPr lang="en-US" dirty="0"/>
+          </a:p>
+        </p:txBody>
+      </p:sp>
+      <p:sp>
+        <p:nvSpPr>
+          <p:cNvPr id="12" name="Rectangle: Rounded Corners 11">
+            <a:extLst>
+              <a:ext uri="{FF2B5EF4-FFF2-40B4-BE49-F238E27FC236}">
+                <a16:creationId xmlns:a16="http://schemas.microsoft.com/office/drawing/2014/main" id="{2E841775-6E71-865F-1287-CEF5C0197D26}"/>
+              </a:ext>
+            </a:extLst>
+          </p:cNvPr>
+          <p:cNvSpPr/>
+          <p:nvPr/>
+        </p:nvSpPr>
+        <p:spPr>
+          <a:xfrm>
+            <a:off x="3111759" y="2864498"/>
+            <a:ext cx="1595535" cy="774441"/>
+          </a:xfrm>
+          <a:prstGeom prst="roundRect">
+            <a:avLst/>
+          </a:prstGeom>
+        </p:spPr>
+        <p:style>
+          <a:lnRef idx="2">
+            <a:schemeClr val="accent1">
+              <a:shade val="15000"/>
+            </a:schemeClr>
+          </a:lnRef>
+          <a:fillRef idx="1">
+            <a:schemeClr val="accent1"/>
+          </a:fillRef>
+          <a:effectRef idx="0">
+            <a:schemeClr val="accent1"/>
+          </a:effectRef>
+          <a:fontRef idx="minor">
+            <a:schemeClr val="lt1"/>
+          </a:fontRef>
+        </p:style>
+        <p:txBody>
+          <a:bodyPr rtlCol="0" anchor="ctr"/>
+          <a:lstStyle/>
+          <a:p>
+            <a:pPr algn="ctr"/>
+            <a:r>
+              <a:rPr lang="en-IN" dirty="0" err="1"/>
+              <a:t>DisConnected</a:t>
+            </a:r>
+            <a:endParaRPr lang="en-US" dirty="0"/>
+          </a:p>
+        </p:txBody>
+      </p:sp>
+      <p:cxnSp>
+        <p:nvCxnSpPr>
+          <p:cNvPr id="14" name="Connector: Elbow 13">
+            <a:extLst>
+              <a:ext uri="{FF2B5EF4-FFF2-40B4-BE49-F238E27FC236}">
+                <a16:creationId xmlns:a16="http://schemas.microsoft.com/office/drawing/2014/main" id="{1E4735DC-DF2B-0679-2C79-9BAC8A57DA5C}"/>
+              </a:ext>
+            </a:extLst>
+          </p:cNvPr>
+          <p:cNvCxnSpPr>
+            <a:stCxn id="3" idx="1"/>
+            <a:endCxn id="11" idx="0"/>
+          </p:cNvCxnSpPr>
+          <p:nvPr/>
+        </p:nvCxnSpPr>
+        <p:spPr>
+          <a:xfrm rot="10800000" flipH="1" flipV="1">
+            <a:off x="923731" y="1943100"/>
+            <a:ext cx="200607" cy="921398"/>
+          </a:xfrm>
+          <a:prstGeom prst="bentConnector4">
+            <a:avLst>
+              <a:gd name="adj1" fmla="val -113954"/>
+              <a:gd name="adj2" fmla="val 74430"/>
+            </a:avLst>
+          </a:prstGeom>
+          <a:ln>
+            <a:tailEnd type="triangle"/>
+          </a:ln>
+        </p:spPr>
+        <p:style>
+          <a:lnRef idx="1">
+            <a:schemeClr val="accent1"/>
+          </a:lnRef>
+          <a:fillRef idx="0">
+            <a:schemeClr val="accent1"/>
+          </a:fillRef>
+          <a:effectRef idx="0">
+            <a:schemeClr val="accent1"/>
+          </a:effectRef>
+          <a:fontRef idx="minor">
+            <a:schemeClr val="tx1"/>
+          </a:fontRef>
+        </p:style>
+      </p:cxnSp>
+      <p:cxnSp>
+        <p:nvCxnSpPr>
+          <p:cNvPr id="16" name="Connector: Elbow 15">
+            <a:extLst>
+              <a:ext uri="{FF2B5EF4-FFF2-40B4-BE49-F238E27FC236}">
+                <a16:creationId xmlns:a16="http://schemas.microsoft.com/office/drawing/2014/main" id="{7FEFE8A2-9856-45AE-A38D-3C87E12DD87B}"/>
+              </a:ext>
+            </a:extLst>
+          </p:cNvPr>
+          <p:cNvCxnSpPr>
+            <a:stCxn id="3" idx="3"/>
+            <a:endCxn id="12" idx="0"/>
+          </p:cNvCxnSpPr>
+          <p:nvPr/>
+        </p:nvCxnSpPr>
+        <p:spPr>
+          <a:xfrm flipH="1">
+            <a:off x="3909527" y="1943100"/>
+            <a:ext cx="167952" cy="921398"/>
+          </a:xfrm>
+          <a:prstGeom prst="bentConnector4">
+            <a:avLst>
+              <a:gd name="adj1" fmla="val -136110"/>
+              <a:gd name="adj2" fmla="val 74430"/>
+            </a:avLst>
+          </a:prstGeom>
+          <a:ln>
+            <a:tailEnd type="triangle"/>
+          </a:ln>
+        </p:spPr>
+        <p:style>
+          <a:lnRef idx="1">
+            <a:schemeClr val="accent1"/>
+          </a:lnRef>
+          <a:fillRef idx="0">
+            <a:schemeClr val="accent1"/>
+          </a:fillRef>
+          <a:effectRef idx="0">
+            <a:schemeClr val="accent1"/>
+          </a:effectRef>
+          <a:fontRef idx="minor">
+            <a:schemeClr val="tx1"/>
+          </a:fontRef>
+        </p:style>
+      </p:cxnSp>
+      <p:sp>
+        <p:nvSpPr>
+          <p:cNvPr id="24" name="Oval 23">
+            <a:extLst>
+              <a:ext uri="{FF2B5EF4-FFF2-40B4-BE49-F238E27FC236}">
+                <a16:creationId xmlns:a16="http://schemas.microsoft.com/office/drawing/2014/main" id="{5563254D-4B09-495A-C5A6-DB24FAB77FCF}"/>
+              </a:ext>
+            </a:extLst>
+          </p:cNvPr>
+          <p:cNvSpPr/>
+          <p:nvPr/>
+        </p:nvSpPr>
+        <p:spPr>
+          <a:xfrm>
+            <a:off x="3517641" y="4021494"/>
+            <a:ext cx="2090057" cy="895739"/>
+          </a:xfrm>
+          <a:prstGeom prst="ellipse">
+            <a:avLst/>
+          </a:prstGeom>
+        </p:spPr>
+        <p:style>
+          <a:lnRef idx="2">
+            <a:schemeClr val="accent1">
+              <a:shade val="15000"/>
+            </a:schemeClr>
+          </a:lnRef>
+          <a:fillRef idx="1">
+            <a:schemeClr val="accent1"/>
+          </a:fillRef>
+          <a:effectRef idx="0">
+            <a:schemeClr val="accent1"/>
+          </a:effectRef>
+          <a:fontRef idx="minor">
+            <a:schemeClr val="lt1"/>
+          </a:fontRef>
+        </p:style>
+        <p:txBody>
+          <a:bodyPr rtlCol="0" anchor="ctr"/>
+          <a:lstStyle/>
+          <a:p>
+            <a:pPr algn="ctr"/>
+            <a:r>
+              <a:rPr lang="en-IN" dirty="0"/>
+              <a:t>Connection</a:t>
+            </a:r>
+            <a:endParaRPr lang="en-US" dirty="0"/>
+          </a:p>
+        </p:txBody>
+      </p:sp>
+      <p:cxnSp>
+        <p:nvCxnSpPr>
+          <p:cNvPr id="26" name="Connector: Curved 25">
+            <a:extLst>
+              <a:ext uri="{FF2B5EF4-FFF2-40B4-BE49-F238E27FC236}">
+                <a16:creationId xmlns:a16="http://schemas.microsoft.com/office/drawing/2014/main" id="{23506452-D5B2-E888-A813-FA7BE4B657C8}"/>
+              </a:ext>
+            </a:extLst>
+          </p:cNvPr>
+          <p:cNvCxnSpPr>
+            <a:stCxn id="11" idx="2"/>
+            <a:endCxn id="24" idx="2"/>
+          </p:cNvCxnSpPr>
+          <p:nvPr/>
+        </p:nvCxnSpPr>
+        <p:spPr>
+          <a:xfrm rot="16200000" flipH="1">
+            <a:off x="1905778" y="2857500"/>
+            <a:ext cx="830425" cy="2393302"/>
+          </a:xfrm>
+          <a:prstGeom prst="curvedConnector2">
+            <a:avLst/>
+          </a:prstGeom>
+          <a:ln>
+            <a:tailEnd type="triangle"/>
+          </a:ln>
+        </p:spPr>
+        <p:style>
+          <a:lnRef idx="1">
+            <a:schemeClr val="accent1"/>
+          </a:lnRef>
+          <a:fillRef idx="0">
+            <a:schemeClr val="accent1"/>
+          </a:fillRef>
+          <a:effectRef idx="0">
+            <a:schemeClr val="accent1"/>
+          </a:effectRef>
+          <a:fontRef idx="minor">
+            <a:schemeClr val="tx1"/>
+          </a:fontRef>
+        </p:style>
+      </p:cxnSp>
+      <p:sp>
+        <p:nvSpPr>
+          <p:cNvPr id="27" name="TextBox 26">
+            <a:extLst>
+              <a:ext uri="{FF2B5EF4-FFF2-40B4-BE49-F238E27FC236}">
+                <a16:creationId xmlns:a16="http://schemas.microsoft.com/office/drawing/2014/main" id="{F98191AC-E363-7760-C9D7-081FA4D8ED90}"/>
+              </a:ext>
+            </a:extLst>
+          </p:cNvPr>
+          <p:cNvSpPr txBox="1"/>
+          <p:nvPr/>
+        </p:nvSpPr>
+        <p:spPr>
+          <a:xfrm>
+            <a:off x="5766318" y="4142792"/>
+            <a:ext cx="3442996" cy="646331"/>
+          </a:xfrm>
+          <a:prstGeom prst="rect">
+            <a:avLst/>
+          </a:prstGeom>
+          <a:noFill/>
+        </p:spPr>
+        <p:txBody>
+          <a:bodyPr wrap="square" rtlCol="0">
+            <a:spAutoFit/>
+          </a:bodyPr>
+          <a:lstStyle/>
+          <a:p>
+            <a:r>
+              <a:rPr lang="en-IN" dirty="0"/>
+              <a:t>Establish Connection to DB and Open it for Transaction</a:t>
+            </a:r>
+            <a:endParaRPr lang="en-US" dirty="0"/>
+          </a:p>
+        </p:txBody>
+      </p:sp>
+      <p:sp>
+        <p:nvSpPr>
+          <p:cNvPr id="28" name="Oval 27">
+            <a:extLst>
+              <a:ext uri="{FF2B5EF4-FFF2-40B4-BE49-F238E27FC236}">
+                <a16:creationId xmlns:a16="http://schemas.microsoft.com/office/drawing/2014/main" id="{F687039D-4C4D-884A-8F75-6D1765B4017D}"/>
+              </a:ext>
+            </a:extLst>
+          </p:cNvPr>
+          <p:cNvSpPr/>
+          <p:nvPr/>
+        </p:nvSpPr>
+        <p:spPr>
+          <a:xfrm>
+            <a:off x="2935257" y="5224069"/>
+            <a:ext cx="2090057" cy="895739"/>
+          </a:xfrm>
+          <a:prstGeom prst="ellipse">
+            <a:avLst/>
+          </a:prstGeom>
+        </p:spPr>
+        <p:style>
+          <a:lnRef idx="2">
+            <a:schemeClr val="accent1">
+              <a:shade val="15000"/>
+            </a:schemeClr>
+          </a:lnRef>
+          <a:fillRef idx="1">
+            <a:schemeClr val="accent1"/>
+          </a:fillRef>
+          <a:effectRef idx="0">
+            <a:schemeClr val="accent1"/>
+          </a:effectRef>
+          <a:fontRef idx="minor">
+            <a:schemeClr val="lt1"/>
+          </a:fontRef>
+        </p:style>
+        <p:txBody>
+          <a:bodyPr rtlCol="0" anchor="ctr"/>
+          <a:lstStyle/>
+          <a:p>
+            <a:pPr algn="ctr"/>
+            <a:r>
+              <a:rPr lang="en-IN" dirty="0"/>
+              <a:t>Command</a:t>
+            </a:r>
+            <a:endParaRPr lang="en-US" dirty="0"/>
+          </a:p>
+        </p:txBody>
+      </p:sp>
+      <p:cxnSp>
+        <p:nvCxnSpPr>
+          <p:cNvPr id="30" name="Connector: Curved 29">
+            <a:extLst>
+              <a:ext uri="{FF2B5EF4-FFF2-40B4-BE49-F238E27FC236}">
+                <a16:creationId xmlns:a16="http://schemas.microsoft.com/office/drawing/2014/main" id="{15427EBC-5F73-4F1D-6B7C-E121A7B4F643}"/>
+              </a:ext>
+            </a:extLst>
+          </p:cNvPr>
+          <p:cNvCxnSpPr>
+            <a:stCxn id="11" idx="2"/>
+            <a:endCxn id="28" idx="2"/>
+          </p:cNvCxnSpPr>
+          <p:nvPr/>
+        </p:nvCxnSpPr>
+        <p:spPr>
+          <a:xfrm rot="16200000" flipH="1">
+            <a:off x="1013298" y="3749980"/>
+            <a:ext cx="2033000" cy="1810918"/>
+          </a:xfrm>
+          <a:prstGeom prst="curvedConnector2">
+            <a:avLst/>
+          </a:prstGeom>
+          <a:ln>
+            <a:tailEnd type="triangle"/>
+          </a:ln>
+        </p:spPr>
+        <p:style>
+          <a:lnRef idx="1">
+            <a:schemeClr val="accent1"/>
+          </a:lnRef>
+          <a:fillRef idx="0">
+            <a:schemeClr val="accent1"/>
+          </a:fillRef>
+          <a:effectRef idx="0">
+            <a:schemeClr val="accent1"/>
+          </a:effectRef>
+          <a:fontRef idx="minor">
+            <a:schemeClr val="tx1"/>
+          </a:fontRef>
+        </p:style>
+      </p:cxnSp>
+      <p:sp>
+        <p:nvSpPr>
+          <p:cNvPr id="31" name="TextBox 30">
+            <a:extLst>
+              <a:ext uri="{FF2B5EF4-FFF2-40B4-BE49-F238E27FC236}">
+                <a16:creationId xmlns:a16="http://schemas.microsoft.com/office/drawing/2014/main" id="{5AC6F079-7C1F-705C-B9BB-4CED372E2E5A}"/>
+              </a:ext>
+            </a:extLst>
+          </p:cNvPr>
+          <p:cNvSpPr txBox="1"/>
+          <p:nvPr/>
+        </p:nvSpPr>
+        <p:spPr>
+          <a:xfrm>
+            <a:off x="3590734" y="5074983"/>
+            <a:ext cx="2976466" cy="369332"/>
+          </a:xfrm>
+          <a:prstGeom prst="rect">
+            <a:avLst/>
+          </a:prstGeom>
+          <a:noFill/>
+        </p:spPr>
+        <p:txBody>
+          <a:bodyPr wrap="square" rtlCol="0">
+            <a:spAutoFit/>
+          </a:bodyPr>
+          <a:lstStyle/>
+          <a:p>
+            <a:r>
+              <a:rPr lang="en-IN" dirty="0"/>
+              <a:t>Perform CRUD Operations</a:t>
+            </a:r>
+            <a:endParaRPr lang="en-US" dirty="0"/>
+          </a:p>
+        </p:txBody>
+      </p:sp>
+      <p:sp>
+        <p:nvSpPr>
+          <p:cNvPr id="32" name="Oval 31">
+            <a:extLst>
+              <a:ext uri="{FF2B5EF4-FFF2-40B4-BE49-F238E27FC236}">
+                <a16:creationId xmlns:a16="http://schemas.microsoft.com/office/drawing/2014/main" id="{058A3DE5-FCF8-8CED-2B49-78DEA23196F5}"/>
+              </a:ext>
+            </a:extLst>
+          </p:cNvPr>
+          <p:cNvSpPr/>
+          <p:nvPr/>
+        </p:nvSpPr>
+        <p:spPr>
+          <a:xfrm>
+            <a:off x="230932" y="5590295"/>
+            <a:ext cx="2090057" cy="895739"/>
+          </a:xfrm>
+          <a:prstGeom prst="ellipse">
+            <a:avLst/>
+          </a:prstGeom>
+        </p:spPr>
+        <p:style>
+          <a:lnRef idx="2">
+            <a:schemeClr val="accent1">
+              <a:shade val="15000"/>
+            </a:schemeClr>
+          </a:lnRef>
+          <a:fillRef idx="1">
+            <a:schemeClr val="accent1"/>
+          </a:fillRef>
+          <a:effectRef idx="0">
+            <a:schemeClr val="accent1"/>
+          </a:effectRef>
+          <a:fontRef idx="minor">
+            <a:schemeClr val="lt1"/>
+          </a:fontRef>
+        </p:style>
+        <p:txBody>
+          <a:bodyPr rtlCol="0" anchor="ctr"/>
+          <a:lstStyle/>
+          <a:p>
+            <a:pPr algn="ctr"/>
+            <a:r>
+              <a:rPr lang="en-IN" dirty="0" err="1"/>
+              <a:t>DataReader</a:t>
+            </a:r>
+            <a:endParaRPr lang="en-US" dirty="0"/>
+          </a:p>
+        </p:txBody>
+      </p:sp>
+      <p:cxnSp>
+        <p:nvCxnSpPr>
+          <p:cNvPr id="34" name="Connector: Curved 33">
+            <a:extLst>
+              <a:ext uri="{FF2B5EF4-FFF2-40B4-BE49-F238E27FC236}">
+                <a16:creationId xmlns:a16="http://schemas.microsoft.com/office/drawing/2014/main" id="{2DFBD49A-58D8-BB66-E180-9C3C1AB28C6F}"/>
+              </a:ext>
+            </a:extLst>
+          </p:cNvPr>
+          <p:cNvCxnSpPr>
+            <a:stCxn id="11" idx="2"/>
+            <a:endCxn id="32" idx="2"/>
+          </p:cNvCxnSpPr>
+          <p:nvPr/>
+        </p:nvCxnSpPr>
+        <p:spPr>
+          <a:xfrm rot="5400000">
+            <a:off x="-521977" y="4391849"/>
+            <a:ext cx="2399226" cy="893407"/>
+          </a:xfrm>
+          <a:prstGeom prst="curvedConnector4">
+            <a:avLst>
+              <a:gd name="adj1" fmla="val 40666"/>
+              <a:gd name="adj2" fmla="val 125587"/>
+            </a:avLst>
+          </a:prstGeom>
+          <a:ln>
+            <a:tailEnd type="triangle"/>
+          </a:ln>
+        </p:spPr>
+        <p:style>
+          <a:lnRef idx="1">
+            <a:schemeClr val="accent1"/>
+          </a:lnRef>
+          <a:fillRef idx="0">
+            <a:schemeClr val="accent1"/>
+          </a:fillRef>
+          <a:effectRef idx="0">
+            <a:schemeClr val="accent1"/>
+          </a:effectRef>
+          <a:fontRef idx="minor">
+            <a:schemeClr val="tx1"/>
+          </a:fontRef>
+        </p:style>
+      </p:cxnSp>
+      <p:sp>
+        <p:nvSpPr>
+          <p:cNvPr id="35" name="TextBox 34">
+            <a:extLst>
+              <a:ext uri="{FF2B5EF4-FFF2-40B4-BE49-F238E27FC236}">
+                <a16:creationId xmlns:a16="http://schemas.microsoft.com/office/drawing/2014/main" id="{7B6B79C6-FBF9-3837-29C9-FA1C248820C6}"/>
+              </a:ext>
+            </a:extLst>
+          </p:cNvPr>
+          <p:cNvSpPr txBox="1"/>
+          <p:nvPr/>
+        </p:nvSpPr>
+        <p:spPr>
+          <a:xfrm>
+            <a:off x="1497563" y="6222258"/>
+            <a:ext cx="3228392" cy="646331"/>
+          </a:xfrm>
+          <a:prstGeom prst="rect">
+            <a:avLst/>
+          </a:prstGeom>
+          <a:noFill/>
+        </p:spPr>
+        <p:txBody>
+          <a:bodyPr wrap="square" rtlCol="0">
+            <a:spAutoFit/>
+          </a:bodyPr>
+          <a:lstStyle/>
+          <a:p>
+            <a:r>
+              <a:rPr lang="en-IN" dirty="0"/>
+              <a:t>Read-Only-Forward-Only Cursor for Reading Data</a:t>
+            </a:r>
+            <a:endParaRPr lang="en-US" dirty="0"/>
+          </a:p>
+        </p:txBody>
+      </p:sp>
+      <p:sp>
+        <p:nvSpPr>
+          <p:cNvPr id="36" name="Oval 35">
+            <a:extLst>
+              <a:ext uri="{FF2B5EF4-FFF2-40B4-BE49-F238E27FC236}">
+                <a16:creationId xmlns:a16="http://schemas.microsoft.com/office/drawing/2014/main" id="{D583A1F7-EFCC-EB7F-85F2-59A9EE229610}"/>
+              </a:ext>
+            </a:extLst>
+          </p:cNvPr>
+          <p:cNvSpPr/>
+          <p:nvPr/>
+        </p:nvSpPr>
+        <p:spPr>
+          <a:xfrm>
+            <a:off x="7065604" y="4811780"/>
+            <a:ext cx="2090057" cy="895739"/>
+          </a:xfrm>
+          <a:prstGeom prst="ellipse">
+            <a:avLst/>
+          </a:prstGeom>
+        </p:spPr>
+        <p:style>
+          <a:lnRef idx="2">
+            <a:schemeClr val="accent1">
+              <a:shade val="15000"/>
+            </a:schemeClr>
+          </a:lnRef>
+          <a:fillRef idx="1">
+            <a:schemeClr val="accent1"/>
+          </a:fillRef>
+          <a:effectRef idx="0">
+            <a:schemeClr val="accent1"/>
+          </a:effectRef>
+          <a:fontRef idx="minor">
+            <a:schemeClr val="lt1"/>
+          </a:fontRef>
+        </p:style>
+        <p:txBody>
+          <a:bodyPr rtlCol="0" anchor="ctr"/>
+          <a:lstStyle/>
+          <a:p>
+            <a:pPr algn="ctr"/>
+            <a:r>
+              <a:rPr lang="en-IN" sz="1600" dirty="0" err="1"/>
+              <a:t>ExecuteReader</a:t>
+            </a:r>
+            <a:endParaRPr lang="en-US" sz="1600" dirty="0"/>
+          </a:p>
+        </p:txBody>
+      </p:sp>
+      <p:sp>
+        <p:nvSpPr>
+          <p:cNvPr id="37" name="TextBox 36">
+            <a:extLst>
+              <a:ext uri="{FF2B5EF4-FFF2-40B4-BE49-F238E27FC236}">
+                <a16:creationId xmlns:a16="http://schemas.microsoft.com/office/drawing/2014/main" id="{35023180-1A1E-A09F-BB33-462F4C04CCD2}"/>
+              </a:ext>
+            </a:extLst>
+          </p:cNvPr>
+          <p:cNvSpPr txBox="1"/>
+          <p:nvPr/>
+        </p:nvSpPr>
+        <p:spPr>
+          <a:xfrm>
+            <a:off x="9209314" y="4900904"/>
+            <a:ext cx="2024743" cy="646331"/>
+          </a:xfrm>
+          <a:prstGeom prst="rect">
+            <a:avLst/>
+          </a:prstGeom>
+          <a:noFill/>
+        </p:spPr>
+        <p:txBody>
+          <a:bodyPr wrap="square" rtlCol="0">
+            <a:spAutoFit/>
+          </a:bodyPr>
+          <a:lstStyle/>
+          <a:p>
+            <a:r>
+              <a:rPr lang="en-IN" dirty="0"/>
+              <a:t>Used for Select Statements</a:t>
+            </a:r>
+            <a:endParaRPr lang="en-US" dirty="0"/>
+          </a:p>
+        </p:txBody>
+      </p:sp>
+      <p:cxnSp>
+        <p:nvCxnSpPr>
+          <p:cNvPr id="39" name="Connector: Curved 38">
+            <a:extLst>
+              <a:ext uri="{FF2B5EF4-FFF2-40B4-BE49-F238E27FC236}">
+                <a16:creationId xmlns:a16="http://schemas.microsoft.com/office/drawing/2014/main" id="{228DB66E-B463-8F7E-192B-37B4B3F02281}"/>
+              </a:ext>
+            </a:extLst>
+          </p:cNvPr>
+          <p:cNvCxnSpPr>
+            <a:stCxn id="28" idx="6"/>
+            <a:endCxn id="36" idx="2"/>
+          </p:cNvCxnSpPr>
+          <p:nvPr/>
+        </p:nvCxnSpPr>
+        <p:spPr>
+          <a:xfrm flipV="1">
+            <a:off x="5025314" y="5259650"/>
+            <a:ext cx="2040290" cy="412289"/>
+          </a:xfrm>
+          <a:prstGeom prst="curvedConnector3">
+            <a:avLst/>
+          </a:prstGeom>
+          <a:ln>
+            <a:tailEnd type="triangle"/>
+          </a:ln>
+        </p:spPr>
+        <p:style>
+          <a:lnRef idx="1">
+            <a:schemeClr val="accent1"/>
+          </a:lnRef>
+          <a:fillRef idx="0">
+            <a:schemeClr val="accent1"/>
+          </a:fillRef>
+          <a:effectRef idx="0">
+            <a:schemeClr val="accent1"/>
+          </a:effectRef>
+          <a:fontRef idx="minor">
+            <a:schemeClr val="tx1"/>
+          </a:fontRef>
+        </p:style>
+      </p:cxnSp>
+      <p:sp>
+        <p:nvSpPr>
+          <p:cNvPr id="41" name="Oval 40">
+            <a:extLst>
+              <a:ext uri="{FF2B5EF4-FFF2-40B4-BE49-F238E27FC236}">
+                <a16:creationId xmlns:a16="http://schemas.microsoft.com/office/drawing/2014/main" id="{F2B2512D-5095-6FAB-1B86-7A5E12586458}"/>
+              </a:ext>
+            </a:extLst>
+          </p:cNvPr>
+          <p:cNvSpPr/>
+          <p:nvPr/>
+        </p:nvSpPr>
+        <p:spPr>
+          <a:xfrm>
+            <a:off x="8523510" y="5707519"/>
+            <a:ext cx="2090057" cy="895739"/>
+          </a:xfrm>
+          <a:prstGeom prst="ellipse">
+            <a:avLst/>
+          </a:prstGeom>
+        </p:spPr>
+        <p:style>
+          <a:lnRef idx="2">
+            <a:schemeClr val="accent1">
+              <a:shade val="15000"/>
+            </a:schemeClr>
+          </a:lnRef>
+          <a:fillRef idx="1">
+            <a:schemeClr val="accent1"/>
+          </a:fillRef>
+          <a:effectRef idx="0">
+            <a:schemeClr val="accent1"/>
+          </a:effectRef>
+          <a:fontRef idx="minor">
+            <a:schemeClr val="lt1"/>
+          </a:fontRef>
+        </p:style>
+        <p:txBody>
+          <a:bodyPr rtlCol="0" anchor="ctr"/>
+          <a:lstStyle/>
+          <a:p>
+            <a:pPr algn="ctr"/>
+            <a:r>
+              <a:rPr lang="en-IN" sz="1200" dirty="0" err="1"/>
+              <a:t>ExecuteNonQuery</a:t>
+            </a:r>
+            <a:endParaRPr lang="en-IN" sz="1200" dirty="0"/>
+          </a:p>
+          <a:p>
+            <a:pPr algn="ctr"/>
+            <a:r>
+              <a:rPr lang="en-IN" sz="1200" dirty="0"/>
+              <a:t>Insert, Update, and Delete</a:t>
+            </a:r>
+            <a:endParaRPr lang="en-US" sz="1200" dirty="0"/>
+          </a:p>
+        </p:txBody>
+      </p:sp>
+      <p:cxnSp>
+        <p:nvCxnSpPr>
+          <p:cNvPr id="43" name="Connector: Curved 42">
+            <a:extLst>
+              <a:ext uri="{FF2B5EF4-FFF2-40B4-BE49-F238E27FC236}">
+                <a16:creationId xmlns:a16="http://schemas.microsoft.com/office/drawing/2014/main" id="{626BDCA9-9FD6-81E3-E570-060D4DC4F102}"/>
+              </a:ext>
+            </a:extLst>
+          </p:cNvPr>
+          <p:cNvCxnSpPr>
+            <a:stCxn id="28" idx="6"/>
+            <a:endCxn id="41" idx="2"/>
+          </p:cNvCxnSpPr>
+          <p:nvPr/>
+        </p:nvCxnSpPr>
+        <p:spPr>
+          <a:xfrm>
+            <a:off x="5025314" y="5671939"/>
+            <a:ext cx="3498196" cy="483450"/>
+          </a:xfrm>
+          <a:prstGeom prst="curvedConnector3">
+            <a:avLst/>
+          </a:prstGeom>
+          <a:ln>
+            <a:tailEnd type="triangle"/>
+          </a:ln>
+        </p:spPr>
+        <p:style>
+          <a:lnRef idx="1">
+            <a:schemeClr val="accent1"/>
+          </a:lnRef>
+          <a:fillRef idx="0">
+            <a:schemeClr val="accent1"/>
+          </a:fillRef>
+          <a:effectRef idx="0">
+            <a:schemeClr val="accent1"/>
+          </a:effectRef>
+          <a:fontRef idx="minor">
+            <a:schemeClr val="tx1"/>
+          </a:fontRef>
+        </p:style>
+      </p:cxnSp>
+      <p:sp>
+        <p:nvSpPr>
+          <p:cNvPr id="49" name="Oval 48">
+            <a:extLst>
+              <a:ext uri="{FF2B5EF4-FFF2-40B4-BE49-F238E27FC236}">
+                <a16:creationId xmlns:a16="http://schemas.microsoft.com/office/drawing/2014/main" id="{83807456-B1EC-4543-C3A3-AE63BF437DEA}"/>
+              </a:ext>
+            </a:extLst>
+          </p:cNvPr>
+          <p:cNvSpPr/>
+          <p:nvPr/>
+        </p:nvSpPr>
+        <p:spPr>
+          <a:xfrm>
+            <a:off x="4875245" y="5935143"/>
+            <a:ext cx="2090057" cy="895739"/>
+          </a:xfrm>
+          <a:prstGeom prst="ellipse">
+            <a:avLst/>
+          </a:prstGeom>
+        </p:spPr>
+        <p:style>
+          <a:lnRef idx="2">
+            <a:schemeClr val="accent1">
+              <a:shade val="15000"/>
+            </a:schemeClr>
+          </a:lnRef>
+          <a:fillRef idx="1">
+            <a:schemeClr val="accent1"/>
+          </a:fillRef>
+          <a:effectRef idx="0">
+            <a:schemeClr val="accent1"/>
+          </a:effectRef>
+          <a:fontRef idx="minor">
+            <a:schemeClr val="lt1"/>
+          </a:fontRef>
+        </p:style>
+        <p:txBody>
+          <a:bodyPr rtlCol="0" anchor="ctr"/>
+          <a:lstStyle/>
+          <a:p>
+            <a:pPr algn="ctr"/>
+            <a:r>
+              <a:rPr lang="en-IN" sz="1200" dirty="0" err="1"/>
+              <a:t>ExecuteScalar</a:t>
+            </a:r>
+            <a:endParaRPr lang="en-IN" sz="1200" dirty="0"/>
+          </a:p>
+          <a:p>
+            <a:pPr algn="ctr"/>
+            <a:r>
+              <a:rPr lang="en-IN" sz="1200" dirty="0"/>
+              <a:t>For SP and Scalar Queries e.g. Count</a:t>
+            </a:r>
+            <a:endParaRPr lang="en-US" sz="1200" dirty="0"/>
+          </a:p>
+        </p:txBody>
+      </p:sp>
+      <p:cxnSp>
+        <p:nvCxnSpPr>
+          <p:cNvPr id="51" name="Connector: Curved 50">
+            <a:extLst>
+              <a:ext uri="{FF2B5EF4-FFF2-40B4-BE49-F238E27FC236}">
+                <a16:creationId xmlns:a16="http://schemas.microsoft.com/office/drawing/2014/main" id="{66C7BF40-6F49-0F87-3E78-224D1882E330}"/>
+              </a:ext>
+            </a:extLst>
+          </p:cNvPr>
+          <p:cNvCxnSpPr>
+            <a:stCxn id="28" idx="6"/>
+            <a:endCxn id="49" idx="0"/>
+          </p:cNvCxnSpPr>
+          <p:nvPr/>
+        </p:nvCxnSpPr>
+        <p:spPr>
+          <a:xfrm>
+            <a:off x="5025314" y="5671939"/>
+            <a:ext cx="894960" cy="263204"/>
+          </a:xfrm>
+          <a:prstGeom prst="curvedConnector2">
+            <a:avLst/>
+          </a:prstGeom>
+          <a:ln>
+            <a:tailEnd type="triangle"/>
+          </a:ln>
+        </p:spPr>
+        <p:style>
+          <a:lnRef idx="1">
+            <a:schemeClr val="accent1"/>
+          </a:lnRef>
+          <a:fillRef idx="0">
+            <a:schemeClr val="accent1"/>
+          </a:fillRef>
+          <a:effectRef idx="0">
+            <a:schemeClr val="accent1"/>
+          </a:effectRef>
+          <a:fontRef idx="minor">
+            <a:schemeClr val="tx1"/>
+          </a:fontRef>
+        </p:style>
+      </p:cxnSp>
+      <p:sp>
+        <p:nvSpPr>
+          <p:cNvPr id="52" name="TextBox 51">
+            <a:extLst>
+              <a:ext uri="{FF2B5EF4-FFF2-40B4-BE49-F238E27FC236}">
+                <a16:creationId xmlns:a16="http://schemas.microsoft.com/office/drawing/2014/main" id="{74A59128-7F24-9BA9-782F-80B095267072}"/>
+              </a:ext>
+            </a:extLst>
+          </p:cNvPr>
+          <p:cNvSpPr txBox="1"/>
+          <p:nvPr/>
+        </p:nvSpPr>
+        <p:spPr>
+          <a:xfrm>
+            <a:off x="5024534" y="1332536"/>
+            <a:ext cx="2733869" cy="1754326"/>
+          </a:xfrm>
+          <a:prstGeom prst="rect">
+            <a:avLst/>
+          </a:prstGeom>
+          <a:noFill/>
+        </p:spPr>
+        <p:txBody>
+          <a:bodyPr wrap="square" rtlCol="0">
+            <a:spAutoFit/>
+          </a:bodyPr>
+          <a:lstStyle/>
+          <a:p>
+            <a:r>
+              <a:rPr lang="en-IN" dirty="0"/>
+              <a:t>System.Data Namespace </a:t>
+            </a:r>
+          </a:p>
+          <a:p>
+            <a:pPr marL="342900" indent="-342900">
+              <a:buAutoNum type="arabicPeriod"/>
+            </a:pPr>
+            <a:r>
+              <a:rPr lang="en-IN" dirty="0" err="1"/>
+              <a:t>System.Data.SqlClient</a:t>
+            </a:r>
+            <a:r>
+              <a:rPr lang="en-IN" dirty="0"/>
+              <a:t> for SQL Server DB</a:t>
+            </a:r>
+          </a:p>
+          <a:p>
+            <a:pPr marL="800100" lvl="1" indent="-342900">
+              <a:buAutoNum type="arabicPeriod"/>
+            </a:pPr>
+            <a:r>
+              <a:rPr lang="en-IN" dirty="0"/>
+              <a:t>SqlConnection</a:t>
+            </a:r>
+          </a:p>
+          <a:p>
+            <a:pPr marL="800100" lvl="1" indent="-342900">
+              <a:buAutoNum type="arabicPeriod"/>
+            </a:pPr>
+            <a:r>
+              <a:rPr lang="en-IN" dirty="0" err="1"/>
+              <a:t>SqlCommand</a:t>
+            </a:r>
+            <a:endParaRPr lang="en-IN" dirty="0"/>
+          </a:p>
+          <a:p>
+            <a:pPr marL="800100" lvl="1" indent="-342900">
+              <a:buAutoNum type="arabicPeriod"/>
+            </a:pPr>
+            <a:r>
+              <a:rPr lang="en-IN" dirty="0" err="1"/>
+              <a:t>SqlDataRedaer</a:t>
+            </a:r>
+            <a:r>
+              <a:rPr lang="en-IN" dirty="0"/>
+              <a:t> </a:t>
+            </a:r>
+            <a:endParaRPr lang="en-US" dirty="0"/>
+          </a:p>
+        </p:txBody>
+      </p:sp>
+      <p:cxnSp>
+        <p:nvCxnSpPr>
+          <p:cNvPr id="54" name="Connector: Curved 53">
+            <a:extLst>
+              <a:ext uri="{FF2B5EF4-FFF2-40B4-BE49-F238E27FC236}">
+                <a16:creationId xmlns:a16="http://schemas.microsoft.com/office/drawing/2014/main" id="{E4D529C7-F9BF-3DBD-4A44-F181D4F29C27}"/>
+              </a:ext>
+            </a:extLst>
+          </p:cNvPr>
+          <p:cNvCxnSpPr>
+            <a:endCxn id="52" idx="0"/>
+          </p:cNvCxnSpPr>
+          <p:nvPr/>
+        </p:nvCxnSpPr>
+        <p:spPr>
+          <a:xfrm flipV="1">
+            <a:off x="2500605" y="1332536"/>
+            <a:ext cx="3890864" cy="88605"/>
+          </a:xfrm>
+          <a:prstGeom prst="curvedConnector4">
+            <a:avLst>
+              <a:gd name="adj1" fmla="val 32434"/>
+              <a:gd name="adj2" fmla="val 357999"/>
+            </a:avLst>
+          </a:prstGeom>
+          <a:ln>
+            <a:tailEnd type="triangle"/>
+          </a:ln>
+        </p:spPr>
+        <p:style>
+          <a:lnRef idx="1">
+            <a:schemeClr val="accent1"/>
+          </a:lnRef>
+          <a:fillRef idx="0">
+            <a:schemeClr val="accent1"/>
+          </a:fillRef>
+          <a:effectRef idx="0">
+            <a:schemeClr val="accent1"/>
+          </a:effectRef>
+          <a:fontRef idx="minor">
+            <a:schemeClr val="tx1"/>
+          </a:fontRef>
+        </p:style>
+      </p:cxnSp>
+    </p:spTree>
+    <p:extLst>
+      <p:ext uri="{BB962C8B-B14F-4D97-AF65-F5344CB8AC3E}">
+        <p14:creationId xmlns:p14="http://schemas.microsoft.com/office/powerpoint/2010/main" val="3984298763"/>
       </p:ext>
     </p:extLst>
   </p:cSld>

--- a/ppts.pptx
+++ b/ppts.pptx
@@ -31,6 +31,9 @@
     <p:sldId id="279" r:id="rId25"/>
     <p:sldId id="280" r:id="rId26"/>
     <p:sldId id="281" r:id="rId27"/>
+    <p:sldId id="282" r:id="rId28"/>
+    <p:sldId id="283" r:id="rId29"/>
+    <p:sldId id="284" r:id="rId30"/>
   </p:sldIdLst>
   <p:sldSz cx="12192000" cy="6858000"/>
   <p:notesSz cx="6858000" cy="9144000"/>
@@ -284,7 +287,7 @@
           <a:p>
             <a:fld id="{6F41C210-F244-43B9-87C5-D1F3CF4189D6}" type="datetimeFigureOut">
               <a:rPr lang="en-US" smtClean="0"/>
-              <a:t>6/22/2023</a:t>
+              <a:t>6/23/2023</a:t>
             </a:fld>
             <a:endParaRPr lang="en-US"/>
           </a:p>
@@ -482,7 +485,7 @@
           <a:p>
             <a:fld id="{6F41C210-F244-43B9-87C5-D1F3CF4189D6}" type="datetimeFigureOut">
               <a:rPr lang="en-US" smtClean="0"/>
-              <a:t>6/22/2023</a:t>
+              <a:t>6/23/2023</a:t>
             </a:fld>
             <a:endParaRPr lang="en-US"/>
           </a:p>
@@ -690,7 +693,7 @@
           <a:p>
             <a:fld id="{6F41C210-F244-43B9-87C5-D1F3CF4189D6}" type="datetimeFigureOut">
               <a:rPr lang="en-US" smtClean="0"/>
-              <a:t>6/22/2023</a:t>
+              <a:t>6/23/2023</a:t>
             </a:fld>
             <a:endParaRPr lang="en-US"/>
           </a:p>
@@ -888,7 +891,7 @@
           <a:p>
             <a:fld id="{6F41C210-F244-43B9-87C5-D1F3CF4189D6}" type="datetimeFigureOut">
               <a:rPr lang="en-US" smtClean="0"/>
-              <a:t>6/22/2023</a:t>
+              <a:t>6/23/2023</a:t>
             </a:fld>
             <a:endParaRPr lang="en-US"/>
           </a:p>
@@ -1163,7 +1166,7 @@
           <a:p>
             <a:fld id="{6F41C210-F244-43B9-87C5-D1F3CF4189D6}" type="datetimeFigureOut">
               <a:rPr lang="en-US" smtClean="0"/>
-              <a:t>6/22/2023</a:t>
+              <a:t>6/23/2023</a:t>
             </a:fld>
             <a:endParaRPr lang="en-US"/>
           </a:p>
@@ -1428,7 +1431,7 @@
           <a:p>
             <a:fld id="{6F41C210-F244-43B9-87C5-D1F3CF4189D6}" type="datetimeFigureOut">
               <a:rPr lang="en-US" smtClean="0"/>
-              <a:t>6/22/2023</a:t>
+              <a:t>6/23/2023</a:t>
             </a:fld>
             <a:endParaRPr lang="en-US"/>
           </a:p>
@@ -1840,7 +1843,7 @@
           <a:p>
             <a:fld id="{6F41C210-F244-43B9-87C5-D1F3CF4189D6}" type="datetimeFigureOut">
               <a:rPr lang="en-US" smtClean="0"/>
-              <a:t>6/22/2023</a:t>
+              <a:t>6/23/2023</a:t>
             </a:fld>
             <a:endParaRPr lang="en-US"/>
           </a:p>
@@ -1981,7 +1984,7 @@
           <a:p>
             <a:fld id="{6F41C210-F244-43B9-87C5-D1F3CF4189D6}" type="datetimeFigureOut">
               <a:rPr lang="en-US" smtClean="0"/>
-              <a:t>6/22/2023</a:t>
+              <a:t>6/23/2023</a:t>
             </a:fld>
             <a:endParaRPr lang="en-US"/>
           </a:p>
@@ -2094,7 +2097,7 @@
           <a:p>
             <a:fld id="{6F41C210-F244-43B9-87C5-D1F3CF4189D6}" type="datetimeFigureOut">
               <a:rPr lang="en-US" smtClean="0"/>
-              <a:t>6/22/2023</a:t>
+              <a:t>6/23/2023</a:t>
             </a:fld>
             <a:endParaRPr lang="en-US"/>
           </a:p>
@@ -2405,7 +2408,7 @@
           <a:p>
             <a:fld id="{6F41C210-F244-43B9-87C5-D1F3CF4189D6}" type="datetimeFigureOut">
               <a:rPr lang="en-US" smtClean="0"/>
-              <a:t>6/22/2023</a:t>
+              <a:t>6/23/2023</a:t>
             </a:fld>
             <a:endParaRPr lang="en-US"/>
           </a:p>
@@ -2693,7 +2696,7 @@
           <a:p>
             <a:fld id="{6F41C210-F244-43B9-87C5-D1F3CF4189D6}" type="datetimeFigureOut">
               <a:rPr lang="en-US" smtClean="0"/>
-              <a:t>6/22/2023</a:t>
+              <a:t>6/23/2023</a:t>
             </a:fld>
             <a:endParaRPr lang="en-US"/>
           </a:p>
@@ -2934,7 +2937,7 @@
           <a:p>
             <a:fld id="{6F41C210-F244-43B9-87C5-D1F3CF4189D6}" type="datetimeFigureOut">
               <a:rPr lang="en-US" smtClean="0"/>
-              <a:t>6/22/2023</a:t>
+              <a:t>6/23/2023</a:t>
             </a:fld>
             <a:endParaRPr lang="en-US"/>
           </a:p>
@@ -21461,6 +21464,3637 @@
     <p:extLst>
       <p:ext uri="{BB962C8B-B14F-4D97-AF65-F5344CB8AC3E}">
         <p14:creationId xmlns:p14="http://schemas.microsoft.com/office/powerpoint/2010/main" val="3984298763"/>
+      </p:ext>
+    </p:extLst>
+  </p:cSld>
+  <p:clrMapOvr>
+    <a:masterClrMapping/>
+  </p:clrMapOvr>
+</p:sld>
+</file>
+
+<file path=ppt/slides/slide27.xml><?xml version="1.0" encoding="utf-8"?>
+<p:sld xmlns:a="http://schemas.openxmlformats.org/drawingml/2006/main" xmlns:r="http://schemas.openxmlformats.org/officeDocument/2006/relationships" xmlns:p="http://schemas.openxmlformats.org/presentationml/2006/main">
+  <p:cSld>
+    <p:spTree>
+      <p:nvGrpSpPr>
+        <p:cNvPr id="1" name=""/>
+        <p:cNvGrpSpPr/>
+        <p:nvPr/>
+      </p:nvGrpSpPr>
+      <p:grpSpPr>
+        <a:xfrm>
+          <a:off x="0" y="0"/>
+          <a:ext cx="0" cy="0"/>
+          <a:chOff x="0" y="0"/>
+          <a:chExt cx="0" cy="0"/>
+        </a:xfrm>
+      </p:grpSpPr>
+      <p:sp>
+        <p:nvSpPr>
+          <p:cNvPr id="2" name="Rectangle 1">
+            <a:extLst>
+              <a:ext uri="{FF2B5EF4-FFF2-40B4-BE49-F238E27FC236}">
+                <a16:creationId xmlns:a16="http://schemas.microsoft.com/office/drawing/2014/main" id="{156E00DD-EFB9-47ED-3B52-05EA6A750615}"/>
+              </a:ext>
+            </a:extLst>
+          </p:cNvPr>
+          <p:cNvSpPr/>
+          <p:nvPr/>
+        </p:nvSpPr>
+        <p:spPr>
+          <a:xfrm>
+            <a:off x="7436498" y="391887"/>
+            <a:ext cx="1698171" cy="1464906"/>
+          </a:xfrm>
+          <a:prstGeom prst="rect">
+            <a:avLst/>
+          </a:prstGeom>
+        </p:spPr>
+        <p:style>
+          <a:lnRef idx="2">
+            <a:schemeClr val="accent1">
+              <a:shade val="15000"/>
+            </a:schemeClr>
+          </a:lnRef>
+          <a:fillRef idx="1">
+            <a:schemeClr val="accent1"/>
+          </a:fillRef>
+          <a:effectRef idx="0">
+            <a:schemeClr val="accent1"/>
+          </a:effectRef>
+          <a:fontRef idx="minor">
+            <a:schemeClr val="lt1"/>
+          </a:fontRef>
+        </p:style>
+        <p:txBody>
+          <a:bodyPr rtlCol="0" anchor="ctr"/>
+          <a:lstStyle/>
+          <a:p>
+            <a:pPr algn="ctr"/>
+            <a:r>
+              <a:rPr lang="en-US" b="1" dirty="0"/>
+              <a:t>Server 1</a:t>
+            </a:r>
+          </a:p>
+        </p:txBody>
+      </p:sp>
+      <p:sp>
+        <p:nvSpPr>
+          <p:cNvPr id="3" name="Rectangle 2">
+            <a:extLst>
+              <a:ext uri="{FF2B5EF4-FFF2-40B4-BE49-F238E27FC236}">
+                <a16:creationId xmlns:a16="http://schemas.microsoft.com/office/drawing/2014/main" id="{055D93F8-3A41-0A5C-E2D7-612BBCC76402}"/>
+              </a:ext>
+            </a:extLst>
+          </p:cNvPr>
+          <p:cNvSpPr/>
+          <p:nvPr/>
+        </p:nvSpPr>
+        <p:spPr>
+          <a:xfrm>
+            <a:off x="7436497" y="2307773"/>
+            <a:ext cx="1698171" cy="1464906"/>
+          </a:xfrm>
+          <a:prstGeom prst="rect">
+            <a:avLst/>
+          </a:prstGeom>
+        </p:spPr>
+        <p:style>
+          <a:lnRef idx="2">
+            <a:schemeClr val="accent1">
+              <a:shade val="15000"/>
+            </a:schemeClr>
+          </a:lnRef>
+          <a:fillRef idx="1">
+            <a:schemeClr val="accent1"/>
+          </a:fillRef>
+          <a:effectRef idx="0">
+            <a:schemeClr val="accent1"/>
+          </a:effectRef>
+          <a:fontRef idx="minor">
+            <a:schemeClr val="lt1"/>
+          </a:fontRef>
+        </p:style>
+        <p:txBody>
+          <a:bodyPr rtlCol="0" anchor="ctr"/>
+          <a:lstStyle/>
+          <a:p>
+            <a:pPr algn="ctr"/>
+            <a:r>
+              <a:rPr lang="en-US" b="1" dirty="0"/>
+              <a:t>Server 2</a:t>
+            </a:r>
+          </a:p>
+        </p:txBody>
+      </p:sp>
+      <p:sp>
+        <p:nvSpPr>
+          <p:cNvPr id="4" name="Rectangle 3">
+            <a:extLst>
+              <a:ext uri="{FF2B5EF4-FFF2-40B4-BE49-F238E27FC236}">
+                <a16:creationId xmlns:a16="http://schemas.microsoft.com/office/drawing/2014/main" id="{107FFF46-7596-C270-BF50-C63859FA2784}"/>
+              </a:ext>
+            </a:extLst>
+          </p:cNvPr>
+          <p:cNvSpPr/>
+          <p:nvPr/>
+        </p:nvSpPr>
+        <p:spPr>
+          <a:xfrm>
+            <a:off x="7436496" y="4764834"/>
+            <a:ext cx="1698171" cy="1464906"/>
+          </a:xfrm>
+          <a:prstGeom prst="rect">
+            <a:avLst/>
+          </a:prstGeom>
+        </p:spPr>
+        <p:style>
+          <a:lnRef idx="2">
+            <a:schemeClr val="accent1">
+              <a:shade val="15000"/>
+            </a:schemeClr>
+          </a:lnRef>
+          <a:fillRef idx="1">
+            <a:schemeClr val="accent1"/>
+          </a:fillRef>
+          <a:effectRef idx="0">
+            <a:schemeClr val="accent1"/>
+          </a:effectRef>
+          <a:fontRef idx="minor">
+            <a:schemeClr val="lt1"/>
+          </a:fontRef>
+        </p:style>
+        <p:txBody>
+          <a:bodyPr rtlCol="0" anchor="ctr"/>
+          <a:lstStyle/>
+          <a:p>
+            <a:pPr algn="ctr"/>
+            <a:r>
+              <a:rPr lang="en-US" b="1" dirty="0"/>
+              <a:t>Server n</a:t>
+            </a:r>
+          </a:p>
+        </p:txBody>
+      </p:sp>
+      <p:sp>
+        <p:nvSpPr>
+          <p:cNvPr id="5" name="Rectangle 4">
+            <a:extLst>
+              <a:ext uri="{FF2B5EF4-FFF2-40B4-BE49-F238E27FC236}">
+                <a16:creationId xmlns:a16="http://schemas.microsoft.com/office/drawing/2014/main" id="{4F22176B-CBB2-40F8-E487-6B414B588CDF}"/>
+              </a:ext>
+            </a:extLst>
+          </p:cNvPr>
+          <p:cNvSpPr/>
+          <p:nvPr/>
+        </p:nvSpPr>
+        <p:spPr>
+          <a:xfrm>
+            <a:off x="8108302" y="3853543"/>
+            <a:ext cx="167951" cy="177281"/>
+          </a:xfrm>
+          <a:prstGeom prst="rect">
+            <a:avLst/>
+          </a:prstGeom>
+        </p:spPr>
+        <p:style>
+          <a:lnRef idx="2">
+            <a:schemeClr val="accent1">
+              <a:shade val="15000"/>
+            </a:schemeClr>
+          </a:lnRef>
+          <a:fillRef idx="1">
+            <a:schemeClr val="accent1"/>
+          </a:fillRef>
+          <a:effectRef idx="0">
+            <a:schemeClr val="accent1"/>
+          </a:effectRef>
+          <a:fontRef idx="minor">
+            <a:schemeClr val="lt1"/>
+          </a:fontRef>
+        </p:style>
+        <p:txBody>
+          <a:bodyPr rtlCol="0" anchor="ctr"/>
+          <a:lstStyle/>
+          <a:p>
+            <a:pPr algn="ctr"/>
+            <a:endParaRPr lang="en-US"/>
+          </a:p>
+        </p:txBody>
+      </p:sp>
+      <p:sp>
+        <p:nvSpPr>
+          <p:cNvPr id="6" name="Rectangle 5">
+            <a:extLst>
+              <a:ext uri="{FF2B5EF4-FFF2-40B4-BE49-F238E27FC236}">
+                <a16:creationId xmlns:a16="http://schemas.microsoft.com/office/drawing/2014/main" id="{26F7A999-666F-B645-AD27-11BF4DB962A4}"/>
+              </a:ext>
+            </a:extLst>
+          </p:cNvPr>
+          <p:cNvSpPr/>
+          <p:nvPr/>
+        </p:nvSpPr>
+        <p:spPr>
+          <a:xfrm>
+            <a:off x="8108302" y="4091475"/>
+            <a:ext cx="167951" cy="177281"/>
+          </a:xfrm>
+          <a:prstGeom prst="rect">
+            <a:avLst/>
+          </a:prstGeom>
+        </p:spPr>
+        <p:style>
+          <a:lnRef idx="2">
+            <a:schemeClr val="accent1">
+              <a:shade val="15000"/>
+            </a:schemeClr>
+          </a:lnRef>
+          <a:fillRef idx="1">
+            <a:schemeClr val="accent1"/>
+          </a:fillRef>
+          <a:effectRef idx="0">
+            <a:schemeClr val="accent1"/>
+          </a:effectRef>
+          <a:fontRef idx="minor">
+            <a:schemeClr val="lt1"/>
+          </a:fontRef>
+        </p:style>
+        <p:txBody>
+          <a:bodyPr rtlCol="0" anchor="ctr"/>
+          <a:lstStyle/>
+          <a:p>
+            <a:pPr algn="ctr"/>
+            <a:endParaRPr lang="en-US"/>
+          </a:p>
+        </p:txBody>
+      </p:sp>
+      <p:sp>
+        <p:nvSpPr>
+          <p:cNvPr id="7" name="Rectangle 6">
+            <a:extLst>
+              <a:ext uri="{FF2B5EF4-FFF2-40B4-BE49-F238E27FC236}">
+                <a16:creationId xmlns:a16="http://schemas.microsoft.com/office/drawing/2014/main" id="{739FE23B-01CB-AFF3-07EF-E2AE48A42B42}"/>
+              </a:ext>
+            </a:extLst>
+          </p:cNvPr>
+          <p:cNvSpPr/>
+          <p:nvPr/>
+        </p:nvSpPr>
+        <p:spPr>
+          <a:xfrm>
+            <a:off x="8117630" y="4354289"/>
+            <a:ext cx="167951" cy="177281"/>
+          </a:xfrm>
+          <a:prstGeom prst="rect">
+            <a:avLst/>
+          </a:prstGeom>
+        </p:spPr>
+        <p:style>
+          <a:lnRef idx="2">
+            <a:schemeClr val="accent1">
+              <a:shade val="15000"/>
+            </a:schemeClr>
+          </a:lnRef>
+          <a:fillRef idx="1">
+            <a:schemeClr val="accent1"/>
+          </a:fillRef>
+          <a:effectRef idx="0">
+            <a:schemeClr val="accent1"/>
+          </a:effectRef>
+          <a:fontRef idx="minor">
+            <a:schemeClr val="lt1"/>
+          </a:fontRef>
+        </p:style>
+        <p:txBody>
+          <a:bodyPr rtlCol="0" anchor="ctr"/>
+          <a:lstStyle/>
+          <a:p>
+            <a:pPr algn="ctr"/>
+            <a:endParaRPr lang="en-US"/>
+          </a:p>
+        </p:txBody>
+      </p:sp>
+      <p:sp>
+        <p:nvSpPr>
+          <p:cNvPr id="8" name="Cylinder 7">
+            <a:extLst>
+              <a:ext uri="{FF2B5EF4-FFF2-40B4-BE49-F238E27FC236}">
+                <a16:creationId xmlns:a16="http://schemas.microsoft.com/office/drawing/2014/main" id="{C4374489-8C56-94A7-474D-57C5C1273D96}"/>
+              </a:ext>
+            </a:extLst>
+          </p:cNvPr>
+          <p:cNvSpPr/>
+          <p:nvPr/>
+        </p:nvSpPr>
+        <p:spPr>
+          <a:xfrm>
+            <a:off x="10240346" y="1811694"/>
+            <a:ext cx="1035698" cy="1082351"/>
+          </a:xfrm>
+          <a:prstGeom prst="can">
+            <a:avLst/>
+          </a:prstGeom>
+        </p:spPr>
+        <p:style>
+          <a:lnRef idx="2">
+            <a:schemeClr val="accent1">
+              <a:shade val="15000"/>
+            </a:schemeClr>
+          </a:lnRef>
+          <a:fillRef idx="1">
+            <a:schemeClr val="accent1"/>
+          </a:fillRef>
+          <a:effectRef idx="0">
+            <a:schemeClr val="accent1"/>
+          </a:effectRef>
+          <a:fontRef idx="minor">
+            <a:schemeClr val="lt1"/>
+          </a:fontRef>
+        </p:style>
+        <p:txBody>
+          <a:bodyPr rtlCol="0" anchor="ctr"/>
+          <a:lstStyle/>
+          <a:p>
+            <a:pPr algn="ctr"/>
+            <a:endParaRPr lang="en-US"/>
+          </a:p>
+        </p:txBody>
+      </p:sp>
+      <p:sp>
+        <p:nvSpPr>
+          <p:cNvPr id="9" name="Cylinder 8">
+            <a:extLst>
+              <a:ext uri="{FF2B5EF4-FFF2-40B4-BE49-F238E27FC236}">
+                <a16:creationId xmlns:a16="http://schemas.microsoft.com/office/drawing/2014/main" id="{7826C6D9-C79F-12C1-7CE1-B3ECC9B7E3AF}"/>
+              </a:ext>
+            </a:extLst>
+          </p:cNvPr>
+          <p:cNvSpPr/>
+          <p:nvPr/>
+        </p:nvSpPr>
+        <p:spPr>
+          <a:xfrm>
+            <a:off x="10240346" y="3312367"/>
+            <a:ext cx="1035698" cy="1082351"/>
+          </a:xfrm>
+          <a:prstGeom prst="can">
+            <a:avLst/>
+          </a:prstGeom>
+        </p:spPr>
+        <p:style>
+          <a:lnRef idx="2">
+            <a:schemeClr val="accent1">
+              <a:shade val="15000"/>
+            </a:schemeClr>
+          </a:lnRef>
+          <a:fillRef idx="1">
+            <a:schemeClr val="accent1"/>
+          </a:fillRef>
+          <a:effectRef idx="0">
+            <a:schemeClr val="accent1"/>
+          </a:effectRef>
+          <a:fontRef idx="minor">
+            <a:schemeClr val="lt1"/>
+          </a:fontRef>
+        </p:style>
+        <p:txBody>
+          <a:bodyPr rtlCol="0" anchor="ctr"/>
+          <a:lstStyle/>
+          <a:p>
+            <a:pPr algn="ctr"/>
+            <a:endParaRPr lang="en-US"/>
+          </a:p>
+        </p:txBody>
+      </p:sp>
+      <p:sp>
+        <p:nvSpPr>
+          <p:cNvPr id="10" name="Cylinder 9">
+            <a:extLst>
+              <a:ext uri="{FF2B5EF4-FFF2-40B4-BE49-F238E27FC236}">
+                <a16:creationId xmlns:a16="http://schemas.microsoft.com/office/drawing/2014/main" id="{196621D7-ECC6-0624-E5BA-908817ED8D2A}"/>
+              </a:ext>
+            </a:extLst>
+          </p:cNvPr>
+          <p:cNvSpPr/>
+          <p:nvPr/>
+        </p:nvSpPr>
+        <p:spPr>
+          <a:xfrm>
+            <a:off x="10245012" y="4879914"/>
+            <a:ext cx="1035698" cy="1082351"/>
+          </a:xfrm>
+          <a:prstGeom prst="can">
+            <a:avLst/>
+          </a:prstGeom>
+        </p:spPr>
+        <p:style>
+          <a:lnRef idx="2">
+            <a:schemeClr val="accent1">
+              <a:shade val="15000"/>
+            </a:schemeClr>
+          </a:lnRef>
+          <a:fillRef idx="1">
+            <a:schemeClr val="accent1"/>
+          </a:fillRef>
+          <a:effectRef idx="0">
+            <a:schemeClr val="accent1"/>
+          </a:effectRef>
+          <a:fontRef idx="minor">
+            <a:schemeClr val="lt1"/>
+          </a:fontRef>
+        </p:style>
+        <p:txBody>
+          <a:bodyPr rtlCol="0" anchor="ctr"/>
+          <a:lstStyle/>
+          <a:p>
+            <a:pPr algn="ctr"/>
+            <a:endParaRPr lang="en-US"/>
+          </a:p>
+        </p:txBody>
+      </p:sp>
+      <p:sp>
+        <p:nvSpPr>
+          <p:cNvPr id="11" name="Cylinder 10">
+            <a:extLst>
+              <a:ext uri="{FF2B5EF4-FFF2-40B4-BE49-F238E27FC236}">
+                <a16:creationId xmlns:a16="http://schemas.microsoft.com/office/drawing/2014/main" id="{245B2068-0C04-B017-7F7C-1B49C247313C}"/>
+              </a:ext>
+            </a:extLst>
+          </p:cNvPr>
+          <p:cNvSpPr/>
+          <p:nvPr/>
+        </p:nvSpPr>
+        <p:spPr>
+          <a:xfrm>
+            <a:off x="10245012" y="203718"/>
+            <a:ext cx="1035698" cy="1082351"/>
+          </a:xfrm>
+          <a:prstGeom prst="can">
+            <a:avLst/>
+          </a:prstGeom>
+        </p:spPr>
+        <p:style>
+          <a:lnRef idx="2">
+            <a:schemeClr val="accent1">
+              <a:shade val="15000"/>
+            </a:schemeClr>
+          </a:lnRef>
+          <a:fillRef idx="1">
+            <a:schemeClr val="accent1"/>
+          </a:fillRef>
+          <a:effectRef idx="0">
+            <a:schemeClr val="accent1"/>
+          </a:effectRef>
+          <a:fontRef idx="minor">
+            <a:schemeClr val="lt1"/>
+          </a:fontRef>
+        </p:style>
+        <p:txBody>
+          <a:bodyPr rtlCol="0" anchor="ctr"/>
+          <a:lstStyle/>
+          <a:p>
+            <a:pPr algn="ctr"/>
+            <a:endParaRPr lang="en-US"/>
+          </a:p>
+        </p:txBody>
+      </p:sp>
+      <p:sp>
+        <p:nvSpPr>
+          <p:cNvPr id="12" name="&quot;Not Allowed&quot; Symbol 11">
+            <a:extLst>
+              <a:ext uri="{FF2B5EF4-FFF2-40B4-BE49-F238E27FC236}">
+                <a16:creationId xmlns:a16="http://schemas.microsoft.com/office/drawing/2014/main" id="{98F66622-848B-BF50-3F23-34DCDDF1796C}"/>
+              </a:ext>
+            </a:extLst>
+          </p:cNvPr>
+          <p:cNvSpPr/>
+          <p:nvPr/>
+        </p:nvSpPr>
+        <p:spPr>
+          <a:xfrm>
+            <a:off x="9862457" y="3345804"/>
+            <a:ext cx="1791478" cy="1082351"/>
+          </a:xfrm>
+          <a:prstGeom prst="noSmoking">
+            <a:avLst/>
+          </a:prstGeom>
+          <a:solidFill>
+            <a:schemeClr val="accent2"/>
+          </a:solidFill>
+        </p:spPr>
+        <p:style>
+          <a:lnRef idx="2">
+            <a:schemeClr val="accent1">
+              <a:shade val="15000"/>
+            </a:schemeClr>
+          </a:lnRef>
+          <a:fillRef idx="1">
+            <a:schemeClr val="accent1"/>
+          </a:fillRef>
+          <a:effectRef idx="0">
+            <a:schemeClr val="accent1"/>
+          </a:effectRef>
+          <a:fontRef idx="minor">
+            <a:schemeClr val="lt1"/>
+          </a:fontRef>
+        </p:style>
+        <p:txBody>
+          <a:bodyPr rtlCol="0" anchor="ctr"/>
+          <a:lstStyle/>
+          <a:p>
+            <a:pPr algn="ctr"/>
+            <a:endParaRPr lang="en-US">
+              <a:solidFill>
+                <a:schemeClr val="tx1"/>
+              </a:solidFill>
+            </a:endParaRPr>
+          </a:p>
+        </p:txBody>
+      </p:sp>
+      <p:sp>
+        <p:nvSpPr>
+          <p:cNvPr id="13" name="Rectangle 12">
+            <a:extLst>
+              <a:ext uri="{FF2B5EF4-FFF2-40B4-BE49-F238E27FC236}">
+                <a16:creationId xmlns:a16="http://schemas.microsoft.com/office/drawing/2014/main" id="{A9EAE50D-A7E9-6B37-9B2A-FAE012049662}"/>
+              </a:ext>
+            </a:extLst>
+          </p:cNvPr>
+          <p:cNvSpPr/>
+          <p:nvPr/>
+        </p:nvSpPr>
+        <p:spPr>
+          <a:xfrm>
+            <a:off x="4301412" y="270588"/>
+            <a:ext cx="1306286" cy="5959152"/>
+          </a:xfrm>
+          <a:prstGeom prst="rect">
+            <a:avLst/>
+          </a:prstGeom>
+        </p:spPr>
+        <p:style>
+          <a:lnRef idx="2">
+            <a:schemeClr val="accent1">
+              <a:shade val="15000"/>
+            </a:schemeClr>
+          </a:lnRef>
+          <a:fillRef idx="1">
+            <a:schemeClr val="accent1"/>
+          </a:fillRef>
+          <a:effectRef idx="0">
+            <a:schemeClr val="accent1"/>
+          </a:effectRef>
+          <a:fontRef idx="minor">
+            <a:schemeClr val="lt1"/>
+          </a:fontRef>
+        </p:style>
+        <p:txBody>
+          <a:bodyPr rtlCol="0" anchor="ctr"/>
+          <a:lstStyle/>
+          <a:p>
+            <a:pPr algn="ctr"/>
+            <a:r>
+              <a:rPr lang="en-US" b="1" dirty="0"/>
+              <a:t>R</a:t>
+            </a:r>
+          </a:p>
+          <a:p>
+            <a:pPr algn="ctr"/>
+            <a:r>
+              <a:rPr lang="en-US" b="1" dirty="0"/>
+              <a:t>E</a:t>
+            </a:r>
+          </a:p>
+          <a:p>
+            <a:pPr algn="ctr"/>
+            <a:r>
+              <a:rPr lang="en-US" b="1" dirty="0"/>
+              <a:t>S</a:t>
+            </a:r>
+          </a:p>
+          <a:p>
+            <a:pPr algn="ctr"/>
+            <a:r>
+              <a:rPr lang="en-US" b="1" dirty="0"/>
+              <a:t>T</a:t>
+            </a:r>
+          </a:p>
+          <a:p>
+            <a:pPr algn="ctr"/>
+            <a:endParaRPr lang="en-US" b="1" dirty="0"/>
+          </a:p>
+          <a:p>
+            <a:pPr algn="ctr"/>
+            <a:r>
+              <a:rPr lang="en-US" b="1" dirty="0"/>
+              <a:t>A</a:t>
+            </a:r>
+          </a:p>
+          <a:p>
+            <a:pPr algn="ctr"/>
+            <a:r>
+              <a:rPr lang="en-US" b="1" dirty="0"/>
+              <a:t>P</a:t>
+            </a:r>
+          </a:p>
+          <a:p>
+            <a:pPr algn="ctr"/>
+            <a:r>
+              <a:rPr lang="en-US" b="1" dirty="0"/>
+              <a:t>I</a:t>
+            </a:r>
+          </a:p>
+        </p:txBody>
+      </p:sp>
+      <p:sp>
+        <p:nvSpPr>
+          <p:cNvPr id="14" name="Arrow: Right 13">
+            <a:extLst>
+              <a:ext uri="{FF2B5EF4-FFF2-40B4-BE49-F238E27FC236}">
+                <a16:creationId xmlns:a16="http://schemas.microsoft.com/office/drawing/2014/main" id="{7526DFF4-971A-A4D1-7630-53C903854325}"/>
+              </a:ext>
+            </a:extLst>
+          </p:cNvPr>
+          <p:cNvSpPr/>
+          <p:nvPr/>
+        </p:nvSpPr>
+        <p:spPr>
+          <a:xfrm>
+            <a:off x="690465" y="1110343"/>
+            <a:ext cx="3610947" cy="1073020"/>
+          </a:xfrm>
+          <a:prstGeom prst="rightArrow">
+            <a:avLst/>
+          </a:prstGeom>
+        </p:spPr>
+        <p:style>
+          <a:lnRef idx="2">
+            <a:schemeClr val="accent1">
+              <a:shade val="15000"/>
+            </a:schemeClr>
+          </a:lnRef>
+          <a:fillRef idx="1">
+            <a:schemeClr val="accent1"/>
+          </a:fillRef>
+          <a:effectRef idx="0">
+            <a:schemeClr val="accent1"/>
+          </a:effectRef>
+          <a:fontRef idx="minor">
+            <a:schemeClr val="lt1"/>
+          </a:fontRef>
+        </p:style>
+        <p:txBody>
+          <a:bodyPr rtlCol="0" anchor="ctr"/>
+          <a:lstStyle/>
+          <a:p>
+            <a:pPr algn="ctr"/>
+            <a:r>
+              <a:rPr lang="en-US" dirty="0"/>
+              <a:t>HTTP Request</a:t>
+            </a:r>
+          </a:p>
+        </p:txBody>
+      </p:sp>
+      <p:cxnSp>
+        <p:nvCxnSpPr>
+          <p:cNvPr id="16" name="Connector: Elbow 15">
+            <a:extLst>
+              <a:ext uri="{FF2B5EF4-FFF2-40B4-BE49-F238E27FC236}">
+                <a16:creationId xmlns:a16="http://schemas.microsoft.com/office/drawing/2014/main" id="{537588A1-B08A-3140-2CF4-D7DFE2C9E1C7}"/>
+              </a:ext>
+            </a:extLst>
+          </p:cNvPr>
+          <p:cNvCxnSpPr>
+            <a:stCxn id="13" idx="3"/>
+            <a:endCxn id="2" idx="1"/>
+          </p:cNvCxnSpPr>
+          <p:nvPr/>
+        </p:nvCxnSpPr>
+        <p:spPr>
+          <a:xfrm flipV="1">
+            <a:off x="5607698" y="1124340"/>
+            <a:ext cx="1828800" cy="2125824"/>
+          </a:xfrm>
+          <a:prstGeom prst="bentConnector3">
+            <a:avLst/>
+          </a:prstGeom>
+          <a:ln>
+            <a:tailEnd type="triangle"/>
+          </a:ln>
+        </p:spPr>
+        <p:style>
+          <a:lnRef idx="1">
+            <a:schemeClr val="accent1"/>
+          </a:lnRef>
+          <a:fillRef idx="0">
+            <a:schemeClr val="accent1"/>
+          </a:fillRef>
+          <a:effectRef idx="0">
+            <a:schemeClr val="accent1"/>
+          </a:effectRef>
+          <a:fontRef idx="minor">
+            <a:schemeClr val="tx1"/>
+          </a:fontRef>
+        </p:style>
+      </p:cxnSp>
+      <p:cxnSp>
+        <p:nvCxnSpPr>
+          <p:cNvPr id="18" name="Connector: Elbow 17">
+            <a:extLst>
+              <a:ext uri="{FF2B5EF4-FFF2-40B4-BE49-F238E27FC236}">
+                <a16:creationId xmlns:a16="http://schemas.microsoft.com/office/drawing/2014/main" id="{D34B7DF8-15EE-0273-EA58-27BA00B09C6F}"/>
+              </a:ext>
+            </a:extLst>
+          </p:cNvPr>
+          <p:cNvCxnSpPr>
+            <a:stCxn id="13" idx="3"/>
+            <a:endCxn id="3" idx="1"/>
+          </p:cNvCxnSpPr>
+          <p:nvPr/>
+        </p:nvCxnSpPr>
+        <p:spPr>
+          <a:xfrm flipV="1">
+            <a:off x="5607698" y="3040226"/>
+            <a:ext cx="1828799" cy="209938"/>
+          </a:xfrm>
+          <a:prstGeom prst="bentConnector3">
+            <a:avLst/>
+          </a:prstGeom>
+          <a:ln>
+            <a:tailEnd type="triangle"/>
+          </a:ln>
+        </p:spPr>
+        <p:style>
+          <a:lnRef idx="1">
+            <a:schemeClr val="accent1"/>
+          </a:lnRef>
+          <a:fillRef idx="0">
+            <a:schemeClr val="accent1"/>
+          </a:fillRef>
+          <a:effectRef idx="0">
+            <a:schemeClr val="accent1"/>
+          </a:effectRef>
+          <a:fontRef idx="minor">
+            <a:schemeClr val="tx1"/>
+          </a:fontRef>
+        </p:style>
+      </p:cxnSp>
+      <p:cxnSp>
+        <p:nvCxnSpPr>
+          <p:cNvPr id="20" name="Connector: Elbow 19">
+            <a:extLst>
+              <a:ext uri="{FF2B5EF4-FFF2-40B4-BE49-F238E27FC236}">
+                <a16:creationId xmlns:a16="http://schemas.microsoft.com/office/drawing/2014/main" id="{242555DF-C3C7-8FF9-8590-10F04ECA9189}"/>
+              </a:ext>
+            </a:extLst>
+          </p:cNvPr>
+          <p:cNvCxnSpPr>
+            <a:stCxn id="13" idx="3"/>
+            <a:endCxn id="4" idx="1"/>
+          </p:cNvCxnSpPr>
+          <p:nvPr/>
+        </p:nvCxnSpPr>
+        <p:spPr>
+          <a:xfrm>
+            <a:off x="5607698" y="3250164"/>
+            <a:ext cx="1828798" cy="2247123"/>
+          </a:xfrm>
+          <a:prstGeom prst="bentConnector3">
+            <a:avLst/>
+          </a:prstGeom>
+          <a:ln>
+            <a:tailEnd type="triangle"/>
+          </a:ln>
+        </p:spPr>
+        <p:style>
+          <a:lnRef idx="1">
+            <a:schemeClr val="accent1"/>
+          </a:lnRef>
+          <a:fillRef idx="0">
+            <a:schemeClr val="accent1"/>
+          </a:fillRef>
+          <a:effectRef idx="0">
+            <a:schemeClr val="accent1"/>
+          </a:effectRef>
+          <a:fontRef idx="minor">
+            <a:schemeClr val="tx1"/>
+          </a:fontRef>
+        </p:style>
+      </p:cxnSp>
+      <p:sp>
+        <p:nvSpPr>
+          <p:cNvPr id="21" name="Arrow: Left 20">
+            <a:extLst>
+              <a:ext uri="{FF2B5EF4-FFF2-40B4-BE49-F238E27FC236}">
+                <a16:creationId xmlns:a16="http://schemas.microsoft.com/office/drawing/2014/main" id="{B350E714-8B32-C862-7A71-7FF78D1B10AB}"/>
+              </a:ext>
+            </a:extLst>
+          </p:cNvPr>
+          <p:cNvSpPr/>
+          <p:nvPr/>
+        </p:nvSpPr>
+        <p:spPr>
+          <a:xfrm>
+            <a:off x="911290" y="4505132"/>
+            <a:ext cx="3390121" cy="1073020"/>
+          </a:xfrm>
+          <a:prstGeom prst="leftArrow">
+            <a:avLst/>
+          </a:prstGeom>
+        </p:spPr>
+        <p:style>
+          <a:lnRef idx="2">
+            <a:schemeClr val="accent1">
+              <a:shade val="15000"/>
+            </a:schemeClr>
+          </a:lnRef>
+          <a:fillRef idx="1">
+            <a:schemeClr val="accent1"/>
+          </a:fillRef>
+          <a:effectRef idx="0">
+            <a:schemeClr val="accent1"/>
+          </a:effectRef>
+          <a:fontRef idx="minor">
+            <a:schemeClr val="lt1"/>
+          </a:fontRef>
+        </p:style>
+        <p:txBody>
+          <a:bodyPr rtlCol="0" anchor="ctr"/>
+          <a:lstStyle/>
+          <a:p>
+            <a:pPr algn="ctr"/>
+            <a:r>
+              <a:rPr lang="en-US" dirty="0"/>
+              <a:t>HTTP Response</a:t>
+            </a:r>
+          </a:p>
+        </p:txBody>
+      </p:sp>
+    </p:spTree>
+    <p:extLst>
+      <p:ext uri="{BB962C8B-B14F-4D97-AF65-F5344CB8AC3E}">
+        <p14:creationId xmlns:p14="http://schemas.microsoft.com/office/powerpoint/2010/main" val="3223220381"/>
+      </p:ext>
+    </p:extLst>
+  </p:cSld>
+  <p:clrMapOvr>
+    <a:masterClrMapping/>
+  </p:clrMapOvr>
+</p:sld>
+</file>
+
+<file path=ppt/slides/slide28.xml><?xml version="1.0" encoding="utf-8"?>
+<p:sld xmlns:a="http://schemas.openxmlformats.org/drawingml/2006/main" xmlns:r="http://schemas.openxmlformats.org/officeDocument/2006/relationships" xmlns:p="http://schemas.openxmlformats.org/presentationml/2006/main">
+  <p:cSld>
+    <p:spTree>
+      <p:nvGrpSpPr>
+        <p:cNvPr id="1" name=""/>
+        <p:cNvGrpSpPr/>
+        <p:nvPr/>
+      </p:nvGrpSpPr>
+      <p:grpSpPr>
+        <a:xfrm>
+          <a:off x="0" y="0"/>
+          <a:ext cx="0" cy="0"/>
+          <a:chOff x="0" y="0"/>
+          <a:chExt cx="0" cy="0"/>
+        </a:xfrm>
+      </p:grpSpPr>
+      <p:sp>
+        <p:nvSpPr>
+          <p:cNvPr id="2" name="Oval 1">
+            <a:extLst>
+              <a:ext uri="{FF2B5EF4-FFF2-40B4-BE49-F238E27FC236}">
+                <a16:creationId xmlns:a16="http://schemas.microsoft.com/office/drawing/2014/main" id="{3DEA7968-4F6E-EB32-F7AD-83067232AF6C}"/>
+              </a:ext>
+            </a:extLst>
+          </p:cNvPr>
+          <p:cNvSpPr/>
+          <p:nvPr/>
+        </p:nvSpPr>
+        <p:spPr>
+          <a:xfrm>
+            <a:off x="4814596" y="298580"/>
+            <a:ext cx="1595535" cy="1464906"/>
+          </a:xfrm>
+          <a:prstGeom prst="ellipse">
+            <a:avLst/>
+          </a:prstGeom>
+        </p:spPr>
+        <p:style>
+          <a:lnRef idx="2">
+            <a:schemeClr val="accent1">
+              <a:shade val="15000"/>
+            </a:schemeClr>
+          </a:lnRef>
+          <a:fillRef idx="1">
+            <a:schemeClr val="accent1"/>
+          </a:fillRef>
+          <a:effectRef idx="0">
+            <a:schemeClr val="accent1"/>
+          </a:effectRef>
+          <a:fontRef idx="minor">
+            <a:schemeClr val="lt1"/>
+          </a:fontRef>
+        </p:style>
+        <p:txBody>
+          <a:bodyPr rtlCol="0" anchor="ctr"/>
+          <a:lstStyle/>
+          <a:p>
+            <a:pPr algn="ctr"/>
+            <a:r>
+              <a:rPr lang="en-US" dirty="0"/>
+              <a:t>Text</a:t>
+            </a:r>
+          </a:p>
+        </p:txBody>
+      </p:sp>
+      <p:sp>
+        <p:nvSpPr>
+          <p:cNvPr id="3" name="TextBox 2">
+            <a:extLst>
+              <a:ext uri="{FF2B5EF4-FFF2-40B4-BE49-F238E27FC236}">
+                <a16:creationId xmlns:a16="http://schemas.microsoft.com/office/drawing/2014/main" id="{5378C912-A666-91A9-BB37-8A15B6F34030}"/>
+              </a:ext>
+            </a:extLst>
+          </p:cNvPr>
+          <p:cNvSpPr txBox="1"/>
+          <p:nvPr/>
+        </p:nvSpPr>
+        <p:spPr>
+          <a:xfrm>
+            <a:off x="6550090" y="695215"/>
+            <a:ext cx="3862874" cy="1200329"/>
+          </a:xfrm>
+          <a:prstGeom prst="rect">
+            <a:avLst/>
+          </a:prstGeom>
+          <a:noFill/>
+        </p:spPr>
+        <p:txBody>
+          <a:bodyPr wrap="square" rtlCol="0">
+            <a:spAutoFit/>
+          </a:bodyPr>
+          <a:lstStyle/>
+          <a:p>
+            <a:r>
+              <a:rPr lang="en-US" dirty="0"/>
+              <a:t>Utf-8 </a:t>
+            </a:r>
+            <a:r>
+              <a:rPr lang="en-US" dirty="0" err="1"/>
+              <a:t>MainFrames</a:t>
+            </a:r>
+            <a:r>
+              <a:rPr lang="en-US" dirty="0"/>
+              <a:t>, Windows, Unix</a:t>
+            </a:r>
+          </a:p>
+          <a:p>
+            <a:endParaRPr lang="en-US" dirty="0"/>
+          </a:p>
+          <a:p>
+            <a:r>
+              <a:rPr lang="en-US" dirty="0"/>
+              <a:t>Pure Text Form of Data communication w/o security </a:t>
+            </a:r>
+          </a:p>
+        </p:txBody>
+      </p:sp>
+      <p:sp>
+        <p:nvSpPr>
+          <p:cNvPr id="4" name="Oval 3">
+            <a:extLst>
+              <a:ext uri="{FF2B5EF4-FFF2-40B4-BE49-F238E27FC236}">
+                <a16:creationId xmlns:a16="http://schemas.microsoft.com/office/drawing/2014/main" id="{5FCC45F7-018F-E389-C3E4-F308C6D319B9}"/>
+              </a:ext>
+            </a:extLst>
+          </p:cNvPr>
+          <p:cNvSpPr/>
+          <p:nvPr/>
+        </p:nvSpPr>
+        <p:spPr>
+          <a:xfrm>
+            <a:off x="6885992" y="2354425"/>
+            <a:ext cx="1595535" cy="1464906"/>
+          </a:xfrm>
+          <a:prstGeom prst="ellipse">
+            <a:avLst/>
+          </a:prstGeom>
+        </p:spPr>
+        <p:style>
+          <a:lnRef idx="2">
+            <a:schemeClr val="accent1">
+              <a:shade val="15000"/>
+            </a:schemeClr>
+          </a:lnRef>
+          <a:fillRef idx="1">
+            <a:schemeClr val="accent1"/>
+          </a:fillRef>
+          <a:effectRef idx="0">
+            <a:schemeClr val="accent1"/>
+          </a:effectRef>
+          <a:fontRef idx="minor">
+            <a:schemeClr val="lt1"/>
+          </a:fontRef>
+        </p:style>
+        <p:txBody>
+          <a:bodyPr rtlCol="0" anchor="ctr"/>
+          <a:lstStyle/>
+          <a:p>
+            <a:pPr algn="ctr"/>
+            <a:r>
+              <a:rPr lang="en-US" dirty="0"/>
+              <a:t>Binary</a:t>
+            </a:r>
+          </a:p>
+          <a:p>
+            <a:pPr algn="ctr"/>
+            <a:r>
+              <a:rPr lang="en-US" dirty="0"/>
+              <a:t>Data</a:t>
+            </a:r>
+          </a:p>
+        </p:txBody>
+      </p:sp>
+      <p:cxnSp>
+        <p:nvCxnSpPr>
+          <p:cNvPr id="6" name="Connector: Curved 5">
+            <a:extLst>
+              <a:ext uri="{FF2B5EF4-FFF2-40B4-BE49-F238E27FC236}">
+                <a16:creationId xmlns:a16="http://schemas.microsoft.com/office/drawing/2014/main" id="{3FDB2014-8002-DA25-FCC4-858516B36171}"/>
+              </a:ext>
+            </a:extLst>
+          </p:cNvPr>
+          <p:cNvCxnSpPr>
+            <a:cxnSpLocks/>
+            <a:stCxn id="2" idx="6"/>
+            <a:endCxn id="4" idx="0"/>
+          </p:cNvCxnSpPr>
+          <p:nvPr/>
+        </p:nvCxnSpPr>
+        <p:spPr>
+          <a:xfrm>
+            <a:off x="6410131" y="1031033"/>
+            <a:ext cx="1273629" cy="1323392"/>
+          </a:xfrm>
+          <a:prstGeom prst="curvedConnector2">
+            <a:avLst/>
+          </a:prstGeom>
+          <a:ln>
+            <a:tailEnd type="triangle"/>
+          </a:ln>
+        </p:spPr>
+        <p:style>
+          <a:lnRef idx="1">
+            <a:schemeClr val="accent1"/>
+          </a:lnRef>
+          <a:fillRef idx="0">
+            <a:schemeClr val="accent1"/>
+          </a:fillRef>
+          <a:effectRef idx="0">
+            <a:schemeClr val="accent1"/>
+          </a:effectRef>
+          <a:fontRef idx="minor">
+            <a:schemeClr val="tx1"/>
+          </a:fontRef>
+        </p:style>
+      </p:cxnSp>
+      <p:sp>
+        <p:nvSpPr>
+          <p:cNvPr id="7" name="TextBox 6">
+            <a:extLst>
+              <a:ext uri="{FF2B5EF4-FFF2-40B4-BE49-F238E27FC236}">
+                <a16:creationId xmlns:a16="http://schemas.microsoft.com/office/drawing/2014/main" id="{73E10BE8-D1D1-F458-725B-002B1EB3F818}"/>
+              </a:ext>
+            </a:extLst>
+          </p:cNvPr>
+          <p:cNvSpPr txBox="1"/>
+          <p:nvPr/>
+        </p:nvSpPr>
+        <p:spPr>
+          <a:xfrm>
+            <a:off x="8481527" y="2354425"/>
+            <a:ext cx="3359020" cy="1754326"/>
+          </a:xfrm>
+          <a:prstGeom prst="rect">
+            <a:avLst/>
+          </a:prstGeom>
+          <a:noFill/>
+        </p:spPr>
+        <p:txBody>
+          <a:bodyPr wrap="square" rtlCol="0">
+            <a:spAutoFit/>
+          </a:bodyPr>
+          <a:lstStyle/>
+          <a:p>
+            <a:r>
+              <a:rPr lang="en-US" dirty="0"/>
+              <a:t>Original type of data was maintained, Sender and receiver used to read it with high performance, Encrypted</a:t>
+            </a:r>
+          </a:p>
+          <a:p>
+            <a:endParaRPr lang="en-US" dirty="0"/>
+          </a:p>
+          <a:p>
+            <a:r>
+              <a:rPr lang="en-US" dirty="0"/>
+              <a:t>Platform Specific Binary Signature </a:t>
+            </a:r>
+          </a:p>
+        </p:txBody>
+      </p:sp>
+      <p:sp>
+        <p:nvSpPr>
+          <p:cNvPr id="9" name="Oval 8">
+            <a:extLst>
+              <a:ext uri="{FF2B5EF4-FFF2-40B4-BE49-F238E27FC236}">
+                <a16:creationId xmlns:a16="http://schemas.microsoft.com/office/drawing/2014/main" id="{F4D8FB55-3A84-A8F8-5550-6E043C80DE46}"/>
+              </a:ext>
+            </a:extLst>
+          </p:cNvPr>
+          <p:cNvSpPr/>
+          <p:nvPr/>
+        </p:nvSpPr>
+        <p:spPr>
+          <a:xfrm>
+            <a:off x="4814596" y="4343400"/>
+            <a:ext cx="1595535" cy="1464906"/>
+          </a:xfrm>
+          <a:prstGeom prst="ellipse">
+            <a:avLst/>
+          </a:prstGeom>
+        </p:spPr>
+        <p:style>
+          <a:lnRef idx="2">
+            <a:schemeClr val="accent1">
+              <a:shade val="15000"/>
+            </a:schemeClr>
+          </a:lnRef>
+          <a:fillRef idx="1">
+            <a:schemeClr val="accent1"/>
+          </a:fillRef>
+          <a:effectRef idx="0">
+            <a:schemeClr val="accent1"/>
+          </a:effectRef>
+          <a:fontRef idx="minor">
+            <a:schemeClr val="lt1"/>
+          </a:fontRef>
+        </p:style>
+        <p:txBody>
+          <a:bodyPr rtlCol="0" anchor="ctr"/>
+          <a:lstStyle/>
+          <a:p>
+            <a:pPr algn="ctr"/>
+            <a:r>
+              <a:rPr lang="en-US" dirty="0"/>
+              <a:t>XML</a:t>
+            </a:r>
+          </a:p>
+          <a:p>
+            <a:pPr algn="ctr"/>
+            <a:r>
+              <a:rPr lang="en-US" dirty="0"/>
+              <a:t>Data</a:t>
+            </a:r>
+          </a:p>
+        </p:txBody>
+      </p:sp>
+      <p:cxnSp>
+        <p:nvCxnSpPr>
+          <p:cNvPr id="11" name="Connector: Curved 10">
+            <a:extLst>
+              <a:ext uri="{FF2B5EF4-FFF2-40B4-BE49-F238E27FC236}">
+                <a16:creationId xmlns:a16="http://schemas.microsoft.com/office/drawing/2014/main" id="{170BD6A8-D53E-DF5B-8D78-778E28D3C404}"/>
+              </a:ext>
+            </a:extLst>
+          </p:cNvPr>
+          <p:cNvCxnSpPr>
+            <a:stCxn id="4" idx="4"/>
+            <a:endCxn id="9" idx="6"/>
+          </p:cNvCxnSpPr>
+          <p:nvPr/>
+        </p:nvCxnSpPr>
+        <p:spPr>
+          <a:xfrm rot="5400000">
+            <a:off x="6418685" y="3810778"/>
+            <a:ext cx="1256522" cy="1273629"/>
+          </a:xfrm>
+          <a:prstGeom prst="curvedConnector2">
+            <a:avLst/>
+          </a:prstGeom>
+          <a:ln>
+            <a:tailEnd type="triangle"/>
+          </a:ln>
+        </p:spPr>
+        <p:style>
+          <a:lnRef idx="1">
+            <a:schemeClr val="accent1"/>
+          </a:lnRef>
+          <a:fillRef idx="0">
+            <a:schemeClr val="accent1"/>
+          </a:fillRef>
+          <a:effectRef idx="0">
+            <a:schemeClr val="accent1"/>
+          </a:effectRef>
+          <a:fontRef idx="minor">
+            <a:schemeClr val="tx1"/>
+          </a:fontRef>
+        </p:style>
+      </p:cxnSp>
+      <p:sp>
+        <p:nvSpPr>
+          <p:cNvPr id="13" name="TextBox 12">
+            <a:extLst>
+              <a:ext uri="{FF2B5EF4-FFF2-40B4-BE49-F238E27FC236}">
+                <a16:creationId xmlns:a16="http://schemas.microsoft.com/office/drawing/2014/main" id="{7CA51E28-EFFE-44AF-6D3D-2B7C634DEF37}"/>
+              </a:ext>
+            </a:extLst>
+          </p:cNvPr>
+          <p:cNvSpPr txBox="1"/>
+          <p:nvPr/>
+        </p:nvSpPr>
+        <p:spPr>
+          <a:xfrm>
+            <a:off x="6718042" y="4447592"/>
+            <a:ext cx="4189444" cy="2308324"/>
+          </a:xfrm>
+          <a:prstGeom prst="rect">
+            <a:avLst/>
+          </a:prstGeom>
+          <a:noFill/>
+        </p:spPr>
+        <p:txBody>
+          <a:bodyPr wrap="square" rtlCol="0">
+            <a:spAutoFit/>
+          </a:bodyPr>
+          <a:lstStyle/>
+          <a:p>
+            <a:r>
+              <a:rPr lang="en-US" dirty="0"/>
+              <a:t>Platform independent data communication as Open Standard based on DTD and Xml Schemas. Highly preferred mode of communication over HTTP using SOAP</a:t>
+            </a:r>
+          </a:p>
+          <a:p>
+            <a:endParaRPr lang="en-US" dirty="0"/>
+          </a:p>
+          <a:p>
+            <a:r>
+              <a:rPr lang="en-US" dirty="0"/>
+              <a:t>Sender was supposed to encode the data and receiver was supposed to decode  </a:t>
+            </a:r>
+          </a:p>
+        </p:txBody>
+      </p:sp>
+      <p:sp>
+        <p:nvSpPr>
+          <p:cNvPr id="14" name="TextBox 13">
+            <a:extLst>
+              <a:ext uri="{FF2B5EF4-FFF2-40B4-BE49-F238E27FC236}">
+                <a16:creationId xmlns:a16="http://schemas.microsoft.com/office/drawing/2014/main" id="{2A52F41D-0D6F-FFED-CE07-A29D8A0176FA}"/>
+              </a:ext>
+            </a:extLst>
+          </p:cNvPr>
+          <p:cNvSpPr txBox="1"/>
+          <p:nvPr/>
+        </p:nvSpPr>
+        <p:spPr>
+          <a:xfrm>
+            <a:off x="4646646" y="5808306"/>
+            <a:ext cx="2071396" cy="307777"/>
+          </a:xfrm>
+          <a:prstGeom prst="rect">
+            <a:avLst/>
+          </a:prstGeom>
+          <a:noFill/>
+        </p:spPr>
+        <p:txBody>
+          <a:bodyPr wrap="square" rtlCol="0">
+            <a:spAutoFit/>
+          </a:bodyPr>
+          <a:lstStyle/>
+          <a:p>
+            <a:r>
+              <a:rPr lang="en-US" sz="1400" dirty="0"/>
+              <a:t>&lt;EmpNo&gt;101&lt;/EmpNo&gt;</a:t>
+            </a:r>
+          </a:p>
+        </p:txBody>
+      </p:sp>
+      <p:sp>
+        <p:nvSpPr>
+          <p:cNvPr id="15" name="TextBox 14">
+            <a:extLst>
+              <a:ext uri="{FF2B5EF4-FFF2-40B4-BE49-F238E27FC236}">
+                <a16:creationId xmlns:a16="http://schemas.microsoft.com/office/drawing/2014/main" id="{817D22F5-2039-6DDC-5B41-388B7E393210}"/>
+              </a:ext>
+            </a:extLst>
+          </p:cNvPr>
+          <p:cNvSpPr txBox="1"/>
+          <p:nvPr/>
+        </p:nvSpPr>
+        <p:spPr>
+          <a:xfrm>
+            <a:off x="4245429" y="6162785"/>
+            <a:ext cx="2472613" cy="461665"/>
+          </a:xfrm>
+          <a:prstGeom prst="rect">
+            <a:avLst/>
+          </a:prstGeom>
+          <a:noFill/>
+        </p:spPr>
+        <p:txBody>
+          <a:bodyPr wrap="square" rtlCol="0">
+            <a:spAutoFit/>
+          </a:bodyPr>
+          <a:lstStyle/>
+          <a:p>
+            <a:r>
+              <a:rPr lang="en-US" sz="1200" dirty="0"/>
+              <a:t>&amp;lt;EmpNo&amp;gt;101&amp;lt;%2EmpNo&amp;gt;</a:t>
+            </a:r>
+          </a:p>
+        </p:txBody>
+      </p:sp>
+      <p:sp>
+        <p:nvSpPr>
+          <p:cNvPr id="16" name="Oval 15">
+            <a:extLst>
+              <a:ext uri="{FF2B5EF4-FFF2-40B4-BE49-F238E27FC236}">
+                <a16:creationId xmlns:a16="http://schemas.microsoft.com/office/drawing/2014/main" id="{3C8E4991-443C-CD2B-CAD9-4FCA9BEAF967}"/>
+              </a:ext>
+            </a:extLst>
+          </p:cNvPr>
+          <p:cNvSpPr/>
+          <p:nvPr/>
+        </p:nvSpPr>
+        <p:spPr>
+          <a:xfrm>
+            <a:off x="2388638" y="2499135"/>
+            <a:ext cx="1595535" cy="1464906"/>
+          </a:xfrm>
+          <a:prstGeom prst="ellipse">
+            <a:avLst/>
+          </a:prstGeom>
+        </p:spPr>
+        <p:style>
+          <a:lnRef idx="2">
+            <a:schemeClr val="accent1">
+              <a:shade val="15000"/>
+            </a:schemeClr>
+          </a:lnRef>
+          <a:fillRef idx="1">
+            <a:schemeClr val="accent1"/>
+          </a:fillRef>
+          <a:effectRef idx="0">
+            <a:schemeClr val="accent1"/>
+          </a:effectRef>
+          <a:fontRef idx="minor">
+            <a:schemeClr val="lt1"/>
+          </a:fontRef>
+        </p:style>
+        <p:txBody>
+          <a:bodyPr rtlCol="0" anchor="ctr"/>
+          <a:lstStyle/>
+          <a:p>
+            <a:pPr algn="ctr"/>
+            <a:r>
+              <a:rPr lang="en-US" dirty="0"/>
+              <a:t>JSON</a:t>
+            </a:r>
+          </a:p>
+          <a:p>
+            <a:pPr algn="ctr"/>
+            <a:r>
+              <a:rPr lang="en-US" dirty="0"/>
+              <a:t>Data</a:t>
+            </a:r>
+          </a:p>
+        </p:txBody>
+      </p:sp>
+      <p:cxnSp>
+        <p:nvCxnSpPr>
+          <p:cNvPr id="18" name="Connector: Curved 17">
+            <a:extLst>
+              <a:ext uri="{FF2B5EF4-FFF2-40B4-BE49-F238E27FC236}">
+                <a16:creationId xmlns:a16="http://schemas.microsoft.com/office/drawing/2014/main" id="{5B5D18D4-69AD-6E1C-AE9C-B80BFD06982C}"/>
+              </a:ext>
+            </a:extLst>
+          </p:cNvPr>
+          <p:cNvCxnSpPr>
+            <a:stCxn id="9" idx="2"/>
+            <a:endCxn id="16" idx="4"/>
+          </p:cNvCxnSpPr>
+          <p:nvPr/>
+        </p:nvCxnSpPr>
+        <p:spPr>
+          <a:xfrm rot="10800000">
+            <a:off x="3186406" y="3964041"/>
+            <a:ext cx="1628190" cy="1111812"/>
+          </a:xfrm>
+          <a:prstGeom prst="curvedConnector2">
+            <a:avLst/>
+          </a:prstGeom>
+          <a:ln>
+            <a:tailEnd type="triangle"/>
+          </a:ln>
+        </p:spPr>
+        <p:style>
+          <a:lnRef idx="1">
+            <a:schemeClr val="accent1"/>
+          </a:lnRef>
+          <a:fillRef idx="0">
+            <a:schemeClr val="accent1"/>
+          </a:fillRef>
+          <a:effectRef idx="0">
+            <a:schemeClr val="accent1"/>
+          </a:effectRef>
+          <a:fontRef idx="minor">
+            <a:schemeClr val="tx1"/>
+          </a:fontRef>
+        </p:style>
+      </p:cxnSp>
+      <p:sp>
+        <p:nvSpPr>
+          <p:cNvPr id="20" name="TextBox 19">
+            <a:extLst>
+              <a:ext uri="{FF2B5EF4-FFF2-40B4-BE49-F238E27FC236}">
+                <a16:creationId xmlns:a16="http://schemas.microsoft.com/office/drawing/2014/main" id="{1B158015-7533-C2A9-FFB9-6CB2B0E328E9}"/>
+              </a:ext>
+            </a:extLst>
+          </p:cNvPr>
+          <p:cNvSpPr txBox="1"/>
+          <p:nvPr/>
+        </p:nvSpPr>
+        <p:spPr>
+          <a:xfrm>
+            <a:off x="130629" y="2715208"/>
+            <a:ext cx="2127379" cy="3139321"/>
+          </a:xfrm>
+          <a:prstGeom prst="rect">
+            <a:avLst/>
+          </a:prstGeom>
+          <a:noFill/>
+        </p:spPr>
+        <p:txBody>
+          <a:bodyPr wrap="square" rtlCol="0">
+            <a:spAutoFit/>
+          </a:bodyPr>
+          <a:lstStyle/>
+          <a:p>
+            <a:r>
+              <a:rPr lang="en-US" dirty="0"/>
+              <a:t>Schema based Text Data that can be encrypted as well as no encoding and decoding is required. Fastest over HTTP.</a:t>
+            </a:r>
+          </a:p>
+          <a:p>
+            <a:endParaRPr lang="en-US" dirty="0"/>
+          </a:p>
+          <a:p>
+            <a:endParaRPr lang="en-US" dirty="0"/>
+          </a:p>
+          <a:p>
+            <a:r>
+              <a:rPr lang="en-US" dirty="0"/>
+              <a:t>REpresential State Transfer (REST)</a:t>
+            </a:r>
+          </a:p>
+        </p:txBody>
+      </p:sp>
+      <p:sp>
+        <p:nvSpPr>
+          <p:cNvPr id="21" name="Oval 20">
+            <a:extLst>
+              <a:ext uri="{FF2B5EF4-FFF2-40B4-BE49-F238E27FC236}">
+                <a16:creationId xmlns:a16="http://schemas.microsoft.com/office/drawing/2014/main" id="{5DB48A5F-FDEC-BEC5-FD8C-619EBACA94FA}"/>
+              </a:ext>
+            </a:extLst>
+          </p:cNvPr>
+          <p:cNvSpPr/>
+          <p:nvPr/>
+        </p:nvSpPr>
+        <p:spPr>
+          <a:xfrm>
+            <a:off x="1743270" y="271018"/>
+            <a:ext cx="1595535" cy="1464906"/>
+          </a:xfrm>
+          <a:prstGeom prst="ellipse">
+            <a:avLst/>
+          </a:prstGeom>
+        </p:spPr>
+        <p:style>
+          <a:lnRef idx="2">
+            <a:schemeClr val="accent1">
+              <a:shade val="15000"/>
+            </a:schemeClr>
+          </a:lnRef>
+          <a:fillRef idx="1">
+            <a:schemeClr val="accent1"/>
+          </a:fillRef>
+          <a:effectRef idx="0">
+            <a:schemeClr val="accent1"/>
+          </a:effectRef>
+          <a:fontRef idx="minor">
+            <a:schemeClr val="lt1"/>
+          </a:fontRef>
+        </p:style>
+        <p:txBody>
+          <a:bodyPr rtlCol="0" anchor="ctr"/>
+          <a:lstStyle/>
+          <a:p>
+            <a:pPr algn="ctr"/>
+            <a:r>
+              <a:rPr lang="en-US" dirty="0" err="1"/>
+              <a:t>gRPC</a:t>
+            </a:r>
+            <a:r>
+              <a:rPr lang="en-US" dirty="0"/>
+              <a:t> aka Stream</a:t>
+            </a:r>
+          </a:p>
+          <a:p>
+            <a:pPr algn="ctr"/>
+            <a:r>
+              <a:rPr lang="en-US" dirty="0"/>
+              <a:t>Data</a:t>
+            </a:r>
+          </a:p>
+        </p:txBody>
+      </p:sp>
+      <p:cxnSp>
+        <p:nvCxnSpPr>
+          <p:cNvPr id="23" name="Connector: Curved 22">
+            <a:extLst>
+              <a:ext uri="{FF2B5EF4-FFF2-40B4-BE49-F238E27FC236}">
+                <a16:creationId xmlns:a16="http://schemas.microsoft.com/office/drawing/2014/main" id="{B3FDE9F9-C4F8-6613-A6DF-9267DFF7FC9C}"/>
+              </a:ext>
+            </a:extLst>
+          </p:cNvPr>
+          <p:cNvCxnSpPr>
+            <a:stCxn id="16" idx="6"/>
+            <a:endCxn id="21" idx="6"/>
+          </p:cNvCxnSpPr>
+          <p:nvPr/>
+        </p:nvCxnSpPr>
+        <p:spPr>
+          <a:xfrm flipH="1" flipV="1">
+            <a:off x="3338805" y="1003471"/>
+            <a:ext cx="645368" cy="2228117"/>
+          </a:xfrm>
+          <a:prstGeom prst="curvedConnector3">
+            <a:avLst>
+              <a:gd name="adj1" fmla="val -35422"/>
+            </a:avLst>
+          </a:prstGeom>
+          <a:ln>
+            <a:tailEnd type="triangle"/>
+          </a:ln>
+        </p:spPr>
+        <p:style>
+          <a:lnRef idx="1">
+            <a:schemeClr val="accent1"/>
+          </a:lnRef>
+          <a:fillRef idx="0">
+            <a:schemeClr val="accent1"/>
+          </a:fillRef>
+          <a:effectRef idx="0">
+            <a:schemeClr val="accent1"/>
+          </a:effectRef>
+          <a:fontRef idx="minor">
+            <a:schemeClr val="tx1"/>
+          </a:fontRef>
+        </p:style>
+      </p:cxnSp>
+      <p:sp>
+        <p:nvSpPr>
+          <p:cNvPr id="24" name="Arrow: Curved Down 23">
+            <a:extLst>
+              <a:ext uri="{FF2B5EF4-FFF2-40B4-BE49-F238E27FC236}">
+                <a16:creationId xmlns:a16="http://schemas.microsoft.com/office/drawing/2014/main" id="{7B09E1AE-CABA-B9A0-32E3-36251E702073}"/>
+              </a:ext>
+            </a:extLst>
+          </p:cNvPr>
+          <p:cNvSpPr/>
+          <p:nvPr/>
+        </p:nvSpPr>
+        <p:spPr>
+          <a:xfrm>
+            <a:off x="4394718" y="2026297"/>
+            <a:ext cx="2323324" cy="939282"/>
+          </a:xfrm>
+          <a:prstGeom prst="curvedDownArrow">
+            <a:avLst/>
+          </a:prstGeom>
+        </p:spPr>
+        <p:style>
+          <a:lnRef idx="2">
+            <a:schemeClr val="accent1">
+              <a:shade val="15000"/>
+            </a:schemeClr>
+          </a:lnRef>
+          <a:fillRef idx="1">
+            <a:schemeClr val="accent1"/>
+          </a:fillRef>
+          <a:effectRef idx="0">
+            <a:schemeClr val="accent1"/>
+          </a:effectRef>
+          <a:fontRef idx="minor">
+            <a:schemeClr val="lt1"/>
+          </a:fontRef>
+        </p:style>
+        <p:txBody>
+          <a:bodyPr rtlCol="0" anchor="ctr"/>
+          <a:lstStyle/>
+          <a:p>
+            <a:pPr algn="ctr"/>
+            <a:endParaRPr lang="en-US">
+              <a:solidFill>
+                <a:schemeClr val="tx1"/>
+              </a:solidFill>
+            </a:endParaRPr>
+          </a:p>
+        </p:txBody>
+      </p:sp>
+      <p:sp>
+        <p:nvSpPr>
+          <p:cNvPr id="25" name="Arrow: Curved Down 24">
+            <a:extLst>
+              <a:ext uri="{FF2B5EF4-FFF2-40B4-BE49-F238E27FC236}">
+                <a16:creationId xmlns:a16="http://schemas.microsoft.com/office/drawing/2014/main" id="{0E4CC254-6475-9358-EDF3-0554787CC64D}"/>
+              </a:ext>
+            </a:extLst>
+          </p:cNvPr>
+          <p:cNvSpPr/>
+          <p:nvPr/>
+        </p:nvSpPr>
+        <p:spPr>
+          <a:xfrm rot="10800000">
+            <a:off x="4245429" y="3141306"/>
+            <a:ext cx="2323324" cy="939282"/>
+          </a:xfrm>
+          <a:prstGeom prst="curvedDownArrow">
+            <a:avLst/>
+          </a:prstGeom>
+        </p:spPr>
+        <p:style>
+          <a:lnRef idx="2">
+            <a:schemeClr val="accent1">
+              <a:shade val="15000"/>
+            </a:schemeClr>
+          </a:lnRef>
+          <a:fillRef idx="1">
+            <a:schemeClr val="accent1"/>
+          </a:fillRef>
+          <a:effectRef idx="0">
+            <a:schemeClr val="accent1"/>
+          </a:effectRef>
+          <a:fontRef idx="minor">
+            <a:schemeClr val="lt1"/>
+          </a:fontRef>
+        </p:style>
+        <p:txBody>
+          <a:bodyPr rtlCol="0" anchor="ctr"/>
+          <a:lstStyle/>
+          <a:p>
+            <a:pPr algn="ctr"/>
+            <a:endParaRPr lang="en-US">
+              <a:solidFill>
+                <a:schemeClr val="tx1"/>
+              </a:solidFill>
+            </a:endParaRPr>
+          </a:p>
+        </p:txBody>
+      </p:sp>
+      <p:sp>
+        <p:nvSpPr>
+          <p:cNvPr id="26" name="TextBox 25">
+            <a:extLst>
+              <a:ext uri="{FF2B5EF4-FFF2-40B4-BE49-F238E27FC236}">
+                <a16:creationId xmlns:a16="http://schemas.microsoft.com/office/drawing/2014/main" id="{26F83C8E-8393-1D49-54DB-3D92DDC7E3CE}"/>
+              </a:ext>
+            </a:extLst>
+          </p:cNvPr>
+          <p:cNvSpPr txBox="1"/>
+          <p:nvPr/>
+        </p:nvSpPr>
+        <p:spPr>
+          <a:xfrm>
+            <a:off x="4865912" y="2663338"/>
+            <a:ext cx="1338945" cy="400110"/>
+          </a:xfrm>
+          <a:prstGeom prst="rect">
+            <a:avLst/>
+          </a:prstGeom>
+          <a:noFill/>
+        </p:spPr>
+        <p:txBody>
+          <a:bodyPr wrap="square" rtlCol="0">
+            <a:spAutoFit/>
+          </a:bodyPr>
+          <a:lstStyle/>
+          <a:p>
+            <a:pPr algn="ctr"/>
+            <a:r>
+              <a:rPr lang="en-US" sz="2000" dirty="0"/>
+              <a:t>HTTP</a:t>
+            </a:r>
+          </a:p>
+        </p:txBody>
+      </p:sp>
+    </p:spTree>
+    <p:extLst>
+      <p:ext uri="{BB962C8B-B14F-4D97-AF65-F5344CB8AC3E}">
+        <p14:creationId xmlns:p14="http://schemas.microsoft.com/office/powerpoint/2010/main" val="1945796279"/>
+      </p:ext>
+    </p:extLst>
+  </p:cSld>
+  <p:clrMapOvr>
+    <a:masterClrMapping/>
+  </p:clrMapOvr>
+</p:sld>
+</file>
+
+<file path=ppt/slides/slide29.xml><?xml version="1.0" encoding="utf-8"?>
+<p:sld xmlns:a="http://schemas.openxmlformats.org/drawingml/2006/main" xmlns:r="http://schemas.openxmlformats.org/officeDocument/2006/relationships" xmlns:p="http://schemas.openxmlformats.org/presentationml/2006/main">
+  <p:cSld>
+    <p:spTree>
+      <p:nvGrpSpPr>
+        <p:cNvPr id="1" name=""/>
+        <p:cNvGrpSpPr/>
+        <p:nvPr/>
+      </p:nvGrpSpPr>
+      <p:grpSpPr>
+        <a:xfrm>
+          <a:off x="0" y="0"/>
+          <a:ext cx="0" cy="0"/>
+          <a:chOff x="0" y="0"/>
+          <a:chExt cx="0" cy="0"/>
+        </a:xfrm>
+      </p:grpSpPr>
+      <p:sp>
+        <p:nvSpPr>
+          <p:cNvPr id="2" name="Cylinder 1">
+            <a:extLst>
+              <a:ext uri="{FF2B5EF4-FFF2-40B4-BE49-F238E27FC236}">
+                <a16:creationId xmlns:a16="http://schemas.microsoft.com/office/drawing/2014/main" id="{72FB5A98-EE03-37D3-FB18-FC0AF4AAD590}"/>
+              </a:ext>
+            </a:extLst>
+          </p:cNvPr>
+          <p:cNvSpPr/>
+          <p:nvPr/>
+        </p:nvSpPr>
+        <p:spPr>
+          <a:xfrm>
+            <a:off x="10170367" y="2230016"/>
+            <a:ext cx="1567543" cy="1446245"/>
+          </a:xfrm>
+          <a:prstGeom prst="can">
+            <a:avLst/>
+          </a:prstGeom>
+        </p:spPr>
+        <p:style>
+          <a:lnRef idx="2">
+            <a:schemeClr val="accent1">
+              <a:shade val="15000"/>
+            </a:schemeClr>
+          </a:lnRef>
+          <a:fillRef idx="1">
+            <a:schemeClr val="accent1"/>
+          </a:fillRef>
+          <a:effectRef idx="0">
+            <a:schemeClr val="accent1"/>
+          </a:effectRef>
+          <a:fontRef idx="minor">
+            <a:schemeClr val="lt1"/>
+          </a:fontRef>
+        </p:style>
+        <p:txBody>
+          <a:bodyPr rtlCol="0" anchor="ctr"/>
+          <a:lstStyle/>
+          <a:p>
+            <a:pPr algn="ctr"/>
+            <a:r>
+              <a:rPr lang="en-US" dirty="0"/>
+              <a:t>RDBMS</a:t>
+            </a:r>
+          </a:p>
+        </p:txBody>
+      </p:sp>
+      <p:sp>
+        <p:nvSpPr>
+          <p:cNvPr id="3" name="Rectangle 2">
+            <a:extLst>
+              <a:ext uri="{FF2B5EF4-FFF2-40B4-BE49-F238E27FC236}">
+                <a16:creationId xmlns:a16="http://schemas.microsoft.com/office/drawing/2014/main" id="{EB50488B-BC7B-435C-AC36-EBF6F9932104}"/>
+              </a:ext>
+            </a:extLst>
+          </p:cNvPr>
+          <p:cNvSpPr/>
+          <p:nvPr/>
+        </p:nvSpPr>
+        <p:spPr>
+          <a:xfrm>
+            <a:off x="2786743" y="205273"/>
+            <a:ext cx="6973078" cy="6522098"/>
+          </a:xfrm>
+          <a:prstGeom prst="rect">
+            <a:avLst/>
+          </a:prstGeom>
+        </p:spPr>
+        <p:style>
+          <a:lnRef idx="2">
+            <a:schemeClr val="accent6"/>
+          </a:lnRef>
+          <a:fillRef idx="1">
+            <a:schemeClr val="lt1"/>
+          </a:fillRef>
+          <a:effectRef idx="0">
+            <a:schemeClr val="accent6"/>
+          </a:effectRef>
+          <a:fontRef idx="minor">
+            <a:schemeClr val="dk1"/>
+          </a:fontRef>
+        </p:style>
+        <p:txBody>
+          <a:bodyPr rtlCol="0" anchor="ctr"/>
+          <a:lstStyle/>
+          <a:p>
+            <a:pPr algn="ctr"/>
+            <a:endParaRPr lang="en-US"/>
+          </a:p>
+        </p:txBody>
+      </p:sp>
+      <p:sp>
+        <p:nvSpPr>
+          <p:cNvPr id="4" name="TextBox 3">
+            <a:extLst>
+              <a:ext uri="{FF2B5EF4-FFF2-40B4-BE49-F238E27FC236}">
+                <a16:creationId xmlns:a16="http://schemas.microsoft.com/office/drawing/2014/main" id="{D4619EA2-2EE0-D8E0-7469-4C2279E045FF}"/>
+              </a:ext>
+            </a:extLst>
+          </p:cNvPr>
+          <p:cNvSpPr txBox="1"/>
+          <p:nvPr/>
+        </p:nvSpPr>
+        <p:spPr>
+          <a:xfrm>
+            <a:off x="5514392" y="419878"/>
+            <a:ext cx="3890865" cy="369332"/>
+          </a:xfrm>
+          <a:prstGeom prst="rect">
+            <a:avLst/>
+          </a:prstGeom>
+          <a:noFill/>
+        </p:spPr>
+        <p:txBody>
+          <a:bodyPr wrap="square" rtlCol="0">
+            <a:spAutoFit/>
+          </a:bodyPr>
+          <a:lstStyle/>
+          <a:p>
+            <a:pPr algn="ctr"/>
+            <a:r>
+              <a:rPr lang="en-US" b="1" dirty="0"/>
+              <a:t>Application Server</a:t>
+            </a:r>
+          </a:p>
+        </p:txBody>
+      </p:sp>
+      <p:sp>
+        <p:nvSpPr>
+          <p:cNvPr id="5" name="Rectangle 4">
+            <a:extLst>
+              <a:ext uri="{FF2B5EF4-FFF2-40B4-BE49-F238E27FC236}">
+                <a16:creationId xmlns:a16="http://schemas.microsoft.com/office/drawing/2014/main" id="{50CC7401-D6F2-395F-4CF8-F8533E83264C}"/>
+              </a:ext>
+            </a:extLst>
+          </p:cNvPr>
+          <p:cNvSpPr/>
+          <p:nvPr/>
+        </p:nvSpPr>
+        <p:spPr>
+          <a:xfrm>
+            <a:off x="8285584" y="1614196"/>
+            <a:ext cx="1250302" cy="3666931"/>
+          </a:xfrm>
+          <a:prstGeom prst="rect">
+            <a:avLst/>
+          </a:prstGeom>
+        </p:spPr>
+        <p:style>
+          <a:lnRef idx="1">
+            <a:schemeClr val="accent2"/>
+          </a:lnRef>
+          <a:fillRef idx="2">
+            <a:schemeClr val="accent2"/>
+          </a:fillRef>
+          <a:effectRef idx="1">
+            <a:schemeClr val="accent2"/>
+          </a:effectRef>
+          <a:fontRef idx="minor">
+            <a:schemeClr val="dk1"/>
+          </a:fontRef>
+        </p:style>
+        <p:txBody>
+          <a:bodyPr rtlCol="0" anchor="ctr"/>
+          <a:lstStyle/>
+          <a:p>
+            <a:pPr algn="ctr"/>
+            <a:r>
+              <a:rPr lang="en-US" dirty="0"/>
+              <a:t>Data Access Layer using EF Core</a:t>
+            </a:r>
+          </a:p>
+        </p:txBody>
+      </p:sp>
+      <p:sp>
+        <p:nvSpPr>
+          <p:cNvPr id="6" name="Rectangle 5">
+            <a:extLst>
+              <a:ext uri="{FF2B5EF4-FFF2-40B4-BE49-F238E27FC236}">
+                <a16:creationId xmlns:a16="http://schemas.microsoft.com/office/drawing/2014/main" id="{D38BE3C4-0067-0342-2538-F52A19892E31}"/>
+              </a:ext>
+            </a:extLst>
+          </p:cNvPr>
+          <p:cNvSpPr/>
+          <p:nvPr/>
+        </p:nvSpPr>
+        <p:spPr>
+          <a:xfrm>
+            <a:off x="6830009" y="1632856"/>
+            <a:ext cx="1250302" cy="3666931"/>
+          </a:xfrm>
+          <a:prstGeom prst="rect">
+            <a:avLst/>
+          </a:prstGeom>
+        </p:spPr>
+        <p:style>
+          <a:lnRef idx="3">
+            <a:schemeClr val="lt1"/>
+          </a:lnRef>
+          <a:fillRef idx="1">
+            <a:schemeClr val="accent1"/>
+          </a:fillRef>
+          <a:effectRef idx="1">
+            <a:schemeClr val="accent1"/>
+          </a:effectRef>
+          <a:fontRef idx="minor">
+            <a:schemeClr val="lt1"/>
+          </a:fontRef>
+        </p:style>
+        <p:txBody>
+          <a:bodyPr rtlCol="0" anchor="ctr"/>
+          <a:lstStyle/>
+          <a:p>
+            <a:pPr algn="ctr"/>
+            <a:r>
+              <a:rPr lang="en-US" dirty="0"/>
+              <a:t>Data Access Services</a:t>
+            </a:r>
+          </a:p>
+        </p:txBody>
+      </p:sp>
+      <p:sp>
+        <p:nvSpPr>
+          <p:cNvPr id="7" name="Rectangle 6">
+            <a:extLst>
+              <a:ext uri="{FF2B5EF4-FFF2-40B4-BE49-F238E27FC236}">
+                <a16:creationId xmlns:a16="http://schemas.microsoft.com/office/drawing/2014/main" id="{20665133-6CBA-4D07-3243-D3B3167E247B}"/>
+              </a:ext>
+            </a:extLst>
+          </p:cNvPr>
+          <p:cNvSpPr/>
+          <p:nvPr/>
+        </p:nvSpPr>
+        <p:spPr>
+          <a:xfrm>
+            <a:off x="5374434" y="1614196"/>
+            <a:ext cx="1250302" cy="3666931"/>
+          </a:xfrm>
+          <a:prstGeom prst="rect">
+            <a:avLst/>
+          </a:prstGeom>
+          <a:solidFill>
+            <a:srgbClr val="002060"/>
+          </a:solidFill>
+        </p:spPr>
+        <p:style>
+          <a:lnRef idx="1">
+            <a:schemeClr val="accent2"/>
+          </a:lnRef>
+          <a:fillRef idx="2">
+            <a:schemeClr val="accent2"/>
+          </a:fillRef>
+          <a:effectRef idx="1">
+            <a:schemeClr val="accent2"/>
+          </a:effectRef>
+          <a:fontRef idx="minor">
+            <a:schemeClr val="dk1"/>
+          </a:fontRef>
+        </p:style>
+        <p:txBody>
+          <a:bodyPr rtlCol="0" anchor="ctr"/>
+          <a:lstStyle/>
+          <a:p>
+            <a:pPr algn="ctr"/>
+            <a:r>
+              <a:rPr lang="en-US" b="1" dirty="0">
+                <a:ln w="12700" cmpd="sng">
+                  <a:solidFill>
+                    <a:schemeClr val="accent4"/>
+                  </a:solidFill>
+                  <a:prstDash val="solid"/>
+                </a:ln>
+                <a:gradFill>
+                  <a:gsLst>
+                    <a:gs pos="0">
+                      <a:schemeClr val="accent4"/>
+                    </a:gs>
+                    <a:gs pos="4000">
+                      <a:schemeClr val="accent4">
+                        <a:lumMod val="60000"/>
+                        <a:lumOff val="40000"/>
+                      </a:schemeClr>
+                    </a:gs>
+                    <a:gs pos="87000">
+                      <a:schemeClr val="accent4">
+                        <a:lumMod val="20000"/>
+                        <a:lumOff val="80000"/>
+                      </a:schemeClr>
+                    </a:gs>
+                  </a:gsLst>
+                  <a:lin ang="5400000"/>
+                </a:gradFill>
+              </a:rPr>
+              <a:t>Logic Layer</a:t>
+            </a:r>
+          </a:p>
+        </p:txBody>
+      </p:sp>
+      <p:sp>
+        <p:nvSpPr>
+          <p:cNvPr id="8" name="Rectangle 7">
+            <a:extLst>
+              <a:ext uri="{FF2B5EF4-FFF2-40B4-BE49-F238E27FC236}">
+                <a16:creationId xmlns:a16="http://schemas.microsoft.com/office/drawing/2014/main" id="{66F9E1A1-5AB3-B0F1-3B3F-695DFAC7B61B}"/>
+              </a:ext>
+            </a:extLst>
+          </p:cNvPr>
+          <p:cNvSpPr/>
+          <p:nvPr/>
+        </p:nvSpPr>
+        <p:spPr>
+          <a:xfrm>
+            <a:off x="3900197" y="1595534"/>
+            <a:ext cx="1250302" cy="3666931"/>
+          </a:xfrm>
+          <a:prstGeom prst="rect">
+            <a:avLst/>
+          </a:prstGeom>
+          <a:solidFill>
+            <a:srgbClr val="C00000"/>
+          </a:solidFill>
+        </p:spPr>
+        <p:style>
+          <a:lnRef idx="1">
+            <a:schemeClr val="accent2"/>
+          </a:lnRef>
+          <a:fillRef idx="2">
+            <a:schemeClr val="accent2"/>
+          </a:fillRef>
+          <a:effectRef idx="1">
+            <a:schemeClr val="accent2"/>
+          </a:effectRef>
+          <a:fontRef idx="minor">
+            <a:schemeClr val="dk1"/>
+          </a:fontRef>
+        </p:style>
+        <p:txBody>
+          <a:bodyPr rtlCol="0" anchor="ctr"/>
+          <a:lstStyle/>
+          <a:p>
+            <a:pPr algn="ctr"/>
+            <a:r>
+              <a:rPr lang="en-US" b="1" dirty="0">
+                <a:ln w="12700" cmpd="sng">
+                  <a:solidFill>
+                    <a:schemeClr val="accent4"/>
+                  </a:solidFill>
+                  <a:prstDash val="solid"/>
+                </a:ln>
+                <a:gradFill>
+                  <a:gsLst>
+                    <a:gs pos="0">
+                      <a:schemeClr val="accent4"/>
+                    </a:gs>
+                    <a:gs pos="4000">
+                      <a:schemeClr val="accent4">
+                        <a:lumMod val="60000"/>
+                        <a:lumOff val="40000"/>
+                      </a:schemeClr>
+                    </a:gs>
+                    <a:gs pos="87000">
+                      <a:schemeClr val="accent4">
+                        <a:lumMod val="20000"/>
+                        <a:lumOff val="80000"/>
+                      </a:schemeClr>
+                    </a:gs>
+                  </a:gsLst>
+                  <a:lin ang="5400000"/>
+                </a:gradFill>
+              </a:rPr>
+              <a:t>API Controllers</a:t>
+            </a:r>
+          </a:p>
+        </p:txBody>
+      </p:sp>
+      <p:sp>
+        <p:nvSpPr>
+          <p:cNvPr id="9" name="Rectangle 8">
+            <a:extLst>
+              <a:ext uri="{FF2B5EF4-FFF2-40B4-BE49-F238E27FC236}">
+                <a16:creationId xmlns:a16="http://schemas.microsoft.com/office/drawing/2014/main" id="{E6FE7423-2961-E997-0E8F-9E0CF4BA723B}"/>
+              </a:ext>
+            </a:extLst>
+          </p:cNvPr>
+          <p:cNvSpPr/>
+          <p:nvPr/>
+        </p:nvSpPr>
+        <p:spPr>
+          <a:xfrm>
+            <a:off x="3900197" y="1063690"/>
+            <a:ext cx="5635689" cy="369332"/>
+          </a:xfrm>
+          <a:prstGeom prst="rect">
+            <a:avLst/>
+          </a:prstGeom>
+        </p:spPr>
+        <p:style>
+          <a:lnRef idx="2">
+            <a:schemeClr val="accent1">
+              <a:shade val="15000"/>
+            </a:schemeClr>
+          </a:lnRef>
+          <a:fillRef idx="1">
+            <a:schemeClr val="accent1"/>
+          </a:fillRef>
+          <a:effectRef idx="0">
+            <a:schemeClr val="accent1"/>
+          </a:effectRef>
+          <a:fontRef idx="minor">
+            <a:schemeClr val="lt1"/>
+          </a:fontRef>
+        </p:style>
+        <p:txBody>
+          <a:bodyPr rtlCol="0" anchor="ctr"/>
+          <a:lstStyle/>
+          <a:p>
+            <a:pPr algn="ctr"/>
+            <a:r>
+              <a:rPr lang="en-US" b="1" dirty="0"/>
+              <a:t>Entity Layer</a:t>
+            </a:r>
+          </a:p>
+        </p:txBody>
+      </p:sp>
+      <p:sp>
+        <p:nvSpPr>
+          <p:cNvPr id="10" name="Arrow: Down 9">
+            <a:extLst>
+              <a:ext uri="{FF2B5EF4-FFF2-40B4-BE49-F238E27FC236}">
+                <a16:creationId xmlns:a16="http://schemas.microsoft.com/office/drawing/2014/main" id="{B2B1414C-9FD5-C2C9-B237-9EB3C731D7AA}"/>
+              </a:ext>
+            </a:extLst>
+          </p:cNvPr>
+          <p:cNvSpPr/>
+          <p:nvPr/>
+        </p:nvSpPr>
+        <p:spPr>
+          <a:xfrm>
+            <a:off x="8677469" y="1343608"/>
+            <a:ext cx="251927" cy="363894"/>
+          </a:xfrm>
+          <a:prstGeom prst="downArrow">
+            <a:avLst/>
+          </a:prstGeom>
+          <a:solidFill>
+            <a:srgbClr val="00B050"/>
+          </a:solidFill>
+        </p:spPr>
+        <p:style>
+          <a:lnRef idx="2">
+            <a:schemeClr val="accent1">
+              <a:shade val="15000"/>
+            </a:schemeClr>
+          </a:lnRef>
+          <a:fillRef idx="1">
+            <a:schemeClr val="accent1"/>
+          </a:fillRef>
+          <a:effectRef idx="0">
+            <a:schemeClr val="accent1"/>
+          </a:effectRef>
+          <a:fontRef idx="minor">
+            <a:schemeClr val="lt1"/>
+          </a:fontRef>
+        </p:style>
+        <p:txBody>
+          <a:bodyPr rtlCol="0" anchor="ctr"/>
+          <a:lstStyle/>
+          <a:p>
+            <a:pPr algn="ctr"/>
+            <a:endParaRPr lang="en-US"/>
+          </a:p>
+        </p:txBody>
+      </p:sp>
+      <p:sp>
+        <p:nvSpPr>
+          <p:cNvPr id="11" name="Arrow: Down 10">
+            <a:extLst>
+              <a:ext uri="{FF2B5EF4-FFF2-40B4-BE49-F238E27FC236}">
+                <a16:creationId xmlns:a16="http://schemas.microsoft.com/office/drawing/2014/main" id="{3C5966A2-081F-A67B-2363-F18D17075AEE}"/>
+              </a:ext>
+            </a:extLst>
+          </p:cNvPr>
+          <p:cNvSpPr/>
+          <p:nvPr/>
+        </p:nvSpPr>
+        <p:spPr>
+          <a:xfrm>
+            <a:off x="7273212" y="1343608"/>
+            <a:ext cx="251927" cy="363894"/>
+          </a:xfrm>
+          <a:prstGeom prst="downArrow">
+            <a:avLst/>
+          </a:prstGeom>
+          <a:solidFill>
+            <a:srgbClr val="00B050"/>
+          </a:solidFill>
+        </p:spPr>
+        <p:style>
+          <a:lnRef idx="2">
+            <a:schemeClr val="accent1">
+              <a:shade val="15000"/>
+            </a:schemeClr>
+          </a:lnRef>
+          <a:fillRef idx="1">
+            <a:schemeClr val="accent1"/>
+          </a:fillRef>
+          <a:effectRef idx="0">
+            <a:schemeClr val="accent1"/>
+          </a:effectRef>
+          <a:fontRef idx="minor">
+            <a:schemeClr val="lt1"/>
+          </a:fontRef>
+        </p:style>
+        <p:txBody>
+          <a:bodyPr rtlCol="0" anchor="ctr"/>
+          <a:lstStyle/>
+          <a:p>
+            <a:pPr algn="ctr"/>
+            <a:endParaRPr lang="en-US"/>
+          </a:p>
+        </p:txBody>
+      </p:sp>
+      <p:sp>
+        <p:nvSpPr>
+          <p:cNvPr id="12" name="Arrow: Down 11">
+            <a:extLst>
+              <a:ext uri="{FF2B5EF4-FFF2-40B4-BE49-F238E27FC236}">
+                <a16:creationId xmlns:a16="http://schemas.microsoft.com/office/drawing/2014/main" id="{3043A129-9B20-A716-E759-C6AFC71B4CD0}"/>
+              </a:ext>
+            </a:extLst>
+          </p:cNvPr>
+          <p:cNvSpPr/>
+          <p:nvPr/>
+        </p:nvSpPr>
+        <p:spPr>
+          <a:xfrm>
+            <a:off x="5943600" y="1323002"/>
+            <a:ext cx="251927" cy="363894"/>
+          </a:xfrm>
+          <a:prstGeom prst="downArrow">
+            <a:avLst/>
+          </a:prstGeom>
+          <a:solidFill>
+            <a:srgbClr val="00B050"/>
+          </a:solidFill>
+        </p:spPr>
+        <p:style>
+          <a:lnRef idx="2">
+            <a:schemeClr val="accent1">
+              <a:shade val="15000"/>
+            </a:schemeClr>
+          </a:lnRef>
+          <a:fillRef idx="1">
+            <a:schemeClr val="accent1"/>
+          </a:fillRef>
+          <a:effectRef idx="0">
+            <a:schemeClr val="accent1"/>
+          </a:effectRef>
+          <a:fontRef idx="minor">
+            <a:schemeClr val="lt1"/>
+          </a:fontRef>
+        </p:style>
+        <p:txBody>
+          <a:bodyPr rtlCol="0" anchor="ctr"/>
+          <a:lstStyle/>
+          <a:p>
+            <a:pPr algn="ctr"/>
+            <a:endParaRPr lang="en-US"/>
+          </a:p>
+        </p:txBody>
+      </p:sp>
+      <p:sp>
+        <p:nvSpPr>
+          <p:cNvPr id="13" name="Arrow: Down 12">
+            <a:extLst>
+              <a:ext uri="{FF2B5EF4-FFF2-40B4-BE49-F238E27FC236}">
+                <a16:creationId xmlns:a16="http://schemas.microsoft.com/office/drawing/2014/main" id="{0354AA3C-92BB-DFC8-7DEB-F41D08ED1B53}"/>
+              </a:ext>
+            </a:extLst>
+          </p:cNvPr>
+          <p:cNvSpPr/>
+          <p:nvPr/>
+        </p:nvSpPr>
+        <p:spPr>
+          <a:xfrm>
+            <a:off x="4317743" y="1350992"/>
+            <a:ext cx="251927" cy="363894"/>
+          </a:xfrm>
+          <a:prstGeom prst="downArrow">
+            <a:avLst/>
+          </a:prstGeom>
+          <a:solidFill>
+            <a:srgbClr val="00B050"/>
+          </a:solidFill>
+        </p:spPr>
+        <p:style>
+          <a:lnRef idx="2">
+            <a:schemeClr val="accent1">
+              <a:shade val="15000"/>
+            </a:schemeClr>
+          </a:lnRef>
+          <a:fillRef idx="1">
+            <a:schemeClr val="accent1"/>
+          </a:fillRef>
+          <a:effectRef idx="0">
+            <a:schemeClr val="accent1"/>
+          </a:effectRef>
+          <a:fontRef idx="minor">
+            <a:schemeClr val="lt1"/>
+          </a:fontRef>
+        </p:style>
+        <p:txBody>
+          <a:bodyPr rtlCol="0" anchor="ctr"/>
+          <a:lstStyle/>
+          <a:p>
+            <a:pPr algn="ctr"/>
+            <a:endParaRPr lang="en-US"/>
+          </a:p>
+        </p:txBody>
+      </p:sp>
+      <p:sp>
+        <p:nvSpPr>
+          <p:cNvPr id="14" name="Flowchart: Process 13">
+            <a:extLst>
+              <a:ext uri="{FF2B5EF4-FFF2-40B4-BE49-F238E27FC236}">
+                <a16:creationId xmlns:a16="http://schemas.microsoft.com/office/drawing/2014/main" id="{21D5F301-1817-BAD2-4789-2E653505FA59}"/>
+              </a:ext>
+            </a:extLst>
+          </p:cNvPr>
+          <p:cNvSpPr/>
+          <p:nvPr/>
+        </p:nvSpPr>
+        <p:spPr>
+          <a:xfrm>
+            <a:off x="3470990" y="5626359"/>
+            <a:ext cx="6288832" cy="1026368"/>
+          </a:xfrm>
+          <a:prstGeom prst="flowChartProcess">
+            <a:avLst/>
+          </a:prstGeom>
+        </p:spPr>
+        <p:style>
+          <a:lnRef idx="0">
+            <a:schemeClr val="accent3"/>
+          </a:lnRef>
+          <a:fillRef idx="3">
+            <a:schemeClr val="accent3"/>
+          </a:fillRef>
+          <a:effectRef idx="3">
+            <a:schemeClr val="accent3"/>
+          </a:effectRef>
+          <a:fontRef idx="minor">
+            <a:schemeClr val="lt1"/>
+          </a:fontRef>
+        </p:style>
+        <p:txBody>
+          <a:bodyPr rtlCol="0" anchor="ctr"/>
+          <a:lstStyle/>
+          <a:p>
+            <a:pPr algn="ctr"/>
+            <a:endParaRPr lang="en-US"/>
+          </a:p>
+        </p:txBody>
+      </p:sp>
+      <p:sp>
+        <p:nvSpPr>
+          <p:cNvPr id="15" name="TextBox 14">
+            <a:extLst>
+              <a:ext uri="{FF2B5EF4-FFF2-40B4-BE49-F238E27FC236}">
+                <a16:creationId xmlns:a16="http://schemas.microsoft.com/office/drawing/2014/main" id="{36249206-134C-7864-46FD-103988F11B51}"/>
+              </a:ext>
+            </a:extLst>
+          </p:cNvPr>
+          <p:cNvSpPr txBox="1"/>
+          <p:nvPr/>
+        </p:nvSpPr>
+        <p:spPr>
+          <a:xfrm>
+            <a:off x="10170367" y="5701004"/>
+            <a:ext cx="1567543" cy="646331"/>
+          </a:xfrm>
+          <a:prstGeom prst="rect">
+            <a:avLst/>
+          </a:prstGeom>
+          <a:noFill/>
+        </p:spPr>
+        <p:txBody>
+          <a:bodyPr wrap="square" rtlCol="0">
+            <a:spAutoFit/>
+          </a:bodyPr>
+          <a:lstStyle/>
+          <a:p>
+            <a:r>
+              <a:rPr lang="en-US" dirty="0"/>
+              <a:t>Dependency Container</a:t>
+            </a:r>
+          </a:p>
+        </p:txBody>
+      </p:sp>
+      <p:sp>
+        <p:nvSpPr>
+          <p:cNvPr id="16" name="Arrow: Down 15">
+            <a:extLst>
+              <a:ext uri="{FF2B5EF4-FFF2-40B4-BE49-F238E27FC236}">
+                <a16:creationId xmlns:a16="http://schemas.microsoft.com/office/drawing/2014/main" id="{D738822F-35EB-EFE9-D030-D3918F35E081}"/>
+              </a:ext>
+            </a:extLst>
+          </p:cNvPr>
+          <p:cNvSpPr/>
+          <p:nvPr/>
+        </p:nvSpPr>
+        <p:spPr>
+          <a:xfrm>
+            <a:off x="8826759" y="5085184"/>
+            <a:ext cx="251927" cy="815655"/>
+          </a:xfrm>
+          <a:prstGeom prst="downArrow">
+            <a:avLst/>
+          </a:prstGeom>
+        </p:spPr>
+        <p:style>
+          <a:lnRef idx="2">
+            <a:schemeClr val="accent1">
+              <a:shade val="15000"/>
+            </a:schemeClr>
+          </a:lnRef>
+          <a:fillRef idx="1">
+            <a:schemeClr val="accent1"/>
+          </a:fillRef>
+          <a:effectRef idx="0">
+            <a:schemeClr val="accent1"/>
+          </a:effectRef>
+          <a:fontRef idx="minor">
+            <a:schemeClr val="lt1"/>
+          </a:fontRef>
+        </p:style>
+        <p:txBody>
+          <a:bodyPr rtlCol="0" anchor="ctr"/>
+          <a:lstStyle/>
+          <a:p>
+            <a:pPr algn="ctr"/>
+            <a:endParaRPr lang="en-US"/>
+          </a:p>
+        </p:txBody>
+      </p:sp>
+      <p:sp>
+        <p:nvSpPr>
+          <p:cNvPr id="17" name="Arrow: Down 16">
+            <a:extLst>
+              <a:ext uri="{FF2B5EF4-FFF2-40B4-BE49-F238E27FC236}">
+                <a16:creationId xmlns:a16="http://schemas.microsoft.com/office/drawing/2014/main" id="{0ACC2D29-01E2-0C76-212C-42F3E1E9761B}"/>
+              </a:ext>
+            </a:extLst>
+          </p:cNvPr>
+          <p:cNvSpPr/>
+          <p:nvPr/>
+        </p:nvSpPr>
+        <p:spPr>
+          <a:xfrm>
+            <a:off x="6856445" y="5091793"/>
+            <a:ext cx="331237" cy="815655"/>
+          </a:xfrm>
+          <a:prstGeom prst="downArrow">
+            <a:avLst/>
+          </a:prstGeom>
+        </p:spPr>
+        <p:style>
+          <a:lnRef idx="2">
+            <a:schemeClr val="accent1">
+              <a:shade val="15000"/>
+            </a:schemeClr>
+          </a:lnRef>
+          <a:fillRef idx="1">
+            <a:schemeClr val="accent1"/>
+          </a:fillRef>
+          <a:effectRef idx="0">
+            <a:schemeClr val="accent1"/>
+          </a:effectRef>
+          <a:fontRef idx="minor">
+            <a:schemeClr val="lt1"/>
+          </a:fontRef>
+        </p:style>
+        <p:txBody>
+          <a:bodyPr rtlCol="0" anchor="ctr"/>
+          <a:lstStyle/>
+          <a:p>
+            <a:pPr algn="ctr"/>
+            <a:endParaRPr lang="en-US"/>
+          </a:p>
+        </p:txBody>
+      </p:sp>
+      <p:sp>
+        <p:nvSpPr>
+          <p:cNvPr id="18" name="Arrow: Down 17">
+            <a:extLst>
+              <a:ext uri="{FF2B5EF4-FFF2-40B4-BE49-F238E27FC236}">
+                <a16:creationId xmlns:a16="http://schemas.microsoft.com/office/drawing/2014/main" id="{5C02DDD3-BCCC-34E7-7623-DADD3E9499B4}"/>
+              </a:ext>
+            </a:extLst>
+          </p:cNvPr>
+          <p:cNvSpPr/>
+          <p:nvPr/>
+        </p:nvSpPr>
+        <p:spPr>
+          <a:xfrm>
+            <a:off x="5374433" y="5110888"/>
+            <a:ext cx="331237" cy="815655"/>
+          </a:xfrm>
+          <a:prstGeom prst="downArrow">
+            <a:avLst/>
+          </a:prstGeom>
+        </p:spPr>
+        <p:style>
+          <a:lnRef idx="2">
+            <a:schemeClr val="accent1">
+              <a:shade val="15000"/>
+            </a:schemeClr>
+          </a:lnRef>
+          <a:fillRef idx="1">
+            <a:schemeClr val="accent1"/>
+          </a:fillRef>
+          <a:effectRef idx="0">
+            <a:schemeClr val="accent1"/>
+          </a:effectRef>
+          <a:fontRef idx="minor">
+            <a:schemeClr val="lt1"/>
+          </a:fontRef>
+        </p:style>
+        <p:txBody>
+          <a:bodyPr rtlCol="0" anchor="ctr"/>
+          <a:lstStyle/>
+          <a:p>
+            <a:pPr algn="ctr"/>
+            <a:endParaRPr lang="en-US"/>
+          </a:p>
+        </p:txBody>
+      </p:sp>
+      <p:sp>
+        <p:nvSpPr>
+          <p:cNvPr id="19" name="Oval 18">
+            <a:extLst>
+              <a:ext uri="{FF2B5EF4-FFF2-40B4-BE49-F238E27FC236}">
+                <a16:creationId xmlns:a16="http://schemas.microsoft.com/office/drawing/2014/main" id="{3C49C1B5-279E-FFCA-5C8E-F126573413A9}"/>
+              </a:ext>
+            </a:extLst>
+          </p:cNvPr>
+          <p:cNvSpPr/>
+          <p:nvPr/>
+        </p:nvSpPr>
+        <p:spPr>
+          <a:xfrm>
+            <a:off x="8537510" y="5900839"/>
+            <a:ext cx="783771" cy="563243"/>
+          </a:xfrm>
+          <a:prstGeom prst="ellipse">
+            <a:avLst/>
+          </a:prstGeom>
+        </p:spPr>
+        <p:style>
+          <a:lnRef idx="0">
+            <a:schemeClr val="dk1"/>
+          </a:lnRef>
+          <a:fillRef idx="3">
+            <a:schemeClr val="dk1"/>
+          </a:fillRef>
+          <a:effectRef idx="3">
+            <a:schemeClr val="dk1"/>
+          </a:effectRef>
+          <a:fontRef idx="minor">
+            <a:schemeClr val="lt1"/>
+          </a:fontRef>
+        </p:style>
+        <p:txBody>
+          <a:bodyPr rtlCol="0" anchor="ctr"/>
+          <a:lstStyle/>
+          <a:p>
+            <a:pPr algn="ctr"/>
+            <a:endParaRPr lang="en-US"/>
+          </a:p>
+        </p:txBody>
+      </p:sp>
+      <p:cxnSp>
+        <p:nvCxnSpPr>
+          <p:cNvPr id="21" name="Connector: Elbow 20">
+            <a:extLst>
+              <a:ext uri="{FF2B5EF4-FFF2-40B4-BE49-F238E27FC236}">
+                <a16:creationId xmlns:a16="http://schemas.microsoft.com/office/drawing/2014/main" id="{8FA70254-042C-95A1-6344-E8A123BFD0AF}"/>
+              </a:ext>
+            </a:extLst>
+          </p:cNvPr>
+          <p:cNvCxnSpPr>
+            <a:cxnSpLocks/>
+            <a:stCxn id="19" idx="4"/>
+            <a:endCxn id="6" idx="2"/>
+          </p:cNvCxnSpPr>
+          <p:nvPr/>
+        </p:nvCxnSpPr>
+        <p:spPr>
+          <a:xfrm rot="5400000" flipH="1">
+            <a:off x="7610130" y="5144817"/>
+            <a:ext cx="1164295" cy="1474236"/>
+          </a:xfrm>
+          <a:prstGeom prst="bentConnector3">
+            <a:avLst>
+              <a:gd name="adj1" fmla="val -19634"/>
+            </a:avLst>
+          </a:prstGeom>
+          <a:ln w="76200">
+            <a:solidFill>
+              <a:srgbClr val="C00000"/>
+            </a:solidFill>
+            <a:tailEnd type="triangle"/>
+          </a:ln>
+        </p:spPr>
+        <p:style>
+          <a:lnRef idx="1">
+            <a:schemeClr val="accent1"/>
+          </a:lnRef>
+          <a:fillRef idx="0">
+            <a:schemeClr val="accent1"/>
+          </a:fillRef>
+          <a:effectRef idx="0">
+            <a:schemeClr val="accent1"/>
+          </a:effectRef>
+          <a:fontRef idx="minor">
+            <a:schemeClr val="tx1"/>
+          </a:fontRef>
+        </p:style>
+      </p:cxnSp>
+      <p:sp>
+        <p:nvSpPr>
+          <p:cNvPr id="24" name="Oval 23">
+            <a:extLst>
+              <a:ext uri="{FF2B5EF4-FFF2-40B4-BE49-F238E27FC236}">
+                <a16:creationId xmlns:a16="http://schemas.microsoft.com/office/drawing/2014/main" id="{06BCB5AE-C315-0609-5250-EB960F8524E9}"/>
+              </a:ext>
+            </a:extLst>
+          </p:cNvPr>
+          <p:cNvSpPr/>
+          <p:nvPr/>
+        </p:nvSpPr>
+        <p:spPr>
+          <a:xfrm>
+            <a:off x="6624734" y="5900839"/>
+            <a:ext cx="783771" cy="563243"/>
+          </a:xfrm>
+          <a:prstGeom prst="ellipse">
+            <a:avLst/>
+          </a:prstGeom>
+          <a:solidFill>
+            <a:srgbClr val="7030A0"/>
+          </a:solidFill>
+        </p:spPr>
+        <p:style>
+          <a:lnRef idx="0">
+            <a:schemeClr val="dk1"/>
+          </a:lnRef>
+          <a:fillRef idx="3">
+            <a:schemeClr val="dk1"/>
+          </a:fillRef>
+          <a:effectRef idx="3">
+            <a:schemeClr val="dk1"/>
+          </a:effectRef>
+          <a:fontRef idx="minor">
+            <a:schemeClr val="lt1"/>
+          </a:fontRef>
+        </p:style>
+        <p:txBody>
+          <a:bodyPr rtlCol="0" anchor="ctr"/>
+          <a:lstStyle/>
+          <a:p>
+            <a:pPr algn="ctr"/>
+            <a:endParaRPr lang="en-US"/>
+          </a:p>
+        </p:txBody>
+      </p:sp>
+      <p:cxnSp>
+        <p:nvCxnSpPr>
+          <p:cNvPr id="26" name="Connector: Elbow 25">
+            <a:extLst>
+              <a:ext uri="{FF2B5EF4-FFF2-40B4-BE49-F238E27FC236}">
+                <a16:creationId xmlns:a16="http://schemas.microsoft.com/office/drawing/2014/main" id="{8ABFAD51-A5D6-5887-5E99-307EE97E1FB5}"/>
+              </a:ext>
+            </a:extLst>
+          </p:cNvPr>
+          <p:cNvCxnSpPr>
+            <a:endCxn id="7" idx="2"/>
+          </p:cNvCxnSpPr>
+          <p:nvPr/>
+        </p:nvCxnSpPr>
+        <p:spPr>
+          <a:xfrm rot="16200000" flipV="1">
+            <a:off x="5907130" y="5373583"/>
+            <a:ext cx="1201945" cy="1017034"/>
+          </a:xfrm>
+          <a:prstGeom prst="bentConnector3">
+            <a:avLst>
+              <a:gd name="adj1" fmla="val -9775"/>
+            </a:avLst>
+          </a:prstGeom>
+          <a:ln w="76200">
+            <a:solidFill>
+              <a:srgbClr val="FF0000"/>
+            </a:solidFill>
+            <a:tailEnd type="triangle"/>
+          </a:ln>
+        </p:spPr>
+        <p:style>
+          <a:lnRef idx="1">
+            <a:schemeClr val="accent1"/>
+          </a:lnRef>
+          <a:fillRef idx="0">
+            <a:schemeClr val="accent1"/>
+          </a:fillRef>
+          <a:effectRef idx="0">
+            <a:schemeClr val="accent1"/>
+          </a:effectRef>
+          <a:fontRef idx="minor">
+            <a:schemeClr val="tx1"/>
+          </a:fontRef>
+        </p:style>
+      </p:cxnSp>
+      <p:sp>
+        <p:nvSpPr>
+          <p:cNvPr id="28" name="Oval 27">
+            <a:extLst>
+              <a:ext uri="{FF2B5EF4-FFF2-40B4-BE49-F238E27FC236}">
+                <a16:creationId xmlns:a16="http://schemas.microsoft.com/office/drawing/2014/main" id="{3669D071-386F-00CC-D19E-8265AFEEB76B}"/>
+              </a:ext>
+            </a:extLst>
+          </p:cNvPr>
+          <p:cNvSpPr/>
+          <p:nvPr/>
+        </p:nvSpPr>
+        <p:spPr>
+          <a:xfrm>
+            <a:off x="5099958" y="5907448"/>
+            <a:ext cx="783771" cy="563243"/>
+          </a:xfrm>
+          <a:prstGeom prst="ellipse">
+            <a:avLst/>
+          </a:prstGeom>
+          <a:solidFill>
+            <a:schemeClr val="accent6">
+              <a:lumMod val="50000"/>
+            </a:schemeClr>
+          </a:solidFill>
+        </p:spPr>
+        <p:style>
+          <a:lnRef idx="0">
+            <a:schemeClr val="dk1"/>
+          </a:lnRef>
+          <a:fillRef idx="3">
+            <a:schemeClr val="dk1"/>
+          </a:fillRef>
+          <a:effectRef idx="3">
+            <a:schemeClr val="dk1"/>
+          </a:effectRef>
+          <a:fontRef idx="minor">
+            <a:schemeClr val="lt1"/>
+          </a:fontRef>
+        </p:style>
+        <p:txBody>
+          <a:bodyPr rtlCol="0" anchor="ctr"/>
+          <a:lstStyle/>
+          <a:p>
+            <a:pPr algn="ctr"/>
+            <a:endParaRPr lang="en-US"/>
+          </a:p>
+        </p:txBody>
+      </p:sp>
+      <p:cxnSp>
+        <p:nvCxnSpPr>
+          <p:cNvPr id="30" name="Connector: Elbow 29">
+            <a:extLst>
+              <a:ext uri="{FF2B5EF4-FFF2-40B4-BE49-F238E27FC236}">
+                <a16:creationId xmlns:a16="http://schemas.microsoft.com/office/drawing/2014/main" id="{39DD4FEC-4037-D96E-46E3-B4146892F839}"/>
+              </a:ext>
+            </a:extLst>
+          </p:cNvPr>
+          <p:cNvCxnSpPr>
+            <a:endCxn id="8" idx="2"/>
+          </p:cNvCxnSpPr>
+          <p:nvPr/>
+        </p:nvCxnSpPr>
+        <p:spPr>
+          <a:xfrm rot="16200000" flipV="1">
+            <a:off x="4398293" y="5389521"/>
+            <a:ext cx="1220607" cy="966496"/>
+          </a:xfrm>
+          <a:prstGeom prst="bentConnector3">
+            <a:avLst>
+              <a:gd name="adj1" fmla="val -5039"/>
+            </a:avLst>
+          </a:prstGeom>
+          <a:ln w="76200">
+            <a:solidFill>
+              <a:srgbClr val="0070C0"/>
+            </a:solidFill>
+            <a:tailEnd type="triangle"/>
+          </a:ln>
+        </p:spPr>
+        <p:style>
+          <a:lnRef idx="1">
+            <a:schemeClr val="accent1"/>
+          </a:lnRef>
+          <a:fillRef idx="0">
+            <a:schemeClr val="accent1"/>
+          </a:fillRef>
+          <a:effectRef idx="0">
+            <a:schemeClr val="accent1"/>
+          </a:effectRef>
+          <a:fontRef idx="minor">
+            <a:schemeClr val="tx1"/>
+          </a:fontRef>
+        </p:style>
+      </p:cxnSp>
+      <p:sp>
+        <p:nvSpPr>
+          <p:cNvPr id="32" name="TextBox 31">
+            <a:extLst>
+              <a:ext uri="{FF2B5EF4-FFF2-40B4-BE49-F238E27FC236}">
+                <a16:creationId xmlns:a16="http://schemas.microsoft.com/office/drawing/2014/main" id="{0A4B9FAD-6389-FDE6-BA8D-AE205267C559}"/>
+              </a:ext>
+            </a:extLst>
+          </p:cNvPr>
+          <p:cNvSpPr txBox="1"/>
+          <p:nvPr/>
+        </p:nvSpPr>
+        <p:spPr>
+          <a:xfrm>
+            <a:off x="214604" y="5926543"/>
+            <a:ext cx="2864500" cy="923330"/>
+          </a:xfrm>
+          <a:prstGeom prst="rect">
+            <a:avLst/>
+          </a:prstGeom>
+          <a:noFill/>
+        </p:spPr>
+        <p:txBody>
+          <a:bodyPr wrap="square" rtlCol="0">
+            <a:spAutoFit/>
+          </a:bodyPr>
+          <a:lstStyle/>
+          <a:p>
+            <a:r>
+              <a:rPr lang="en-US" dirty="0"/>
+              <a:t>All Dependencies will be injected in the layer on its left-hand-side</a:t>
+            </a:r>
+          </a:p>
+        </p:txBody>
+      </p:sp>
+      <p:cxnSp>
+        <p:nvCxnSpPr>
+          <p:cNvPr id="34" name="Straight Arrow Connector 33">
+            <a:extLst>
+              <a:ext uri="{FF2B5EF4-FFF2-40B4-BE49-F238E27FC236}">
+                <a16:creationId xmlns:a16="http://schemas.microsoft.com/office/drawing/2014/main" id="{98862F7B-21BF-9622-54B9-7FA46CBD65A4}"/>
+              </a:ext>
+            </a:extLst>
+          </p:cNvPr>
+          <p:cNvCxnSpPr>
+            <a:stCxn id="32" idx="3"/>
+          </p:cNvCxnSpPr>
+          <p:nvPr/>
+        </p:nvCxnSpPr>
+        <p:spPr>
+          <a:xfrm flipV="1">
+            <a:off x="3079104" y="6347335"/>
+            <a:ext cx="1446243" cy="40873"/>
+          </a:xfrm>
+          <a:prstGeom prst="straightConnector1">
+            <a:avLst/>
+          </a:prstGeom>
+          <a:ln>
+            <a:tailEnd type="triangle"/>
+          </a:ln>
+        </p:spPr>
+        <p:style>
+          <a:lnRef idx="1">
+            <a:schemeClr val="accent1"/>
+          </a:lnRef>
+          <a:fillRef idx="0">
+            <a:schemeClr val="accent1"/>
+          </a:fillRef>
+          <a:effectRef idx="0">
+            <a:schemeClr val="accent1"/>
+          </a:effectRef>
+          <a:fontRef idx="minor">
+            <a:schemeClr val="tx1"/>
+          </a:fontRef>
+        </p:style>
+      </p:cxnSp>
+      <p:cxnSp>
+        <p:nvCxnSpPr>
+          <p:cNvPr id="36" name="Straight Arrow Connector 35">
+            <a:extLst>
+              <a:ext uri="{FF2B5EF4-FFF2-40B4-BE49-F238E27FC236}">
+                <a16:creationId xmlns:a16="http://schemas.microsoft.com/office/drawing/2014/main" id="{5F16B126-1E8C-E9A3-4554-B91D6798F76B}"/>
+              </a:ext>
+            </a:extLst>
+          </p:cNvPr>
+          <p:cNvCxnSpPr>
+            <a:stCxn id="32" idx="3"/>
+          </p:cNvCxnSpPr>
+          <p:nvPr/>
+        </p:nvCxnSpPr>
+        <p:spPr>
+          <a:xfrm>
+            <a:off x="3079104" y="6388208"/>
+            <a:ext cx="2920480" cy="94865"/>
+          </a:xfrm>
+          <a:prstGeom prst="straightConnector1">
+            <a:avLst/>
+          </a:prstGeom>
+          <a:ln>
+            <a:tailEnd type="triangle"/>
+          </a:ln>
+        </p:spPr>
+        <p:style>
+          <a:lnRef idx="1">
+            <a:schemeClr val="accent1"/>
+          </a:lnRef>
+          <a:fillRef idx="0">
+            <a:schemeClr val="accent1"/>
+          </a:fillRef>
+          <a:effectRef idx="0">
+            <a:schemeClr val="accent1"/>
+          </a:effectRef>
+          <a:fontRef idx="minor">
+            <a:schemeClr val="tx1"/>
+          </a:fontRef>
+        </p:style>
+      </p:cxnSp>
+      <p:cxnSp>
+        <p:nvCxnSpPr>
+          <p:cNvPr id="38" name="Straight Arrow Connector 37">
+            <a:extLst>
+              <a:ext uri="{FF2B5EF4-FFF2-40B4-BE49-F238E27FC236}">
+                <a16:creationId xmlns:a16="http://schemas.microsoft.com/office/drawing/2014/main" id="{72AA550C-E1CE-AE43-108B-1D2D3053A9A3}"/>
+              </a:ext>
+            </a:extLst>
+          </p:cNvPr>
+          <p:cNvCxnSpPr>
+            <a:cxnSpLocks/>
+          </p:cNvCxnSpPr>
+          <p:nvPr/>
+        </p:nvCxnSpPr>
+        <p:spPr>
+          <a:xfrm>
+            <a:off x="2786742" y="6388208"/>
+            <a:ext cx="4621763" cy="246442"/>
+          </a:xfrm>
+          <a:prstGeom prst="straightConnector1">
+            <a:avLst/>
+          </a:prstGeom>
+          <a:ln>
+            <a:tailEnd type="triangle"/>
+          </a:ln>
+        </p:spPr>
+        <p:style>
+          <a:lnRef idx="1">
+            <a:schemeClr val="accent1"/>
+          </a:lnRef>
+          <a:fillRef idx="0">
+            <a:schemeClr val="accent1"/>
+          </a:fillRef>
+          <a:effectRef idx="0">
+            <a:schemeClr val="accent1"/>
+          </a:effectRef>
+          <a:fontRef idx="minor">
+            <a:schemeClr val="tx1"/>
+          </a:fontRef>
+        </p:style>
+      </p:cxnSp>
+      <p:sp>
+        <p:nvSpPr>
+          <p:cNvPr id="39" name="Arrow: Curved Down 38">
+            <a:extLst>
+              <a:ext uri="{FF2B5EF4-FFF2-40B4-BE49-F238E27FC236}">
+                <a16:creationId xmlns:a16="http://schemas.microsoft.com/office/drawing/2014/main" id="{AC109981-1D63-7A89-DCA8-B44D6000CA08}"/>
+              </a:ext>
+            </a:extLst>
+          </p:cNvPr>
+          <p:cNvSpPr/>
+          <p:nvPr/>
+        </p:nvSpPr>
+        <p:spPr>
+          <a:xfrm>
+            <a:off x="9405257" y="2230016"/>
+            <a:ext cx="1250302" cy="369332"/>
+          </a:xfrm>
+          <a:prstGeom prst="curvedDownArrow">
+            <a:avLst/>
+          </a:prstGeom>
+          <a:solidFill>
+            <a:srgbClr val="C00000"/>
+          </a:solidFill>
+        </p:spPr>
+        <p:style>
+          <a:lnRef idx="2">
+            <a:schemeClr val="accent1">
+              <a:shade val="15000"/>
+            </a:schemeClr>
+          </a:lnRef>
+          <a:fillRef idx="1">
+            <a:schemeClr val="accent1"/>
+          </a:fillRef>
+          <a:effectRef idx="0">
+            <a:schemeClr val="accent1"/>
+          </a:effectRef>
+          <a:fontRef idx="minor">
+            <a:schemeClr val="lt1"/>
+          </a:fontRef>
+        </p:style>
+        <p:txBody>
+          <a:bodyPr rtlCol="0" anchor="ctr"/>
+          <a:lstStyle/>
+          <a:p>
+            <a:pPr algn="ctr"/>
+            <a:endParaRPr lang="en-US">
+              <a:solidFill>
+                <a:schemeClr val="tx1"/>
+              </a:solidFill>
+            </a:endParaRPr>
+          </a:p>
+        </p:txBody>
+      </p:sp>
+      <p:sp>
+        <p:nvSpPr>
+          <p:cNvPr id="40" name="Arrow: Curved Down 39">
+            <a:extLst>
+              <a:ext uri="{FF2B5EF4-FFF2-40B4-BE49-F238E27FC236}">
+                <a16:creationId xmlns:a16="http://schemas.microsoft.com/office/drawing/2014/main" id="{511AE427-28F9-090D-D26B-9B85E6E9B871}"/>
+              </a:ext>
+            </a:extLst>
+          </p:cNvPr>
+          <p:cNvSpPr/>
+          <p:nvPr/>
+        </p:nvSpPr>
+        <p:spPr>
+          <a:xfrm rot="10800000">
+            <a:off x="9426252" y="3592285"/>
+            <a:ext cx="1250302" cy="369332"/>
+          </a:xfrm>
+          <a:prstGeom prst="curvedDownArrow">
+            <a:avLst/>
+          </a:prstGeom>
+          <a:solidFill>
+            <a:srgbClr val="C00000"/>
+          </a:solidFill>
+        </p:spPr>
+        <p:style>
+          <a:lnRef idx="2">
+            <a:schemeClr val="accent1">
+              <a:shade val="15000"/>
+            </a:schemeClr>
+          </a:lnRef>
+          <a:fillRef idx="1">
+            <a:schemeClr val="accent1"/>
+          </a:fillRef>
+          <a:effectRef idx="0">
+            <a:schemeClr val="accent1"/>
+          </a:effectRef>
+          <a:fontRef idx="minor">
+            <a:schemeClr val="lt1"/>
+          </a:fontRef>
+        </p:style>
+        <p:txBody>
+          <a:bodyPr rtlCol="0" anchor="ctr"/>
+          <a:lstStyle/>
+          <a:p>
+            <a:pPr algn="ctr"/>
+            <a:endParaRPr lang="en-US">
+              <a:solidFill>
+                <a:schemeClr val="tx1"/>
+              </a:solidFill>
+            </a:endParaRPr>
+          </a:p>
+        </p:txBody>
+      </p:sp>
+      <p:sp>
+        <p:nvSpPr>
+          <p:cNvPr id="41" name="TextBox 40">
+            <a:extLst>
+              <a:ext uri="{FF2B5EF4-FFF2-40B4-BE49-F238E27FC236}">
+                <a16:creationId xmlns:a16="http://schemas.microsoft.com/office/drawing/2014/main" id="{D3FF93AA-7B61-9FB8-DEEE-E7453DBA5E6C}"/>
+              </a:ext>
+            </a:extLst>
+          </p:cNvPr>
+          <p:cNvSpPr txBox="1"/>
+          <p:nvPr/>
+        </p:nvSpPr>
+        <p:spPr>
+          <a:xfrm>
+            <a:off x="9535886" y="2953138"/>
+            <a:ext cx="615820" cy="307777"/>
+          </a:xfrm>
+          <a:prstGeom prst="rect">
+            <a:avLst/>
+          </a:prstGeom>
+          <a:noFill/>
+        </p:spPr>
+        <p:txBody>
+          <a:bodyPr wrap="square" rtlCol="0">
+            <a:spAutoFit/>
+          </a:bodyPr>
+          <a:lstStyle/>
+          <a:p>
+            <a:r>
+              <a:rPr lang="en-US" sz="1400" b="1" dirty="0"/>
+              <a:t>Async</a:t>
+            </a:r>
+          </a:p>
+        </p:txBody>
+      </p:sp>
+      <p:sp>
+        <p:nvSpPr>
+          <p:cNvPr id="43" name="Rectangle: Rounded Corners 42">
+            <a:extLst>
+              <a:ext uri="{FF2B5EF4-FFF2-40B4-BE49-F238E27FC236}">
+                <a16:creationId xmlns:a16="http://schemas.microsoft.com/office/drawing/2014/main" id="{B5015193-6A42-7DB9-0B0F-79B8546357FA}"/>
+              </a:ext>
+            </a:extLst>
+          </p:cNvPr>
+          <p:cNvSpPr/>
+          <p:nvPr/>
+        </p:nvSpPr>
+        <p:spPr>
+          <a:xfrm>
+            <a:off x="2948473" y="1810139"/>
+            <a:ext cx="1175658" cy="419877"/>
+          </a:xfrm>
+          <a:prstGeom prst="roundRect">
+            <a:avLst/>
+          </a:prstGeom>
+        </p:spPr>
+        <p:style>
+          <a:lnRef idx="2">
+            <a:schemeClr val="dk1">
+              <a:shade val="15000"/>
+            </a:schemeClr>
+          </a:lnRef>
+          <a:fillRef idx="1">
+            <a:schemeClr val="dk1"/>
+          </a:fillRef>
+          <a:effectRef idx="0">
+            <a:schemeClr val="dk1"/>
+          </a:effectRef>
+          <a:fontRef idx="minor">
+            <a:schemeClr val="lt1"/>
+          </a:fontRef>
+        </p:style>
+        <p:txBody>
+          <a:bodyPr rtlCol="0" anchor="ctr"/>
+          <a:lstStyle/>
+          <a:p>
+            <a:pPr algn="ctr"/>
+            <a:r>
+              <a:rPr lang="en-US" dirty="0"/>
+              <a:t>Identity</a:t>
+            </a:r>
+          </a:p>
+        </p:txBody>
+      </p:sp>
+      <p:sp>
+        <p:nvSpPr>
+          <p:cNvPr id="44" name="Rectangle: Rounded Corners 43">
+            <a:extLst>
+              <a:ext uri="{FF2B5EF4-FFF2-40B4-BE49-F238E27FC236}">
+                <a16:creationId xmlns:a16="http://schemas.microsoft.com/office/drawing/2014/main" id="{11CE0FDC-ABD5-1EFD-B541-762276ABD2CE}"/>
+              </a:ext>
+            </a:extLst>
+          </p:cNvPr>
+          <p:cNvSpPr/>
+          <p:nvPr/>
+        </p:nvSpPr>
+        <p:spPr>
+          <a:xfrm>
+            <a:off x="2920483" y="2270890"/>
+            <a:ext cx="1175658" cy="419878"/>
+          </a:xfrm>
+          <a:prstGeom prst="roundRect">
+            <a:avLst/>
+          </a:prstGeom>
+        </p:spPr>
+        <p:style>
+          <a:lnRef idx="2">
+            <a:schemeClr val="dk1">
+              <a:shade val="15000"/>
+            </a:schemeClr>
+          </a:lnRef>
+          <a:fillRef idx="1">
+            <a:schemeClr val="dk1"/>
+          </a:fillRef>
+          <a:effectRef idx="0">
+            <a:schemeClr val="dk1"/>
+          </a:effectRef>
+          <a:fontRef idx="minor">
+            <a:schemeClr val="lt1"/>
+          </a:fontRef>
+        </p:style>
+        <p:txBody>
+          <a:bodyPr rtlCol="0" anchor="ctr"/>
+          <a:lstStyle/>
+          <a:p>
+            <a:pPr algn="ctr"/>
+            <a:r>
+              <a:rPr lang="en-US" dirty="0"/>
+              <a:t>Exception</a:t>
+            </a:r>
+          </a:p>
+        </p:txBody>
+      </p:sp>
+      <p:sp>
+        <p:nvSpPr>
+          <p:cNvPr id="45" name="Rectangle: Rounded Corners 44">
+            <a:extLst>
+              <a:ext uri="{FF2B5EF4-FFF2-40B4-BE49-F238E27FC236}">
+                <a16:creationId xmlns:a16="http://schemas.microsoft.com/office/drawing/2014/main" id="{6760303E-D617-9B46-0312-19575DD9254C}"/>
+              </a:ext>
+            </a:extLst>
+          </p:cNvPr>
+          <p:cNvSpPr/>
+          <p:nvPr/>
+        </p:nvSpPr>
+        <p:spPr>
+          <a:xfrm>
+            <a:off x="2932146" y="2778441"/>
+            <a:ext cx="1175658" cy="419878"/>
+          </a:xfrm>
+          <a:prstGeom prst="roundRect">
+            <a:avLst/>
+          </a:prstGeom>
+        </p:spPr>
+        <p:style>
+          <a:lnRef idx="2">
+            <a:schemeClr val="dk1">
+              <a:shade val="15000"/>
+            </a:schemeClr>
+          </a:lnRef>
+          <a:fillRef idx="1">
+            <a:schemeClr val="dk1"/>
+          </a:fillRef>
+          <a:effectRef idx="0">
+            <a:schemeClr val="dk1"/>
+          </a:effectRef>
+          <a:fontRef idx="minor">
+            <a:schemeClr val="lt1"/>
+          </a:fontRef>
+        </p:style>
+        <p:txBody>
+          <a:bodyPr rtlCol="0" anchor="ctr"/>
+          <a:lstStyle/>
+          <a:p>
+            <a:pPr algn="ctr"/>
+            <a:r>
+              <a:rPr lang="en-US" dirty="0"/>
+              <a:t>HTTS</a:t>
+            </a:r>
+          </a:p>
+        </p:txBody>
+      </p:sp>
+      <p:sp>
+        <p:nvSpPr>
+          <p:cNvPr id="46" name="Arrow: Right 45">
+            <a:extLst>
+              <a:ext uri="{FF2B5EF4-FFF2-40B4-BE49-F238E27FC236}">
+                <a16:creationId xmlns:a16="http://schemas.microsoft.com/office/drawing/2014/main" id="{999F541C-5DAA-FBE8-C26E-DA243A4D22C6}"/>
+              </a:ext>
+            </a:extLst>
+          </p:cNvPr>
+          <p:cNvSpPr/>
+          <p:nvPr/>
+        </p:nvSpPr>
+        <p:spPr>
+          <a:xfrm>
+            <a:off x="4725958" y="2127689"/>
+            <a:ext cx="1021700" cy="369332"/>
+          </a:xfrm>
+          <a:prstGeom prst="rightArrow">
+            <a:avLst/>
+          </a:prstGeom>
+          <a:solidFill>
+            <a:srgbClr val="FFFF00"/>
+          </a:solidFill>
+        </p:spPr>
+        <p:style>
+          <a:lnRef idx="2">
+            <a:schemeClr val="accent1">
+              <a:shade val="15000"/>
+            </a:schemeClr>
+          </a:lnRef>
+          <a:fillRef idx="1">
+            <a:schemeClr val="accent1"/>
+          </a:fillRef>
+          <a:effectRef idx="0">
+            <a:schemeClr val="accent1"/>
+          </a:effectRef>
+          <a:fontRef idx="minor">
+            <a:schemeClr val="lt1"/>
+          </a:fontRef>
+        </p:style>
+        <p:txBody>
+          <a:bodyPr rtlCol="0" anchor="ctr"/>
+          <a:lstStyle/>
+          <a:p>
+            <a:pPr algn="ctr"/>
+            <a:endParaRPr lang="en-US"/>
+          </a:p>
+        </p:txBody>
+      </p:sp>
+      <p:sp>
+        <p:nvSpPr>
+          <p:cNvPr id="47" name="Arrow: Right 46">
+            <a:extLst>
+              <a:ext uri="{FF2B5EF4-FFF2-40B4-BE49-F238E27FC236}">
+                <a16:creationId xmlns:a16="http://schemas.microsoft.com/office/drawing/2014/main" id="{14E2B3A9-A655-D778-86D5-889230607E21}"/>
+              </a:ext>
+            </a:extLst>
+          </p:cNvPr>
+          <p:cNvSpPr/>
+          <p:nvPr/>
+        </p:nvSpPr>
+        <p:spPr>
+          <a:xfrm>
+            <a:off x="6139543" y="2167656"/>
+            <a:ext cx="1021700" cy="369332"/>
+          </a:xfrm>
+          <a:prstGeom prst="rightArrow">
+            <a:avLst/>
+          </a:prstGeom>
+          <a:solidFill>
+            <a:srgbClr val="FFFF00"/>
+          </a:solidFill>
+        </p:spPr>
+        <p:style>
+          <a:lnRef idx="2">
+            <a:schemeClr val="accent1">
+              <a:shade val="15000"/>
+            </a:schemeClr>
+          </a:lnRef>
+          <a:fillRef idx="1">
+            <a:schemeClr val="accent1"/>
+          </a:fillRef>
+          <a:effectRef idx="0">
+            <a:schemeClr val="accent1"/>
+          </a:effectRef>
+          <a:fontRef idx="minor">
+            <a:schemeClr val="lt1"/>
+          </a:fontRef>
+        </p:style>
+        <p:txBody>
+          <a:bodyPr rtlCol="0" anchor="ctr"/>
+          <a:lstStyle/>
+          <a:p>
+            <a:pPr algn="ctr"/>
+            <a:endParaRPr lang="en-US"/>
+          </a:p>
+        </p:txBody>
+      </p:sp>
+      <p:sp>
+        <p:nvSpPr>
+          <p:cNvPr id="48" name="Arrow: Right 47">
+            <a:extLst>
+              <a:ext uri="{FF2B5EF4-FFF2-40B4-BE49-F238E27FC236}">
+                <a16:creationId xmlns:a16="http://schemas.microsoft.com/office/drawing/2014/main" id="{0645BDF3-EE59-CE3F-7ABD-753AC1D8CDD5}"/>
+              </a:ext>
+            </a:extLst>
+          </p:cNvPr>
+          <p:cNvSpPr/>
+          <p:nvPr/>
+        </p:nvSpPr>
+        <p:spPr>
+          <a:xfrm>
+            <a:off x="7608338" y="2086224"/>
+            <a:ext cx="1021700" cy="369332"/>
+          </a:xfrm>
+          <a:prstGeom prst="rightArrow">
+            <a:avLst/>
+          </a:prstGeom>
+          <a:solidFill>
+            <a:srgbClr val="FFFF00"/>
+          </a:solidFill>
+        </p:spPr>
+        <p:style>
+          <a:lnRef idx="2">
+            <a:schemeClr val="accent1">
+              <a:shade val="15000"/>
+            </a:schemeClr>
+          </a:lnRef>
+          <a:fillRef idx="1">
+            <a:schemeClr val="accent1"/>
+          </a:fillRef>
+          <a:effectRef idx="0">
+            <a:schemeClr val="accent1"/>
+          </a:effectRef>
+          <a:fontRef idx="minor">
+            <a:schemeClr val="lt1"/>
+          </a:fontRef>
+        </p:style>
+        <p:txBody>
+          <a:bodyPr rtlCol="0" anchor="ctr"/>
+          <a:lstStyle/>
+          <a:p>
+            <a:pPr algn="ctr"/>
+            <a:endParaRPr lang="en-US"/>
+          </a:p>
+        </p:txBody>
+      </p:sp>
+      <p:sp>
+        <p:nvSpPr>
+          <p:cNvPr id="49" name="Arrow: Left 48">
+            <a:extLst>
+              <a:ext uri="{FF2B5EF4-FFF2-40B4-BE49-F238E27FC236}">
+                <a16:creationId xmlns:a16="http://schemas.microsoft.com/office/drawing/2014/main" id="{028FA3FC-9D87-BA2B-5715-364BC0A1C629}"/>
+              </a:ext>
+            </a:extLst>
+          </p:cNvPr>
+          <p:cNvSpPr/>
+          <p:nvPr/>
+        </p:nvSpPr>
+        <p:spPr>
+          <a:xfrm>
+            <a:off x="7695814" y="4223374"/>
+            <a:ext cx="841696" cy="369332"/>
+          </a:xfrm>
+          <a:prstGeom prst="leftArrow">
+            <a:avLst/>
+          </a:prstGeom>
+          <a:solidFill>
+            <a:srgbClr val="FFFF00"/>
+          </a:solidFill>
+        </p:spPr>
+        <p:style>
+          <a:lnRef idx="2">
+            <a:schemeClr val="accent1">
+              <a:shade val="15000"/>
+            </a:schemeClr>
+          </a:lnRef>
+          <a:fillRef idx="1">
+            <a:schemeClr val="accent1"/>
+          </a:fillRef>
+          <a:effectRef idx="0">
+            <a:schemeClr val="accent1"/>
+          </a:effectRef>
+          <a:fontRef idx="minor">
+            <a:schemeClr val="lt1"/>
+          </a:fontRef>
+        </p:style>
+        <p:txBody>
+          <a:bodyPr rtlCol="0" anchor="ctr"/>
+          <a:lstStyle/>
+          <a:p>
+            <a:pPr algn="ctr"/>
+            <a:endParaRPr lang="en-US"/>
+          </a:p>
+        </p:txBody>
+      </p:sp>
+      <p:sp>
+        <p:nvSpPr>
+          <p:cNvPr id="50" name="Arrow: Left 49">
+            <a:extLst>
+              <a:ext uri="{FF2B5EF4-FFF2-40B4-BE49-F238E27FC236}">
+                <a16:creationId xmlns:a16="http://schemas.microsoft.com/office/drawing/2014/main" id="{1A12387D-33ED-F02F-1D61-588EE18E1535}"/>
+              </a:ext>
+            </a:extLst>
+          </p:cNvPr>
+          <p:cNvSpPr/>
+          <p:nvPr/>
+        </p:nvSpPr>
+        <p:spPr>
+          <a:xfrm>
+            <a:off x="6206417" y="4136347"/>
+            <a:ext cx="841696" cy="369332"/>
+          </a:xfrm>
+          <a:prstGeom prst="leftArrow">
+            <a:avLst/>
+          </a:prstGeom>
+          <a:solidFill>
+            <a:srgbClr val="FFFF00"/>
+          </a:solidFill>
+        </p:spPr>
+        <p:style>
+          <a:lnRef idx="2">
+            <a:schemeClr val="accent1">
+              <a:shade val="15000"/>
+            </a:schemeClr>
+          </a:lnRef>
+          <a:fillRef idx="1">
+            <a:schemeClr val="accent1"/>
+          </a:fillRef>
+          <a:effectRef idx="0">
+            <a:schemeClr val="accent1"/>
+          </a:effectRef>
+          <a:fontRef idx="minor">
+            <a:schemeClr val="lt1"/>
+          </a:fontRef>
+        </p:style>
+        <p:txBody>
+          <a:bodyPr rtlCol="0" anchor="ctr"/>
+          <a:lstStyle/>
+          <a:p>
+            <a:pPr algn="ctr"/>
+            <a:endParaRPr lang="en-US"/>
+          </a:p>
+        </p:txBody>
+      </p:sp>
+      <p:sp>
+        <p:nvSpPr>
+          <p:cNvPr id="51" name="Arrow: Left 50">
+            <a:extLst>
+              <a:ext uri="{FF2B5EF4-FFF2-40B4-BE49-F238E27FC236}">
+                <a16:creationId xmlns:a16="http://schemas.microsoft.com/office/drawing/2014/main" id="{664964A6-6C98-ADD3-96E3-6284487D5F8D}"/>
+              </a:ext>
+            </a:extLst>
+          </p:cNvPr>
+          <p:cNvSpPr/>
+          <p:nvPr/>
+        </p:nvSpPr>
+        <p:spPr>
+          <a:xfrm>
+            <a:off x="4767169" y="4093851"/>
+            <a:ext cx="841696" cy="369332"/>
+          </a:xfrm>
+          <a:prstGeom prst="leftArrow">
+            <a:avLst/>
+          </a:prstGeom>
+          <a:solidFill>
+            <a:srgbClr val="FFFF00"/>
+          </a:solidFill>
+        </p:spPr>
+        <p:style>
+          <a:lnRef idx="2">
+            <a:schemeClr val="accent1">
+              <a:shade val="15000"/>
+            </a:schemeClr>
+          </a:lnRef>
+          <a:fillRef idx="1">
+            <a:schemeClr val="accent1"/>
+          </a:fillRef>
+          <a:effectRef idx="0">
+            <a:schemeClr val="accent1"/>
+          </a:effectRef>
+          <a:fontRef idx="minor">
+            <a:schemeClr val="lt1"/>
+          </a:fontRef>
+        </p:style>
+        <p:txBody>
+          <a:bodyPr rtlCol="0" anchor="ctr"/>
+          <a:lstStyle/>
+          <a:p>
+            <a:pPr algn="ctr"/>
+            <a:endParaRPr lang="en-US"/>
+          </a:p>
+        </p:txBody>
+      </p:sp>
+    </p:spTree>
+    <p:extLst>
+      <p:ext uri="{BB962C8B-B14F-4D97-AF65-F5344CB8AC3E}">
+        <p14:creationId xmlns:p14="http://schemas.microsoft.com/office/powerpoint/2010/main" val="210221662"/>
       </p:ext>
     </p:extLst>
   </p:cSld>

--- a/ppts.pptx
+++ b/ppts.pptx
@@ -34,6 +34,9 @@
     <p:sldId id="282" r:id="rId28"/>
     <p:sldId id="283" r:id="rId29"/>
     <p:sldId id="284" r:id="rId30"/>
+    <p:sldId id="285" r:id="rId31"/>
+    <p:sldId id="286" r:id="rId32"/>
+    <p:sldId id="287" r:id="rId33"/>
   </p:sldIdLst>
   <p:sldSz cx="12192000" cy="6858000"/>
   <p:notesSz cx="6858000" cy="9144000"/>
@@ -26469,6 +26472,1634 @@
 </p:sld>
 </file>
 
+<file path=ppt/slides/slide30.xml><?xml version="1.0" encoding="utf-8"?>
+<p:sld xmlns:a="http://schemas.openxmlformats.org/drawingml/2006/main" xmlns:r="http://schemas.openxmlformats.org/officeDocument/2006/relationships" xmlns:p="http://schemas.openxmlformats.org/presentationml/2006/main">
+  <p:cSld>
+    <p:spTree>
+      <p:nvGrpSpPr>
+        <p:cNvPr id="1" name=""/>
+        <p:cNvGrpSpPr/>
+        <p:nvPr/>
+      </p:nvGrpSpPr>
+      <p:grpSpPr>
+        <a:xfrm>
+          <a:off x="0" y="0"/>
+          <a:ext cx="0" cy="0"/>
+          <a:chOff x="0" y="0"/>
+          <a:chExt cx="0" cy="0"/>
+        </a:xfrm>
+      </p:grpSpPr>
+      <p:sp>
+        <p:nvSpPr>
+          <p:cNvPr id="2" name="Rectangle 1">
+            <a:extLst>
+              <a:ext uri="{FF2B5EF4-FFF2-40B4-BE49-F238E27FC236}">
+                <a16:creationId xmlns:a16="http://schemas.microsoft.com/office/drawing/2014/main" id="{F47F505C-182C-18C1-2255-A59A8B0DD380}"/>
+              </a:ext>
+            </a:extLst>
+          </p:cNvPr>
+          <p:cNvSpPr/>
+          <p:nvPr/>
+        </p:nvSpPr>
+        <p:spPr>
+          <a:xfrm>
+            <a:off x="4187890" y="149290"/>
+            <a:ext cx="3816220" cy="6382139"/>
+          </a:xfrm>
+          <a:prstGeom prst="rect">
+            <a:avLst/>
+          </a:prstGeom>
+        </p:spPr>
+        <p:style>
+          <a:lnRef idx="2">
+            <a:schemeClr val="accent6"/>
+          </a:lnRef>
+          <a:fillRef idx="1">
+            <a:schemeClr val="lt1"/>
+          </a:fillRef>
+          <a:effectRef idx="0">
+            <a:schemeClr val="accent6"/>
+          </a:effectRef>
+          <a:fontRef idx="minor">
+            <a:schemeClr val="dk1"/>
+          </a:fontRef>
+        </p:style>
+        <p:txBody>
+          <a:bodyPr rtlCol="0" anchor="ctr"/>
+          <a:lstStyle/>
+          <a:p>
+            <a:pPr algn="ctr"/>
+            <a:endParaRPr lang="en-US"/>
+          </a:p>
+        </p:txBody>
+      </p:sp>
+      <p:sp>
+        <p:nvSpPr>
+          <p:cNvPr id="3" name="TextBox 2">
+            <a:extLst>
+              <a:ext uri="{FF2B5EF4-FFF2-40B4-BE49-F238E27FC236}">
+                <a16:creationId xmlns:a16="http://schemas.microsoft.com/office/drawing/2014/main" id="{31351EB6-B79C-2A93-0DBF-FBDE9ADD0159}"/>
+              </a:ext>
+            </a:extLst>
+          </p:cNvPr>
+          <p:cNvSpPr txBox="1"/>
+          <p:nvPr/>
+        </p:nvSpPr>
+        <p:spPr>
+          <a:xfrm>
+            <a:off x="4534678" y="326571"/>
+            <a:ext cx="3051110" cy="369332"/>
+          </a:xfrm>
+          <a:prstGeom prst="rect">
+            <a:avLst/>
+          </a:prstGeom>
+          <a:noFill/>
+        </p:spPr>
+        <p:txBody>
+          <a:bodyPr wrap="square" rtlCol="0">
+            <a:spAutoFit/>
+          </a:bodyPr>
+          <a:lstStyle/>
+          <a:p>
+            <a:pPr algn="ctr"/>
+            <a:r>
+              <a:rPr lang="en-US" dirty="0"/>
+              <a:t>Hosting Env.</a:t>
+            </a:r>
+          </a:p>
+        </p:txBody>
+      </p:sp>
+      <p:sp>
+        <p:nvSpPr>
+          <p:cNvPr id="4" name="Arrow: Right 3">
+            <a:extLst>
+              <a:ext uri="{FF2B5EF4-FFF2-40B4-BE49-F238E27FC236}">
+                <a16:creationId xmlns:a16="http://schemas.microsoft.com/office/drawing/2014/main" id="{C9D3364E-B5FD-67D7-2E0A-0793A56F5822}"/>
+              </a:ext>
+            </a:extLst>
+          </p:cNvPr>
+          <p:cNvSpPr/>
+          <p:nvPr/>
+        </p:nvSpPr>
+        <p:spPr>
+          <a:xfrm>
+            <a:off x="363894" y="1035698"/>
+            <a:ext cx="3816220" cy="653143"/>
+          </a:xfrm>
+          <a:prstGeom prst="rightArrow">
+            <a:avLst/>
+          </a:prstGeom>
+        </p:spPr>
+        <p:style>
+          <a:lnRef idx="2">
+            <a:schemeClr val="accent1">
+              <a:shade val="15000"/>
+            </a:schemeClr>
+          </a:lnRef>
+          <a:fillRef idx="1">
+            <a:schemeClr val="accent1"/>
+          </a:fillRef>
+          <a:effectRef idx="0">
+            <a:schemeClr val="accent1"/>
+          </a:effectRef>
+          <a:fontRef idx="minor">
+            <a:schemeClr val="lt1"/>
+          </a:fontRef>
+        </p:style>
+        <p:txBody>
+          <a:bodyPr rtlCol="0" anchor="ctr"/>
+          <a:lstStyle/>
+          <a:p>
+            <a:pPr algn="ctr"/>
+            <a:r>
+              <a:rPr lang="en-US" dirty="0"/>
+              <a:t>Request</a:t>
+            </a:r>
+          </a:p>
+        </p:txBody>
+      </p:sp>
+      <p:sp>
+        <p:nvSpPr>
+          <p:cNvPr id="5" name="Rectangle 4">
+            <a:extLst>
+              <a:ext uri="{FF2B5EF4-FFF2-40B4-BE49-F238E27FC236}">
+                <a16:creationId xmlns:a16="http://schemas.microsoft.com/office/drawing/2014/main" id="{F9A9BAE7-80C4-7C6F-3C7E-FC0B0762C085}"/>
+              </a:ext>
+            </a:extLst>
+          </p:cNvPr>
+          <p:cNvSpPr/>
+          <p:nvPr/>
+        </p:nvSpPr>
+        <p:spPr>
+          <a:xfrm>
+            <a:off x="4282751" y="1240971"/>
+            <a:ext cx="3721359" cy="369332"/>
+          </a:xfrm>
+          <a:prstGeom prst="rect">
+            <a:avLst/>
+          </a:prstGeom>
+        </p:spPr>
+        <p:style>
+          <a:lnRef idx="2">
+            <a:schemeClr val="accent1">
+              <a:shade val="15000"/>
+            </a:schemeClr>
+          </a:lnRef>
+          <a:fillRef idx="1">
+            <a:schemeClr val="accent1"/>
+          </a:fillRef>
+          <a:effectRef idx="0">
+            <a:schemeClr val="accent1"/>
+          </a:effectRef>
+          <a:fontRef idx="minor">
+            <a:schemeClr val="lt1"/>
+          </a:fontRef>
+        </p:style>
+        <p:txBody>
+          <a:bodyPr rtlCol="0" anchor="ctr"/>
+          <a:lstStyle/>
+          <a:p>
+            <a:pPr algn="ctr"/>
+            <a:r>
+              <a:rPr lang="en-US" dirty="0"/>
+              <a:t>Listener for the request</a:t>
+            </a:r>
+          </a:p>
+        </p:txBody>
+      </p:sp>
+      <p:sp>
+        <p:nvSpPr>
+          <p:cNvPr id="6" name="Arrow: Down 5">
+            <a:extLst>
+              <a:ext uri="{FF2B5EF4-FFF2-40B4-BE49-F238E27FC236}">
+                <a16:creationId xmlns:a16="http://schemas.microsoft.com/office/drawing/2014/main" id="{E68F858E-F862-16DA-6F27-C6C4B56F82D1}"/>
+              </a:ext>
+            </a:extLst>
+          </p:cNvPr>
+          <p:cNvSpPr/>
+          <p:nvPr/>
+        </p:nvSpPr>
+        <p:spPr>
+          <a:xfrm>
+            <a:off x="6088224" y="1610303"/>
+            <a:ext cx="342122" cy="479754"/>
+          </a:xfrm>
+          <a:prstGeom prst="downArrow">
+            <a:avLst/>
+          </a:prstGeom>
+        </p:spPr>
+        <p:style>
+          <a:lnRef idx="2">
+            <a:schemeClr val="accent1">
+              <a:shade val="15000"/>
+            </a:schemeClr>
+          </a:lnRef>
+          <a:fillRef idx="1">
+            <a:schemeClr val="accent1"/>
+          </a:fillRef>
+          <a:effectRef idx="0">
+            <a:schemeClr val="accent1"/>
+          </a:effectRef>
+          <a:fontRef idx="minor">
+            <a:schemeClr val="lt1"/>
+          </a:fontRef>
+        </p:style>
+        <p:txBody>
+          <a:bodyPr rtlCol="0" anchor="ctr"/>
+          <a:lstStyle/>
+          <a:p>
+            <a:pPr algn="ctr"/>
+            <a:endParaRPr lang="en-US"/>
+          </a:p>
+        </p:txBody>
+      </p:sp>
+      <p:sp>
+        <p:nvSpPr>
+          <p:cNvPr id="7" name="Rectangle 6">
+            <a:extLst>
+              <a:ext uri="{FF2B5EF4-FFF2-40B4-BE49-F238E27FC236}">
+                <a16:creationId xmlns:a16="http://schemas.microsoft.com/office/drawing/2014/main" id="{8F8FF624-1B22-B481-4049-5EAA542D53AC}"/>
+              </a:ext>
+            </a:extLst>
+          </p:cNvPr>
+          <p:cNvSpPr/>
+          <p:nvPr/>
+        </p:nvSpPr>
+        <p:spPr>
+          <a:xfrm>
+            <a:off x="4274975" y="2155371"/>
+            <a:ext cx="3656045" cy="2845837"/>
+          </a:xfrm>
+          <a:prstGeom prst="rect">
+            <a:avLst/>
+          </a:prstGeom>
+        </p:spPr>
+        <p:style>
+          <a:lnRef idx="1">
+            <a:schemeClr val="accent2"/>
+          </a:lnRef>
+          <a:fillRef idx="2">
+            <a:schemeClr val="accent2"/>
+          </a:fillRef>
+          <a:effectRef idx="1">
+            <a:schemeClr val="accent2"/>
+          </a:effectRef>
+          <a:fontRef idx="minor">
+            <a:schemeClr val="dk1"/>
+          </a:fontRef>
+        </p:style>
+        <p:txBody>
+          <a:bodyPr rtlCol="0" anchor="ctr"/>
+          <a:lstStyle/>
+          <a:p>
+            <a:pPr algn="ctr"/>
+            <a:endParaRPr lang="en-US"/>
+          </a:p>
+        </p:txBody>
+      </p:sp>
+      <p:sp>
+        <p:nvSpPr>
+          <p:cNvPr id="8" name="TextBox 7">
+            <a:extLst>
+              <a:ext uri="{FF2B5EF4-FFF2-40B4-BE49-F238E27FC236}">
+                <a16:creationId xmlns:a16="http://schemas.microsoft.com/office/drawing/2014/main" id="{2BE1CBE6-F3B1-3B08-05CF-9CD6B915456F}"/>
+              </a:ext>
+            </a:extLst>
+          </p:cNvPr>
+          <p:cNvSpPr txBox="1"/>
+          <p:nvPr/>
+        </p:nvSpPr>
+        <p:spPr>
+          <a:xfrm>
+            <a:off x="4422710" y="2295331"/>
+            <a:ext cx="3293706" cy="369332"/>
+          </a:xfrm>
+          <a:prstGeom prst="rect">
+            <a:avLst/>
+          </a:prstGeom>
+          <a:noFill/>
+        </p:spPr>
+        <p:txBody>
+          <a:bodyPr wrap="square" rtlCol="0">
+            <a:spAutoFit/>
+          </a:bodyPr>
+          <a:lstStyle/>
+          <a:p>
+            <a:pPr algn="ctr"/>
+            <a:r>
+              <a:rPr lang="en-US" dirty="0"/>
+              <a:t>Asp.NET Core Runtime</a:t>
+            </a:r>
+          </a:p>
+        </p:txBody>
+      </p:sp>
+      <p:sp>
+        <p:nvSpPr>
+          <p:cNvPr id="9" name="Rectangle: Rounded Corners 8">
+            <a:extLst>
+              <a:ext uri="{FF2B5EF4-FFF2-40B4-BE49-F238E27FC236}">
+                <a16:creationId xmlns:a16="http://schemas.microsoft.com/office/drawing/2014/main" id="{EF34F7C9-2DF7-4928-FB0C-DFEEE4A30286}"/>
+              </a:ext>
+            </a:extLst>
+          </p:cNvPr>
+          <p:cNvSpPr/>
+          <p:nvPr/>
+        </p:nvSpPr>
+        <p:spPr>
+          <a:xfrm>
+            <a:off x="4422710" y="3004457"/>
+            <a:ext cx="3293706" cy="424543"/>
+          </a:xfrm>
+          <a:prstGeom prst="roundRect">
+            <a:avLst/>
+          </a:prstGeom>
+        </p:spPr>
+        <p:style>
+          <a:lnRef idx="2">
+            <a:schemeClr val="accent1">
+              <a:shade val="15000"/>
+            </a:schemeClr>
+          </a:lnRef>
+          <a:fillRef idx="1">
+            <a:schemeClr val="accent1"/>
+          </a:fillRef>
+          <a:effectRef idx="0">
+            <a:schemeClr val="accent1"/>
+          </a:effectRef>
+          <a:fontRef idx="minor">
+            <a:schemeClr val="lt1"/>
+          </a:fontRef>
+        </p:style>
+        <p:txBody>
+          <a:bodyPr rtlCol="0" anchor="ctr"/>
+          <a:lstStyle/>
+          <a:p>
+            <a:pPr algn="ctr"/>
+            <a:r>
+              <a:rPr lang="en-US" b="1" dirty="0"/>
+              <a:t>Services</a:t>
+            </a:r>
+          </a:p>
+        </p:txBody>
+      </p:sp>
+      <p:sp>
+        <p:nvSpPr>
+          <p:cNvPr id="10" name="Rectangle: Rounded Corners 9">
+            <a:extLst>
+              <a:ext uri="{FF2B5EF4-FFF2-40B4-BE49-F238E27FC236}">
+                <a16:creationId xmlns:a16="http://schemas.microsoft.com/office/drawing/2014/main" id="{4D1F1F3B-8471-5A3D-3019-A7A4B6E6E41E}"/>
+              </a:ext>
+            </a:extLst>
+          </p:cNvPr>
+          <p:cNvSpPr/>
+          <p:nvPr/>
+        </p:nvSpPr>
+        <p:spPr>
+          <a:xfrm>
+            <a:off x="4413380" y="3578289"/>
+            <a:ext cx="3293706" cy="424543"/>
+          </a:xfrm>
+          <a:prstGeom prst="roundRect">
+            <a:avLst/>
+          </a:prstGeom>
+        </p:spPr>
+        <p:style>
+          <a:lnRef idx="2">
+            <a:schemeClr val="accent1">
+              <a:shade val="15000"/>
+            </a:schemeClr>
+          </a:lnRef>
+          <a:fillRef idx="1">
+            <a:schemeClr val="accent1"/>
+          </a:fillRef>
+          <a:effectRef idx="0">
+            <a:schemeClr val="accent1"/>
+          </a:effectRef>
+          <a:fontRef idx="minor">
+            <a:schemeClr val="lt1"/>
+          </a:fontRef>
+        </p:style>
+        <p:txBody>
+          <a:bodyPr rtlCol="0" anchor="ctr"/>
+          <a:lstStyle/>
+          <a:p>
+            <a:pPr algn="ctr"/>
+            <a:r>
+              <a:rPr lang="en-US" b="1" dirty="0"/>
+              <a:t>Middlewares</a:t>
+            </a:r>
+          </a:p>
+        </p:txBody>
+      </p:sp>
+      <p:sp>
+        <p:nvSpPr>
+          <p:cNvPr id="11" name="Rectangle: Rounded Corners 10">
+            <a:extLst>
+              <a:ext uri="{FF2B5EF4-FFF2-40B4-BE49-F238E27FC236}">
+                <a16:creationId xmlns:a16="http://schemas.microsoft.com/office/drawing/2014/main" id="{9DA1B205-B7DC-D2D5-CC67-22CB9207D21F}"/>
+              </a:ext>
+            </a:extLst>
+          </p:cNvPr>
+          <p:cNvSpPr/>
+          <p:nvPr/>
+        </p:nvSpPr>
+        <p:spPr>
+          <a:xfrm>
+            <a:off x="4413380" y="4152121"/>
+            <a:ext cx="3293706" cy="424543"/>
+          </a:xfrm>
+          <a:prstGeom prst="roundRect">
+            <a:avLst/>
+          </a:prstGeom>
+        </p:spPr>
+        <p:style>
+          <a:lnRef idx="2">
+            <a:schemeClr val="accent1">
+              <a:shade val="15000"/>
+            </a:schemeClr>
+          </a:lnRef>
+          <a:fillRef idx="1">
+            <a:schemeClr val="accent1"/>
+          </a:fillRef>
+          <a:effectRef idx="0">
+            <a:schemeClr val="accent1"/>
+          </a:effectRef>
+          <a:fontRef idx="minor">
+            <a:schemeClr val="lt1"/>
+          </a:fontRef>
+        </p:style>
+        <p:txBody>
+          <a:bodyPr rtlCol="0" anchor="ctr"/>
+          <a:lstStyle/>
+          <a:p>
+            <a:pPr algn="ctr"/>
+            <a:r>
+              <a:rPr lang="en-US" b="1" dirty="0"/>
+              <a:t>Controller Execution </a:t>
+            </a:r>
+          </a:p>
+        </p:txBody>
+      </p:sp>
+      <p:sp>
+        <p:nvSpPr>
+          <p:cNvPr id="12" name="Arrow: Left 11">
+            <a:extLst>
+              <a:ext uri="{FF2B5EF4-FFF2-40B4-BE49-F238E27FC236}">
+                <a16:creationId xmlns:a16="http://schemas.microsoft.com/office/drawing/2014/main" id="{6AAF3E49-EF86-6DC9-741A-E5BC26F9606F}"/>
+              </a:ext>
+            </a:extLst>
+          </p:cNvPr>
+          <p:cNvSpPr/>
+          <p:nvPr/>
+        </p:nvSpPr>
+        <p:spPr>
+          <a:xfrm>
+            <a:off x="438539" y="3790560"/>
+            <a:ext cx="3741575" cy="653143"/>
+          </a:xfrm>
+          <a:prstGeom prst="leftArrow">
+            <a:avLst/>
+          </a:prstGeom>
+        </p:spPr>
+        <p:style>
+          <a:lnRef idx="2">
+            <a:schemeClr val="accent1">
+              <a:shade val="15000"/>
+            </a:schemeClr>
+          </a:lnRef>
+          <a:fillRef idx="1">
+            <a:schemeClr val="accent1"/>
+          </a:fillRef>
+          <a:effectRef idx="0">
+            <a:schemeClr val="accent1"/>
+          </a:effectRef>
+          <a:fontRef idx="minor">
+            <a:schemeClr val="lt1"/>
+          </a:fontRef>
+        </p:style>
+        <p:txBody>
+          <a:bodyPr rtlCol="0" anchor="ctr"/>
+          <a:lstStyle/>
+          <a:p>
+            <a:pPr algn="ctr"/>
+            <a:r>
+              <a:rPr lang="en-US" dirty="0" err="1"/>
+              <a:t>Respose</a:t>
+            </a:r>
+            <a:endParaRPr lang="en-US" dirty="0"/>
+          </a:p>
+        </p:txBody>
+      </p:sp>
+    </p:spTree>
+    <p:extLst>
+      <p:ext uri="{BB962C8B-B14F-4D97-AF65-F5344CB8AC3E}">
+        <p14:creationId xmlns:p14="http://schemas.microsoft.com/office/powerpoint/2010/main" val="1377408706"/>
+      </p:ext>
+    </p:extLst>
+  </p:cSld>
+  <p:clrMapOvr>
+    <a:masterClrMapping/>
+  </p:clrMapOvr>
+</p:sld>
+</file>
+
+<file path=ppt/slides/slide31.xml><?xml version="1.0" encoding="utf-8"?>
+<p:sld xmlns:a="http://schemas.openxmlformats.org/drawingml/2006/main" xmlns:r="http://schemas.openxmlformats.org/officeDocument/2006/relationships" xmlns:p="http://schemas.openxmlformats.org/presentationml/2006/main">
+  <p:cSld>
+    <p:spTree>
+      <p:nvGrpSpPr>
+        <p:cNvPr id="1" name=""/>
+        <p:cNvGrpSpPr/>
+        <p:nvPr/>
+      </p:nvGrpSpPr>
+      <p:grpSpPr>
+        <a:xfrm>
+          <a:off x="0" y="0"/>
+          <a:ext cx="0" cy="0"/>
+          <a:chOff x="0" y="0"/>
+          <a:chExt cx="0" cy="0"/>
+        </a:xfrm>
+      </p:grpSpPr>
+      <p:pic>
+        <p:nvPicPr>
+          <p:cNvPr id="11" name="Picture 10">
+            <a:extLst>
+              <a:ext uri="{FF2B5EF4-FFF2-40B4-BE49-F238E27FC236}">
+                <a16:creationId xmlns:a16="http://schemas.microsoft.com/office/drawing/2014/main" id="{473731EE-C9A9-77B8-1893-19691A638F1C}"/>
+              </a:ext>
+            </a:extLst>
+          </p:cNvPr>
+          <p:cNvPicPr>
+            <a:picLocks noChangeAspect="1"/>
+          </p:cNvPicPr>
+          <p:nvPr/>
+        </p:nvPicPr>
+        <p:blipFill>
+          <a:blip r:embed="rId2">
+            <a:extLst>
+              <a:ext uri="{28A0092B-C50C-407E-A947-70E740481C1C}">
+                <a14:useLocalDpi xmlns:a14="http://schemas.microsoft.com/office/drawing/2010/main" val="0"/>
+              </a:ext>
+            </a:extLst>
+          </a:blip>
+          <a:stretch>
+            <a:fillRect/>
+          </a:stretch>
+        </p:blipFill>
+        <p:spPr>
+          <a:xfrm>
+            <a:off x="7775" y="0"/>
+            <a:ext cx="12176449" cy="6858000"/>
+          </a:xfrm>
+          <a:prstGeom prst="rect">
+            <a:avLst/>
+          </a:prstGeom>
+        </p:spPr>
+      </p:pic>
+    </p:spTree>
+    <p:extLst>
+      <p:ext uri="{BB962C8B-B14F-4D97-AF65-F5344CB8AC3E}">
+        <p14:creationId xmlns:p14="http://schemas.microsoft.com/office/powerpoint/2010/main" val="3656564201"/>
+      </p:ext>
+    </p:extLst>
+  </p:cSld>
+  <p:clrMapOvr>
+    <a:masterClrMapping/>
+  </p:clrMapOvr>
+</p:sld>
+</file>
+
+<file path=ppt/slides/slide32.xml><?xml version="1.0" encoding="utf-8"?>
+<p:sld xmlns:a="http://schemas.openxmlformats.org/drawingml/2006/main" xmlns:r="http://schemas.openxmlformats.org/officeDocument/2006/relationships" xmlns:p="http://schemas.openxmlformats.org/presentationml/2006/main">
+  <p:cSld>
+    <p:spTree>
+      <p:nvGrpSpPr>
+        <p:cNvPr id="1" name=""/>
+        <p:cNvGrpSpPr/>
+        <p:nvPr/>
+      </p:nvGrpSpPr>
+      <p:grpSpPr>
+        <a:xfrm>
+          <a:off x="0" y="0"/>
+          <a:ext cx="0" cy="0"/>
+          <a:chOff x="0" y="0"/>
+          <a:chExt cx="0" cy="0"/>
+        </a:xfrm>
+      </p:grpSpPr>
+      <p:sp>
+        <p:nvSpPr>
+          <p:cNvPr id="2" name="Rectangle: Rounded Corners 1">
+            <a:extLst>
+              <a:ext uri="{FF2B5EF4-FFF2-40B4-BE49-F238E27FC236}">
+                <a16:creationId xmlns:a16="http://schemas.microsoft.com/office/drawing/2014/main" id="{2C4CBE24-D16B-CC1A-3901-D5F65E8F2BD5}"/>
+              </a:ext>
+            </a:extLst>
+          </p:cNvPr>
+          <p:cNvSpPr/>
+          <p:nvPr/>
+        </p:nvSpPr>
+        <p:spPr>
+          <a:xfrm>
+            <a:off x="415213" y="242596"/>
+            <a:ext cx="2794518" cy="671803"/>
+          </a:xfrm>
+          <a:prstGeom prst="roundRect">
+            <a:avLst/>
+          </a:prstGeom>
+        </p:spPr>
+        <p:style>
+          <a:lnRef idx="2">
+            <a:schemeClr val="accent1">
+              <a:shade val="15000"/>
+            </a:schemeClr>
+          </a:lnRef>
+          <a:fillRef idx="1">
+            <a:schemeClr val="accent1"/>
+          </a:fillRef>
+          <a:effectRef idx="0">
+            <a:schemeClr val="accent1"/>
+          </a:effectRef>
+          <a:fontRef idx="minor">
+            <a:schemeClr val="lt1"/>
+          </a:fontRef>
+        </p:style>
+        <p:txBody>
+          <a:bodyPr rtlCol="0" anchor="ctr"/>
+          <a:lstStyle/>
+          <a:p>
+            <a:pPr algn="ctr"/>
+            <a:r>
+              <a:rPr lang="en-US" sz="1400" dirty="0"/>
+              <a:t>Controller is requested and its Security is checked</a:t>
+            </a:r>
+          </a:p>
+        </p:txBody>
+      </p:sp>
+      <p:sp>
+        <p:nvSpPr>
+          <p:cNvPr id="3" name="Arrow: Right 2">
+            <a:extLst>
+              <a:ext uri="{FF2B5EF4-FFF2-40B4-BE49-F238E27FC236}">
+                <a16:creationId xmlns:a16="http://schemas.microsoft.com/office/drawing/2014/main" id="{E80D7B13-AC2A-2BE1-6FF0-ADAF3F5D4312}"/>
+              </a:ext>
+            </a:extLst>
+          </p:cNvPr>
+          <p:cNvSpPr/>
+          <p:nvPr/>
+        </p:nvSpPr>
+        <p:spPr>
+          <a:xfrm>
+            <a:off x="3209731" y="494522"/>
+            <a:ext cx="839755" cy="195943"/>
+          </a:xfrm>
+          <a:prstGeom prst="rightArrow">
+            <a:avLst/>
+          </a:prstGeom>
+        </p:spPr>
+        <p:style>
+          <a:lnRef idx="2">
+            <a:schemeClr val="accent1">
+              <a:shade val="15000"/>
+            </a:schemeClr>
+          </a:lnRef>
+          <a:fillRef idx="1">
+            <a:schemeClr val="accent1"/>
+          </a:fillRef>
+          <a:effectRef idx="0">
+            <a:schemeClr val="accent1"/>
+          </a:effectRef>
+          <a:fontRef idx="minor">
+            <a:schemeClr val="lt1"/>
+          </a:fontRef>
+        </p:style>
+        <p:txBody>
+          <a:bodyPr rtlCol="0" anchor="ctr"/>
+          <a:lstStyle/>
+          <a:p>
+            <a:pPr algn="ctr"/>
+            <a:endParaRPr lang="en-US" sz="1400"/>
+          </a:p>
+        </p:txBody>
+      </p:sp>
+      <p:sp>
+        <p:nvSpPr>
+          <p:cNvPr id="4" name="TextBox 3">
+            <a:extLst>
+              <a:ext uri="{FF2B5EF4-FFF2-40B4-BE49-F238E27FC236}">
+                <a16:creationId xmlns:a16="http://schemas.microsoft.com/office/drawing/2014/main" id="{CD092C2B-4063-91E4-BA30-3A5821936D58}"/>
+              </a:ext>
+            </a:extLst>
+          </p:cNvPr>
+          <p:cNvSpPr txBox="1"/>
+          <p:nvPr/>
+        </p:nvSpPr>
+        <p:spPr>
+          <a:xfrm>
+            <a:off x="3321698" y="158620"/>
+            <a:ext cx="513184" cy="307777"/>
+          </a:xfrm>
+          <a:prstGeom prst="rect">
+            <a:avLst/>
+          </a:prstGeom>
+          <a:noFill/>
+        </p:spPr>
+        <p:txBody>
+          <a:bodyPr wrap="square" rtlCol="0">
+            <a:spAutoFit/>
+          </a:bodyPr>
+          <a:lstStyle/>
+          <a:p>
+            <a:r>
+              <a:rPr lang="en-US" sz="1400" dirty="0"/>
+              <a:t>Yes</a:t>
+            </a:r>
+          </a:p>
+        </p:txBody>
+      </p:sp>
+      <p:sp>
+        <p:nvSpPr>
+          <p:cNvPr id="5" name="Rectangle: Rounded Corners 4">
+            <a:extLst>
+              <a:ext uri="{FF2B5EF4-FFF2-40B4-BE49-F238E27FC236}">
+                <a16:creationId xmlns:a16="http://schemas.microsoft.com/office/drawing/2014/main" id="{E50AD477-636C-BDBE-0234-F94A9279C459}"/>
+              </a:ext>
+            </a:extLst>
+          </p:cNvPr>
+          <p:cNvSpPr/>
+          <p:nvPr/>
+        </p:nvSpPr>
+        <p:spPr>
+          <a:xfrm>
+            <a:off x="4049486" y="242595"/>
+            <a:ext cx="2649894" cy="578499"/>
+          </a:xfrm>
+          <a:prstGeom prst="roundRect">
+            <a:avLst/>
+          </a:prstGeom>
+        </p:spPr>
+        <p:style>
+          <a:lnRef idx="2">
+            <a:schemeClr val="accent1">
+              <a:shade val="15000"/>
+            </a:schemeClr>
+          </a:lnRef>
+          <a:fillRef idx="1">
+            <a:schemeClr val="accent1"/>
+          </a:fillRef>
+          <a:effectRef idx="0">
+            <a:schemeClr val="accent1"/>
+          </a:effectRef>
+          <a:fontRef idx="minor">
+            <a:schemeClr val="lt1"/>
+          </a:fontRef>
+        </p:style>
+        <p:txBody>
+          <a:bodyPr rtlCol="0" anchor="ctr"/>
+          <a:lstStyle/>
+          <a:p>
+            <a:pPr algn="ctr"/>
+            <a:r>
+              <a:rPr lang="en-US" sz="1400" dirty="0"/>
+              <a:t>Constructor is called and dependency is injected</a:t>
+            </a:r>
+          </a:p>
+        </p:txBody>
+      </p:sp>
+      <p:cxnSp>
+        <p:nvCxnSpPr>
+          <p:cNvPr id="7" name="Connector: Elbow 6">
+            <a:extLst>
+              <a:ext uri="{FF2B5EF4-FFF2-40B4-BE49-F238E27FC236}">
+                <a16:creationId xmlns:a16="http://schemas.microsoft.com/office/drawing/2014/main" id="{2EFE04B6-06ED-CBA7-27A6-3DE384F6A301}"/>
+              </a:ext>
+            </a:extLst>
+          </p:cNvPr>
+          <p:cNvCxnSpPr>
+            <a:stCxn id="2" idx="2"/>
+          </p:cNvCxnSpPr>
+          <p:nvPr/>
+        </p:nvCxnSpPr>
+        <p:spPr>
+          <a:xfrm rot="5400000">
+            <a:off x="1041530" y="572665"/>
+            <a:ext cx="429209" cy="1112676"/>
+          </a:xfrm>
+          <a:prstGeom prst="bentConnector2">
+            <a:avLst/>
+          </a:prstGeom>
+          <a:ln>
+            <a:tailEnd type="triangle"/>
+          </a:ln>
+        </p:spPr>
+        <p:style>
+          <a:lnRef idx="1">
+            <a:schemeClr val="accent1"/>
+          </a:lnRef>
+          <a:fillRef idx="0">
+            <a:schemeClr val="accent1"/>
+          </a:fillRef>
+          <a:effectRef idx="0">
+            <a:schemeClr val="accent1"/>
+          </a:effectRef>
+          <a:fontRef idx="minor">
+            <a:schemeClr val="tx1"/>
+          </a:fontRef>
+        </p:style>
+      </p:cxnSp>
+      <p:sp>
+        <p:nvSpPr>
+          <p:cNvPr id="8" name="TextBox 7">
+            <a:extLst>
+              <a:ext uri="{FF2B5EF4-FFF2-40B4-BE49-F238E27FC236}">
+                <a16:creationId xmlns:a16="http://schemas.microsoft.com/office/drawing/2014/main" id="{311FD59C-F862-5749-A6BA-7D61EC442D00}"/>
+              </a:ext>
+            </a:extLst>
+          </p:cNvPr>
+          <p:cNvSpPr txBox="1"/>
+          <p:nvPr/>
+        </p:nvSpPr>
+        <p:spPr>
+          <a:xfrm>
+            <a:off x="1045029" y="1026367"/>
+            <a:ext cx="1632857" cy="307777"/>
+          </a:xfrm>
+          <a:prstGeom prst="rect">
+            <a:avLst/>
+          </a:prstGeom>
+          <a:noFill/>
+        </p:spPr>
+        <p:txBody>
+          <a:bodyPr wrap="square" rtlCol="0">
+            <a:spAutoFit/>
+          </a:bodyPr>
+          <a:lstStyle/>
+          <a:p>
+            <a:r>
+              <a:rPr lang="en-US" sz="1400" dirty="0"/>
+              <a:t>No, </a:t>
+            </a:r>
+            <a:r>
+              <a:rPr lang="en-US" sz="1400" dirty="0" err="1"/>
+              <a:t>UnAutho</a:t>
+            </a:r>
+            <a:r>
+              <a:rPr lang="en-US" sz="1400" dirty="0"/>
+              <a:t> Resp</a:t>
+            </a:r>
+          </a:p>
+        </p:txBody>
+      </p:sp>
+      <p:sp>
+        <p:nvSpPr>
+          <p:cNvPr id="9" name="Arrow: Right 8">
+            <a:extLst>
+              <a:ext uri="{FF2B5EF4-FFF2-40B4-BE49-F238E27FC236}">
+                <a16:creationId xmlns:a16="http://schemas.microsoft.com/office/drawing/2014/main" id="{5C9790EE-C05F-2082-87C7-3C3DEA1B6DB4}"/>
+              </a:ext>
+            </a:extLst>
+          </p:cNvPr>
+          <p:cNvSpPr/>
+          <p:nvPr/>
+        </p:nvSpPr>
+        <p:spPr>
+          <a:xfrm>
+            <a:off x="6699380" y="397323"/>
+            <a:ext cx="1063689" cy="293142"/>
+          </a:xfrm>
+          <a:prstGeom prst="rightArrow">
+            <a:avLst/>
+          </a:prstGeom>
+        </p:spPr>
+        <p:style>
+          <a:lnRef idx="2">
+            <a:schemeClr val="accent1">
+              <a:shade val="15000"/>
+            </a:schemeClr>
+          </a:lnRef>
+          <a:fillRef idx="1">
+            <a:schemeClr val="accent1"/>
+          </a:fillRef>
+          <a:effectRef idx="0">
+            <a:schemeClr val="accent1"/>
+          </a:effectRef>
+          <a:fontRef idx="minor">
+            <a:schemeClr val="lt1"/>
+          </a:fontRef>
+        </p:style>
+        <p:txBody>
+          <a:bodyPr rtlCol="0" anchor="ctr"/>
+          <a:lstStyle/>
+          <a:p>
+            <a:pPr algn="ctr"/>
+            <a:endParaRPr lang="en-US" sz="1400"/>
+          </a:p>
+        </p:txBody>
+      </p:sp>
+      <p:sp>
+        <p:nvSpPr>
+          <p:cNvPr id="10" name="Rectangle: Rounded Corners 9">
+            <a:extLst>
+              <a:ext uri="{FF2B5EF4-FFF2-40B4-BE49-F238E27FC236}">
+                <a16:creationId xmlns:a16="http://schemas.microsoft.com/office/drawing/2014/main" id="{4CFCF0DA-4B90-2584-2ABF-3B6B618652C4}"/>
+              </a:ext>
+            </a:extLst>
+          </p:cNvPr>
+          <p:cNvSpPr/>
+          <p:nvPr/>
+        </p:nvSpPr>
+        <p:spPr>
+          <a:xfrm>
+            <a:off x="7763069" y="254644"/>
+            <a:ext cx="2649894" cy="578499"/>
+          </a:xfrm>
+          <a:prstGeom prst="roundRect">
+            <a:avLst/>
+          </a:prstGeom>
+        </p:spPr>
+        <p:style>
+          <a:lnRef idx="2">
+            <a:schemeClr val="accent1">
+              <a:shade val="15000"/>
+            </a:schemeClr>
+          </a:lnRef>
+          <a:fillRef idx="1">
+            <a:schemeClr val="accent1"/>
+          </a:fillRef>
+          <a:effectRef idx="0">
+            <a:schemeClr val="accent1"/>
+          </a:effectRef>
+          <a:fontRef idx="minor">
+            <a:schemeClr val="lt1"/>
+          </a:fontRef>
+        </p:style>
+        <p:txBody>
+          <a:bodyPr rtlCol="0" anchor="ctr"/>
+          <a:lstStyle/>
+          <a:p>
+            <a:pPr algn="ctr"/>
+            <a:r>
+              <a:rPr lang="en-US" sz="1200" dirty="0"/>
+              <a:t>Check the HTTP request Type Get/Post/Put/Delete</a:t>
+            </a:r>
+          </a:p>
+        </p:txBody>
+      </p:sp>
+      <p:sp>
+        <p:nvSpPr>
+          <p:cNvPr id="11" name="Arrow: Down 10">
+            <a:extLst>
+              <a:ext uri="{FF2B5EF4-FFF2-40B4-BE49-F238E27FC236}">
+                <a16:creationId xmlns:a16="http://schemas.microsoft.com/office/drawing/2014/main" id="{A10FCA1A-23E7-A4E9-A0B5-47C6B7E41FA9}"/>
+              </a:ext>
+            </a:extLst>
+          </p:cNvPr>
+          <p:cNvSpPr/>
+          <p:nvPr/>
+        </p:nvSpPr>
+        <p:spPr>
+          <a:xfrm>
+            <a:off x="8985381" y="833143"/>
+            <a:ext cx="373224" cy="510465"/>
+          </a:xfrm>
+          <a:prstGeom prst="downArrow">
+            <a:avLst/>
+          </a:prstGeom>
+        </p:spPr>
+        <p:style>
+          <a:lnRef idx="2">
+            <a:schemeClr val="accent1">
+              <a:shade val="15000"/>
+            </a:schemeClr>
+          </a:lnRef>
+          <a:fillRef idx="1">
+            <a:schemeClr val="accent1"/>
+          </a:fillRef>
+          <a:effectRef idx="0">
+            <a:schemeClr val="accent1"/>
+          </a:effectRef>
+          <a:fontRef idx="minor">
+            <a:schemeClr val="lt1"/>
+          </a:fontRef>
+        </p:style>
+        <p:txBody>
+          <a:bodyPr rtlCol="0" anchor="ctr"/>
+          <a:lstStyle/>
+          <a:p>
+            <a:pPr algn="ctr"/>
+            <a:endParaRPr lang="en-US" sz="1400"/>
+          </a:p>
+        </p:txBody>
+      </p:sp>
+      <p:sp>
+        <p:nvSpPr>
+          <p:cNvPr id="12" name="Rectangle 11">
+            <a:extLst>
+              <a:ext uri="{FF2B5EF4-FFF2-40B4-BE49-F238E27FC236}">
+                <a16:creationId xmlns:a16="http://schemas.microsoft.com/office/drawing/2014/main" id="{C78EE235-9072-7E93-66DD-0D10BA6AE838}"/>
+              </a:ext>
+            </a:extLst>
+          </p:cNvPr>
+          <p:cNvSpPr/>
+          <p:nvPr/>
+        </p:nvSpPr>
+        <p:spPr>
+          <a:xfrm>
+            <a:off x="7476146" y="1343605"/>
+            <a:ext cx="3470988" cy="5439750"/>
+          </a:xfrm>
+          <a:prstGeom prst="rect">
+            <a:avLst/>
+          </a:prstGeom>
+        </p:spPr>
+        <p:style>
+          <a:lnRef idx="3">
+            <a:schemeClr val="lt1"/>
+          </a:lnRef>
+          <a:fillRef idx="1">
+            <a:schemeClr val="accent3"/>
+          </a:fillRef>
+          <a:effectRef idx="1">
+            <a:schemeClr val="accent3"/>
+          </a:effectRef>
+          <a:fontRef idx="minor">
+            <a:schemeClr val="lt1"/>
+          </a:fontRef>
+        </p:style>
+        <p:txBody>
+          <a:bodyPr rtlCol="0" anchor="ctr"/>
+          <a:lstStyle/>
+          <a:p>
+            <a:pPr algn="ctr"/>
+            <a:endParaRPr lang="en-US" sz="1400"/>
+          </a:p>
+        </p:txBody>
+      </p:sp>
+      <p:sp>
+        <p:nvSpPr>
+          <p:cNvPr id="13" name="TextBox 12">
+            <a:extLst>
+              <a:ext uri="{FF2B5EF4-FFF2-40B4-BE49-F238E27FC236}">
+                <a16:creationId xmlns:a16="http://schemas.microsoft.com/office/drawing/2014/main" id="{F2AD3A5A-0B4D-D625-98DD-DE374F39ABD7}"/>
+              </a:ext>
+            </a:extLst>
+          </p:cNvPr>
+          <p:cNvSpPr txBox="1"/>
+          <p:nvPr/>
+        </p:nvSpPr>
+        <p:spPr>
+          <a:xfrm>
+            <a:off x="7520473" y="1411642"/>
+            <a:ext cx="3303037" cy="307777"/>
+          </a:xfrm>
+          <a:prstGeom prst="rect">
+            <a:avLst/>
+          </a:prstGeom>
+          <a:noFill/>
+        </p:spPr>
+        <p:txBody>
+          <a:bodyPr wrap="square" rtlCol="0">
+            <a:spAutoFit/>
+          </a:bodyPr>
+          <a:lstStyle/>
+          <a:p>
+            <a:pPr algn="ctr"/>
+            <a:r>
+              <a:rPr lang="en-US" sz="1400" dirty="0"/>
+              <a:t>Action Executing Context</a:t>
+            </a:r>
+          </a:p>
+        </p:txBody>
+      </p:sp>
+      <p:sp>
+        <p:nvSpPr>
+          <p:cNvPr id="14" name="Rectangle: Rounded Corners 13">
+            <a:extLst>
+              <a:ext uri="{FF2B5EF4-FFF2-40B4-BE49-F238E27FC236}">
+                <a16:creationId xmlns:a16="http://schemas.microsoft.com/office/drawing/2014/main" id="{44CC5176-F2AA-525C-9896-19CBBE816944}"/>
+              </a:ext>
+            </a:extLst>
+          </p:cNvPr>
+          <p:cNvSpPr/>
+          <p:nvPr/>
+        </p:nvSpPr>
+        <p:spPr>
+          <a:xfrm>
+            <a:off x="7520472" y="1783693"/>
+            <a:ext cx="3303037" cy="671803"/>
+          </a:xfrm>
+          <a:prstGeom prst="roundRect">
+            <a:avLst/>
+          </a:prstGeom>
+        </p:spPr>
+        <p:style>
+          <a:lnRef idx="2">
+            <a:schemeClr val="accent1">
+              <a:shade val="15000"/>
+            </a:schemeClr>
+          </a:lnRef>
+          <a:fillRef idx="1">
+            <a:schemeClr val="accent1"/>
+          </a:fillRef>
+          <a:effectRef idx="0">
+            <a:schemeClr val="accent1"/>
+          </a:effectRef>
+          <a:fontRef idx="minor">
+            <a:schemeClr val="lt1"/>
+          </a:fontRef>
+        </p:style>
+        <p:txBody>
+          <a:bodyPr rtlCol="0" anchor="ctr"/>
+          <a:lstStyle/>
+          <a:p>
+            <a:pPr algn="ctr"/>
+            <a:r>
+              <a:rPr lang="en-US" sz="1400" dirty="0"/>
+              <a:t>Check if the Action is Authorized to current user</a:t>
+            </a:r>
+          </a:p>
+        </p:txBody>
+      </p:sp>
+      <p:cxnSp>
+        <p:nvCxnSpPr>
+          <p:cNvPr id="16" name="Connector: Elbow 15">
+            <a:extLst>
+              <a:ext uri="{FF2B5EF4-FFF2-40B4-BE49-F238E27FC236}">
+                <a16:creationId xmlns:a16="http://schemas.microsoft.com/office/drawing/2014/main" id="{6250388B-1DBA-313E-7D21-23A8523C8118}"/>
+              </a:ext>
+            </a:extLst>
+          </p:cNvPr>
+          <p:cNvCxnSpPr/>
+          <p:nvPr/>
+        </p:nvCxnSpPr>
+        <p:spPr>
+          <a:xfrm rot="10800000">
+            <a:off x="1812474" y="1343608"/>
+            <a:ext cx="5707999" cy="742556"/>
+          </a:xfrm>
+          <a:prstGeom prst="bentConnector3">
+            <a:avLst/>
+          </a:prstGeom>
+          <a:ln>
+            <a:tailEnd type="triangle"/>
+          </a:ln>
+        </p:spPr>
+        <p:style>
+          <a:lnRef idx="1">
+            <a:schemeClr val="accent1"/>
+          </a:lnRef>
+          <a:fillRef idx="0">
+            <a:schemeClr val="accent1"/>
+          </a:fillRef>
+          <a:effectRef idx="0">
+            <a:schemeClr val="accent1"/>
+          </a:effectRef>
+          <a:fontRef idx="minor">
+            <a:schemeClr val="tx1"/>
+          </a:fontRef>
+        </p:style>
+      </p:cxnSp>
+      <p:sp>
+        <p:nvSpPr>
+          <p:cNvPr id="17" name="TextBox 16">
+            <a:extLst>
+              <a:ext uri="{FF2B5EF4-FFF2-40B4-BE49-F238E27FC236}">
+                <a16:creationId xmlns:a16="http://schemas.microsoft.com/office/drawing/2014/main" id="{F3235A8A-CA7B-2405-D5A0-8B46A13D77B8}"/>
+              </a:ext>
+            </a:extLst>
+          </p:cNvPr>
+          <p:cNvSpPr txBox="1"/>
+          <p:nvPr/>
+        </p:nvSpPr>
+        <p:spPr>
+          <a:xfrm>
+            <a:off x="5239135" y="1473263"/>
+            <a:ext cx="1632857" cy="307777"/>
+          </a:xfrm>
+          <a:prstGeom prst="rect">
+            <a:avLst/>
+          </a:prstGeom>
+          <a:noFill/>
+        </p:spPr>
+        <p:txBody>
+          <a:bodyPr wrap="square" rtlCol="0">
+            <a:spAutoFit/>
+          </a:bodyPr>
+          <a:lstStyle/>
+          <a:p>
+            <a:r>
+              <a:rPr lang="en-US" sz="1400" dirty="0"/>
+              <a:t>No, </a:t>
+            </a:r>
+            <a:r>
+              <a:rPr lang="en-US" sz="1400" dirty="0" err="1"/>
+              <a:t>UnAutho</a:t>
+            </a:r>
+            <a:r>
+              <a:rPr lang="en-US" sz="1400" dirty="0"/>
+              <a:t> Resp</a:t>
+            </a:r>
+          </a:p>
+        </p:txBody>
+      </p:sp>
+      <p:sp>
+        <p:nvSpPr>
+          <p:cNvPr id="18" name="Arrow: Down 17">
+            <a:extLst>
+              <a:ext uri="{FF2B5EF4-FFF2-40B4-BE49-F238E27FC236}">
+                <a16:creationId xmlns:a16="http://schemas.microsoft.com/office/drawing/2014/main" id="{E8D7A838-B417-E7EB-621D-3AFE46258A2B}"/>
+              </a:ext>
+            </a:extLst>
+          </p:cNvPr>
+          <p:cNvSpPr/>
+          <p:nvPr/>
+        </p:nvSpPr>
+        <p:spPr>
+          <a:xfrm>
+            <a:off x="9088016" y="2455496"/>
+            <a:ext cx="270589" cy="520969"/>
+          </a:xfrm>
+          <a:prstGeom prst="downArrow">
+            <a:avLst/>
+          </a:prstGeom>
+        </p:spPr>
+        <p:style>
+          <a:lnRef idx="2">
+            <a:schemeClr val="accent1">
+              <a:shade val="15000"/>
+            </a:schemeClr>
+          </a:lnRef>
+          <a:fillRef idx="1">
+            <a:schemeClr val="accent1"/>
+          </a:fillRef>
+          <a:effectRef idx="0">
+            <a:schemeClr val="accent1"/>
+          </a:effectRef>
+          <a:fontRef idx="minor">
+            <a:schemeClr val="lt1"/>
+          </a:fontRef>
+        </p:style>
+        <p:txBody>
+          <a:bodyPr rtlCol="0" anchor="ctr"/>
+          <a:lstStyle/>
+          <a:p>
+            <a:pPr algn="ctr"/>
+            <a:endParaRPr lang="en-US" sz="1400"/>
+          </a:p>
+        </p:txBody>
+      </p:sp>
+      <p:sp>
+        <p:nvSpPr>
+          <p:cNvPr id="21" name="Rectangle: Rounded Corners 20">
+            <a:extLst>
+              <a:ext uri="{FF2B5EF4-FFF2-40B4-BE49-F238E27FC236}">
+                <a16:creationId xmlns:a16="http://schemas.microsoft.com/office/drawing/2014/main" id="{41D9E946-D229-32A2-E467-609A4F0BA909}"/>
+              </a:ext>
+            </a:extLst>
+          </p:cNvPr>
+          <p:cNvSpPr/>
+          <p:nvPr/>
+        </p:nvSpPr>
+        <p:spPr>
+          <a:xfrm>
+            <a:off x="7560122" y="2984227"/>
+            <a:ext cx="3263388" cy="2530168"/>
+          </a:xfrm>
+          <a:prstGeom prst="roundRect">
+            <a:avLst/>
+          </a:prstGeom>
+          <a:solidFill>
+            <a:srgbClr val="FF0000"/>
+          </a:solidFill>
+        </p:spPr>
+        <p:style>
+          <a:lnRef idx="2">
+            <a:schemeClr val="accent1">
+              <a:shade val="15000"/>
+            </a:schemeClr>
+          </a:lnRef>
+          <a:fillRef idx="1">
+            <a:schemeClr val="accent1"/>
+          </a:fillRef>
+          <a:effectRef idx="0">
+            <a:schemeClr val="accent1"/>
+          </a:effectRef>
+          <a:fontRef idx="minor">
+            <a:schemeClr val="lt1"/>
+          </a:fontRef>
+        </p:style>
+        <p:txBody>
+          <a:bodyPr rtlCol="0" anchor="ctr"/>
+          <a:lstStyle/>
+          <a:p>
+            <a:pPr algn="ctr"/>
+            <a:r>
+              <a:rPr lang="en-US" sz="1400" dirty="0"/>
+              <a:t>If Http Get request the Action is executed. If the Request is Http POST/PUT the body data will be validated and processed. If Exception Occurs then invoke the Exception Middleware and send error response. Else Success response</a:t>
+            </a:r>
+          </a:p>
+        </p:txBody>
+      </p:sp>
+      <p:sp>
+        <p:nvSpPr>
+          <p:cNvPr id="22" name="Rectangle: Rounded Corners 21">
+            <a:extLst>
+              <a:ext uri="{FF2B5EF4-FFF2-40B4-BE49-F238E27FC236}">
+                <a16:creationId xmlns:a16="http://schemas.microsoft.com/office/drawing/2014/main" id="{46042BAC-9A07-A7F8-CF1B-2F6F1E5D91A2}"/>
+              </a:ext>
+            </a:extLst>
+          </p:cNvPr>
+          <p:cNvSpPr/>
+          <p:nvPr/>
+        </p:nvSpPr>
+        <p:spPr>
+          <a:xfrm>
+            <a:off x="7560121" y="5931553"/>
+            <a:ext cx="3303037" cy="671803"/>
+          </a:xfrm>
+          <a:prstGeom prst="roundRect">
+            <a:avLst/>
+          </a:prstGeom>
+        </p:spPr>
+        <p:style>
+          <a:lnRef idx="2">
+            <a:schemeClr val="accent1">
+              <a:shade val="15000"/>
+            </a:schemeClr>
+          </a:lnRef>
+          <a:fillRef idx="1">
+            <a:schemeClr val="accent1"/>
+          </a:fillRef>
+          <a:effectRef idx="0">
+            <a:schemeClr val="accent1"/>
+          </a:effectRef>
+          <a:fontRef idx="minor">
+            <a:schemeClr val="lt1"/>
+          </a:fontRef>
+        </p:style>
+        <p:txBody>
+          <a:bodyPr rtlCol="0" anchor="ctr"/>
+          <a:lstStyle/>
+          <a:p>
+            <a:pPr algn="ctr"/>
+            <a:r>
+              <a:rPr lang="en-US" sz="1400" dirty="0"/>
+              <a:t>Check if the Action is Authorized to current user</a:t>
+            </a:r>
+          </a:p>
+        </p:txBody>
+      </p:sp>
+      <p:sp>
+        <p:nvSpPr>
+          <p:cNvPr id="23" name="Arrow: Down 22">
+            <a:extLst>
+              <a:ext uri="{FF2B5EF4-FFF2-40B4-BE49-F238E27FC236}">
+                <a16:creationId xmlns:a16="http://schemas.microsoft.com/office/drawing/2014/main" id="{6A25EE26-4705-0B94-7329-4F3B5F24B77A}"/>
+              </a:ext>
+            </a:extLst>
+          </p:cNvPr>
+          <p:cNvSpPr/>
+          <p:nvPr/>
+        </p:nvSpPr>
+        <p:spPr>
+          <a:xfrm>
+            <a:off x="8980714" y="5494187"/>
+            <a:ext cx="237931" cy="451741"/>
+          </a:xfrm>
+          <a:prstGeom prst="downArrow">
+            <a:avLst/>
+          </a:prstGeom>
+        </p:spPr>
+        <p:style>
+          <a:lnRef idx="2">
+            <a:schemeClr val="accent1">
+              <a:shade val="15000"/>
+            </a:schemeClr>
+          </a:lnRef>
+          <a:fillRef idx="1">
+            <a:schemeClr val="accent1"/>
+          </a:fillRef>
+          <a:effectRef idx="0">
+            <a:schemeClr val="accent1"/>
+          </a:effectRef>
+          <a:fontRef idx="minor">
+            <a:schemeClr val="lt1"/>
+          </a:fontRef>
+        </p:style>
+        <p:txBody>
+          <a:bodyPr rtlCol="0" anchor="ctr"/>
+          <a:lstStyle/>
+          <a:p>
+            <a:pPr algn="ctr"/>
+            <a:endParaRPr lang="en-US" sz="1400"/>
+          </a:p>
+        </p:txBody>
+      </p:sp>
+      <p:cxnSp>
+        <p:nvCxnSpPr>
+          <p:cNvPr id="25" name="Connector: Elbow 24">
+            <a:extLst>
+              <a:ext uri="{FF2B5EF4-FFF2-40B4-BE49-F238E27FC236}">
+                <a16:creationId xmlns:a16="http://schemas.microsoft.com/office/drawing/2014/main" id="{7D765FB7-AF88-A33F-5FB9-3096C807311B}"/>
+              </a:ext>
+            </a:extLst>
+          </p:cNvPr>
+          <p:cNvCxnSpPr>
+            <a:stCxn id="22" idx="1"/>
+          </p:cNvCxnSpPr>
+          <p:nvPr/>
+        </p:nvCxnSpPr>
+        <p:spPr>
+          <a:xfrm rot="10800000">
+            <a:off x="4282751" y="4309201"/>
+            <a:ext cx="3277370" cy="1958255"/>
+          </a:xfrm>
+          <a:prstGeom prst="bentConnector3">
+            <a:avLst/>
+          </a:prstGeom>
+          <a:ln>
+            <a:tailEnd type="triangle"/>
+          </a:ln>
+        </p:spPr>
+        <p:style>
+          <a:lnRef idx="1">
+            <a:schemeClr val="accent1"/>
+          </a:lnRef>
+          <a:fillRef idx="0">
+            <a:schemeClr val="accent1"/>
+          </a:fillRef>
+          <a:effectRef idx="0">
+            <a:schemeClr val="accent1"/>
+          </a:effectRef>
+          <a:fontRef idx="minor">
+            <a:schemeClr val="tx1"/>
+          </a:fontRef>
+        </p:style>
+      </p:cxnSp>
+      <p:sp>
+        <p:nvSpPr>
+          <p:cNvPr id="26" name="TextBox 25">
+            <a:extLst>
+              <a:ext uri="{FF2B5EF4-FFF2-40B4-BE49-F238E27FC236}">
+                <a16:creationId xmlns:a16="http://schemas.microsoft.com/office/drawing/2014/main" id="{4799AAAB-7CA8-5540-2371-EA01E933F704}"/>
+              </a:ext>
+            </a:extLst>
+          </p:cNvPr>
+          <p:cNvSpPr txBox="1"/>
+          <p:nvPr/>
+        </p:nvSpPr>
+        <p:spPr>
+          <a:xfrm>
+            <a:off x="2192694" y="3937518"/>
+            <a:ext cx="2127379" cy="307777"/>
+          </a:xfrm>
+          <a:prstGeom prst="rect">
+            <a:avLst/>
+          </a:prstGeom>
+          <a:noFill/>
+        </p:spPr>
+        <p:txBody>
+          <a:bodyPr wrap="square" rtlCol="0">
+            <a:spAutoFit/>
+          </a:bodyPr>
+          <a:lstStyle/>
+          <a:p>
+            <a:r>
+              <a:rPr lang="en-US" sz="1400" dirty="0"/>
+              <a:t>Response from API</a:t>
+            </a:r>
+          </a:p>
+        </p:txBody>
+      </p:sp>
+      <p:sp>
+        <p:nvSpPr>
+          <p:cNvPr id="27" name="TextBox 26">
+            <a:extLst>
+              <a:ext uri="{FF2B5EF4-FFF2-40B4-BE49-F238E27FC236}">
+                <a16:creationId xmlns:a16="http://schemas.microsoft.com/office/drawing/2014/main" id="{BD627654-219E-1D46-78D3-891680F72B79}"/>
+              </a:ext>
+            </a:extLst>
+          </p:cNvPr>
+          <p:cNvSpPr txBox="1"/>
+          <p:nvPr/>
+        </p:nvSpPr>
+        <p:spPr>
+          <a:xfrm>
+            <a:off x="4898571" y="3051110"/>
+            <a:ext cx="1502229" cy="307777"/>
+          </a:xfrm>
+          <a:prstGeom prst="rect">
+            <a:avLst/>
+          </a:prstGeom>
+          <a:noFill/>
+        </p:spPr>
+        <p:txBody>
+          <a:bodyPr wrap="square" rtlCol="0">
+            <a:spAutoFit/>
+          </a:bodyPr>
+          <a:lstStyle/>
+          <a:p>
+            <a:r>
+              <a:rPr lang="en-US" sz="1400" dirty="0"/>
+              <a:t>Customizable</a:t>
+            </a:r>
+          </a:p>
+        </p:txBody>
+      </p:sp>
+      <p:cxnSp>
+        <p:nvCxnSpPr>
+          <p:cNvPr id="29" name="Straight Arrow Connector 28">
+            <a:extLst>
+              <a:ext uri="{FF2B5EF4-FFF2-40B4-BE49-F238E27FC236}">
+                <a16:creationId xmlns:a16="http://schemas.microsoft.com/office/drawing/2014/main" id="{A132B6CB-74B7-FAD2-472B-7D3EF3675C45}"/>
+              </a:ext>
+            </a:extLst>
+          </p:cNvPr>
+          <p:cNvCxnSpPr>
+            <a:stCxn id="27" idx="3"/>
+            <a:endCxn id="21" idx="1"/>
+          </p:cNvCxnSpPr>
+          <p:nvPr/>
+        </p:nvCxnSpPr>
+        <p:spPr>
+          <a:xfrm>
+            <a:off x="6400800" y="3204999"/>
+            <a:ext cx="1159322" cy="1044312"/>
+          </a:xfrm>
+          <a:prstGeom prst="straightConnector1">
+            <a:avLst/>
+          </a:prstGeom>
+          <a:ln>
+            <a:tailEnd type="triangle"/>
+          </a:ln>
+        </p:spPr>
+        <p:style>
+          <a:lnRef idx="1">
+            <a:schemeClr val="accent1"/>
+          </a:lnRef>
+          <a:fillRef idx="0">
+            <a:schemeClr val="accent1"/>
+          </a:fillRef>
+          <a:effectRef idx="0">
+            <a:schemeClr val="accent1"/>
+          </a:effectRef>
+          <a:fontRef idx="minor">
+            <a:schemeClr val="tx1"/>
+          </a:fontRef>
+        </p:style>
+      </p:cxnSp>
+      <p:sp>
+        <p:nvSpPr>
+          <p:cNvPr id="30" name="TextBox 29">
+            <a:extLst>
+              <a:ext uri="{FF2B5EF4-FFF2-40B4-BE49-F238E27FC236}">
+                <a16:creationId xmlns:a16="http://schemas.microsoft.com/office/drawing/2014/main" id="{CE287985-BB0F-3BF3-362C-820B8FD945F2}"/>
+              </a:ext>
+            </a:extLst>
+          </p:cNvPr>
+          <p:cNvSpPr txBox="1"/>
+          <p:nvPr/>
+        </p:nvSpPr>
+        <p:spPr>
+          <a:xfrm>
+            <a:off x="7329195" y="6520224"/>
+            <a:ext cx="3303037" cy="307777"/>
+          </a:xfrm>
+          <a:prstGeom prst="rect">
+            <a:avLst/>
+          </a:prstGeom>
+          <a:noFill/>
+        </p:spPr>
+        <p:txBody>
+          <a:bodyPr wrap="square" rtlCol="0">
+            <a:spAutoFit/>
+          </a:bodyPr>
+          <a:lstStyle/>
+          <a:p>
+            <a:pPr algn="ctr"/>
+            <a:r>
+              <a:rPr lang="en-US" sz="1400"/>
+              <a:t>Action Executed </a:t>
+            </a:r>
+            <a:r>
+              <a:rPr lang="en-US" sz="1400" dirty="0"/>
+              <a:t>Context</a:t>
+            </a:r>
+          </a:p>
+        </p:txBody>
+      </p:sp>
+    </p:spTree>
+    <p:extLst>
+      <p:ext uri="{BB962C8B-B14F-4D97-AF65-F5344CB8AC3E}">
+        <p14:creationId xmlns:p14="http://schemas.microsoft.com/office/powerpoint/2010/main" val="4026051301"/>
+      </p:ext>
+    </p:extLst>
+  </p:cSld>
+  <p:clrMapOvr>
+    <a:masterClrMapping/>
+  </p:clrMapOvr>
+</p:sld>
+</file>
+
 <file path=ppt/slides/slide4.xml><?xml version="1.0" encoding="utf-8"?>
 <p:sld xmlns:a="http://schemas.openxmlformats.org/drawingml/2006/main" xmlns:r="http://schemas.openxmlformats.org/officeDocument/2006/relationships" xmlns:p="http://schemas.openxmlformats.org/presentationml/2006/main">
   <p:cSld>

--- a/ppts.pptx
+++ b/ppts.pptx
@@ -37,6 +37,13 @@
     <p:sldId id="285" r:id="rId31"/>
     <p:sldId id="286" r:id="rId32"/>
     <p:sldId id="287" r:id="rId33"/>
+    <p:sldId id="288" r:id="rId34"/>
+    <p:sldId id="289" r:id="rId35"/>
+    <p:sldId id="290" r:id="rId36"/>
+    <p:sldId id="291" r:id="rId37"/>
+    <p:sldId id="292" r:id="rId38"/>
+    <p:sldId id="293" r:id="rId39"/>
+    <p:sldId id="294" r:id="rId40"/>
   </p:sldIdLst>
   <p:sldSz cx="12192000" cy="6858000"/>
   <p:notesSz cx="6858000" cy="9144000"/>
@@ -290,7 +297,7 @@
           <a:p>
             <a:fld id="{6F41C210-F244-43B9-87C5-D1F3CF4189D6}" type="datetimeFigureOut">
               <a:rPr lang="en-US" smtClean="0"/>
-              <a:t>6/23/2023</a:t>
+              <a:t>6/26/2023</a:t>
             </a:fld>
             <a:endParaRPr lang="en-US"/>
           </a:p>
@@ -488,7 +495,7 @@
           <a:p>
             <a:fld id="{6F41C210-F244-43B9-87C5-D1F3CF4189D6}" type="datetimeFigureOut">
               <a:rPr lang="en-US" smtClean="0"/>
-              <a:t>6/23/2023</a:t>
+              <a:t>6/26/2023</a:t>
             </a:fld>
             <a:endParaRPr lang="en-US"/>
           </a:p>
@@ -696,7 +703,7 @@
           <a:p>
             <a:fld id="{6F41C210-F244-43B9-87C5-D1F3CF4189D6}" type="datetimeFigureOut">
               <a:rPr lang="en-US" smtClean="0"/>
-              <a:t>6/23/2023</a:t>
+              <a:t>6/26/2023</a:t>
             </a:fld>
             <a:endParaRPr lang="en-US"/>
           </a:p>
@@ -894,7 +901,7 @@
           <a:p>
             <a:fld id="{6F41C210-F244-43B9-87C5-D1F3CF4189D6}" type="datetimeFigureOut">
               <a:rPr lang="en-US" smtClean="0"/>
-              <a:t>6/23/2023</a:t>
+              <a:t>6/26/2023</a:t>
             </a:fld>
             <a:endParaRPr lang="en-US"/>
           </a:p>
@@ -1169,7 +1176,7 @@
           <a:p>
             <a:fld id="{6F41C210-F244-43B9-87C5-D1F3CF4189D6}" type="datetimeFigureOut">
               <a:rPr lang="en-US" smtClean="0"/>
-              <a:t>6/23/2023</a:t>
+              <a:t>6/26/2023</a:t>
             </a:fld>
             <a:endParaRPr lang="en-US"/>
           </a:p>
@@ -1434,7 +1441,7 @@
           <a:p>
             <a:fld id="{6F41C210-F244-43B9-87C5-D1F3CF4189D6}" type="datetimeFigureOut">
               <a:rPr lang="en-US" smtClean="0"/>
-              <a:t>6/23/2023</a:t>
+              <a:t>6/26/2023</a:t>
             </a:fld>
             <a:endParaRPr lang="en-US"/>
           </a:p>
@@ -1846,7 +1853,7 @@
           <a:p>
             <a:fld id="{6F41C210-F244-43B9-87C5-D1F3CF4189D6}" type="datetimeFigureOut">
               <a:rPr lang="en-US" smtClean="0"/>
-              <a:t>6/23/2023</a:t>
+              <a:t>6/26/2023</a:t>
             </a:fld>
             <a:endParaRPr lang="en-US"/>
           </a:p>
@@ -1987,7 +1994,7 @@
           <a:p>
             <a:fld id="{6F41C210-F244-43B9-87C5-D1F3CF4189D6}" type="datetimeFigureOut">
               <a:rPr lang="en-US" smtClean="0"/>
-              <a:t>6/23/2023</a:t>
+              <a:t>6/26/2023</a:t>
             </a:fld>
             <a:endParaRPr lang="en-US"/>
           </a:p>
@@ -2100,7 +2107,7 @@
           <a:p>
             <a:fld id="{6F41C210-F244-43B9-87C5-D1F3CF4189D6}" type="datetimeFigureOut">
               <a:rPr lang="en-US" smtClean="0"/>
-              <a:t>6/23/2023</a:t>
+              <a:t>6/26/2023</a:t>
             </a:fld>
             <a:endParaRPr lang="en-US"/>
           </a:p>
@@ -2411,7 +2418,7 @@
           <a:p>
             <a:fld id="{6F41C210-F244-43B9-87C5-D1F3CF4189D6}" type="datetimeFigureOut">
               <a:rPr lang="en-US" smtClean="0"/>
-              <a:t>6/23/2023</a:t>
+              <a:t>6/26/2023</a:t>
             </a:fld>
             <a:endParaRPr lang="en-US"/>
           </a:p>
@@ -2699,7 +2706,7 @@
           <a:p>
             <a:fld id="{6F41C210-F244-43B9-87C5-D1F3CF4189D6}" type="datetimeFigureOut">
               <a:rPr lang="en-US" smtClean="0"/>
-              <a:t>6/23/2023</a:t>
+              <a:t>6/26/2023</a:t>
             </a:fld>
             <a:endParaRPr lang="en-US"/>
           </a:p>
@@ -2940,7 +2947,7 @@
           <a:p>
             <a:fld id="{6F41C210-F244-43B9-87C5-D1F3CF4189D6}" type="datetimeFigureOut">
               <a:rPr lang="en-US" smtClean="0"/>
-              <a:t>6/23/2023</a:t>
+              <a:t>6/26/2023</a:t>
             </a:fld>
             <a:endParaRPr lang="en-US"/>
           </a:p>
@@ -28100,6 +28107,5905 @@
 </p:sld>
 </file>
 
+<file path=ppt/slides/slide33.xml><?xml version="1.0" encoding="utf-8"?>
+<p:sld xmlns:a="http://schemas.openxmlformats.org/drawingml/2006/main" xmlns:r="http://schemas.openxmlformats.org/officeDocument/2006/relationships" xmlns:p="http://schemas.openxmlformats.org/presentationml/2006/main">
+  <p:cSld>
+    <p:spTree>
+      <p:nvGrpSpPr>
+        <p:cNvPr id="1" name=""/>
+        <p:cNvGrpSpPr/>
+        <p:nvPr/>
+      </p:nvGrpSpPr>
+      <p:grpSpPr>
+        <a:xfrm>
+          <a:off x="0" y="0"/>
+          <a:ext cx="0" cy="0"/>
+          <a:chOff x="0" y="0"/>
+          <a:chExt cx="0" cy="0"/>
+        </a:xfrm>
+      </p:grpSpPr>
+      <p:sp>
+        <p:nvSpPr>
+          <p:cNvPr id="2" name="Rectangle 1">
+            <a:extLst>
+              <a:ext uri="{FF2B5EF4-FFF2-40B4-BE49-F238E27FC236}">
+                <a16:creationId xmlns:a16="http://schemas.microsoft.com/office/drawing/2014/main" id="{809487C5-2BE1-4969-FE47-8C843878402B}"/>
+              </a:ext>
+            </a:extLst>
+          </p:cNvPr>
+          <p:cNvSpPr/>
+          <p:nvPr/>
+        </p:nvSpPr>
+        <p:spPr>
+          <a:xfrm>
+            <a:off x="7016620" y="923731"/>
+            <a:ext cx="3657600" cy="2752530"/>
+          </a:xfrm>
+          <a:prstGeom prst="rect">
+            <a:avLst/>
+          </a:prstGeom>
+        </p:spPr>
+        <p:style>
+          <a:lnRef idx="1">
+            <a:schemeClr val="accent1"/>
+          </a:lnRef>
+          <a:fillRef idx="2">
+            <a:schemeClr val="accent1"/>
+          </a:fillRef>
+          <a:effectRef idx="1">
+            <a:schemeClr val="accent1"/>
+          </a:effectRef>
+          <a:fontRef idx="minor">
+            <a:schemeClr val="dk1"/>
+          </a:fontRef>
+        </p:style>
+        <p:txBody>
+          <a:bodyPr rtlCol="0" anchor="ctr"/>
+          <a:lstStyle/>
+          <a:p>
+            <a:pPr algn="ctr"/>
+            <a:r>
+              <a:rPr lang="en-US" dirty="0"/>
+              <a:t>Server-Side App</a:t>
+            </a:r>
+          </a:p>
+          <a:p>
+            <a:pPr algn="ctr"/>
+            <a:r>
+              <a:rPr lang="en-US" dirty="0"/>
+              <a:t>API + BLL + DAS + DAL</a:t>
+            </a:r>
+          </a:p>
+        </p:txBody>
+      </p:sp>
+      <p:sp>
+        <p:nvSpPr>
+          <p:cNvPr id="3" name="Rectangle 2">
+            <a:extLst>
+              <a:ext uri="{FF2B5EF4-FFF2-40B4-BE49-F238E27FC236}">
+                <a16:creationId xmlns:a16="http://schemas.microsoft.com/office/drawing/2014/main" id="{E4897955-B907-162F-1A07-9EB4EC831EC4}"/>
+              </a:ext>
+            </a:extLst>
+          </p:cNvPr>
+          <p:cNvSpPr/>
+          <p:nvPr/>
+        </p:nvSpPr>
+        <p:spPr>
+          <a:xfrm>
+            <a:off x="615820" y="1203648"/>
+            <a:ext cx="2118049" cy="1838130"/>
+          </a:xfrm>
+          <a:prstGeom prst="rect">
+            <a:avLst/>
+          </a:prstGeom>
+        </p:spPr>
+        <p:style>
+          <a:lnRef idx="2">
+            <a:schemeClr val="accent1">
+              <a:shade val="15000"/>
+            </a:schemeClr>
+          </a:lnRef>
+          <a:fillRef idx="1">
+            <a:schemeClr val="accent1"/>
+          </a:fillRef>
+          <a:effectRef idx="0">
+            <a:schemeClr val="accent1"/>
+          </a:effectRef>
+          <a:fontRef idx="minor">
+            <a:schemeClr val="lt1"/>
+          </a:fontRef>
+        </p:style>
+        <p:txBody>
+          <a:bodyPr rtlCol="0" anchor="ctr"/>
+          <a:lstStyle/>
+          <a:p>
+            <a:pPr algn="ctr"/>
+            <a:r>
+              <a:rPr lang="en-US" dirty="0"/>
+              <a:t>Front-End</a:t>
+            </a:r>
+          </a:p>
+          <a:p>
+            <a:pPr algn="ctr"/>
+            <a:r>
+              <a:rPr lang="en-US" dirty="0"/>
+              <a:t>App</a:t>
+            </a:r>
+          </a:p>
+          <a:p>
+            <a:pPr algn="ctr"/>
+            <a:r>
+              <a:rPr lang="en-US" dirty="0"/>
+              <a:t>Angular / React/ Vue</a:t>
+            </a:r>
+          </a:p>
+        </p:txBody>
+      </p:sp>
+      <p:sp>
+        <p:nvSpPr>
+          <p:cNvPr id="4" name="TextBox 3">
+            <a:extLst>
+              <a:ext uri="{FF2B5EF4-FFF2-40B4-BE49-F238E27FC236}">
+                <a16:creationId xmlns:a16="http://schemas.microsoft.com/office/drawing/2014/main" id="{258166E9-4C26-6FDA-FEA0-007EDE1C2B19}"/>
+              </a:ext>
+            </a:extLst>
+          </p:cNvPr>
+          <p:cNvSpPr txBox="1"/>
+          <p:nvPr/>
+        </p:nvSpPr>
+        <p:spPr>
+          <a:xfrm>
+            <a:off x="625151" y="554399"/>
+            <a:ext cx="3508310" cy="369332"/>
+          </a:xfrm>
+          <a:prstGeom prst="rect">
+            <a:avLst/>
+          </a:prstGeom>
+          <a:noFill/>
+        </p:spPr>
+        <p:txBody>
+          <a:bodyPr wrap="square" rtlCol="0">
+            <a:spAutoFit/>
+          </a:bodyPr>
+          <a:lstStyle/>
+          <a:p>
+            <a:r>
+              <a:rPr lang="en-US" dirty="0"/>
+              <a:t>https://www.myfrontendapp.com</a:t>
+            </a:r>
+          </a:p>
+        </p:txBody>
+      </p:sp>
+      <p:sp>
+        <p:nvSpPr>
+          <p:cNvPr id="5" name="TextBox 4">
+            <a:extLst>
+              <a:ext uri="{FF2B5EF4-FFF2-40B4-BE49-F238E27FC236}">
+                <a16:creationId xmlns:a16="http://schemas.microsoft.com/office/drawing/2014/main" id="{AE9C3DC9-766F-C84F-1F10-B510352B12C6}"/>
+              </a:ext>
+            </a:extLst>
+          </p:cNvPr>
+          <p:cNvSpPr txBox="1"/>
+          <p:nvPr/>
+        </p:nvSpPr>
+        <p:spPr>
+          <a:xfrm>
+            <a:off x="7364963" y="581608"/>
+            <a:ext cx="3181739" cy="646331"/>
+          </a:xfrm>
+          <a:prstGeom prst="rect">
+            <a:avLst/>
+          </a:prstGeom>
+          <a:noFill/>
+        </p:spPr>
+        <p:txBody>
+          <a:bodyPr wrap="square" rtlCol="0">
+            <a:spAutoFit/>
+          </a:bodyPr>
+          <a:lstStyle/>
+          <a:p>
+            <a:r>
+              <a:rPr lang="en-US" dirty="0"/>
+              <a:t>https://www.myserverapp.com/api/MyControll</a:t>
+            </a:r>
+          </a:p>
+        </p:txBody>
+      </p:sp>
+      <p:sp>
+        <p:nvSpPr>
+          <p:cNvPr id="6" name="Rectangle 5">
+            <a:extLst>
+              <a:ext uri="{FF2B5EF4-FFF2-40B4-BE49-F238E27FC236}">
+                <a16:creationId xmlns:a16="http://schemas.microsoft.com/office/drawing/2014/main" id="{AD6770B9-7B77-A993-A9FC-4DDDC4B3C5BC}"/>
+              </a:ext>
+            </a:extLst>
+          </p:cNvPr>
+          <p:cNvSpPr/>
+          <p:nvPr/>
+        </p:nvSpPr>
+        <p:spPr>
+          <a:xfrm>
+            <a:off x="3610947" y="4917233"/>
+            <a:ext cx="2485053" cy="1586205"/>
+          </a:xfrm>
+          <a:prstGeom prst="rect">
+            <a:avLst/>
+          </a:prstGeom>
+        </p:spPr>
+        <p:style>
+          <a:lnRef idx="2">
+            <a:schemeClr val="accent6"/>
+          </a:lnRef>
+          <a:fillRef idx="1">
+            <a:schemeClr val="lt1"/>
+          </a:fillRef>
+          <a:effectRef idx="0">
+            <a:schemeClr val="accent6"/>
+          </a:effectRef>
+          <a:fontRef idx="minor">
+            <a:schemeClr val="dk1"/>
+          </a:fontRef>
+        </p:style>
+        <p:txBody>
+          <a:bodyPr rtlCol="0" anchor="ctr"/>
+          <a:lstStyle/>
+          <a:p>
+            <a:pPr algn="ctr"/>
+            <a:r>
+              <a:rPr lang="en-US" b="1" dirty="0"/>
+              <a:t>Browser</a:t>
+            </a:r>
+          </a:p>
+          <a:p>
+            <a:pPr algn="ctr"/>
+            <a:r>
+              <a:rPr lang="en-US" b="1" dirty="0"/>
+              <a:t>HTML UI + JS + CSS</a:t>
+            </a:r>
+          </a:p>
+        </p:txBody>
+      </p:sp>
+      <p:cxnSp>
+        <p:nvCxnSpPr>
+          <p:cNvPr id="8" name="Connector: Elbow 7">
+            <a:extLst>
+              <a:ext uri="{FF2B5EF4-FFF2-40B4-BE49-F238E27FC236}">
+                <a16:creationId xmlns:a16="http://schemas.microsoft.com/office/drawing/2014/main" id="{B38B85E3-C059-8767-26E7-5134E857BBE8}"/>
+              </a:ext>
+            </a:extLst>
+          </p:cNvPr>
+          <p:cNvCxnSpPr>
+            <a:stCxn id="6" idx="1"/>
+            <a:endCxn id="3" idx="2"/>
+          </p:cNvCxnSpPr>
+          <p:nvPr/>
+        </p:nvCxnSpPr>
+        <p:spPr>
+          <a:xfrm rot="10800000">
+            <a:off x="1674845" y="3041778"/>
+            <a:ext cx="1936102" cy="2668558"/>
+          </a:xfrm>
+          <a:prstGeom prst="bentConnector2">
+            <a:avLst/>
+          </a:prstGeom>
+          <a:ln>
+            <a:tailEnd type="triangle"/>
+          </a:ln>
+        </p:spPr>
+        <p:style>
+          <a:lnRef idx="1">
+            <a:schemeClr val="accent1"/>
+          </a:lnRef>
+          <a:fillRef idx="0">
+            <a:schemeClr val="accent1"/>
+          </a:fillRef>
+          <a:effectRef idx="0">
+            <a:schemeClr val="accent1"/>
+          </a:effectRef>
+          <a:fontRef idx="minor">
+            <a:schemeClr val="tx1"/>
+          </a:fontRef>
+        </p:style>
+      </p:cxnSp>
+      <p:sp>
+        <p:nvSpPr>
+          <p:cNvPr id="9" name="TextBox 8">
+            <a:extLst>
+              <a:ext uri="{FF2B5EF4-FFF2-40B4-BE49-F238E27FC236}">
+                <a16:creationId xmlns:a16="http://schemas.microsoft.com/office/drawing/2014/main" id="{23C33A54-CBF8-A655-68FD-ADDBD86DC8BD}"/>
+              </a:ext>
+            </a:extLst>
+          </p:cNvPr>
+          <p:cNvSpPr txBox="1"/>
+          <p:nvPr/>
+        </p:nvSpPr>
+        <p:spPr>
+          <a:xfrm>
+            <a:off x="709127" y="4394718"/>
+            <a:ext cx="2230016" cy="369332"/>
+          </a:xfrm>
+          <a:prstGeom prst="rect">
+            <a:avLst/>
+          </a:prstGeom>
+          <a:noFill/>
+        </p:spPr>
+        <p:txBody>
+          <a:bodyPr wrap="square" rtlCol="0">
+            <a:spAutoFit/>
+          </a:bodyPr>
+          <a:lstStyle/>
+          <a:p>
+            <a:r>
+              <a:rPr lang="en-US" dirty="0"/>
+              <a:t>http request</a:t>
+            </a:r>
+          </a:p>
+        </p:txBody>
+      </p:sp>
+      <p:cxnSp>
+        <p:nvCxnSpPr>
+          <p:cNvPr id="11" name="Connector: Elbow 10">
+            <a:extLst>
+              <a:ext uri="{FF2B5EF4-FFF2-40B4-BE49-F238E27FC236}">
+                <a16:creationId xmlns:a16="http://schemas.microsoft.com/office/drawing/2014/main" id="{506F0025-928C-D899-7624-3CD646D8FA2C}"/>
+              </a:ext>
+            </a:extLst>
+          </p:cNvPr>
+          <p:cNvCxnSpPr>
+            <a:stCxn id="3" idx="3"/>
+            <a:endCxn id="6" idx="0"/>
+          </p:cNvCxnSpPr>
+          <p:nvPr/>
+        </p:nvCxnSpPr>
+        <p:spPr>
+          <a:xfrm>
+            <a:off x="2733869" y="2122713"/>
+            <a:ext cx="2119605" cy="2794520"/>
+          </a:xfrm>
+          <a:prstGeom prst="bentConnector2">
+            <a:avLst/>
+          </a:prstGeom>
+          <a:ln>
+            <a:tailEnd type="triangle"/>
+          </a:ln>
+        </p:spPr>
+        <p:style>
+          <a:lnRef idx="1">
+            <a:schemeClr val="accent1"/>
+          </a:lnRef>
+          <a:fillRef idx="0">
+            <a:schemeClr val="accent1"/>
+          </a:fillRef>
+          <a:effectRef idx="0">
+            <a:schemeClr val="accent1"/>
+          </a:effectRef>
+          <a:fontRef idx="minor">
+            <a:schemeClr val="tx1"/>
+          </a:fontRef>
+        </p:style>
+      </p:cxnSp>
+      <p:sp>
+        <p:nvSpPr>
+          <p:cNvPr id="12" name="TextBox 11">
+            <a:extLst>
+              <a:ext uri="{FF2B5EF4-FFF2-40B4-BE49-F238E27FC236}">
+                <a16:creationId xmlns:a16="http://schemas.microsoft.com/office/drawing/2014/main" id="{A83886B2-9FCD-CB9D-2BF6-46022854145B}"/>
+              </a:ext>
+            </a:extLst>
+          </p:cNvPr>
+          <p:cNvSpPr txBox="1"/>
+          <p:nvPr/>
+        </p:nvSpPr>
+        <p:spPr>
+          <a:xfrm>
+            <a:off x="4133461" y="4310743"/>
+            <a:ext cx="1735496" cy="369332"/>
+          </a:xfrm>
+          <a:prstGeom prst="rect">
+            <a:avLst/>
+          </a:prstGeom>
+          <a:noFill/>
+        </p:spPr>
+        <p:txBody>
+          <a:bodyPr wrap="square" rtlCol="0">
+            <a:spAutoFit/>
+          </a:bodyPr>
+          <a:lstStyle/>
+          <a:p>
+            <a:r>
+              <a:rPr lang="en-US" dirty="0"/>
+              <a:t>Response</a:t>
+            </a:r>
+          </a:p>
+        </p:txBody>
+      </p:sp>
+      <p:cxnSp>
+        <p:nvCxnSpPr>
+          <p:cNvPr id="14" name="Connector: Elbow 13">
+            <a:extLst>
+              <a:ext uri="{FF2B5EF4-FFF2-40B4-BE49-F238E27FC236}">
+                <a16:creationId xmlns:a16="http://schemas.microsoft.com/office/drawing/2014/main" id="{83D49DC2-73D2-AF44-C239-5907F1C59A00}"/>
+              </a:ext>
+            </a:extLst>
+          </p:cNvPr>
+          <p:cNvCxnSpPr>
+            <a:stCxn id="6" idx="3"/>
+            <a:endCxn id="2" idx="2"/>
+          </p:cNvCxnSpPr>
+          <p:nvPr/>
+        </p:nvCxnSpPr>
+        <p:spPr>
+          <a:xfrm flipV="1">
+            <a:off x="6096000" y="3676261"/>
+            <a:ext cx="2749420" cy="2034075"/>
+          </a:xfrm>
+          <a:prstGeom prst="bentConnector2">
+            <a:avLst/>
+          </a:prstGeom>
+          <a:ln>
+            <a:tailEnd type="triangle"/>
+          </a:ln>
+        </p:spPr>
+        <p:style>
+          <a:lnRef idx="1">
+            <a:schemeClr val="accent1"/>
+          </a:lnRef>
+          <a:fillRef idx="0">
+            <a:schemeClr val="accent1"/>
+          </a:fillRef>
+          <a:effectRef idx="0">
+            <a:schemeClr val="accent1"/>
+          </a:effectRef>
+          <a:fontRef idx="minor">
+            <a:schemeClr val="tx1"/>
+          </a:fontRef>
+        </p:style>
+      </p:cxnSp>
+      <p:sp>
+        <p:nvSpPr>
+          <p:cNvPr id="15" name="TextBox 14">
+            <a:extLst>
+              <a:ext uri="{FF2B5EF4-FFF2-40B4-BE49-F238E27FC236}">
+                <a16:creationId xmlns:a16="http://schemas.microsoft.com/office/drawing/2014/main" id="{D876BDFF-9710-3549-4140-06B593D858A4}"/>
+              </a:ext>
+            </a:extLst>
+          </p:cNvPr>
+          <p:cNvSpPr txBox="1"/>
+          <p:nvPr/>
+        </p:nvSpPr>
+        <p:spPr>
+          <a:xfrm>
+            <a:off x="8032103" y="4680075"/>
+            <a:ext cx="4060370" cy="1754326"/>
+          </a:xfrm>
+          <a:prstGeom prst="rect">
+            <a:avLst/>
+          </a:prstGeom>
+          <a:noFill/>
+        </p:spPr>
+        <p:txBody>
+          <a:bodyPr wrap="square" rtlCol="0">
+            <a:spAutoFit/>
+          </a:bodyPr>
+          <a:lstStyle/>
+          <a:p>
+            <a:r>
+              <a:rPr lang="en-US" dirty="0"/>
+              <a:t>http call to server for data</a:t>
+            </a:r>
+          </a:p>
+          <a:p>
+            <a:r>
+              <a:rPr lang="en-US" dirty="0"/>
+              <a:t>From the Origin </a:t>
+            </a:r>
+            <a:r>
+              <a:rPr lang="en-US" dirty="0">
+                <a:hlinkClick r:id="rId2"/>
+              </a:rPr>
+              <a:t>www.myfrontednapp.com</a:t>
+            </a:r>
+            <a:endParaRPr lang="en-US" dirty="0"/>
+          </a:p>
+          <a:p>
+            <a:r>
+              <a:rPr lang="en-US" dirty="0"/>
+              <a:t>(Methods) GET / POST / PUT / DELETE</a:t>
+            </a:r>
+          </a:p>
+          <a:p>
+            <a:r>
+              <a:rPr lang="en-US" dirty="0"/>
+              <a:t>(Headers) AUTHORIZATION, Content-Type</a:t>
+            </a:r>
+          </a:p>
+          <a:p>
+            <a:r>
+              <a:rPr lang="en-US" dirty="0"/>
+              <a:t>  </a:t>
+            </a:r>
+          </a:p>
+        </p:txBody>
+      </p:sp>
+      <p:cxnSp>
+        <p:nvCxnSpPr>
+          <p:cNvPr id="17" name="Connector: Elbow 16">
+            <a:extLst>
+              <a:ext uri="{FF2B5EF4-FFF2-40B4-BE49-F238E27FC236}">
+                <a16:creationId xmlns:a16="http://schemas.microsoft.com/office/drawing/2014/main" id="{CD0EB597-380B-4C4C-B5CB-53A80634A1E0}"/>
+              </a:ext>
+            </a:extLst>
+          </p:cNvPr>
+          <p:cNvCxnSpPr>
+            <a:stCxn id="2" idx="1"/>
+            <a:endCxn id="6" idx="0"/>
+          </p:cNvCxnSpPr>
+          <p:nvPr/>
+        </p:nvCxnSpPr>
+        <p:spPr>
+          <a:xfrm rot="10800000" flipV="1">
+            <a:off x="4853474" y="2299995"/>
+            <a:ext cx="2163146" cy="2617237"/>
+          </a:xfrm>
+          <a:prstGeom prst="bentConnector2">
+            <a:avLst/>
+          </a:prstGeom>
+          <a:ln>
+            <a:tailEnd type="triangle"/>
+          </a:ln>
+        </p:spPr>
+        <p:style>
+          <a:lnRef idx="1">
+            <a:schemeClr val="accent1"/>
+          </a:lnRef>
+          <a:fillRef idx="0">
+            <a:schemeClr val="accent1"/>
+          </a:fillRef>
+          <a:effectRef idx="0">
+            <a:schemeClr val="accent1"/>
+          </a:effectRef>
+          <a:fontRef idx="minor">
+            <a:schemeClr val="tx1"/>
+          </a:fontRef>
+        </p:style>
+      </p:cxnSp>
+      <p:sp>
+        <p:nvSpPr>
+          <p:cNvPr id="18" name="Flowchart: Magnetic Disk 17">
+            <a:extLst>
+              <a:ext uri="{FF2B5EF4-FFF2-40B4-BE49-F238E27FC236}">
+                <a16:creationId xmlns:a16="http://schemas.microsoft.com/office/drawing/2014/main" id="{5D4DC859-5745-16B0-8D59-D45519873087}"/>
+              </a:ext>
+            </a:extLst>
+          </p:cNvPr>
+          <p:cNvSpPr/>
+          <p:nvPr/>
+        </p:nvSpPr>
+        <p:spPr>
+          <a:xfrm>
+            <a:off x="10972800" y="2122713"/>
+            <a:ext cx="942392" cy="443205"/>
+          </a:xfrm>
+          <a:prstGeom prst="flowChartMagneticDisk">
+            <a:avLst/>
+          </a:prstGeom>
+        </p:spPr>
+        <p:style>
+          <a:lnRef idx="2">
+            <a:schemeClr val="accent1">
+              <a:shade val="15000"/>
+            </a:schemeClr>
+          </a:lnRef>
+          <a:fillRef idx="1">
+            <a:schemeClr val="accent1"/>
+          </a:fillRef>
+          <a:effectRef idx="0">
+            <a:schemeClr val="accent1"/>
+          </a:effectRef>
+          <a:fontRef idx="minor">
+            <a:schemeClr val="lt1"/>
+          </a:fontRef>
+        </p:style>
+        <p:txBody>
+          <a:bodyPr rtlCol="0" anchor="ctr"/>
+          <a:lstStyle/>
+          <a:p>
+            <a:pPr algn="ctr"/>
+            <a:endParaRPr lang="en-US"/>
+          </a:p>
+        </p:txBody>
+      </p:sp>
+      <p:sp>
+        <p:nvSpPr>
+          <p:cNvPr id="19" name="Arrow: Left-Right 18">
+            <a:extLst>
+              <a:ext uri="{FF2B5EF4-FFF2-40B4-BE49-F238E27FC236}">
+                <a16:creationId xmlns:a16="http://schemas.microsoft.com/office/drawing/2014/main" id="{A80F4DC2-E2CD-4F50-9AA8-B94E697BF138}"/>
+              </a:ext>
+            </a:extLst>
+          </p:cNvPr>
+          <p:cNvSpPr/>
+          <p:nvPr/>
+        </p:nvSpPr>
+        <p:spPr>
+          <a:xfrm>
+            <a:off x="10546702" y="2299995"/>
+            <a:ext cx="538065" cy="200609"/>
+          </a:xfrm>
+          <a:prstGeom prst="leftRightArrow">
+            <a:avLst/>
+          </a:prstGeom>
+          <a:solidFill>
+            <a:schemeClr val="accent2"/>
+          </a:solidFill>
+        </p:spPr>
+        <p:style>
+          <a:lnRef idx="2">
+            <a:schemeClr val="accent1">
+              <a:shade val="15000"/>
+            </a:schemeClr>
+          </a:lnRef>
+          <a:fillRef idx="1">
+            <a:schemeClr val="accent1"/>
+          </a:fillRef>
+          <a:effectRef idx="0">
+            <a:schemeClr val="accent1"/>
+          </a:effectRef>
+          <a:fontRef idx="minor">
+            <a:schemeClr val="lt1"/>
+          </a:fontRef>
+        </p:style>
+        <p:txBody>
+          <a:bodyPr rtlCol="0" anchor="ctr"/>
+          <a:lstStyle/>
+          <a:p>
+            <a:pPr algn="ctr"/>
+            <a:endParaRPr lang="en-US"/>
+          </a:p>
+        </p:txBody>
+      </p:sp>
+      <p:sp>
+        <p:nvSpPr>
+          <p:cNvPr id="20" name="Flowchart: Multidocument 19">
+            <a:extLst>
+              <a:ext uri="{FF2B5EF4-FFF2-40B4-BE49-F238E27FC236}">
+                <a16:creationId xmlns:a16="http://schemas.microsoft.com/office/drawing/2014/main" id="{638838F9-86A3-0AC4-A7B4-9A743A7DD05F}"/>
+              </a:ext>
+            </a:extLst>
+          </p:cNvPr>
+          <p:cNvSpPr/>
+          <p:nvPr/>
+        </p:nvSpPr>
+        <p:spPr>
+          <a:xfrm>
+            <a:off x="10002416" y="2883159"/>
+            <a:ext cx="1328057" cy="966500"/>
+          </a:xfrm>
+          <a:prstGeom prst="flowChartMultidocument">
+            <a:avLst/>
+          </a:prstGeom>
+        </p:spPr>
+        <p:style>
+          <a:lnRef idx="2">
+            <a:schemeClr val="accent1">
+              <a:shade val="15000"/>
+            </a:schemeClr>
+          </a:lnRef>
+          <a:fillRef idx="1">
+            <a:schemeClr val="accent1"/>
+          </a:fillRef>
+          <a:effectRef idx="0">
+            <a:schemeClr val="accent1"/>
+          </a:effectRef>
+          <a:fontRef idx="minor">
+            <a:schemeClr val="lt1"/>
+          </a:fontRef>
+        </p:style>
+        <p:txBody>
+          <a:bodyPr rtlCol="0" anchor="ctr"/>
+          <a:lstStyle/>
+          <a:p>
+            <a:pPr algn="ctr"/>
+            <a:r>
+              <a:rPr lang="en-US" dirty="0"/>
+              <a:t>Log Files</a:t>
+            </a:r>
+          </a:p>
+        </p:txBody>
+      </p:sp>
+      <p:sp>
+        <p:nvSpPr>
+          <p:cNvPr id="21" name="TextBox 20">
+            <a:extLst>
+              <a:ext uri="{FF2B5EF4-FFF2-40B4-BE49-F238E27FC236}">
+                <a16:creationId xmlns:a16="http://schemas.microsoft.com/office/drawing/2014/main" id="{6E4FC4B7-052D-DE16-7135-06513EB43E56}"/>
+              </a:ext>
+            </a:extLst>
+          </p:cNvPr>
+          <p:cNvSpPr txBox="1"/>
+          <p:nvPr/>
+        </p:nvSpPr>
+        <p:spPr>
+          <a:xfrm>
+            <a:off x="3099317" y="6444735"/>
+            <a:ext cx="4477139" cy="307777"/>
+          </a:xfrm>
+          <a:prstGeom prst="rect">
+            <a:avLst/>
+          </a:prstGeom>
+          <a:noFill/>
+        </p:spPr>
+        <p:txBody>
+          <a:bodyPr wrap="square" rtlCol="0">
+            <a:spAutoFit/>
+          </a:bodyPr>
+          <a:lstStyle/>
+          <a:p>
+            <a:r>
+              <a:rPr lang="en-US" sz="1400" b="1" dirty="0">
+                <a:hlinkClick r:id="rId3"/>
+              </a:rPr>
+              <a:t>https://www.myfrontendapp.com</a:t>
+            </a:r>
+            <a:r>
+              <a:rPr lang="en-US" sz="1400" b="1" dirty="0"/>
+              <a:t> Home Page</a:t>
+            </a:r>
+          </a:p>
+        </p:txBody>
+      </p:sp>
+    </p:spTree>
+    <p:extLst>
+      <p:ext uri="{BB962C8B-B14F-4D97-AF65-F5344CB8AC3E}">
+        <p14:creationId xmlns:p14="http://schemas.microsoft.com/office/powerpoint/2010/main" val="2062849755"/>
+      </p:ext>
+    </p:extLst>
+  </p:cSld>
+  <p:clrMapOvr>
+    <a:masterClrMapping/>
+  </p:clrMapOvr>
+</p:sld>
+</file>
+
+<file path=ppt/slides/slide34.xml><?xml version="1.0" encoding="utf-8"?>
+<p:sld xmlns:a="http://schemas.openxmlformats.org/drawingml/2006/main" xmlns:r="http://schemas.openxmlformats.org/officeDocument/2006/relationships" xmlns:p="http://schemas.openxmlformats.org/presentationml/2006/main">
+  <p:cSld>
+    <p:spTree>
+      <p:nvGrpSpPr>
+        <p:cNvPr id="1" name=""/>
+        <p:cNvGrpSpPr/>
+        <p:nvPr/>
+      </p:nvGrpSpPr>
+      <p:grpSpPr>
+        <a:xfrm>
+          <a:off x="0" y="0"/>
+          <a:ext cx="0" cy="0"/>
+          <a:chOff x="0" y="0"/>
+          <a:chExt cx="0" cy="0"/>
+        </a:xfrm>
+      </p:grpSpPr>
+      <p:sp>
+        <p:nvSpPr>
+          <p:cNvPr id="2" name="Rectangle 1">
+            <a:extLst>
+              <a:ext uri="{FF2B5EF4-FFF2-40B4-BE49-F238E27FC236}">
+                <a16:creationId xmlns:a16="http://schemas.microsoft.com/office/drawing/2014/main" id="{38F688A6-9CE2-4DD2-750E-1BADF33F993A}"/>
+              </a:ext>
+            </a:extLst>
+          </p:cNvPr>
+          <p:cNvSpPr/>
+          <p:nvPr/>
+        </p:nvSpPr>
+        <p:spPr>
+          <a:xfrm>
+            <a:off x="6176866" y="578498"/>
+            <a:ext cx="2883159" cy="755780"/>
+          </a:xfrm>
+          <a:prstGeom prst="rect">
+            <a:avLst/>
+          </a:prstGeom>
+        </p:spPr>
+        <p:style>
+          <a:lnRef idx="2">
+            <a:schemeClr val="accent1">
+              <a:shade val="15000"/>
+            </a:schemeClr>
+          </a:lnRef>
+          <a:fillRef idx="1">
+            <a:schemeClr val="accent1"/>
+          </a:fillRef>
+          <a:effectRef idx="0">
+            <a:schemeClr val="accent1"/>
+          </a:effectRef>
+          <a:fontRef idx="minor">
+            <a:schemeClr val="lt1"/>
+          </a:fontRef>
+        </p:style>
+        <p:txBody>
+          <a:bodyPr rtlCol="0" anchor="ctr"/>
+          <a:lstStyle/>
+          <a:p>
+            <a:pPr algn="ctr"/>
+            <a:r>
+              <a:rPr lang="en-US" dirty="0"/>
+              <a:t>Vendor Mgmt. Serv</a:t>
+            </a:r>
+          </a:p>
+        </p:txBody>
+      </p:sp>
+      <p:sp>
+        <p:nvSpPr>
+          <p:cNvPr id="3" name="Flowchart: Magnetic Disk 2">
+            <a:extLst>
+              <a:ext uri="{FF2B5EF4-FFF2-40B4-BE49-F238E27FC236}">
+                <a16:creationId xmlns:a16="http://schemas.microsoft.com/office/drawing/2014/main" id="{3CA267A5-CB5A-83EE-A815-37CD1D502E34}"/>
+              </a:ext>
+            </a:extLst>
+          </p:cNvPr>
+          <p:cNvSpPr/>
+          <p:nvPr/>
+        </p:nvSpPr>
+        <p:spPr>
+          <a:xfrm>
+            <a:off x="9862457" y="653143"/>
+            <a:ext cx="1446245" cy="587828"/>
+          </a:xfrm>
+          <a:prstGeom prst="flowChartMagneticDisk">
+            <a:avLst/>
+          </a:prstGeom>
+        </p:spPr>
+        <p:style>
+          <a:lnRef idx="2">
+            <a:schemeClr val="accent1">
+              <a:shade val="15000"/>
+            </a:schemeClr>
+          </a:lnRef>
+          <a:fillRef idx="1">
+            <a:schemeClr val="accent1"/>
+          </a:fillRef>
+          <a:effectRef idx="0">
+            <a:schemeClr val="accent1"/>
+          </a:effectRef>
+          <a:fontRef idx="minor">
+            <a:schemeClr val="lt1"/>
+          </a:fontRef>
+        </p:style>
+        <p:txBody>
+          <a:bodyPr rtlCol="0" anchor="ctr"/>
+          <a:lstStyle/>
+          <a:p>
+            <a:pPr algn="ctr"/>
+            <a:r>
+              <a:rPr lang="en-US" dirty="0"/>
+              <a:t>Vendor DB</a:t>
+            </a:r>
+          </a:p>
+        </p:txBody>
+      </p:sp>
+      <p:sp>
+        <p:nvSpPr>
+          <p:cNvPr id="4" name="Arrow: Left-Right 3">
+            <a:extLst>
+              <a:ext uri="{FF2B5EF4-FFF2-40B4-BE49-F238E27FC236}">
+                <a16:creationId xmlns:a16="http://schemas.microsoft.com/office/drawing/2014/main" id="{7D027397-CDC6-FD38-E23B-A861C07CFB16}"/>
+              </a:ext>
+            </a:extLst>
+          </p:cNvPr>
+          <p:cNvSpPr/>
+          <p:nvPr/>
+        </p:nvSpPr>
+        <p:spPr>
+          <a:xfrm>
+            <a:off x="9060025" y="802433"/>
+            <a:ext cx="802432" cy="195943"/>
+          </a:xfrm>
+          <a:prstGeom prst="leftRightArrow">
+            <a:avLst/>
+          </a:prstGeom>
+        </p:spPr>
+        <p:style>
+          <a:lnRef idx="2">
+            <a:schemeClr val="accent1">
+              <a:shade val="15000"/>
+            </a:schemeClr>
+          </a:lnRef>
+          <a:fillRef idx="1">
+            <a:schemeClr val="accent1"/>
+          </a:fillRef>
+          <a:effectRef idx="0">
+            <a:schemeClr val="accent1"/>
+          </a:effectRef>
+          <a:fontRef idx="minor">
+            <a:schemeClr val="lt1"/>
+          </a:fontRef>
+        </p:style>
+        <p:txBody>
+          <a:bodyPr rtlCol="0" anchor="ctr"/>
+          <a:lstStyle/>
+          <a:p>
+            <a:pPr algn="ctr"/>
+            <a:endParaRPr lang="en-US"/>
+          </a:p>
+        </p:txBody>
+      </p:sp>
+      <p:sp>
+        <p:nvSpPr>
+          <p:cNvPr id="5" name="Rectangle 4">
+            <a:extLst>
+              <a:ext uri="{FF2B5EF4-FFF2-40B4-BE49-F238E27FC236}">
+                <a16:creationId xmlns:a16="http://schemas.microsoft.com/office/drawing/2014/main" id="{C60B043F-EFF6-8E67-7F56-8E2CD74B03DC}"/>
+              </a:ext>
+            </a:extLst>
+          </p:cNvPr>
+          <p:cNvSpPr/>
+          <p:nvPr/>
+        </p:nvSpPr>
+        <p:spPr>
+          <a:xfrm>
+            <a:off x="6176866" y="1635968"/>
+            <a:ext cx="2883159" cy="755780"/>
+          </a:xfrm>
+          <a:prstGeom prst="rect">
+            <a:avLst/>
+          </a:prstGeom>
+        </p:spPr>
+        <p:style>
+          <a:lnRef idx="2">
+            <a:schemeClr val="accent1">
+              <a:shade val="15000"/>
+            </a:schemeClr>
+          </a:lnRef>
+          <a:fillRef idx="1">
+            <a:schemeClr val="accent1"/>
+          </a:fillRef>
+          <a:effectRef idx="0">
+            <a:schemeClr val="accent1"/>
+          </a:effectRef>
+          <a:fontRef idx="minor">
+            <a:schemeClr val="lt1"/>
+          </a:fontRef>
+        </p:style>
+        <p:txBody>
+          <a:bodyPr rtlCol="0" anchor="ctr"/>
+          <a:lstStyle/>
+          <a:p>
+            <a:pPr algn="ctr"/>
+            <a:r>
+              <a:rPr lang="en-US" dirty="0"/>
+              <a:t>Customer Mgmt. Serv</a:t>
+            </a:r>
+          </a:p>
+        </p:txBody>
+      </p:sp>
+      <p:sp>
+        <p:nvSpPr>
+          <p:cNvPr id="6" name="Flowchart: Magnetic Disk 5">
+            <a:extLst>
+              <a:ext uri="{FF2B5EF4-FFF2-40B4-BE49-F238E27FC236}">
+                <a16:creationId xmlns:a16="http://schemas.microsoft.com/office/drawing/2014/main" id="{AAB98B8B-9182-8A47-BD01-E73AB3D5850E}"/>
+              </a:ext>
+            </a:extLst>
+          </p:cNvPr>
+          <p:cNvSpPr/>
+          <p:nvPr/>
+        </p:nvSpPr>
+        <p:spPr>
+          <a:xfrm>
+            <a:off x="9862457" y="1710613"/>
+            <a:ext cx="1446245" cy="587828"/>
+          </a:xfrm>
+          <a:prstGeom prst="flowChartMagneticDisk">
+            <a:avLst/>
+          </a:prstGeom>
+        </p:spPr>
+        <p:style>
+          <a:lnRef idx="2">
+            <a:schemeClr val="accent1">
+              <a:shade val="15000"/>
+            </a:schemeClr>
+          </a:lnRef>
+          <a:fillRef idx="1">
+            <a:schemeClr val="accent1"/>
+          </a:fillRef>
+          <a:effectRef idx="0">
+            <a:schemeClr val="accent1"/>
+          </a:effectRef>
+          <a:fontRef idx="minor">
+            <a:schemeClr val="lt1"/>
+          </a:fontRef>
+        </p:style>
+        <p:txBody>
+          <a:bodyPr rtlCol="0" anchor="ctr"/>
+          <a:lstStyle/>
+          <a:p>
+            <a:pPr algn="ctr"/>
+            <a:r>
+              <a:rPr lang="en-US" dirty="0"/>
+              <a:t>Customer DB</a:t>
+            </a:r>
+          </a:p>
+        </p:txBody>
+      </p:sp>
+      <p:sp>
+        <p:nvSpPr>
+          <p:cNvPr id="7" name="Arrow: Left-Right 6">
+            <a:extLst>
+              <a:ext uri="{FF2B5EF4-FFF2-40B4-BE49-F238E27FC236}">
+                <a16:creationId xmlns:a16="http://schemas.microsoft.com/office/drawing/2014/main" id="{9C312CBD-4641-11A2-7D1D-7F1D7F625658}"/>
+              </a:ext>
+            </a:extLst>
+          </p:cNvPr>
+          <p:cNvSpPr/>
+          <p:nvPr/>
+        </p:nvSpPr>
+        <p:spPr>
+          <a:xfrm>
+            <a:off x="9060025" y="1859903"/>
+            <a:ext cx="802432" cy="195943"/>
+          </a:xfrm>
+          <a:prstGeom prst="leftRightArrow">
+            <a:avLst/>
+          </a:prstGeom>
+        </p:spPr>
+        <p:style>
+          <a:lnRef idx="2">
+            <a:schemeClr val="accent1">
+              <a:shade val="15000"/>
+            </a:schemeClr>
+          </a:lnRef>
+          <a:fillRef idx="1">
+            <a:schemeClr val="accent1"/>
+          </a:fillRef>
+          <a:effectRef idx="0">
+            <a:schemeClr val="accent1"/>
+          </a:effectRef>
+          <a:fontRef idx="minor">
+            <a:schemeClr val="lt1"/>
+          </a:fontRef>
+        </p:style>
+        <p:txBody>
+          <a:bodyPr rtlCol="0" anchor="ctr"/>
+          <a:lstStyle/>
+          <a:p>
+            <a:pPr algn="ctr"/>
+            <a:endParaRPr lang="en-US"/>
+          </a:p>
+        </p:txBody>
+      </p:sp>
+      <p:sp>
+        <p:nvSpPr>
+          <p:cNvPr id="8" name="Rectangle 7">
+            <a:extLst>
+              <a:ext uri="{FF2B5EF4-FFF2-40B4-BE49-F238E27FC236}">
+                <a16:creationId xmlns:a16="http://schemas.microsoft.com/office/drawing/2014/main" id="{C8A0BAF5-FAF2-F653-C542-E64BF644E8DE}"/>
+              </a:ext>
+            </a:extLst>
+          </p:cNvPr>
+          <p:cNvSpPr/>
+          <p:nvPr/>
+        </p:nvSpPr>
+        <p:spPr>
+          <a:xfrm>
+            <a:off x="6214189" y="2883161"/>
+            <a:ext cx="2883159" cy="755780"/>
+          </a:xfrm>
+          <a:prstGeom prst="rect">
+            <a:avLst/>
+          </a:prstGeom>
+        </p:spPr>
+        <p:style>
+          <a:lnRef idx="2">
+            <a:schemeClr val="accent1">
+              <a:shade val="15000"/>
+            </a:schemeClr>
+          </a:lnRef>
+          <a:fillRef idx="1">
+            <a:schemeClr val="accent1"/>
+          </a:fillRef>
+          <a:effectRef idx="0">
+            <a:schemeClr val="accent1"/>
+          </a:effectRef>
+          <a:fontRef idx="minor">
+            <a:schemeClr val="lt1"/>
+          </a:fontRef>
+        </p:style>
+        <p:txBody>
+          <a:bodyPr rtlCol="0" anchor="ctr"/>
+          <a:lstStyle/>
+          <a:p>
+            <a:pPr algn="ctr"/>
+            <a:r>
+              <a:rPr lang="en-US" dirty="0"/>
+              <a:t>Product Mgmt. Serv</a:t>
+            </a:r>
+          </a:p>
+        </p:txBody>
+      </p:sp>
+      <p:sp>
+        <p:nvSpPr>
+          <p:cNvPr id="9" name="Flowchart: Magnetic Disk 8">
+            <a:extLst>
+              <a:ext uri="{FF2B5EF4-FFF2-40B4-BE49-F238E27FC236}">
+                <a16:creationId xmlns:a16="http://schemas.microsoft.com/office/drawing/2014/main" id="{5DE97DA1-EB77-5D98-9253-D242DB4F20FD}"/>
+              </a:ext>
+            </a:extLst>
+          </p:cNvPr>
+          <p:cNvSpPr/>
+          <p:nvPr/>
+        </p:nvSpPr>
+        <p:spPr>
+          <a:xfrm>
+            <a:off x="9899780" y="2957806"/>
+            <a:ext cx="1446245" cy="587828"/>
+          </a:xfrm>
+          <a:prstGeom prst="flowChartMagneticDisk">
+            <a:avLst/>
+          </a:prstGeom>
+        </p:spPr>
+        <p:style>
+          <a:lnRef idx="2">
+            <a:schemeClr val="accent1">
+              <a:shade val="15000"/>
+            </a:schemeClr>
+          </a:lnRef>
+          <a:fillRef idx="1">
+            <a:schemeClr val="accent1"/>
+          </a:fillRef>
+          <a:effectRef idx="0">
+            <a:schemeClr val="accent1"/>
+          </a:effectRef>
+          <a:fontRef idx="minor">
+            <a:schemeClr val="lt1"/>
+          </a:fontRef>
+        </p:style>
+        <p:txBody>
+          <a:bodyPr rtlCol="0" anchor="ctr"/>
+          <a:lstStyle/>
+          <a:p>
+            <a:pPr algn="ctr"/>
+            <a:r>
+              <a:rPr lang="en-US" dirty="0"/>
+              <a:t>Product DB</a:t>
+            </a:r>
+          </a:p>
+        </p:txBody>
+      </p:sp>
+      <p:sp>
+        <p:nvSpPr>
+          <p:cNvPr id="10" name="Arrow: Left-Right 9">
+            <a:extLst>
+              <a:ext uri="{FF2B5EF4-FFF2-40B4-BE49-F238E27FC236}">
+                <a16:creationId xmlns:a16="http://schemas.microsoft.com/office/drawing/2014/main" id="{74AEBCD3-02A3-119D-65AC-55A19347DFA9}"/>
+              </a:ext>
+            </a:extLst>
+          </p:cNvPr>
+          <p:cNvSpPr/>
+          <p:nvPr/>
+        </p:nvSpPr>
+        <p:spPr>
+          <a:xfrm>
+            <a:off x="9097348" y="3107096"/>
+            <a:ext cx="802432" cy="195943"/>
+          </a:xfrm>
+          <a:prstGeom prst="leftRightArrow">
+            <a:avLst/>
+          </a:prstGeom>
+        </p:spPr>
+        <p:style>
+          <a:lnRef idx="2">
+            <a:schemeClr val="accent1">
+              <a:shade val="15000"/>
+            </a:schemeClr>
+          </a:lnRef>
+          <a:fillRef idx="1">
+            <a:schemeClr val="accent1"/>
+          </a:fillRef>
+          <a:effectRef idx="0">
+            <a:schemeClr val="accent1"/>
+          </a:effectRef>
+          <a:fontRef idx="minor">
+            <a:schemeClr val="lt1"/>
+          </a:fontRef>
+        </p:style>
+        <p:txBody>
+          <a:bodyPr rtlCol="0" anchor="ctr"/>
+          <a:lstStyle/>
+          <a:p>
+            <a:pPr algn="ctr"/>
+            <a:endParaRPr lang="en-US"/>
+          </a:p>
+        </p:txBody>
+      </p:sp>
+      <p:sp>
+        <p:nvSpPr>
+          <p:cNvPr id="11" name="Rectangle 10">
+            <a:extLst>
+              <a:ext uri="{FF2B5EF4-FFF2-40B4-BE49-F238E27FC236}">
+                <a16:creationId xmlns:a16="http://schemas.microsoft.com/office/drawing/2014/main" id="{2CFFA4CA-334A-EBD9-32F2-5693BB60AD47}"/>
+              </a:ext>
+            </a:extLst>
+          </p:cNvPr>
+          <p:cNvSpPr/>
+          <p:nvPr/>
+        </p:nvSpPr>
+        <p:spPr>
+          <a:xfrm>
+            <a:off x="6176866" y="4130354"/>
+            <a:ext cx="2883159" cy="755780"/>
+          </a:xfrm>
+          <a:prstGeom prst="rect">
+            <a:avLst/>
+          </a:prstGeom>
+        </p:spPr>
+        <p:style>
+          <a:lnRef idx="2">
+            <a:schemeClr val="accent1">
+              <a:shade val="15000"/>
+            </a:schemeClr>
+          </a:lnRef>
+          <a:fillRef idx="1">
+            <a:schemeClr val="accent1"/>
+          </a:fillRef>
+          <a:effectRef idx="0">
+            <a:schemeClr val="accent1"/>
+          </a:effectRef>
+          <a:fontRef idx="minor">
+            <a:schemeClr val="lt1"/>
+          </a:fontRef>
+        </p:style>
+        <p:txBody>
+          <a:bodyPr rtlCol="0" anchor="ctr"/>
+          <a:lstStyle/>
+          <a:p>
+            <a:pPr algn="ctr"/>
+            <a:r>
+              <a:rPr lang="en-US" dirty="0"/>
+              <a:t>Order Mgmt. Serv</a:t>
+            </a:r>
+          </a:p>
+        </p:txBody>
+      </p:sp>
+      <p:sp>
+        <p:nvSpPr>
+          <p:cNvPr id="12" name="Flowchart: Magnetic Disk 11">
+            <a:extLst>
+              <a:ext uri="{FF2B5EF4-FFF2-40B4-BE49-F238E27FC236}">
+                <a16:creationId xmlns:a16="http://schemas.microsoft.com/office/drawing/2014/main" id="{319FB1CA-899B-4610-B395-1EE1CDED0ED2}"/>
+              </a:ext>
+            </a:extLst>
+          </p:cNvPr>
+          <p:cNvSpPr/>
+          <p:nvPr/>
+        </p:nvSpPr>
+        <p:spPr>
+          <a:xfrm>
+            <a:off x="9862457" y="4204999"/>
+            <a:ext cx="1446245" cy="587828"/>
+          </a:xfrm>
+          <a:prstGeom prst="flowChartMagneticDisk">
+            <a:avLst/>
+          </a:prstGeom>
+        </p:spPr>
+        <p:style>
+          <a:lnRef idx="2">
+            <a:schemeClr val="accent1">
+              <a:shade val="15000"/>
+            </a:schemeClr>
+          </a:lnRef>
+          <a:fillRef idx="1">
+            <a:schemeClr val="accent1"/>
+          </a:fillRef>
+          <a:effectRef idx="0">
+            <a:schemeClr val="accent1"/>
+          </a:effectRef>
+          <a:fontRef idx="minor">
+            <a:schemeClr val="lt1"/>
+          </a:fontRef>
+        </p:style>
+        <p:txBody>
+          <a:bodyPr rtlCol="0" anchor="ctr"/>
+          <a:lstStyle/>
+          <a:p>
+            <a:pPr algn="ctr"/>
+            <a:r>
+              <a:rPr lang="en-US" dirty="0"/>
+              <a:t>Order DB</a:t>
+            </a:r>
+          </a:p>
+        </p:txBody>
+      </p:sp>
+      <p:sp>
+        <p:nvSpPr>
+          <p:cNvPr id="13" name="Arrow: Left-Right 12">
+            <a:extLst>
+              <a:ext uri="{FF2B5EF4-FFF2-40B4-BE49-F238E27FC236}">
+                <a16:creationId xmlns:a16="http://schemas.microsoft.com/office/drawing/2014/main" id="{820CD5CF-71F7-BB2A-AEBD-59EEE618CF6E}"/>
+              </a:ext>
+            </a:extLst>
+          </p:cNvPr>
+          <p:cNvSpPr/>
+          <p:nvPr/>
+        </p:nvSpPr>
+        <p:spPr>
+          <a:xfrm>
+            <a:off x="9060025" y="4354289"/>
+            <a:ext cx="802432" cy="195943"/>
+          </a:xfrm>
+          <a:prstGeom prst="leftRightArrow">
+            <a:avLst/>
+          </a:prstGeom>
+        </p:spPr>
+        <p:style>
+          <a:lnRef idx="2">
+            <a:schemeClr val="accent1">
+              <a:shade val="15000"/>
+            </a:schemeClr>
+          </a:lnRef>
+          <a:fillRef idx="1">
+            <a:schemeClr val="accent1"/>
+          </a:fillRef>
+          <a:effectRef idx="0">
+            <a:schemeClr val="accent1"/>
+          </a:effectRef>
+          <a:fontRef idx="minor">
+            <a:schemeClr val="lt1"/>
+          </a:fontRef>
+        </p:style>
+        <p:txBody>
+          <a:bodyPr rtlCol="0" anchor="ctr"/>
+          <a:lstStyle/>
+          <a:p>
+            <a:pPr algn="ctr"/>
+            <a:endParaRPr lang="en-US"/>
+          </a:p>
+        </p:txBody>
+      </p:sp>
+      <p:sp>
+        <p:nvSpPr>
+          <p:cNvPr id="14" name="Rectangle 13">
+            <a:extLst>
+              <a:ext uri="{FF2B5EF4-FFF2-40B4-BE49-F238E27FC236}">
+                <a16:creationId xmlns:a16="http://schemas.microsoft.com/office/drawing/2014/main" id="{732F971C-E298-F47A-124E-1E281EAA0535}"/>
+              </a:ext>
+            </a:extLst>
+          </p:cNvPr>
+          <p:cNvSpPr/>
+          <p:nvPr/>
+        </p:nvSpPr>
+        <p:spPr>
+          <a:xfrm>
+            <a:off x="6176866" y="5262469"/>
+            <a:ext cx="2883159" cy="755780"/>
+          </a:xfrm>
+          <a:prstGeom prst="rect">
+            <a:avLst/>
+          </a:prstGeom>
+        </p:spPr>
+        <p:style>
+          <a:lnRef idx="2">
+            <a:schemeClr val="accent1">
+              <a:shade val="15000"/>
+            </a:schemeClr>
+          </a:lnRef>
+          <a:fillRef idx="1">
+            <a:schemeClr val="accent1"/>
+          </a:fillRef>
+          <a:effectRef idx="0">
+            <a:schemeClr val="accent1"/>
+          </a:effectRef>
+          <a:fontRef idx="minor">
+            <a:schemeClr val="lt1"/>
+          </a:fontRef>
+        </p:style>
+        <p:txBody>
+          <a:bodyPr rtlCol="0" anchor="ctr"/>
+          <a:lstStyle/>
+          <a:p>
+            <a:pPr algn="ctr"/>
+            <a:r>
+              <a:rPr lang="en-US" dirty="0"/>
+              <a:t>Bill Mgmt. Serv</a:t>
+            </a:r>
+          </a:p>
+        </p:txBody>
+      </p:sp>
+      <p:sp>
+        <p:nvSpPr>
+          <p:cNvPr id="15" name="Flowchart: Magnetic Disk 14">
+            <a:extLst>
+              <a:ext uri="{FF2B5EF4-FFF2-40B4-BE49-F238E27FC236}">
+                <a16:creationId xmlns:a16="http://schemas.microsoft.com/office/drawing/2014/main" id="{39B0B6EF-576E-4117-1AB7-5636F1E473E0}"/>
+              </a:ext>
+            </a:extLst>
+          </p:cNvPr>
+          <p:cNvSpPr/>
+          <p:nvPr/>
+        </p:nvSpPr>
+        <p:spPr>
+          <a:xfrm>
+            <a:off x="9862457" y="5337114"/>
+            <a:ext cx="1446245" cy="587828"/>
+          </a:xfrm>
+          <a:prstGeom prst="flowChartMagneticDisk">
+            <a:avLst/>
+          </a:prstGeom>
+        </p:spPr>
+        <p:style>
+          <a:lnRef idx="2">
+            <a:schemeClr val="accent1">
+              <a:shade val="15000"/>
+            </a:schemeClr>
+          </a:lnRef>
+          <a:fillRef idx="1">
+            <a:schemeClr val="accent1"/>
+          </a:fillRef>
+          <a:effectRef idx="0">
+            <a:schemeClr val="accent1"/>
+          </a:effectRef>
+          <a:fontRef idx="minor">
+            <a:schemeClr val="lt1"/>
+          </a:fontRef>
+        </p:style>
+        <p:txBody>
+          <a:bodyPr rtlCol="0" anchor="ctr"/>
+          <a:lstStyle/>
+          <a:p>
+            <a:pPr algn="ctr"/>
+            <a:r>
+              <a:rPr lang="en-US" dirty="0"/>
+              <a:t>Order DB</a:t>
+            </a:r>
+          </a:p>
+        </p:txBody>
+      </p:sp>
+      <p:sp>
+        <p:nvSpPr>
+          <p:cNvPr id="16" name="Arrow: Left-Right 15">
+            <a:extLst>
+              <a:ext uri="{FF2B5EF4-FFF2-40B4-BE49-F238E27FC236}">
+                <a16:creationId xmlns:a16="http://schemas.microsoft.com/office/drawing/2014/main" id="{AE94EA1B-A183-8948-401B-70887CE9CF45}"/>
+              </a:ext>
+            </a:extLst>
+          </p:cNvPr>
+          <p:cNvSpPr/>
+          <p:nvPr/>
+        </p:nvSpPr>
+        <p:spPr>
+          <a:xfrm>
+            <a:off x="9060025" y="5486404"/>
+            <a:ext cx="802432" cy="195943"/>
+          </a:xfrm>
+          <a:prstGeom prst="leftRightArrow">
+            <a:avLst/>
+          </a:prstGeom>
+        </p:spPr>
+        <p:style>
+          <a:lnRef idx="2">
+            <a:schemeClr val="accent1">
+              <a:shade val="15000"/>
+            </a:schemeClr>
+          </a:lnRef>
+          <a:fillRef idx="1">
+            <a:schemeClr val="accent1"/>
+          </a:fillRef>
+          <a:effectRef idx="0">
+            <a:schemeClr val="accent1"/>
+          </a:effectRef>
+          <a:fontRef idx="minor">
+            <a:schemeClr val="lt1"/>
+          </a:fontRef>
+        </p:style>
+        <p:txBody>
+          <a:bodyPr rtlCol="0" anchor="ctr"/>
+          <a:lstStyle/>
+          <a:p>
+            <a:pPr algn="ctr"/>
+            <a:endParaRPr lang="en-US"/>
+          </a:p>
+        </p:txBody>
+      </p:sp>
+      <p:sp>
+        <p:nvSpPr>
+          <p:cNvPr id="17" name="Left Brace 16">
+            <a:extLst>
+              <a:ext uri="{FF2B5EF4-FFF2-40B4-BE49-F238E27FC236}">
+                <a16:creationId xmlns:a16="http://schemas.microsoft.com/office/drawing/2014/main" id="{BAD0B2A3-90DE-171F-3D1D-EEF3E4F6C2CF}"/>
+              </a:ext>
+            </a:extLst>
+          </p:cNvPr>
+          <p:cNvSpPr/>
+          <p:nvPr/>
+        </p:nvSpPr>
+        <p:spPr>
+          <a:xfrm>
+            <a:off x="5057192" y="578498"/>
+            <a:ext cx="755779" cy="5598367"/>
+          </a:xfrm>
+          <a:prstGeom prst="leftBrace">
+            <a:avLst/>
+          </a:prstGeom>
+          <a:ln w="76200">
+            <a:solidFill>
+              <a:srgbClr val="7030A0"/>
+            </a:solidFill>
+          </a:ln>
+        </p:spPr>
+        <p:style>
+          <a:lnRef idx="1">
+            <a:schemeClr val="accent1"/>
+          </a:lnRef>
+          <a:fillRef idx="0">
+            <a:schemeClr val="accent1"/>
+          </a:fillRef>
+          <a:effectRef idx="0">
+            <a:schemeClr val="accent1"/>
+          </a:effectRef>
+          <a:fontRef idx="minor">
+            <a:schemeClr val="tx1"/>
+          </a:fontRef>
+        </p:style>
+        <p:txBody>
+          <a:bodyPr rtlCol="0" anchor="ctr"/>
+          <a:lstStyle/>
+          <a:p>
+            <a:pPr algn="ctr"/>
+            <a:endParaRPr lang="en-US"/>
+          </a:p>
+        </p:txBody>
+      </p:sp>
+      <p:sp>
+        <p:nvSpPr>
+          <p:cNvPr id="18" name="TextBox 17">
+            <a:extLst>
+              <a:ext uri="{FF2B5EF4-FFF2-40B4-BE49-F238E27FC236}">
+                <a16:creationId xmlns:a16="http://schemas.microsoft.com/office/drawing/2014/main" id="{628A7A28-01DF-E2D6-728C-8DFC1F729781}"/>
+              </a:ext>
+            </a:extLst>
+          </p:cNvPr>
+          <p:cNvSpPr txBox="1"/>
+          <p:nvPr/>
+        </p:nvSpPr>
+        <p:spPr>
+          <a:xfrm>
+            <a:off x="2500604" y="3303039"/>
+            <a:ext cx="2155370" cy="369332"/>
+          </a:xfrm>
+          <a:prstGeom prst="rect">
+            <a:avLst/>
+          </a:prstGeom>
+          <a:noFill/>
+        </p:spPr>
+        <p:txBody>
+          <a:bodyPr wrap="square" rtlCol="0">
+            <a:spAutoFit/>
+          </a:bodyPr>
+          <a:lstStyle/>
+          <a:p>
+            <a:r>
+              <a:rPr lang="en-US" dirty="0"/>
+              <a:t>Microservice</a:t>
+            </a:r>
+          </a:p>
+        </p:txBody>
+      </p:sp>
+    </p:spTree>
+    <p:extLst>
+      <p:ext uri="{BB962C8B-B14F-4D97-AF65-F5344CB8AC3E}">
+        <p14:creationId xmlns:p14="http://schemas.microsoft.com/office/powerpoint/2010/main" val="1110152291"/>
+      </p:ext>
+    </p:extLst>
+  </p:cSld>
+  <p:clrMapOvr>
+    <a:masterClrMapping/>
+  </p:clrMapOvr>
+</p:sld>
+</file>
+
+<file path=ppt/slides/slide35.xml><?xml version="1.0" encoding="utf-8"?>
+<p:sld xmlns:a="http://schemas.openxmlformats.org/drawingml/2006/main" xmlns:r="http://schemas.openxmlformats.org/officeDocument/2006/relationships" xmlns:p="http://schemas.openxmlformats.org/presentationml/2006/main">
+  <p:cSld>
+    <p:spTree>
+      <p:nvGrpSpPr>
+        <p:cNvPr id="1" name=""/>
+        <p:cNvGrpSpPr/>
+        <p:nvPr/>
+      </p:nvGrpSpPr>
+      <p:grpSpPr>
+        <a:xfrm>
+          <a:off x="0" y="0"/>
+          <a:ext cx="0" cy="0"/>
+          <a:chOff x="0" y="0"/>
+          <a:chExt cx="0" cy="0"/>
+        </a:xfrm>
+      </p:grpSpPr>
+      <p:sp>
+        <p:nvSpPr>
+          <p:cNvPr id="2" name="Rectangle 1">
+            <a:extLst>
+              <a:ext uri="{FF2B5EF4-FFF2-40B4-BE49-F238E27FC236}">
+                <a16:creationId xmlns:a16="http://schemas.microsoft.com/office/drawing/2014/main" id="{F48DB970-E4D9-130A-F632-A7604A3D12FF}"/>
+              </a:ext>
+            </a:extLst>
+          </p:cNvPr>
+          <p:cNvSpPr/>
+          <p:nvPr/>
+        </p:nvSpPr>
+        <p:spPr>
+          <a:xfrm>
+            <a:off x="4688635" y="410547"/>
+            <a:ext cx="4879910" cy="6195526"/>
+          </a:xfrm>
+          <a:prstGeom prst="rect">
+            <a:avLst/>
+          </a:prstGeom>
+        </p:spPr>
+        <p:style>
+          <a:lnRef idx="2">
+            <a:schemeClr val="accent6"/>
+          </a:lnRef>
+          <a:fillRef idx="1">
+            <a:schemeClr val="lt1"/>
+          </a:fillRef>
+          <a:effectRef idx="0">
+            <a:schemeClr val="accent6"/>
+          </a:effectRef>
+          <a:fontRef idx="minor">
+            <a:schemeClr val="dk1"/>
+          </a:fontRef>
+        </p:style>
+        <p:txBody>
+          <a:bodyPr rtlCol="0" anchor="ctr"/>
+          <a:lstStyle/>
+          <a:p>
+            <a:pPr algn="ctr"/>
+            <a:endParaRPr lang="en-US"/>
+          </a:p>
+        </p:txBody>
+      </p:sp>
+      <p:sp>
+        <p:nvSpPr>
+          <p:cNvPr id="3" name="TextBox 2">
+            <a:extLst>
+              <a:ext uri="{FF2B5EF4-FFF2-40B4-BE49-F238E27FC236}">
+                <a16:creationId xmlns:a16="http://schemas.microsoft.com/office/drawing/2014/main" id="{1DA723E3-1260-414C-DCF9-81E01B419E9B}"/>
+              </a:ext>
+            </a:extLst>
+          </p:cNvPr>
+          <p:cNvSpPr txBox="1"/>
+          <p:nvPr/>
+        </p:nvSpPr>
+        <p:spPr>
+          <a:xfrm>
+            <a:off x="4767943" y="559837"/>
+            <a:ext cx="4618653" cy="373224"/>
+          </a:xfrm>
+          <a:prstGeom prst="rect">
+            <a:avLst/>
+          </a:prstGeom>
+          <a:noFill/>
+        </p:spPr>
+        <p:txBody>
+          <a:bodyPr wrap="square" rtlCol="0">
+            <a:spAutoFit/>
+          </a:bodyPr>
+          <a:lstStyle/>
+          <a:p>
+            <a:pPr algn="ctr"/>
+            <a:r>
+              <a:rPr lang="en-US" dirty="0"/>
+              <a:t>IIS Web Server</a:t>
+            </a:r>
+          </a:p>
+        </p:txBody>
+      </p:sp>
+      <p:sp>
+        <p:nvSpPr>
+          <p:cNvPr id="4" name="Rectangle 3">
+            <a:extLst>
+              <a:ext uri="{FF2B5EF4-FFF2-40B4-BE49-F238E27FC236}">
+                <a16:creationId xmlns:a16="http://schemas.microsoft.com/office/drawing/2014/main" id="{DE6D8C63-8B17-30E0-61B3-DF08E85D92B8}"/>
+              </a:ext>
+            </a:extLst>
+          </p:cNvPr>
+          <p:cNvSpPr/>
+          <p:nvPr/>
+        </p:nvSpPr>
+        <p:spPr>
+          <a:xfrm>
+            <a:off x="4767943" y="1082351"/>
+            <a:ext cx="4618653" cy="373224"/>
+          </a:xfrm>
+          <a:prstGeom prst="rect">
+            <a:avLst/>
+          </a:prstGeom>
+        </p:spPr>
+        <p:style>
+          <a:lnRef idx="2">
+            <a:schemeClr val="accent1">
+              <a:shade val="15000"/>
+            </a:schemeClr>
+          </a:lnRef>
+          <a:fillRef idx="1">
+            <a:schemeClr val="accent1"/>
+          </a:fillRef>
+          <a:effectRef idx="0">
+            <a:schemeClr val="accent1"/>
+          </a:effectRef>
+          <a:fontRef idx="minor">
+            <a:schemeClr val="lt1"/>
+          </a:fontRef>
+        </p:style>
+        <p:txBody>
+          <a:bodyPr rtlCol="0" anchor="ctr"/>
+          <a:lstStyle/>
+          <a:p>
+            <a:pPr algn="ctr"/>
+            <a:r>
+              <a:rPr lang="en-US" dirty="0"/>
+              <a:t>Request Interceptor aka Listener</a:t>
+            </a:r>
+          </a:p>
+        </p:txBody>
+      </p:sp>
+      <p:sp>
+        <p:nvSpPr>
+          <p:cNvPr id="5" name="Rectangle 4">
+            <a:extLst>
+              <a:ext uri="{FF2B5EF4-FFF2-40B4-BE49-F238E27FC236}">
+                <a16:creationId xmlns:a16="http://schemas.microsoft.com/office/drawing/2014/main" id="{DFD0CF37-A452-50D2-9360-4E0FB78BB9CD}"/>
+              </a:ext>
+            </a:extLst>
+          </p:cNvPr>
+          <p:cNvSpPr/>
+          <p:nvPr/>
+        </p:nvSpPr>
+        <p:spPr>
+          <a:xfrm>
+            <a:off x="4767943" y="2015412"/>
+            <a:ext cx="4683967" cy="2920482"/>
+          </a:xfrm>
+          <a:prstGeom prst="rect">
+            <a:avLst/>
+          </a:prstGeom>
+        </p:spPr>
+        <p:style>
+          <a:lnRef idx="3">
+            <a:schemeClr val="lt1"/>
+          </a:lnRef>
+          <a:fillRef idx="1">
+            <a:schemeClr val="accent4"/>
+          </a:fillRef>
+          <a:effectRef idx="1">
+            <a:schemeClr val="accent4"/>
+          </a:effectRef>
+          <a:fontRef idx="minor">
+            <a:schemeClr val="lt1"/>
+          </a:fontRef>
+        </p:style>
+        <p:txBody>
+          <a:bodyPr rtlCol="0" anchor="ctr"/>
+          <a:lstStyle/>
+          <a:p>
+            <a:pPr algn="ctr"/>
+            <a:endParaRPr lang="en-US"/>
+          </a:p>
+        </p:txBody>
+      </p:sp>
+      <p:sp>
+        <p:nvSpPr>
+          <p:cNvPr id="6" name="TextBox 5">
+            <a:extLst>
+              <a:ext uri="{FF2B5EF4-FFF2-40B4-BE49-F238E27FC236}">
+                <a16:creationId xmlns:a16="http://schemas.microsoft.com/office/drawing/2014/main" id="{449FEB0E-64DE-C362-4DAD-0A54E90013C0}"/>
+              </a:ext>
+            </a:extLst>
+          </p:cNvPr>
+          <p:cNvSpPr txBox="1"/>
+          <p:nvPr/>
+        </p:nvSpPr>
+        <p:spPr>
+          <a:xfrm>
+            <a:off x="4833257" y="2099388"/>
+            <a:ext cx="4553339" cy="369332"/>
+          </a:xfrm>
+          <a:prstGeom prst="rect">
+            <a:avLst/>
+          </a:prstGeom>
+          <a:noFill/>
+        </p:spPr>
+        <p:txBody>
+          <a:bodyPr wrap="square" rtlCol="0">
+            <a:spAutoFit/>
+          </a:bodyPr>
+          <a:lstStyle/>
+          <a:p>
+            <a:pPr algn="ctr"/>
+            <a:r>
+              <a:rPr lang="en-US" dirty="0"/>
+              <a:t>Application</a:t>
+            </a:r>
+          </a:p>
+        </p:txBody>
+      </p:sp>
+      <p:sp>
+        <p:nvSpPr>
+          <p:cNvPr id="7" name="Rectangle 6">
+            <a:extLst>
+              <a:ext uri="{FF2B5EF4-FFF2-40B4-BE49-F238E27FC236}">
+                <a16:creationId xmlns:a16="http://schemas.microsoft.com/office/drawing/2014/main" id="{68A742A4-ADFD-0F7D-D696-4D1B1D75E6A8}"/>
+              </a:ext>
+            </a:extLst>
+          </p:cNvPr>
+          <p:cNvSpPr/>
+          <p:nvPr/>
+        </p:nvSpPr>
+        <p:spPr>
+          <a:xfrm>
+            <a:off x="4982547" y="4264090"/>
+            <a:ext cx="4217437" cy="531845"/>
+          </a:xfrm>
+          <a:prstGeom prst="rect">
+            <a:avLst/>
+          </a:prstGeom>
+        </p:spPr>
+        <p:style>
+          <a:lnRef idx="2">
+            <a:schemeClr val="accent1">
+              <a:shade val="15000"/>
+            </a:schemeClr>
+          </a:lnRef>
+          <a:fillRef idx="1">
+            <a:schemeClr val="accent1"/>
+          </a:fillRef>
+          <a:effectRef idx="0">
+            <a:schemeClr val="accent1"/>
+          </a:effectRef>
+          <a:fontRef idx="minor">
+            <a:schemeClr val="lt1"/>
+          </a:fontRef>
+        </p:style>
+        <p:txBody>
+          <a:bodyPr rtlCol="0" anchor="ctr"/>
+          <a:lstStyle/>
+          <a:p>
+            <a:pPr algn="ctr"/>
+            <a:r>
+              <a:rPr lang="en-US" dirty="0"/>
+              <a:t>Data Access Layer</a:t>
+            </a:r>
+          </a:p>
+        </p:txBody>
+      </p:sp>
+      <p:sp>
+        <p:nvSpPr>
+          <p:cNvPr id="8" name="Rectangle 7">
+            <a:extLst>
+              <a:ext uri="{FF2B5EF4-FFF2-40B4-BE49-F238E27FC236}">
+                <a16:creationId xmlns:a16="http://schemas.microsoft.com/office/drawing/2014/main" id="{EBA39E7A-6B3D-6BC8-FBC7-A7E8D0CCA386}"/>
+              </a:ext>
+            </a:extLst>
+          </p:cNvPr>
+          <p:cNvSpPr/>
+          <p:nvPr/>
+        </p:nvSpPr>
+        <p:spPr>
+          <a:xfrm>
+            <a:off x="5001207" y="3609392"/>
+            <a:ext cx="4217437" cy="531845"/>
+          </a:xfrm>
+          <a:prstGeom prst="rect">
+            <a:avLst/>
+          </a:prstGeom>
+        </p:spPr>
+        <p:style>
+          <a:lnRef idx="2">
+            <a:schemeClr val="accent1">
+              <a:shade val="15000"/>
+            </a:schemeClr>
+          </a:lnRef>
+          <a:fillRef idx="1">
+            <a:schemeClr val="accent1"/>
+          </a:fillRef>
+          <a:effectRef idx="0">
+            <a:schemeClr val="accent1"/>
+          </a:effectRef>
+          <a:fontRef idx="minor">
+            <a:schemeClr val="lt1"/>
+          </a:fontRef>
+        </p:style>
+        <p:txBody>
+          <a:bodyPr rtlCol="0" anchor="ctr"/>
+          <a:lstStyle/>
+          <a:p>
+            <a:pPr algn="ctr"/>
+            <a:r>
+              <a:rPr lang="en-US" dirty="0"/>
+              <a:t>Business Layer</a:t>
+            </a:r>
+          </a:p>
+        </p:txBody>
+      </p:sp>
+      <p:sp>
+        <p:nvSpPr>
+          <p:cNvPr id="9" name="Rectangle 8">
+            <a:extLst>
+              <a:ext uri="{FF2B5EF4-FFF2-40B4-BE49-F238E27FC236}">
+                <a16:creationId xmlns:a16="http://schemas.microsoft.com/office/drawing/2014/main" id="{96830B5D-8B2B-8C92-0E2F-01179C89ECA5}"/>
+              </a:ext>
+            </a:extLst>
+          </p:cNvPr>
+          <p:cNvSpPr/>
+          <p:nvPr/>
+        </p:nvSpPr>
+        <p:spPr>
+          <a:xfrm>
+            <a:off x="5001207" y="2496712"/>
+            <a:ext cx="1595537" cy="531845"/>
+          </a:xfrm>
+          <a:prstGeom prst="rect">
+            <a:avLst/>
+          </a:prstGeom>
+          <a:solidFill>
+            <a:srgbClr val="00B0F0"/>
+          </a:solidFill>
+        </p:spPr>
+        <p:style>
+          <a:lnRef idx="2">
+            <a:schemeClr val="accent1">
+              <a:shade val="15000"/>
+            </a:schemeClr>
+          </a:lnRef>
+          <a:fillRef idx="1">
+            <a:schemeClr val="accent1"/>
+          </a:fillRef>
+          <a:effectRef idx="0">
+            <a:schemeClr val="accent1"/>
+          </a:effectRef>
+          <a:fontRef idx="minor">
+            <a:schemeClr val="lt1"/>
+          </a:fontRef>
+        </p:style>
+        <p:txBody>
+          <a:bodyPr rtlCol="0" anchor="ctr"/>
+          <a:lstStyle/>
+          <a:p>
+            <a:pPr algn="ctr"/>
+            <a:r>
+              <a:rPr lang="en-US" sz="1400" dirty="0"/>
+              <a:t>Presentation Layer with </a:t>
+            </a:r>
+            <a:r>
+              <a:rPr lang="en-US" sz="1400" dirty="0" err="1"/>
+              <a:t>cshtml</a:t>
+            </a:r>
+            <a:endParaRPr lang="en-US" sz="1400" dirty="0"/>
+          </a:p>
+        </p:txBody>
+      </p:sp>
+      <p:sp>
+        <p:nvSpPr>
+          <p:cNvPr id="10" name="Rectangle 9">
+            <a:extLst>
+              <a:ext uri="{FF2B5EF4-FFF2-40B4-BE49-F238E27FC236}">
+                <a16:creationId xmlns:a16="http://schemas.microsoft.com/office/drawing/2014/main" id="{8C156FDF-83DF-00AD-E200-629C5C889AF5}"/>
+              </a:ext>
+            </a:extLst>
+          </p:cNvPr>
+          <p:cNvSpPr/>
+          <p:nvPr/>
+        </p:nvSpPr>
+        <p:spPr>
+          <a:xfrm>
+            <a:off x="6596744" y="3052656"/>
+            <a:ext cx="1595537" cy="531845"/>
+          </a:xfrm>
+          <a:prstGeom prst="rect">
+            <a:avLst/>
+          </a:prstGeom>
+          <a:solidFill>
+            <a:srgbClr val="002060"/>
+          </a:solidFill>
+        </p:spPr>
+        <p:style>
+          <a:lnRef idx="2">
+            <a:schemeClr val="accent1">
+              <a:shade val="15000"/>
+            </a:schemeClr>
+          </a:lnRef>
+          <a:fillRef idx="1">
+            <a:schemeClr val="accent1"/>
+          </a:fillRef>
+          <a:effectRef idx="0">
+            <a:schemeClr val="accent1"/>
+          </a:effectRef>
+          <a:fontRef idx="minor">
+            <a:schemeClr val="lt1"/>
+          </a:fontRef>
+        </p:style>
+        <p:txBody>
+          <a:bodyPr rtlCol="0" anchor="ctr"/>
+          <a:lstStyle/>
+          <a:p>
+            <a:pPr algn="ctr"/>
+            <a:r>
+              <a:rPr lang="en-US" sz="1400" dirty="0"/>
+              <a:t>WEB API Layer</a:t>
+            </a:r>
+          </a:p>
+          <a:p>
+            <a:pPr algn="ctr"/>
+            <a:r>
+              <a:rPr lang="en-US" sz="1400" dirty="0"/>
+              <a:t>Action Methods</a:t>
+            </a:r>
+          </a:p>
+        </p:txBody>
+      </p:sp>
+      <p:sp>
+        <p:nvSpPr>
+          <p:cNvPr id="11" name="Rectangle 10">
+            <a:extLst>
+              <a:ext uri="{FF2B5EF4-FFF2-40B4-BE49-F238E27FC236}">
+                <a16:creationId xmlns:a16="http://schemas.microsoft.com/office/drawing/2014/main" id="{E3D639C7-5A8C-1F8D-543C-6969C1105F73}"/>
+              </a:ext>
+            </a:extLst>
+          </p:cNvPr>
+          <p:cNvSpPr/>
+          <p:nvPr/>
+        </p:nvSpPr>
+        <p:spPr>
+          <a:xfrm>
+            <a:off x="8257595" y="2252756"/>
+            <a:ext cx="961049" cy="1298315"/>
+          </a:xfrm>
+          <a:prstGeom prst="rect">
+            <a:avLst/>
+          </a:prstGeom>
+          <a:solidFill>
+            <a:srgbClr val="C00000"/>
+          </a:solidFill>
+        </p:spPr>
+        <p:style>
+          <a:lnRef idx="2">
+            <a:schemeClr val="accent1">
+              <a:shade val="15000"/>
+            </a:schemeClr>
+          </a:lnRef>
+          <a:fillRef idx="1">
+            <a:schemeClr val="accent1"/>
+          </a:fillRef>
+          <a:effectRef idx="0">
+            <a:schemeClr val="accent1"/>
+          </a:effectRef>
+          <a:fontRef idx="minor">
+            <a:schemeClr val="lt1"/>
+          </a:fontRef>
+        </p:style>
+        <p:txBody>
+          <a:bodyPr rtlCol="0" anchor="ctr"/>
+          <a:lstStyle/>
+          <a:p>
+            <a:pPr algn="ctr"/>
+            <a:endParaRPr lang="en-US"/>
+          </a:p>
+        </p:txBody>
+      </p:sp>
+      <p:sp>
+        <p:nvSpPr>
+          <p:cNvPr id="12" name="Rectangle 11">
+            <a:extLst>
+              <a:ext uri="{FF2B5EF4-FFF2-40B4-BE49-F238E27FC236}">
+                <a16:creationId xmlns:a16="http://schemas.microsoft.com/office/drawing/2014/main" id="{81ECA146-92F8-C062-D62D-C725A97B2C2D}"/>
+              </a:ext>
+            </a:extLst>
+          </p:cNvPr>
+          <p:cNvSpPr/>
+          <p:nvPr/>
+        </p:nvSpPr>
+        <p:spPr>
+          <a:xfrm>
+            <a:off x="8285587" y="2397967"/>
+            <a:ext cx="914397" cy="369332"/>
+          </a:xfrm>
+          <a:prstGeom prst="rect">
+            <a:avLst/>
+          </a:prstGeom>
+        </p:spPr>
+        <p:style>
+          <a:lnRef idx="2">
+            <a:schemeClr val="accent1">
+              <a:shade val="15000"/>
+            </a:schemeClr>
+          </a:lnRef>
+          <a:fillRef idx="1">
+            <a:schemeClr val="accent1"/>
+          </a:fillRef>
+          <a:effectRef idx="0">
+            <a:schemeClr val="accent1"/>
+          </a:effectRef>
+          <a:fontRef idx="minor">
+            <a:schemeClr val="lt1"/>
+          </a:fontRef>
+        </p:style>
+        <p:txBody>
+          <a:bodyPr rtlCol="0" anchor="ctr"/>
+          <a:lstStyle/>
+          <a:p>
+            <a:pPr algn="ctr"/>
+            <a:r>
+              <a:rPr lang="en-US" sz="1600" dirty="0"/>
+              <a:t>Module</a:t>
+            </a:r>
+          </a:p>
+        </p:txBody>
+      </p:sp>
+      <p:sp>
+        <p:nvSpPr>
+          <p:cNvPr id="13" name="Rectangle 12">
+            <a:extLst>
+              <a:ext uri="{FF2B5EF4-FFF2-40B4-BE49-F238E27FC236}">
+                <a16:creationId xmlns:a16="http://schemas.microsoft.com/office/drawing/2014/main" id="{8918876F-5FF4-496C-F139-48F1DD666358}"/>
+              </a:ext>
+            </a:extLst>
+          </p:cNvPr>
+          <p:cNvSpPr/>
+          <p:nvPr/>
+        </p:nvSpPr>
+        <p:spPr>
+          <a:xfrm>
+            <a:off x="8299585" y="2922819"/>
+            <a:ext cx="914397" cy="369332"/>
+          </a:xfrm>
+          <a:prstGeom prst="rect">
+            <a:avLst/>
+          </a:prstGeom>
+        </p:spPr>
+        <p:style>
+          <a:lnRef idx="2">
+            <a:schemeClr val="accent1">
+              <a:shade val="15000"/>
+            </a:schemeClr>
+          </a:lnRef>
+          <a:fillRef idx="1">
+            <a:schemeClr val="accent1"/>
+          </a:fillRef>
+          <a:effectRef idx="0">
+            <a:schemeClr val="accent1"/>
+          </a:effectRef>
+          <a:fontRef idx="minor">
+            <a:schemeClr val="lt1"/>
+          </a:fontRef>
+        </p:style>
+        <p:txBody>
+          <a:bodyPr rtlCol="0" anchor="ctr"/>
+          <a:lstStyle/>
+          <a:p>
+            <a:pPr algn="ctr"/>
+            <a:r>
+              <a:rPr lang="en-US" sz="1600" dirty="0"/>
+              <a:t>Handler</a:t>
+            </a:r>
+          </a:p>
+        </p:txBody>
+      </p:sp>
+      <p:sp>
+        <p:nvSpPr>
+          <p:cNvPr id="14" name="TextBox 13">
+            <a:extLst>
+              <a:ext uri="{FF2B5EF4-FFF2-40B4-BE49-F238E27FC236}">
+                <a16:creationId xmlns:a16="http://schemas.microsoft.com/office/drawing/2014/main" id="{BD86C104-2B41-AEA2-CD3E-9B75C9DA9A2F}"/>
+              </a:ext>
+            </a:extLst>
+          </p:cNvPr>
+          <p:cNvSpPr txBox="1"/>
+          <p:nvPr/>
+        </p:nvSpPr>
+        <p:spPr>
+          <a:xfrm>
+            <a:off x="9750490" y="1661294"/>
+            <a:ext cx="2258009" cy="2308324"/>
+          </a:xfrm>
+          <a:prstGeom prst="rect">
+            <a:avLst/>
+          </a:prstGeom>
+          <a:noFill/>
+        </p:spPr>
+        <p:txBody>
+          <a:bodyPr wrap="square" rtlCol="0">
+            <a:spAutoFit/>
+          </a:bodyPr>
+          <a:lstStyle/>
+          <a:p>
+            <a:r>
+              <a:rPr lang="en-US" dirty="0"/>
+              <a:t>Http Module and Http Handler are responsible to process and Manage the Request Processing on IIS for ASP.NET Eco-System on .NET Framework</a:t>
+            </a:r>
+          </a:p>
+        </p:txBody>
+      </p:sp>
+      <p:cxnSp>
+        <p:nvCxnSpPr>
+          <p:cNvPr id="16" name="Connector: Elbow 15">
+            <a:extLst>
+              <a:ext uri="{FF2B5EF4-FFF2-40B4-BE49-F238E27FC236}">
+                <a16:creationId xmlns:a16="http://schemas.microsoft.com/office/drawing/2014/main" id="{39B39C48-2262-53F1-4A30-4B4EA8535F57}"/>
+              </a:ext>
+            </a:extLst>
+          </p:cNvPr>
+          <p:cNvCxnSpPr>
+            <a:stCxn id="14" idx="1"/>
+            <a:endCxn id="12" idx="3"/>
+          </p:cNvCxnSpPr>
+          <p:nvPr/>
+        </p:nvCxnSpPr>
+        <p:spPr>
+          <a:xfrm rot="10800000">
+            <a:off x="9199984" y="2582634"/>
+            <a:ext cx="550506" cy="232823"/>
+          </a:xfrm>
+          <a:prstGeom prst="bentConnector3">
+            <a:avLst/>
+          </a:prstGeom>
+          <a:ln>
+            <a:tailEnd type="triangle"/>
+          </a:ln>
+        </p:spPr>
+        <p:style>
+          <a:lnRef idx="1">
+            <a:schemeClr val="accent1"/>
+          </a:lnRef>
+          <a:fillRef idx="0">
+            <a:schemeClr val="accent1"/>
+          </a:fillRef>
+          <a:effectRef idx="0">
+            <a:schemeClr val="accent1"/>
+          </a:effectRef>
+          <a:fontRef idx="minor">
+            <a:schemeClr val="tx1"/>
+          </a:fontRef>
+        </p:style>
+      </p:cxnSp>
+      <p:cxnSp>
+        <p:nvCxnSpPr>
+          <p:cNvPr id="18" name="Connector: Elbow 17">
+            <a:extLst>
+              <a:ext uri="{FF2B5EF4-FFF2-40B4-BE49-F238E27FC236}">
+                <a16:creationId xmlns:a16="http://schemas.microsoft.com/office/drawing/2014/main" id="{75FCC074-C98E-F357-755A-9AEF60AF2AB3}"/>
+              </a:ext>
+            </a:extLst>
+          </p:cNvPr>
+          <p:cNvCxnSpPr>
+            <a:stCxn id="14" idx="1"/>
+            <a:endCxn id="13" idx="3"/>
+          </p:cNvCxnSpPr>
+          <p:nvPr/>
+        </p:nvCxnSpPr>
+        <p:spPr>
+          <a:xfrm rot="10800000" flipV="1">
+            <a:off x="9213982" y="2815455"/>
+            <a:ext cx="536508" cy="292029"/>
+          </a:xfrm>
+          <a:prstGeom prst="bentConnector3">
+            <a:avLst/>
+          </a:prstGeom>
+          <a:ln>
+            <a:tailEnd type="triangle"/>
+          </a:ln>
+        </p:spPr>
+        <p:style>
+          <a:lnRef idx="1">
+            <a:schemeClr val="accent1"/>
+          </a:lnRef>
+          <a:fillRef idx="0">
+            <a:schemeClr val="accent1"/>
+          </a:fillRef>
+          <a:effectRef idx="0">
+            <a:schemeClr val="accent1"/>
+          </a:effectRef>
+          <a:fontRef idx="minor">
+            <a:schemeClr val="tx1"/>
+          </a:fontRef>
+        </p:style>
+      </p:cxnSp>
+      <p:cxnSp>
+        <p:nvCxnSpPr>
+          <p:cNvPr id="22" name="Connector: Elbow 21">
+            <a:extLst>
+              <a:ext uri="{FF2B5EF4-FFF2-40B4-BE49-F238E27FC236}">
+                <a16:creationId xmlns:a16="http://schemas.microsoft.com/office/drawing/2014/main" id="{4FEBD582-07A8-26D2-5575-69C53A185566}"/>
+              </a:ext>
+            </a:extLst>
+          </p:cNvPr>
+          <p:cNvCxnSpPr>
+            <a:stCxn id="11" idx="1"/>
+            <a:endCxn id="10" idx="0"/>
+          </p:cNvCxnSpPr>
+          <p:nvPr/>
+        </p:nvCxnSpPr>
+        <p:spPr>
+          <a:xfrm rot="10800000" flipV="1">
+            <a:off x="7394513" y="2901914"/>
+            <a:ext cx="863082" cy="150742"/>
+          </a:xfrm>
+          <a:prstGeom prst="bentConnector2">
+            <a:avLst/>
+          </a:prstGeom>
+          <a:ln>
+            <a:tailEnd type="triangle"/>
+          </a:ln>
+        </p:spPr>
+        <p:style>
+          <a:lnRef idx="1">
+            <a:schemeClr val="accent1"/>
+          </a:lnRef>
+          <a:fillRef idx="0">
+            <a:schemeClr val="accent1"/>
+          </a:fillRef>
+          <a:effectRef idx="0">
+            <a:schemeClr val="accent1"/>
+          </a:effectRef>
+          <a:fontRef idx="minor">
+            <a:schemeClr val="tx1"/>
+          </a:fontRef>
+        </p:style>
+      </p:cxnSp>
+      <p:cxnSp>
+        <p:nvCxnSpPr>
+          <p:cNvPr id="24" name="Connector: Elbow 23">
+            <a:extLst>
+              <a:ext uri="{FF2B5EF4-FFF2-40B4-BE49-F238E27FC236}">
+                <a16:creationId xmlns:a16="http://schemas.microsoft.com/office/drawing/2014/main" id="{38E45070-DFF8-0BEA-0187-DEC4E4B95B70}"/>
+              </a:ext>
+            </a:extLst>
+          </p:cNvPr>
+          <p:cNvCxnSpPr>
+            <a:stCxn id="11" idx="1"/>
+            <a:endCxn id="9" idx="3"/>
+          </p:cNvCxnSpPr>
+          <p:nvPr/>
+        </p:nvCxnSpPr>
+        <p:spPr>
+          <a:xfrm rot="10800000">
+            <a:off x="6596745" y="2762636"/>
+            <a:ext cx="1660851" cy="139279"/>
+          </a:xfrm>
+          <a:prstGeom prst="bentConnector3">
+            <a:avLst/>
+          </a:prstGeom>
+          <a:ln>
+            <a:tailEnd type="triangle"/>
+          </a:ln>
+        </p:spPr>
+        <p:style>
+          <a:lnRef idx="1">
+            <a:schemeClr val="accent1"/>
+          </a:lnRef>
+          <a:fillRef idx="0">
+            <a:schemeClr val="accent1"/>
+          </a:fillRef>
+          <a:effectRef idx="0">
+            <a:schemeClr val="accent1"/>
+          </a:effectRef>
+          <a:fontRef idx="minor">
+            <a:schemeClr val="tx1"/>
+          </a:fontRef>
+        </p:style>
+      </p:cxnSp>
+      <p:sp>
+        <p:nvSpPr>
+          <p:cNvPr id="25" name="Rectangle 24">
+            <a:extLst>
+              <a:ext uri="{FF2B5EF4-FFF2-40B4-BE49-F238E27FC236}">
+                <a16:creationId xmlns:a16="http://schemas.microsoft.com/office/drawing/2014/main" id="{BAA4A36A-260D-300D-A684-2A53E0179142}"/>
+              </a:ext>
+            </a:extLst>
+          </p:cNvPr>
+          <p:cNvSpPr/>
+          <p:nvPr/>
+        </p:nvSpPr>
+        <p:spPr>
+          <a:xfrm>
+            <a:off x="4797488" y="5067300"/>
+            <a:ext cx="4589108" cy="789934"/>
+          </a:xfrm>
+          <a:prstGeom prst="rect">
+            <a:avLst/>
+          </a:prstGeom>
+        </p:spPr>
+        <p:style>
+          <a:lnRef idx="2">
+            <a:schemeClr val="accent1">
+              <a:shade val="15000"/>
+            </a:schemeClr>
+          </a:lnRef>
+          <a:fillRef idx="1">
+            <a:schemeClr val="accent1"/>
+          </a:fillRef>
+          <a:effectRef idx="0">
+            <a:schemeClr val="accent1"/>
+          </a:effectRef>
+          <a:fontRef idx="minor">
+            <a:schemeClr val="lt1"/>
+          </a:fontRef>
+        </p:style>
+        <p:txBody>
+          <a:bodyPr rtlCol="0" anchor="ctr"/>
+          <a:lstStyle/>
+          <a:p>
+            <a:pPr algn="ctr"/>
+            <a:r>
+              <a:rPr lang="en-US" b="1" dirty="0"/>
+              <a:t>ASP.NET Runtime </a:t>
+            </a:r>
+          </a:p>
+        </p:txBody>
+      </p:sp>
+      <p:sp>
+        <p:nvSpPr>
+          <p:cNvPr id="26" name="Rectangle 25">
+            <a:extLst>
+              <a:ext uri="{FF2B5EF4-FFF2-40B4-BE49-F238E27FC236}">
+                <a16:creationId xmlns:a16="http://schemas.microsoft.com/office/drawing/2014/main" id="{F9040F36-729B-C466-1776-A0CFCA401DC2}"/>
+              </a:ext>
+            </a:extLst>
+          </p:cNvPr>
+          <p:cNvSpPr/>
+          <p:nvPr/>
+        </p:nvSpPr>
+        <p:spPr>
+          <a:xfrm>
+            <a:off x="9764488" y="5067300"/>
+            <a:ext cx="1982753" cy="789934"/>
+          </a:xfrm>
+          <a:prstGeom prst="rect">
+            <a:avLst/>
+          </a:prstGeom>
+        </p:spPr>
+        <p:style>
+          <a:lnRef idx="2">
+            <a:schemeClr val="accent1">
+              <a:shade val="15000"/>
+            </a:schemeClr>
+          </a:lnRef>
+          <a:fillRef idx="1">
+            <a:schemeClr val="accent1"/>
+          </a:fillRef>
+          <a:effectRef idx="0">
+            <a:schemeClr val="accent1"/>
+          </a:effectRef>
+          <a:fontRef idx="minor">
+            <a:schemeClr val="lt1"/>
+          </a:fontRef>
+        </p:style>
+        <p:txBody>
+          <a:bodyPr rtlCol="0" anchor="ctr"/>
+          <a:lstStyle/>
+          <a:p>
+            <a:pPr algn="ctr"/>
+            <a:r>
+              <a:rPr lang="en-US" b="1" dirty="0"/>
+              <a:t>.NET Framework</a:t>
+            </a:r>
+          </a:p>
+        </p:txBody>
+      </p:sp>
+      <p:cxnSp>
+        <p:nvCxnSpPr>
+          <p:cNvPr id="28" name="Connector: Elbow 27">
+            <a:extLst>
+              <a:ext uri="{FF2B5EF4-FFF2-40B4-BE49-F238E27FC236}">
+                <a16:creationId xmlns:a16="http://schemas.microsoft.com/office/drawing/2014/main" id="{C40DCA47-B86F-7DE6-EFFB-A78C72C249A6}"/>
+              </a:ext>
+            </a:extLst>
+          </p:cNvPr>
+          <p:cNvCxnSpPr>
+            <a:stCxn id="25" idx="3"/>
+            <a:endCxn id="26" idx="1"/>
+          </p:cNvCxnSpPr>
+          <p:nvPr/>
+        </p:nvCxnSpPr>
+        <p:spPr>
+          <a:xfrm>
+            <a:off x="9386596" y="5462267"/>
+            <a:ext cx="377892" cy="12700"/>
+          </a:xfrm>
+          <a:prstGeom prst="bentConnector3">
+            <a:avLst/>
+          </a:prstGeom>
+          <a:ln>
+            <a:headEnd type="triangle"/>
+            <a:tailEnd type="triangle"/>
+          </a:ln>
+        </p:spPr>
+        <p:style>
+          <a:lnRef idx="1">
+            <a:schemeClr val="accent1"/>
+          </a:lnRef>
+          <a:fillRef idx="0">
+            <a:schemeClr val="accent1"/>
+          </a:fillRef>
+          <a:effectRef idx="0">
+            <a:schemeClr val="accent1"/>
+          </a:effectRef>
+          <a:fontRef idx="minor">
+            <a:schemeClr val="tx1"/>
+          </a:fontRef>
+        </p:style>
+      </p:cxnSp>
+      <p:sp>
+        <p:nvSpPr>
+          <p:cNvPr id="29" name="Arrow: Right 28">
+            <a:extLst>
+              <a:ext uri="{FF2B5EF4-FFF2-40B4-BE49-F238E27FC236}">
+                <a16:creationId xmlns:a16="http://schemas.microsoft.com/office/drawing/2014/main" id="{1A07A608-CDD8-7D75-EA20-2983243056AF}"/>
+              </a:ext>
+            </a:extLst>
+          </p:cNvPr>
+          <p:cNvSpPr/>
+          <p:nvPr/>
+        </p:nvSpPr>
+        <p:spPr>
+          <a:xfrm>
+            <a:off x="1446245" y="1231641"/>
+            <a:ext cx="3387012" cy="118908"/>
+          </a:xfrm>
+          <a:prstGeom prst="rightArrow">
+            <a:avLst/>
+          </a:prstGeom>
+          <a:solidFill>
+            <a:srgbClr val="002060"/>
+          </a:solidFill>
+        </p:spPr>
+        <p:style>
+          <a:lnRef idx="2">
+            <a:schemeClr val="accent1">
+              <a:shade val="15000"/>
+            </a:schemeClr>
+          </a:lnRef>
+          <a:fillRef idx="1">
+            <a:schemeClr val="accent1"/>
+          </a:fillRef>
+          <a:effectRef idx="0">
+            <a:schemeClr val="accent1"/>
+          </a:effectRef>
+          <a:fontRef idx="minor">
+            <a:schemeClr val="lt1"/>
+          </a:fontRef>
+        </p:style>
+        <p:txBody>
+          <a:bodyPr rtlCol="0" anchor="ctr"/>
+          <a:lstStyle/>
+          <a:p>
+            <a:pPr algn="ctr"/>
+            <a:endParaRPr lang="en-US"/>
+          </a:p>
+        </p:txBody>
+      </p:sp>
+      <p:sp>
+        <p:nvSpPr>
+          <p:cNvPr id="30" name="Arrow: Down 29">
+            <a:extLst>
+              <a:ext uri="{FF2B5EF4-FFF2-40B4-BE49-F238E27FC236}">
+                <a16:creationId xmlns:a16="http://schemas.microsoft.com/office/drawing/2014/main" id="{9BA313C6-42A4-9A62-7420-9E908C5D7CBB}"/>
+              </a:ext>
+            </a:extLst>
+          </p:cNvPr>
+          <p:cNvSpPr/>
+          <p:nvPr/>
+        </p:nvSpPr>
+        <p:spPr>
+          <a:xfrm>
+            <a:off x="8864082" y="1431476"/>
+            <a:ext cx="186612" cy="580835"/>
+          </a:xfrm>
+          <a:prstGeom prst="downArrow">
+            <a:avLst/>
+          </a:prstGeom>
+          <a:solidFill>
+            <a:srgbClr val="002060"/>
+          </a:solidFill>
+        </p:spPr>
+        <p:style>
+          <a:lnRef idx="2">
+            <a:schemeClr val="accent1">
+              <a:shade val="15000"/>
+            </a:schemeClr>
+          </a:lnRef>
+          <a:fillRef idx="1">
+            <a:schemeClr val="accent1"/>
+          </a:fillRef>
+          <a:effectRef idx="0">
+            <a:schemeClr val="accent1"/>
+          </a:effectRef>
+          <a:fontRef idx="minor">
+            <a:schemeClr val="lt1"/>
+          </a:fontRef>
+        </p:style>
+        <p:txBody>
+          <a:bodyPr rtlCol="0" anchor="ctr"/>
+          <a:lstStyle/>
+          <a:p>
+            <a:pPr algn="ctr"/>
+            <a:endParaRPr lang="en-US"/>
+          </a:p>
+        </p:txBody>
+      </p:sp>
+      <p:sp>
+        <p:nvSpPr>
+          <p:cNvPr id="31" name="Arrow: Down 30">
+            <a:extLst>
+              <a:ext uri="{FF2B5EF4-FFF2-40B4-BE49-F238E27FC236}">
+                <a16:creationId xmlns:a16="http://schemas.microsoft.com/office/drawing/2014/main" id="{6EEF9CC5-0B40-F113-6540-CD8C36FAAE58}"/>
+              </a:ext>
+            </a:extLst>
+          </p:cNvPr>
+          <p:cNvSpPr/>
+          <p:nvPr/>
+        </p:nvSpPr>
+        <p:spPr>
+          <a:xfrm>
+            <a:off x="8864082" y="4795935"/>
+            <a:ext cx="186612" cy="373224"/>
+          </a:xfrm>
+          <a:prstGeom prst="downArrow">
+            <a:avLst/>
+          </a:prstGeom>
+          <a:solidFill>
+            <a:srgbClr val="002060"/>
+          </a:solidFill>
+        </p:spPr>
+        <p:style>
+          <a:lnRef idx="2">
+            <a:schemeClr val="accent1">
+              <a:shade val="15000"/>
+            </a:schemeClr>
+          </a:lnRef>
+          <a:fillRef idx="1">
+            <a:schemeClr val="accent1"/>
+          </a:fillRef>
+          <a:effectRef idx="0">
+            <a:schemeClr val="accent1"/>
+          </a:effectRef>
+          <a:fontRef idx="minor">
+            <a:schemeClr val="lt1"/>
+          </a:fontRef>
+        </p:style>
+        <p:txBody>
+          <a:bodyPr rtlCol="0" anchor="ctr"/>
+          <a:lstStyle/>
+          <a:p>
+            <a:pPr algn="ctr"/>
+            <a:endParaRPr lang="en-US"/>
+          </a:p>
+        </p:txBody>
+      </p:sp>
+      <p:sp>
+        <p:nvSpPr>
+          <p:cNvPr id="32" name="Arrow: Up 31">
+            <a:extLst>
+              <a:ext uri="{FF2B5EF4-FFF2-40B4-BE49-F238E27FC236}">
+                <a16:creationId xmlns:a16="http://schemas.microsoft.com/office/drawing/2014/main" id="{99AEFA08-1065-A363-7169-C4271D3CB3DB}"/>
+              </a:ext>
+            </a:extLst>
+          </p:cNvPr>
+          <p:cNvSpPr/>
+          <p:nvPr/>
+        </p:nvSpPr>
+        <p:spPr>
+          <a:xfrm>
+            <a:off x="5253135" y="4795935"/>
+            <a:ext cx="186612" cy="373224"/>
+          </a:xfrm>
+          <a:prstGeom prst="upArrow">
+            <a:avLst/>
+          </a:prstGeom>
+          <a:solidFill>
+            <a:srgbClr val="FFFF00"/>
+          </a:solidFill>
+        </p:spPr>
+        <p:style>
+          <a:lnRef idx="2">
+            <a:schemeClr val="accent1">
+              <a:shade val="15000"/>
+            </a:schemeClr>
+          </a:lnRef>
+          <a:fillRef idx="1">
+            <a:schemeClr val="accent1"/>
+          </a:fillRef>
+          <a:effectRef idx="0">
+            <a:schemeClr val="accent1"/>
+          </a:effectRef>
+          <a:fontRef idx="minor">
+            <a:schemeClr val="lt1"/>
+          </a:fontRef>
+        </p:style>
+        <p:txBody>
+          <a:bodyPr rtlCol="0" anchor="ctr"/>
+          <a:lstStyle/>
+          <a:p>
+            <a:pPr algn="ctr"/>
+            <a:endParaRPr lang="en-US"/>
+          </a:p>
+        </p:txBody>
+      </p:sp>
+      <p:sp>
+        <p:nvSpPr>
+          <p:cNvPr id="33" name="Arrow: Up 32">
+            <a:extLst>
+              <a:ext uri="{FF2B5EF4-FFF2-40B4-BE49-F238E27FC236}">
+                <a16:creationId xmlns:a16="http://schemas.microsoft.com/office/drawing/2014/main" id="{D7919110-BC73-D8F6-7D65-BD179039DB52}"/>
+              </a:ext>
+            </a:extLst>
+          </p:cNvPr>
+          <p:cNvSpPr/>
+          <p:nvPr/>
+        </p:nvSpPr>
+        <p:spPr>
+          <a:xfrm>
+            <a:off x="5119392" y="1450136"/>
+            <a:ext cx="186612" cy="649251"/>
+          </a:xfrm>
+          <a:prstGeom prst="upArrow">
+            <a:avLst/>
+          </a:prstGeom>
+          <a:solidFill>
+            <a:srgbClr val="FFFF00"/>
+          </a:solidFill>
+        </p:spPr>
+        <p:style>
+          <a:lnRef idx="2">
+            <a:schemeClr val="accent1">
+              <a:shade val="15000"/>
+            </a:schemeClr>
+          </a:lnRef>
+          <a:fillRef idx="1">
+            <a:schemeClr val="accent1"/>
+          </a:fillRef>
+          <a:effectRef idx="0">
+            <a:schemeClr val="accent1"/>
+          </a:effectRef>
+          <a:fontRef idx="minor">
+            <a:schemeClr val="lt1"/>
+          </a:fontRef>
+        </p:style>
+        <p:txBody>
+          <a:bodyPr rtlCol="0" anchor="ctr"/>
+          <a:lstStyle/>
+          <a:p>
+            <a:pPr algn="ctr"/>
+            <a:endParaRPr lang="en-US"/>
+          </a:p>
+        </p:txBody>
+      </p:sp>
+      <p:sp>
+        <p:nvSpPr>
+          <p:cNvPr id="34" name="Arrow: Left 33">
+            <a:extLst>
+              <a:ext uri="{FF2B5EF4-FFF2-40B4-BE49-F238E27FC236}">
+                <a16:creationId xmlns:a16="http://schemas.microsoft.com/office/drawing/2014/main" id="{A2F988C5-A734-3A69-9E9E-F5AEE038C3B7}"/>
+              </a:ext>
+            </a:extLst>
+          </p:cNvPr>
+          <p:cNvSpPr/>
+          <p:nvPr/>
+        </p:nvSpPr>
+        <p:spPr>
+          <a:xfrm>
+            <a:off x="1446245" y="1489039"/>
+            <a:ext cx="3321698" cy="172255"/>
+          </a:xfrm>
+          <a:prstGeom prst="leftArrow">
+            <a:avLst/>
+          </a:prstGeom>
+          <a:solidFill>
+            <a:srgbClr val="FFFF00"/>
+          </a:solidFill>
+        </p:spPr>
+        <p:style>
+          <a:lnRef idx="2">
+            <a:schemeClr val="accent1">
+              <a:shade val="15000"/>
+            </a:schemeClr>
+          </a:lnRef>
+          <a:fillRef idx="1">
+            <a:schemeClr val="accent1"/>
+          </a:fillRef>
+          <a:effectRef idx="0">
+            <a:schemeClr val="accent1"/>
+          </a:effectRef>
+          <a:fontRef idx="minor">
+            <a:schemeClr val="lt1"/>
+          </a:fontRef>
+        </p:style>
+        <p:txBody>
+          <a:bodyPr rtlCol="0" anchor="ctr"/>
+          <a:lstStyle/>
+          <a:p>
+            <a:pPr algn="ctr"/>
+            <a:endParaRPr lang="en-US"/>
+          </a:p>
+        </p:txBody>
+      </p:sp>
+      <p:sp>
+        <p:nvSpPr>
+          <p:cNvPr id="35" name="TextBox 34">
+            <a:extLst>
+              <a:ext uri="{FF2B5EF4-FFF2-40B4-BE49-F238E27FC236}">
+                <a16:creationId xmlns:a16="http://schemas.microsoft.com/office/drawing/2014/main" id="{2EE412E3-BC1A-0BC2-5EC6-B493938493E0}"/>
+              </a:ext>
+            </a:extLst>
+          </p:cNvPr>
+          <p:cNvSpPr txBox="1"/>
+          <p:nvPr/>
+        </p:nvSpPr>
+        <p:spPr>
+          <a:xfrm>
+            <a:off x="167951" y="3107485"/>
+            <a:ext cx="3387012" cy="3139321"/>
+          </a:xfrm>
+          <a:prstGeom prst="rect">
+            <a:avLst/>
+          </a:prstGeom>
+          <a:noFill/>
+        </p:spPr>
+        <p:txBody>
+          <a:bodyPr wrap="square" rtlCol="0">
+            <a:spAutoFit/>
+          </a:bodyPr>
+          <a:lstStyle/>
+          <a:p>
+            <a:r>
+              <a:rPr lang="en-US" dirty="0" err="1"/>
+              <a:t>IHttpModule</a:t>
+            </a:r>
+            <a:r>
+              <a:rPr lang="en-US" dirty="0"/>
+              <a:t> and </a:t>
+            </a:r>
+            <a:r>
+              <a:rPr lang="en-US" dirty="0" err="1"/>
+              <a:t>IHttpHandler</a:t>
+            </a:r>
+            <a:endParaRPr lang="en-US" dirty="0"/>
+          </a:p>
+          <a:p>
+            <a:endParaRPr lang="en-US" dirty="0"/>
+          </a:p>
+          <a:p>
+            <a:r>
+              <a:rPr lang="en-US" dirty="0"/>
+              <a:t>They were Request processing Objects for ASP.NET Applications those are provided by IIS</a:t>
+            </a:r>
+          </a:p>
+          <a:p>
+            <a:endParaRPr lang="en-US" dirty="0"/>
+          </a:p>
+          <a:p>
+            <a:r>
+              <a:rPr lang="en-US" dirty="0"/>
+              <a:t>Used for</a:t>
+            </a:r>
+          </a:p>
+          <a:p>
+            <a:pPr marL="342900" indent="-342900">
+              <a:buAutoNum type="arabicPeriod"/>
+            </a:pPr>
+            <a:r>
+              <a:rPr lang="en-US" dirty="0"/>
+              <a:t>Security</a:t>
+            </a:r>
+          </a:p>
+          <a:p>
+            <a:pPr marL="342900" indent="-342900">
+              <a:buAutoNum type="arabicPeriod"/>
+            </a:pPr>
+            <a:r>
+              <a:rPr lang="en-US" dirty="0"/>
+              <a:t>Exception</a:t>
+            </a:r>
+          </a:p>
+          <a:p>
+            <a:pPr marL="342900" indent="-342900">
+              <a:buAutoNum type="arabicPeriod"/>
+            </a:pPr>
+            <a:r>
+              <a:rPr lang="en-US" dirty="0"/>
+              <a:t>CORS</a:t>
+            </a:r>
+          </a:p>
+          <a:p>
+            <a:pPr marL="342900" indent="-342900">
+              <a:buAutoNum type="arabicPeriod"/>
+            </a:pPr>
+            <a:r>
+              <a:rPr lang="en-US" dirty="0"/>
+              <a:t>Files Management</a:t>
+            </a:r>
+          </a:p>
+        </p:txBody>
+      </p:sp>
+      <p:cxnSp>
+        <p:nvCxnSpPr>
+          <p:cNvPr id="37" name="Connector: Elbow 36">
+            <a:extLst>
+              <a:ext uri="{FF2B5EF4-FFF2-40B4-BE49-F238E27FC236}">
+                <a16:creationId xmlns:a16="http://schemas.microsoft.com/office/drawing/2014/main" id="{8907B236-F692-33FA-A885-09959E157A72}"/>
+              </a:ext>
+            </a:extLst>
+          </p:cNvPr>
+          <p:cNvCxnSpPr>
+            <a:stCxn id="35" idx="3"/>
+            <a:endCxn id="5" idx="1"/>
+          </p:cNvCxnSpPr>
+          <p:nvPr/>
+        </p:nvCxnSpPr>
+        <p:spPr>
+          <a:xfrm flipV="1">
+            <a:off x="3554963" y="3475653"/>
+            <a:ext cx="1212980" cy="1201493"/>
+          </a:xfrm>
+          <a:prstGeom prst="bentConnector3">
+            <a:avLst/>
+          </a:prstGeom>
+          <a:ln>
+            <a:tailEnd type="triangle"/>
+          </a:ln>
+        </p:spPr>
+        <p:style>
+          <a:lnRef idx="1">
+            <a:schemeClr val="accent1"/>
+          </a:lnRef>
+          <a:fillRef idx="0">
+            <a:schemeClr val="accent1"/>
+          </a:fillRef>
+          <a:effectRef idx="0">
+            <a:schemeClr val="accent1"/>
+          </a:effectRef>
+          <a:fontRef idx="minor">
+            <a:schemeClr val="tx1"/>
+          </a:fontRef>
+        </p:style>
+      </p:cxnSp>
+    </p:spTree>
+    <p:extLst>
+      <p:ext uri="{BB962C8B-B14F-4D97-AF65-F5344CB8AC3E}">
+        <p14:creationId xmlns:p14="http://schemas.microsoft.com/office/powerpoint/2010/main" val="3543231750"/>
+      </p:ext>
+    </p:extLst>
+  </p:cSld>
+  <p:clrMapOvr>
+    <a:masterClrMapping/>
+  </p:clrMapOvr>
+</p:sld>
+</file>
+
+<file path=ppt/slides/slide36.xml><?xml version="1.0" encoding="utf-8"?>
+<p:sld xmlns:a="http://schemas.openxmlformats.org/drawingml/2006/main" xmlns:r="http://schemas.openxmlformats.org/officeDocument/2006/relationships" xmlns:p="http://schemas.openxmlformats.org/presentationml/2006/main">
+  <p:cSld>
+    <p:spTree>
+      <p:nvGrpSpPr>
+        <p:cNvPr id="1" name=""/>
+        <p:cNvGrpSpPr/>
+        <p:nvPr/>
+      </p:nvGrpSpPr>
+      <p:grpSpPr>
+        <a:xfrm>
+          <a:off x="0" y="0"/>
+          <a:ext cx="0" cy="0"/>
+          <a:chOff x="0" y="0"/>
+          <a:chExt cx="0" cy="0"/>
+        </a:xfrm>
+      </p:grpSpPr>
+      <p:sp>
+        <p:nvSpPr>
+          <p:cNvPr id="2" name="Rectangle 1">
+            <a:extLst>
+              <a:ext uri="{FF2B5EF4-FFF2-40B4-BE49-F238E27FC236}">
+                <a16:creationId xmlns:a16="http://schemas.microsoft.com/office/drawing/2014/main" id="{DE2DDBB1-D29B-5C6D-6173-0770323D77EC}"/>
+              </a:ext>
+            </a:extLst>
+          </p:cNvPr>
+          <p:cNvSpPr/>
+          <p:nvPr/>
+        </p:nvSpPr>
+        <p:spPr>
+          <a:xfrm>
+            <a:off x="320351" y="709126"/>
+            <a:ext cx="11551298" cy="1866123"/>
+          </a:xfrm>
+          <a:prstGeom prst="rect">
+            <a:avLst/>
+          </a:prstGeom>
+        </p:spPr>
+        <p:style>
+          <a:lnRef idx="2">
+            <a:schemeClr val="accent6"/>
+          </a:lnRef>
+          <a:fillRef idx="1">
+            <a:schemeClr val="lt1"/>
+          </a:fillRef>
+          <a:effectRef idx="0">
+            <a:schemeClr val="accent6"/>
+          </a:effectRef>
+          <a:fontRef idx="minor">
+            <a:schemeClr val="dk1"/>
+          </a:fontRef>
+        </p:style>
+        <p:txBody>
+          <a:bodyPr rtlCol="0" anchor="ctr"/>
+          <a:lstStyle/>
+          <a:p>
+            <a:pPr algn="ctr"/>
+            <a:endParaRPr lang="en-US"/>
+          </a:p>
+        </p:txBody>
+      </p:sp>
+      <p:sp>
+        <p:nvSpPr>
+          <p:cNvPr id="3" name="TextBox 2">
+            <a:extLst>
+              <a:ext uri="{FF2B5EF4-FFF2-40B4-BE49-F238E27FC236}">
+                <a16:creationId xmlns:a16="http://schemas.microsoft.com/office/drawing/2014/main" id="{25FB0FE3-A67E-AD2B-B122-78FF6F383B3B}"/>
+              </a:ext>
+            </a:extLst>
+          </p:cNvPr>
+          <p:cNvSpPr txBox="1"/>
+          <p:nvPr/>
+        </p:nvSpPr>
+        <p:spPr>
+          <a:xfrm>
+            <a:off x="401216" y="0"/>
+            <a:ext cx="3181739" cy="369332"/>
+          </a:xfrm>
+          <a:prstGeom prst="rect">
+            <a:avLst/>
+          </a:prstGeom>
+          <a:noFill/>
+        </p:spPr>
+        <p:txBody>
+          <a:bodyPr wrap="square" rtlCol="0">
+            <a:spAutoFit/>
+          </a:bodyPr>
+          <a:lstStyle/>
+          <a:p>
+            <a:r>
+              <a:rPr lang="en-US" dirty="0"/>
+              <a:t>Http Request Message</a:t>
+            </a:r>
+          </a:p>
+        </p:txBody>
+      </p:sp>
+      <p:sp>
+        <p:nvSpPr>
+          <p:cNvPr id="4" name="Rectangle 3">
+            <a:extLst>
+              <a:ext uri="{FF2B5EF4-FFF2-40B4-BE49-F238E27FC236}">
+                <a16:creationId xmlns:a16="http://schemas.microsoft.com/office/drawing/2014/main" id="{ECC11732-9E56-ADD5-6CDD-972676AD56BD}"/>
+              </a:ext>
+            </a:extLst>
+          </p:cNvPr>
+          <p:cNvSpPr/>
+          <p:nvPr/>
+        </p:nvSpPr>
+        <p:spPr>
+          <a:xfrm>
+            <a:off x="3582955" y="709126"/>
+            <a:ext cx="121298" cy="1866123"/>
+          </a:xfrm>
+          <a:prstGeom prst="rect">
+            <a:avLst/>
+          </a:prstGeom>
+        </p:spPr>
+        <p:style>
+          <a:lnRef idx="2">
+            <a:schemeClr val="accent1">
+              <a:shade val="15000"/>
+            </a:schemeClr>
+          </a:lnRef>
+          <a:fillRef idx="1">
+            <a:schemeClr val="accent1"/>
+          </a:fillRef>
+          <a:effectRef idx="0">
+            <a:schemeClr val="accent1"/>
+          </a:effectRef>
+          <a:fontRef idx="minor">
+            <a:schemeClr val="lt1"/>
+          </a:fontRef>
+        </p:style>
+        <p:txBody>
+          <a:bodyPr rtlCol="0" anchor="ctr"/>
+          <a:lstStyle/>
+          <a:p>
+            <a:pPr algn="ctr"/>
+            <a:endParaRPr lang="en-US"/>
+          </a:p>
+        </p:txBody>
+      </p:sp>
+      <p:sp>
+        <p:nvSpPr>
+          <p:cNvPr id="5" name="Rectangle 4">
+            <a:extLst>
+              <a:ext uri="{FF2B5EF4-FFF2-40B4-BE49-F238E27FC236}">
+                <a16:creationId xmlns:a16="http://schemas.microsoft.com/office/drawing/2014/main" id="{2767BFA4-523B-AEF6-D826-4E67E087F767}"/>
+              </a:ext>
+            </a:extLst>
+          </p:cNvPr>
+          <p:cNvSpPr/>
+          <p:nvPr/>
+        </p:nvSpPr>
+        <p:spPr>
+          <a:xfrm>
+            <a:off x="8366451" y="709125"/>
+            <a:ext cx="121298" cy="1866123"/>
+          </a:xfrm>
+          <a:prstGeom prst="rect">
+            <a:avLst/>
+          </a:prstGeom>
+        </p:spPr>
+        <p:style>
+          <a:lnRef idx="2">
+            <a:schemeClr val="accent1">
+              <a:shade val="15000"/>
+            </a:schemeClr>
+          </a:lnRef>
+          <a:fillRef idx="1">
+            <a:schemeClr val="accent1"/>
+          </a:fillRef>
+          <a:effectRef idx="0">
+            <a:schemeClr val="accent1"/>
+          </a:effectRef>
+          <a:fontRef idx="minor">
+            <a:schemeClr val="lt1"/>
+          </a:fontRef>
+        </p:style>
+        <p:txBody>
+          <a:bodyPr rtlCol="0" anchor="ctr"/>
+          <a:lstStyle/>
+          <a:p>
+            <a:pPr algn="ctr"/>
+            <a:endParaRPr lang="en-US"/>
+          </a:p>
+        </p:txBody>
+      </p:sp>
+      <p:sp>
+        <p:nvSpPr>
+          <p:cNvPr id="6" name="TextBox 5">
+            <a:extLst>
+              <a:ext uri="{FF2B5EF4-FFF2-40B4-BE49-F238E27FC236}">
+                <a16:creationId xmlns:a16="http://schemas.microsoft.com/office/drawing/2014/main" id="{675B1112-08CA-70EF-8207-B778B7FA4E8F}"/>
+              </a:ext>
+            </a:extLst>
+          </p:cNvPr>
+          <p:cNvSpPr txBox="1"/>
+          <p:nvPr/>
+        </p:nvSpPr>
+        <p:spPr>
+          <a:xfrm>
+            <a:off x="401216" y="895739"/>
+            <a:ext cx="2659225" cy="369332"/>
+          </a:xfrm>
+          <a:prstGeom prst="rect">
+            <a:avLst/>
+          </a:prstGeom>
+          <a:noFill/>
+        </p:spPr>
+        <p:txBody>
+          <a:bodyPr wrap="square" rtlCol="0">
+            <a:spAutoFit/>
+          </a:bodyPr>
+          <a:lstStyle/>
+          <a:p>
+            <a:r>
+              <a:rPr lang="en-US" dirty="0"/>
+              <a:t>Headers</a:t>
+            </a:r>
+          </a:p>
+        </p:txBody>
+      </p:sp>
+      <p:sp>
+        <p:nvSpPr>
+          <p:cNvPr id="8" name="TextBox 7">
+            <a:extLst>
+              <a:ext uri="{FF2B5EF4-FFF2-40B4-BE49-F238E27FC236}">
+                <a16:creationId xmlns:a16="http://schemas.microsoft.com/office/drawing/2014/main" id="{A7E6A694-74B4-FA8D-559A-F74BC5126D8D}"/>
+              </a:ext>
+            </a:extLst>
+          </p:cNvPr>
+          <p:cNvSpPr txBox="1"/>
+          <p:nvPr/>
+        </p:nvSpPr>
+        <p:spPr>
+          <a:xfrm>
+            <a:off x="3788229" y="811763"/>
+            <a:ext cx="1194322" cy="276999"/>
+          </a:xfrm>
+          <a:prstGeom prst="rect">
+            <a:avLst/>
+          </a:prstGeom>
+          <a:noFill/>
+        </p:spPr>
+        <p:txBody>
+          <a:bodyPr wrap="square" rtlCol="0">
+            <a:spAutoFit/>
+          </a:bodyPr>
+          <a:lstStyle/>
+          <a:p>
+            <a:r>
+              <a:rPr lang="en-US" sz="1200" dirty="0"/>
+              <a:t>Body</a:t>
+            </a:r>
+          </a:p>
+        </p:txBody>
+      </p:sp>
+      <p:sp>
+        <p:nvSpPr>
+          <p:cNvPr id="9" name="TextBox 8">
+            <a:extLst>
+              <a:ext uri="{FF2B5EF4-FFF2-40B4-BE49-F238E27FC236}">
+                <a16:creationId xmlns:a16="http://schemas.microsoft.com/office/drawing/2014/main" id="{A536F6A6-B9C8-BE50-13BC-9E69B6D4AFE3}"/>
+              </a:ext>
+            </a:extLst>
+          </p:cNvPr>
+          <p:cNvSpPr txBox="1"/>
+          <p:nvPr/>
+        </p:nvSpPr>
+        <p:spPr>
+          <a:xfrm>
+            <a:off x="8640147" y="811763"/>
+            <a:ext cx="3110206" cy="369332"/>
+          </a:xfrm>
+          <a:prstGeom prst="rect">
+            <a:avLst/>
+          </a:prstGeom>
+          <a:noFill/>
+        </p:spPr>
+        <p:txBody>
+          <a:bodyPr wrap="square" rtlCol="0">
+            <a:spAutoFit/>
+          </a:bodyPr>
+          <a:lstStyle/>
+          <a:p>
+            <a:r>
+              <a:rPr lang="en-US" dirty="0"/>
+              <a:t>Errors</a:t>
+            </a:r>
+          </a:p>
+        </p:txBody>
+      </p:sp>
+      <p:sp>
+        <p:nvSpPr>
+          <p:cNvPr id="10" name="Rectangle 9">
+            <a:extLst>
+              <a:ext uri="{FF2B5EF4-FFF2-40B4-BE49-F238E27FC236}">
+                <a16:creationId xmlns:a16="http://schemas.microsoft.com/office/drawing/2014/main" id="{0900882A-6476-B805-EC9B-682B0EB01F79}"/>
+              </a:ext>
+            </a:extLst>
+          </p:cNvPr>
+          <p:cNvSpPr/>
+          <p:nvPr/>
+        </p:nvSpPr>
+        <p:spPr>
+          <a:xfrm>
+            <a:off x="528733" y="4357396"/>
+            <a:ext cx="11134533" cy="1791478"/>
+          </a:xfrm>
+          <a:prstGeom prst="rect">
+            <a:avLst/>
+          </a:prstGeom>
+        </p:spPr>
+        <p:style>
+          <a:lnRef idx="2">
+            <a:schemeClr val="accent2"/>
+          </a:lnRef>
+          <a:fillRef idx="1">
+            <a:schemeClr val="lt1"/>
+          </a:fillRef>
+          <a:effectRef idx="0">
+            <a:schemeClr val="accent2"/>
+          </a:effectRef>
+          <a:fontRef idx="minor">
+            <a:schemeClr val="dk1"/>
+          </a:fontRef>
+        </p:style>
+        <p:txBody>
+          <a:bodyPr rtlCol="0" anchor="ctr"/>
+          <a:lstStyle/>
+          <a:p>
+            <a:pPr algn="ctr"/>
+            <a:endParaRPr lang="en-US"/>
+          </a:p>
+        </p:txBody>
+      </p:sp>
+      <p:sp>
+        <p:nvSpPr>
+          <p:cNvPr id="11" name="TextBox 10">
+            <a:extLst>
+              <a:ext uri="{FF2B5EF4-FFF2-40B4-BE49-F238E27FC236}">
+                <a16:creationId xmlns:a16="http://schemas.microsoft.com/office/drawing/2014/main" id="{80D54635-D6D6-951D-323D-DC685863FC30}"/>
+              </a:ext>
+            </a:extLst>
+          </p:cNvPr>
+          <p:cNvSpPr txBox="1"/>
+          <p:nvPr/>
+        </p:nvSpPr>
+        <p:spPr>
+          <a:xfrm>
+            <a:off x="8910735" y="3601616"/>
+            <a:ext cx="2146041" cy="369332"/>
+          </a:xfrm>
+          <a:prstGeom prst="rect">
+            <a:avLst/>
+          </a:prstGeom>
+          <a:noFill/>
+        </p:spPr>
+        <p:txBody>
+          <a:bodyPr wrap="square" rtlCol="0">
+            <a:spAutoFit/>
+          </a:bodyPr>
+          <a:lstStyle/>
+          <a:p>
+            <a:r>
+              <a:rPr lang="en-US" dirty="0"/>
+              <a:t>Http Header</a:t>
+            </a:r>
+          </a:p>
+        </p:txBody>
+      </p:sp>
+      <p:cxnSp>
+        <p:nvCxnSpPr>
+          <p:cNvPr id="13" name="Connector: Elbow 12">
+            <a:extLst>
+              <a:ext uri="{FF2B5EF4-FFF2-40B4-BE49-F238E27FC236}">
+                <a16:creationId xmlns:a16="http://schemas.microsoft.com/office/drawing/2014/main" id="{54EA0874-8E66-889E-5A51-AF23BA190CBF}"/>
+              </a:ext>
+            </a:extLst>
+          </p:cNvPr>
+          <p:cNvCxnSpPr>
+            <a:stCxn id="6" idx="2"/>
+            <a:endCxn id="10" idx="0"/>
+          </p:cNvCxnSpPr>
+          <p:nvPr/>
+        </p:nvCxnSpPr>
+        <p:spPr>
+          <a:xfrm rot="16200000" flipH="1">
+            <a:off x="2367252" y="628647"/>
+            <a:ext cx="3092325" cy="4365171"/>
+          </a:xfrm>
+          <a:prstGeom prst="bentConnector3">
+            <a:avLst/>
+          </a:prstGeom>
+          <a:ln>
+            <a:tailEnd type="triangle"/>
+          </a:ln>
+        </p:spPr>
+        <p:style>
+          <a:lnRef idx="1">
+            <a:schemeClr val="accent1"/>
+          </a:lnRef>
+          <a:fillRef idx="0">
+            <a:schemeClr val="accent1"/>
+          </a:fillRef>
+          <a:effectRef idx="0">
+            <a:schemeClr val="accent1"/>
+          </a:effectRef>
+          <a:fontRef idx="minor">
+            <a:schemeClr val="tx1"/>
+          </a:fontRef>
+        </p:style>
+      </p:cxnSp>
+      <p:sp>
+        <p:nvSpPr>
+          <p:cNvPr id="14" name="Rectangle 13">
+            <a:extLst>
+              <a:ext uri="{FF2B5EF4-FFF2-40B4-BE49-F238E27FC236}">
+                <a16:creationId xmlns:a16="http://schemas.microsoft.com/office/drawing/2014/main" id="{FD83F5FF-B84B-BA26-1182-7F4647BC32DF}"/>
+              </a:ext>
+            </a:extLst>
+          </p:cNvPr>
+          <p:cNvSpPr/>
+          <p:nvPr/>
+        </p:nvSpPr>
+        <p:spPr>
+          <a:xfrm>
+            <a:off x="2261117" y="4357395"/>
+            <a:ext cx="136849" cy="1791479"/>
+          </a:xfrm>
+          <a:prstGeom prst="rect">
+            <a:avLst/>
+          </a:prstGeom>
+        </p:spPr>
+        <p:style>
+          <a:lnRef idx="2">
+            <a:schemeClr val="accent1">
+              <a:shade val="15000"/>
+            </a:schemeClr>
+          </a:lnRef>
+          <a:fillRef idx="1">
+            <a:schemeClr val="accent1"/>
+          </a:fillRef>
+          <a:effectRef idx="0">
+            <a:schemeClr val="accent1"/>
+          </a:effectRef>
+          <a:fontRef idx="minor">
+            <a:schemeClr val="lt1"/>
+          </a:fontRef>
+        </p:style>
+        <p:txBody>
+          <a:bodyPr rtlCol="0" anchor="ctr"/>
+          <a:lstStyle/>
+          <a:p>
+            <a:pPr algn="ctr"/>
+            <a:endParaRPr lang="en-US"/>
+          </a:p>
+        </p:txBody>
+      </p:sp>
+      <p:sp>
+        <p:nvSpPr>
+          <p:cNvPr id="15" name="TextBox 14">
+            <a:extLst>
+              <a:ext uri="{FF2B5EF4-FFF2-40B4-BE49-F238E27FC236}">
+                <a16:creationId xmlns:a16="http://schemas.microsoft.com/office/drawing/2014/main" id="{22537432-2D35-838C-C684-D75D95F244A6}"/>
+              </a:ext>
+            </a:extLst>
+          </p:cNvPr>
+          <p:cNvSpPr txBox="1"/>
+          <p:nvPr/>
+        </p:nvSpPr>
+        <p:spPr>
+          <a:xfrm>
+            <a:off x="528733" y="4743843"/>
+            <a:ext cx="1673291" cy="923330"/>
+          </a:xfrm>
+          <a:prstGeom prst="rect">
+            <a:avLst/>
+          </a:prstGeom>
+          <a:noFill/>
+        </p:spPr>
+        <p:txBody>
+          <a:bodyPr wrap="square" rtlCol="0">
+            <a:spAutoFit/>
+          </a:bodyPr>
+          <a:lstStyle/>
+          <a:p>
+            <a:r>
+              <a:rPr lang="en-US" dirty="0"/>
+              <a:t>URL</a:t>
+            </a:r>
+          </a:p>
+          <a:p>
+            <a:endParaRPr lang="en-US" dirty="0"/>
+          </a:p>
+          <a:p>
+            <a:r>
+              <a:rPr lang="en-US" dirty="0"/>
+              <a:t>URL Parameter</a:t>
+            </a:r>
+          </a:p>
+        </p:txBody>
+      </p:sp>
+      <p:sp>
+        <p:nvSpPr>
+          <p:cNvPr id="16" name="Rectangle 15">
+            <a:extLst>
+              <a:ext uri="{FF2B5EF4-FFF2-40B4-BE49-F238E27FC236}">
+                <a16:creationId xmlns:a16="http://schemas.microsoft.com/office/drawing/2014/main" id="{C29771BC-EF91-921B-C38A-49C26FF54714}"/>
+              </a:ext>
+            </a:extLst>
+          </p:cNvPr>
+          <p:cNvSpPr/>
+          <p:nvPr/>
+        </p:nvSpPr>
+        <p:spPr>
+          <a:xfrm>
+            <a:off x="7369630" y="4357395"/>
+            <a:ext cx="136849" cy="1791479"/>
+          </a:xfrm>
+          <a:prstGeom prst="rect">
+            <a:avLst/>
+          </a:prstGeom>
+        </p:spPr>
+        <p:style>
+          <a:lnRef idx="2">
+            <a:schemeClr val="accent1">
+              <a:shade val="15000"/>
+            </a:schemeClr>
+          </a:lnRef>
+          <a:fillRef idx="1">
+            <a:schemeClr val="accent1"/>
+          </a:fillRef>
+          <a:effectRef idx="0">
+            <a:schemeClr val="accent1"/>
+          </a:effectRef>
+          <a:fontRef idx="minor">
+            <a:schemeClr val="lt1"/>
+          </a:fontRef>
+        </p:style>
+        <p:txBody>
+          <a:bodyPr rtlCol="0" anchor="ctr"/>
+          <a:lstStyle/>
+          <a:p>
+            <a:pPr algn="ctr"/>
+            <a:endParaRPr lang="en-US"/>
+          </a:p>
+        </p:txBody>
+      </p:sp>
+      <p:sp>
+        <p:nvSpPr>
+          <p:cNvPr id="17" name="TextBox 16">
+            <a:extLst>
+              <a:ext uri="{FF2B5EF4-FFF2-40B4-BE49-F238E27FC236}">
+                <a16:creationId xmlns:a16="http://schemas.microsoft.com/office/drawing/2014/main" id="{5FF602B6-1BCC-278F-7DB9-E0EB58CEDDD3}"/>
+              </a:ext>
+            </a:extLst>
+          </p:cNvPr>
+          <p:cNvSpPr txBox="1"/>
+          <p:nvPr/>
+        </p:nvSpPr>
+        <p:spPr>
+          <a:xfrm>
+            <a:off x="2457059" y="4450702"/>
+            <a:ext cx="4811488" cy="1754326"/>
+          </a:xfrm>
+          <a:prstGeom prst="rect">
+            <a:avLst/>
+          </a:prstGeom>
+          <a:noFill/>
+        </p:spPr>
+        <p:txBody>
+          <a:bodyPr wrap="square" rtlCol="0">
+            <a:spAutoFit/>
+          </a:bodyPr>
+          <a:lstStyle/>
+          <a:p>
+            <a:r>
+              <a:rPr lang="en-US" sz="1200" b="1" dirty="0"/>
+              <a:t>MIME-TYPE aka Content-TYPE: The media formatter used to POST and PUT Data to the REST API e.g. application/json</a:t>
+            </a:r>
+          </a:p>
+          <a:p>
+            <a:endParaRPr lang="en-US" sz="1200" b="1" dirty="0"/>
+          </a:p>
+          <a:p>
+            <a:r>
+              <a:rPr lang="en-US" sz="1200" b="1" dirty="0"/>
+              <a:t>Method: HET / POST / PUT / DELETE</a:t>
+            </a:r>
+          </a:p>
+          <a:p>
+            <a:endParaRPr lang="en-US" sz="1200" b="1" dirty="0"/>
+          </a:p>
+          <a:p>
+            <a:r>
+              <a:rPr lang="en-US" sz="1200" b="1" dirty="0"/>
+              <a:t>AUTHORIZATION: ‘Basic </a:t>
+            </a:r>
+            <a:r>
+              <a:rPr lang="en-US" sz="1200" b="1" dirty="0" err="1"/>
+              <a:t>UserName:Password</a:t>
+            </a:r>
+            <a:r>
+              <a:rPr lang="en-US" sz="1200" b="1" dirty="0"/>
+              <a:t>’ OR ‘Bearer TOKEN’</a:t>
+            </a:r>
+          </a:p>
+          <a:p>
+            <a:endParaRPr lang="en-US" sz="1200" b="1" dirty="0"/>
+          </a:p>
+          <a:p>
+            <a:r>
+              <a:rPr lang="en-US" sz="1200" b="1" dirty="0"/>
+              <a:t>Datatype: the type of data that MUST be parsed on server-side</a:t>
+            </a:r>
+          </a:p>
+          <a:p>
+            <a:r>
+              <a:rPr lang="en-US" sz="1200" b="1" dirty="0"/>
+              <a:t> </a:t>
+            </a:r>
+          </a:p>
+        </p:txBody>
+      </p:sp>
+      <p:sp>
+        <p:nvSpPr>
+          <p:cNvPr id="18" name="TextBox 17">
+            <a:extLst>
+              <a:ext uri="{FF2B5EF4-FFF2-40B4-BE49-F238E27FC236}">
+                <a16:creationId xmlns:a16="http://schemas.microsoft.com/office/drawing/2014/main" id="{9A209F0A-2A13-05B9-9CC6-6F4BC0AF9FC3}"/>
+              </a:ext>
+            </a:extLst>
+          </p:cNvPr>
+          <p:cNvSpPr txBox="1"/>
+          <p:nvPr/>
+        </p:nvSpPr>
+        <p:spPr>
+          <a:xfrm>
+            <a:off x="7607562" y="4450701"/>
+            <a:ext cx="4055704" cy="1200329"/>
+          </a:xfrm>
+          <a:prstGeom prst="rect">
+            <a:avLst/>
+          </a:prstGeom>
+          <a:noFill/>
+        </p:spPr>
+        <p:txBody>
+          <a:bodyPr wrap="square" rtlCol="0">
+            <a:spAutoFit/>
+          </a:bodyPr>
+          <a:lstStyle/>
+          <a:p>
+            <a:r>
+              <a:rPr lang="en-US" sz="1200" b="1" dirty="0"/>
+              <a:t>Header Enhancements aka Custom Headers</a:t>
+            </a:r>
+          </a:p>
+          <a:p>
+            <a:endParaRPr lang="en-US" sz="1200" b="1" dirty="0"/>
+          </a:p>
+          <a:p>
+            <a:pPr marL="228600" indent="-228600">
+              <a:buAutoNum type="arabicPeriod"/>
+            </a:pPr>
+            <a:r>
+              <a:rPr lang="en-US" sz="1200" b="1" dirty="0"/>
+              <a:t>VERSION of API</a:t>
+            </a:r>
+          </a:p>
+          <a:p>
+            <a:pPr marL="228600" indent="-228600">
+              <a:buAutoNum type="arabicPeriod"/>
+            </a:pPr>
+            <a:r>
+              <a:rPr lang="en-US" sz="1200" b="1" dirty="0"/>
+              <a:t>Custom Header values e.g. specific role type for which the REST API will be executed</a:t>
+            </a:r>
+          </a:p>
+          <a:p>
+            <a:pPr marL="685800" lvl="1" indent="-228600">
+              <a:buAutoNum type="arabicPeriod"/>
+            </a:pPr>
+            <a:r>
+              <a:rPr lang="en-US" sz="1200" b="1" dirty="0"/>
+              <a:t>CORS Policies (Recommended on Server) </a:t>
+            </a:r>
+          </a:p>
+        </p:txBody>
+      </p:sp>
+    </p:spTree>
+    <p:extLst>
+      <p:ext uri="{BB962C8B-B14F-4D97-AF65-F5344CB8AC3E}">
+        <p14:creationId xmlns:p14="http://schemas.microsoft.com/office/powerpoint/2010/main" val="1324161805"/>
+      </p:ext>
+    </p:extLst>
+  </p:cSld>
+  <p:clrMapOvr>
+    <a:masterClrMapping/>
+  </p:clrMapOvr>
+</p:sld>
+</file>
+
+<file path=ppt/slides/slide37.xml><?xml version="1.0" encoding="utf-8"?>
+<p:sld xmlns:a="http://schemas.openxmlformats.org/drawingml/2006/main" xmlns:r="http://schemas.openxmlformats.org/officeDocument/2006/relationships" xmlns:p="http://schemas.openxmlformats.org/presentationml/2006/main">
+  <p:cSld>
+    <p:spTree>
+      <p:nvGrpSpPr>
+        <p:cNvPr id="1" name=""/>
+        <p:cNvGrpSpPr/>
+        <p:nvPr/>
+      </p:nvGrpSpPr>
+      <p:grpSpPr>
+        <a:xfrm>
+          <a:off x="0" y="0"/>
+          <a:ext cx="0" cy="0"/>
+          <a:chOff x="0" y="0"/>
+          <a:chExt cx="0" cy="0"/>
+        </a:xfrm>
+      </p:grpSpPr>
+      <p:sp>
+        <p:nvSpPr>
+          <p:cNvPr id="2" name="Oval 1">
+            <a:extLst>
+              <a:ext uri="{FF2B5EF4-FFF2-40B4-BE49-F238E27FC236}">
+                <a16:creationId xmlns:a16="http://schemas.microsoft.com/office/drawing/2014/main" id="{FD170C0C-A5BD-D428-1B7F-B98C13266F4C}"/>
+              </a:ext>
+            </a:extLst>
+          </p:cNvPr>
+          <p:cNvSpPr/>
+          <p:nvPr/>
+        </p:nvSpPr>
+        <p:spPr>
+          <a:xfrm>
+            <a:off x="4907902" y="2407298"/>
+            <a:ext cx="2043404" cy="1670180"/>
+          </a:xfrm>
+          <a:prstGeom prst="ellipse">
+            <a:avLst/>
+          </a:prstGeom>
+        </p:spPr>
+        <p:style>
+          <a:lnRef idx="2">
+            <a:schemeClr val="accent1">
+              <a:shade val="15000"/>
+            </a:schemeClr>
+          </a:lnRef>
+          <a:fillRef idx="1">
+            <a:schemeClr val="accent1"/>
+          </a:fillRef>
+          <a:effectRef idx="0">
+            <a:schemeClr val="accent1"/>
+          </a:effectRef>
+          <a:fontRef idx="minor">
+            <a:schemeClr val="lt1"/>
+          </a:fontRef>
+        </p:style>
+        <p:txBody>
+          <a:bodyPr rtlCol="0" anchor="ctr"/>
+          <a:lstStyle/>
+          <a:p>
+            <a:pPr algn="ctr"/>
+            <a:r>
+              <a:rPr lang="en-US" b="1" dirty="0"/>
+              <a:t>Microsoft Identity</a:t>
+            </a:r>
+          </a:p>
+        </p:txBody>
+      </p:sp>
+      <p:sp>
+        <p:nvSpPr>
+          <p:cNvPr id="3" name="Oval 2">
+            <a:extLst>
+              <a:ext uri="{FF2B5EF4-FFF2-40B4-BE49-F238E27FC236}">
+                <a16:creationId xmlns:a16="http://schemas.microsoft.com/office/drawing/2014/main" id="{C14F156A-000A-982A-29DB-58780C5D655E}"/>
+              </a:ext>
+            </a:extLst>
+          </p:cNvPr>
+          <p:cNvSpPr/>
+          <p:nvPr/>
+        </p:nvSpPr>
+        <p:spPr>
+          <a:xfrm>
+            <a:off x="382555" y="457200"/>
+            <a:ext cx="1996751" cy="1539551"/>
+          </a:xfrm>
+          <a:prstGeom prst="ellipse">
+            <a:avLst/>
+          </a:prstGeom>
+          <a:solidFill>
+            <a:srgbClr val="FF0000"/>
+          </a:solidFill>
+        </p:spPr>
+        <p:style>
+          <a:lnRef idx="2">
+            <a:schemeClr val="accent1">
+              <a:shade val="15000"/>
+            </a:schemeClr>
+          </a:lnRef>
+          <a:fillRef idx="1">
+            <a:schemeClr val="accent1"/>
+          </a:fillRef>
+          <a:effectRef idx="0">
+            <a:schemeClr val="accent1"/>
+          </a:effectRef>
+          <a:fontRef idx="minor">
+            <a:schemeClr val="lt1"/>
+          </a:fontRef>
+        </p:style>
+        <p:txBody>
+          <a:bodyPr rtlCol="0" anchor="ctr"/>
+          <a:lstStyle/>
+          <a:p>
+            <a:pPr algn="ctr"/>
+            <a:r>
+              <a:rPr lang="en-US" dirty="0"/>
+              <a:t>UserName and Password</a:t>
+            </a:r>
+          </a:p>
+        </p:txBody>
+      </p:sp>
+      <p:cxnSp>
+        <p:nvCxnSpPr>
+          <p:cNvPr id="5" name="Connector: Elbow 4">
+            <a:extLst>
+              <a:ext uri="{FF2B5EF4-FFF2-40B4-BE49-F238E27FC236}">
+                <a16:creationId xmlns:a16="http://schemas.microsoft.com/office/drawing/2014/main" id="{5DFA3892-B79B-7405-45BC-2BC528A35F34}"/>
+              </a:ext>
+            </a:extLst>
+          </p:cNvPr>
+          <p:cNvCxnSpPr>
+            <a:stCxn id="2" idx="2"/>
+            <a:endCxn id="3" idx="4"/>
+          </p:cNvCxnSpPr>
+          <p:nvPr/>
+        </p:nvCxnSpPr>
+        <p:spPr>
+          <a:xfrm rot="10800000">
+            <a:off x="1380932" y="1996752"/>
+            <a:ext cx="3526971" cy="1245637"/>
+          </a:xfrm>
+          <a:prstGeom prst="bentConnector2">
+            <a:avLst/>
+          </a:prstGeom>
+          <a:ln>
+            <a:tailEnd type="triangle"/>
+          </a:ln>
+        </p:spPr>
+        <p:style>
+          <a:lnRef idx="1">
+            <a:schemeClr val="accent1"/>
+          </a:lnRef>
+          <a:fillRef idx="0">
+            <a:schemeClr val="accent1"/>
+          </a:fillRef>
+          <a:effectRef idx="0">
+            <a:schemeClr val="accent1"/>
+          </a:effectRef>
+          <a:fontRef idx="minor">
+            <a:schemeClr val="tx1"/>
+          </a:fontRef>
+        </p:style>
+      </p:cxnSp>
+      <p:sp>
+        <p:nvSpPr>
+          <p:cNvPr id="6" name="Oval 5">
+            <a:extLst>
+              <a:ext uri="{FF2B5EF4-FFF2-40B4-BE49-F238E27FC236}">
+                <a16:creationId xmlns:a16="http://schemas.microsoft.com/office/drawing/2014/main" id="{C5C38BB6-4D5A-578C-8203-63D3A037CECD}"/>
+              </a:ext>
+            </a:extLst>
+          </p:cNvPr>
+          <p:cNvSpPr/>
+          <p:nvPr/>
+        </p:nvSpPr>
+        <p:spPr>
+          <a:xfrm>
+            <a:off x="9436359" y="457199"/>
+            <a:ext cx="1996751" cy="1539551"/>
+          </a:xfrm>
+          <a:prstGeom prst="ellipse">
+            <a:avLst/>
+          </a:prstGeom>
+          <a:solidFill>
+            <a:srgbClr val="C00000"/>
+          </a:solidFill>
+        </p:spPr>
+        <p:style>
+          <a:lnRef idx="2">
+            <a:schemeClr val="accent1">
+              <a:shade val="15000"/>
+            </a:schemeClr>
+          </a:lnRef>
+          <a:fillRef idx="1">
+            <a:schemeClr val="accent1"/>
+          </a:fillRef>
+          <a:effectRef idx="0">
+            <a:schemeClr val="accent1"/>
+          </a:effectRef>
+          <a:fontRef idx="minor">
+            <a:schemeClr val="lt1"/>
+          </a:fontRef>
+        </p:style>
+        <p:txBody>
+          <a:bodyPr rtlCol="0" anchor="ctr"/>
+          <a:lstStyle/>
+          <a:p>
+            <a:pPr algn="ctr"/>
+            <a:r>
+              <a:rPr lang="en-US" dirty="0"/>
+              <a:t>UserName and Password and Roles</a:t>
+            </a:r>
+          </a:p>
+        </p:txBody>
+      </p:sp>
+      <p:cxnSp>
+        <p:nvCxnSpPr>
+          <p:cNvPr id="8" name="Connector: Elbow 7">
+            <a:extLst>
+              <a:ext uri="{FF2B5EF4-FFF2-40B4-BE49-F238E27FC236}">
+                <a16:creationId xmlns:a16="http://schemas.microsoft.com/office/drawing/2014/main" id="{93338294-2484-4C53-E546-888C366D21A4}"/>
+              </a:ext>
+            </a:extLst>
+          </p:cNvPr>
+          <p:cNvCxnSpPr>
+            <a:stCxn id="2" idx="6"/>
+            <a:endCxn id="6" idx="4"/>
+          </p:cNvCxnSpPr>
+          <p:nvPr/>
+        </p:nvCxnSpPr>
+        <p:spPr>
+          <a:xfrm flipV="1">
+            <a:off x="6951306" y="1996750"/>
+            <a:ext cx="3483429" cy="1245638"/>
+          </a:xfrm>
+          <a:prstGeom prst="bentConnector2">
+            <a:avLst/>
+          </a:prstGeom>
+          <a:ln>
+            <a:tailEnd type="triangle"/>
+          </a:ln>
+        </p:spPr>
+        <p:style>
+          <a:lnRef idx="1">
+            <a:schemeClr val="accent1"/>
+          </a:lnRef>
+          <a:fillRef idx="0">
+            <a:schemeClr val="accent1"/>
+          </a:fillRef>
+          <a:effectRef idx="0">
+            <a:schemeClr val="accent1"/>
+          </a:effectRef>
+          <a:fontRef idx="minor">
+            <a:schemeClr val="tx1"/>
+          </a:fontRef>
+        </p:style>
+      </p:cxnSp>
+      <p:sp>
+        <p:nvSpPr>
+          <p:cNvPr id="9" name="Oval 8">
+            <a:extLst>
+              <a:ext uri="{FF2B5EF4-FFF2-40B4-BE49-F238E27FC236}">
+                <a16:creationId xmlns:a16="http://schemas.microsoft.com/office/drawing/2014/main" id="{C1564440-24A5-D31B-7371-42045463A7F3}"/>
+              </a:ext>
+            </a:extLst>
+          </p:cNvPr>
+          <p:cNvSpPr/>
+          <p:nvPr/>
+        </p:nvSpPr>
+        <p:spPr>
+          <a:xfrm>
+            <a:off x="9436358" y="5218921"/>
+            <a:ext cx="1996751" cy="1539551"/>
+          </a:xfrm>
+          <a:prstGeom prst="ellipse">
+            <a:avLst/>
+          </a:prstGeom>
+          <a:solidFill>
+            <a:srgbClr val="002060"/>
+          </a:solidFill>
+        </p:spPr>
+        <p:style>
+          <a:lnRef idx="2">
+            <a:schemeClr val="accent1">
+              <a:shade val="15000"/>
+            </a:schemeClr>
+          </a:lnRef>
+          <a:fillRef idx="1">
+            <a:schemeClr val="accent1"/>
+          </a:fillRef>
+          <a:effectRef idx="0">
+            <a:schemeClr val="accent1"/>
+          </a:effectRef>
+          <a:fontRef idx="minor">
+            <a:schemeClr val="lt1"/>
+          </a:fontRef>
+        </p:style>
+        <p:txBody>
+          <a:bodyPr rtlCol="0" anchor="ctr"/>
+          <a:lstStyle/>
+          <a:p>
+            <a:pPr algn="ctr"/>
+            <a:r>
+              <a:rPr lang="en-US" dirty="0"/>
+              <a:t>UserName and Password and Roles + Policies</a:t>
+            </a:r>
+          </a:p>
+        </p:txBody>
+      </p:sp>
+      <p:cxnSp>
+        <p:nvCxnSpPr>
+          <p:cNvPr id="11" name="Connector: Elbow 10">
+            <a:extLst>
+              <a:ext uri="{FF2B5EF4-FFF2-40B4-BE49-F238E27FC236}">
+                <a16:creationId xmlns:a16="http://schemas.microsoft.com/office/drawing/2014/main" id="{BC8E6BB9-C71D-4532-6438-9E3D68864A49}"/>
+              </a:ext>
+            </a:extLst>
+          </p:cNvPr>
+          <p:cNvCxnSpPr>
+            <a:stCxn id="2" idx="4"/>
+            <a:endCxn id="9" idx="2"/>
+          </p:cNvCxnSpPr>
+          <p:nvPr/>
+        </p:nvCxnSpPr>
+        <p:spPr>
+          <a:xfrm rot="16200000" flipH="1">
+            <a:off x="6727372" y="3279710"/>
+            <a:ext cx="1911219" cy="3506754"/>
+          </a:xfrm>
+          <a:prstGeom prst="bentConnector2">
+            <a:avLst/>
+          </a:prstGeom>
+          <a:ln>
+            <a:tailEnd type="triangle"/>
+          </a:ln>
+        </p:spPr>
+        <p:style>
+          <a:lnRef idx="1">
+            <a:schemeClr val="accent1"/>
+          </a:lnRef>
+          <a:fillRef idx="0">
+            <a:schemeClr val="accent1"/>
+          </a:fillRef>
+          <a:effectRef idx="0">
+            <a:schemeClr val="accent1"/>
+          </a:effectRef>
+          <a:fontRef idx="minor">
+            <a:schemeClr val="tx1"/>
+          </a:fontRef>
+        </p:style>
+      </p:cxnSp>
+      <p:sp>
+        <p:nvSpPr>
+          <p:cNvPr id="12" name="Oval 11">
+            <a:extLst>
+              <a:ext uri="{FF2B5EF4-FFF2-40B4-BE49-F238E27FC236}">
+                <a16:creationId xmlns:a16="http://schemas.microsoft.com/office/drawing/2014/main" id="{CB083DB4-01A6-8A6D-6647-B7C8B371658E}"/>
+              </a:ext>
+            </a:extLst>
+          </p:cNvPr>
+          <p:cNvSpPr/>
+          <p:nvPr/>
+        </p:nvSpPr>
+        <p:spPr>
+          <a:xfrm>
+            <a:off x="382554" y="5218920"/>
+            <a:ext cx="1996751" cy="1539551"/>
+          </a:xfrm>
+          <a:prstGeom prst="ellipse">
+            <a:avLst/>
+          </a:prstGeom>
+          <a:solidFill>
+            <a:srgbClr val="7030A0"/>
+          </a:solidFill>
+        </p:spPr>
+        <p:style>
+          <a:lnRef idx="2">
+            <a:schemeClr val="accent1">
+              <a:shade val="15000"/>
+            </a:schemeClr>
+          </a:lnRef>
+          <a:fillRef idx="1">
+            <a:schemeClr val="accent1"/>
+          </a:fillRef>
+          <a:effectRef idx="0">
+            <a:schemeClr val="accent1"/>
+          </a:effectRef>
+          <a:fontRef idx="minor">
+            <a:schemeClr val="lt1"/>
+          </a:fontRef>
+        </p:style>
+        <p:txBody>
+          <a:bodyPr rtlCol="0" anchor="ctr"/>
+          <a:lstStyle/>
+          <a:p>
+            <a:pPr algn="ctr"/>
+            <a:r>
+              <a:rPr lang="en-US" dirty="0"/>
+              <a:t>All other security measures + Tokens for REST</a:t>
+            </a:r>
+          </a:p>
+        </p:txBody>
+      </p:sp>
+      <p:cxnSp>
+        <p:nvCxnSpPr>
+          <p:cNvPr id="14" name="Connector: Elbow 13">
+            <a:extLst>
+              <a:ext uri="{FF2B5EF4-FFF2-40B4-BE49-F238E27FC236}">
+                <a16:creationId xmlns:a16="http://schemas.microsoft.com/office/drawing/2014/main" id="{94EEF026-1B0D-9A15-D471-5E00D9A3AD6E}"/>
+              </a:ext>
+            </a:extLst>
+          </p:cNvPr>
+          <p:cNvCxnSpPr>
+            <a:stCxn id="2" idx="4"/>
+            <a:endCxn id="12" idx="6"/>
+          </p:cNvCxnSpPr>
+          <p:nvPr/>
+        </p:nvCxnSpPr>
+        <p:spPr>
+          <a:xfrm rot="5400000">
+            <a:off x="3198846" y="3257938"/>
+            <a:ext cx="1911218" cy="3550299"/>
+          </a:xfrm>
+          <a:prstGeom prst="bentConnector2">
+            <a:avLst/>
+          </a:prstGeom>
+          <a:ln>
+            <a:tailEnd type="triangle"/>
+          </a:ln>
+        </p:spPr>
+        <p:style>
+          <a:lnRef idx="1">
+            <a:schemeClr val="accent1"/>
+          </a:lnRef>
+          <a:fillRef idx="0">
+            <a:schemeClr val="accent1"/>
+          </a:fillRef>
+          <a:effectRef idx="0">
+            <a:schemeClr val="accent1"/>
+          </a:effectRef>
+          <a:fontRef idx="minor">
+            <a:schemeClr val="tx1"/>
+          </a:fontRef>
+        </p:style>
+      </p:cxnSp>
+      <p:sp>
+        <p:nvSpPr>
+          <p:cNvPr id="15" name="Oval 14">
+            <a:extLst>
+              <a:ext uri="{FF2B5EF4-FFF2-40B4-BE49-F238E27FC236}">
+                <a16:creationId xmlns:a16="http://schemas.microsoft.com/office/drawing/2014/main" id="{DCBF7B08-8B32-9A3F-0F5C-80A8D8E84544}"/>
+              </a:ext>
+            </a:extLst>
+          </p:cNvPr>
+          <p:cNvSpPr/>
+          <p:nvPr/>
+        </p:nvSpPr>
+        <p:spPr>
+          <a:xfrm>
+            <a:off x="5026089" y="40429"/>
+            <a:ext cx="1996751" cy="1539551"/>
+          </a:xfrm>
+          <a:prstGeom prst="ellipse">
+            <a:avLst/>
+          </a:prstGeom>
+          <a:solidFill>
+            <a:schemeClr val="accent2">
+              <a:lumMod val="50000"/>
+            </a:schemeClr>
+          </a:solidFill>
+        </p:spPr>
+        <p:style>
+          <a:lnRef idx="2">
+            <a:schemeClr val="accent1">
+              <a:shade val="15000"/>
+            </a:schemeClr>
+          </a:lnRef>
+          <a:fillRef idx="1">
+            <a:schemeClr val="accent1"/>
+          </a:fillRef>
+          <a:effectRef idx="0">
+            <a:schemeClr val="accent1"/>
+          </a:effectRef>
+          <a:fontRef idx="minor">
+            <a:schemeClr val="lt1"/>
+          </a:fontRef>
+        </p:style>
+        <p:txBody>
+          <a:bodyPr rtlCol="0" anchor="ctr"/>
+          <a:lstStyle/>
+          <a:p>
+            <a:pPr algn="ctr"/>
+            <a:r>
+              <a:rPr lang="en-US" dirty="0"/>
+              <a:t>Azure AD for App Security</a:t>
+            </a:r>
+          </a:p>
+        </p:txBody>
+      </p:sp>
+      <p:cxnSp>
+        <p:nvCxnSpPr>
+          <p:cNvPr id="19" name="Connector: Elbow 18">
+            <a:extLst>
+              <a:ext uri="{FF2B5EF4-FFF2-40B4-BE49-F238E27FC236}">
+                <a16:creationId xmlns:a16="http://schemas.microsoft.com/office/drawing/2014/main" id="{99B0CEF0-FAC4-2A7C-0CA8-E966A2D55107}"/>
+              </a:ext>
+            </a:extLst>
+          </p:cNvPr>
+          <p:cNvCxnSpPr>
+            <a:stCxn id="2" idx="0"/>
+            <a:endCxn id="15" idx="4"/>
+          </p:cNvCxnSpPr>
+          <p:nvPr/>
+        </p:nvCxnSpPr>
+        <p:spPr>
+          <a:xfrm rot="5400000" flipH="1" flipV="1">
+            <a:off x="5563375" y="1946209"/>
+            <a:ext cx="827318" cy="94861"/>
+          </a:xfrm>
+          <a:prstGeom prst="bentConnector3">
+            <a:avLst/>
+          </a:prstGeom>
+          <a:ln>
+            <a:tailEnd type="triangle"/>
+          </a:ln>
+        </p:spPr>
+        <p:style>
+          <a:lnRef idx="1">
+            <a:schemeClr val="accent1"/>
+          </a:lnRef>
+          <a:fillRef idx="0">
+            <a:schemeClr val="accent1"/>
+          </a:fillRef>
+          <a:effectRef idx="0">
+            <a:schemeClr val="accent1"/>
+          </a:effectRef>
+          <a:fontRef idx="minor">
+            <a:schemeClr val="tx1"/>
+          </a:fontRef>
+        </p:style>
+      </p:cxnSp>
+    </p:spTree>
+    <p:extLst>
+      <p:ext uri="{BB962C8B-B14F-4D97-AF65-F5344CB8AC3E}">
+        <p14:creationId xmlns:p14="http://schemas.microsoft.com/office/powerpoint/2010/main" val="3952206402"/>
+      </p:ext>
+    </p:extLst>
+  </p:cSld>
+  <p:clrMapOvr>
+    <a:masterClrMapping/>
+  </p:clrMapOvr>
+</p:sld>
+</file>
+
+<file path=ppt/slides/slide38.xml><?xml version="1.0" encoding="utf-8"?>
+<p:sld xmlns:a="http://schemas.openxmlformats.org/drawingml/2006/main" xmlns:r="http://schemas.openxmlformats.org/officeDocument/2006/relationships" xmlns:p="http://schemas.openxmlformats.org/presentationml/2006/main">
+  <p:cSld>
+    <p:spTree>
+      <p:nvGrpSpPr>
+        <p:cNvPr id="1" name=""/>
+        <p:cNvGrpSpPr/>
+        <p:nvPr/>
+      </p:nvGrpSpPr>
+      <p:grpSpPr>
+        <a:xfrm>
+          <a:off x="0" y="0"/>
+          <a:ext cx="0" cy="0"/>
+          <a:chOff x="0" y="0"/>
+          <a:chExt cx="0" cy="0"/>
+        </a:xfrm>
+      </p:grpSpPr>
+      <p:sp>
+        <p:nvSpPr>
+          <p:cNvPr id="2" name="Rectangle: Rounded Corners 1">
+            <a:extLst>
+              <a:ext uri="{FF2B5EF4-FFF2-40B4-BE49-F238E27FC236}">
+                <a16:creationId xmlns:a16="http://schemas.microsoft.com/office/drawing/2014/main" id="{C7863010-EE60-8A80-77B7-5DEFE534C7A7}"/>
+              </a:ext>
+            </a:extLst>
+          </p:cNvPr>
+          <p:cNvSpPr/>
+          <p:nvPr/>
+        </p:nvSpPr>
+        <p:spPr>
+          <a:xfrm>
+            <a:off x="746449" y="2911151"/>
+            <a:ext cx="2621902" cy="1315616"/>
+          </a:xfrm>
+          <a:prstGeom prst="roundRect">
+            <a:avLst/>
+          </a:prstGeom>
+        </p:spPr>
+        <p:style>
+          <a:lnRef idx="2">
+            <a:schemeClr val="accent1">
+              <a:shade val="15000"/>
+            </a:schemeClr>
+          </a:lnRef>
+          <a:fillRef idx="1">
+            <a:schemeClr val="accent1"/>
+          </a:fillRef>
+          <a:effectRef idx="0">
+            <a:schemeClr val="accent1"/>
+          </a:effectRef>
+          <a:fontRef idx="minor">
+            <a:schemeClr val="lt1"/>
+          </a:fontRef>
+        </p:style>
+        <p:txBody>
+          <a:bodyPr rtlCol="0" anchor="ctr"/>
+          <a:lstStyle/>
+          <a:p>
+            <a:pPr algn="ctr"/>
+            <a:r>
+              <a:rPr lang="en-US" dirty="0"/>
+              <a:t>Test</a:t>
+            </a:r>
+          </a:p>
+        </p:txBody>
+      </p:sp>
+      <p:sp>
+        <p:nvSpPr>
+          <p:cNvPr id="3" name="Oval 2">
+            <a:extLst>
+              <a:ext uri="{FF2B5EF4-FFF2-40B4-BE49-F238E27FC236}">
+                <a16:creationId xmlns:a16="http://schemas.microsoft.com/office/drawing/2014/main" id="{134F9180-1AC2-9551-945F-D4C300D39989}"/>
+              </a:ext>
+            </a:extLst>
+          </p:cNvPr>
+          <p:cNvSpPr/>
+          <p:nvPr/>
+        </p:nvSpPr>
+        <p:spPr>
+          <a:xfrm>
+            <a:off x="3797559" y="1800808"/>
+            <a:ext cx="1567543" cy="1110343"/>
+          </a:xfrm>
+          <a:prstGeom prst="ellipse">
+            <a:avLst/>
+          </a:prstGeom>
+        </p:spPr>
+        <p:style>
+          <a:lnRef idx="2">
+            <a:schemeClr val="accent1">
+              <a:shade val="15000"/>
+            </a:schemeClr>
+          </a:lnRef>
+          <a:fillRef idx="1">
+            <a:schemeClr val="accent1"/>
+          </a:fillRef>
+          <a:effectRef idx="0">
+            <a:schemeClr val="accent1"/>
+          </a:effectRef>
+          <a:fontRef idx="minor">
+            <a:schemeClr val="lt1"/>
+          </a:fontRef>
+        </p:style>
+        <p:txBody>
+          <a:bodyPr rtlCol="0" anchor="ctr"/>
+          <a:lstStyle/>
+          <a:p>
+            <a:pPr algn="ctr"/>
+            <a:r>
+              <a:rPr lang="en-US" dirty="0"/>
+              <a:t>Mock 4</a:t>
+            </a:r>
+          </a:p>
+        </p:txBody>
+      </p:sp>
+      <p:cxnSp>
+        <p:nvCxnSpPr>
+          <p:cNvPr id="5" name="Connector: Elbow 4">
+            <a:extLst>
+              <a:ext uri="{FF2B5EF4-FFF2-40B4-BE49-F238E27FC236}">
+                <a16:creationId xmlns:a16="http://schemas.microsoft.com/office/drawing/2014/main" id="{A2555FDD-EB67-3C17-A749-D5389BF36251}"/>
+              </a:ext>
+            </a:extLst>
+          </p:cNvPr>
+          <p:cNvCxnSpPr>
+            <a:stCxn id="3" idx="2"/>
+            <a:endCxn id="2" idx="0"/>
+          </p:cNvCxnSpPr>
+          <p:nvPr/>
+        </p:nvCxnSpPr>
+        <p:spPr>
+          <a:xfrm rot="10800000" flipV="1">
+            <a:off x="2057401" y="2355979"/>
+            <a:ext cx="1740159" cy="555171"/>
+          </a:xfrm>
+          <a:prstGeom prst="bentConnector2">
+            <a:avLst/>
+          </a:prstGeom>
+          <a:ln>
+            <a:tailEnd type="triangle"/>
+          </a:ln>
+        </p:spPr>
+        <p:style>
+          <a:lnRef idx="1">
+            <a:schemeClr val="accent1"/>
+          </a:lnRef>
+          <a:fillRef idx="0">
+            <a:schemeClr val="accent1"/>
+          </a:fillRef>
+          <a:effectRef idx="0">
+            <a:schemeClr val="accent1"/>
+          </a:effectRef>
+          <a:fontRef idx="minor">
+            <a:schemeClr val="tx1"/>
+          </a:fontRef>
+        </p:style>
+      </p:cxnSp>
+      <p:sp>
+        <p:nvSpPr>
+          <p:cNvPr id="6" name="Oval 5">
+            <a:extLst>
+              <a:ext uri="{FF2B5EF4-FFF2-40B4-BE49-F238E27FC236}">
+                <a16:creationId xmlns:a16="http://schemas.microsoft.com/office/drawing/2014/main" id="{3FFC8B69-2DB4-71BE-1466-8F6349DE9704}"/>
+              </a:ext>
+            </a:extLst>
+          </p:cNvPr>
+          <p:cNvSpPr/>
+          <p:nvPr/>
+        </p:nvSpPr>
+        <p:spPr>
+          <a:xfrm>
+            <a:off x="5722775" y="469641"/>
+            <a:ext cx="1567543" cy="1110343"/>
+          </a:xfrm>
+          <a:prstGeom prst="ellipse">
+            <a:avLst/>
+          </a:prstGeom>
+        </p:spPr>
+        <p:style>
+          <a:lnRef idx="2">
+            <a:schemeClr val="accent1">
+              <a:shade val="15000"/>
+            </a:schemeClr>
+          </a:lnRef>
+          <a:fillRef idx="1">
+            <a:schemeClr val="accent1"/>
+          </a:fillRef>
+          <a:effectRef idx="0">
+            <a:schemeClr val="accent1"/>
+          </a:effectRef>
+          <a:fontRef idx="minor">
+            <a:schemeClr val="lt1"/>
+          </a:fontRef>
+        </p:style>
+        <p:txBody>
+          <a:bodyPr rtlCol="0" anchor="ctr"/>
+          <a:lstStyle/>
+          <a:p>
+            <a:pPr algn="ctr"/>
+            <a:r>
+              <a:rPr lang="en-US" dirty="0"/>
+              <a:t>Mock 3</a:t>
+            </a:r>
+          </a:p>
+        </p:txBody>
+      </p:sp>
+      <p:sp>
+        <p:nvSpPr>
+          <p:cNvPr id="7" name="Oval 6">
+            <a:extLst>
+              <a:ext uri="{FF2B5EF4-FFF2-40B4-BE49-F238E27FC236}">
+                <a16:creationId xmlns:a16="http://schemas.microsoft.com/office/drawing/2014/main" id="{11577AF9-EA2E-43E6-B518-68DA97C110A9}"/>
+              </a:ext>
+            </a:extLst>
+          </p:cNvPr>
+          <p:cNvSpPr/>
+          <p:nvPr/>
+        </p:nvSpPr>
+        <p:spPr>
+          <a:xfrm>
+            <a:off x="8842309" y="1405812"/>
+            <a:ext cx="1567543" cy="1110343"/>
+          </a:xfrm>
+          <a:prstGeom prst="ellipse">
+            <a:avLst/>
+          </a:prstGeom>
+        </p:spPr>
+        <p:style>
+          <a:lnRef idx="2">
+            <a:schemeClr val="accent1">
+              <a:shade val="15000"/>
+            </a:schemeClr>
+          </a:lnRef>
+          <a:fillRef idx="1">
+            <a:schemeClr val="accent1"/>
+          </a:fillRef>
+          <a:effectRef idx="0">
+            <a:schemeClr val="accent1"/>
+          </a:effectRef>
+          <a:fontRef idx="minor">
+            <a:schemeClr val="lt1"/>
+          </a:fontRef>
+        </p:style>
+        <p:txBody>
+          <a:bodyPr rtlCol="0" anchor="ctr"/>
+          <a:lstStyle/>
+          <a:p>
+            <a:pPr algn="ctr"/>
+            <a:r>
+              <a:rPr lang="en-US" dirty="0"/>
+              <a:t>Mock 2</a:t>
+            </a:r>
+          </a:p>
+        </p:txBody>
+      </p:sp>
+      <p:sp>
+        <p:nvSpPr>
+          <p:cNvPr id="8" name="Oval 7">
+            <a:extLst>
+              <a:ext uri="{FF2B5EF4-FFF2-40B4-BE49-F238E27FC236}">
+                <a16:creationId xmlns:a16="http://schemas.microsoft.com/office/drawing/2014/main" id="{67A5B159-0F59-1215-7739-E5D3F4EE407D}"/>
+              </a:ext>
+            </a:extLst>
+          </p:cNvPr>
+          <p:cNvSpPr/>
+          <p:nvPr/>
+        </p:nvSpPr>
+        <p:spPr>
+          <a:xfrm>
+            <a:off x="8910733" y="3671595"/>
+            <a:ext cx="1567543" cy="1110343"/>
+          </a:xfrm>
+          <a:prstGeom prst="ellipse">
+            <a:avLst/>
+          </a:prstGeom>
+        </p:spPr>
+        <p:style>
+          <a:lnRef idx="2">
+            <a:schemeClr val="accent1">
+              <a:shade val="15000"/>
+            </a:schemeClr>
+          </a:lnRef>
+          <a:fillRef idx="1">
+            <a:schemeClr val="accent1"/>
+          </a:fillRef>
+          <a:effectRef idx="0">
+            <a:schemeClr val="accent1"/>
+          </a:effectRef>
+          <a:fontRef idx="minor">
+            <a:schemeClr val="lt1"/>
+          </a:fontRef>
+        </p:style>
+        <p:txBody>
+          <a:bodyPr rtlCol="0" anchor="ctr"/>
+          <a:lstStyle/>
+          <a:p>
+            <a:pPr algn="ctr"/>
+            <a:r>
+              <a:rPr lang="en-US" dirty="0"/>
+              <a:t>Mock 1</a:t>
+            </a:r>
+          </a:p>
+        </p:txBody>
+      </p:sp>
+      <p:cxnSp>
+        <p:nvCxnSpPr>
+          <p:cNvPr id="12" name="Connector: Elbow 11">
+            <a:extLst>
+              <a:ext uri="{FF2B5EF4-FFF2-40B4-BE49-F238E27FC236}">
+                <a16:creationId xmlns:a16="http://schemas.microsoft.com/office/drawing/2014/main" id="{ADD0CEE8-B0F6-E734-2DBA-012868AADB8D}"/>
+              </a:ext>
+            </a:extLst>
+          </p:cNvPr>
+          <p:cNvCxnSpPr>
+            <a:stCxn id="8" idx="6"/>
+            <a:endCxn id="7" idx="6"/>
+          </p:cNvCxnSpPr>
+          <p:nvPr/>
+        </p:nvCxnSpPr>
+        <p:spPr>
+          <a:xfrm flipH="1" flipV="1">
+            <a:off x="10409852" y="1960984"/>
+            <a:ext cx="68424" cy="2265783"/>
+          </a:xfrm>
+          <a:prstGeom prst="bentConnector3">
+            <a:avLst>
+              <a:gd name="adj1" fmla="val -334093"/>
+            </a:avLst>
+          </a:prstGeom>
+          <a:ln>
+            <a:tailEnd type="triangle"/>
+          </a:ln>
+        </p:spPr>
+        <p:style>
+          <a:lnRef idx="1">
+            <a:schemeClr val="accent1"/>
+          </a:lnRef>
+          <a:fillRef idx="0">
+            <a:schemeClr val="accent1"/>
+          </a:fillRef>
+          <a:effectRef idx="0">
+            <a:schemeClr val="accent1"/>
+          </a:effectRef>
+          <a:fontRef idx="minor">
+            <a:schemeClr val="tx1"/>
+          </a:fontRef>
+        </p:style>
+      </p:cxnSp>
+      <p:cxnSp>
+        <p:nvCxnSpPr>
+          <p:cNvPr id="14" name="Connector: Elbow 13">
+            <a:extLst>
+              <a:ext uri="{FF2B5EF4-FFF2-40B4-BE49-F238E27FC236}">
+                <a16:creationId xmlns:a16="http://schemas.microsoft.com/office/drawing/2014/main" id="{199DA064-4FDD-9F83-AC92-5A3A99F2FB3C}"/>
+              </a:ext>
+            </a:extLst>
+          </p:cNvPr>
+          <p:cNvCxnSpPr>
+            <a:stCxn id="7" idx="0"/>
+            <a:endCxn id="6" idx="6"/>
+          </p:cNvCxnSpPr>
+          <p:nvPr/>
+        </p:nvCxnSpPr>
+        <p:spPr>
+          <a:xfrm rot="16200000" flipV="1">
+            <a:off x="8267701" y="47431"/>
+            <a:ext cx="380999" cy="2335763"/>
+          </a:xfrm>
+          <a:prstGeom prst="bentConnector2">
+            <a:avLst/>
+          </a:prstGeom>
+          <a:ln>
+            <a:tailEnd type="triangle"/>
+          </a:ln>
+        </p:spPr>
+        <p:style>
+          <a:lnRef idx="1">
+            <a:schemeClr val="accent1"/>
+          </a:lnRef>
+          <a:fillRef idx="0">
+            <a:schemeClr val="accent1"/>
+          </a:fillRef>
+          <a:effectRef idx="0">
+            <a:schemeClr val="accent1"/>
+          </a:effectRef>
+          <a:fontRef idx="minor">
+            <a:schemeClr val="tx1"/>
+          </a:fontRef>
+        </p:style>
+      </p:cxnSp>
+      <p:cxnSp>
+        <p:nvCxnSpPr>
+          <p:cNvPr id="16" name="Connector: Elbow 15">
+            <a:extLst>
+              <a:ext uri="{FF2B5EF4-FFF2-40B4-BE49-F238E27FC236}">
+                <a16:creationId xmlns:a16="http://schemas.microsoft.com/office/drawing/2014/main" id="{0893CBA1-8614-9620-8122-5E650346CF6F}"/>
+              </a:ext>
+            </a:extLst>
+          </p:cNvPr>
+          <p:cNvCxnSpPr>
+            <a:stCxn id="6" idx="2"/>
+          </p:cNvCxnSpPr>
+          <p:nvPr/>
+        </p:nvCxnSpPr>
+        <p:spPr>
+          <a:xfrm rot="10800000" flipV="1">
+            <a:off x="4441371" y="1024812"/>
+            <a:ext cx="1281404" cy="775995"/>
+          </a:xfrm>
+          <a:prstGeom prst="bentConnector3">
+            <a:avLst/>
+          </a:prstGeom>
+          <a:ln>
+            <a:tailEnd type="triangle"/>
+          </a:ln>
+        </p:spPr>
+        <p:style>
+          <a:lnRef idx="1">
+            <a:schemeClr val="accent1"/>
+          </a:lnRef>
+          <a:fillRef idx="0">
+            <a:schemeClr val="accent1"/>
+          </a:fillRef>
+          <a:effectRef idx="0">
+            <a:schemeClr val="accent1"/>
+          </a:effectRef>
+          <a:fontRef idx="minor">
+            <a:schemeClr val="tx1"/>
+          </a:fontRef>
+        </p:style>
+      </p:cxnSp>
+    </p:spTree>
+    <p:extLst>
+      <p:ext uri="{BB962C8B-B14F-4D97-AF65-F5344CB8AC3E}">
+        <p14:creationId xmlns:p14="http://schemas.microsoft.com/office/powerpoint/2010/main" val="475931719"/>
+      </p:ext>
+    </p:extLst>
+  </p:cSld>
+  <p:clrMapOvr>
+    <a:masterClrMapping/>
+  </p:clrMapOvr>
+</p:sld>
+</file>
+
+<file path=ppt/slides/slide39.xml><?xml version="1.0" encoding="utf-8"?>
+<p:sld xmlns:a="http://schemas.openxmlformats.org/drawingml/2006/main" xmlns:r="http://schemas.openxmlformats.org/officeDocument/2006/relationships" xmlns:p="http://schemas.openxmlformats.org/presentationml/2006/main">
+  <p:cSld>
+    <p:spTree>
+      <p:nvGrpSpPr>
+        <p:cNvPr id="1" name=""/>
+        <p:cNvGrpSpPr/>
+        <p:nvPr/>
+      </p:nvGrpSpPr>
+      <p:grpSpPr>
+        <a:xfrm>
+          <a:off x="0" y="0"/>
+          <a:ext cx="0" cy="0"/>
+          <a:chOff x="0" y="0"/>
+          <a:chExt cx="0" cy="0"/>
+        </a:xfrm>
+      </p:grpSpPr>
+      <p:sp>
+        <p:nvSpPr>
+          <p:cNvPr id="2" name="Rectangle 1">
+            <a:extLst>
+              <a:ext uri="{FF2B5EF4-FFF2-40B4-BE49-F238E27FC236}">
+                <a16:creationId xmlns:a16="http://schemas.microsoft.com/office/drawing/2014/main" id="{39EC00C8-2EA2-4C72-3353-80CF6002B9C8}"/>
+              </a:ext>
+            </a:extLst>
+          </p:cNvPr>
+          <p:cNvSpPr/>
+          <p:nvPr/>
+        </p:nvSpPr>
+        <p:spPr>
+          <a:xfrm>
+            <a:off x="606490" y="5570376"/>
+            <a:ext cx="11000792" cy="905069"/>
+          </a:xfrm>
+          <a:prstGeom prst="rect">
+            <a:avLst/>
+          </a:prstGeom>
+        </p:spPr>
+        <p:style>
+          <a:lnRef idx="2">
+            <a:schemeClr val="accent1">
+              <a:shade val="15000"/>
+            </a:schemeClr>
+          </a:lnRef>
+          <a:fillRef idx="1">
+            <a:schemeClr val="accent1"/>
+          </a:fillRef>
+          <a:effectRef idx="0">
+            <a:schemeClr val="accent1"/>
+          </a:effectRef>
+          <a:fontRef idx="minor">
+            <a:schemeClr val="lt1"/>
+          </a:fontRef>
+        </p:style>
+        <p:txBody>
+          <a:bodyPr rtlCol="0" anchor="ctr"/>
+          <a:lstStyle/>
+          <a:p>
+            <a:pPr algn="ctr"/>
+            <a:r>
+              <a:rPr lang="en-US" b="1" dirty="0"/>
+              <a:t>HOST OS</a:t>
+            </a:r>
+          </a:p>
+          <a:p>
+            <a:pPr algn="ctr"/>
+            <a:r>
+              <a:rPr lang="en-US" b="1" dirty="0"/>
+              <a:t>Enable for H/W Virtualization</a:t>
+            </a:r>
+          </a:p>
+        </p:txBody>
+      </p:sp>
+      <p:sp>
+        <p:nvSpPr>
+          <p:cNvPr id="3" name="Rectangle 2">
+            <a:extLst>
+              <a:ext uri="{FF2B5EF4-FFF2-40B4-BE49-F238E27FC236}">
+                <a16:creationId xmlns:a16="http://schemas.microsoft.com/office/drawing/2014/main" id="{7247DD39-67B4-9CCA-2025-106C5CD55A47}"/>
+              </a:ext>
+            </a:extLst>
+          </p:cNvPr>
+          <p:cNvSpPr/>
+          <p:nvPr/>
+        </p:nvSpPr>
+        <p:spPr>
+          <a:xfrm>
+            <a:off x="1192763" y="3060442"/>
+            <a:ext cx="9806473" cy="1978090"/>
+          </a:xfrm>
+          <a:prstGeom prst="rect">
+            <a:avLst/>
+          </a:prstGeom>
+        </p:spPr>
+        <p:style>
+          <a:lnRef idx="2">
+            <a:schemeClr val="dk1">
+              <a:shade val="15000"/>
+            </a:schemeClr>
+          </a:lnRef>
+          <a:fillRef idx="1">
+            <a:schemeClr val="dk1"/>
+          </a:fillRef>
+          <a:effectRef idx="0">
+            <a:schemeClr val="dk1"/>
+          </a:effectRef>
+          <a:fontRef idx="minor">
+            <a:schemeClr val="lt1"/>
+          </a:fontRef>
+        </p:style>
+        <p:txBody>
+          <a:bodyPr rtlCol="0" anchor="ctr"/>
+          <a:lstStyle/>
+          <a:p>
+            <a:pPr algn="ctr"/>
+            <a:endParaRPr lang="en-US" dirty="0"/>
+          </a:p>
+          <a:p>
+            <a:pPr algn="ctr"/>
+            <a:endParaRPr lang="en-US" dirty="0"/>
+          </a:p>
+          <a:p>
+            <a:pPr algn="ctr"/>
+            <a:endParaRPr lang="en-US" dirty="0"/>
+          </a:p>
+          <a:p>
+            <a:pPr algn="ctr"/>
+            <a:r>
+              <a:rPr lang="en-US" dirty="0"/>
+              <a:t>Docker </a:t>
+            </a:r>
+          </a:p>
+        </p:txBody>
+      </p:sp>
+      <p:sp>
+        <p:nvSpPr>
+          <p:cNvPr id="4" name="Rectangle 3">
+            <a:extLst>
+              <a:ext uri="{FF2B5EF4-FFF2-40B4-BE49-F238E27FC236}">
+                <a16:creationId xmlns:a16="http://schemas.microsoft.com/office/drawing/2014/main" id="{11B36B81-F937-3190-A917-5E79AE1B1F2D}"/>
+              </a:ext>
+            </a:extLst>
+          </p:cNvPr>
+          <p:cNvSpPr/>
+          <p:nvPr/>
+        </p:nvSpPr>
+        <p:spPr>
+          <a:xfrm>
+            <a:off x="1388705" y="3181739"/>
+            <a:ext cx="2733870" cy="597159"/>
+          </a:xfrm>
+          <a:prstGeom prst="rect">
+            <a:avLst/>
+          </a:prstGeom>
+          <a:solidFill>
+            <a:srgbClr val="FF0000"/>
+          </a:solidFill>
+        </p:spPr>
+        <p:style>
+          <a:lnRef idx="2">
+            <a:schemeClr val="accent1">
+              <a:shade val="15000"/>
+            </a:schemeClr>
+          </a:lnRef>
+          <a:fillRef idx="1">
+            <a:schemeClr val="accent1"/>
+          </a:fillRef>
+          <a:effectRef idx="0">
+            <a:schemeClr val="accent1"/>
+          </a:effectRef>
+          <a:fontRef idx="minor">
+            <a:schemeClr val="lt1"/>
+          </a:fontRef>
+        </p:style>
+        <p:txBody>
+          <a:bodyPr rtlCol="0" anchor="ctr"/>
+          <a:lstStyle/>
+          <a:p>
+            <a:pPr algn="ctr"/>
+            <a:r>
+              <a:rPr lang="en-US" dirty="0"/>
+              <a:t>Process Config</a:t>
+            </a:r>
+          </a:p>
+        </p:txBody>
+      </p:sp>
+      <p:sp>
+        <p:nvSpPr>
+          <p:cNvPr id="5" name="Rectangle 4">
+            <a:extLst>
+              <a:ext uri="{FF2B5EF4-FFF2-40B4-BE49-F238E27FC236}">
+                <a16:creationId xmlns:a16="http://schemas.microsoft.com/office/drawing/2014/main" id="{BF58908B-07B3-3D3C-F647-FD37BFA6C2FA}"/>
+              </a:ext>
+            </a:extLst>
+          </p:cNvPr>
+          <p:cNvSpPr/>
+          <p:nvPr/>
+        </p:nvSpPr>
+        <p:spPr>
+          <a:xfrm>
+            <a:off x="4827035" y="3181739"/>
+            <a:ext cx="2733870" cy="597159"/>
+          </a:xfrm>
+          <a:prstGeom prst="rect">
+            <a:avLst/>
+          </a:prstGeom>
+          <a:solidFill>
+            <a:srgbClr val="FF0000"/>
+          </a:solidFill>
+        </p:spPr>
+        <p:style>
+          <a:lnRef idx="2">
+            <a:schemeClr val="accent1">
+              <a:shade val="15000"/>
+            </a:schemeClr>
+          </a:lnRef>
+          <a:fillRef idx="1">
+            <a:schemeClr val="accent1"/>
+          </a:fillRef>
+          <a:effectRef idx="0">
+            <a:schemeClr val="accent1"/>
+          </a:effectRef>
+          <a:fontRef idx="minor">
+            <a:schemeClr val="lt1"/>
+          </a:fontRef>
+        </p:style>
+        <p:txBody>
+          <a:bodyPr rtlCol="0" anchor="ctr"/>
+          <a:lstStyle/>
+          <a:p>
+            <a:pPr algn="ctr"/>
+            <a:r>
+              <a:rPr lang="en-US" dirty="0"/>
+              <a:t>Memory Config</a:t>
+            </a:r>
+          </a:p>
+        </p:txBody>
+      </p:sp>
+      <p:sp>
+        <p:nvSpPr>
+          <p:cNvPr id="6" name="Rectangle 5">
+            <a:extLst>
+              <a:ext uri="{FF2B5EF4-FFF2-40B4-BE49-F238E27FC236}">
+                <a16:creationId xmlns:a16="http://schemas.microsoft.com/office/drawing/2014/main" id="{6F74DAF6-F317-8CE1-033C-6773CA3B3051}"/>
+              </a:ext>
+            </a:extLst>
+          </p:cNvPr>
+          <p:cNvSpPr/>
+          <p:nvPr/>
+        </p:nvSpPr>
+        <p:spPr>
+          <a:xfrm>
+            <a:off x="7993222" y="3191071"/>
+            <a:ext cx="2733870" cy="597159"/>
+          </a:xfrm>
+          <a:prstGeom prst="rect">
+            <a:avLst/>
+          </a:prstGeom>
+          <a:solidFill>
+            <a:srgbClr val="FF0000"/>
+          </a:solidFill>
+        </p:spPr>
+        <p:style>
+          <a:lnRef idx="2">
+            <a:schemeClr val="accent1">
+              <a:shade val="15000"/>
+            </a:schemeClr>
+          </a:lnRef>
+          <a:fillRef idx="1">
+            <a:schemeClr val="accent1"/>
+          </a:fillRef>
+          <a:effectRef idx="0">
+            <a:schemeClr val="accent1"/>
+          </a:effectRef>
+          <a:fontRef idx="minor">
+            <a:schemeClr val="lt1"/>
+          </a:fontRef>
+        </p:style>
+        <p:txBody>
+          <a:bodyPr rtlCol="0" anchor="ctr"/>
+          <a:lstStyle/>
+          <a:p>
+            <a:pPr algn="ctr"/>
+            <a:r>
+              <a:rPr lang="en-US" dirty="0"/>
+              <a:t>Network Config</a:t>
+            </a:r>
+          </a:p>
+        </p:txBody>
+      </p:sp>
+      <p:sp>
+        <p:nvSpPr>
+          <p:cNvPr id="7" name="Rectangle 6">
+            <a:extLst>
+              <a:ext uri="{FF2B5EF4-FFF2-40B4-BE49-F238E27FC236}">
+                <a16:creationId xmlns:a16="http://schemas.microsoft.com/office/drawing/2014/main" id="{FD261E01-5CA7-2244-6663-242509A21826}"/>
+              </a:ext>
+            </a:extLst>
+          </p:cNvPr>
+          <p:cNvSpPr/>
+          <p:nvPr/>
+        </p:nvSpPr>
+        <p:spPr>
+          <a:xfrm>
+            <a:off x="1388705" y="3788230"/>
+            <a:ext cx="9451911" cy="466529"/>
+          </a:xfrm>
+          <a:prstGeom prst="rect">
+            <a:avLst/>
+          </a:prstGeom>
+        </p:spPr>
+        <p:style>
+          <a:lnRef idx="3">
+            <a:schemeClr val="lt1"/>
+          </a:lnRef>
+          <a:fillRef idx="1">
+            <a:schemeClr val="accent2"/>
+          </a:fillRef>
+          <a:effectRef idx="1">
+            <a:schemeClr val="accent2"/>
+          </a:effectRef>
+          <a:fontRef idx="minor">
+            <a:schemeClr val="lt1"/>
+          </a:fontRef>
+        </p:style>
+        <p:txBody>
+          <a:bodyPr rtlCol="0" anchor="ctr"/>
+          <a:lstStyle/>
+          <a:p>
+            <a:pPr algn="ctr"/>
+            <a:r>
+              <a:rPr lang="en-US" dirty="0"/>
+              <a:t>Virtualization</a:t>
+            </a:r>
+          </a:p>
+        </p:txBody>
+      </p:sp>
+      <p:sp>
+        <p:nvSpPr>
+          <p:cNvPr id="8" name="Rectangle 7">
+            <a:extLst>
+              <a:ext uri="{FF2B5EF4-FFF2-40B4-BE49-F238E27FC236}">
+                <a16:creationId xmlns:a16="http://schemas.microsoft.com/office/drawing/2014/main" id="{3C07CE6C-AF4D-37DB-3A70-5CD5C011F75B}"/>
+              </a:ext>
+            </a:extLst>
+          </p:cNvPr>
+          <p:cNvSpPr/>
+          <p:nvPr/>
+        </p:nvSpPr>
+        <p:spPr>
+          <a:xfrm>
+            <a:off x="1427584" y="5029200"/>
+            <a:ext cx="9321281" cy="541176"/>
+          </a:xfrm>
+          <a:prstGeom prst="rect">
+            <a:avLst/>
+          </a:prstGeom>
+        </p:spPr>
+        <p:style>
+          <a:lnRef idx="1">
+            <a:schemeClr val="accent4"/>
+          </a:lnRef>
+          <a:fillRef idx="2">
+            <a:schemeClr val="accent4"/>
+          </a:fillRef>
+          <a:effectRef idx="1">
+            <a:schemeClr val="accent4"/>
+          </a:effectRef>
+          <a:fontRef idx="minor">
+            <a:schemeClr val="dk1"/>
+          </a:fontRef>
+        </p:style>
+        <p:txBody>
+          <a:bodyPr rtlCol="0" anchor="ctr"/>
+          <a:lstStyle/>
+          <a:p>
+            <a:pPr algn="ctr"/>
+            <a:r>
+              <a:rPr lang="en-US" b="1" dirty="0"/>
+              <a:t>Container Services</a:t>
+            </a:r>
+          </a:p>
+        </p:txBody>
+      </p:sp>
+      <p:sp>
+        <p:nvSpPr>
+          <p:cNvPr id="13" name="Rectangle 12">
+            <a:extLst>
+              <a:ext uri="{FF2B5EF4-FFF2-40B4-BE49-F238E27FC236}">
+                <a16:creationId xmlns:a16="http://schemas.microsoft.com/office/drawing/2014/main" id="{6D5CBA8C-B0A2-4709-448F-D4DE2B821652}"/>
+              </a:ext>
+            </a:extLst>
+          </p:cNvPr>
+          <p:cNvSpPr/>
+          <p:nvPr/>
+        </p:nvSpPr>
+        <p:spPr>
+          <a:xfrm>
+            <a:off x="1614197" y="475860"/>
+            <a:ext cx="2820953" cy="2575250"/>
+          </a:xfrm>
+          <a:prstGeom prst="rect">
+            <a:avLst/>
+          </a:prstGeom>
+          <a:solidFill>
+            <a:srgbClr val="002060"/>
+          </a:solidFill>
+        </p:spPr>
+        <p:style>
+          <a:lnRef idx="2">
+            <a:schemeClr val="accent1">
+              <a:shade val="15000"/>
+            </a:schemeClr>
+          </a:lnRef>
+          <a:fillRef idx="1">
+            <a:schemeClr val="accent1"/>
+          </a:fillRef>
+          <a:effectRef idx="0">
+            <a:schemeClr val="accent1"/>
+          </a:effectRef>
+          <a:fontRef idx="minor">
+            <a:schemeClr val="lt1"/>
+          </a:fontRef>
+        </p:style>
+        <p:txBody>
+          <a:bodyPr rtlCol="0" anchor="ctr"/>
+          <a:lstStyle/>
+          <a:p>
+            <a:pPr algn="ctr"/>
+            <a:endParaRPr lang="en-US"/>
+          </a:p>
+        </p:txBody>
+      </p:sp>
+      <p:sp>
+        <p:nvSpPr>
+          <p:cNvPr id="14" name="TextBox 13">
+            <a:extLst>
+              <a:ext uri="{FF2B5EF4-FFF2-40B4-BE49-F238E27FC236}">
+                <a16:creationId xmlns:a16="http://schemas.microsoft.com/office/drawing/2014/main" id="{596B0B92-83FD-302A-1D54-B6A10748090C}"/>
+              </a:ext>
+            </a:extLst>
+          </p:cNvPr>
+          <p:cNvSpPr txBox="1"/>
+          <p:nvPr/>
+        </p:nvSpPr>
+        <p:spPr>
+          <a:xfrm>
+            <a:off x="1698171" y="662473"/>
+            <a:ext cx="2584580" cy="369332"/>
+          </a:xfrm>
+          <a:prstGeom prst="rect">
+            <a:avLst/>
+          </a:prstGeom>
+          <a:noFill/>
+        </p:spPr>
+        <p:txBody>
+          <a:bodyPr wrap="square" rtlCol="0">
+            <a:spAutoFit/>
+          </a:bodyPr>
+          <a:lstStyle/>
+          <a:p>
+            <a:pPr algn="ctr"/>
+            <a:r>
+              <a:rPr lang="en-US" b="1" dirty="0">
+                <a:solidFill>
+                  <a:srgbClr val="FFFF00"/>
+                </a:solidFill>
+              </a:rPr>
+              <a:t>Container</a:t>
+            </a:r>
+          </a:p>
+        </p:txBody>
+      </p:sp>
+      <p:sp>
+        <p:nvSpPr>
+          <p:cNvPr id="15" name="Rectangle 14">
+            <a:extLst>
+              <a:ext uri="{FF2B5EF4-FFF2-40B4-BE49-F238E27FC236}">
+                <a16:creationId xmlns:a16="http://schemas.microsoft.com/office/drawing/2014/main" id="{34350BC7-138A-AAD6-E030-F9628E5A0AB4}"/>
+              </a:ext>
+            </a:extLst>
+          </p:cNvPr>
+          <p:cNvSpPr/>
+          <p:nvPr/>
+        </p:nvSpPr>
+        <p:spPr>
+          <a:xfrm>
+            <a:off x="1800808" y="1175657"/>
+            <a:ext cx="2481943" cy="1707504"/>
+          </a:xfrm>
+          <a:prstGeom prst="rect">
+            <a:avLst/>
+          </a:prstGeom>
+          <a:solidFill>
+            <a:srgbClr val="92D050"/>
+          </a:solidFill>
+        </p:spPr>
+        <p:style>
+          <a:lnRef idx="2">
+            <a:schemeClr val="accent1">
+              <a:shade val="15000"/>
+            </a:schemeClr>
+          </a:lnRef>
+          <a:fillRef idx="1">
+            <a:schemeClr val="accent1"/>
+          </a:fillRef>
+          <a:effectRef idx="0">
+            <a:schemeClr val="accent1"/>
+          </a:effectRef>
+          <a:fontRef idx="minor">
+            <a:schemeClr val="lt1"/>
+          </a:fontRef>
+        </p:style>
+        <p:txBody>
+          <a:bodyPr rtlCol="0" anchor="ctr"/>
+          <a:lstStyle/>
+          <a:p>
+            <a:pPr algn="ctr"/>
+            <a:endParaRPr lang="en-US"/>
+          </a:p>
+        </p:txBody>
+      </p:sp>
+      <p:sp>
+        <p:nvSpPr>
+          <p:cNvPr id="16" name="TextBox 15">
+            <a:extLst>
+              <a:ext uri="{FF2B5EF4-FFF2-40B4-BE49-F238E27FC236}">
+                <a16:creationId xmlns:a16="http://schemas.microsoft.com/office/drawing/2014/main" id="{9A56D706-227D-44EC-4E30-C38238A9BBE8}"/>
+              </a:ext>
+            </a:extLst>
+          </p:cNvPr>
+          <p:cNvSpPr txBox="1"/>
+          <p:nvPr/>
+        </p:nvSpPr>
+        <p:spPr>
+          <a:xfrm>
+            <a:off x="2099388" y="1343608"/>
+            <a:ext cx="2023187" cy="369332"/>
+          </a:xfrm>
+          <a:prstGeom prst="rect">
+            <a:avLst/>
+          </a:prstGeom>
+          <a:noFill/>
+        </p:spPr>
+        <p:txBody>
+          <a:bodyPr wrap="square" rtlCol="0">
+            <a:spAutoFit/>
+          </a:bodyPr>
+          <a:lstStyle/>
+          <a:p>
+            <a:pPr algn="ctr"/>
+            <a:r>
+              <a:rPr lang="en-US" b="1" dirty="0"/>
+              <a:t>Image</a:t>
+            </a:r>
+          </a:p>
+        </p:txBody>
+      </p:sp>
+      <p:sp>
+        <p:nvSpPr>
+          <p:cNvPr id="17" name="Rectangle 16">
+            <a:extLst>
+              <a:ext uri="{FF2B5EF4-FFF2-40B4-BE49-F238E27FC236}">
+                <a16:creationId xmlns:a16="http://schemas.microsoft.com/office/drawing/2014/main" id="{CCDD580E-D16A-6B27-BB85-C0C9FB3173E8}"/>
+              </a:ext>
+            </a:extLst>
+          </p:cNvPr>
+          <p:cNvSpPr/>
+          <p:nvPr/>
+        </p:nvSpPr>
+        <p:spPr>
+          <a:xfrm>
+            <a:off x="1912776" y="2463282"/>
+            <a:ext cx="2286000" cy="369332"/>
+          </a:xfrm>
+          <a:prstGeom prst="rect">
+            <a:avLst/>
+          </a:prstGeom>
+        </p:spPr>
+        <p:style>
+          <a:lnRef idx="2">
+            <a:schemeClr val="accent1">
+              <a:shade val="15000"/>
+            </a:schemeClr>
+          </a:lnRef>
+          <a:fillRef idx="1">
+            <a:schemeClr val="accent1"/>
+          </a:fillRef>
+          <a:effectRef idx="0">
+            <a:schemeClr val="accent1"/>
+          </a:effectRef>
+          <a:fontRef idx="minor">
+            <a:schemeClr val="lt1"/>
+          </a:fontRef>
+        </p:style>
+        <p:txBody>
+          <a:bodyPr rtlCol="0" anchor="ctr"/>
+          <a:lstStyle/>
+          <a:p>
+            <a:pPr algn="ctr"/>
+            <a:r>
+              <a:rPr lang="en-US" b="1" dirty="0"/>
+              <a:t>Base Image</a:t>
+            </a:r>
+          </a:p>
+        </p:txBody>
+      </p:sp>
+      <p:sp>
+        <p:nvSpPr>
+          <p:cNvPr id="18" name="Rectangle 17">
+            <a:extLst>
+              <a:ext uri="{FF2B5EF4-FFF2-40B4-BE49-F238E27FC236}">
+                <a16:creationId xmlns:a16="http://schemas.microsoft.com/office/drawing/2014/main" id="{D7B6A301-77F4-1951-577E-8336DB6832D5}"/>
+              </a:ext>
+            </a:extLst>
+          </p:cNvPr>
+          <p:cNvSpPr/>
+          <p:nvPr/>
+        </p:nvSpPr>
+        <p:spPr>
+          <a:xfrm>
+            <a:off x="1912776" y="1712940"/>
+            <a:ext cx="2286000" cy="582393"/>
+          </a:xfrm>
+          <a:prstGeom prst="rect">
+            <a:avLst/>
+          </a:prstGeom>
+          <a:solidFill>
+            <a:schemeClr val="accent2">
+              <a:lumMod val="50000"/>
+            </a:schemeClr>
+          </a:solidFill>
+        </p:spPr>
+        <p:style>
+          <a:lnRef idx="2">
+            <a:schemeClr val="accent1">
+              <a:shade val="15000"/>
+            </a:schemeClr>
+          </a:lnRef>
+          <a:fillRef idx="1">
+            <a:schemeClr val="accent1"/>
+          </a:fillRef>
+          <a:effectRef idx="0">
+            <a:schemeClr val="accent1"/>
+          </a:effectRef>
+          <a:fontRef idx="minor">
+            <a:schemeClr val="lt1"/>
+          </a:fontRef>
+        </p:style>
+        <p:txBody>
+          <a:bodyPr rtlCol="0" anchor="ctr"/>
+          <a:lstStyle/>
+          <a:p>
+            <a:pPr algn="ctr"/>
+            <a:r>
+              <a:rPr lang="en-US" b="1" dirty="0"/>
+              <a:t>Application Executable</a:t>
+            </a:r>
+          </a:p>
+        </p:txBody>
+      </p:sp>
+      <p:sp>
+        <p:nvSpPr>
+          <p:cNvPr id="24" name="Rectangle 23">
+            <a:extLst>
+              <a:ext uri="{FF2B5EF4-FFF2-40B4-BE49-F238E27FC236}">
+                <a16:creationId xmlns:a16="http://schemas.microsoft.com/office/drawing/2014/main" id="{6B44CF3D-2967-6CC1-FECD-60576C9C9611}"/>
+              </a:ext>
+            </a:extLst>
+          </p:cNvPr>
+          <p:cNvSpPr/>
+          <p:nvPr/>
+        </p:nvSpPr>
+        <p:spPr>
+          <a:xfrm>
+            <a:off x="4699518" y="472752"/>
+            <a:ext cx="2820953" cy="2575250"/>
+          </a:xfrm>
+          <a:prstGeom prst="rect">
+            <a:avLst/>
+          </a:prstGeom>
+          <a:solidFill>
+            <a:srgbClr val="002060"/>
+          </a:solidFill>
+        </p:spPr>
+        <p:style>
+          <a:lnRef idx="2">
+            <a:schemeClr val="accent1">
+              <a:shade val="15000"/>
+            </a:schemeClr>
+          </a:lnRef>
+          <a:fillRef idx="1">
+            <a:schemeClr val="accent1"/>
+          </a:fillRef>
+          <a:effectRef idx="0">
+            <a:schemeClr val="accent1"/>
+          </a:effectRef>
+          <a:fontRef idx="minor">
+            <a:schemeClr val="lt1"/>
+          </a:fontRef>
+        </p:style>
+        <p:txBody>
+          <a:bodyPr rtlCol="0" anchor="ctr"/>
+          <a:lstStyle/>
+          <a:p>
+            <a:pPr algn="ctr"/>
+            <a:endParaRPr lang="en-US"/>
+          </a:p>
+        </p:txBody>
+      </p:sp>
+      <p:sp>
+        <p:nvSpPr>
+          <p:cNvPr id="25" name="TextBox 24">
+            <a:extLst>
+              <a:ext uri="{FF2B5EF4-FFF2-40B4-BE49-F238E27FC236}">
+                <a16:creationId xmlns:a16="http://schemas.microsoft.com/office/drawing/2014/main" id="{B888CBC8-ED2C-B489-C7A3-145A263A44C9}"/>
+              </a:ext>
+            </a:extLst>
+          </p:cNvPr>
+          <p:cNvSpPr txBox="1"/>
+          <p:nvPr/>
+        </p:nvSpPr>
+        <p:spPr>
+          <a:xfrm>
+            <a:off x="4783492" y="659365"/>
+            <a:ext cx="2584580" cy="369332"/>
+          </a:xfrm>
+          <a:prstGeom prst="rect">
+            <a:avLst/>
+          </a:prstGeom>
+          <a:noFill/>
+        </p:spPr>
+        <p:txBody>
+          <a:bodyPr wrap="square" rtlCol="0">
+            <a:spAutoFit/>
+          </a:bodyPr>
+          <a:lstStyle/>
+          <a:p>
+            <a:pPr algn="ctr"/>
+            <a:r>
+              <a:rPr lang="en-US" b="1" dirty="0">
+                <a:solidFill>
+                  <a:srgbClr val="FFFF00"/>
+                </a:solidFill>
+              </a:rPr>
+              <a:t>Container</a:t>
+            </a:r>
+          </a:p>
+        </p:txBody>
+      </p:sp>
+      <p:sp>
+        <p:nvSpPr>
+          <p:cNvPr id="26" name="Rectangle 25">
+            <a:extLst>
+              <a:ext uri="{FF2B5EF4-FFF2-40B4-BE49-F238E27FC236}">
+                <a16:creationId xmlns:a16="http://schemas.microsoft.com/office/drawing/2014/main" id="{972F3EFF-3E80-11C6-6762-13857603B4B0}"/>
+              </a:ext>
+            </a:extLst>
+          </p:cNvPr>
+          <p:cNvSpPr/>
+          <p:nvPr/>
+        </p:nvSpPr>
+        <p:spPr>
+          <a:xfrm>
+            <a:off x="4886129" y="1172549"/>
+            <a:ext cx="2481943" cy="1707504"/>
+          </a:xfrm>
+          <a:prstGeom prst="rect">
+            <a:avLst/>
+          </a:prstGeom>
+          <a:solidFill>
+            <a:srgbClr val="92D050"/>
+          </a:solidFill>
+        </p:spPr>
+        <p:style>
+          <a:lnRef idx="2">
+            <a:schemeClr val="accent1">
+              <a:shade val="15000"/>
+            </a:schemeClr>
+          </a:lnRef>
+          <a:fillRef idx="1">
+            <a:schemeClr val="accent1"/>
+          </a:fillRef>
+          <a:effectRef idx="0">
+            <a:schemeClr val="accent1"/>
+          </a:effectRef>
+          <a:fontRef idx="minor">
+            <a:schemeClr val="lt1"/>
+          </a:fontRef>
+        </p:style>
+        <p:txBody>
+          <a:bodyPr rtlCol="0" anchor="ctr"/>
+          <a:lstStyle/>
+          <a:p>
+            <a:pPr algn="ctr"/>
+            <a:endParaRPr lang="en-US"/>
+          </a:p>
+        </p:txBody>
+      </p:sp>
+      <p:sp>
+        <p:nvSpPr>
+          <p:cNvPr id="27" name="TextBox 26">
+            <a:extLst>
+              <a:ext uri="{FF2B5EF4-FFF2-40B4-BE49-F238E27FC236}">
+                <a16:creationId xmlns:a16="http://schemas.microsoft.com/office/drawing/2014/main" id="{DFD9DE31-A09B-F60B-7701-821C6ED50F5F}"/>
+              </a:ext>
+            </a:extLst>
+          </p:cNvPr>
+          <p:cNvSpPr txBox="1"/>
+          <p:nvPr/>
+        </p:nvSpPr>
+        <p:spPr>
+          <a:xfrm>
+            <a:off x="5184709" y="1340500"/>
+            <a:ext cx="2023187" cy="369332"/>
+          </a:xfrm>
+          <a:prstGeom prst="rect">
+            <a:avLst/>
+          </a:prstGeom>
+          <a:noFill/>
+        </p:spPr>
+        <p:txBody>
+          <a:bodyPr wrap="square" rtlCol="0">
+            <a:spAutoFit/>
+          </a:bodyPr>
+          <a:lstStyle/>
+          <a:p>
+            <a:pPr algn="ctr"/>
+            <a:r>
+              <a:rPr lang="en-US" b="1" dirty="0"/>
+              <a:t>Image</a:t>
+            </a:r>
+          </a:p>
+        </p:txBody>
+      </p:sp>
+      <p:sp>
+        <p:nvSpPr>
+          <p:cNvPr id="28" name="Rectangle 27">
+            <a:extLst>
+              <a:ext uri="{FF2B5EF4-FFF2-40B4-BE49-F238E27FC236}">
+                <a16:creationId xmlns:a16="http://schemas.microsoft.com/office/drawing/2014/main" id="{934B1053-5B5D-5357-7986-6B5FE2F314E1}"/>
+              </a:ext>
+            </a:extLst>
+          </p:cNvPr>
+          <p:cNvSpPr/>
+          <p:nvPr/>
+        </p:nvSpPr>
+        <p:spPr>
+          <a:xfrm>
+            <a:off x="4998097" y="2460174"/>
+            <a:ext cx="2286000" cy="369332"/>
+          </a:xfrm>
+          <a:prstGeom prst="rect">
+            <a:avLst/>
+          </a:prstGeom>
+        </p:spPr>
+        <p:style>
+          <a:lnRef idx="2">
+            <a:schemeClr val="accent1">
+              <a:shade val="15000"/>
+            </a:schemeClr>
+          </a:lnRef>
+          <a:fillRef idx="1">
+            <a:schemeClr val="accent1"/>
+          </a:fillRef>
+          <a:effectRef idx="0">
+            <a:schemeClr val="accent1"/>
+          </a:effectRef>
+          <a:fontRef idx="minor">
+            <a:schemeClr val="lt1"/>
+          </a:fontRef>
+        </p:style>
+        <p:txBody>
+          <a:bodyPr rtlCol="0" anchor="ctr"/>
+          <a:lstStyle/>
+          <a:p>
+            <a:pPr algn="ctr"/>
+            <a:r>
+              <a:rPr lang="en-US" b="1" dirty="0"/>
+              <a:t>Base Image</a:t>
+            </a:r>
+          </a:p>
+        </p:txBody>
+      </p:sp>
+      <p:sp>
+        <p:nvSpPr>
+          <p:cNvPr id="29" name="Rectangle 28">
+            <a:extLst>
+              <a:ext uri="{FF2B5EF4-FFF2-40B4-BE49-F238E27FC236}">
+                <a16:creationId xmlns:a16="http://schemas.microsoft.com/office/drawing/2014/main" id="{B2234F1C-ED82-65F1-C477-534ADECCD024}"/>
+              </a:ext>
+            </a:extLst>
+          </p:cNvPr>
+          <p:cNvSpPr/>
+          <p:nvPr/>
+        </p:nvSpPr>
+        <p:spPr>
+          <a:xfrm>
+            <a:off x="4998097" y="1709832"/>
+            <a:ext cx="2286000" cy="582393"/>
+          </a:xfrm>
+          <a:prstGeom prst="rect">
+            <a:avLst/>
+          </a:prstGeom>
+          <a:solidFill>
+            <a:schemeClr val="accent2">
+              <a:lumMod val="50000"/>
+            </a:schemeClr>
+          </a:solidFill>
+        </p:spPr>
+        <p:style>
+          <a:lnRef idx="2">
+            <a:schemeClr val="accent1">
+              <a:shade val="15000"/>
+            </a:schemeClr>
+          </a:lnRef>
+          <a:fillRef idx="1">
+            <a:schemeClr val="accent1"/>
+          </a:fillRef>
+          <a:effectRef idx="0">
+            <a:schemeClr val="accent1"/>
+          </a:effectRef>
+          <a:fontRef idx="minor">
+            <a:schemeClr val="lt1"/>
+          </a:fontRef>
+        </p:style>
+        <p:txBody>
+          <a:bodyPr rtlCol="0" anchor="ctr"/>
+          <a:lstStyle/>
+          <a:p>
+            <a:pPr algn="ctr"/>
+            <a:r>
+              <a:rPr lang="en-US" b="1" dirty="0"/>
+              <a:t>Database</a:t>
+            </a:r>
+          </a:p>
+        </p:txBody>
+      </p:sp>
+      <p:sp>
+        <p:nvSpPr>
+          <p:cNvPr id="30" name="Rectangle 29">
+            <a:extLst>
+              <a:ext uri="{FF2B5EF4-FFF2-40B4-BE49-F238E27FC236}">
+                <a16:creationId xmlns:a16="http://schemas.microsoft.com/office/drawing/2014/main" id="{09C4F264-F140-720A-7123-1A9CF7A4CD86}"/>
+              </a:ext>
+            </a:extLst>
+          </p:cNvPr>
+          <p:cNvSpPr/>
+          <p:nvPr/>
+        </p:nvSpPr>
+        <p:spPr>
+          <a:xfrm>
+            <a:off x="7993222" y="472752"/>
+            <a:ext cx="2820953" cy="2575250"/>
+          </a:xfrm>
+          <a:prstGeom prst="rect">
+            <a:avLst/>
+          </a:prstGeom>
+          <a:solidFill>
+            <a:srgbClr val="002060"/>
+          </a:solidFill>
+        </p:spPr>
+        <p:style>
+          <a:lnRef idx="2">
+            <a:schemeClr val="accent1">
+              <a:shade val="15000"/>
+            </a:schemeClr>
+          </a:lnRef>
+          <a:fillRef idx="1">
+            <a:schemeClr val="accent1"/>
+          </a:fillRef>
+          <a:effectRef idx="0">
+            <a:schemeClr val="accent1"/>
+          </a:effectRef>
+          <a:fontRef idx="minor">
+            <a:schemeClr val="lt1"/>
+          </a:fontRef>
+        </p:style>
+        <p:txBody>
+          <a:bodyPr rtlCol="0" anchor="ctr"/>
+          <a:lstStyle/>
+          <a:p>
+            <a:pPr algn="ctr"/>
+            <a:endParaRPr lang="en-US"/>
+          </a:p>
+        </p:txBody>
+      </p:sp>
+      <p:sp>
+        <p:nvSpPr>
+          <p:cNvPr id="31" name="TextBox 30">
+            <a:extLst>
+              <a:ext uri="{FF2B5EF4-FFF2-40B4-BE49-F238E27FC236}">
+                <a16:creationId xmlns:a16="http://schemas.microsoft.com/office/drawing/2014/main" id="{78B72D5C-C689-F4EB-A847-F14048102668}"/>
+              </a:ext>
+            </a:extLst>
+          </p:cNvPr>
+          <p:cNvSpPr txBox="1"/>
+          <p:nvPr/>
+        </p:nvSpPr>
+        <p:spPr>
+          <a:xfrm>
+            <a:off x="8077196" y="659365"/>
+            <a:ext cx="2584580" cy="369332"/>
+          </a:xfrm>
+          <a:prstGeom prst="rect">
+            <a:avLst/>
+          </a:prstGeom>
+          <a:noFill/>
+        </p:spPr>
+        <p:txBody>
+          <a:bodyPr wrap="square" rtlCol="0">
+            <a:spAutoFit/>
+          </a:bodyPr>
+          <a:lstStyle/>
+          <a:p>
+            <a:pPr algn="ctr"/>
+            <a:r>
+              <a:rPr lang="en-US" b="1" dirty="0">
+                <a:solidFill>
+                  <a:srgbClr val="FFFF00"/>
+                </a:solidFill>
+              </a:rPr>
+              <a:t>Container</a:t>
+            </a:r>
+          </a:p>
+        </p:txBody>
+      </p:sp>
+      <p:sp>
+        <p:nvSpPr>
+          <p:cNvPr id="32" name="Rectangle 31">
+            <a:extLst>
+              <a:ext uri="{FF2B5EF4-FFF2-40B4-BE49-F238E27FC236}">
+                <a16:creationId xmlns:a16="http://schemas.microsoft.com/office/drawing/2014/main" id="{012E806D-A00A-5400-C275-FAE056481169}"/>
+              </a:ext>
+            </a:extLst>
+          </p:cNvPr>
+          <p:cNvSpPr/>
+          <p:nvPr/>
+        </p:nvSpPr>
+        <p:spPr>
+          <a:xfrm>
+            <a:off x="8179833" y="1172549"/>
+            <a:ext cx="2481943" cy="1707504"/>
+          </a:xfrm>
+          <a:prstGeom prst="rect">
+            <a:avLst/>
+          </a:prstGeom>
+          <a:solidFill>
+            <a:srgbClr val="92D050"/>
+          </a:solidFill>
+        </p:spPr>
+        <p:style>
+          <a:lnRef idx="2">
+            <a:schemeClr val="accent1">
+              <a:shade val="15000"/>
+            </a:schemeClr>
+          </a:lnRef>
+          <a:fillRef idx="1">
+            <a:schemeClr val="accent1"/>
+          </a:fillRef>
+          <a:effectRef idx="0">
+            <a:schemeClr val="accent1"/>
+          </a:effectRef>
+          <a:fontRef idx="minor">
+            <a:schemeClr val="lt1"/>
+          </a:fontRef>
+        </p:style>
+        <p:txBody>
+          <a:bodyPr rtlCol="0" anchor="ctr"/>
+          <a:lstStyle/>
+          <a:p>
+            <a:pPr algn="ctr"/>
+            <a:endParaRPr lang="en-US"/>
+          </a:p>
+        </p:txBody>
+      </p:sp>
+      <p:sp>
+        <p:nvSpPr>
+          <p:cNvPr id="33" name="TextBox 32">
+            <a:extLst>
+              <a:ext uri="{FF2B5EF4-FFF2-40B4-BE49-F238E27FC236}">
+                <a16:creationId xmlns:a16="http://schemas.microsoft.com/office/drawing/2014/main" id="{CA077395-F638-EA67-4DED-EAE45004EDF6}"/>
+              </a:ext>
+            </a:extLst>
+          </p:cNvPr>
+          <p:cNvSpPr txBox="1"/>
+          <p:nvPr/>
+        </p:nvSpPr>
+        <p:spPr>
+          <a:xfrm>
+            <a:off x="8478413" y="1340500"/>
+            <a:ext cx="2023187" cy="369332"/>
+          </a:xfrm>
+          <a:prstGeom prst="rect">
+            <a:avLst/>
+          </a:prstGeom>
+          <a:noFill/>
+        </p:spPr>
+        <p:txBody>
+          <a:bodyPr wrap="square" rtlCol="0">
+            <a:spAutoFit/>
+          </a:bodyPr>
+          <a:lstStyle/>
+          <a:p>
+            <a:pPr algn="ctr"/>
+            <a:r>
+              <a:rPr lang="en-US" b="1" dirty="0"/>
+              <a:t>Image</a:t>
+            </a:r>
+          </a:p>
+        </p:txBody>
+      </p:sp>
+      <p:sp>
+        <p:nvSpPr>
+          <p:cNvPr id="34" name="Rectangle 33">
+            <a:extLst>
+              <a:ext uri="{FF2B5EF4-FFF2-40B4-BE49-F238E27FC236}">
+                <a16:creationId xmlns:a16="http://schemas.microsoft.com/office/drawing/2014/main" id="{58E29CDF-2594-2F5C-3EBC-D567D83F4FE4}"/>
+              </a:ext>
+            </a:extLst>
+          </p:cNvPr>
+          <p:cNvSpPr/>
+          <p:nvPr/>
+        </p:nvSpPr>
+        <p:spPr>
+          <a:xfrm>
+            <a:off x="8291801" y="2460174"/>
+            <a:ext cx="2286000" cy="369332"/>
+          </a:xfrm>
+          <a:prstGeom prst="rect">
+            <a:avLst/>
+          </a:prstGeom>
+        </p:spPr>
+        <p:style>
+          <a:lnRef idx="2">
+            <a:schemeClr val="accent1">
+              <a:shade val="15000"/>
+            </a:schemeClr>
+          </a:lnRef>
+          <a:fillRef idx="1">
+            <a:schemeClr val="accent1"/>
+          </a:fillRef>
+          <a:effectRef idx="0">
+            <a:schemeClr val="accent1"/>
+          </a:effectRef>
+          <a:fontRef idx="minor">
+            <a:schemeClr val="lt1"/>
+          </a:fontRef>
+        </p:style>
+        <p:txBody>
+          <a:bodyPr rtlCol="0" anchor="ctr"/>
+          <a:lstStyle/>
+          <a:p>
+            <a:pPr algn="ctr"/>
+            <a:r>
+              <a:rPr lang="en-US" b="1" dirty="0"/>
+              <a:t>Base Image</a:t>
+            </a:r>
+          </a:p>
+        </p:txBody>
+      </p:sp>
+      <p:sp>
+        <p:nvSpPr>
+          <p:cNvPr id="35" name="Rectangle 34">
+            <a:extLst>
+              <a:ext uri="{FF2B5EF4-FFF2-40B4-BE49-F238E27FC236}">
+                <a16:creationId xmlns:a16="http://schemas.microsoft.com/office/drawing/2014/main" id="{40A9E0F5-53AE-7B9A-56CC-75A6848B77AF}"/>
+              </a:ext>
+            </a:extLst>
+          </p:cNvPr>
+          <p:cNvSpPr/>
+          <p:nvPr/>
+        </p:nvSpPr>
+        <p:spPr>
+          <a:xfrm>
+            <a:off x="8291801" y="1709832"/>
+            <a:ext cx="2286000" cy="582393"/>
+          </a:xfrm>
+          <a:prstGeom prst="rect">
+            <a:avLst/>
+          </a:prstGeom>
+          <a:solidFill>
+            <a:schemeClr val="accent2">
+              <a:lumMod val="50000"/>
+            </a:schemeClr>
+          </a:solidFill>
+        </p:spPr>
+        <p:style>
+          <a:lnRef idx="2">
+            <a:schemeClr val="accent1">
+              <a:shade val="15000"/>
+            </a:schemeClr>
+          </a:lnRef>
+          <a:fillRef idx="1">
+            <a:schemeClr val="accent1"/>
+          </a:fillRef>
+          <a:effectRef idx="0">
+            <a:schemeClr val="accent1"/>
+          </a:effectRef>
+          <a:fontRef idx="minor">
+            <a:schemeClr val="lt1"/>
+          </a:fontRef>
+        </p:style>
+        <p:txBody>
+          <a:bodyPr rtlCol="0" anchor="ctr"/>
+          <a:lstStyle/>
+          <a:p>
+            <a:pPr algn="ctr"/>
+            <a:r>
+              <a:rPr lang="en-US" b="1" dirty="0"/>
+              <a:t>Messaging</a:t>
+            </a:r>
+          </a:p>
+        </p:txBody>
+      </p:sp>
+    </p:spTree>
+    <p:extLst>
+      <p:ext uri="{BB962C8B-B14F-4D97-AF65-F5344CB8AC3E}">
+        <p14:creationId xmlns:p14="http://schemas.microsoft.com/office/powerpoint/2010/main" val="997932534"/>
+      </p:ext>
+    </p:extLst>
+  </p:cSld>
+  <p:clrMapOvr>
+    <a:masterClrMapping/>
+  </p:clrMapOvr>
+</p:sld>
+</file>
+
 <file path=ppt/slides/slide4.xml><?xml version="1.0" encoding="utf-8"?>
 <p:sld xmlns:a="http://schemas.openxmlformats.org/drawingml/2006/main" xmlns:r="http://schemas.openxmlformats.org/officeDocument/2006/relationships" xmlns:p="http://schemas.openxmlformats.org/presentationml/2006/main">
   <p:cSld>
